--- a/italent/documents/Presentatie/Presentatie.pptx
+++ b/italent/documents/Presentatie/Presentatie.pptx
@@ -119,7 +119,7 @@
   </p:defaultTextStyle>
   <p:extLst>
     <p:ext uri="{EFAFB233-063F-42B5-8137-9DF3F51BA10A}">
-      <p15:sldGuideLst xmlns="" xmlns:p15="http://schemas.microsoft.com/office/powerpoint/2012/main">
+      <p15:sldGuideLst xmlns:p15="http://schemas.microsoft.com/office/powerpoint/2012/main" xmlns="">
         <p15:guide id="1" orient="horz" pos="2160">
           <p15:clr>
             <a:srgbClr val="A4A3A4"/>
@@ -709,7 +709,7 @@
               <a:pPr>
                 <a:defRPr/>
               </a:pPr>
-              <a:t>10-6-2016</a:t>
+              <a:t>12-6-2016</a:t>
             </a:fld>
             <a:endParaRPr lang="nl-NL" dirty="0">
               <a:solidFill>
@@ -1065,7 +1065,7 @@
               <a:pPr>
                 <a:defRPr/>
               </a:pPr>
-              <a:t>10-6-2016</a:t>
+              <a:t>12-6-2016</a:t>
             </a:fld>
             <a:endParaRPr lang="nl-NL" dirty="0"/>
           </a:p>
@@ -1330,7 +1330,7 @@
               <a:pPr>
                 <a:defRPr/>
               </a:pPr>
-              <a:t>10-6-2016</a:t>
+              <a:t>12-6-2016</a:t>
             </a:fld>
             <a:endParaRPr lang="nl-NL">
               <a:solidFill>
@@ -1609,7 +1609,7 @@
               <a:pPr>
                 <a:defRPr/>
               </a:pPr>
-              <a:t>10-6-2016</a:t>
+              <a:t>12-6-2016</a:t>
             </a:fld>
             <a:endParaRPr lang="nl-NL">
               <a:solidFill>
@@ -1878,7 +1878,7 @@
               <a:pPr>
                 <a:defRPr/>
               </a:pPr>
-              <a:t>10-6-2016</a:t>
+              <a:t>12-6-2016</a:t>
             </a:fld>
             <a:endParaRPr lang="nl-NL">
               <a:solidFill>
@@ -2261,7 +2261,7 @@
               <a:pPr>
                 <a:defRPr/>
               </a:pPr>
-              <a:t>10-6-2016</a:t>
+              <a:t>12-6-2016</a:t>
             </a:fld>
             <a:endParaRPr lang="nl-NL" dirty="0"/>
           </a:p>
@@ -2644,7 +2644,7 @@
               <a:pPr>
                 <a:defRPr/>
               </a:pPr>
-              <a:t>10-6-2016</a:t>
+              <a:t>12-6-2016</a:t>
             </a:fld>
             <a:endParaRPr lang="nl-NL">
               <a:solidFill>
@@ -3165,7 +3165,7 @@
               <a:pPr>
                 <a:defRPr/>
               </a:pPr>
-              <a:t>10-6-2016</a:t>
+              <a:t>12-6-2016</a:t>
             </a:fld>
             <a:endParaRPr lang="nl-NL">
               <a:solidFill>
@@ -3382,7 +3382,7 @@
               <a:pPr>
                 <a:defRPr/>
               </a:pPr>
-              <a:t>10-6-2016</a:t>
+              <a:t>12-6-2016</a:t>
             </a:fld>
             <a:endParaRPr lang="nl-NL">
               <a:solidFill>
@@ -3576,7 +3576,7 @@
               <a:pPr>
                 <a:defRPr/>
               </a:pPr>
-              <a:t>10-6-2016</a:t>
+              <a:t>12-6-2016</a:t>
             </a:fld>
             <a:endParaRPr lang="nl-NL">
               <a:solidFill>
@@ -3952,7 +3952,7 @@
               <a:pPr>
                 <a:defRPr/>
               </a:pPr>
-              <a:t>10-6-2016</a:t>
+              <a:t>12-6-2016</a:t>
             </a:fld>
             <a:endParaRPr lang="nl-NL">
               <a:solidFill>
@@ -4265,7 +4265,7 @@
               <a:pPr defTabSz="457200">
                 <a:defRPr/>
               </a:pPr>
-              <a:t>10-6-2016</a:t>
+              <a:t>12-6-2016</a:t>
             </a:fld>
             <a:endParaRPr lang="nl-NL">
               <a:solidFill>
@@ -5247,10 +5247,6 @@
               <a:rPr lang="nl-BE" dirty="0" smtClean="0"/>
               <a:t>IT-Project</a:t>
             </a:r>
-            <a:r>
-              <a:rPr lang="nl-BE" dirty="0" smtClean="0"/>
-              <a:t/>
-            </a:r>
             <a:br>
               <a:rPr lang="nl-BE" dirty="0" smtClean="0"/>
             </a:br>
@@ -5305,23 +5301,7 @@
                   <a:schemeClr val="tx1"/>
                 </a:solidFill>
               </a:rPr>
-              <a:t>Arjen </a:t>
-            </a:r>
-            <a:r>
-              <a:rPr lang="nl-BE" sz="1800" dirty="0" smtClean="0">
-                <a:solidFill>
-                  <a:schemeClr val="tx1"/>
-                </a:solidFill>
-              </a:rPr>
-              <a:t>Schuurman</a:t>
-            </a:r>
-            <a:r>
-              <a:rPr lang="nl-BE" sz="1800" dirty="0" smtClean="0">
-                <a:solidFill>
-                  <a:schemeClr val="tx1"/>
-                </a:solidFill>
-              </a:rPr>
-              <a:t/>
+              <a:t>Arjen Schuurman</a:t>
             </a:r>
             <a:br>
               <a:rPr lang="nl-BE" sz="1800" dirty="0" smtClean="0">
@@ -6283,13 +6263,8 @@
             </a:pPr>
             <a:r>
               <a:rPr lang="nl-BE" sz="3200" dirty="0" smtClean="0"/>
-              <a:t>Web </a:t>
-            </a:r>
-            <a:r>
-              <a:rPr lang="nl-BE" sz="3200" dirty="0" smtClean="0"/>
-              <a:t>applicatie</a:t>
-            </a:r>
-            <a:endParaRPr lang="nl-BE" sz="3200" dirty="0" smtClean="0"/>
+              <a:t>Webapplicatie</a:t>
+            </a:r>
           </a:p>
           <a:p>
             <a:pPr marL="457200" indent="-457200" defTabSz="457200" eaLnBrk="0" fontAlgn="base" hangingPunct="0">
@@ -6304,8 +6279,9 @@
             </a:pPr>
             <a:r>
               <a:rPr lang="nl-BE" sz="3200" dirty="0" smtClean="0"/>
-              <a:t>Kickstarter</a:t>
-            </a:r>
+              <a:t>Ideeën pitchen</a:t>
+            </a:r>
+            <a:endParaRPr lang="nl-BE" sz="3200" dirty="0" smtClean="0"/>
           </a:p>
           <a:p>
             <a:pPr marL="457200" indent="-457200" defTabSz="457200" eaLnBrk="0" fontAlgn="base" hangingPunct="0">
@@ -6320,15 +6296,7 @@
             </a:pPr>
             <a:r>
               <a:rPr lang="nl-BE" sz="3200" dirty="0" smtClean="0"/>
-              <a:t>Pitch idea </a:t>
-            </a:r>
-            <a:r>
-              <a:rPr lang="nl-BE" sz="3200" dirty="0"/>
-              <a:t>with </a:t>
-            </a:r>
-            <a:r>
-              <a:rPr lang="nl-BE" sz="3200" dirty="0" smtClean="0"/>
-              <a:t>media</a:t>
+              <a:t>Kickstarter</a:t>
             </a:r>
           </a:p>
           <a:p>
@@ -6344,7 +6312,15 @@
             </a:pPr>
             <a:r>
               <a:rPr lang="nl-BE" sz="3200" dirty="0" smtClean="0"/>
-              <a:t>Like/Subscribe</a:t>
+              <a:t>‘</a:t>
+            </a:r>
+            <a:r>
+              <a:rPr lang="nl-BE" sz="3200" i="1" dirty="0" smtClean="0"/>
+              <a:t>Liken</a:t>
+            </a:r>
+            <a:r>
+              <a:rPr lang="nl-BE" sz="3200" dirty="0" smtClean="0"/>
+              <a:t>’/leuk vinden</a:t>
             </a:r>
           </a:p>
           <a:p>
@@ -6359,24 +6335,27 @@
               <a:buChar char="•"/>
             </a:pPr>
             <a:r>
-              <a:rPr lang="nl-BE" sz="3200" dirty="0"/>
-              <a:t>S</a:t>
-            </a:r>
-            <a:r>
               <a:rPr lang="nl-BE" sz="3200" dirty="0" smtClean="0"/>
-              <a:t>tatus updates</a:t>
-            </a:r>
-            <a:r>
-              <a:rPr lang="nl-BE" sz="3200" dirty="0"/>
-              <a:t/>
-            </a:r>
-            <a:br>
-              <a:rPr lang="nl-BE" sz="3200" dirty="0"/>
-            </a:br>
-            <a:r>
-              <a:rPr lang="nl-BE" sz="3200" dirty="0"/>
-              <a:t> </a:t>
-            </a:r>
+              <a:t>Inschrijven/steunen</a:t>
+            </a:r>
+            <a:endParaRPr lang="nl-BE" sz="3200" dirty="0" smtClean="0"/>
+          </a:p>
+          <a:p>
+            <a:pPr marL="457200" indent="-457200" defTabSz="457200" eaLnBrk="0" fontAlgn="base" hangingPunct="0">
+              <a:spcBef>
+                <a:spcPct val="20000"/>
+              </a:spcBef>
+              <a:spcAft>
+                <a:spcPct val="0"/>
+              </a:spcAft>
+              <a:buFont typeface="Arial" panose="020B0604020202020204" pitchFamily="34" charset="0"/>
+              <a:buChar char="•"/>
+            </a:pPr>
+            <a:r>
+              <a:rPr lang="nl-BE" sz="3200" dirty="0" smtClean="0"/>
+              <a:t>Opvolging </a:t>
+            </a:r>
+            <a:endParaRPr lang="nl-BE" sz="3200" dirty="0"/>
           </a:p>
         </p:txBody>
       </p:sp>
@@ -6467,7 +6446,7 @@
           <a:p>
             <a:r>
               <a:rPr lang="nl-BE" b="1" dirty="0" smtClean="0"/>
-              <a:t>I-Talent Platform</a:t>
+              <a:t>I-Talent-Platform</a:t>
             </a:r>
             <a:endParaRPr lang="nl-BE" dirty="0"/>
           </a:p>
@@ -6612,7 +6591,7 @@
           <a:p>
             <a:r>
               <a:rPr lang="nl-BE" b="1" dirty="0" smtClean="0"/>
-              <a:t>I-Talent Platform</a:t>
+              <a:t>I-Talent-Platform</a:t>
             </a:r>
             <a:endParaRPr lang="nl-BE" dirty="0"/>
           </a:p>
@@ -6652,14 +6631,14 @@
             <a:pPr lvl="0"/>
             <a:r>
               <a:rPr lang="nl-BE" dirty="0" smtClean="0"/>
-              <a:t>Web based</a:t>
+              <a:t>Webapplicatie</a:t>
             </a:r>
             <a:endParaRPr lang="nl-BE" dirty="0"/>
           </a:p>
           <a:p>
             <a:pPr lvl="0"/>
             <a:r>
-              <a:rPr lang="en-US" dirty="0" smtClean="0"/>
+              <a:rPr lang="en-US" i="1" dirty="0" smtClean="0"/>
               <a:t>Future proof</a:t>
             </a:r>
           </a:p>
@@ -6673,18 +6652,18 @@
           <a:p>
             <a:pPr lvl="0"/>
             <a:r>
-              <a:rPr lang="nl-BE" dirty="0" smtClean="0"/>
+              <a:rPr lang="nl-BE" i="1" dirty="0" smtClean="0"/>
               <a:t>Single page</a:t>
             </a:r>
-            <a:endParaRPr lang="nl-BE" dirty="0"/>
+            <a:endParaRPr lang="nl-BE" i="1" dirty="0"/>
           </a:p>
           <a:p>
             <a:pPr lvl="0"/>
             <a:r>
-              <a:rPr lang="en-US" dirty="0" smtClean="0"/>
+              <a:rPr lang="en-US" i="1" dirty="0" smtClean="0"/>
               <a:t>Open Source</a:t>
             </a:r>
-            <a:endParaRPr lang="nl-BE" dirty="0"/>
+            <a:endParaRPr lang="nl-BE" i="1" dirty="0"/>
           </a:p>
         </p:txBody>
       </p:sp>
@@ -6741,9 +6720,10 @@
           <a:lstStyle/>
           <a:p>
             <a:r>
-              <a:rPr lang="nl-BE" dirty="0"/>
-              <a:t>I-Talent Platform</a:t>
-            </a:r>
+              <a:rPr lang="nl-BE" dirty="0" smtClean="0"/>
+              <a:t>I-Talent-Platform</a:t>
+            </a:r>
+            <a:endParaRPr lang="nl-BE" dirty="0"/>
           </a:p>
         </p:txBody>
       </p:sp>
@@ -6895,9 +6875,10 @@
           <a:lstStyle/>
           <a:p>
             <a:r>
-              <a:rPr lang="nl-BE" dirty="0"/>
-              <a:t>I-Talent Platform</a:t>
-            </a:r>
+              <a:rPr lang="nl-BE" dirty="0" smtClean="0"/>
+              <a:t>I-Talent-Platform</a:t>
+            </a:r>
+            <a:endParaRPr lang="nl-BE" dirty="0"/>
           </a:p>
         </p:txBody>
       </p:sp>

--- a/italent/documents/Presentatie/Presentatie.pptx
+++ b/italent/documents/Presentatie/Presentatie.pptx
@@ -9,16 +9,17 @@
     <p:sldId id="259" r:id="rId3"/>
     <p:sldId id="260" r:id="rId4"/>
     <p:sldId id="261" r:id="rId5"/>
-    <p:sldId id="262" r:id="rId6"/>
-    <p:sldId id="268" r:id="rId7"/>
-    <p:sldId id="264" r:id="rId8"/>
-    <p:sldId id="267" r:id="rId9"/>
-    <p:sldId id="265" r:id="rId10"/>
-    <p:sldId id="266" r:id="rId11"/>
-    <p:sldId id="269" r:id="rId12"/>
-    <p:sldId id="270" r:id="rId13"/>
-    <p:sldId id="271" r:id="rId14"/>
-    <p:sldId id="272" r:id="rId15"/>
+    <p:sldId id="273" r:id="rId6"/>
+    <p:sldId id="262" r:id="rId7"/>
+    <p:sldId id="268" r:id="rId8"/>
+    <p:sldId id="264" r:id="rId9"/>
+    <p:sldId id="267" r:id="rId10"/>
+    <p:sldId id="265" r:id="rId11"/>
+    <p:sldId id="266" r:id="rId12"/>
+    <p:sldId id="269" r:id="rId13"/>
+    <p:sldId id="270" r:id="rId14"/>
+    <p:sldId id="271" r:id="rId15"/>
+    <p:sldId id="272" r:id="rId16"/>
   </p:sldIdLst>
   <p:sldSz cx="12192000" cy="6858000"/>
   <p:notesSz cx="6858000" cy="9144000"/>
@@ -119,7 +120,7 @@
   </p:defaultTextStyle>
   <p:extLst>
     <p:ext uri="{EFAFB233-063F-42B5-8137-9DF3F51BA10A}">
-      <p15:sldGuideLst xmlns:p15="http://schemas.microsoft.com/office/powerpoint/2012/main" xmlns="">
+      <p15:sldGuideLst xmlns="" xmlns:p15="http://schemas.microsoft.com/office/powerpoint/2012/main">
         <p15:guide id="1" orient="horz" pos="2160">
           <p15:clr>
             <a:srgbClr val="A4A3A4"/>
@@ -5346,7 +5347,33 @@
                   <a:schemeClr val="tx1"/>
                 </a:solidFill>
               </a:rPr>
-              <a:t>Niek Vandael</a:t>
+              <a:t>Niek </a:t>
+            </a:r>
+            <a:r>
+              <a:rPr lang="nl-BE" sz="1800" dirty="0" smtClean="0">
+                <a:solidFill>
+                  <a:schemeClr val="tx1"/>
+                </a:solidFill>
+              </a:rPr>
+              <a:t>Vandael</a:t>
+            </a:r>
+          </a:p>
+          <a:p>
+            <a:r>
+              <a:rPr lang="nl-BE" sz="1800" dirty="0" smtClean="0">
+                <a:solidFill>
+                  <a:schemeClr val="tx1"/>
+                </a:solidFill>
+              </a:rPr>
+              <a:t>Bart Hunerbein</a:t>
+            </a:r>
+            <a:r>
+              <a:rPr lang="nl-BE" sz="1800" dirty="0" smtClean="0">
+                <a:solidFill>
+                  <a:schemeClr val="tx1"/>
+                </a:solidFill>
+              </a:rPr>
+              <a:t/>
             </a:r>
             <a:br>
               <a:rPr lang="nl-BE" sz="1800" dirty="0" smtClean="0">
@@ -5489,7 +5516,7 @@
           <a:p>
             <a:r>
               <a:rPr lang="en-US" dirty="0" smtClean="0"/>
-              <a:t>Tooling</a:t>
+              <a:t>Communication</a:t>
             </a:r>
             <a:endParaRPr lang="nl-BE" dirty="0"/>
           </a:p>
@@ -5519,6 +5546,147 @@
                 <a:defRPr/>
               </a:pPr>
               <a:t>10</a:t>
+            </a:fld>
+            <a:endParaRPr lang="nl-NL"/>
+          </a:p>
+        </p:txBody>
+      </p:sp>
+      <p:pic>
+        <p:nvPicPr>
+          <p:cNvPr id="5" name="Picture 4" descr="http://agilemodeling.com/images/communicationModes.gif"/>
+          <p:cNvPicPr/>
+          <p:nvPr/>
+        </p:nvPicPr>
+        <p:blipFill>
+          <a:blip r:embed="rId2">
+            <a:extLst>
+              <a:ext uri="{28A0092B-C50C-407E-A947-70E740481C1C}">
+                <a14:useLocalDpi xmlns:a14="http://schemas.microsoft.com/office/drawing/2010/main" val="0"/>
+              </a:ext>
+            </a:extLst>
+          </a:blip>
+          <a:srcRect/>
+          <a:stretch>
+            <a:fillRect/>
+          </a:stretch>
+        </p:blipFill>
+        <p:spPr bwMode="auto">
+          <a:xfrm>
+            <a:off x="3781169" y="1112108"/>
+            <a:ext cx="6870356" cy="5129149"/>
+          </a:xfrm>
+          <a:prstGeom prst="rect">
+            <a:avLst/>
+          </a:prstGeom>
+          <a:noFill/>
+          <a:ln>
+            <a:noFill/>
+          </a:ln>
+        </p:spPr>
+      </p:pic>
+    </p:spTree>
+    <p:extLst>
+      <p:ext uri="{BB962C8B-B14F-4D97-AF65-F5344CB8AC3E}">
+        <p14:creationId xmlns:p14="http://schemas.microsoft.com/office/powerpoint/2010/main" val="3608307393"/>
+      </p:ext>
+    </p:extLst>
+  </p:cSld>
+  <p:clrMapOvr>
+    <a:masterClrMapping/>
+  </p:clrMapOvr>
+  <p:timing>
+    <p:tnLst>
+      <p:par>
+        <p:cTn id="1" dur="indefinite" restart="never" nodeType="tmRoot"/>
+      </p:par>
+    </p:tnLst>
+  </p:timing>
+</p:sld>
+</file>
+
+<file path=ppt/slides/slide11.xml><?xml version="1.0" encoding="utf-8"?>
+<p:sld xmlns:a="http://schemas.openxmlformats.org/drawingml/2006/main" xmlns:r="http://schemas.openxmlformats.org/officeDocument/2006/relationships" xmlns:p="http://schemas.openxmlformats.org/presentationml/2006/main">
+  <p:cSld>
+    <p:spTree>
+      <p:nvGrpSpPr>
+        <p:cNvPr id="1" name=""/>
+        <p:cNvGrpSpPr/>
+        <p:nvPr/>
+      </p:nvGrpSpPr>
+      <p:grpSpPr>
+        <a:xfrm>
+          <a:off x="0" y="0"/>
+          <a:ext cx="0" cy="0"/>
+          <a:chOff x="0" y="0"/>
+          <a:chExt cx="0" cy="0"/>
+        </a:xfrm>
+      </p:grpSpPr>
+      <p:sp>
+        <p:nvSpPr>
+          <p:cNvPr id="2" name="Title 1"/>
+          <p:cNvSpPr>
+            <a:spLocks noGrp="1"/>
+          </p:cNvSpPr>
+          <p:nvPr>
+            <p:ph type="title"/>
+          </p:nvPr>
+        </p:nvSpPr>
+        <p:spPr/>
+        <p:txBody>
+          <a:bodyPr/>
+          <a:lstStyle/>
+          <a:p>
+            <a:endParaRPr lang="nl-BE" dirty="0"/>
+          </a:p>
+        </p:txBody>
+      </p:sp>
+      <p:sp>
+        <p:nvSpPr>
+          <p:cNvPr id="3" name="Content Placeholder 2"/>
+          <p:cNvSpPr>
+            <a:spLocks noGrp="1"/>
+          </p:cNvSpPr>
+          <p:nvPr>
+            <p:ph idx="1"/>
+          </p:nvPr>
+        </p:nvSpPr>
+        <p:spPr/>
+        <p:txBody>
+          <a:bodyPr/>
+          <a:lstStyle/>
+          <a:p>
+            <a:r>
+              <a:rPr lang="en-US" dirty="0" smtClean="0"/>
+              <a:t>Tooling</a:t>
+            </a:r>
+            <a:endParaRPr lang="nl-BE" dirty="0"/>
+          </a:p>
+        </p:txBody>
+      </p:sp>
+      <p:sp>
+        <p:nvSpPr>
+          <p:cNvPr id="4" name="Slide Number Placeholder 3"/>
+          <p:cNvSpPr>
+            <a:spLocks noGrp="1"/>
+          </p:cNvSpPr>
+          <p:nvPr>
+            <p:ph type="sldNum" sz="quarter" idx="12"/>
+          </p:nvPr>
+        </p:nvSpPr>
+        <p:spPr/>
+        <p:txBody>
+          <a:bodyPr/>
+          <a:lstStyle/>
+          <a:p>
+            <a:pPr>
+              <a:defRPr/>
+            </a:pPr>
+            <a:fld id="{BC2BCED3-7F4A-40F1-85DA-02B4B5A68187}" type="slidenum">
+              <a:rPr lang="nl-NL" smtClean="0"/>
+              <a:pPr>
+                <a:defRPr/>
+              </a:pPr>
+              <a:t>11</a:t>
             </a:fld>
             <a:endParaRPr lang="nl-NL"/>
           </a:p>
@@ -5665,161 +5833,6 @@
 </p:sld>
 </file>
 
-<file path=ppt/slides/slide11.xml><?xml version="1.0" encoding="utf-8"?>
-<p:sld xmlns:a="http://schemas.openxmlformats.org/drawingml/2006/main" xmlns:r="http://schemas.openxmlformats.org/officeDocument/2006/relationships" xmlns:p="http://schemas.openxmlformats.org/presentationml/2006/main">
-  <p:cSld>
-    <p:spTree>
-      <p:nvGrpSpPr>
-        <p:cNvPr id="1" name=""/>
-        <p:cNvGrpSpPr/>
-        <p:nvPr/>
-      </p:nvGrpSpPr>
-      <p:grpSpPr>
-        <a:xfrm>
-          <a:off x="0" y="0"/>
-          <a:ext cx="0" cy="0"/>
-          <a:chOff x="0" y="0"/>
-          <a:chExt cx="0" cy="0"/>
-        </a:xfrm>
-      </p:grpSpPr>
-      <p:sp>
-        <p:nvSpPr>
-          <p:cNvPr id="2" name="Title 1"/>
-          <p:cNvSpPr>
-            <a:spLocks noGrp="1"/>
-          </p:cNvSpPr>
-          <p:nvPr>
-            <p:ph type="title"/>
-          </p:nvPr>
-        </p:nvSpPr>
-        <p:spPr/>
-        <p:txBody>
-          <a:bodyPr/>
-          <a:lstStyle/>
-          <a:p>
-            <a:r>
-              <a:rPr lang="en-US" dirty="0" smtClean="0"/>
-              <a:t>We </a:t>
-            </a:r>
-            <a:r>
-              <a:rPr lang="en-US" dirty="0"/>
-              <a:t>would </a:t>
-            </a:r>
-            <a:r>
-              <a:rPr lang="en-US" dirty="0" smtClean="0"/>
-              <a:t>keep</a:t>
-            </a:r>
-            <a:endParaRPr lang="nl-BE" dirty="0"/>
-          </a:p>
-        </p:txBody>
-      </p:sp>
-      <p:sp>
-        <p:nvSpPr>
-          <p:cNvPr id="3" name="Content Placeholder 2"/>
-          <p:cNvSpPr>
-            <a:spLocks noGrp="1"/>
-          </p:cNvSpPr>
-          <p:nvPr>
-            <p:ph idx="1"/>
-          </p:nvPr>
-        </p:nvSpPr>
-        <p:spPr>
-          <a:xfrm>
-            <a:off x="1957294" y="1858384"/>
-            <a:ext cx="7789134" cy="2681343"/>
-          </a:xfrm>
-        </p:spPr>
-        <p:txBody>
-          <a:bodyPr/>
-          <a:lstStyle/>
-          <a:p>
-            <a:r>
-              <a:rPr lang="en-US" dirty="0"/>
-              <a:t>Daily </a:t>
-            </a:r>
-            <a:r>
-              <a:rPr lang="en-US" dirty="0" smtClean="0"/>
-              <a:t>communication</a:t>
-            </a:r>
-          </a:p>
-          <a:p>
-            <a:r>
-              <a:rPr lang="en-US" dirty="0" smtClean="0"/>
-              <a:t>Open Source/Cross Platform technologies</a:t>
-            </a:r>
-          </a:p>
-          <a:p>
-            <a:r>
-              <a:rPr lang="en-US" dirty="0" smtClean="0"/>
-              <a:t>Build- </a:t>
-            </a:r>
-            <a:r>
-              <a:rPr lang="en-US" dirty="0"/>
-              <a:t>and </a:t>
-            </a:r>
-            <a:r>
-              <a:rPr lang="en-US" dirty="0" smtClean="0"/>
-              <a:t>deploy processes</a:t>
-            </a:r>
-          </a:p>
-          <a:p>
-            <a:r>
-              <a:rPr lang="en-US" dirty="0" smtClean="0"/>
-              <a:t>SCRUM / Planning tools</a:t>
-            </a:r>
-            <a:endParaRPr lang="nl-BE" dirty="0"/>
-          </a:p>
-        </p:txBody>
-      </p:sp>
-      <p:sp>
-        <p:nvSpPr>
-          <p:cNvPr id="4" name="Slide Number Placeholder 3"/>
-          <p:cNvSpPr>
-            <a:spLocks noGrp="1"/>
-          </p:cNvSpPr>
-          <p:nvPr>
-            <p:ph type="sldNum" sz="quarter" idx="12"/>
-          </p:nvPr>
-        </p:nvSpPr>
-        <p:spPr/>
-        <p:txBody>
-          <a:bodyPr/>
-          <a:lstStyle/>
-          <a:p>
-            <a:pPr>
-              <a:defRPr/>
-            </a:pPr>
-            <a:fld id="{BC2BCED3-7F4A-40F1-85DA-02B4B5A68187}" type="slidenum">
-              <a:rPr lang="nl-NL" smtClean="0"/>
-              <a:pPr>
-                <a:defRPr/>
-              </a:pPr>
-              <a:t>11</a:t>
-            </a:fld>
-            <a:endParaRPr lang="nl-NL"/>
-          </a:p>
-        </p:txBody>
-      </p:sp>
-    </p:spTree>
-    <p:extLst>
-      <p:ext uri="{BB962C8B-B14F-4D97-AF65-F5344CB8AC3E}">
-        <p14:creationId xmlns:p14="http://schemas.microsoft.com/office/powerpoint/2010/main" val="3775131166"/>
-      </p:ext>
-    </p:extLst>
-  </p:cSld>
-  <p:clrMapOvr>
-    <a:masterClrMapping/>
-  </p:clrMapOvr>
-  <p:timing>
-    <p:tnLst>
-      <p:par>
-        <p:cTn id="1" dur="indefinite" restart="never" nodeType="tmRoot"/>
-      </p:par>
-    </p:tnLst>
-  </p:timing>
-</p:sld>
-</file>
-
 <file path=ppt/slides/slide12.xml><?xml version="1.0" encoding="utf-8"?>
 <p:sld xmlns:a="http://schemas.openxmlformats.org/drawingml/2006/main" xmlns:r="http://schemas.openxmlformats.org/officeDocument/2006/relationships" xmlns:p="http://schemas.openxmlformats.org/presentationml/2006/main">
   <p:cSld>
@@ -5862,7 +5875,7 @@
             </a:r>
             <a:r>
               <a:rPr lang="en-US" dirty="0" smtClean="0"/>
-              <a:t>change</a:t>
+              <a:t>keep</a:t>
             </a:r>
             <a:endParaRPr lang="nl-BE" dirty="0"/>
           </a:p>
@@ -5880,8 +5893,8 @@
         </p:nvSpPr>
         <p:spPr>
           <a:xfrm>
-            <a:off x="2136588" y="2138083"/>
-            <a:ext cx="7717416" cy="2681343"/>
+            <a:off x="1957294" y="1858384"/>
+            <a:ext cx="7789134" cy="2681343"/>
           </a:xfrm>
         </p:spPr>
         <p:txBody>
@@ -5890,33 +5903,39 @@
           <a:p>
             <a:r>
               <a:rPr lang="en-US" dirty="0"/>
-              <a:t>Getting </a:t>
+              <a:t>Daily </a:t>
             </a:r>
             <a:r>
               <a:rPr lang="en-US" dirty="0" smtClean="0"/>
-              <a:t>requirements clear </a:t>
+              <a:t>communication</a:t>
             </a:r>
           </a:p>
           <a:p>
             <a:r>
               <a:rPr lang="en-US" dirty="0" smtClean="0"/>
-              <a:t>Don’t plan ahead too much</a:t>
+              <a:t>Open Source/Cross Platform technologies</a:t>
             </a:r>
           </a:p>
           <a:p>
             <a:r>
               <a:rPr lang="en-US" dirty="0" smtClean="0"/>
-              <a:t>Establish early on what </a:t>
+              <a:t>Build- </a:t>
             </a:r>
             <a:r>
               <a:rPr lang="en-US" dirty="0"/>
-              <a:t>technology to </a:t>
+              <a:t>and </a:t>
             </a:r>
             <a:r>
               <a:rPr lang="en-US" dirty="0" smtClean="0"/>
-              <a:t>use</a:t>
-            </a:r>
-            <a:endParaRPr lang="en-US" dirty="0"/>
+              <a:t>deploy processes</a:t>
+            </a:r>
+          </a:p>
+          <a:p>
+            <a:r>
+              <a:rPr lang="en-US" dirty="0" smtClean="0"/>
+              <a:t>SCRUM / Planning tools</a:t>
+            </a:r>
+            <a:endParaRPr lang="nl-BE" dirty="0"/>
           </a:p>
         </p:txBody>
       </p:sp>
@@ -5952,7 +5971,7 @@
     </p:spTree>
     <p:extLst>
       <p:ext uri="{BB962C8B-B14F-4D97-AF65-F5344CB8AC3E}">
-        <p14:creationId xmlns:p14="http://schemas.microsoft.com/office/powerpoint/2010/main" val="4023351914"/>
+        <p14:creationId xmlns:p14="http://schemas.microsoft.com/office/powerpoint/2010/main" val="3775131166"/>
       </p:ext>
     </p:extLst>
   </p:cSld>
@@ -6003,7 +6022,15 @@
           <a:p>
             <a:r>
               <a:rPr lang="en-US" dirty="0" smtClean="0"/>
-              <a:t>We could change</a:t>
+              <a:t>We </a:t>
+            </a:r>
+            <a:r>
+              <a:rPr lang="en-US" dirty="0"/>
+              <a:t>would </a:t>
+            </a:r>
+            <a:r>
+              <a:rPr lang="en-US" dirty="0" smtClean="0"/>
+              <a:t>change</a:t>
             </a:r>
             <a:endParaRPr lang="nl-BE" dirty="0"/>
           </a:p>
@@ -6021,8 +6048,8 @@
         </p:nvSpPr>
         <p:spPr>
           <a:xfrm>
-            <a:off x="2315882" y="2138083"/>
-            <a:ext cx="7538122" cy="2681343"/>
+            <a:off x="2136588" y="2138083"/>
+            <a:ext cx="7717416" cy="2681343"/>
           </a:xfrm>
         </p:spPr>
         <p:txBody>
@@ -6031,23 +6058,33 @@
           <a:p>
             <a:r>
               <a:rPr lang="en-US" dirty="0"/>
-              <a:t>More face-to-face </a:t>
+              <a:t>Getting </a:t>
             </a:r>
             <a:r>
               <a:rPr lang="en-US" dirty="0" smtClean="0"/>
-              <a:t>meetings</a:t>
-            </a:r>
-          </a:p>
-          <a:p>
+              <a:t>requirements clear </a:t>
+            </a:r>
+          </a:p>
+          <a:p>
+            <a:r>
+              <a:rPr lang="en-US" dirty="0" smtClean="0"/>
+              <a:t>Don’t plan ahead too much</a:t>
+            </a:r>
+          </a:p>
+          <a:p>
+            <a:r>
+              <a:rPr lang="en-US" dirty="0" smtClean="0"/>
+              <a:t>Establish early on what </a:t>
+            </a:r>
             <a:r>
               <a:rPr lang="en-US" dirty="0"/>
-              <a:t>Create less </a:t>
+              <a:t>technology to </a:t>
             </a:r>
             <a:r>
               <a:rPr lang="en-US" dirty="0" smtClean="0"/>
-              <a:t>analysis / when needed</a:t>
-            </a:r>
-            <a:endParaRPr lang="nl-BE" dirty="0"/>
+              <a:t>use</a:t>
+            </a:r>
+            <a:endParaRPr lang="en-US" dirty="0"/>
           </a:p>
         </p:txBody>
       </p:sp>
@@ -6083,7 +6120,7 @@
     </p:spTree>
     <p:extLst>
       <p:ext uri="{BB962C8B-B14F-4D97-AF65-F5344CB8AC3E}">
-        <p14:creationId xmlns:p14="http://schemas.microsoft.com/office/powerpoint/2010/main" val="1017890965"/>
+        <p14:creationId xmlns:p14="http://schemas.microsoft.com/office/powerpoint/2010/main" val="4023351914"/>
       </p:ext>
     </p:extLst>
   </p:cSld>
@@ -6127,10 +6164,33 @@
             <p:ph type="title"/>
           </p:nvPr>
         </p:nvSpPr>
+        <p:spPr/>
+        <p:txBody>
+          <a:bodyPr/>
+          <a:lstStyle/>
+          <a:p>
+            <a:r>
+              <a:rPr lang="en-US" dirty="0" smtClean="0"/>
+              <a:t>We could change</a:t>
+            </a:r>
+            <a:endParaRPr lang="nl-BE" dirty="0"/>
+          </a:p>
+        </p:txBody>
+      </p:sp>
+      <p:sp>
+        <p:nvSpPr>
+          <p:cNvPr id="3" name="Content Placeholder 2"/>
+          <p:cNvSpPr>
+            <a:spLocks noGrp="1"/>
+          </p:cNvSpPr>
+          <p:nvPr>
+            <p:ph idx="1"/>
+          </p:nvPr>
+        </p:nvSpPr>
         <p:spPr>
           <a:xfrm>
-            <a:off x="674146" y="2286318"/>
-            <a:ext cx="10972800" cy="1143000"/>
+            <a:off x="2315882" y="2138083"/>
+            <a:ext cx="7538122" cy="2681343"/>
           </a:xfrm>
         </p:spPr>
         <p:txBody>
@@ -6138,8 +6198,22 @@
           <a:lstStyle/>
           <a:p>
             <a:r>
-              <a:rPr lang="nl-BE" dirty="0" smtClean="0"/>
-              <a:t>Questions?</a:t>
+              <a:rPr lang="en-US" dirty="0"/>
+              <a:t>More face-to-face </a:t>
+            </a:r>
+            <a:r>
+              <a:rPr lang="en-US" dirty="0" smtClean="0"/>
+              <a:t>meetings</a:t>
+            </a:r>
+          </a:p>
+          <a:p>
+            <a:r>
+              <a:rPr lang="en-US" dirty="0"/>
+              <a:t>Create less </a:t>
+            </a:r>
+            <a:r>
+              <a:rPr lang="en-US" dirty="0" smtClean="0"/>
+              <a:t>analysis / when needed</a:t>
             </a:r>
             <a:endParaRPr lang="nl-BE" dirty="0"/>
           </a:p>
@@ -6169,6 +6243,100 @@
                 <a:defRPr/>
               </a:pPr>
               <a:t>14</a:t>
+            </a:fld>
+            <a:endParaRPr lang="nl-NL"/>
+          </a:p>
+        </p:txBody>
+      </p:sp>
+    </p:spTree>
+    <p:extLst>
+      <p:ext uri="{BB962C8B-B14F-4D97-AF65-F5344CB8AC3E}">
+        <p14:creationId xmlns:p14="http://schemas.microsoft.com/office/powerpoint/2010/main" val="1017890965"/>
+      </p:ext>
+    </p:extLst>
+  </p:cSld>
+  <p:clrMapOvr>
+    <a:masterClrMapping/>
+  </p:clrMapOvr>
+  <p:timing>
+    <p:tnLst>
+      <p:par>
+        <p:cTn id="1" dur="indefinite" restart="never" nodeType="tmRoot"/>
+      </p:par>
+    </p:tnLst>
+  </p:timing>
+</p:sld>
+</file>
+
+<file path=ppt/slides/slide15.xml><?xml version="1.0" encoding="utf-8"?>
+<p:sld xmlns:a="http://schemas.openxmlformats.org/drawingml/2006/main" xmlns:r="http://schemas.openxmlformats.org/officeDocument/2006/relationships" xmlns:p="http://schemas.openxmlformats.org/presentationml/2006/main">
+  <p:cSld>
+    <p:spTree>
+      <p:nvGrpSpPr>
+        <p:cNvPr id="1" name=""/>
+        <p:cNvGrpSpPr/>
+        <p:nvPr/>
+      </p:nvGrpSpPr>
+      <p:grpSpPr>
+        <a:xfrm>
+          <a:off x="0" y="0"/>
+          <a:ext cx="0" cy="0"/>
+          <a:chOff x="0" y="0"/>
+          <a:chExt cx="0" cy="0"/>
+        </a:xfrm>
+      </p:grpSpPr>
+      <p:sp>
+        <p:nvSpPr>
+          <p:cNvPr id="2" name="Title 1"/>
+          <p:cNvSpPr>
+            <a:spLocks noGrp="1"/>
+          </p:cNvSpPr>
+          <p:nvPr>
+            <p:ph type="title"/>
+          </p:nvPr>
+        </p:nvSpPr>
+        <p:spPr>
+          <a:xfrm>
+            <a:off x="674146" y="2286318"/>
+            <a:ext cx="10972800" cy="1143000"/>
+          </a:xfrm>
+        </p:spPr>
+        <p:txBody>
+          <a:bodyPr/>
+          <a:lstStyle/>
+          <a:p>
+            <a:r>
+              <a:rPr lang="nl-BE" dirty="0" smtClean="0"/>
+              <a:t>Questions?</a:t>
+            </a:r>
+            <a:endParaRPr lang="nl-BE" dirty="0"/>
+          </a:p>
+        </p:txBody>
+      </p:sp>
+      <p:sp>
+        <p:nvSpPr>
+          <p:cNvPr id="4" name="Slide Number Placeholder 3"/>
+          <p:cNvSpPr>
+            <a:spLocks noGrp="1"/>
+          </p:cNvSpPr>
+          <p:nvPr>
+            <p:ph type="sldNum" sz="quarter" idx="12"/>
+          </p:nvPr>
+        </p:nvSpPr>
+        <p:spPr/>
+        <p:txBody>
+          <a:bodyPr/>
+          <a:lstStyle/>
+          <a:p>
+            <a:pPr>
+              <a:defRPr/>
+            </a:pPr>
+            <a:fld id="{BC2BCED3-7F4A-40F1-85DA-02B4B5A68187}" type="slidenum">
+              <a:rPr lang="nl-NL" smtClean="0"/>
+              <a:pPr>
+                <a:defRPr/>
+              </a:pPr>
+              <a:t>15</a:t>
             </a:fld>
             <a:endParaRPr lang="nl-NL"/>
           </a:p>
@@ -6212,7 +6380,7 @@
         </p:nvSpPr>
         <p:spPr>
           <a:xfrm>
-            <a:off x="3919370" y="2150722"/>
+            <a:off x="4059220" y="1817235"/>
             <a:ext cx="6096000" cy="4031873"/>
           </a:xfrm>
           <a:prstGeom prst="rect">
@@ -6247,7 +6415,7 @@
             <a:prstTxWarp prst="textNoShape">
               <a:avLst/>
             </a:prstTxWarp>
-            <a:normAutofit/>
+            <a:normAutofit lnSpcReduction="10000"/>
           </a:bodyPr>
           <a:lstStyle/>
           <a:p>
@@ -6281,7 +6449,6 @@
               <a:rPr lang="nl-BE" sz="3200" dirty="0" smtClean="0"/>
               <a:t>Ideeën pitchen</a:t>
             </a:r>
-            <a:endParaRPr lang="nl-BE" sz="3200" dirty="0" smtClean="0"/>
           </a:p>
           <a:p>
             <a:pPr marL="457200" indent="-457200" defTabSz="457200" eaLnBrk="0" fontAlgn="base" hangingPunct="0">
@@ -6338,7 +6505,6 @@
               <a:rPr lang="nl-BE" sz="3200" dirty="0" smtClean="0"/>
               <a:t>Inschrijven/steunen</a:t>
             </a:r>
-            <a:endParaRPr lang="nl-BE" sz="3200" dirty="0" smtClean="0"/>
           </a:p>
           <a:p>
             <a:pPr marL="457200" indent="-457200" defTabSz="457200" eaLnBrk="0" fontAlgn="base" hangingPunct="0">
@@ -6353,6 +6519,23 @@
             </a:pPr>
             <a:r>
               <a:rPr lang="nl-BE" sz="3200" dirty="0" smtClean="0"/>
+              <a:t>Commentaar</a:t>
+            </a:r>
+            <a:endParaRPr lang="nl-BE" sz="3200" dirty="0" smtClean="0"/>
+          </a:p>
+          <a:p>
+            <a:pPr marL="457200" indent="-457200" defTabSz="457200" eaLnBrk="0" fontAlgn="base" hangingPunct="0">
+              <a:spcBef>
+                <a:spcPct val="20000"/>
+              </a:spcBef>
+              <a:spcAft>
+                <a:spcPct val="0"/>
+              </a:spcAft>
+              <a:buFont typeface="Arial" panose="020B0604020202020204" pitchFamily="34" charset="0"/>
+              <a:buChar char="•"/>
+            </a:pPr>
+            <a:r>
+              <a:rPr lang="nl-BE" sz="3200" dirty="0" smtClean="0"/>
               <a:t>Opvolging </a:t>
             </a:r>
             <a:endParaRPr lang="nl-BE" sz="3200" dirty="0"/>
@@ -6371,7 +6554,7 @@
         </p:nvSpPr>
         <p:spPr>
           <a:xfrm>
-            <a:off x="1785770" y="798420"/>
+            <a:off x="1785770" y="443418"/>
             <a:ext cx="8229600" cy="1143000"/>
           </a:xfrm>
         </p:spPr>
@@ -6525,8 +6708,8 @@
           <a:p>
             <a:pPr lvl="0"/>
             <a:r>
-              <a:rPr lang="en-US" dirty="0" smtClean="0"/>
-              <a:t>Quality management</a:t>
+              <a:rPr lang="en-US" dirty="0" err="1" smtClean="0"/>
+              <a:t>Kwaliteitsbeheer</a:t>
             </a:r>
             <a:endParaRPr lang="nl-BE" dirty="0"/>
           </a:p>
@@ -6623,9 +6806,14 @@
               <a:buNone/>
             </a:pPr>
             <a:r>
+              <a:rPr lang="en-US" b="1" dirty="0" err="1" smtClean="0"/>
+              <a:t>Doel</a:t>
+            </a:r>
+            <a:r>
               <a:rPr lang="en-US" b="1" dirty="0" smtClean="0"/>
-              <a:t>Goals:</a:t>
-            </a:r>
+              <a:t>:</a:t>
+            </a:r>
+            <a:endParaRPr lang="en-US" b="1" dirty="0" smtClean="0"/>
           </a:p>
           <a:p>
             <a:pPr lvl="0"/>
@@ -6633,36 +6821,43 @@
               <a:rPr lang="nl-BE" dirty="0" smtClean="0"/>
               <a:t>Webapplicatie</a:t>
             </a:r>
-            <a:endParaRPr lang="nl-BE" dirty="0"/>
           </a:p>
           <a:p>
             <a:pPr lvl="0"/>
             <a:r>
-              <a:rPr lang="en-US" i="1" dirty="0" smtClean="0"/>
-              <a:t>Future proof</a:t>
-            </a:r>
-          </a:p>
-          <a:p>
-            <a:pPr lvl="0"/>
+              <a:rPr lang="nl-BE" dirty="0" smtClean="0"/>
+              <a:t>Veilig</a:t>
+            </a:r>
+          </a:p>
+          <a:p>
+            <a:r>
+              <a:rPr lang="nl-BE" i="1" dirty="0"/>
+              <a:t>Single </a:t>
+            </a:r>
+            <a:r>
+              <a:rPr lang="nl-BE" i="1" dirty="0" smtClean="0"/>
+              <a:t>page</a:t>
+            </a:r>
+          </a:p>
+          <a:p>
+            <a:r>
+              <a:rPr lang="en-US" dirty="0" err="1" smtClean="0"/>
+              <a:t>Toekomstgericht</a:t>
+            </a:r>
+            <a:endParaRPr lang="en-US" dirty="0" smtClean="0"/>
+          </a:p>
+          <a:p>
             <a:r>
               <a:rPr lang="en-US" dirty="0" smtClean="0"/>
-              <a:t>Secure</a:t>
-            </a:r>
-          </a:p>
-          <a:p>
-            <a:pPr lvl="0"/>
-            <a:r>
-              <a:rPr lang="nl-BE" i="1" dirty="0" smtClean="0"/>
-              <a:t>Single page</a:t>
-            </a:r>
-            <a:endParaRPr lang="nl-BE" i="1" dirty="0"/>
-          </a:p>
-          <a:p>
-            <a:pPr lvl="0"/>
-            <a:r>
-              <a:rPr lang="en-US" i="1" dirty="0" smtClean="0"/>
-              <a:t>Open Source</a:t>
-            </a:r>
+              <a:t>Open </a:t>
+            </a:r>
+            <a:r>
+              <a:rPr lang="en-US" dirty="0" err="1" smtClean="0"/>
+              <a:t>bron</a:t>
+            </a:r>
+            <a:endParaRPr lang="en-US" dirty="0" smtClean="0"/>
+          </a:p>
+          <a:p>
             <a:endParaRPr lang="nl-BE" i="1" dirty="0"/>
           </a:p>
         </p:txBody>
@@ -6714,118 +6909,108 @@
             <p:ph type="title"/>
           </p:nvPr>
         </p:nvSpPr>
-        <p:spPr/>
-        <p:txBody>
-          <a:bodyPr/>
-          <a:lstStyle/>
-          <a:p>
-            <a:r>
-              <a:rPr lang="nl-BE" dirty="0" smtClean="0"/>
-              <a:t>I-Talent-Platform</a:t>
-            </a:r>
-            <a:endParaRPr lang="nl-BE" dirty="0"/>
-          </a:p>
-        </p:txBody>
-      </p:sp>
-      <p:sp>
-        <p:nvSpPr>
-          <p:cNvPr id="3" name="Content Placeholder 2"/>
-          <p:cNvSpPr>
-            <a:spLocks noGrp="1"/>
-          </p:cNvSpPr>
-          <p:nvPr>
-            <p:ph idx="1"/>
-          </p:nvPr>
-        </p:nvSpPr>
         <p:spPr>
           <a:xfrm>
-            <a:off x="4263242" y="1600201"/>
-            <a:ext cx="7319158" cy="4525963"/>
+            <a:off x="1823421" y="306910"/>
+            <a:ext cx="8229600" cy="1143000"/>
           </a:xfrm>
         </p:spPr>
         <p:txBody>
           <a:bodyPr/>
+          <a:lstStyle/>
+          <a:p>
+            <a:r>
+              <a:rPr lang="nl-BE" b="1" dirty="0" smtClean="0"/>
+              <a:t>I-Talent-Platform</a:t>
+            </a:r>
+            <a:endParaRPr lang="nl-BE" dirty="0"/>
+          </a:p>
+        </p:txBody>
+      </p:sp>
+      <p:sp>
+        <p:nvSpPr>
+          <p:cNvPr id="3" name="Content Placeholder 2"/>
+          <p:cNvSpPr>
+            <a:spLocks noGrp="1"/>
+          </p:cNvSpPr>
+          <p:nvPr>
+            <p:ph idx="1"/>
+          </p:nvPr>
+        </p:nvSpPr>
+        <p:spPr>
+          <a:xfrm>
+            <a:off x="4469083" y="1754596"/>
+            <a:ext cx="3898776" cy="4525963"/>
+          </a:xfrm>
+        </p:spPr>
+        <p:txBody>
+          <a:bodyPr>
+            <a:normAutofit/>
+          </a:bodyPr>
           <a:lstStyle/>
           <a:p>
             <a:pPr marL="0" lvl="0" indent="0">
               <a:buNone/>
             </a:pPr>
             <a:r>
+              <a:rPr lang="en-US" b="1" dirty="0" err="1" smtClean="0"/>
+              <a:t>Ontwikkelomgeving</a:t>
+            </a:r>
+            <a:r>
               <a:rPr lang="en-US" b="1" dirty="0" smtClean="0"/>
-              <a:t>Action:</a:t>
-            </a:r>
-            <a:endParaRPr lang="en-US" b="1" dirty="0"/>
+              <a:t>:</a:t>
+            </a:r>
+            <a:endParaRPr lang="en-US" b="1" dirty="0" smtClean="0"/>
           </a:p>
           <a:p>
             <a:pPr lvl="0"/>
             <a:r>
               <a:rPr lang="nl-BE" dirty="0" smtClean="0"/>
-              <a:t>Brainstorming</a:t>
-            </a:r>
-            <a:endParaRPr lang="nl-BE" dirty="0"/>
+              <a:t>Skype</a:t>
+            </a:r>
           </a:p>
           <a:p>
             <a:pPr lvl="0"/>
             <a:r>
+              <a:rPr lang="nl-BE" dirty="0" smtClean="0"/>
+              <a:t>Openshift</a:t>
+            </a:r>
+          </a:p>
+          <a:p>
+            <a:r>
+              <a:rPr lang="nl-BE" dirty="0" smtClean="0"/>
+              <a:t>Jenkins</a:t>
+            </a:r>
+          </a:p>
+          <a:p>
+            <a:r>
               <a:rPr lang="en-US" dirty="0" smtClean="0"/>
-              <a:t>Meetings</a:t>
-            </a:r>
-            <a:endParaRPr lang="en-US" dirty="0"/>
-          </a:p>
-          <a:p>
-            <a:pPr lvl="0"/>
+              <a:t>Eclipse/IntelliJ</a:t>
+            </a:r>
+          </a:p>
+          <a:p>
+            <a:r>
+              <a:rPr lang="en-US" dirty="0" err="1" smtClean="0"/>
+              <a:t>Git</a:t>
+            </a:r>
+            <a:endParaRPr lang="en-US" dirty="0" smtClean="0"/>
+          </a:p>
+          <a:p>
             <a:r>
               <a:rPr lang="en-US" dirty="0" smtClean="0"/>
-              <a:t>Analysis</a:t>
-            </a:r>
-            <a:endParaRPr lang="en-US" dirty="0"/>
-          </a:p>
-          <a:p>
-            <a:pPr lvl="0"/>
-            <a:r>
-              <a:rPr lang="nl-BE" dirty="0" smtClean="0"/>
-              <a:t>And finally… coding!!</a:t>
-            </a:r>
-            <a:endParaRPr lang="nl-BE" dirty="0"/>
-          </a:p>
-          <a:p>
-            <a:endParaRPr lang="nl-BE" dirty="0"/>
-          </a:p>
-        </p:txBody>
-      </p:sp>
-      <p:sp>
-        <p:nvSpPr>
-          <p:cNvPr id="4" name="Slide Number Placeholder 3"/>
-          <p:cNvSpPr>
-            <a:spLocks noGrp="1"/>
-          </p:cNvSpPr>
-          <p:nvPr>
-            <p:ph type="sldNum" sz="quarter" idx="12"/>
-          </p:nvPr>
-        </p:nvSpPr>
-        <p:spPr/>
-        <p:txBody>
-          <a:bodyPr/>
-          <a:lstStyle/>
-          <a:p>
-            <a:pPr>
-              <a:defRPr/>
-            </a:pPr>
-            <a:fld id="{BC2BCED3-7F4A-40F1-85DA-02B4B5A68187}" type="slidenum">
-              <a:rPr lang="nl-NL" smtClean="0"/>
-              <a:pPr>
-                <a:defRPr/>
-              </a:pPr>
-              <a:t>5</a:t>
-            </a:fld>
-            <a:endParaRPr lang="nl-NL"/>
+              <a:t>RTC</a:t>
+            </a:r>
+            <a:endParaRPr lang="en-US" dirty="0" smtClean="0"/>
+          </a:p>
+          <a:p>
+            <a:endParaRPr lang="nl-BE" i="1" dirty="0"/>
           </a:p>
         </p:txBody>
       </p:sp>
     </p:spTree>
     <p:extLst>
       <p:ext uri="{BB962C8B-B14F-4D97-AF65-F5344CB8AC3E}">
-        <p14:creationId xmlns:p14="http://schemas.microsoft.com/office/powerpoint/2010/main" val="975155166"/>
+        <p14:creationId xmlns:p14="http://schemas.microsoft.com/office/powerpoint/2010/main" val="3118270298"/>
       </p:ext>
     </p:extLst>
   </p:cSld>
@@ -6894,8 +7079,8 @@
         </p:nvSpPr>
         <p:spPr>
           <a:xfrm>
-            <a:off x="4251367" y="1417638"/>
-            <a:ext cx="5522026" cy="525482"/>
+            <a:off x="4263242" y="1600201"/>
+            <a:ext cx="7319158" cy="4525963"/>
           </a:xfrm>
         </p:spPr>
         <p:txBody>
@@ -6907,14 +7092,43 @@
             </a:pPr>
             <a:r>
               <a:rPr lang="en-US" b="1" dirty="0" smtClean="0"/>
-              <a:t>First results:</a:t>
+              <a:t>Action:</a:t>
             </a:r>
             <a:endParaRPr lang="en-US" b="1" dirty="0"/>
           </a:p>
           <a:p>
-            <a:pPr marL="0" indent="0">
-              <a:buNone/>
-            </a:pPr>
+            <a:pPr lvl="0"/>
+            <a:r>
+              <a:rPr lang="nl-BE" dirty="0" smtClean="0"/>
+              <a:t>Brainstorming</a:t>
+            </a:r>
+            <a:endParaRPr lang="nl-BE" dirty="0"/>
+          </a:p>
+          <a:p>
+            <a:pPr lvl="0"/>
+            <a:r>
+              <a:rPr lang="en-US" dirty="0" smtClean="0"/>
+              <a:t>Meetings</a:t>
+            </a:r>
+            <a:endParaRPr lang="en-US" dirty="0"/>
+          </a:p>
+          <a:p>
+            <a:pPr lvl="0"/>
+            <a:r>
+              <a:rPr lang="en-US" dirty="0" smtClean="0"/>
+              <a:t>Analysis</a:t>
+            </a:r>
+            <a:endParaRPr lang="en-US" dirty="0"/>
+          </a:p>
+          <a:p>
+            <a:pPr lvl="0"/>
+            <a:r>
+              <a:rPr lang="nl-BE" dirty="0" smtClean="0"/>
+              <a:t>And finally… coding!!</a:t>
+            </a:r>
+            <a:endParaRPr lang="nl-BE" dirty="0"/>
+          </a:p>
+          <a:p>
             <a:endParaRPr lang="nl-BE" dirty="0"/>
           </a:p>
         </p:txBody>
@@ -6943,6 +7157,132 @@
                 <a:defRPr/>
               </a:pPr>
               <a:t>6</a:t>
+            </a:fld>
+            <a:endParaRPr lang="nl-NL"/>
+          </a:p>
+        </p:txBody>
+      </p:sp>
+    </p:spTree>
+    <p:extLst>
+      <p:ext uri="{BB962C8B-B14F-4D97-AF65-F5344CB8AC3E}">
+        <p14:creationId xmlns:p14="http://schemas.microsoft.com/office/powerpoint/2010/main" val="975155166"/>
+      </p:ext>
+    </p:extLst>
+  </p:cSld>
+  <p:clrMapOvr>
+    <a:masterClrMapping/>
+  </p:clrMapOvr>
+  <p:timing>
+    <p:tnLst>
+      <p:par>
+        <p:cTn id="1" dur="indefinite" restart="never" nodeType="tmRoot"/>
+      </p:par>
+    </p:tnLst>
+  </p:timing>
+</p:sld>
+</file>
+
+<file path=ppt/slides/slide7.xml><?xml version="1.0" encoding="utf-8"?>
+<p:sld xmlns:a="http://schemas.openxmlformats.org/drawingml/2006/main" xmlns:r="http://schemas.openxmlformats.org/officeDocument/2006/relationships" xmlns:p="http://schemas.openxmlformats.org/presentationml/2006/main">
+  <p:cSld>
+    <p:spTree>
+      <p:nvGrpSpPr>
+        <p:cNvPr id="1" name=""/>
+        <p:cNvGrpSpPr/>
+        <p:nvPr/>
+      </p:nvGrpSpPr>
+      <p:grpSpPr>
+        <a:xfrm>
+          <a:off x="0" y="0"/>
+          <a:ext cx="0" cy="0"/>
+          <a:chOff x="0" y="0"/>
+          <a:chExt cx="0" cy="0"/>
+        </a:xfrm>
+      </p:grpSpPr>
+      <p:sp>
+        <p:nvSpPr>
+          <p:cNvPr id="2" name="Title 1"/>
+          <p:cNvSpPr>
+            <a:spLocks noGrp="1"/>
+          </p:cNvSpPr>
+          <p:nvPr>
+            <p:ph type="title"/>
+          </p:nvPr>
+        </p:nvSpPr>
+        <p:spPr/>
+        <p:txBody>
+          <a:bodyPr/>
+          <a:lstStyle/>
+          <a:p>
+            <a:r>
+              <a:rPr lang="nl-BE" dirty="0" smtClean="0"/>
+              <a:t>I-Talent-Platform</a:t>
+            </a:r>
+            <a:endParaRPr lang="nl-BE" dirty="0"/>
+          </a:p>
+        </p:txBody>
+      </p:sp>
+      <p:sp>
+        <p:nvSpPr>
+          <p:cNvPr id="3" name="Content Placeholder 2"/>
+          <p:cNvSpPr>
+            <a:spLocks noGrp="1"/>
+          </p:cNvSpPr>
+          <p:nvPr>
+            <p:ph idx="1"/>
+          </p:nvPr>
+        </p:nvSpPr>
+        <p:spPr>
+          <a:xfrm>
+            <a:off x="4251367" y="1417638"/>
+            <a:ext cx="5522026" cy="525482"/>
+          </a:xfrm>
+        </p:spPr>
+        <p:txBody>
+          <a:bodyPr/>
+          <a:lstStyle/>
+          <a:p>
+            <a:pPr marL="0" lvl="0" indent="0">
+              <a:buNone/>
+            </a:pPr>
+            <a:r>
+              <a:rPr lang="en-US" b="1" dirty="0" smtClean="0"/>
+              <a:t>First results:</a:t>
+            </a:r>
+            <a:endParaRPr lang="en-US" b="1" dirty="0"/>
+          </a:p>
+          <a:p>
+            <a:pPr marL="0" indent="0">
+              <a:buNone/>
+            </a:pPr>
+            <a:endParaRPr lang="nl-BE" dirty="0"/>
+          </a:p>
+        </p:txBody>
+      </p:sp>
+      <p:sp>
+        <p:nvSpPr>
+          <p:cNvPr id="4" name="Slide Number Placeholder 3"/>
+          <p:cNvSpPr>
+            <a:spLocks noGrp="1"/>
+          </p:cNvSpPr>
+          <p:nvPr>
+            <p:ph type="sldNum" sz="quarter" idx="12"/>
+          </p:nvPr>
+        </p:nvSpPr>
+        <p:spPr/>
+        <p:txBody>
+          <a:bodyPr/>
+          <a:lstStyle/>
+          <a:p>
+            <a:pPr>
+              <a:defRPr/>
+            </a:pPr>
+            <a:fld id="{BC2BCED3-7F4A-40F1-85DA-02B4B5A68187}" type="slidenum">
+              <a:rPr lang="nl-NL" smtClean="0"/>
+              <a:pPr>
+                <a:defRPr/>
+              </a:pPr>
+              <a:t>7</a:t>
             </a:fld>
             <a:endParaRPr lang="nl-NL"/>
           </a:p>
@@ -6998,7 +7338,7 @@
 </p:sld>
 </file>
 
-<file path=ppt/slides/slide7.xml><?xml version="1.0" encoding="utf-8"?>
+<file path=ppt/slides/slide8.xml><?xml version="1.0" encoding="utf-8"?>
 <p:sld xmlns:a="http://schemas.openxmlformats.org/drawingml/2006/main" xmlns:r="http://schemas.openxmlformats.org/officeDocument/2006/relationships" xmlns:p="http://schemas.openxmlformats.org/presentationml/2006/main">
   <p:cSld>
     <p:spTree>
@@ -7101,7 +7441,7 @@
               <a:pPr>
                 <a:defRPr/>
               </a:pPr>
-              <a:t>7</a:t>
+              <a:t>8</a:t>
             </a:fld>
             <a:endParaRPr lang="nl-NL"/>
           </a:p>
@@ -7168,7 +7508,7 @@
 </p:sld>
 </file>
 
-<file path=ppt/slides/slide8.xml><?xml version="1.0" encoding="utf-8"?>
+<file path=ppt/slides/slide9.xml><?xml version="1.0" encoding="utf-8"?>
 <p:sld xmlns:a="http://schemas.openxmlformats.org/drawingml/2006/main" xmlns:r="http://schemas.openxmlformats.org/officeDocument/2006/relationships" xmlns:p="http://schemas.openxmlformats.org/presentationml/2006/main">
   <p:cSld>
     <p:spTree>
@@ -7253,7 +7593,7 @@
               <a:pPr>
                 <a:defRPr/>
               </a:pPr>
-              <a:t>8</a:t>
+              <a:t>9</a:t>
             </a:fld>
             <a:endParaRPr lang="nl-NL"/>
           </a:p>
@@ -7304,147 +7644,6 @@
     <p:extLst>
       <p:ext uri="{BB962C8B-B14F-4D97-AF65-F5344CB8AC3E}">
         <p14:creationId xmlns:p14="http://schemas.microsoft.com/office/powerpoint/2010/main" val="2035232958"/>
-      </p:ext>
-    </p:extLst>
-  </p:cSld>
-  <p:clrMapOvr>
-    <a:masterClrMapping/>
-  </p:clrMapOvr>
-  <p:timing>
-    <p:tnLst>
-      <p:par>
-        <p:cTn id="1" dur="indefinite" restart="never" nodeType="tmRoot"/>
-      </p:par>
-    </p:tnLst>
-  </p:timing>
-</p:sld>
-</file>
-
-<file path=ppt/slides/slide9.xml><?xml version="1.0" encoding="utf-8"?>
-<p:sld xmlns:a="http://schemas.openxmlformats.org/drawingml/2006/main" xmlns:r="http://schemas.openxmlformats.org/officeDocument/2006/relationships" xmlns:p="http://schemas.openxmlformats.org/presentationml/2006/main">
-  <p:cSld>
-    <p:spTree>
-      <p:nvGrpSpPr>
-        <p:cNvPr id="1" name=""/>
-        <p:cNvGrpSpPr/>
-        <p:nvPr/>
-      </p:nvGrpSpPr>
-      <p:grpSpPr>
-        <a:xfrm>
-          <a:off x="0" y="0"/>
-          <a:ext cx="0" cy="0"/>
-          <a:chOff x="0" y="0"/>
-          <a:chExt cx="0" cy="0"/>
-        </a:xfrm>
-      </p:grpSpPr>
-      <p:sp>
-        <p:nvSpPr>
-          <p:cNvPr id="2" name="Title 1"/>
-          <p:cNvSpPr>
-            <a:spLocks noGrp="1"/>
-          </p:cNvSpPr>
-          <p:nvPr>
-            <p:ph type="title"/>
-          </p:nvPr>
-        </p:nvSpPr>
-        <p:spPr/>
-        <p:txBody>
-          <a:bodyPr/>
-          <a:lstStyle/>
-          <a:p>
-            <a:endParaRPr lang="nl-BE" dirty="0"/>
-          </a:p>
-        </p:txBody>
-      </p:sp>
-      <p:sp>
-        <p:nvSpPr>
-          <p:cNvPr id="3" name="Content Placeholder 2"/>
-          <p:cNvSpPr>
-            <a:spLocks noGrp="1"/>
-          </p:cNvSpPr>
-          <p:nvPr>
-            <p:ph idx="1"/>
-          </p:nvPr>
-        </p:nvSpPr>
-        <p:spPr/>
-        <p:txBody>
-          <a:bodyPr/>
-          <a:lstStyle/>
-          <a:p>
-            <a:r>
-              <a:rPr lang="en-US" dirty="0" smtClean="0"/>
-              <a:t>Communication</a:t>
-            </a:r>
-            <a:endParaRPr lang="nl-BE" dirty="0"/>
-          </a:p>
-        </p:txBody>
-      </p:sp>
-      <p:sp>
-        <p:nvSpPr>
-          <p:cNvPr id="4" name="Slide Number Placeholder 3"/>
-          <p:cNvSpPr>
-            <a:spLocks noGrp="1"/>
-          </p:cNvSpPr>
-          <p:nvPr>
-            <p:ph type="sldNum" sz="quarter" idx="12"/>
-          </p:nvPr>
-        </p:nvSpPr>
-        <p:spPr/>
-        <p:txBody>
-          <a:bodyPr/>
-          <a:lstStyle/>
-          <a:p>
-            <a:pPr>
-              <a:defRPr/>
-            </a:pPr>
-            <a:fld id="{BC2BCED3-7F4A-40F1-85DA-02B4B5A68187}" type="slidenum">
-              <a:rPr lang="nl-NL" smtClean="0"/>
-              <a:pPr>
-                <a:defRPr/>
-              </a:pPr>
-              <a:t>9</a:t>
-            </a:fld>
-            <a:endParaRPr lang="nl-NL"/>
-          </a:p>
-        </p:txBody>
-      </p:sp>
-      <p:pic>
-        <p:nvPicPr>
-          <p:cNvPr id="5" name="Picture 4" descr="http://agilemodeling.com/images/communicationModes.gif"/>
-          <p:cNvPicPr/>
-          <p:nvPr/>
-        </p:nvPicPr>
-        <p:blipFill>
-          <a:blip r:embed="rId2">
-            <a:extLst>
-              <a:ext uri="{28A0092B-C50C-407E-A947-70E740481C1C}">
-                <a14:useLocalDpi xmlns:a14="http://schemas.microsoft.com/office/drawing/2010/main" val="0"/>
-              </a:ext>
-            </a:extLst>
-          </a:blip>
-          <a:srcRect/>
-          <a:stretch>
-            <a:fillRect/>
-          </a:stretch>
-        </p:blipFill>
-        <p:spPr bwMode="auto">
-          <a:xfrm>
-            <a:off x="3781169" y="1112108"/>
-            <a:ext cx="6870356" cy="5129149"/>
-          </a:xfrm>
-          <a:prstGeom prst="rect">
-            <a:avLst/>
-          </a:prstGeom>
-          <a:noFill/>
-          <a:ln>
-            <a:noFill/>
-          </a:ln>
-        </p:spPr>
-      </p:pic>
-    </p:spTree>
-    <p:extLst>
-      <p:ext uri="{BB962C8B-B14F-4D97-AF65-F5344CB8AC3E}">
-        <p14:creationId xmlns:p14="http://schemas.microsoft.com/office/powerpoint/2010/main" val="3608307393"/>
       </p:ext>
     </p:extLst>
   </p:cSld>

--- a/italent/documents/Presentatie/Presentatie.pptx
+++ b/italent/documents/Presentatie/Presentatie.pptx
@@ -10,16 +10,22 @@
     <p:sldId id="260" r:id="rId4"/>
     <p:sldId id="261" r:id="rId5"/>
     <p:sldId id="273" r:id="rId6"/>
-    <p:sldId id="262" r:id="rId7"/>
-    <p:sldId id="268" r:id="rId8"/>
-    <p:sldId id="264" r:id="rId9"/>
-    <p:sldId id="267" r:id="rId10"/>
-    <p:sldId id="265" r:id="rId11"/>
-    <p:sldId id="266" r:id="rId12"/>
-    <p:sldId id="269" r:id="rId13"/>
-    <p:sldId id="270" r:id="rId14"/>
-    <p:sldId id="271" r:id="rId15"/>
-    <p:sldId id="272" r:id="rId16"/>
+    <p:sldId id="274" r:id="rId7"/>
+    <p:sldId id="275" r:id="rId8"/>
+    <p:sldId id="276" r:id="rId9"/>
+    <p:sldId id="277" r:id="rId10"/>
+    <p:sldId id="278" r:id="rId11"/>
+    <p:sldId id="279" r:id="rId12"/>
+    <p:sldId id="262" r:id="rId13"/>
+    <p:sldId id="268" r:id="rId14"/>
+    <p:sldId id="264" r:id="rId15"/>
+    <p:sldId id="267" r:id="rId16"/>
+    <p:sldId id="265" r:id="rId17"/>
+    <p:sldId id="266" r:id="rId18"/>
+    <p:sldId id="269" r:id="rId19"/>
+    <p:sldId id="270" r:id="rId20"/>
+    <p:sldId id="271" r:id="rId21"/>
+    <p:sldId id="272" r:id="rId22"/>
   </p:sldIdLst>
   <p:sldSz cx="12192000" cy="6858000"/>
   <p:notesSz cx="6858000" cy="9144000"/>
@@ -120,7 +126,7 @@
   </p:defaultTextStyle>
   <p:extLst>
     <p:ext uri="{EFAFB233-063F-42B5-8137-9DF3F51BA10A}">
-      <p15:sldGuideLst xmlns="" xmlns:p15="http://schemas.microsoft.com/office/powerpoint/2012/main">
+      <p15:sldGuideLst xmlns:p15="http://schemas.microsoft.com/office/powerpoint/2012/main">
         <p15:guide id="1" orient="horz" pos="2160">
           <p15:clr>
             <a:srgbClr val="A4A3A4"/>
@@ -5347,15 +5353,7 @@
                   <a:schemeClr val="tx1"/>
                 </a:solidFill>
               </a:rPr>
-              <a:t>Niek </a:t>
-            </a:r>
-            <a:r>
-              <a:rPr lang="nl-BE" sz="1800" dirty="0" smtClean="0">
-                <a:solidFill>
-                  <a:schemeClr val="tx1"/>
-                </a:solidFill>
-              </a:rPr>
-              <a:t>Vandael</a:t>
+              <a:t>Niek Vandael</a:t>
             </a:r>
           </a:p>
           <a:p>
@@ -5366,14 +5364,6 @@
                 </a:solidFill>
               </a:rPr>
               <a:t>Bart Hunerbein</a:t>
-            </a:r>
-            <a:r>
-              <a:rPr lang="nl-BE" sz="1800" dirty="0" smtClean="0">
-                <a:solidFill>
-                  <a:schemeClr val="tx1"/>
-                </a:solidFill>
-              </a:rPr>
-              <a:t/>
             </a:r>
             <a:br>
               <a:rPr lang="nl-BE" sz="1800" dirty="0" smtClean="0">
@@ -5495,6 +5485,10 @@
           <a:bodyPr/>
           <a:lstStyle/>
           <a:p>
+            <a:r>
+              <a:rPr lang="en-US" dirty="0" smtClean="0"/>
+              <a:t>Testing, deployment &amp; maintenance</a:t>
+            </a:r>
             <a:endParaRPr lang="nl-BE" dirty="0"/>
           </a:p>
         </p:txBody>
@@ -5516,7 +5510,32 @@
           <a:p>
             <a:r>
               <a:rPr lang="en-US" dirty="0" smtClean="0"/>
-              <a:t>Communication</a:t>
+              <a:t>Testing: Jenkins</a:t>
+            </a:r>
+          </a:p>
+          <a:p>
+            <a:r>
+              <a:rPr lang="en-US" dirty="0" smtClean="0"/>
+              <a:t>Deployment: </a:t>
+            </a:r>
+            <a:r>
+              <a:rPr lang="en-US" dirty="0" err="1" smtClean="0"/>
+              <a:t>OpenShift</a:t>
+            </a:r>
+            <a:endParaRPr lang="en-US" dirty="0" smtClean="0"/>
+          </a:p>
+          <a:p>
+            <a:r>
+              <a:rPr lang="en-US" dirty="0" smtClean="0"/>
+              <a:t>All OK? </a:t>
+            </a:r>
+            <a:r>
+              <a:rPr lang="en-US" dirty="0" err="1" smtClean="0"/>
+              <a:t>Snaphot</a:t>
+            </a:r>
+            <a:r>
+              <a:rPr lang="en-US" dirty="0" smtClean="0"/>
+              <a:t>!</a:t>
             </a:r>
             <a:endParaRPr lang="nl-BE" dirty="0"/>
           </a:p>
@@ -5546,6 +5565,879 @@
                 <a:defRPr/>
               </a:pPr>
               <a:t>10</a:t>
+            </a:fld>
+            <a:endParaRPr lang="nl-NL"/>
+          </a:p>
+        </p:txBody>
+      </p:sp>
+      <p:pic>
+        <p:nvPicPr>
+          <p:cNvPr id="7" name="Picture 6"/>
+          <p:cNvPicPr>
+            <a:picLocks noChangeAspect="1"/>
+          </p:cNvPicPr>
+          <p:nvPr/>
+        </p:nvPicPr>
+        <p:blipFill>
+          <a:blip r:embed="rId2"/>
+          <a:stretch>
+            <a:fillRect/>
+          </a:stretch>
+        </p:blipFill>
+        <p:spPr>
+          <a:xfrm>
+            <a:off x="2956613" y="4287839"/>
+            <a:ext cx="9039225" cy="1838325"/>
+          </a:xfrm>
+          <a:prstGeom prst="rect">
+            <a:avLst/>
+          </a:prstGeom>
+        </p:spPr>
+      </p:pic>
+    </p:spTree>
+    <p:extLst>
+      <p:ext uri="{BB962C8B-B14F-4D97-AF65-F5344CB8AC3E}">
+        <p14:creationId xmlns:p14="http://schemas.microsoft.com/office/powerpoint/2010/main" val="1147481610"/>
+      </p:ext>
+    </p:extLst>
+  </p:cSld>
+  <p:clrMapOvr>
+    <a:masterClrMapping/>
+  </p:clrMapOvr>
+  <p:timing>
+    <p:tnLst>
+      <p:par>
+        <p:cTn id="1" dur="indefinite" restart="never" nodeType="tmRoot"/>
+      </p:par>
+    </p:tnLst>
+  </p:timing>
+</p:sld>
+</file>
+
+<file path=ppt/slides/slide11.xml><?xml version="1.0" encoding="utf-8"?>
+<p:sld xmlns:a="http://schemas.openxmlformats.org/drawingml/2006/main" xmlns:r="http://schemas.openxmlformats.org/officeDocument/2006/relationships" xmlns:p="http://schemas.openxmlformats.org/presentationml/2006/main">
+  <p:cSld>
+    <p:spTree>
+      <p:nvGrpSpPr>
+        <p:cNvPr id="1" name=""/>
+        <p:cNvGrpSpPr/>
+        <p:nvPr/>
+      </p:nvGrpSpPr>
+      <p:grpSpPr>
+        <a:xfrm>
+          <a:off x="0" y="0"/>
+          <a:ext cx="0" cy="0"/>
+          <a:chOff x="0" y="0"/>
+          <a:chExt cx="0" cy="0"/>
+        </a:xfrm>
+      </p:grpSpPr>
+      <p:sp>
+        <p:nvSpPr>
+          <p:cNvPr id="2" name="Title 1"/>
+          <p:cNvSpPr>
+            <a:spLocks noGrp="1"/>
+          </p:cNvSpPr>
+          <p:nvPr>
+            <p:ph type="title"/>
+          </p:nvPr>
+        </p:nvSpPr>
+        <p:spPr/>
+        <p:txBody>
+          <a:bodyPr/>
+          <a:lstStyle/>
+          <a:p>
+            <a:r>
+              <a:rPr lang="en-US" dirty="0" smtClean="0"/>
+              <a:t>Project metrics</a:t>
+            </a:r>
+            <a:endParaRPr lang="nl-BE" dirty="0"/>
+          </a:p>
+        </p:txBody>
+      </p:sp>
+      <p:sp>
+        <p:nvSpPr>
+          <p:cNvPr id="3" name="Content Placeholder 2"/>
+          <p:cNvSpPr>
+            <a:spLocks noGrp="1"/>
+          </p:cNvSpPr>
+          <p:nvPr>
+            <p:ph idx="1"/>
+          </p:nvPr>
+        </p:nvSpPr>
+        <p:spPr/>
+        <p:txBody>
+          <a:bodyPr/>
+          <a:lstStyle/>
+          <a:p>
+            <a:endParaRPr lang="nl-BE"/>
+          </a:p>
+        </p:txBody>
+      </p:sp>
+      <p:sp>
+        <p:nvSpPr>
+          <p:cNvPr id="4" name="Slide Number Placeholder 3"/>
+          <p:cNvSpPr>
+            <a:spLocks noGrp="1"/>
+          </p:cNvSpPr>
+          <p:nvPr>
+            <p:ph type="sldNum" sz="quarter" idx="12"/>
+          </p:nvPr>
+        </p:nvSpPr>
+        <p:spPr/>
+        <p:txBody>
+          <a:bodyPr/>
+          <a:lstStyle/>
+          <a:p>
+            <a:pPr>
+              <a:defRPr/>
+            </a:pPr>
+            <a:fld id="{BC2BCED3-7F4A-40F1-85DA-02B4B5A68187}" type="slidenum">
+              <a:rPr lang="nl-NL" smtClean="0"/>
+              <a:pPr>
+                <a:defRPr/>
+              </a:pPr>
+              <a:t>11</a:t>
+            </a:fld>
+            <a:endParaRPr lang="nl-NL"/>
+          </a:p>
+        </p:txBody>
+      </p:sp>
+    </p:spTree>
+    <p:extLst>
+      <p:ext uri="{BB962C8B-B14F-4D97-AF65-F5344CB8AC3E}">
+        <p14:creationId xmlns:p14="http://schemas.microsoft.com/office/powerpoint/2010/main" val="949355264"/>
+      </p:ext>
+    </p:extLst>
+  </p:cSld>
+  <p:clrMapOvr>
+    <a:masterClrMapping/>
+  </p:clrMapOvr>
+  <p:timing>
+    <p:tnLst>
+      <p:par>
+        <p:cTn id="1" dur="indefinite" restart="never" nodeType="tmRoot"/>
+      </p:par>
+    </p:tnLst>
+  </p:timing>
+</p:sld>
+</file>
+
+<file path=ppt/slides/slide12.xml><?xml version="1.0" encoding="utf-8"?>
+<p:sld xmlns:a="http://schemas.openxmlformats.org/drawingml/2006/main" xmlns:r="http://schemas.openxmlformats.org/officeDocument/2006/relationships" xmlns:p="http://schemas.openxmlformats.org/presentationml/2006/main">
+  <p:cSld>
+    <p:spTree>
+      <p:nvGrpSpPr>
+        <p:cNvPr id="1" name=""/>
+        <p:cNvGrpSpPr/>
+        <p:nvPr/>
+      </p:nvGrpSpPr>
+      <p:grpSpPr>
+        <a:xfrm>
+          <a:off x="0" y="0"/>
+          <a:ext cx="0" cy="0"/>
+          <a:chOff x="0" y="0"/>
+          <a:chExt cx="0" cy="0"/>
+        </a:xfrm>
+      </p:grpSpPr>
+      <p:sp>
+        <p:nvSpPr>
+          <p:cNvPr id="2" name="Title 1"/>
+          <p:cNvSpPr>
+            <a:spLocks noGrp="1"/>
+          </p:cNvSpPr>
+          <p:nvPr>
+            <p:ph type="title"/>
+          </p:nvPr>
+        </p:nvSpPr>
+        <p:spPr/>
+        <p:txBody>
+          <a:bodyPr/>
+          <a:lstStyle/>
+          <a:p>
+            <a:r>
+              <a:rPr lang="nl-BE" dirty="0" smtClean="0"/>
+              <a:t>I-Talent-Platform</a:t>
+            </a:r>
+            <a:endParaRPr lang="nl-BE" dirty="0"/>
+          </a:p>
+        </p:txBody>
+      </p:sp>
+      <p:sp>
+        <p:nvSpPr>
+          <p:cNvPr id="3" name="Content Placeholder 2"/>
+          <p:cNvSpPr>
+            <a:spLocks noGrp="1"/>
+          </p:cNvSpPr>
+          <p:nvPr>
+            <p:ph idx="1"/>
+          </p:nvPr>
+        </p:nvSpPr>
+        <p:spPr>
+          <a:xfrm>
+            <a:off x="4263242" y="1600201"/>
+            <a:ext cx="7319158" cy="4525963"/>
+          </a:xfrm>
+        </p:spPr>
+        <p:txBody>
+          <a:bodyPr/>
+          <a:lstStyle/>
+          <a:p>
+            <a:pPr marL="0" lvl="0" indent="0">
+              <a:buNone/>
+            </a:pPr>
+            <a:r>
+              <a:rPr lang="en-US" b="1" dirty="0" smtClean="0"/>
+              <a:t>Action:</a:t>
+            </a:r>
+            <a:endParaRPr lang="en-US" b="1" dirty="0"/>
+          </a:p>
+          <a:p>
+            <a:pPr lvl="0"/>
+            <a:r>
+              <a:rPr lang="nl-BE" dirty="0" smtClean="0"/>
+              <a:t>Brainstorming</a:t>
+            </a:r>
+            <a:endParaRPr lang="nl-BE" dirty="0"/>
+          </a:p>
+          <a:p>
+            <a:pPr lvl="0"/>
+            <a:r>
+              <a:rPr lang="en-US" dirty="0" smtClean="0"/>
+              <a:t>Meetings</a:t>
+            </a:r>
+            <a:endParaRPr lang="en-US" dirty="0"/>
+          </a:p>
+          <a:p>
+            <a:pPr lvl="0"/>
+            <a:r>
+              <a:rPr lang="en-US" dirty="0" smtClean="0"/>
+              <a:t>Analysis</a:t>
+            </a:r>
+            <a:endParaRPr lang="en-US" dirty="0"/>
+          </a:p>
+          <a:p>
+            <a:pPr lvl="0"/>
+            <a:r>
+              <a:rPr lang="nl-BE" dirty="0" smtClean="0"/>
+              <a:t>And finally… coding!!</a:t>
+            </a:r>
+            <a:endParaRPr lang="nl-BE" dirty="0"/>
+          </a:p>
+          <a:p>
+            <a:endParaRPr lang="nl-BE" dirty="0"/>
+          </a:p>
+        </p:txBody>
+      </p:sp>
+      <p:sp>
+        <p:nvSpPr>
+          <p:cNvPr id="4" name="Slide Number Placeholder 3"/>
+          <p:cNvSpPr>
+            <a:spLocks noGrp="1"/>
+          </p:cNvSpPr>
+          <p:nvPr>
+            <p:ph type="sldNum" sz="quarter" idx="12"/>
+          </p:nvPr>
+        </p:nvSpPr>
+        <p:spPr/>
+        <p:txBody>
+          <a:bodyPr/>
+          <a:lstStyle/>
+          <a:p>
+            <a:pPr>
+              <a:defRPr/>
+            </a:pPr>
+            <a:fld id="{BC2BCED3-7F4A-40F1-85DA-02B4B5A68187}" type="slidenum">
+              <a:rPr lang="nl-NL" smtClean="0"/>
+              <a:pPr>
+                <a:defRPr/>
+              </a:pPr>
+              <a:t>12</a:t>
+            </a:fld>
+            <a:endParaRPr lang="nl-NL"/>
+          </a:p>
+        </p:txBody>
+      </p:sp>
+    </p:spTree>
+    <p:extLst>
+      <p:ext uri="{BB962C8B-B14F-4D97-AF65-F5344CB8AC3E}">
+        <p14:creationId xmlns:p14="http://schemas.microsoft.com/office/powerpoint/2010/main" val="975155166"/>
+      </p:ext>
+    </p:extLst>
+  </p:cSld>
+  <p:clrMapOvr>
+    <a:masterClrMapping/>
+  </p:clrMapOvr>
+  <p:timing>
+    <p:tnLst>
+      <p:par>
+        <p:cTn id="1" dur="indefinite" restart="never" nodeType="tmRoot"/>
+      </p:par>
+    </p:tnLst>
+  </p:timing>
+</p:sld>
+</file>
+
+<file path=ppt/slides/slide13.xml><?xml version="1.0" encoding="utf-8"?>
+<p:sld xmlns:a="http://schemas.openxmlformats.org/drawingml/2006/main" xmlns:r="http://schemas.openxmlformats.org/officeDocument/2006/relationships" xmlns:p="http://schemas.openxmlformats.org/presentationml/2006/main">
+  <p:cSld>
+    <p:spTree>
+      <p:nvGrpSpPr>
+        <p:cNvPr id="1" name=""/>
+        <p:cNvGrpSpPr/>
+        <p:nvPr/>
+      </p:nvGrpSpPr>
+      <p:grpSpPr>
+        <a:xfrm>
+          <a:off x="0" y="0"/>
+          <a:ext cx="0" cy="0"/>
+          <a:chOff x="0" y="0"/>
+          <a:chExt cx="0" cy="0"/>
+        </a:xfrm>
+      </p:grpSpPr>
+      <p:sp>
+        <p:nvSpPr>
+          <p:cNvPr id="2" name="Title 1"/>
+          <p:cNvSpPr>
+            <a:spLocks noGrp="1"/>
+          </p:cNvSpPr>
+          <p:nvPr>
+            <p:ph type="title"/>
+          </p:nvPr>
+        </p:nvSpPr>
+        <p:spPr/>
+        <p:txBody>
+          <a:bodyPr/>
+          <a:lstStyle/>
+          <a:p>
+            <a:r>
+              <a:rPr lang="nl-BE" dirty="0" smtClean="0"/>
+              <a:t>I-Talent-Platform</a:t>
+            </a:r>
+            <a:endParaRPr lang="nl-BE" dirty="0"/>
+          </a:p>
+        </p:txBody>
+      </p:sp>
+      <p:sp>
+        <p:nvSpPr>
+          <p:cNvPr id="3" name="Content Placeholder 2"/>
+          <p:cNvSpPr>
+            <a:spLocks noGrp="1"/>
+          </p:cNvSpPr>
+          <p:nvPr>
+            <p:ph idx="1"/>
+          </p:nvPr>
+        </p:nvSpPr>
+        <p:spPr>
+          <a:xfrm>
+            <a:off x="4251367" y="1417638"/>
+            <a:ext cx="5522026" cy="525482"/>
+          </a:xfrm>
+        </p:spPr>
+        <p:txBody>
+          <a:bodyPr/>
+          <a:lstStyle/>
+          <a:p>
+            <a:pPr marL="0" lvl="0" indent="0">
+              <a:buNone/>
+            </a:pPr>
+            <a:r>
+              <a:rPr lang="en-US" b="1" dirty="0" smtClean="0"/>
+              <a:t>First results:</a:t>
+            </a:r>
+            <a:endParaRPr lang="en-US" b="1" dirty="0"/>
+          </a:p>
+          <a:p>
+            <a:pPr marL="0" indent="0">
+              <a:buNone/>
+            </a:pPr>
+            <a:endParaRPr lang="nl-BE" dirty="0"/>
+          </a:p>
+        </p:txBody>
+      </p:sp>
+      <p:sp>
+        <p:nvSpPr>
+          <p:cNvPr id="4" name="Slide Number Placeholder 3"/>
+          <p:cNvSpPr>
+            <a:spLocks noGrp="1"/>
+          </p:cNvSpPr>
+          <p:nvPr>
+            <p:ph type="sldNum" sz="quarter" idx="12"/>
+          </p:nvPr>
+        </p:nvSpPr>
+        <p:spPr/>
+        <p:txBody>
+          <a:bodyPr/>
+          <a:lstStyle/>
+          <a:p>
+            <a:pPr>
+              <a:defRPr/>
+            </a:pPr>
+            <a:fld id="{BC2BCED3-7F4A-40F1-85DA-02B4B5A68187}" type="slidenum">
+              <a:rPr lang="nl-NL" smtClean="0"/>
+              <a:pPr>
+                <a:defRPr/>
+              </a:pPr>
+              <a:t>13</a:t>
+            </a:fld>
+            <a:endParaRPr lang="nl-NL"/>
+          </a:p>
+        </p:txBody>
+      </p:sp>
+      <p:pic>
+        <p:nvPicPr>
+          <p:cNvPr id="5" name="Afbeelding 4"/>
+          <p:cNvPicPr>
+            <a:picLocks noChangeAspect="1"/>
+          </p:cNvPicPr>
+          <p:nvPr/>
+        </p:nvPicPr>
+        <p:blipFill>
+          <a:blip r:embed="rId2">
+            <a:extLst>
+              <a:ext uri="{28A0092B-C50C-407E-A947-70E740481C1C}">
+                <a14:useLocalDpi xmlns:a14="http://schemas.microsoft.com/office/drawing/2010/main" val="0"/>
+              </a:ext>
+            </a:extLst>
+          </a:blip>
+          <a:stretch>
+            <a:fillRect/>
+          </a:stretch>
+        </p:blipFill>
+        <p:spPr>
+          <a:xfrm>
+            <a:off x="2224645" y="2010935"/>
+            <a:ext cx="9140042" cy="4460165"/>
+          </a:xfrm>
+          <a:prstGeom prst="rect">
+            <a:avLst/>
+          </a:prstGeom>
+        </p:spPr>
+      </p:pic>
+    </p:spTree>
+    <p:extLst>
+      <p:ext uri="{BB962C8B-B14F-4D97-AF65-F5344CB8AC3E}">
+        <p14:creationId xmlns:p14="http://schemas.microsoft.com/office/powerpoint/2010/main" val="895059922"/>
+      </p:ext>
+    </p:extLst>
+  </p:cSld>
+  <p:clrMapOvr>
+    <a:masterClrMapping/>
+  </p:clrMapOvr>
+  <p:timing>
+    <p:tnLst>
+      <p:par>
+        <p:cTn id="1" dur="indefinite" restart="never" nodeType="tmRoot"/>
+      </p:par>
+    </p:tnLst>
+  </p:timing>
+</p:sld>
+</file>
+
+<file path=ppt/slides/slide14.xml><?xml version="1.0" encoding="utf-8"?>
+<p:sld xmlns:a="http://schemas.openxmlformats.org/drawingml/2006/main" xmlns:r="http://schemas.openxmlformats.org/officeDocument/2006/relationships" xmlns:p="http://schemas.openxmlformats.org/presentationml/2006/main">
+  <p:cSld>
+    <p:spTree>
+      <p:nvGrpSpPr>
+        <p:cNvPr id="1" name=""/>
+        <p:cNvGrpSpPr/>
+        <p:nvPr/>
+      </p:nvGrpSpPr>
+      <p:grpSpPr>
+        <a:xfrm>
+          <a:off x="0" y="0"/>
+          <a:ext cx="0" cy="0"/>
+          <a:chOff x="0" y="0"/>
+          <a:chExt cx="0" cy="0"/>
+        </a:xfrm>
+      </p:grpSpPr>
+      <p:sp>
+        <p:nvSpPr>
+          <p:cNvPr id="2" name="Title 1"/>
+          <p:cNvSpPr>
+            <a:spLocks noGrp="1"/>
+          </p:cNvSpPr>
+          <p:nvPr>
+            <p:ph type="title"/>
+          </p:nvPr>
+        </p:nvSpPr>
+        <p:spPr/>
+        <p:txBody>
+          <a:bodyPr/>
+          <a:lstStyle/>
+          <a:p>
+            <a:r>
+              <a:rPr lang="en-US" dirty="0" smtClean="0"/>
+              <a:t>Reflection</a:t>
+            </a:r>
+            <a:endParaRPr lang="nl-BE" dirty="0"/>
+          </a:p>
+        </p:txBody>
+      </p:sp>
+      <p:sp>
+        <p:nvSpPr>
+          <p:cNvPr id="3" name="Content Placeholder 2"/>
+          <p:cNvSpPr>
+            <a:spLocks noGrp="1"/>
+          </p:cNvSpPr>
+          <p:nvPr>
+            <p:ph idx="1"/>
+          </p:nvPr>
+        </p:nvSpPr>
+        <p:spPr/>
+        <p:txBody>
+          <a:bodyPr/>
+          <a:lstStyle/>
+          <a:p>
+            <a:r>
+              <a:rPr lang="en-US" dirty="0" smtClean="0"/>
+              <a:t>Requirements are a starting point</a:t>
+            </a:r>
+          </a:p>
+          <a:p>
+            <a:r>
+              <a:rPr lang="en-US" dirty="0"/>
+              <a:t>Planning	: Agile</a:t>
+            </a:r>
+          </a:p>
+          <a:p>
+            <a:pPr marL="0" indent="0">
+              <a:buNone/>
+            </a:pPr>
+            <a:endParaRPr lang="en-US" dirty="0" smtClean="0"/>
+          </a:p>
+          <a:p>
+            <a:pPr marL="0" indent="0">
+              <a:buNone/>
+            </a:pPr>
+            <a:endParaRPr lang="nl-BE" dirty="0"/>
+          </a:p>
+        </p:txBody>
+      </p:sp>
+      <p:sp>
+        <p:nvSpPr>
+          <p:cNvPr id="4" name="Slide Number Placeholder 3"/>
+          <p:cNvSpPr>
+            <a:spLocks noGrp="1"/>
+          </p:cNvSpPr>
+          <p:nvPr>
+            <p:ph type="sldNum" sz="quarter" idx="12"/>
+          </p:nvPr>
+        </p:nvSpPr>
+        <p:spPr/>
+        <p:txBody>
+          <a:bodyPr/>
+          <a:lstStyle/>
+          <a:p>
+            <a:pPr>
+              <a:defRPr/>
+            </a:pPr>
+            <a:fld id="{BC2BCED3-7F4A-40F1-85DA-02B4B5A68187}" type="slidenum">
+              <a:rPr lang="nl-NL" smtClean="0"/>
+              <a:pPr>
+                <a:defRPr/>
+              </a:pPr>
+              <a:t>14</a:t>
+            </a:fld>
+            <a:endParaRPr lang="nl-NL"/>
+          </a:p>
+        </p:txBody>
+      </p:sp>
+      <p:pic>
+        <p:nvPicPr>
+          <p:cNvPr id="1026" name="Picture 2" descr="Afbeeldingsresultaat voor scrum iteration"/>
+          <p:cNvPicPr>
+            <a:picLocks noChangeAspect="1" noChangeArrowheads="1"/>
+          </p:cNvPicPr>
+          <p:nvPr/>
+        </p:nvPicPr>
+        <p:blipFill>
+          <a:blip r:embed="rId2">
+            <a:extLst>
+              <a:ext uri="{28A0092B-C50C-407E-A947-70E740481C1C}">
+                <a14:useLocalDpi xmlns:a14="http://schemas.microsoft.com/office/drawing/2010/main" val="0"/>
+              </a:ext>
+            </a:extLst>
+          </a:blip>
+          <a:srcRect/>
+          <a:stretch>
+            <a:fillRect/>
+          </a:stretch>
+        </p:blipFill>
+        <p:spPr bwMode="auto">
+          <a:xfrm>
+            <a:off x="6383379" y="3170415"/>
+            <a:ext cx="5689171" cy="3185936"/>
+          </a:xfrm>
+          <a:prstGeom prst="rect">
+            <a:avLst/>
+          </a:prstGeom>
+          <a:noFill/>
+          <a:extLst>
+            <a:ext uri="{909E8E84-426E-40DD-AFC4-6F175D3DCCD1}">
+              <a14:hiddenFill xmlns:a14="http://schemas.microsoft.com/office/drawing/2010/main">
+                <a:solidFill>
+                  <a:srgbClr val="FFFFFF"/>
+                </a:solidFill>
+              </a14:hiddenFill>
+            </a:ext>
+          </a:extLst>
+        </p:spPr>
+      </p:pic>
+    </p:spTree>
+    <p:extLst>
+      <p:ext uri="{BB962C8B-B14F-4D97-AF65-F5344CB8AC3E}">
+        <p14:creationId xmlns:p14="http://schemas.microsoft.com/office/powerpoint/2010/main" val="2892671205"/>
+      </p:ext>
+    </p:extLst>
+  </p:cSld>
+  <p:clrMapOvr>
+    <a:masterClrMapping/>
+  </p:clrMapOvr>
+  <p:timing>
+    <p:tnLst>
+      <p:par>
+        <p:cTn id="1" dur="indefinite" restart="never" nodeType="tmRoot"/>
+      </p:par>
+    </p:tnLst>
+  </p:timing>
+</p:sld>
+</file>
+
+<file path=ppt/slides/slide15.xml><?xml version="1.0" encoding="utf-8"?>
+<p:sld xmlns:a="http://schemas.openxmlformats.org/drawingml/2006/main" xmlns:r="http://schemas.openxmlformats.org/officeDocument/2006/relationships" xmlns:p="http://schemas.openxmlformats.org/presentationml/2006/main">
+  <p:cSld>
+    <p:spTree>
+      <p:nvGrpSpPr>
+        <p:cNvPr id="1" name=""/>
+        <p:cNvGrpSpPr/>
+        <p:nvPr/>
+      </p:nvGrpSpPr>
+      <p:grpSpPr>
+        <a:xfrm>
+          <a:off x="0" y="0"/>
+          <a:ext cx="0" cy="0"/>
+          <a:chOff x="0" y="0"/>
+          <a:chExt cx="0" cy="0"/>
+        </a:xfrm>
+      </p:grpSpPr>
+      <p:sp>
+        <p:nvSpPr>
+          <p:cNvPr id="2" name="Title 1"/>
+          <p:cNvSpPr>
+            <a:spLocks noGrp="1"/>
+          </p:cNvSpPr>
+          <p:nvPr>
+            <p:ph type="title"/>
+          </p:nvPr>
+        </p:nvSpPr>
+        <p:spPr/>
+        <p:txBody>
+          <a:bodyPr/>
+          <a:lstStyle/>
+          <a:p>
+            <a:r>
+              <a:rPr lang="en-US" dirty="0" smtClean="0"/>
+              <a:t>Reflection</a:t>
+            </a:r>
+            <a:endParaRPr lang="nl-BE" dirty="0"/>
+          </a:p>
+        </p:txBody>
+      </p:sp>
+      <p:sp>
+        <p:nvSpPr>
+          <p:cNvPr id="3" name="Content Placeholder 2"/>
+          <p:cNvSpPr>
+            <a:spLocks noGrp="1"/>
+          </p:cNvSpPr>
+          <p:nvPr>
+            <p:ph idx="1"/>
+          </p:nvPr>
+        </p:nvSpPr>
+        <p:spPr/>
+        <p:txBody>
+          <a:bodyPr/>
+          <a:lstStyle/>
+          <a:p>
+            <a:r>
+              <a:rPr lang="en-US" dirty="0" smtClean="0"/>
+              <a:t>Meetings: keep it short !</a:t>
+            </a:r>
+          </a:p>
+        </p:txBody>
+      </p:sp>
+      <p:sp>
+        <p:nvSpPr>
+          <p:cNvPr id="4" name="Slide Number Placeholder 3"/>
+          <p:cNvSpPr>
+            <a:spLocks noGrp="1"/>
+          </p:cNvSpPr>
+          <p:nvPr>
+            <p:ph type="sldNum" sz="quarter" idx="12"/>
+          </p:nvPr>
+        </p:nvSpPr>
+        <p:spPr/>
+        <p:txBody>
+          <a:bodyPr/>
+          <a:lstStyle/>
+          <a:p>
+            <a:pPr>
+              <a:defRPr/>
+            </a:pPr>
+            <a:fld id="{BC2BCED3-7F4A-40F1-85DA-02B4B5A68187}" type="slidenum">
+              <a:rPr lang="nl-NL" smtClean="0"/>
+              <a:pPr>
+                <a:defRPr/>
+              </a:pPr>
+              <a:t>15</a:t>
+            </a:fld>
+            <a:endParaRPr lang="nl-NL"/>
+          </a:p>
+        </p:txBody>
+      </p:sp>
+      <p:pic>
+        <p:nvPicPr>
+          <p:cNvPr id="3074" name="Picture 2" descr="http://www.testingexcellence.com/wp-content/uploads/2015/03/scrum-daily-standup.jpg"/>
+          <p:cNvPicPr>
+            <a:picLocks noChangeAspect="1" noChangeArrowheads="1"/>
+          </p:cNvPicPr>
+          <p:nvPr/>
+        </p:nvPicPr>
+        <p:blipFill>
+          <a:blip r:embed="rId2">
+            <a:extLst>
+              <a:ext uri="{28A0092B-C50C-407E-A947-70E740481C1C}">
+                <a14:useLocalDpi xmlns:a14="http://schemas.microsoft.com/office/drawing/2010/main" val="0"/>
+              </a:ext>
+            </a:extLst>
+          </a:blip>
+          <a:srcRect/>
+          <a:stretch>
+            <a:fillRect/>
+          </a:stretch>
+        </p:blipFill>
+        <p:spPr bwMode="auto">
+          <a:xfrm>
+            <a:off x="4740403" y="2374681"/>
+            <a:ext cx="6096944" cy="4072759"/>
+          </a:xfrm>
+          <a:prstGeom prst="rect">
+            <a:avLst/>
+          </a:prstGeom>
+          <a:noFill/>
+          <a:extLst>
+            <a:ext uri="{909E8E84-426E-40DD-AFC4-6F175D3DCCD1}">
+              <a14:hiddenFill xmlns:a14="http://schemas.microsoft.com/office/drawing/2010/main">
+                <a:solidFill>
+                  <a:srgbClr val="FFFFFF"/>
+                </a:solidFill>
+              </a14:hiddenFill>
+            </a:ext>
+          </a:extLst>
+        </p:spPr>
+      </p:pic>
+    </p:spTree>
+    <p:extLst>
+      <p:ext uri="{BB962C8B-B14F-4D97-AF65-F5344CB8AC3E}">
+        <p14:creationId xmlns:p14="http://schemas.microsoft.com/office/powerpoint/2010/main" val="2035232958"/>
+      </p:ext>
+    </p:extLst>
+  </p:cSld>
+  <p:clrMapOvr>
+    <a:masterClrMapping/>
+  </p:clrMapOvr>
+  <p:timing>
+    <p:tnLst>
+      <p:par>
+        <p:cTn id="1" dur="indefinite" restart="never" nodeType="tmRoot"/>
+      </p:par>
+    </p:tnLst>
+  </p:timing>
+</p:sld>
+</file>
+
+<file path=ppt/slides/slide16.xml><?xml version="1.0" encoding="utf-8"?>
+<p:sld xmlns:a="http://schemas.openxmlformats.org/drawingml/2006/main" xmlns:r="http://schemas.openxmlformats.org/officeDocument/2006/relationships" xmlns:p="http://schemas.openxmlformats.org/presentationml/2006/main">
+  <p:cSld>
+    <p:spTree>
+      <p:nvGrpSpPr>
+        <p:cNvPr id="1" name=""/>
+        <p:cNvGrpSpPr/>
+        <p:nvPr/>
+      </p:nvGrpSpPr>
+      <p:grpSpPr>
+        <a:xfrm>
+          <a:off x="0" y="0"/>
+          <a:ext cx="0" cy="0"/>
+          <a:chOff x="0" y="0"/>
+          <a:chExt cx="0" cy="0"/>
+        </a:xfrm>
+      </p:grpSpPr>
+      <p:sp>
+        <p:nvSpPr>
+          <p:cNvPr id="2" name="Title 1"/>
+          <p:cNvSpPr>
+            <a:spLocks noGrp="1"/>
+          </p:cNvSpPr>
+          <p:nvPr>
+            <p:ph type="title"/>
+          </p:nvPr>
+        </p:nvSpPr>
+        <p:spPr/>
+        <p:txBody>
+          <a:bodyPr/>
+          <a:lstStyle/>
+          <a:p>
+            <a:endParaRPr lang="nl-BE" dirty="0"/>
+          </a:p>
+        </p:txBody>
+      </p:sp>
+      <p:sp>
+        <p:nvSpPr>
+          <p:cNvPr id="3" name="Content Placeholder 2"/>
+          <p:cNvSpPr>
+            <a:spLocks noGrp="1"/>
+          </p:cNvSpPr>
+          <p:nvPr>
+            <p:ph idx="1"/>
+          </p:nvPr>
+        </p:nvSpPr>
+        <p:spPr/>
+        <p:txBody>
+          <a:bodyPr/>
+          <a:lstStyle/>
+          <a:p>
+            <a:r>
+              <a:rPr lang="en-US" dirty="0" smtClean="0"/>
+              <a:t>Communication</a:t>
+            </a:r>
+            <a:endParaRPr lang="nl-BE" dirty="0"/>
+          </a:p>
+        </p:txBody>
+      </p:sp>
+      <p:sp>
+        <p:nvSpPr>
+          <p:cNvPr id="4" name="Slide Number Placeholder 3"/>
+          <p:cNvSpPr>
+            <a:spLocks noGrp="1"/>
+          </p:cNvSpPr>
+          <p:nvPr>
+            <p:ph type="sldNum" sz="quarter" idx="12"/>
+          </p:nvPr>
+        </p:nvSpPr>
+        <p:spPr/>
+        <p:txBody>
+          <a:bodyPr/>
+          <a:lstStyle/>
+          <a:p>
+            <a:pPr>
+              <a:defRPr/>
+            </a:pPr>
+            <a:fld id="{BC2BCED3-7F4A-40F1-85DA-02B4B5A68187}" type="slidenum">
+              <a:rPr lang="nl-NL" smtClean="0"/>
+              <a:pPr>
+                <a:defRPr/>
+              </a:pPr>
+              <a:t>16</a:t>
             </a:fld>
             <a:endParaRPr lang="nl-NL"/>
           </a:p>
@@ -5604,7 +6496,7 @@
 </p:sld>
 </file>
 
-<file path=ppt/slides/slide11.xml><?xml version="1.0" encoding="utf-8"?>
+<file path=ppt/slides/slide17.xml><?xml version="1.0" encoding="utf-8"?>
 <p:sld xmlns:a="http://schemas.openxmlformats.org/drawingml/2006/main" xmlns:r="http://schemas.openxmlformats.org/officeDocument/2006/relationships" xmlns:p="http://schemas.openxmlformats.org/presentationml/2006/main">
   <p:cSld>
     <p:spTree>
@@ -5686,7 +6578,7 @@
               <a:pPr>
                 <a:defRPr/>
               </a:pPr>
-              <a:t>11</a:t>
+              <a:t>17</a:t>
             </a:fld>
             <a:endParaRPr lang="nl-NL"/>
           </a:p>
@@ -5833,7 +6725,7 @@
 </p:sld>
 </file>
 
-<file path=ppt/slides/slide12.xml><?xml version="1.0" encoding="utf-8"?>
+<file path=ppt/slides/slide18.xml><?xml version="1.0" encoding="utf-8"?>
 <p:sld xmlns:a="http://schemas.openxmlformats.org/drawingml/2006/main" xmlns:r="http://schemas.openxmlformats.org/officeDocument/2006/relationships" xmlns:p="http://schemas.openxmlformats.org/presentationml/2006/main">
   <p:cSld>
     <p:spTree>
@@ -5962,7 +6854,7 @@
               <a:pPr>
                 <a:defRPr/>
               </a:pPr>
-              <a:t>12</a:t>
+              <a:t>18</a:t>
             </a:fld>
             <a:endParaRPr lang="nl-NL"/>
           </a:p>
@@ -5988,7 +6880,7 @@
 </p:sld>
 </file>
 
-<file path=ppt/slides/slide13.xml><?xml version="1.0" encoding="utf-8"?>
+<file path=ppt/slides/slide19.xml><?xml version="1.0" encoding="utf-8"?>
 <p:sld xmlns:a="http://schemas.openxmlformats.org/drawingml/2006/main" xmlns:r="http://schemas.openxmlformats.org/officeDocument/2006/relationships" xmlns:p="http://schemas.openxmlformats.org/presentationml/2006/main">
   <p:cSld>
     <p:spTree>
@@ -6111,7 +7003,7 @@
               <a:pPr>
                 <a:defRPr/>
               </a:pPr>
-              <a:t>13</a:t>
+              <a:t>19</a:t>
             </a:fld>
             <a:endParaRPr lang="nl-NL"/>
           </a:p>
@@ -6137,7 +7029,7 @@
 </p:sld>
 </file>
 
-<file path=ppt/slides/slide14.xml><?xml version="1.0" encoding="utf-8"?>
+<file path=ppt/slides/slide2.xml><?xml version="1.0" encoding="utf-8"?>
 <p:sld xmlns:a="http://schemas.openxmlformats.org/drawingml/2006/main" xmlns:r="http://schemas.openxmlformats.org/officeDocument/2006/relationships" xmlns:p="http://schemas.openxmlformats.org/presentationml/2006/main">
   <p:cSld>
     <p:spTree>
@@ -6156,6 +7048,240 @@
       </p:grpSpPr>
       <p:sp>
         <p:nvSpPr>
+          <p:cNvPr id="5" name="Rectangle 4"/>
+          <p:cNvSpPr/>
+          <p:nvPr/>
+        </p:nvSpPr>
+        <p:spPr>
+          <a:xfrm>
+            <a:off x="4059220" y="1817235"/>
+            <a:ext cx="6096000" cy="4031873"/>
+          </a:xfrm>
+          <a:prstGeom prst="rect">
+            <a:avLst/>
+          </a:prstGeom>
+          <a:noFill/>
+          <a:ln>
+            <a:noFill/>
+          </a:ln>
+          <a:extLst>
+            <a:ext uri="{909E8E84-426E-40DD-AFC4-6F175D3DCCD1}">
+              <a14:hiddenFill xmlns:a14="http://schemas.microsoft.com/office/drawing/2010/main">
+                <a:solidFill>
+                  <a:srgbClr val="FFFFFF"/>
+                </a:solidFill>
+              </a14:hiddenFill>
+            </a:ext>
+            <a:ext uri="{91240B29-F687-4F45-9708-019B960494DF}">
+              <a14:hiddenLine xmlns:a14="http://schemas.microsoft.com/office/drawing/2010/main" w="9525">
+                <a:solidFill>
+                  <a:srgbClr val="000000"/>
+                </a:solidFill>
+                <a:miter lim="800000"/>
+                <a:headEnd/>
+                <a:tailEnd/>
+              </a14:hiddenLine>
+            </a:ext>
+          </a:extLst>
+        </p:spPr>
+        <p:txBody>
+          <a:bodyPr vert="horz" wrap="square" lIns="91440" tIns="45720" rIns="91440" bIns="45720" numCol="1" anchor="t" anchorCtr="0" compatLnSpc="1">
+            <a:prstTxWarp prst="textNoShape">
+              <a:avLst/>
+            </a:prstTxWarp>
+            <a:normAutofit lnSpcReduction="10000"/>
+          </a:bodyPr>
+          <a:lstStyle/>
+          <a:p>
+            <a:pPr marL="457200" indent="-457200" defTabSz="457200" eaLnBrk="0" fontAlgn="base" hangingPunct="0">
+              <a:spcBef>
+                <a:spcPct val="20000"/>
+              </a:spcBef>
+              <a:spcAft>
+                <a:spcPct val="0"/>
+              </a:spcAft>
+              <a:buFont typeface="Arial" panose="020B0604020202020204" pitchFamily="34" charset="0"/>
+              <a:buChar char="•"/>
+            </a:pPr>
+            <a:r>
+              <a:rPr lang="nl-BE" sz="3200" dirty="0" smtClean="0"/>
+              <a:t>Webapplicatie</a:t>
+            </a:r>
+          </a:p>
+          <a:p>
+            <a:pPr marL="457200" indent="-457200" defTabSz="457200" eaLnBrk="0" fontAlgn="base" hangingPunct="0">
+              <a:spcBef>
+                <a:spcPct val="20000"/>
+              </a:spcBef>
+              <a:spcAft>
+                <a:spcPct val="0"/>
+              </a:spcAft>
+              <a:buFont typeface="Arial" panose="020B0604020202020204" pitchFamily="34" charset="0"/>
+              <a:buChar char="•"/>
+            </a:pPr>
+            <a:r>
+              <a:rPr lang="nl-BE" sz="3200" dirty="0" smtClean="0"/>
+              <a:t>Ideeën pitchen</a:t>
+            </a:r>
+          </a:p>
+          <a:p>
+            <a:pPr marL="457200" indent="-457200" defTabSz="457200" eaLnBrk="0" fontAlgn="base" hangingPunct="0">
+              <a:spcBef>
+                <a:spcPct val="20000"/>
+              </a:spcBef>
+              <a:spcAft>
+                <a:spcPct val="0"/>
+              </a:spcAft>
+              <a:buFont typeface="Arial" panose="020B0604020202020204" pitchFamily="34" charset="0"/>
+              <a:buChar char="•"/>
+            </a:pPr>
+            <a:r>
+              <a:rPr lang="nl-BE" sz="3200" dirty="0" smtClean="0"/>
+              <a:t>Kickstarter</a:t>
+            </a:r>
+          </a:p>
+          <a:p>
+            <a:pPr marL="457200" indent="-457200" defTabSz="457200" eaLnBrk="0" fontAlgn="base" hangingPunct="0">
+              <a:spcBef>
+                <a:spcPct val="20000"/>
+              </a:spcBef>
+              <a:spcAft>
+                <a:spcPct val="0"/>
+              </a:spcAft>
+              <a:buFont typeface="Arial" panose="020B0604020202020204" pitchFamily="34" charset="0"/>
+              <a:buChar char="•"/>
+            </a:pPr>
+            <a:r>
+              <a:rPr lang="nl-BE" sz="3200" dirty="0" smtClean="0"/>
+              <a:t>‘</a:t>
+            </a:r>
+            <a:r>
+              <a:rPr lang="nl-BE" sz="3200" i="1" dirty="0" smtClean="0"/>
+              <a:t>Liken</a:t>
+            </a:r>
+            <a:r>
+              <a:rPr lang="nl-BE" sz="3200" dirty="0" smtClean="0"/>
+              <a:t>’/leuk vinden</a:t>
+            </a:r>
+          </a:p>
+          <a:p>
+            <a:pPr marL="457200" indent="-457200" defTabSz="457200" eaLnBrk="0" fontAlgn="base" hangingPunct="0">
+              <a:spcBef>
+                <a:spcPct val="20000"/>
+              </a:spcBef>
+              <a:spcAft>
+                <a:spcPct val="0"/>
+              </a:spcAft>
+              <a:buFont typeface="Arial" panose="020B0604020202020204" pitchFamily="34" charset="0"/>
+              <a:buChar char="•"/>
+            </a:pPr>
+            <a:r>
+              <a:rPr lang="nl-BE" sz="3200" dirty="0" smtClean="0"/>
+              <a:t>Inschrijven/steunen</a:t>
+            </a:r>
+          </a:p>
+          <a:p>
+            <a:pPr marL="457200" indent="-457200" defTabSz="457200" eaLnBrk="0" fontAlgn="base" hangingPunct="0">
+              <a:spcBef>
+                <a:spcPct val="20000"/>
+              </a:spcBef>
+              <a:spcAft>
+                <a:spcPct val="0"/>
+              </a:spcAft>
+              <a:buFont typeface="Arial" panose="020B0604020202020204" pitchFamily="34" charset="0"/>
+              <a:buChar char="•"/>
+            </a:pPr>
+            <a:r>
+              <a:rPr lang="nl-BE" sz="3200" dirty="0" smtClean="0"/>
+              <a:t>Commentaar</a:t>
+            </a:r>
+          </a:p>
+          <a:p>
+            <a:pPr marL="457200" indent="-457200" defTabSz="457200" eaLnBrk="0" fontAlgn="base" hangingPunct="0">
+              <a:spcBef>
+                <a:spcPct val="20000"/>
+              </a:spcBef>
+              <a:spcAft>
+                <a:spcPct val="0"/>
+              </a:spcAft>
+              <a:buFont typeface="Arial" panose="020B0604020202020204" pitchFamily="34" charset="0"/>
+              <a:buChar char="•"/>
+            </a:pPr>
+            <a:r>
+              <a:rPr lang="nl-BE" sz="3200" dirty="0" smtClean="0"/>
+              <a:t>Opvolging </a:t>
+            </a:r>
+            <a:endParaRPr lang="nl-BE" sz="3200" dirty="0"/>
+          </a:p>
+        </p:txBody>
+      </p:sp>
+      <p:sp>
+        <p:nvSpPr>
+          <p:cNvPr id="6" name="Title 1"/>
+          <p:cNvSpPr>
+            <a:spLocks noGrp="1"/>
+          </p:cNvSpPr>
+          <p:nvPr>
+            <p:ph type="title"/>
+          </p:nvPr>
+        </p:nvSpPr>
+        <p:spPr>
+          <a:xfrm>
+            <a:off x="1785770" y="443418"/>
+            <a:ext cx="8229600" cy="1143000"/>
+          </a:xfrm>
+        </p:spPr>
+        <p:txBody>
+          <a:bodyPr/>
+          <a:lstStyle/>
+          <a:p>
+            <a:r>
+              <a:rPr lang="nl-BE" b="1" dirty="0" smtClean="0"/>
+              <a:t>I-Talent-Platform</a:t>
+            </a:r>
+            <a:endParaRPr lang="nl-BE" dirty="0"/>
+          </a:p>
+        </p:txBody>
+      </p:sp>
+    </p:spTree>
+    <p:extLst>
+      <p:ext uri="{BB962C8B-B14F-4D97-AF65-F5344CB8AC3E}">
+        <p14:creationId xmlns:p14="http://schemas.microsoft.com/office/powerpoint/2010/main" val="32327070"/>
+      </p:ext>
+    </p:extLst>
+  </p:cSld>
+  <p:clrMapOvr>
+    <a:masterClrMapping/>
+  </p:clrMapOvr>
+  <p:timing>
+    <p:tnLst>
+      <p:par>
+        <p:cTn id="1" dur="indefinite" restart="never" nodeType="tmRoot"/>
+      </p:par>
+    </p:tnLst>
+  </p:timing>
+</p:sld>
+</file>
+
+<file path=ppt/slides/slide20.xml><?xml version="1.0" encoding="utf-8"?>
+<p:sld xmlns:a="http://schemas.openxmlformats.org/drawingml/2006/main" xmlns:r="http://schemas.openxmlformats.org/officeDocument/2006/relationships" xmlns:p="http://schemas.openxmlformats.org/presentationml/2006/main">
+  <p:cSld>
+    <p:spTree>
+      <p:nvGrpSpPr>
+        <p:cNvPr id="1" name=""/>
+        <p:cNvGrpSpPr/>
+        <p:nvPr/>
+      </p:nvGrpSpPr>
+      <p:grpSpPr>
+        <a:xfrm>
+          <a:off x="0" y="0"/>
+          <a:ext cx="0" cy="0"/>
+          <a:chOff x="0" y="0"/>
+          <a:chExt cx="0" cy="0"/>
+        </a:xfrm>
+      </p:grpSpPr>
+      <p:sp>
+        <p:nvSpPr>
           <p:cNvPr id="2" name="Title 1"/>
           <p:cNvSpPr>
             <a:spLocks noGrp="1"/>
@@ -6242,7 +7368,7 @@
               <a:pPr>
                 <a:defRPr/>
               </a:pPr>
-              <a:t>14</a:t>
+              <a:t>20</a:t>
             </a:fld>
             <a:endParaRPr lang="nl-NL"/>
           </a:p>
@@ -6268,7 +7394,7 @@
 </p:sld>
 </file>
 
-<file path=ppt/slides/slide15.xml><?xml version="1.0" encoding="utf-8"?>
+<file path=ppt/slides/slide21.xml><?xml version="1.0" encoding="utf-8"?>
 <p:sld xmlns:a="http://schemas.openxmlformats.org/drawingml/2006/main" xmlns:r="http://schemas.openxmlformats.org/officeDocument/2006/relationships" xmlns:p="http://schemas.openxmlformats.org/presentationml/2006/main">
   <p:cSld>
     <p:spTree>
@@ -6336,7 +7462,7 @@
               <a:pPr>
                 <a:defRPr/>
               </a:pPr>
-              <a:t>15</a:t>
+              <a:t>21</a:t>
             </a:fld>
             <a:endParaRPr lang="nl-NL"/>
           </a:p>
@@ -6352,241 +7478,6 @@
   <p:clrMapOvr>
     <a:masterClrMapping/>
   </p:clrMapOvr>
-</p:sld>
-</file>
-
-<file path=ppt/slides/slide2.xml><?xml version="1.0" encoding="utf-8"?>
-<p:sld xmlns:a="http://schemas.openxmlformats.org/drawingml/2006/main" xmlns:r="http://schemas.openxmlformats.org/officeDocument/2006/relationships" xmlns:p="http://schemas.openxmlformats.org/presentationml/2006/main">
-  <p:cSld>
-    <p:spTree>
-      <p:nvGrpSpPr>
-        <p:cNvPr id="1" name=""/>
-        <p:cNvGrpSpPr/>
-        <p:nvPr/>
-      </p:nvGrpSpPr>
-      <p:grpSpPr>
-        <a:xfrm>
-          <a:off x="0" y="0"/>
-          <a:ext cx="0" cy="0"/>
-          <a:chOff x="0" y="0"/>
-          <a:chExt cx="0" cy="0"/>
-        </a:xfrm>
-      </p:grpSpPr>
-      <p:sp>
-        <p:nvSpPr>
-          <p:cNvPr id="5" name="Rectangle 4"/>
-          <p:cNvSpPr/>
-          <p:nvPr/>
-        </p:nvSpPr>
-        <p:spPr>
-          <a:xfrm>
-            <a:off x="4059220" y="1817235"/>
-            <a:ext cx="6096000" cy="4031873"/>
-          </a:xfrm>
-          <a:prstGeom prst="rect">
-            <a:avLst/>
-          </a:prstGeom>
-          <a:noFill/>
-          <a:ln>
-            <a:noFill/>
-          </a:ln>
-          <a:extLst>
-            <a:ext uri="{909E8E84-426E-40DD-AFC4-6F175D3DCCD1}">
-              <a14:hiddenFill xmlns:a14="http://schemas.microsoft.com/office/drawing/2010/main">
-                <a:solidFill>
-                  <a:srgbClr val="FFFFFF"/>
-                </a:solidFill>
-              </a14:hiddenFill>
-            </a:ext>
-            <a:ext uri="{91240B29-F687-4F45-9708-019B960494DF}">
-              <a14:hiddenLine xmlns:a14="http://schemas.microsoft.com/office/drawing/2010/main" w="9525">
-                <a:solidFill>
-                  <a:srgbClr val="000000"/>
-                </a:solidFill>
-                <a:miter lim="800000"/>
-                <a:headEnd/>
-                <a:tailEnd/>
-              </a14:hiddenLine>
-            </a:ext>
-          </a:extLst>
-        </p:spPr>
-        <p:txBody>
-          <a:bodyPr vert="horz" wrap="square" lIns="91440" tIns="45720" rIns="91440" bIns="45720" numCol="1" anchor="t" anchorCtr="0" compatLnSpc="1">
-            <a:prstTxWarp prst="textNoShape">
-              <a:avLst/>
-            </a:prstTxWarp>
-            <a:normAutofit lnSpcReduction="10000"/>
-          </a:bodyPr>
-          <a:lstStyle/>
-          <a:p>
-            <a:pPr marL="457200" indent="-457200" defTabSz="457200" eaLnBrk="0" fontAlgn="base" hangingPunct="0">
-              <a:spcBef>
-                <a:spcPct val="20000"/>
-              </a:spcBef>
-              <a:spcAft>
-                <a:spcPct val="0"/>
-              </a:spcAft>
-              <a:buFont typeface="Arial" panose="020B0604020202020204" pitchFamily="34" charset="0"/>
-              <a:buChar char="•"/>
-            </a:pPr>
-            <a:r>
-              <a:rPr lang="nl-BE" sz="3200" dirty="0" smtClean="0"/>
-              <a:t>Webapplicatie</a:t>
-            </a:r>
-          </a:p>
-          <a:p>
-            <a:pPr marL="457200" indent="-457200" defTabSz="457200" eaLnBrk="0" fontAlgn="base" hangingPunct="0">
-              <a:spcBef>
-                <a:spcPct val="20000"/>
-              </a:spcBef>
-              <a:spcAft>
-                <a:spcPct val="0"/>
-              </a:spcAft>
-              <a:buFont typeface="Arial" panose="020B0604020202020204" pitchFamily="34" charset="0"/>
-              <a:buChar char="•"/>
-            </a:pPr>
-            <a:r>
-              <a:rPr lang="nl-BE" sz="3200" dirty="0" smtClean="0"/>
-              <a:t>Ideeën pitchen</a:t>
-            </a:r>
-          </a:p>
-          <a:p>
-            <a:pPr marL="457200" indent="-457200" defTabSz="457200" eaLnBrk="0" fontAlgn="base" hangingPunct="0">
-              <a:spcBef>
-                <a:spcPct val="20000"/>
-              </a:spcBef>
-              <a:spcAft>
-                <a:spcPct val="0"/>
-              </a:spcAft>
-              <a:buFont typeface="Arial" panose="020B0604020202020204" pitchFamily="34" charset="0"/>
-              <a:buChar char="•"/>
-            </a:pPr>
-            <a:r>
-              <a:rPr lang="nl-BE" sz="3200" dirty="0" smtClean="0"/>
-              <a:t>Kickstarter</a:t>
-            </a:r>
-          </a:p>
-          <a:p>
-            <a:pPr marL="457200" indent="-457200" defTabSz="457200" eaLnBrk="0" fontAlgn="base" hangingPunct="0">
-              <a:spcBef>
-                <a:spcPct val="20000"/>
-              </a:spcBef>
-              <a:spcAft>
-                <a:spcPct val="0"/>
-              </a:spcAft>
-              <a:buFont typeface="Arial" panose="020B0604020202020204" pitchFamily="34" charset="0"/>
-              <a:buChar char="•"/>
-            </a:pPr>
-            <a:r>
-              <a:rPr lang="nl-BE" sz="3200" dirty="0" smtClean="0"/>
-              <a:t>‘</a:t>
-            </a:r>
-            <a:r>
-              <a:rPr lang="nl-BE" sz="3200" i="1" dirty="0" smtClean="0"/>
-              <a:t>Liken</a:t>
-            </a:r>
-            <a:r>
-              <a:rPr lang="nl-BE" sz="3200" dirty="0" smtClean="0"/>
-              <a:t>’/leuk vinden</a:t>
-            </a:r>
-          </a:p>
-          <a:p>
-            <a:pPr marL="457200" indent="-457200" defTabSz="457200" eaLnBrk="0" fontAlgn="base" hangingPunct="0">
-              <a:spcBef>
-                <a:spcPct val="20000"/>
-              </a:spcBef>
-              <a:spcAft>
-                <a:spcPct val="0"/>
-              </a:spcAft>
-              <a:buFont typeface="Arial" panose="020B0604020202020204" pitchFamily="34" charset="0"/>
-              <a:buChar char="•"/>
-            </a:pPr>
-            <a:r>
-              <a:rPr lang="nl-BE" sz="3200" dirty="0" smtClean="0"/>
-              <a:t>Inschrijven/steunen</a:t>
-            </a:r>
-          </a:p>
-          <a:p>
-            <a:pPr marL="457200" indent="-457200" defTabSz="457200" eaLnBrk="0" fontAlgn="base" hangingPunct="0">
-              <a:spcBef>
-                <a:spcPct val="20000"/>
-              </a:spcBef>
-              <a:spcAft>
-                <a:spcPct val="0"/>
-              </a:spcAft>
-              <a:buFont typeface="Arial" panose="020B0604020202020204" pitchFamily="34" charset="0"/>
-              <a:buChar char="•"/>
-            </a:pPr>
-            <a:r>
-              <a:rPr lang="nl-BE" sz="3200" dirty="0" smtClean="0"/>
-              <a:t>Commentaar</a:t>
-            </a:r>
-            <a:endParaRPr lang="nl-BE" sz="3200" dirty="0" smtClean="0"/>
-          </a:p>
-          <a:p>
-            <a:pPr marL="457200" indent="-457200" defTabSz="457200" eaLnBrk="0" fontAlgn="base" hangingPunct="0">
-              <a:spcBef>
-                <a:spcPct val="20000"/>
-              </a:spcBef>
-              <a:spcAft>
-                <a:spcPct val="0"/>
-              </a:spcAft>
-              <a:buFont typeface="Arial" panose="020B0604020202020204" pitchFamily="34" charset="0"/>
-              <a:buChar char="•"/>
-            </a:pPr>
-            <a:r>
-              <a:rPr lang="nl-BE" sz="3200" dirty="0" smtClean="0"/>
-              <a:t>Opvolging </a:t>
-            </a:r>
-            <a:endParaRPr lang="nl-BE" sz="3200" dirty="0"/>
-          </a:p>
-        </p:txBody>
-      </p:sp>
-      <p:sp>
-        <p:nvSpPr>
-          <p:cNvPr id="6" name="Title 1"/>
-          <p:cNvSpPr>
-            <a:spLocks noGrp="1"/>
-          </p:cNvSpPr>
-          <p:nvPr>
-            <p:ph type="title"/>
-          </p:nvPr>
-        </p:nvSpPr>
-        <p:spPr>
-          <a:xfrm>
-            <a:off x="1785770" y="443418"/>
-            <a:ext cx="8229600" cy="1143000"/>
-          </a:xfrm>
-        </p:spPr>
-        <p:txBody>
-          <a:bodyPr/>
-          <a:lstStyle/>
-          <a:p>
-            <a:r>
-              <a:rPr lang="nl-BE" b="1" dirty="0" smtClean="0"/>
-              <a:t>I-Talent-Platform</a:t>
-            </a:r>
-            <a:endParaRPr lang="nl-BE" dirty="0"/>
-          </a:p>
-        </p:txBody>
-      </p:sp>
-    </p:spTree>
-    <p:extLst>
-      <p:ext uri="{BB962C8B-B14F-4D97-AF65-F5344CB8AC3E}">
-        <p14:creationId xmlns:p14="http://schemas.microsoft.com/office/powerpoint/2010/main" val="32327070"/>
-      </p:ext>
-    </p:extLst>
-  </p:cSld>
-  <p:clrMapOvr>
-    <a:masterClrMapping/>
-  </p:clrMapOvr>
-  <p:timing>
-    <p:tnLst>
-      <p:par>
-        <p:cTn id="1" dur="indefinite" restart="never" nodeType="tmRoot"/>
-      </p:par>
-    </p:tnLst>
-  </p:timing>
 </p:sld>
 </file>
 
@@ -6813,7 +7704,6 @@
               <a:rPr lang="en-US" b="1" dirty="0" smtClean="0"/>
               <a:t>:</a:t>
             </a:r>
-            <a:endParaRPr lang="en-US" b="1" dirty="0" smtClean="0"/>
           </a:p>
           <a:p>
             <a:pPr lvl="0"/>
@@ -6960,7 +7850,6 @@
               <a:rPr lang="en-US" b="1" dirty="0" smtClean="0"/>
               <a:t>:</a:t>
             </a:r>
-            <a:endParaRPr lang="en-US" b="1" dirty="0" smtClean="0"/>
           </a:p>
           <a:p>
             <a:pPr lvl="0"/>
@@ -7000,7 +7889,6 @@
               <a:rPr lang="en-US" dirty="0" smtClean="0"/>
               <a:t>RTC</a:t>
             </a:r>
-            <a:endParaRPr lang="en-US" dirty="0" smtClean="0"/>
           </a:p>
           <a:p>
             <a:endParaRPr lang="nl-BE" i="1" dirty="0"/>
@@ -7060,75 +7948,9 @@
           <a:lstStyle/>
           <a:p>
             <a:r>
-              <a:rPr lang="nl-BE" dirty="0" smtClean="0"/>
-              <a:t>I-Talent-Platform</a:t>
-            </a:r>
-            <a:endParaRPr lang="nl-BE" dirty="0"/>
-          </a:p>
-        </p:txBody>
-      </p:sp>
-      <p:sp>
-        <p:nvSpPr>
-          <p:cNvPr id="3" name="Content Placeholder 2"/>
-          <p:cNvSpPr>
-            <a:spLocks noGrp="1"/>
-          </p:cNvSpPr>
-          <p:nvPr>
-            <p:ph idx="1"/>
-          </p:nvPr>
-        </p:nvSpPr>
-        <p:spPr>
-          <a:xfrm>
-            <a:off x="4263242" y="1600201"/>
-            <a:ext cx="7319158" cy="4525963"/>
-          </a:xfrm>
-        </p:spPr>
-        <p:txBody>
-          <a:bodyPr/>
-          <a:lstStyle/>
-          <a:p>
-            <a:pPr marL="0" lvl="0" indent="0">
-              <a:buNone/>
-            </a:pPr>
-            <a:r>
-              <a:rPr lang="en-US" b="1" dirty="0" smtClean="0"/>
-              <a:t>Action:</a:t>
-            </a:r>
-            <a:endParaRPr lang="en-US" b="1" dirty="0"/>
-          </a:p>
-          <a:p>
-            <a:pPr lvl="0"/>
-            <a:r>
-              <a:rPr lang="nl-BE" dirty="0" smtClean="0"/>
-              <a:t>Brainstorming</a:t>
-            </a:r>
-            <a:endParaRPr lang="nl-BE" dirty="0"/>
-          </a:p>
-          <a:p>
-            <a:pPr lvl="0"/>
-            <a:r>
               <a:rPr lang="en-US" dirty="0" smtClean="0"/>
-              <a:t>Meetings</a:t>
-            </a:r>
-            <a:endParaRPr lang="en-US" dirty="0"/>
-          </a:p>
-          <a:p>
-            <a:pPr lvl="0"/>
-            <a:r>
-              <a:rPr lang="en-US" dirty="0" smtClean="0"/>
-              <a:t>Analysis</a:t>
-            </a:r>
-            <a:endParaRPr lang="en-US" dirty="0"/>
-          </a:p>
-          <a:p>
-            <a:pPr lvl="0"/>
-            <a:r>
-              <a:rPr lang="nl-BE" dirty="0" smtClean="0"/>
-              <a:t>And finally… coding!!</a:t>
-            </a:r>
-            <a:endParaRPr lang="nl-BE" dirty="0"/>
-          </a:p>
-          <a:p>
+              <a:t>Application Lifecycle Management</a:t>
+            </a:r>
             <a:endParaRPr lang="nl-BE" dirty="0"/>
           </a:p>
         </p:txBody>
@@ -7162,23 +7984,264 @@
           </a:p>
         </p:txBody>
       </p:sp>
+      <p:pic>
+        <p:nvPicPr>
+          <p:cNvPr id="1026" name="Picture 2" descr="https://www.practitest.com/wp-content/uploads/2012/11/applicatiom_Life_Cycle-298x300.jpg"/>
+          <p:cNvPicPr>
+            <a:picLocks noChangeAspect="1" noChangeArrowheads="1"/>
+          </p:cNvPicPr>
+          <p:nvPr/>
+        </p:nvPicPr>
+        <p:blipFill>
+          <a:blip r:embed="rId2">
+            <a:extLst>
+              <a:ext uri="{28A0092B-C50C-407E-A947-70E740481C1C}">
+                <a14:useLocalDpi xmlns:a14="http://schemas.microsoft.com/office/drawing/2010/main" val="0"/>
+              </a:ext>
+            </a:extLst>
+          </a:blip>
+          <a:srcRect/>
+          <a:stretch>
+            <a:fillRect/>
+          </a:stretch>
+        </p:blipFill>
+        <p:spPr bwMode="auto">
+          <a:xfrm>
+            <a:off x="3778669" y="1796467"/>
+            <a:ext cx="4105874" cy="4133430"/>
+          </a:xfrm>
+          <a:prstGeom prst="rect">
+            <a:avLst/>
+          </a:prstGeom>
+          <a:noFill/>
+          <a:extLst>
+            <a:ext uri="{909E8E84-426E-40DD-AFC4-6F175D3DCCD1}">
+              <a14:hiddenFill xmlns:a14="http://schemas.microsoft.com/office/drawing/2010/main">
+                <a:solidFill>
+                  <a:srgbClr val="FFFFFF"/>
+                </a:solidFill>
+              </a14:hiddenFill>
+            </a:ext>
+          </a:extLst>
+        </p:spPr>
+      </p:pic>
+      <p:pic>
+        <p:nvPicPr>
+          <p:cNvPr id="8" name="Picture 6" descr="https://wiki.jenkins-ci.org/download/attachments/2916393/headshot.png?version=1&amp;modificationDate=1302753947000"/>
+          <p:cNvPicPr>
+            <a:picLocks noChangeAspect="1" noChangeArrowheads="1"/>
+          </p:cNvPicPr>
+          <p:nvPr/>
+        </p:nvPicPr>
+        <p:blipFill>
+          <a:blip r:embed="rId3" cstate="print">
+            <a:extLst>
+              <a:ext uri="{28A0092B-C50C-407E-A947-70E740481C1C}">
+                <a14:useLocalDpi xmlns:a14="http://schemas.microsoft.com/office/drawing/2010/main" val="0"/>
+              </a:ext>
+            </a:extLst>
+          </a:blip>
+          <a:srcRect/>
+          <a:stretch>
+            <a:fillRect/>
+          </a:stretch>
+        </p:blipFill>
+        <p:spPr bwMode="auto">
+          <a:xfrm>
+            <a:off x="6952591" y="5278085"/>
+            <a:ext cx="749945" cy="749945"/>
+          </a:xfrm>
+          <a:prstGeom prst="rect">
+            <a:avLst/>
+          </a:prstGeom>
+          <a:noFill/>
+          <a:extLst>
+            <a:ext uri="{909E8E84-426E-40DD-AFC4-6F175D3DCCD1}">
+              <a14:hiddenFill xmlns:a14="http://schemas.microsoft.com/office/drawing/2010/main">
+                <a:solidFill>
+                  <a:srgbClr val="FFFFFF"/>
+                </a:solidFill>
+              </a14:hiddenFill>
+            </a:ext>
+          </a:extLst>
+        </p:spPr>
+      </p:pic>
+      <p:pic>
+        <p:nvPicPr>
+          <p:cNvPr id="1036" name="Picture 12" descr="http://new.gerritforge.com/images/logo_jazz.png"/>
+          <p:cNvPicPr>
+            <a:picLocks noChangeAspect="1" noChangeArrowheads="1"/>
+          </p:cNvPicPr>
+          <p:nvPr/>
+        </p:nvPicPr>
+        <p:blipFill>
+          <a:blip r:embed="rId4" cstate="print">
+            <a:extLst>
+              <a:ext uri="{28A0092B-C50C-407E-A947-70E740481C1C}">
+                <a14:useLocalDpi xmlns:a14="http://schemas.microsoft.com/office/drawing/2010/main" val="0"/>
+              </a:ext>
+            </a:extLst>
+          </a:blip>
+          <a:srcRect/>
+          <a:stretch>
+            <a:fillRect/>
+          </a:stretch>
+        </p:blipFill>
+        <p:spPr bwMode="auto">
+          <a:xfrm>
+            <a:off x="5538159" y="1161504"/>
+            <a:ext cx="991738" cy="793391"/>
+          </a:xfrm>
+          <a:prstGeom prst="rect">
+            <a:avLst/>
+          </a:prstGeom>
+          <a:noFill/>
+          <a:extLst>
+            <a:ext uri="{909E8E84-426E-40DD-AFC4-6F175D3DCCD1}">
+              <a14:hiddenFill xmlns:a14="http://schemas.microsoft.com/office/drawing/2010/main">
+                <a:solidFill>
+                  <a:srgbClr val="FFFFFF"/>
+                </a:solidFill>
+              </a14:hiddenFill>
+            </a:ext>
+          </a:extLst>
+        </p:spPr>
+      </p:pic>
+      <p:pic>
+        <p:nvPicPr>
+          <p:cNvPr id="1038" name="Picture 14" descr="https://d17kynu4zpq5hy.cloudfront.net/igi/firepickdelta/4uKgo64KcbErUiFB.medium"/>
+          <p:cNvPicPr>
+            <a:picLocks noChangeAspect="1" noChangeArrowheads="1"/>
+          </p:cNvPicPr>
+          <p:nvPr/>
+        </p:nvPicPr>
+        <p:blipFill>
+          <a:blip r:embed="rId5" cstate="print">
+            <a:extLst>
+              <a:ext uri="{28A0092B-C50C-407E-A947-70E740481C1C}">
+                <a14:useLocalDpi xmlns:a14="http://schemas.microsoft.com/office/drawing/2010/main" val="0"/>
+              </a:ext>
+            </a:extLst>
+          </a:blip>
+          <a:srcRect/>
+          <a:stretch>
+            <a:fillRect/>
+          </a:stretch>
+        </p:blipFill>
+        <p:spPr bwMode="auto">
+          <a:xfrm>
+            <a:off x="7884543" y="3049989"/>
+            <a:ext cx="681187" cy="510890"/>
+          </a:xfrm>
+          <a:prstGeom prst="rect">
+            <a:avLst/>
+          </a:prstGeom>
+          <a:noFill/>
+          <a:extLst>
+            <a:ext uri="{909E8E84-426E-40DD-AFC4-6F175D3DCCD1}">
+              <a14:hiddenFill xmlns:a14="http://schemas.microsoft.com/office/drawing/2010/main">
+                <a:solidFill>
+                  <a:srgbClr val="FFFFFF"/>
+                </a:solidFill>
+              </a14:hiddenFill>
+            </a:ext>
+          </a:extLst>
+        </p:spPr>
+      </p:pic>
+      <p:pic>
+        <p:nvPicPr>
+          <p:cNvPr id="1040" name="Picture 16" descr="http://fabric8.io/presentations/kubernetes-london-openshift-fabric8/images/openshift.png"/>
+          <p:cNvPicPr>
+            <a:picLocks noGrp="1" noChangeAspect="1" noChangeArrowheads="1"/>
+          </p:cNvPicPr>
+          <p:nvPr>
+            <p:ph idx="1"/>
+          </p:nvPr>
+        </p:nvPicPr>
+        <p:blipFill>
+          <a:blip r:embed="rId6" cstate="print">
+            <a:extLst>
+              <a:ext uri="{28A0092B-C50C-407E-A947-70E740481C1C}">
+                <a14:useLocalDpi xmlns:a14="http://schemas.microsoft.com/office/drawing/2010/main" val="0"/>
+              </a:ext>
+            </a:extLst>
+          </a:blip>
+          <a:srcRect/>
+          <a:stretch>
+            <a:fillRect/>
+          </a:stretch>
+        </p:blipFill>
+        <p:spPr bwMode="auto">
+          <a:xfrm>
+            <a:off x="3324194" y="4823610"/>
+            <a:ext cx="908950" cy="908950"/>
+          </a:xfrm>
+          <a:prstGeom prst="rect">
+            <a:avLst/>
+          </a:prstGeom>
+          <a:noFill/>
+          <a:extLst>
+            <a:ext uri="{909E8E84-426E-40DD-AFC4-6F175D3DCCD1}">
+              <a14:hiddenFill xmlns:a14="http://schemas.microsoft.com/office/drawing/2010/main">
+                <a:solidFill>
+                  <a:srgbClr val="FFFFFF"/>
+                </a:solidFill>
+              </a14:hiddenFill>
+            </a:ext>
+          </a:extLst>
+        </p:spPr>
+      </p:pic>
+      <p:pic>
+        <p:nvPicPr>
+          <p:cNvPr id="15" name="Picture 12" descr="http://new.gerritforge.com/images/logo_jazz.png"/>
+          <p:cNvPicPr>
+            <a:picLocks noChangeAspect="1" noChangeArrowheads="1"/>
+          </p:cNvPicPr>
+          <p:nvPr/>
+        </p:nvPicPr>
+        <p:blipFill>
+          <a:blip r:embed="rId4" cstate="print">
+            <a:extLst>
+              <a:ext uri="{28A0092B-C50C-407E-A947-70E740481C1C}">
+                <a14:useLocalDpi xmlns:a14="http://schemas.microsoft.com/office/drawing/2010/main" val="0"/>
+              </a:ext>
+            </a:extLst>
+          </a:blip>
+          <a:srcRect/>
+          <a:stretch>
+            <a:fillRect/>
+          </a:stretch>
+        </p:blipFill>
+        <p:spPr bwMode="auto">
+          <a:xfrm>
+            <a:off x="3105512" y="2532861"/>
+            <a:ext cx="991738" cy="793391"/>
+          </a:xfrm>
+          <a:prstGeom prst="rect">
+            <a:avLst/>
+          </a:prstGeom>
+          <a:noFill/>
+          <a:extLst>
+            <a:ext uri="{909E8E84-426E-40DD-AFC4-6F175D3DCCD1}">
+              <a14:hiddenFill xmlns:a14="http://schemas.microsoft.com/office/drawing/2010/main">
+                <a:solidFill>
+                  <a:srgbClr val="FFFFFF"/>
+                </a:solidFill>
+              </a14:hiddenFill>
+            </a:ext>
+          </a:extLst>
+        </p:spPr>
+      </p:pic>
     </p:spTree>
     <p:extLst>
       <p:ext uri="{BB962C8B-B14F-4D97-AF65-F5344CB8AC3E}">
-        <p14:creationId xmlns:p14="http://schemas.microsoft.com/office/powerpoint/2010/main" val="975155166"/>
+        <p14:creationId xmlns:p14="http://schemas.microsoft.com/office/powerpoint/2010/main" val="2964713495"/>
       </p:ext>
     </p:extLst>
   </p:cSld>
   <p:clrMapOvr>
     <a:masterClrMapping/>
   </p:clrMapOvr>
-  <p:timing>
-    <p:tnLst>
-      <p:par>
-        <p:cTn id="1" dur="indefinite" restart="never" nodeType="tmRoot"/>
-      </p:par>
-    </p:tnLst>
-  </p:timing>
 </p:sld>
 </file>
 
@@ -7215,8 +8278,8 @@
           <a:lstStyle/>
           <a:p>
             <a:r>
-              <a:rPr lang="nl-BE" dirty="0" smtClean="0"/>
-              <a:t>I-Talent-Platform</a:t>
+              <a:rPr lang="en-US" dirty="0" smtClean="0"/>
+              <a:t>Requirement specification</a:t>
             </a:r>
             <a:endParaRPr lang="nl-BE" dirty="0"/>
           </a:p>
@@ -7232,29 +8295,29 @@
             <p:ph idx="1"/>
           </p:nvPr>
         </p:nvSpPr>
-        <p:spPr>
-          <a:xfrm>
-            <a:off x="4251367" y="1417638"/>
-            <a:ext cx="5522026" cy="525482"/>
-          </a:xfrm>
-        </p:spPr>
+        <p:spPr/>
         <p:txBody>
           <a:bodyPr/>
           <a:lstStyle/>
           <a:p>
-            <a:pPr marL="0" lvl="0" indent="0">
-              <a:buNone/>
-            </a:pPr>
-            <a:r>
-              <a:rPr lang="en-US" b="1" dirty="0" smtClean="0"/>
-              <a:t>First results:</a:t>
-            </a:r>
-            <a:endParaRPr lang="en-US" b="1" dirty="0"/>
-          </a:p>
-          <a:p>
-            <a:pPr marL="0" indent="0">
-              <a:buNone/>
-            </a:pPr>
+            <a:r>
+              <a:rPr lang="en-US" dirty="0" smtClean="0"/>
+              <a:t>Story board</a:t>
+            </a:r>
+          </a:p>
+          <a:p>
+            <a:r>
+              <a:rPr lang="en-US" dirty="0" smtClean="0"/>
+              <a:t>Task/defect</a:t>
+            </a:r>
+          </a:p>
+          <a:p>
+            <a:r>
+              <a:rPr lang="en-US" dirty="0" smtClean="0"/>
+              <a:t>Continuous integration</a:t>
+            </a:r>
+          </a:p>
+          <a:p>
             <a:endParaRPr lang="nl-BE" dirty="0"/>
           </a:p>
         </p:txBody>
@@ -7290,51 +8353,55 @@
       </p:sp>
       <p:pic>
         <p:nvPicPr>
-          <p:cNvPr id="5" name="Afbeelding 4"/>
+          <p:cNvPr id="5" name="Picture 12" descr="http://new.gerritforge.com/images/logo_jazz.png"/>
           <p:cNvPicPr>
-            <a:picLocks noChangeAspect="1"/>
+            <a:picLocks noChangeAspect="1" noChangeArrowheads="1"/>
           </p:cNvPicPr>
           <p:nvPr/>
         </p:nvPicPr>
         <p:blipFill>
-          <a:blip r:embed="rId2">
+          <a:blip r:embed="rId2" cstate="print">
             <a:extLst>
               <a:ext uri="{28A0092B-C50C-407E-A947-70E740481C1C}">
                 <a14:useLocalDpi xmlns:a14="http://schemas.microsoft.com/office/drawing/2010/main" val="0"/>
               </a:ext>
             </a:extLst>
           </a:blip>
+          <a:srcRect/>
           <a:stretch>
             <a:fillRect/>
           </a:stretch>
         </p:blipFill>
-        <p:spPr>
+        <p:spPr bwMode="auto">
           <a:xfrm>
-            <a:off x="2224645" y="2010935"/>
-            <a:ext cx="9140042" cy="4460165"/>
+            <a:off x="9652958" y="206172"/>
+            <a:ext cx="1742535" cy="1394029"/>
           </a:xfrm>
           <a:prstGeom prst="rect">
             <a:avLst/>
           </a:prstGeom>
+          <a:noFill/>
+          <a:extLst>
+            <a:ext uri="{909E8E84-426E-40DD-AFC4-6F175D3DCCD1}">
+              <a14:hiddenFill xmlns:a14="http://schemas.microsoft.com/office/drawing/2010/main">
+                <a:solidFill>
+                  <a:srgbClr val="FFFFFF"/>
+                </a:solidFill>
+              </a14:hiddenFill>
+            </a:ext>
+          </a:extLst>
         </p:spPr>
       </p:pic>
     </p:spTree>
     <p:extLst>
       <p:ext uri="{BB962C8B-B14F-4D97-AF65-F5344CB8AC3E}">
-        <p14:creationId xmlns:p14="http://schemas.microsoft.com/office/powerpoint/2010/main" val="895059922"/>
+        <p14:creationId xmlns:p14="http://schemas.microsoft.com/office/powerpoint/2010/main" val="2778538993"/>
       </p:ext>
     </p:extLst>
   </p:cSld>
   <p:clrMapOvr>
     <a:masterClrMapping/>
   </p:clrMapOvr>
-  <p:timing>
-    <p:tnLst>
-      <p:par>
-        <p:cTn id="1" dur="indefinite" restart="never" nodeType="tmRoot"/>
-      </p:par>
-    </p:tnLst>
-  </p:timing>
 </p:sld>
 </file>
 
@@ -7372,7 +8439,7 @@
           <a:p>
             <a:r>
               <a:rPr lang="en-US" dirty="0" smtClean="0"/>
-              <a:t>Reflection</a:t>
+              <a:t>Requirement specification</a:t>
             </a:r>
             <a:endParaRPr lang="nl-BE" dirty="0"/>
           </a:p>
@@ -7393,27 +8460,6 @@
           <a:bodyPr/>
           <a:lstStyle/>
           <a:p>
-            <a:r>
-              <a:rPr lang="en-US" dirty="0" smtClean="0"/>
-              <a:t>Requirements are a starting point</a:t>
-            </a:r>
-          </a:p>
-          <a:p>
-            <a:r>
-              <a:rPr lang="en-US" dirty="0"/>
-              <a:t>Planning	: Agile</a:t>
-            </a:r>
-          </a:p>
-          <a:p>
-            <a:pPr marL="0" indent="0">
-              <a:buNone/>
-            </a:pPr>
-            <a:endParaRPr lang="en-US" dirty="0" smtClean="0"/>
-          </a:p>
-          <a:p>
-            <a:pPr marL="0" indent="0">
-              <a:buNone/>
-            </a:pPr>
             <a:endParaRPr lang="nl-BE" dirty="0"/>
           </a:p>
         </p:txBody>
@@ -7449,14 +8495,14 @@
       </p:sp>
       <p:pic>
         <p:nvPicPr>
-          <p:cNvPr id="1026" name="Picture 2" descr="Afbeeldingsresultaat voor scrum iteration"/>
+          <p:cNvPr id="6" name="Picture 12" descr="http://new.gerritforge.com/images/logo_jazz.png"/>
           <p:cNvPicPr>
             <a:picLocks noChangeAspect="1" noChangeArrowheads="1"/>
           </p:cNvPicPr>
           <p:nvPr/>
         </p:nvPicPr>
         <p:blipFill>
-          <a:blip r:embed="rId2">
+          <a:blip r:embed="rId2" cstate="print">
             <a:extLst>
               <a:ext uri="{28A0092B-C50C-407E-A947-70E740481C1C}">
                 <a14:useLocalDpi xmlns:a14="http://schemas.microsoft.com/office/drawing/2010/main" val="0"/>
@@ -7470,8 +8516,8 @@
         </p:blipFill>
         <p:spPr bwMode="auto">
           <a:xfrm>
-            <a:off x="6383379" y="3170415"/>
-            <a:ext cx="5689171" cy="3185936"/>
+            <a:off x="9670213" y="218133"/>
+            <a:ext cx="1742535" cy="1394029"/>
           </a:xfrm>
           <a:prstGeom prst="rect">
             <a:avLst/>
@@ -7488,23 +8534,40 @@
           </a:extLst>
         </p:spPr>
       </p:pic>
+      <p:pic>
+        <p:nvPicPr>
+          <p:cNvPr id="11" name="Picture 10"/>
+          <p:cNvPicPr>
+            <a:picLocks noChangeAspect="1"/>
+          </p:cNvPicPr>
+          <p:nvPr/>
+        </p:nvPicPr>
+        <p:blipFill>
+          <a:blip r:embed="rId3"/>
+          <a:stretch>
+            <a:fillRect/>
+          </a:stretch>
+        </p:blipFill>
+        <p:spPr>
+          <a:xfrm>
+            <a:off x="1233576" y="1600201"/>
+            <a:ext cx="10544175" cy="4448074"/>
+          </a:xfrm>
+          <a:prstGeom prst="rect">
+            <a:avLst/>
+          </a:prstGeom>
+        </p:spPr>
+      </p:pic>
     </p:spTree>
     <p:extLst>
       <p:ext uri="{BB962C8B-B14F-4D97-AF65-F5344CB8AC3E}">
-        <p14:creationId xmlns:p14="http://schemas.microsoft.com/office/powerpoint/2010/main" val="2892671205"/>
+        <p14:creationId xmlns:p14="http://schemas.microsoft.com/office/powerpoint/2010/main" val="1261684780"/>
       </p:ext>
     </p:extLst>
   </p:cSld>
   <p:clrMapOvr>
     <a:masterClrMapping/>
   </p:clrMapOvr>
-  <p:timing>
-    <p:tnLst>
-      <p:par>
-        <p:cTn id="1" dur="indefinite" restart="never" nodeType="tmRoot"/>
-      </p:par>
-    </p:tnLst>
-  </p:timing>
 </p:sld>
 </file>
 
@@ -7542,7 +8605,7 @@
           <a:p>
             <a:r>
               <a:rPr lang="en-US" dirty="0" smtClean="0"/>
-              <a:t>Reflection</a:t>
+              <a:t>Development</a:t>
             </a:r>
             <a:endParaRPr lang="nl-BE" dirty="0"/>
           </a:p>
@@ -7565,8 +8628,9 @@
           <a:p>
             <a:r>
               <a:rPr lang="en-US" dirty="0" smtClean="0"/>
-              <a:t>Meetings: keep it short !</a:t>
-            </a:r>
+              <a:t>Eclipse + RTC plugin</a:t>
+            </a:r>
+            <a:endParaRPr lang="nl-BE" dirty="0"/>
           </a:p>
         </p:txBody>
       </p:sp>
@@ -7601,62 +8665,38 @@
       </p:sp>
       <p:pic>
         <p:nvPicPr>
-          <p:cNvPr id="3074" name="Picture 2" descr="http://www.testingexcellence.com/wp-content/uploads/2015/03/scrum-daily-standup.jpg"/>
+          <p:cNvPr id="6" name="Picture 5"/>
           <p:cNvPicPr>
-            <a:picLocks noChangeAspect="1" noChangeArrowheads="1"/>
+            <a:picLocks noChangeAspect="1"/>
           </p:cNvPicPr>
           <p:nvPr/>
         </p:nvPicPr>
         <p:blipFill>
-          <a:blip r:embed="rId2">
-            <a:extLst>
-              <a:ext uri="{28A0092B-C50C-407E-A947-70E740481C1C}">
-                <a14:useLocalDpi xmlns:a14="http://schemas.microsoft.com/office/drawing/2010/main" val="0"/>
-              </a:ext>
-            </a:extLst>
-          </a:blip>
-          <a:srcRect/>
+          <a:blip r:embed="rId2"/>
           <a:stretch>
             <a:fillRect/>
           </a:stretch>
         </p:blipFill>
-        <p:spPr bwMode="auto">
+        <p:spPr>
           <a:xfrm>
-            <a:off x="4740403" y="2374681"/>
-            <a:ext cx="6096944" cy="4072759"/>
+            <a:off x="4473066" y="2642694"/>
+            <a:ext cx="7362375" cy="3664581"/>
           </a:xfrm>
           <a:prstGeom prst="rect">
             <a:avLst/>
           </a:prstGeom>
-          <a:noFill/>
-          <a:extLst>
-            <a:ext uri="{909E8E84-426E-40DD-AFC4-6F175D3DCCD1}">
-              <a14:hiddenFill xmlns:a14="http://schemas.microsoft.com/office/drawing/2010/main">
-                <a:solidFill>
-                  <a:srgbClr val="FFFFFF"/>
-                </a:solidFill>
-              </a14:hiddenFill>
-            </a:ext>
-          </a:extLst>
         </p:spPr>
       </p:pic>
     </p:spTree>
     <p:extLst>
       <p:ext uri="{BB962C8B-B14F-4D97-AF65-F5344CB8AC3E}">
-        <p14:creationId xmlns:p14="http://schemas.microsoft.com/office/powerpoint/2010/main" val="2035232958"/>
+        <p14:creationId xmlns:p14="http://schemas.microsoft.com/office/powerpoint/2010/main" val="3210876042"/>
       </p:ext>
     </p:extLst>
   </p:cSld>
   <p:clrMapOvr>
     <a:masterClrMapping/>
   </p:clrMapOvr>
-  <p:timing>
-    <p:tnLst>
-      <p:par>
-        <p:cTn id="1" dur="indefinite" restart="never" nodeType="tmRoot"/>
-      </p:par>
-    </p:tnLst>
-  </p:timing>
 </p:sld>
 </file>
 

--- a/italent/documents/Presentatie/Presentatie.pptx
+++ b/italent/documents/Presentatie/Presentatie.pptx
@@ -17,15 +17,18 @@
     <p:sldId id="278" r:id="rId11"/>
     <p:sldId id="279" r:id="rId12"/>
     <p:sldId id="262" r:id="rId13"/>
-    <p:sldId id="268" r:id="rId14"/>
-    <p:sldId id="264" r:id="rId15"/>
-    <p:sldId id="267" r:id="rId16"/>
-    <p:sldId id="265" r:id="rId17"/>
-    <p:sldId id="266" r:id="rId18"/>
-    <p:sldId id="269" r:id="rId19"/>
-    <p:sldId id="270" r:id="rId20"/>
-    <p:sldId id="271" r:id="rId21"/>
-    <p:sldId id="272" r:id="rId22"/>
+    <p:sldId id="280" r:id="rId14"/>
+    <p:sldId id="281" r:id="rId15"/>
+    <p:sldId id="283" r:id="rId16"/>
+    <p:sldId id="268" r:id="rId17"/>
+    <p:sldId id="264" r:id="rId18"/>
+    <p:sldId id="267" r:id="rId19"/>
+    <p:sldId id="265" r:id="rId20"/>
+    <p:sldId id="266" r:id="rId21"/>
+    <p:sldId id="269" r:id="rId22"/>
+    <p:sldId id="270" r:id="rId23"/>
+    <p:sldId id="271" r:id="rId24"/>
+    <p:sldId id="272" r:id="rId25"/>
   </p:sldIdLst>
   <p:sldSz cx="12192000" cy="6858000"/>
   <p:notesSz cx="6858000" cy="9144000"/>
@@ -766,7 +769,7 @@
               <a:pPr>
                 <a:defRPr/>
               </a:pPr>
-              <a:t>‹#›</a:t>
+              <a:t>‹nr.›</a:t>
             </a:fld>
             <a:endParaRPr lang="nl-NL">
               <a:solidFill>
@@ -1139,7 +1142,7 @@
               <a:pPr>
                 <a:defRPr/>
               </a:pPr>
-              <a:t>‹#›</a:t>
+              <a:t>‹nr.›</a:t>
             </a:fld>
             <a:endParaRPr lang="nl-NL"/>
           </a:p>
@@ -1408,7 +1411,7 @@
               <a:pPr>
                 <a:defRPr/>
               </a:pPr>
-              <a:t>‹#›</a:t>
+              <a:t>‹nr.›</a:t>
             </a:fld>
             <a:endParaRPr lang="nl-NL"/>
           </a:p>
@@ -1687,7 +1690,7 @@
               <a:pPr>
                 <a:defRPr/>
               </a:pPr>
-              <a:t>‹#›</a:t>
+              <a:t>‹nr.›</a:t>
             </a:fld>
             <a:endParaRPr lang="nl-NL"/>
           </a:p>
@@ -1956,7 +1959,7 @@
               <a:pPr>
                 <a:defRPr/>
               </a:pPr>
-              <a:t>‹#›</a:t>
+              <a:t>‹nr.›</a:t>
             </a:fld>
             <a:endParaRPr lang="nl-NL"/>
           </a:p>
@@ -2335,7 +2338,7 @@
               <a:pPr>
                 <a:defRPr/>
               </a:pPr>
-              <a:t>‹#›</a:t>
+              <a:t>‹nr.›</a:t>
             </a:fld>
             <a:endParaRPr lang="nl-NL"/>
           </a:p>
@@ -2722,7 +2725,7 @@
               <a:pPr>
                 <a:defRPr/>
               </a:pPr>
-              <a:t>‹#›</a:t>
+              <a:t>‹nr.›</a:t>
             </a:fld>
             <a:endParaRPr lang="nl-NL"/>
           </a:p>
@@ -3243,7 +3246,7 @@
               <a:pPr>
                 <a:defRPr/>
               </a:pPr>
-              <a:t>‹#›</a:t>
+              <a:t>‹nr.›</a:t>
             </a:fld>
             <a:endParaRPr lang="nl-NL"/>
           </a:p>
@@ -3460,7 +3463,7 @@
               <a:pPr>
                 <a:defRPr/>
               </a:pPr>
-              <a:t>‹#›</a:t>
+              <a:t>‹nr.›</a:t>
             </a:fld>
             <a:endParaRPr lang="nl-NL"/>
           </a:p>
@@ -3654,7 +3657,7 @@
               <a:pPr>
                 <a:defRPr/>
               </a:pPr>
-              <a:t>‹#›</a:t>
+              <a:t>‹nr.›</a:t>
             </a:fld>
             <a:endParaRPr lang="nl-NL"/>
           </a:p>
@@ -4030,7 +4033,7 @@
               <a:pPr>
                 <a:defRPr/>
               </a:pPr>
-              <a:t>‹#›</a:t>
+              <a:t>‹nr.›</a:t>
             </a:fld>
             <a:endParaRPr lang="nl-NL"/>
           </a:p>
@@ -4395,7 +4398,7 @@
                 </a:spcAft>
                 <a:defRPr/>
               </a:pPr>
-              <a:t>‹#›</a:t>
+              <a:t>‹nr.›</a:t>
             </a:fld>
             <a:endParaRPr lang="nl-NL">
               <a:cs typeface="Arial" panose="020B0604020202020204" pitchFamily="34" charset="0"/>
@@ -5756,7 +5759,7 @@
           <a:p>
             <a:r>
               <a:rPr lang="nl-BE" dirty="0" smtClean="0"/>
-              <a:t>I-Talent-Platform</a:t>
+              <a:t>Front-end tools</a:t>
             </a:r>
             <a:endParaRPr lang="nl-BE" dirty="0"/>
           </a:p>
@@ -5782,48 +5785,33 @@
           <a:bodyPr/>
           <a:lstStyle/>
           <a:p>
-            <a:pPr marL="0" lvl="0" indent="0">
+            <a:pPr lvl="0"/>
+            <a:r>
+              <a:rPr lang="nl-BE" dirty="0" err="1" smtClean="0"/>
+              <a:t>Bower</a:t>
+            </a:r>
+            <a:endParaRPr lang="nl-BE" dirty="0"/>
+          </a:p>
+          <a:p>
+            <a:pPr lvl="0"/>
+            <a:r>
+              <a:rPr lang="en-US" dirty="0" err="1" smtClean="0"/>
+              <a:t>AngularJs</a:t>
+            </a:r>
+            <a:endParaRPr lang="en-US" dirty="0"/>
+          </a:p>
+          <a:p>
+            <a:pPr lvl="0"/>
+            <a:r>
+              <a:rPr lang="en-US" dirty="0" smtClean="0"/>
+              <a:t>Twitter Bootstrap</a:t>
+            </a:r>
+            <a:endParaRPr lang="en-US" dirty="0"/>
+          </a:p>
+          <a:p>
+            <a:pPr marL="0" indent="0">
               <a:buNone/>
             </a:pPr>
-            <a:r>
-              <a:rPr lang="en-US" b="1" dirty="0" smtClean="0"/>
-              <a:t>Action:</a:t>
-            </a:r>
-            <a:endParaRPr lang="en-US" b="1" dirty="0"/>
-          </a:p>
-          <a:p>
-            <a:pPr lvl="0"/>
-            <a:r>
-              <a:rPr lang="nl-BE" dirty="0" smtClean="0"/>
-              <a:t>Brainstorming</a:t>
-            </a:r>
-            <a:endParaRPr lang="nl-BE" dirty="0"/>
-          </a:p>
-          <a:p>
-            <a:pPr lvl="0"/>
-            <a:r>
-              <a:rPr lang="en-US" dirty="0" smtClean="0"/>
-              <a:t>Meetings</a:t>
-            </a:r>
-            <a:endParaRPr lang="en-US" dirty="0"/>
-          </a:p>
-          <a:p>
-            <a:pPr lvl="0"/>
-            <a:r>
-              <a:rPr lang="en-US" dirty="0" smtClean="0"/>
-              <a:t>Analysis</a:t>
-            </a:r>
-            <a:endParaRPr lang="en-US" dirty="0"/>
-          </a:p>
-          <a:p>
-            <a:pPr lvl="0"/>
-            <a:r>
-              <a:rPr lang="nl-BE" dirty="0" smtClean="0"/>
-              <a:t>And finally… coding!!</a:t>
-            </a:r>
-            <a:endParaRPr lang="nl-BE" dirty="0"/>
-          </a:p>
-          <a:p>
             <a:endParaRPr lang="nl-BE" dirty="0"/>
           </a:p>
         </p:txBody>
@@ -5896,7 +5884,7 @@
       </p:grpSpPr>
       <p:sp>
         <p:nvSpPr>
-          <p:cNvPr id="2" name="Title 1"/>
+          <p:cNvPr id="2" name="Titel 1"/>
           <p:cNvSpPr>
             <a:spLocks noGrp="1"/>
           </p:cNvSpPr>
@@ -5910,16 +5898,16 @@
           <a:lstStyle/>
           <a:p>
             <a:r>
-              <a:rPr lang="nl-BE" dirty="0" smtClean="0"/>
-              <a:t>I-Talent-Platform</a:t>
-            </a:r>
-            <a:endParaRPr lang="nl-BE" dirty="0"/>
-          </a:p>
-        </p:txBody>
-      </p:sp>
-      <p:sp>
-        <p:nvSpPr>
-          <p:cNvPr id="3" name="Content Placeholder 2"/>
+              <a:rPr lang="en-GB" dirty="0" smtClean="0"/>
+              <a:t>Bower</a:t>
+            </a:r>
+            <a:endParaRPr lang="nl-NL" dirty="0"/>
+          </a:p>
+        </p:txBody>
+      </p:sp>
+      <p:sp>
+        <p:nvSpPr>
+          <p:cNvPr id="3" name="Tijdelijke aanduiding voor inhoud 2"/>
           <p:cNvSpPr>
             <a:spLocks noGrp="1"/>
           </p:cNvSpPr>
@@ -5929,34 +5917,50 @@
         </p:nvSpPr>
         <p:spPr>
           <a:xfrm>
-            <a:off x="4251367" y="1417638"/>
-            <a:ext cx="5522026" cy="525482"/>
+            <a:off x="3016332" y="1600201"/>
+            <a:ext cx="8566068" cy="4525963"/>
           </a:xfrm>
         </p:spPr>
         <p:txBody>
           <a:bodyPr/>
           <a:lstStyle/>
-          <a:p>
-            <a:pPr marL="0" lvl="0" indent="0">
-              <a:buNone/>
-            </a:pPr>
-            <a:r>
-              <a:rPr lang="en-US" b="1" dirty="0" smtClean="0"/>
-              <a:t>First results:</a:t>
-            </a:r>
-            <a:endParaRPr lang="en-US" b="1" dirty="0"/>
-          </a:p>
           <a:p>
             <a:pPr marL="0" indent="0">
               <a:buNone/>
             </a:pPr>
-            <a:endParaRPr lang="nl-BE" dirty="0"/>
-          </a:p>
-        </p:txBody>
-      </p:sp>
-      <p:sp>
-        <p:nvSpPr>
-          <p:cNvPr id="4" name="Slide Number Placeholder 3"/>
+            <a:r>
+              <a:rPr lang="en-GB" dirty="0" err="1" smtClean="0"/>
+              <a:t>Korte</a:t>
+            </a:r>
+            <a:r>
+              <a:rPr lang="en-GB" dirty="0" smtClean="0"/>
+              <a:t> bower </a:t>
+            </a:r>
+            <a:r>
+              <a:rPr lang="en-GB" dirty="0" err="1" smtClean="0"/>
+              <a:t>uitleg</a:t>
+            </a:r>
+            <a:r>
+              <a:rPr lang="en-GB" dirty="0" smtClean="0"/>
+              <a:t>.. </a:t>
+            </a:r>
+            <a:r>
+              <a:rPr lang="en-GB" dirty="0" err="1" smtClean="0"/>
+              <a:t>todo</a:t>
+            </a:r>
+            <a:endParaRPr lang="en-GB" dirty="0"/>
+          </a:p>
+          <a:p>
+            <a:pPr marL="0" indent="0">
+              <a:buNone/>
+            </a:pPr>
+            <a:endParaRPr lang="nl-NL" dirty="0"/>
+          </a:p>
+        </p:txBody>
+      </p:sp>
+      <p:sp>
+        <p:nvSpPr>
+          <p:cNvPr id="4" name="Tijdelijke aanduiding voor dianummer 3"/>
           <p:cNvSpPr>
             <a:spLocks noGrp="1"/>
           </p:cNvSpPr>
@@ -5978,6 +5982,473 @@
                 <a:defRPr/>
               </a:pPr>
               <a:t>13</a:t>
+            </a:fld>
+            <a:endParaRPr lang="nl-NL"/>
+          </a:p>
+        </p:txBody>
+      </p:sp>
+      <p:pic>
+        <p:nvPicPr>
+          <p:cNvPr id="6" name="Afbeelding 5"/>
+          <p:cNvPicPr>
+            <a:picLocks noChangeAspect="1"/>
+          </p:cNvPicPr>
+          <p:nvPr/>
+        </p:nvPicPr>
+        <p:blipFill>
+          <a:blip r:embed="rId2">
+            <a:extLst>
+              <a:ext uri="{28A0092B-C50C-407E-A947-70E740481C1C}">
+                <a14:useLocalDpi xmlns:a14="http://schemas.microsoft.com/office/drawing/2010/main" val="0"/>
+              </a:ext>
+            </a:extLst>
+          </a:blip>
+          <a:stretch>
+            <a:fillRect/>
+          </a:stretch>
+        </p:blipFill>
+        <p:spPr>
+          <a:xfrm>
+            <a:off x="828613" y="2596357"/>
+            <a:ext cx="1438275" cy="1266825"/>
+          </a:xfrm>
+          <a:prstGeom prst="rect">
+            <a:avLst/>
+          </a:prstGeom>
+        </p:spPr>
+      </p:pic>
+    </p:spTree>
+    <p:extLst>
+      <p:ext uri="{BB962C8B-B14F-4D97-AF65-F5344CB8AC3E}">
+        <p14:creationId xmlns:p14="http://schemas.microsoft.com/office/powerpoint/2010/main" val="2350750021"/>
+      </p:ext>
+    </p:extLst>
+  </p:cSld>
+  <p:clrMapOvr>
+    <a:masterClrMapping/>
+  </p:clrMapOvr>
+</p:sld>
+</file>
+
+<file path=ppt/slides/slide14.xml><?xml version="1.0" encoding="utf-8"?>
+<p:sld xmlns:a="http://schemas.openxmlformats.org/drawingml/2006/main" xmlns:r="http://schemas.openxmlformats.org/officeDocument/2006/relationships" xmlns:p="http://schemas.openxmlformats.org/presentationml/2006/main">
+  <p:cSld>
+    <p:spTree>
+      <p:nvGrpSpPr>
+        <p:cNvPr id="1" name=""/>
+        <p:cNvGrpSpPr/>
+        <p:nvPr/>
+      </p:nvGrpSpPr>
+      <p:grpSpPr>
+        <a:xfrm>
+          <a:off x="0" y="0"/>
+          <a:ext cx="0" cy="0"/>
+          <a:chOff x="0" y="0"/>
+          <a:chExt cx="0" cy="0"/>
+        </a:xfrm>
+      </p:grpSpPr>
+      <p:sp>
+        <p:nvSpPr>
+          <p:cNvPr id="2" name="Titel 1"/>
+          <p:cNvSpPr>
+            <a:spLocks noGrp="1"/>
+          </p:cNvSpPr>
+          <p:nvPr>
+            <p:ph type="title"/>
+          </p:nvPr>
+        </p:nvSpPr>
+        <p:spPr/>
+        <p:txBody>
+          <a:bodyPr/>
+          <a:lstStyle/>
+          <a:p>
+            <a:r>
+              <a:rPr lang="en-GB" dirty="0" err="1" smtClean="0"/>
+              <a:t>AngularJs</a:t>
+            </a:r>
+            <a:endParaRPr lang="nl-NL" dirty="0"/>
+          </a:p>
+        </p:txBody>
+      </p:sp>
+      <p:sp>
+        <p:nvSpPr>
+          <p:cNvPr id="3" name="Tijdelijke aanduiding voor inhoud 2"/>
+          <p:cNvSpPr>
+            <a:spLocks noGrp="1"/>
+          </p:cNvSpPr>
+          <p:nvPr>
+            <p:ph idx="1"/>
+          </p:nvPr>
+        </p:nvSpPr>
+        <p:spPr>
+          <a:xfrm>
+            <a:off x="3040082" y="1600201"/>
+            <a:ext cx="8542317" cy="4525963"/>
+          </a:xfrm>
+        </p:spPr>
+        <p:txBody>
+          <a:bodyPr/>
+          <a:lstStyle/>
+          <a:p>
+            <a:pPr marL="0" indent="0">
+              <a:buNone/>
+            </a:pPr>
+            <a:r>
+              <a:rPr lang="en-GB" dirty="0" err="1" smtClean="0"/>
+              <a:t>Korte</a:t>
+            </a:r>
+            <a:r>
+              <a:rPr lang="en-GB" dirty="0" smtClean="0"/>
+              <a:t> </a:t>
+            </a:r>
+            <a:r>
+              <a:rPr lang="en-GB" dirty="0" err="1" smtClean="0"/>
+              <a:t>uitleg</a:t>
+            </a:r>
+            <a:r>
+              <a:rPr lang="en-GB" dirty="0" smtClean="0"/>
+              <a:t> AngularJS.. </a:t>
+            </a:r>
+            <a:r>
+              <a:rPr lang="en-GB" dirty="0" err="1" smtClean="0"/>
+              <a:t>todo</a:t>
+            </a:r>
+            <a:endParaRPr lang="nl-NL" dirty="0"/>
+          </a:p>
+        </p:txBody>
+      </p:sp>
+      <p:sp>
+        <p:nvSpPr>
+          <p:cNvPr id="4" name="Tijdelijke aanduiding voor dianummer 3"/>
+          <p:cNvSpPr>
+            <a:spLocks noGrp="1"/>
+          </p:cNvSpPr>
+          <p:nvPr>
+            <p:ph type="sldNum" sz="quarter" idx="12"/>
+          </p:nvPr>
+        </p:nvSpPr>
+        <p:spPr/>
+        <p:txBody>
+          <a:bodyPr/>
+          <a:lstStyle/>
+          <a:p>
+            <a:pPr>
+              <a:defRPr/>
+            </a:pPr>
+            <a:fld id="{BC2BCED3-7F4A-40F1-85DA-02B4B5A68187}" type="slidenum">
+              <a:rPr lang="nl-NL" smtClean="0"/>
+              <a:pPr>
+                <a:defRPr/>
+              </a:pPr>
+              <a:t>14</a:t>
+            </a:fld>
+            <a:endParaRPr lang="nl-NL"/>
+          </a:p>
+        </p:txBody>
+      </p:sp>
+      <p:pic>
+        <p:nvPicPr>
+          <p:cNvPr id="6" name="Afbeelding 5"/>
+          <p:cNvPicPr>
+            <a:picLocks noChangeAspect="1"/>
+          </p:cNvPicPr>
+          <p:nvPr/>
+        </p:nvPicPr>
+        <p:blipFill>
+          <a:blip r:embed="rId2">
+            <a:extLst>
+              <a:ext uri="{28A0092B-C50C-407E-A947-70E740481C1C}">
+                <a14:useLocalDpi xmlns:a14="http://schemas.microsoft.com/office/drawing/2010/main" val="0"/>
+              </a:ext>
+            </a:extLst>
+          </a:blip>
+          <a:stretch>
+            <a:fillRect/>
+          </a:stretch>
+        </p:blipFill>
+        <p:spPr>
+          <a:xfrm>
+            <a:off x="609600" y="2771899"/>
+            <a:ext cx="1152525" cy="1219200"/>
+          </a:xfrm>
+          <a:prstGeom prst="rect">
+            <a:avLst/>
+          </a:prstGeom>
+        </p:spPr>
+      </p:pic>
+    </p:spTree>
+    <p:extLst>
+      <p:ext uri="{BB962C8B-B14F-4D97-AF65-F5344CB8AC3E}">
+        <p14:creationId xmlns:p14="http://schemas.microsoft.com/office/powerpoint/2010/main" val="918611555"/>
+      </p:ext>
+    </p:extLst>
+  </p:cSld>
+  <p:clrMapOvr>
+    <a:masterClrMapping/>
+  </p:clrMapOvr>
+</p:sld>
+</file>
+
+<file path=ppt/slides/slide15.xml><?xml version="1.0" encoding="utf-8"?>
+<p:sld xmlns:a="http://schemas.openxmlformats.org/drawingml/2006/main" xmlns:r="http://schemas.openxmlformats.org/officeDocument/2006/relationships" xmlns:p="http://schemas.openxmlformats.org/presentationml/2006/main">
+  <p:cSld>
+    <p:spTree>
+      <p:nvGrpSpPr>
+        <p:cNvPr id="1" name=""/>
+        <p:cNvGrpSpPr/>
+        <p:nvPr/>
+      </p:nvGrpSpPr>
+      <p:grpSpPr>
+        <a:xfrm>
+          <a:off x="0" y="0"/>
+          <a:ext cx="0" cy="0"/>
+          <a:chOff x="0" y="0"/>
+          <a:chExt cx="0" cy="0"/>
+        </a:xfrm>
+      </p:grpSpPr>
+      <p:sp>
+        <p:nvSpPr>
+          <p:cNvPr id="2" name="Titel 1"/>
+          <p:cNvSpPr>
+            <a:spLocks noGrp="1"/>
+          </p:cNvSpPr>
+          <p:nvPr>
+            <p:ph type="title"/>
+          </p:nvPr>
+        </p:nvSpPr>
+        <p:spPr/>
+        <p:txBody>
+          <a:bodyPr/>
+          <a:lstStyle/>
+          <a:p>
+            <a:r>
+              <a:rPr lang="en-GB" dirty="0" smtClean="0"/>
+              <a:t>Twitter Bootstrap</a:t>
+            </a:r>
+            <a:endParaRPr lang="nl-NL" dirty="0"/>
+          </a:p>
+        </p:txBody>
+      </p:sp>
+      <p:sp>
+        <p:nvSpPr>
+          <p:cNvPr id="3" name="Tijdelijke aanduiding voor inhoud 2"/>
+          <p:cNvSpPr>
+            <a:spLocks noGrp="1"/>
+          </p:cNvSpPr>
+          <p:nvPr>
+            <p:ph idx="1"/>
+          </p:nvPr>
+        </p:nvSpPr>
+        <p:spPr>
+          <a:xfrm>
+            <a:off x="3040082" y="1600201"/>
+            <a:ext cx="8542317" cy="4525963"/>
+          </a:xfrm>
+        </p:spPr>
+        <p:txBody>
+          <a:bodyPr/>
+          <a:lstStyle/>
+          <a:p>
+            <a:pPr marL="0" indent="0">
+              <a:buNone/>
+            </a:pPr>
+            <a:r>
+              <a:rPr lang="en-GB" dirty="0" err="1" smtClean="0"/>
+              <a:t>Korte</a:t>
+            </a:r>
+            <a:r>
+              <a:rPr lang="en-GB" dirty="0" smtClean="0"/>
+              <a:t> </a:t>
+            </a:r>
+            <a:r>
+              <a:rPr lang="en-GB" dirty="0" err="1" smtClean="0"/>
+              <a:t>uitleg</a:t>
+            </a:r>
+            <a:r>
+              <a:rPr lang="en-GB" dirty="0" smtClean="0"/>
+              <a:t> Bootstrap.. </a:t>
+            </a:r>
+            <a:r>
+              <a:rPr lang="en-GB" dirty="0" err="1" smtClean="0"/>
+              <a:t>todo</a:t>
+            </a:r>
+            <a:endParaRPr lang="nl-NL" dirty="0"/>
+          </a:p>
+        </p:txBody>
+      </p:sp>
+      <p:sp>
+        <p:nvSpPr>
+          <p:cNvPr id="4" name="Tijdelijke aanduiding voor dianummer 3"/>
+          <p:cNvSpPr>
+            <a:spLocks noGrp="1"/>
+          </p:cNvSpPr>
+          <p:nvPr>
+            <p:ph type="sldNum" sz="quarter" idx="12"/>
+          </p:nvPr>
+        </p:nvSpPr>
+        <p:spPr/>
+        <p:txBody>
+          <a:bodyPr/>
+          <a:lstStyle/>
+          <a:p>
+            <a:pPr>
+              <a:defRPr/>
+            </a:pPr>
+            <a:fld id="{BC2BCED3-7F4A-40F1-85DA-02B4B5A68187}" type="slidenum">
+              <a:rPr lang="nl-NL" smtClean="0"/>
+              <a:pPr>
+                <a:defRPr/>
+              </a:pPr>
+              <a:t>15</a:t>
+            </a:fld>
+            <a:endParaRPr lang="nl-NL"/>
+          </a:p>
+        </p:txBody>
+      </p:sp>
+      <p:pic>
+        <p:nvPicPr>
+          <p:cNvPr id="6" name="Afbeelding 5"/>
+          <p:cNvPicPr>
+            <a:picLocks noChangeAspect="1"/>
+          </p:cNvPicPr>
+          <p:nvPr/>
+        </p:nvPicPr>
+        <p:blipFill>
+          <a:blip r:embed="rId2">
+            <a:extLst>
+              <a:ext uri="{28A0092B-C50C-407E-A947-70E740481C1C}">
+                <a14:useLocalDpi xmlns:a14="http://schemas.microsoft.com/office/drawing/2010/main" val="0"/>
+              </a:ext>
+            </a:extLst>
+          </a:blip>
+          <a:stretch>
+            <a:fillRect/>
+          </a:stretch>
+        </p:blipFill>
+        <p:spPr>
+          <a:xfrm>
+            <a:off x="609600" y="2805236"/>
+            <a:ext cx="1152525" cy="1152525"/>
+          </a:xfrm>
+          <a:prstGeom prst="rect">
+            <a:avLst/>
+          </a:prstGeom>
+        </p:spPr>
+      </p:pic>
+    </p:spTree>
+    <p:extLst>
+      <p:ext uri="{BB962C8B-B14F-4D97-AF65-F5344CB8AC3E}">
+        <p14:creationId xmlns:p14="http://schemas.microsoft.com/office/powerpoint/2010/main" val="450880936"/>
+      </p:ext>
+    </p:extLst>
+  </p:cSld>
+  <p:clrMapOvr>
+    <a:masterClrMapping/>
+  </p:clrMapOvr>
+</p:sld>
+</file>
+
+<file path=ppt/slides/slide16.xml><?xml version="1.0" encoding="utf-8"?>
+<p:sld xmlns:a="http://schemas.openxmlformats.org/drawingml/2006/main" xmlns:r="http://schemas.openxmlformats.org/officeDocument/2006/relationships" xmlns:p="http://schemas.openxmlformats.org/presentationml/2006/main">
+  <p:cSld>
+    <p:spTree>
+      <p:nvGrpSpPr>
+        <p:cNvPr id="1" name=""/>
+        <p:cNvGrpSpPr/>
+        <p:nvPr/>
+      </p:nvGrpSpPr>
+      <p:grpSpPr>
+        <a:xfrm>
+          <a:off x="0" y="0"/>
+          <a:ext cx="0" cy="0"/>
+          <a:chOff x="0" y="0"/>
+          <a:chExt cx="0" cy="0"/>
+        </a:xfrm>
+      </p:grpSpPr>
+      <p:sp>
+        <p:nvSpPr>
+          <p:cNvPr id="2" name="Title 1"/>
+          <p:cNvSpPr>
+            <a:spLocks noGrp="1"/>
+          </p:cNvSpPr>
+          <p:nvPr>
+            <p:ph type="title"/>
+          </p:nvPr>
+        </p:nvSpPr>
+        <p:spPr/>
+        <p:txBody>
+          <a:bodyPr/>
+          <a:lstStyle/>
+          <a:p>
+            <a:r>
+              <a:rPr lang="nl-BE" dirty="0" smtClean="0"/>
+              <a:t>I-Talent-Platform</a:t>
+            </a:r>
+            <a:endParaRPr lang="nl-BE" dirty="0"/>
+          </a:p>
+        </p:txBody>
+      </p:sp>
+      <p:sp>
+        <p:nvSpPr>
+          <p:cNvPr id="3" name="Content Placeholder 2"/>
+          <p:cNvSpPr>
+            <a:spLocks noGrp="1"/>
+          </p:cNvSpPr>
+          <p:nvPr>
+            <p:ph idx="1"/>
+          </p:nvPr>
+        </p:nvSpPr>
+        <p:spPr>
+          <a:xfrm>
+            <a:off x="4251367" y="1417638"/>
+            <a:ext cx="5522026" cy="525482"/>
+          </a:xfrm>
+        </p:spPr>
+        <p:txBody>
+          <a:bodyPr/>
+          <a:lstStyle/>
+          <a:p>
+            <a:pPr marL="0" lvl="0" indent="0">
+              <a:buNone/>
+            </a:pPr>
+            <a:r>
+              <a:rPr lang="en-US" b="1" dirty="0" smtClean="0"/>
+              <a:t>First results:</a:t>
+            </a:r>
+            <a:endParaRPr lang="en-US" b="1" dirty="0"/>
+          </a:p>
+          <a:p>
+            <a:pPr marL="0" indent="0">
+              <a:buNone/>
+            </a:pPr>
+            <a:endParaRPr lang="nl-BE" dirty="0"/>
+          </a:p>
+        </p:txBody>
+      </p:sp>
+      <p:sp>
+        <p:nvSpPr>
+          <p:cNvPr id="4" name="Slide Number Placeholder 3"/>
+          <p:cNvSpPr>
+            <a:spLocks noGrp="1"/>
+          </p:cNvSpPr>
+          <p:nvPr>
+            <p:ph type="sldNum" sz="quarter" idx="12"/>
+          </p:nvPr>
+        </p:nvSpPr>
+        <p:spPr/>
+        <p:txBody>
+          <a:bodyPr/>
+          <a:lstStyle/>
+          <a:p>
+            <a:pPr>
+              <a:defRPr/>
+            </a:pPr>
+            <a:fld id="{BC2BCED3-7F4A-40F1-85DA-02B4B5A68187}" type="slidenum">
+              <a:rPr lang="nl-NL" smtClean="0"/>
+              <a:pPr>
+                <a:defRPr/>
+              </a:pPr>
+              <a:t>16</a:t>
             </a:fld>
             <a:endParaRPr lang="nl-NL"/>
           </a:p>
@@ -6033,7 +6504,7 @@
 </p:sld>
 </file>
 
-<file path=ppt/slides/slide14.xml><?xml version="1.0" encoding="utf-8"?>
+<file path=ppt/slides/slide17.xml><?xml version="1.0" encoding="utf-8"?>
 <p:sld xmlns:a="http://schemas.openxmlformats.org/drawingml/2006/main" xmlns:r="http://schemas.openxmlformats.org/officeDocument/2006/relationships" xmlns:p="http://schemas.openxmlformats.org/presentationml/2006/main">
   <p:cSld>
     <p:spTree>
@@ -6136,7 +6607,7 @@
               <a:pPr>
                 <a:defRPr/>
               </a:pPr>
-              <a:t>14</a:t>
+              <a:t>17</a:t>
             </a:fld>
             <a:endParaRPr lang="nl-NL"/>
           </a:p>
@@ -6203,7 +6674,7 @@
 </p:sld>
 </file>
 
-<file path=ppt/slides/slide15.xml><?xml version="1.0" encoding="utf-8"?>
+<file path=ppt/slides/slide18.xml><?xml version="1.0" encoding="utf-8"?>
 <p:sld xmlns:a="http://schemas.openxmlformats.org/drawingml/2006/main" xmlns:r="http://schemas.openxmlformats.org/officeDocument/2006/relationships" xmlns:p="http://schemas.openxmlformats.org/presentationml/2006/main">
   <p:cSld>
     <p:spTree>
@@ -6288,7 +6759,7 @@
               <a:pPr>
                 <a:defRPr/>
               </a:pPr>
-              <a:t>15</a:t>
+              <a:t>18</a:t>
             </a:fld>
             <a:endParaRPr lang="nl-NL"/>
           </a:p>
@@ -6355,7 +6826,7 @@
 </p:sld>
 </file>
 
-<file path=ppt/slides/slide16.xml><?xml version="1.0" encoding="utf-8"?>
+<file path=ppt/slides/slide19.xml><?xml version="1.0" encoding="utf-8"?>
 <p:sld xmlns:a="http://schemas.openxmlformats.org/drawingml/2006/main" xmlns:r="http://schemas.openxmlformats.org/officeDocument/2006/relationships" xmlns:p="http://schemas.openxmlformats.org/presentationml/2006/main">
   <p:cSld>
     <p:spTree>
@@ -6437,7 +6908,7 @@
               <a:pPr>
                 <a:defRPr/>
               </a:pPr>
-              <a:t>16</a:t>
+              <a:t>19</a:t>
             </a:fld>
             <a:endParaRPr lang="nl-NL"/>
           </a:p>
@@ -6496,539 +6967,6 @@
 </p:sld>
 </file>
 
-<file path=ppt/slides/slide17.xml><?xml version="1.0" encoding="utf-8"?>
-<p:sld xmlns:a="http://schemas.openxmlformats.org/drawingml/2006/main" xmlns:r="http://schemas.openxmlformats.org/officeDocument/2006/relationships" xmlns:p="http://schemas.openxmlformats.org/presentationml/2006/main">
-  <p:cSld>
-    <p:spTree>
-      <p:nvGrpSpPr>
-        <p:cNvPr id="1" name=""/>
-        <p:cNvGrpSpPr/>
-        <p:nvPr/>
-      </p:nvGrpSpPr>
-      <p:grpSpPr>
-        <a:xfrm>
-          <a:off x="0" y="0"/>
-          <a:ext cx="0" cy="0"/>
-          <a:chOff x="0" y="0"/>
-          <a:chExt cx="0" cy="0"/>
-        </a:xfrm>
-      </p:grpSpPr>
-      <p:sp>
-        <p:nvSpPr>
-          <p:cNvPr id="2" name="Title 1"/>
-          <p:cNvSpPr>
-            <a:spLocks noGrp="1"/>
-          </p:cNvSpPr>
-          <p:nvPr>
-            <p:ph type="title"/>
-          </p:nvPr>
-        </p:nvSpPr>
-        <p:spPr/>
-        <p:txBody>
-          <a:bodyPr/>
-          <a:lstStyle/>
-          <a:p>
-            <a:endParaRPr lang="nl-BE" dirty="0"/>
-          </a:p>
-        </p:txBody>
-      </p:sp>
-      <p:sp>
-        <p:nvSpPr>
-          <p:cNvPr id="3" name="Content Placeholder 2"/>
-          <p:cNvSpPr>
-            <a:spLocks noGrp="1"/>
-          </p:cNvSpPr>
-          <p:nvPr>
-            <p:ph idx="1"/>
-          </p:nvPr>
-        </p:nvSpPr>
-        <p:spPr/>
-        <p:txBody>
-          <a:bodyPr/>
-          <a:lstStyle/>
-          <a:p>
-            <a:r>
-              <a:rPr lang="en-US" dirty="0" smtClean="0"/>
-              <a:t>Tooling</a:t>
-            </a:r>
-            <a:endParaRPr lang="nl-BE" dirty="0"/>
-          </a:p>
-        </p:txBody>
-      </p:sp>
-      <p:sp>
-        <p:nvSpPr>
-          <p:cNvPr id="4" name="Slide Number Placeholder 3"/>
-          <p:cNvSpPr>
-            <a:spLocks noGrp="1"/>
-          </p:cNvSpPr>
-          <p:nvPr>
-            <p:ph type="sldNum" sz="quarter" idx="12"/>
-          </p:nvPr>
-        </p:nvSpPr>
-        <p:spPr/>
-        <p:txBody>
-          <a:bodyPr/>
-          <a:lstStyle/>
-          <a:p>
-            <a:pPr>
-              <a:defRPr/>
-            </a:pPr>
-            <a:fld id="{BC2BCED3-7F4A-40F1-85DA-02B4B5A68187}" type="slidenum">
-              <a:rPr lang="nl-NL" smtClean="0"/>
-              <a:pPr>
-                <a:defRPr/>
-              </a:pPr>
-              <a:t>17</a:t>
-            </a:fld>
-            <a:endParaRPr lang="nl-NL"/>
-          </a:p>
-        </p:txBody>
-      </p:sp>
-      <p:pic>
-        <p:nvPicPr>
-          <p:cNvPr id="2052" name="Picture 4" descr="http://www.ljplus.ru/img4/a/s/asolntsev/eclipse_vs_idea_eng.png"/>
-          <p:cNvPicPr>
-            <a:picLocks noChangeAspect="1" noChangeArrowheads="1"/>
-          </p:cNvPicPr>
-          <p:nvPr/>
-        </p:nvPicPr>
-        <p:blipFill>
-          <a:blip r:embed="rId2">
-            <a:extLst>
-              <a:ext uri="{28A0092B-C50C-407E-A947-70E740481C1C}">
-                <a14:useLocalDpi xmlns:a14="http://schemas.microsoft.com/office/drawing/2010/main" val="0"/>
-              </a:ext>
-            </a:extLst>
-          </a:blip>
-          <a:srcRect/>
-          <a:stretch>
-            <a:fillRect/>
-          </a:stretch>
-        </p:blipFill>
-        <p:spPr bwMode="auto">
-          <a:xfrm>
-            <a:off x="513922" y="2667001"/>
-            <a:ext cx="5281398" cy="1422842"/>
-          </a:xfrm>
-          <a:prstGeom prst="rect">
-            <a:avLst/>
-          </a:prstGeom>
-          <a:noFill/>
-          <a:extLst>
-            <a:ext uri="{909E8E84-426E-40DD-AFC4-6F175D3DCCD1}">
-              <a14:hiddenFill xmlns:a14="http://schemas.microsoft.com/office/drawing/2010/main">
-                <a:solidFill>
-                  <a:srgbClr val="FFFFFF"/>
-                </a:solidFill>
-              </a14:hiddenFill>
-            </a:ext>
-          </a:extLst>
-        </p:spPr>
-      </p:pic>
-      <p:sp>
-        <p:nvSpPr>
-          <p:cNvPr id="7" name="AutoShape 6" descr="Afbeeldingsresultaat voor learning curve"/>
-          <p:cNvSpPr>
-            <a:spLocks noChangeAspect="1" noChangeArrowheads="1"/>
-          </p:cNvSpPr>
-          <p:nvPr/>
-        </p:nvSpPr>
-        <p:spPr bwMode="auto">
-          <a:xfrm>
-            <a:off x="155575" y="-144463"/>
-            <a:ext cx="304800" cy="304801"/>
-          </a:xfrm>
-          <a:prstGeom prst="rect">
-            <a:avLst/>
-          </a:prstGeom>
-          <a:noFill/>
-          <a:extLst>
-            <a:ext uri="{909E8E84-426E-40DD-AFC4-6F175D3DCCD1}">
-              <a14:hiddenFill xmlns:a14="http://schemas.microsoft.com/office/drawing/2010/main">
-                <a:solidFill>
-                  <a:srgbClr val="FFFFFF"/>
-                </a:solidFill>
-              </a14:hiddenFill>
-            </a:ext>
-          </a:extLst>
-        </p:spPr>
-        <p:txBody>
-          <a:bodyPr vert="horz" wrap="square" lIns="91440" tIns="45720" rIns="91440" bIns="45720" numCol="1" anchor="t" anchorCtr="0" compatLnSpc="1">
-            <a:prstTxWarp prst="textNoShape">
-              <a:avLst/>
-            </a:prstTxWarp>
-          </a:bodyPr>
-          <a:lstStyle/>
-          <a:p>
-            <a:endParaRPr lang="nl-BE"/>
-          </a:p>
-        </p:txBody>
-      </p:sp>
-      <p:pic>
-        <p:nvPicPr>
-          <p:cNvPr id="1032" name="Picture 8" descr="https://upload.wikimedia.org/wikipedia/commons/f/f2/Alanf777_Lcd_fig07.png"/>
-          <p:cNvPicPr>
-            <a:picLocks noChangeAspect="1" noChangeArrowheads="1"/>
-          </p:cNvPicPr>
-          <p:nvPr/>
-        </p:nvPicPr>
-        <p:blipFill>
-          <a:blip r:embed="rId3">
-            <a:extLst>
-              <a:ext uri="{28A0092B-C50C-407E-A947-70E740481C1C}">
-                <a14:useLocalDpi xmlns:a14="http://schemas.microsoft.com/office/drawing/2010/main" val="0"/>
-              </a:ext>
-            </a:extLst>
-          </a:blip>
-          <a:srcRect/>
-          <a:stretch>
-            <a:fillRect/>
-          </a:stretch>
-        </p:blipFill>
-        <p:spPr bwMode="auto">
-          <a:xfrm>
-            <a:off x="6410987" y="1890585"/>
-            <a:ext cx="5781013" cy="3854008"/>
-          </a:xfrm>
-          <a:prstGeom prst="rect">
-            <a:avLst/>
-          </a:prstGeom>
-          <a:noFill/>
-          <a:extLst>
-            <a:ext uri="{909E8E84-426E-40DD-AFC4-6F175D3DCCD1}">
-              <a14:hiddenFill xmlns:a14="http://schemas.microsoft.com/office/drawing/2010/main">
-                <a:solidFill>
-                  <a:srgbClr val="FFFFFF"/>
-                </a:solidFill>
-              </a14:hiddenFill>
-            </a:ext>
-          </a:extLst>
-        </p:spPr>
-      </p:pic>
-    </p:spTree>
-    <p:extLst>
-      <p:ext uri="{BB962C8B-B14F-4D97-AF65-F5344CB8AC3E}">
-        <p14:creationId xmlns:p14="http://schemas.microsoft.com/office/powerpoint/2010/main" val="3463631824"/>
-      </p:ext>
-    </p:extLst>
-  </p:cSld>
-  <p:clrMapOvr>
-    <a:masterClrMapping/>
-  </p:clrMapOvr>
-  <p:timing>
-    <p:tnLst>
-      <p:par>
-        <p:cTn id="1" dur="indefinite" restart="never" nodeType="tmRoot"/>
-      </p:par>
-    </p:tnLst>
-  </p:timing>
-</p:sld>
-</file>
-
-<file path=ppt/slides/slide18.xml><?xml version="1.0" encoding="utf-8"?>
-<p:sld xmlns:a="http://schemas.openxmlformats.org/drawingml/2006/main" xmlns:r="http://schemas.openxmlformats.org/officeDocument/2006/relationships" xmlns:p="http://schemas.openxmlformats.org/presentationml/2006/main">
-  <p:cSld>
-    <p:spTree>
-      <p:nvGrpSpPr>
-        <p:cNvPr id="1" name=""/>
-        <p:cNvGrpSpPr/>
-        <p:nvPr/>
-      </p:nvGrpSpPr>
-      <p:grpSpPr>
-        <a:xfrm>
-          <a:off x="0" y="0"/>
-          <a:ext cx="0" cy="0"/>
-          <a:chOff x="0" y="0"/>
-          <a:chExt cx="0" cy="0"/>
-        </a:xfrm>
-      </p:grpSpPr>
-      <p:sp>
-        <p:nvSpPr>
-          <p:cNvPr id="2" name="Title 1"/>
-          <p:cNvSpPr>
-            <a:spLocks noGrp="1"/>
-          </p:cNvSpPr>
-          <p:nvPr>
-            <p:ph type="title"/>
-          </p:nvPr>
-        </p:nvSpPr>
-        <p:spPr/>
-        <p:txBody>
-          <a:bodyPr/>
-          <a:lstStyle/>
-          <a:p>
-            <a:r>
-              <a:rPr lang="en-US" dirty="0" smtClean="0"/>
-              <a:t>We </a:t>
-            </a:r>
-            <a:r>
-              <a:rPr lang="en-US" dirty="0"/>
-              <a:t>would </a:t>
-            </a:r>
-            <a:r>
-              <a:rPr lang="en-US" dirty="0" smtClean="0"/>
-              <a:t>keep</a:t>
-            </a:r>
-            <a:endParaRPr lang="nl-BE" dirty="0"/>
-          </a:p>
-        </p:txBody>
-      </p:sp>
-      <p:sp>
-        <p:nvSpPr>
-          <p:cNvPr id="3" name="Content Placeholder 2"/>
-          <p:cNvSpPr>
-            <a:spLocks noGrp="1"/>
-          </p:cNvSpPr>
-          <p:nvPr>
-            <p:ph idx="1"/>
-          </p:nvPr>
-        </p:nvSpPr>
-        <p:spPr>
-          <a:xfrm>
-            <a:off x="1957294" y="1858384"/>
-            <a:ext cx="7789134" cy="2681343"/>
-          </a:xfrm>
-        </p:spPr>
-        <p:txBody>
-          <a:bodyPr/>
-          <a:lstStyle/>
-          <a:p>
-            <a:r>
-              <a:rPr lang="en-US" dirty="0"/>
-              <a:t>Daily </a:t>
-            </a:r>
-            <a:r>
-              <a:rPr lang="en-US" dirty="0" smtClean="0"/>
-              <a:t>communication</a:t>
-            </a:r>
-          </a:p>
-          <a:p>
-            <a:r>
-              <a:rPr lang="en-US" dirty="0" smtClean="0"/>
-              <a:t>Open Source/Cross Platform technologies</a:t>
-            </a:r>
-          </a:p>
-          <a:p>
-            <a:r>
-              <a:rPr lang="en-US" dirty="0" smtClean="0"/>
-              <a:t>Build- </a:t>
-            </a:r>
-            <a:r>
-              <a:rPr lang="en-US" dirty="0"/>
-              <a:t>and </a:t>
-            </a:r>
-            <a:r>
-              <a:rPr lang="en-US" dirty="0" smtClean="0"/>
-              <a:t>deploy processes</a:t>
-            </a:r>
-          </a:p>
-          <a:p>
-            <a:r>
-              <a:rPr lang="en-US" dirty="0" smtClean="0"/>
-              <a:t>SCRUM / Planning tools</a:t>
-            </a:r>
-            <a:endParaRPr lang="nl-BE" dirty="0"/>
-          </a:p>
-        </p:txBody>
-      </p:sp>
-      <p:sp>
-        <p:nvSpPr>
-          <p:cNvPr id="4" name="Slide Number Placeholder 3"/>
-          <p:cNvSpPr>
-            <a:spLocks noGrp="1"/>
-          </p:cNvSpPr>
-          <p:nvPr>
-            <p:ph type="sldNum" sz="quarter" idx="12"/>
-          </p:nvPr>
-        </p:nvSpPr>
-        <p:spPr/>
-        <p:txBody>
-          <a:bodyPr/>
-          <a:lstStyle/>
-          <a:p>
-            <a:pPr>
-              <a:defRPr/>
-            </a:pPr>
-            <a:fld id="{BC2BCED3-7F4A-40F1-85DA-02B4B5A68187}" type="slidenum">
-              <a:rPr lang="nl-NL" smtClean="0"/>
-              <a:pPr>
-                <a:defRPr/>
-              </a:pPr>
-              <a:t>18</a:t>
-            </a:fld>
-            <a:endParaRPr lang="nl-NL"/>
-          </a:p>
-        </p:txBody>
-      </p:sp>
-    </p:spTree>
-    <p:extLst>
-      <p:ext uri="{BB962C8B-B14F-4D97-AF65-F5344CB8AC3E}">
-        <p14:creationId xmlns:p14="http://schemas.microsoft.com/office/powerpoint/2010/main" val="3775131166"/>
-      </p:ext>
-    </p:extLst>
-  </p:cSld>
-  <p:clrMapOvr>
-    <a:masterClrMapping/>
-  </p:clrMapOvr>
-  <p:timing>
-    <p:tnLst>
-      <p:par>
-        <p:cTn id="1" dur="indefinite" restart="never" nodeType="tmRoot"/>
-      </p:par>
-    </p:tnLst>
-  </p:timing>
-</p:sld>
-</file>
-
-<file path=ppt/slides/slide19.xml><?xml version="1.0" encoding="utf-8"?>
-<p:sld xmlns:a="http://schemas.openxmlformats.org/drawingml/2006/main" xmlns:r="http://schemas.openxmlformats.org/officeDocument/2006/relationships" xmlns:p="http://schemas.openxmlformats.org/presentationml/2006/main">
-  <p:cSld>
-    <p:spTree>
-      <p:nvGrpSpPr>
-        <p:cNvPr id="1" name=""/>
-        <p:cNvGrpSpPr/>
-        <p:nvPr/>
-      </p:nvGrpSpPr>
-      <p:grpSpPr>
-        <a:xfrm>
-          <a:off x="0" y="0"/>
-          <a:ext cx="0" cy="0"/>
-          <a:chOff x="0" y="0"/>
-          <a:chExt cx="0" cy="0"/>
-        </a:xfrm>
-      </p:grpSpPr>
-      <p:sp>
-        <p:nvSpPr>
-          <p:cNvPr id="2" name="Title 1"/>
-          <p:cNvSpPr>
-            <a:spLocks noGrp="1"/>
-          </p:cNvSpPr>
-          <p:nvPr>
-            <p:ph type="title"/>
-          </p:nvPr>
-        </p:nvSpPr>
-        <p:spPr/>
-        <p:txBody>
-          <a:bodyPr/>
-          <a:lstStyle/>
-          <a:p>
-            <a:r>
-              <a:rPr lang="en-US" dirty="0" smtClean="0"/>
-              <a:t>We </a:t>
-            </a:r>
-            <a:r>
-              <a:rPr lang="en-US" dirty="0"/>
-              <a:t>would </a:t>
-            </a:r>
-            <a:r>
-              <a:rPr lang="en-US" dirty="0" smtClean="0"/>
-              <a:t>change</a:t>
-            </a:r>
-            <a:endParaRPr lang="nl-BE" dirty="0"/>
-          </a:p>
-        </p:txBody>
-      </p:sp>
-      <p:sp>
-        <p:nvSpPr>
-          <p:cNvPr id="3" name="Content Placeholder 2"/>
-          <p:cNvSpPr>
-            <a:spLocks noGrp="1"/>
-          </p:cNvSpPr>
-          <p:nvPr>
-            <p:ph idx="1"/>
-          </p:nvPr>
-        </p:nvSpPr>
-        <p:spPr>
-          <a:xfrm>
-            <a:off x="2136588" y="2138083"/>
-            <a:ext cx="7717416" cy="2681343"/>
-          </a:xfrm>
-        </p:spPr>
-        <p:txBody>
-          <a:bodyPr/>
-          <a:lstStyle/>
-          <a:p>
-            <a:r>
-              <a:rPr lang="en-US" dirty="0"/>
-              <a:t>Getting </a:t>
-            </a:r>
-            <a:r>
-              <a:rPr lang="en-US" dirty="0" smtClean="0"/>
-              <a:t>requirements clear </a:t>
-            </a:r>
-          </a:p>
-          <a:p>
-            <a:r>
-              <a:rPr lang="en-US" dirty="0" smtClean="0"/>
-              <a:t>Don’t plan ahead too much</a:t>
-            </a:r>
-          </a:p>
-          <a:p>
-            <a:r>
-              <a:rPr lang="en-US" dirty="0" smtClean="0"/>
-              <a:t>Establish early on what </a:t>
-            </a:r>
-            <a:r>
-              <a:rPr lang="en-US" dirty="0"/>
-              <a:t>technology to </a:t>
-            </a:r>
-            <a:r>
-              <a:rPr lang="en-US" dirty="0" smtClean="0"/>
-              <a:t>use</a:t>
-            </a:r>
-            <a:endParaRPr lang="en-US" dirty="0"/>
-          </a:p>
-        </p:txBody>
-      </p:sp>
-      <p:sp>
-        <p:nvSpPr>
-          <p:cNvPr id="4" name="Slide Number Placeholder 3"/>
-          <p:cNvSpPr>
-            <a:spLocks noGrp="1"/>
-          </p:cNvSpPr>
-          <p:nvPr>
-            <p:ph type="sldNum" sz="quarter" idx="12"/>
-          </p:nvPr>
-        </p:nvSpPr>
-        <p:spPr/>
-        <p:txBody>
-          <a:bodyPr/>
-          <a:lstStyle/>
-          <a:p>
-            <a:pPr>
-              <a:defRPr/>
-            </a:pPr>
-            <a:fld id="{BC2BCED3-7F4A-40F1-85DA-02B4B5A68187}" type="slidenum">
-              <a:rPr lang="nl-NL" smtClean="0"/>
-              <a:pPr>
-                <a:defRPr/>
-              </a:pPr>
-              <a:t>19</a:t>
-            </a:fld>
-            <a:endParaRPr lang="nl-NL"/>
-          </a:p>
-        </p:txBody>
-      </p:sp>
-    </p:spTree>
-    <p:extLst>
-      <p:ext uri="{BB962C8B-B14F-4D97-AF65-F5344CB8AC3E}">
-        <p14:creationId xmlns:p14="http://schemas.microsoft.com/office/powerpoint/2010/main" val="4023351914"/>
-      </p:ext>
-    </p:extLst>
-  </p:cSld>
-  <p:clrMapOvr>
-    <a:masterClrMapping/>
-  </p:clrMapOvr>
-  <p:timing>
-    <p:tnLst>
-      <p:par>
-        <p:cTn id="1" dur="indefinite" restart="never" nodeType="tmRoot"/>
-      </p:par>
-    </p:tnLst>
-  </p:timing>
-</p:sld>
-</file>
-
 <file path=ppt/slides/slide2.xml><?xml version="1.0" encoding="utf-8"?>
 <p:sld xmlns:a="http://schemas.openxmlformats.org/drawingml/2006/main" xmlns:r="http://schemas.openxmlformats.org/officeDocument/2006/relationships" xmlns:p="http://schemas.openxmlformats.org/presentationml/2006/main">
   <p:cSld>
@@ -7295,51 +7233,28 @@
           <a:bodyPr/>
           <a:lstStyle/>
           <a:p>
+            <a:endParaRPr lang="nl-BE" dirty="0"/>
+          </a:p>
+        </p:txBody>
+      </p:sp>
+      <p:sp>
+        <p:nvSpPr>
+          <p:cNvPr id="3" name="Content Placeholder 2"/>
+          <p:cNvSpPr>
+            <a:spLocks noGrp="1"/>
+          </p:cNvSpPr>
+          <p:nvPr>
+            <p:ph idx="1"/>
+          </p:nvPr>
+        </p:nvSpPr>
+        <p:spPr/>
+        <p:txBody>
+          <a:bodyPr/>
+          <a:lstStyle/>
+          <a:p>
             <a:r>
               <a:rPr lang="en-US" dirty="0" smtClean="0"/>
-              <a:t>We could change</a:t>
-            </a:r>
-            <a:endParaRPr lang="nl-BE" dirty="0"/>
-          </a:p>
-        </p:txBody>
-      </p:sp>
-      <p:sp>
-        <p:nvSpPr>
-          <p:cNvPr id="3" name="Content Placeholder 2"/>
-          <p:cNvSpPr>
-            <a:spLocks noGrp="1"/>
-          </p:cNvSpPr>
-          <p:nvPr>
-            <p:ph idx="1"/>
-          </p:nvPr>
-        </p:nvSpPr>
-        <p:spPr>
-          <a:xfrm>
-            <a:off x="2315882" y="2138083"/>
-            <a:ext cx="7538122" cy="2681343"/>
-          </a:xfrm>
-        </p:spPr>
-        <p:txBody>
-          <a:bodyPr/>
-          <a:lstStyle/>
-          <a:p>
-            <a:r>
-              <a:rPr lang="en-US" dirty="0"/>
-              <a:t>More face-to-face </a:t>
-            </a:r>
-            <a:r>
-              <a:rPr lang="en-US" dirty="0" smtClean="0"/>
-              <a:t>meetings</a:t>
-            </a:r>
-          </a:p>
-          <a:p>
-            <a:r>
-              <a:rPr lang="en-US" dirty="0"/>
-              <a:t>Create less </a:t>
-            </a:r>
-            <a:r>
-              <a:rPr lang="en-US" dirty="0" smtClean="0"/>
-              <a:t>analysis / when needed</a:t>
+              <a:t>Tooling</a:t>
             </a:r>
             <a:endParaRPr lang="nl-BE" dirty="0"/>
           </a:p>
@@ -7374,10 +7289,131 @@
           </a:p>
         </p:txBody>
       </p:sp>
+      <p:pic>
+        <p:nvPicPr>
+          <p:cNvPr id="2052" name="Picture 4" descr="http://www.ljplus.ru/img4/a/s/asolntsev/eclipse_vs_idea_eng.png"/>
+          <p:cNvPicPr>
+            <a:picLocks noChangeAspect="1" noChangeArrowheads="1"/>
+          </p:cNvPicPr>
+          <p:nvPr/>
+        </p:nvPicPr>
+        <p:blipFill>
+          <a:blip r:embed="rId2">
+            <a:extLst>
+              <a:ext uri="{28A0092B-C50C-407E-A947-70E740481C1C}">
+                <a14:useLocalDpi xmlns:a14="http://schemas.microsoft.com/office/drawing/2010/main" val="0"/>
+              </a:ext>
+            </a:extLst>
+          </a:blip>
+          <a:srcRect/>
+          <a:stretch>
+            <a:fillRect/>
+          </a:stretch>
+        </p:blipFill>
+        <p:spPr bwMode="auto">
+          <a:xfrm>
+            <a:off x="513922" y="2667001"/>
+            <a:ext cx="5281398" cy="1422842"/>
+          </a:xfrm>
+          <a:prstGeom prst="rect">
+            <a:avLst/>
+          </a:prstGeom>
+          <a:noFill/>
+          <a:extLst>
+            <a:ext uri="{909E8E84-426E-40DD-AFC4-6F175D3DCCD1}">
+              <a14:hiddenFill xmlns:a14="http://schemas.microsoft.com/office/drawing/2010/main">
+                <a:solidFill>
+                  <a:srgbClr val="FFFFFF"/>
+                </a:solidFill>
+              </a14:hiddenFill>
+            </a:ext>
+          </a:extLst>
+        </p:spPr>
+      </p:pic>
+      <p:sp>
+        <p:nvSpPr>
+          <p:cNvPr id="7" name="AutoShape 6" descr="Afbeeldingsresultaat voor learning curve"/>
+          <p:cNvSpPr>
+            <a:spLocks noChangeAspect="1" noChangeArrowheads="1"/>
+          </p:cNvSpPr>
+          <p:nvPr/>
+        </p:nvSpPr>
+        <p:spPr bwMode="auto">
+          <a:xfrm>
+            <a:off x="155575" y="-144463"/>
+            <a:ext cx="304800" cy="304801"/>
+          </a:xfrm>
+          <a:prstGeom prst="rect">
+            <a:avLst/>
+          </a:prstGeom>
+          <a:noFill/>
+          <a:extLst>
+            <a:ext uri="{909E8E84-426E-40DD-AFC4-6F175D3DCCD1}">
+              <a14:hiddenFill xmlns:a14="http://schemas.microsoft.com/office/drawing/2010/main">
+                <a:solidFill>
+                  <a:srgbClr val="FFFFFF"/>
+                </a:solidFill>
+              </a14:hiddenFill>
+            </a:ext>
+          </a:extLst>
+        </p:spPr>
+        <p:txBody>
+          <a:bodyPr vert="horz" wrap="square" lIns="91440" tIns="45720" rIns="91440" bIns="45720" numCol="1" anchor="t" anchorCtr="0" compatLnSpc="1">
+            <a:prstTxWarp prst="textNoShape">
+              <a:avLst/>
+            </a:prstTxWarp>
+          </a:bodyPr>
+          <a:lstStyle/>
+          <a:p>
+            <a:endParaRPr lang="nl-BE"/>
+          </a:p>
+        </p:txBody>
+      </p:sp>
+      <p:pic>
+        <p:nvPicPr>
+          <p:cNvPr id="1032" name="Picture 8" descr="https://upload.wikimedia.org/wikipedia/commons/f/f2/Alanf777_Lcd_fig07.png"/>
+          <p:cNvPicPr>
+            <a:picLocks noChangeAspect="1" noChangeArrowheads="1"/>
+          </p:cNvPicPr>
+          <p:nvPr/>
+        </p:nvPicPr>
+        <p:blipFill>
+          <a:blip r:embed="rId3">
+            <a:extLst>
+              <a:ext uri="{28A0092B-C50C-407E-A947-70E740481C1C}">
+                <a14:useLocalDpi xmlns:a14="http://schemas.microsoft.com/office/drawing/2010/main" val="0"/>
+              </a:ext>
+            </a:extLst>
+          </a:blip>
+          <a:srcRect/>
+          <a:stretch>
+            <a:fillRect/>
+          </a:stretch>
+        </p:blipFill>
+        <p:spPr bwMode="auto">
+          <a:xfrm>
+            <a:off x="6410987" y="1890585"/>
+            <a:ext cx="5781013" cy="3854008"/>
+          </a:xfrm>
+          <a:prstGeom prst="rect">
+            <a:avLst/>
+          </a:prstGeom>
+          <a:noFill/>
+          <a:extLst>
+            <a:ext uri="{909E8E84-426E-40DD-AFC4-6F175D3DCCD1}">
+              <a14:hiddenFill xmlns:a14="http://schemas.microsoft.com/office/drawing/2010/main">
+                <a:solidFill>
+                  <a:srgbClr val="FFFFFF"/>
+                </a:solidFill>
+              </a14:hiddenFill>
+            </a:ext>
+          </a:extLst>
+        </p:spPr>
+      </p:pic>
     </p:spTree>
     <p:extLst>
       <p:ext uri="{BB962C8B-B14F-4D97-AF65-F5344CB8AC3E}">
-        <p14:creationId xmlns:p14="http://schemas.microsoft.com/office/powerpoint/2010/main" val="1017890965"/>
+        <p14:creationId xmlns:p14="http://schemas.microsoft.com/office/powerpoint/2010/main" val="3463631824"/>
       </p:ext>
     </p:extLst>
   </p:cSld>
@@ -7421,10 +7457,41 @@
             <p:ph type="title"/>
           </p:nvPr>
         </p:nvSpPr>
+        <p:spPr/>
+        <p:txBody>
+          <a:bodyPr/>
+          <a:lstStyle/>
+          <a:p>
+            <a:r>
+              <a:rPr lang="en-US" dirty="0" smtClean="0"/>
+              <a:t>We </a:t>
+            </a:r>
+            <a:r>
+              <a:rPr lang="en-US" dirty="0"/>
+              <a:t>would </a:t>
+            </a:r>
+            <a:r>
+              <a:rPr lang="en-US" dirty="0" smtClean="0"/>
+              <a:t>keep</a:t>
+            </a:r>
+            <a:endParaRPr lang="nl-BE" dirty="0"/>
+          </a:p>
+        </p:txBody>
+      </p:sp>
+      <p:sp>
+        <p:nvSpPr>
+          <p:cNvPr id="3" name="Content Placeholder 2"/>
+          <p:cNvSpPr>
+            <a:spLocks noGrp="1"/>
+          </p:cNvSpPr>
+          <p:nvPr>
+            <p:ph idx="1"/>
+          </p:nvPr>
+        </p:nvSpPr>
         <p:spPr>
           <a:xfrm>
-            <a:off x="674146" y="2286318"/>
-            <a:ext cx="10972800" cy="1143000"/>
+            <a:off x="1957294" y="1858384"/>
+            <a:ext cx="7789134" cy="2681343"/>
           </a:xfrm>
         </p:spPr>
         <p:txBody>
@@ -7432,8 +7499,38 @@
           <a:lstStyle/>
           <a:p>
             <a:r>
-              <a:rPr lang="nl-BE" dirty="0" smtClean="0"/>
-              <a:t>Questions?</a:t>
+              <a:rPr lang="en-US" dirty="0"/>
+              <a:t>Daily </a:t>
+            </a:r>
+            <a:r>
+              <a:rPr lang="en-US" dirty="0" smtClean="0"/>
+              <a:t>communication</a:t>
+            </a:r>
+          </a:p>
+          <a:p>
+            <a:r>
+              <a:rPr lang="en-US" dirty="0" smtClean="0"/>
+              <a:t>Open Source/Cross Platform technologies</a:t>
+            </a:r>
+          </a:p>
+          <a:p>
+            <a:r>
+              <a:rPr lang="en-US" dirty="0" smtClean="0"/>
+              <a:t>Build- </a:t>
+            </a:r>
+            <a:r>
+              <a:rPr lang="en-US" dirty="0"/>
+              <a:t>and </a:t>
+            </a:r>
+            <a:r>
+              <a:rPr lang="en-US" dirty="0" smtClean="0"/>
+              <a:t>deploy processes</a:t>
+            </a:r>
+          </a:p>
+          <a:p>
+            <a:r>
+              <a:rPr lang="en-US" dirty="0" smtClean="0"/>
+              <a:t>SCRUM / Planning tools</a:t>
             </a:r>
             <a:endParaRPr lang="nl-BE" dirty="0"/>
           </a:p>
@@ -7463,6 +7560,380 @@
                 <a:defRPr/>
               </a:pPr>
               <a:t>21</a:t>
+            </a:fld>
+            <a:endParaRPr lang="nl-NL"/>
+          </a:p>
+        </p:txBody>
+      </p:sp>
+    </p:spTree>
+    <p:extLst>
+      <p:ext uri="{BB962C8B-B14F-4D97-AF65-F5344CB8AC3E}">
+        <p14:creationId xmlns:p14="http://schemas.microsoft.com/office/powerpoint/2010/main" val="3775131166"/>
+      </p:ext>
+    </p:extLst>
+  </p:cSld>
+  <p:clrMapOvr>
+    <a:masterClrMapping/>
+  </p:clrMapOvr>
+  <p:timing>
+    <p:tnLst>
+      <p:par>
+        <p:cTn id="1" dur="indefinite" restart="never" nodeType="tmRoot"/>
+      </p:par>
+    </p:tnLst>
+  </p:timing>
+</p:sld>
+</file>
+
+<file path=ppt/slides/slide22.xml><?xml version="1.0" encoding="utf-8"?>
+<p:sld xmlns:a="http://schemas.openxmlformats.org/drawingml/2006/main" xmlns:r="http://schemas.openxmlformats.org/officeDocument/2006/relationships" xmlns:p="http://schemas.openxmlformats.org/presentationml/2006/main">
+  <p:cSld>
+    <p:spTree>
+      <p:nvGrpSpPr>
+        <p:cNvPr id="1" name=""/>
+        <p:cNvGrpSpPr/>
+        <p:nvPr/>
+      </p:nvGrpSpPr>
+      <p:grpSpPr>
+        <a:xfrm>
+          <a:off x="0" y="0"/>
+          <a:ext cx="0" cy="0"/>
+          <a:chOff x="0" y="0"/>
+          <a:chExt cx="0" cy="0"/>
+        </a:xfrm>
+      </p:grpSpPr>
+      <p:sp>
+        <p:nvSpPr>
+          <p:cNvPr id="2" name="Title 1"/>
+          <p:cNvSpPr>
+            <a:spLocks noGrp="1"/>
+          </p:cNvSpPr>
+          <p:nvPr>
+            <p:ph type="title"/>
+          </p:nvPr>
+        </p:nvSpPr>
+        <p:spPr/>
+        <p:txBody>
+          <a:bodyPr/>
+          <a:lstStyle/>
+          <a:p>
+            <a:r>
+              <a:rPr lang="en-US" dirty="0" smtClean="0"/>
+              <a:t>We </a:t>
+            </a:r>
+            <a:r>
+              <a:rPr lang="en-US" dirty="0"/>
+              <a:t>would </a:t>
+            </a:r>
+            <a:r>
+              <a:rPr lang="en-US" dirty="0" smtClean="0"/>
+              <a:t>change</a:t>
+            </a:r>
+            <a:endParaRPr lang="nl-BE" dirty="0"/>
+          </a:p>
+        </p:txBody>
+      </p:sp>
+      <p:sp>
+        <p:nvSpPr>
+          <p:cNvPr id="3" name="Content Placeholder 2"/>
+          <p:cNvSpPr>
+            <a:spLocks noGrp="1"/>
+          </p:cNvSpPr>
+          <p:nvPr>
+            <p:ph idx="1"/>
+          </p:nvPr>
+        </p:nvSpPr>
+        <p:spPr>
+          <a:xfrm>
+            <a:off x="2136588" y="2138083"/>
+            <a:ext cx="7717416" cy="2681343"/>
+          </a:xfrm>
+        </p:spPr>
+        <p:txBody>
+          <a:bodyPr/>
+          <a:lstStyle/>
+          <a:p>
+            <a:r>
+              <a:rPr lang="en-US" dirty="0"/>
+              <a:t>Getting </a:t>
+            </a:r>
+            <a:r>
+              <a:rPr lang="en-US" dirty="0" smtClean="0"/>
+              <a:t>requirements clear </a:t>
+            </a:r>
+          </a:p>
+          <a:p>
+            <a:r>
+              <a:rPr lang="en-US" dirty="0" smtClean="0"/>
+              <a:t>Don’t plan ahead too much</a:t>
+            </a:r>
+          </a:p>
+          <a:p>
+            <a:r>
+              <a:rPr lang="en-US" dirty="0" smtClean="0"/>
+              <a:t>Establish early on what </a:t>
+            </a:r>
+            <a:r>
+              <a:rPr lang="en-US" dirty="0"/>
+              <a:t>technology to </a:t>
+            </a:r>
+            <a:r>
+              <a:rPr lang="en-US" dirty="0" smtClean="0"/>
+              <a:t>use</a:t>
+            </a:r>
+            <a:endParaRPr lang="en-US" dirty="0"/>
+          </a:p>
+        </p:txBody>
+      </p:sp>
+      <p:sp>
+        <p:nvSpPr>
+          <p:cNvPr id="4" name="Slide Number Placeholder 3"/>
+          <p:cNvSpPr>
+            <a:spLocks noGrp="1"/>
+          </p:cNvSpPr>
+          <p:nvPr>
+            <p:ph type="sldNum" sz="quarter" idx="12"/>
+          </p:nvPr>
+        </p:nvSpPr>
+        <p:spPr/>
+        <p:txBody>
+          <a:bodyPr/>
+          <a:lstStyle/>
+          <a:p>
+            <a:pPr>
+              <a:defRPr/>
+            </a:pPr>
+            <a:fld id="{BC2BCED3-7F4A-40F1-85DA-02B4B5A68187}" type="slidenum">
+              <a:rPr lang="nl-NL" smtClean="0"/>
+              <a:pPr>
+                <a:defRPr/>
+              </a:pPr>
+              <a:t>22</a:t>
+            </a:fld>
+            <a:endParaRPr lang="nl-NL"/>
+          </a:p>
+        </p:txBody>
+      </p:sp>
+    </p:spTree>
+    <p:extLst>
+      <p:ext uri="{BB962C8B-B14F-4D97-AF65-F5344CB8AC3E}">
+        <p14:creationId xmlns:p14="http://schemas.microsoft.com/office/powerpoint/2010/main" val="4023351914"/>
+      </p:ext>
+    </p:extLst>
+  </p:cSld>
+  <p:clrMapOvr>
+    <a:masterClrMapping/>
+  </p:clrMapOvr>
+  <p:timing>
+    <p:tnLst>
+      <p:par>
+        <p:cTn id="1" dur="indefinite" restart="never" nodeType="tmRoot"/>
+      </p:par>
+    </p:tnLst>
+  </p:timing>
+</p:sld>
+</file>
+
+<file path=ppt/slides/slide23.xml><?xml version="1.0" encoding="utf-8"?>
+<p:sld xmlns:a="http://schemas.openxmlformats.org/drawingml/2006/main" xmlns:r="http://schemas.openxmlformats.org/officeDocument/2006/relationships" xmlns:p="http://schemas.openxmlformats.org/presentationml/2006/main">
+  <p:cSld>
+    <p:spTree>
+      <p:nvGrpSpPr>
+        <p:cNvPr id="1" name=""/>
+        <p:cNvGrpSpPr/>
+        <p:nvPr/>
+      </p:nvGrpSpPr>
+      <p:grpSpPr>
+        <a:xfrm>
+          <a:off x="0" y="0"/>
+          <a:ext cx="0" cy="0"/>
+          <a:chOff x="0" y="0"/>
+          <a:chExt cx="0" cy="0"/>
+        </a:xfrm>
+      </p:grpSpPr>
+      <p:sp>
+        <p:nvSpPr>
+          <p:cNvPr id="2" name="Title 1"/>
+          <p:cNvSpPr>
+            <a:spLocks noGrp="1"/>
+          </p:cNvSpPr>
+          <p:nvPr>
+            <p:ph type="title"/>
+          </p:nvPr>
+        </p:nvSpPr>
+        <p:spPr/>
+        <p:txBody>
+          <a:bodyPr/>
+          <a:lstStyle/>
+          <a:p>
+            <a:r>
+              <a:rPr lang="en-US" dirty="0" smtClean="0"/>
+              <a:t>We could change</a:t>
+            </a:r>
+            <a:endParaRPr lang="nl-BE" dirty="0"/>
+          </a:p>
+        </p:txBody>
+      </p:sp>
+      <p:sp>
+        <p:nvSpPr>
+          <p:cNvPr id="3" name="Content Placeholder 2"/>
+          <p:cNvSpPr>
+            <a:spLocks noGrp="1"/>
+          </p:cNvSpPr>
+          <p:nvPr>
+            <p:ph idx="1"/>
+          </p:nvPr>
+        </p:nvSpPr>
+        <p:spPr>
+          <a:xfrm>
+            <a:off x="2315882" y="2138083"/>
+            <a:ext cx="7538122" cy="2681343"/>
+          </a:xfrm>
+        </p:spPr>
+        <p:txBody>
+          <a:bodyPr/>
+          <a:lstStyle/>
+          <a:p>
+            <a:r>
+              <a:rPr lang="en-US" dirty="0"/>
+              <a:t>More face-to-face </a:t>
+            </a:r>
+            <a:r>
+              <a:rPr lang="en-US" dirty="0" smtClean="0"/>
+              <a:t>meetings</a:t>
+            </a:r>
+          </a:p>
+          <a:p>
+            <a:r>
+              <a:rPr lang="en-US" dirty="0"/>
+              <a:t>Create less </a:t>
+            </a:r>
+            <a:r>
+              <a:rPr lang="en-US" dirty="0" smtClean="0"/>
+              <a:t>analysis / when needed</a:t>
+            </a:r>
+            <a:endParaRPr lang="nl-BE" dirty="0"/>
+          </a:p>
+        </p:txBody>
+      </p:sp>
+      <p:sp>
+        <p:nvSpPr>
+          <p:cNvPr id="4" name="Slide Number Placeholder 3"/>
+          <p:cNvSpPr>
+            <a:spLocks noGrp="1"/>
+          </p:cNvSpPr>
+          <p:nvPr>
+            <p:ph type="sldNum" sz="quarter" idx="12"/>
+          </p:nvPr>
+        </p:nvSpPr>
+        <p:spPr/>
+        <p:txBody>
+          <a:bodyPr/>
+          <a:lstStyle/>
+          <a:p>
+            <a:pPr>
+              <a:defRPr/>
+            </a:pPr>
+            <a:fld id="{BC2BCED3-7F4A-40F1-85DA-02B4B5A68187}" type="slidenum">
+              <a:rPr lang="nl-NL" smtClean="0"/>
+              <a:pPr>
+                <a:defRPr/>
+              </a:pPr>
+              <a:t>23</a:t>
+            </a:fld>
+            <a:endParaRPr lang="nl-NL"/>
+          </a:p>
+        </p:txBody>
+      </p:sp>
+    </p:spTree>
+    <p:extLst>
+      <p:ext uri="{BB962C8B-B14F-4D97-AF65-F5344CB8AC3E}">
+        <p14:creationId xmlns:p14="http://schemas.microsoft.com/office/powerpoint/2010/main" val="1017890965"/>
+      </p:ext>
+    </p:extLst>
+  </p:cSld>
+  <p:clrMapOvr>
+    <a:masterClrMapping/>
+  </p:clrMapOvr>
+  <p:timing>
+    <p:tnLst>
+      <p:par>
+        <p:cTn id="1" dur="indefinite" restart="never" nodeType="tmRoot"/>
+      </p:par>
+    </p:tnLst>
+  </p:timing>
+</p:sld>
+</file>
+
+<file path=ppt/slides/slide24.xml><?xml version="1.0" encoding="utf-8"?>
+<p:sld xmlns:a="http://schemas.openxmlformats.org/drawingml/2006/main" xmlns:r="http://schemas.openxmlformats.org/officeDocument/2006/relationships" xmlns:p="http://schemas.openxmlformats.org/presentationml/2006/main">
+  <p:cSld>
+    <p:spTree>
+      <p:nvGrpSpPr>
+        <p:cNvPr id="1" name=""/>
+        <p:cNvGrpSpPr/>
+        <p:nvPr/>
+      </p:nvGrpSpPr>
+      <p:grpSpPr>
+        <a:xfrm>
+          <a:off x="0" y="0"/>
+          <a:ext cx="0" cy="0"/>
+          <a:chOff x="0" y="0"/>
+          <a:chExt cx="0" cy="0"/>
+        </a:xfrm>
+      </p:grpSpPr>
+      <p:sp>
+        <p:nvSpPr>
+          <p:cNvPr id="2" name="Title 1"/>
+          <p:cNvSpPr>
+            <a:spLocks noGrp="1"/>
+          </p:cNvSpPr>
+          <p:nvPr>
+            <p:ph type="title"/>
+          </p:nvPr>
+        </p:nvSpPr>
+        <p:spPr>
+          <a:xfrm>
+            <a:off x="674146" y="2286318"/>
+            <a:ext cx="10972800" cy="1143000"/>
+          </a:xfrm>
+        </p:spPr>
+        <p:txBody>
+          <a:bodyPr/>
+          <a:lstStyle/>
+          <a:p>
+            <a:r>
+              <a:rPr lang="nl-BE" dirty="0" smtClean="0"/>
+              <a:t>Questions?</a:t>
+            </a:r>
+            <a:endParaRPr lang="nl-BE" dirty="0"/>
+          </a:p>
+        </p:txBody>
+      </p:sp>
+      <p:sp>
+        <p:nvSpPr>
+          <p:cNvPr id="4" name="Slide Number Placeholder 3"/>
+          <p:cNvSpPr>
+            <a:spLocks noGrp="1"/>
+          </p:cNvSpPr>
+          <p:nvPr>
+            <p:ph type="sldNum" sz="quarter" idx="12"/>
+          </p:nvPr>
+        </p:nvSpPr>
+        <p:spPr/>
+        <p:txBody>
+          <a:bodyPr/>
+          <a:lstStyle/>
+          <a:p>
+            <a:pPr>
+              <a:defRPr/>
+            </a:pPr>
+            <a:fld id="{BC2BCED3-7F4A-40F1-85DA-02B4B5A68187}" type="slidenum">
+              <a:rPr lang="nl-NL" smtClean="0"/>
+              <a:pPr>
+                <a:defRPr/>
+              </a:pPr>
+              <a:t>24</a:t>
             </a:fld>
             <a:endParaRPr lang="nl-NL"/>
           </a:p>

--- a/italent/documents/Presentatie/Presentatie.pptx
+++ b/italent/documents/Presentatie/Presentatie.pptx
@@ -18,17 +18,23 @@
     <p:sldId id="279" r:id="rId12"/>
     <p:sldId id="262" r:id="rId13"/>
     <p:sldId id="280" r:id="rId14"/>
-    <p:sldId id="281" r:id="rId15"/>
-    <p:sldId id="283" r:id="rId16"/>
-    <p:sldId id="268" r:id="rId17"/>
-    <p:sldId id="264" r:id="rId18"/>
-    <p:sldId id="267" r:id="rId19"/>
-    <p:sldId id="265" r:id="rId20"/>
-    <p:sldId id="266" r:id="rId21"/>
-    <p:sldId id="269" r:id="rId22"/>
-    <p:sldId id="270" r:id="rId23"/>
-    <p:sldId id="271" r:id="rId24"/>
-    <p:sldId id="272" r:id="rId25"/>
+    <p:sldId id="286" r:id="rId15"/>
+    <p:sldId id="287" r:id="rId16"/>
+    <p:sldId id="288" r:id="rId17"/>
+    <p:sldId id="284" r:id="rId18"/>
+    <p:sldId id="285" r:id="rId19"/>
+    <p:sldId id="281" r:id="rId20"/>
+    <p:sldId id="283" r:id="rId21"/>
+    <p:sldId id="289" r:id="rId22"/>
+    <p:sldId id="268" r:id="rId23"/>
+    <p:sldId id="264" r:id="rId24"/>
+    <p:sldId id="267" r:id="rId25"/>
+    <p:sldId id="265" r:id="rId26"/>
+    <p:sldId id="266" r:id="rId27"/>
+    <p:sldId id="269" r:id="rId28"/>
+    <p:sldId id="270" r:id="rId29"/>
+    <p:sldId id="271" r:id="rId30"/>
+    <p:sldId id="272" r:id="rId31"/>
   </p:sldIdLst>
   <p:sldSz cx="12192000" cy="6858000"/>
   <p:notesSz cx="6858000" cy="9144000"/>
@@ -129,7 +135,7 @@
   </p:defaultTextStyle>
   <p:extLst>
     <p:ext uri="{EFAFB233-063F-42B5-8137-9DF3F51BA10A}">
-      <p15:sldGuideLst xmlns:p15="http://schemas.microsoft.com/office/powerpoint/2012/main">
+      <p15:sldGuideLst xmlns:p15="http://schemas.microsoft.com/office/powerpoint/2012/main" xmlns="">
         <p15:guide id="1" orient="horz" pos="2160">
           <p15:clr>
             <a:srgbClr val="A4A3A4"/>
@@ -197,14 +203,14 @@
             <a:noFill/>
           </a:ln>
           <a:extLst>
-            <a:ext uri="{909E8E84-426E-40DD-AFC4-6F175D3DCCD1}">
+            <a:ext uri="{909E8E84-426E-40dd-AFC4-6F175D3DCCD1}">
               <a14:hiddenFill xmlns:a14="http://schemas.microsoft.com/office/drawing/2010/main">
                 <a:solidFill>
                   <a:srgbClr val="FFFFFF"/>
                 </a:solidFill>
               </a14:hiddenFill>
             </a:ext>
-            <a:ext uri="{91240B29-F687-4F45-9708-019B960494DF}">
+            <a:ext uri="{91240B29-F687-4f45-9708-019B960494DF}">
               <a14:hiddenLine xmlns:a14="http://schemas.microsoft.com/office/drawing/2010/main" w="9525">
                 <a:solidFill>
                   <a:srgbClr val="000000"/>
@@ -251,14 +257,14 @@
             <a:noFill/>
           </a:ln>
           <a:extLst>
-            <a:ext uri="{909E8E84-426E-40DD-AFC4-6F175D3DCCD1}">
+            <a:ext uri="{909E8E84-426E-40dd-AFC4-6F175D3DCCD1}">
               <a14:hiddenFill xmlns:a14="http://schemas.microsoft.com/office/drawing/2010/main">
                 <a:solidFill>
                   <a:srgbClr val="FFFFFF"/>
                 </a:solidFill>
               </a14:hiddenFill>
             </a:ext>
-            <a:ext uri="{91240B29-F687-4F45-9708-019B960494DF}">
+            <a:ext uri="{91240B29-F687-4f45-9708-019B960494DF}">
               <a14:hiddenLine xmlns:a14="http://schemas.microsoft.com/office/drawing/2010/main" w="9525">
                 <a:solidFill>
                   <a:srgbClr val="000000"/>
@@ -292,14 +298,14 @@
             <a:noFill/>
           </a:ln>
           <a:extLst>
-            <a:ext uri="{909E8E84-426E-40DD-AFC4-6F175D3DCCD1}">
+            <a:ext uri="{909E8E84-426E-40dd-AFC4-6F175D3DCCD1}">
               <a14:hiddenFill xmlns:a14="http://schemas.microsoft.com/office/drawing/2010/main">
                 <a:solidFill>
                   <a:srgbClr val="FFFFFF"/>
                 </a:solidFill>
               </a14:hiddenFill>
             </a:ext>
-            <a:ext uri="{91240B29-F687-4F45-9708-019B960494DF}">
+            <a:ext uri="{91240B29-F687-4f45-9708-019B960494DF}">
               <a14:hiddenLine xmlns:a14="http://schemas.microsoft.com/office/drawing/2010/main" w="9525">
                 <a:solidFill>
                   <a:srgbClr val="000000"/>
@@ -506,14 +512,14 @@
             <a:noFill/>
           </a:ln>
           <a:extLst>
-            <a:ext uri="{909E8E84-426E-40DD-AFC4-6F175D3DCCD1}">
+            <a:ext uri="{909E8E84-426E-40dd-AFC4-6F175D3DCCD1}">
               <a14:hiddenFill xmlns:a14="http://schemas.microsoft.com/office/drawing/2010/main">
                 <a:solidFill>
                   <a:srgbClr val="FFFFFF"/>
                 </a:solidFill>
               </a14:hiddenFill>
             </a:ext>
-            <a:ext uri="{91240B29-F687-4F45-9708-019B960494DF}">
+            <a:ext uri="{91240B29-F687-4f45-9708-019B960494DF}">
               <a14:hiddenLine xmlns:a14="http://schemas.microsoft.com/office/drawing/2010/main" w="9525">
                 <a:solidFill>
                   <a:srgbClr val="000000"/>
@@ -719,7 +725,7 @@
               <a:pPr>
                 <a:defRPr/>
               </a:pPr>
-              <a:t>12-6-2016</a:t>
+              <a:t>12/06/16</a:t>
             </a:fld>
             <a:endParaRPr lang="nl-NL" dirty="0">
               <a:solidFill>
@@ -769,7 +775,7 @@
               <a:pPr>
                 <a:defRPr/>
               </a:pPr>
-              <a:t>‹nr.›</a:t>
+              <a:t>‹#›</a:t>
             </a:fld>
             <a:endParaRPr lang="nl-NL">
               <a:solidFill>
@@ -851,14 +857,14 @@
             <a:noFill/>
           </a:ln>
           <a:extLst>
-            <a:ext uri="{909E8E84-426E-40DD-AFC4-6F175D3DCCD1}">
+            <a:ext uri="{909E8E84-426E-40dd-AFC4-6F175D3DCCD1}">
               <a14:hiddenFill xmlns:a14="http://schemas.microsoft.com/office/drawing/2010/main">
                 <a:solidFill>
                   <a:srgbClr val="FFFFFF"/>
                 </a:solidFill>
               </a14:hiddenFill>
             </a:ext>
-            <a:ext uri="{91240B29-F687-4F45-9708-019B960494DF}">
+            <a:ext uri="{91240B29-F687-4f45-9708-019B960494DF}">
               <a14:hiddenLine xmlns:a14="http://schemas.microsoft.com/office/drawing/2010/main" w="9525">
                 <a:solidFill>
                   <a:srgbClr val="000000"/>
@@ -1075,7 +1081,7 @@
               <a:pPr>
                 <a:defRPr/>
               </a:pPr>
-              <a:t>12-6-2016</a:t>
+              <a:t>12/06/16</a:t>
             </a:fld>
             <a:endParaRPr lang="nl-NL" dirty="0"/>
           </a:p>
@@ -1142,7 +1148,7 @@
               <a:pPr>
                 <a:defRPr/>
               </a:pPr>
-              <a:t>‹nr.›</a:t>
+              <a:t>‹#›</a:t>
             </a:fld>
             <a:endParaRPr lang="nl-NL"/>
           </a:p>
@@ -1212,14 +1218,14 @@
             <a:noFill/>
           </a:ln>
           <a:extLst>
-            <a:ext uri="{909E8E84-426E-40DD-AFC4-6F175D3DCCD1}">
+            <a:ext uri="{909E8E84-426E-40dd-AFC4-6F175D3DCCD1}">
               <a14:hiddenFill xmlns:a14="http://schemas.microsoft.com/office/drawing/2010/main">
                 <a:solidFill>
                   <a:srgbClr val="FFFFFF"/>
                 </a:solidFill>
               </a14:hiddenFill>
             </a:ext>
-            <a:ext uri="{91240B29-F687-4F45-9708-019B960494DF}">
+            <a:ext uri="{91240B29-F687-4f45-9708-019B960494DF}">
               <a14:hiddenLine xmlns:a14="http://schemas.microsoft.com/office/drawing/2010/main" w="9525">
                 <a:solidFill>
                   <a:srgbClr val="000000"/>
@@ -1340,7 +1346,7 @@
               <a:pPr>
                 <a:defRPr/>
               </a:pPr>
-              <a:t>12-6-2016</a:t>
+              <a:t>12/06/16</a:t>
             </a:fld>
             <a:endParaRPr lang="nl-NL">
               <a:solidFill>
@@ -1411,7 +1417,7 @@
               <a:pPr>
                 <a:defRPr/>
               </a:pPr>
-              <a:t>‹nr.›</a:t>
+              <a:t>‹#›</a:t>
             </a:fld>
             <a:endParaRPr lang="nl-NL"/>
           </a:p>
@@ -1481,14 +1487,14 @@
             <a:noFill/>
           </a:ln>
           <a:extLst>
-            <a:ext uri="{909E8E84-426E-40DD-AFC4-6F175D3DCCD1}">
+            <a:ext uri="{909E8E84-426E-40dd-AFC4-6F175D3DCCD1}">
               <a14:hiddenFill xmlns:a14="http://schemas.microsoft.com/office/drawing/2010/main">
                 <a:solidFill>
                   <a:srgbClr val="FFFFFF"/>
                 </a:solidFill>
               </a14:hiddenFill>
             </a:ext>
-            <a:ext uri="{91240B29-F687-4F45-9708-019B960494DF}">
+            <a:ext uri="{91240B29-F687-4f45-9708-019B960494DF}">
               <a14:hiddenLine xmlns:a14="http://schemas.microsoft.com/office/drawing/2010/main" w="9525">
                 <a:solidFill>
                   <a:srgbClr val="000000"/>
@@ -1619,7 +1625,7 @@
               <a:pPr>
                 <a:defRPr/>
               </a:pPr>
-              <a:t>12-6-2016</a:t>
+              <a:t>12/06/16</a:t>
             </a:fld>
             <a:endParaRPr lang="nl-NL">
               <a:solidFill>
@@ -1690,7 +1696,7 @@
               <a:pPr>
                 <a:defRPr/>
               </a:pPr>
-              <a:t>‹nr.›</a:t>
+              <a:t>‹#›</a:t>
             </a:fld>
             <a:endParaRPr lang="nl-NL"/>
           </a:p>
@@ -1760,14 +1766,14 @@
             <a:noFill/>
           </a:ln>
           <a:extLst>
-            <a:ext uri="{909E8E84-426E-40DD-AFC4-6F175D3DCCD1}">
+            <a:ext uri="{909E8E84-426E-40dd-AFC4-6F175D3DCCD1}">
               <a14:hiddenFill xmlns:a14="http://schemas.microsoft.com/office/drawing/2010/main">
                 <a:solidFill>
                   <a:srgbClr val="FFFFFF"/>
                 </a:solidFill>
               </a14:hiddenFill>
             </a:ext>
-            <a:ext uri="{91240B29-F687-4F45-9708-019B960494DF}">
+            <a:ext uri="{91240B29-F687-4f45-9708-019B960494DF}">
               <a14:hiddenLine xmlns:a14="http://schemas.microsoft.com/office/drawing/2010/main" w="9525">
                 <a:solidFill>
                   <a:srgbClr val="000000"/>
@@ -1888,7 +1894,7 @@
               <a:pPr>
                 <a:defRPr/>
               </a:pPr>
-              <a:t>12-6-2016</a:t>
+              <a:t>12/06/16</a:t>
             </a:fld>
             <a:endParaRPr lang="nl-NL">
               <a:solidFill>
@@ -1959,7 +1965,7 @@
               <a:pPr>
                 <a:defRPr/>
               </a:pPr>
-              <a:t>‹nr.›</a:t>
+              <a:t>‹#›</a:t>
             </a:fld>
             <a:endParaRPr lang="nl-NL"/>
           </a:p>
@@ -2029,14 +2035,14 @@
             <a:noFill/>
           </a:ln>
           <a:extLst>
-            <a:ext uri="{909E8E84-426E-40DD-AFC4-6F175D3DCCD1}">
+            <a:ext uri="{909E8E84-426E-40dd-AFC4-6F175D3DCCD1}">
               <a14:hiddenFill xmlns:a14="http://schemas.microsoft.com/office/drawing/2010/main">
                 <a:solidFill>
                   <a:srgbClr val="FFFFFF"/>
                 </a:solidFill>
               </a14:hiddenFill>
             </a:ext>
-            <a:ext uri="{91240B29-F687-4F45-9708-019B960494DF}">
+            <a:ext uri="{91240B29-F687-4f45-9708-019B960494DF}">
               <a14:hiddenLine xmlns:a14="http://schemas.microsoft.com/office/drawing/2010/main" w="9525">
                 <a:solidFill>
                   <a:srgbClr val="000000"/>
@@ -2271,7 +2277,7 @@
               <a:pPr>
                 <a:defRPr/>
               </a:pPr>
-              <a:t>12-6-2016</a:t>
+              <a:t>12/06/16</a:t>
             </a:fld>
             <a:endParaRPr lang="nl-NL" dirty="0"/>
           </a:p>
@@ -2338,7 +2344,7 @@
               <a:pPr>
                 <a:defRPr/>
               </a:pPr>
-              <a:t>‹nr.›</a:t>
+              <a:t>‹#›</a:t>
             </a:fld>
             <a:endParaRPr lang="nl-NL"/>
           </a:p>
@@ -2408,14 +2414,14 @@
             <a:noFill/>
           </a:ln>
           <a:extLst>
-            <a:ext uri="{909E8E84-426E-40DD-AFC4-6F175D3DCCD1}">
+            <a:ext uri="{909E8E84-426E-40dd-AFC4-6F175D3DCCD1}">
               <a14:hiddenFill xmlns:a14="http://schemas.microsoft.com/office/drawing/2010/main">
                 <a:solidFill>
                   <a:srgbClr val="FFFFFF"/>
                 </a:solidFill>
               </a14:hiddenFill>
             </a:ext>
-            <a:ext uri="{91240B29-F687-4F45-9708-019B960494DF}">
+            <a:ext uri="{91240B29-F687-4f45-9708-019B960494DF}">
               <a14:hiddenLine xmlns:a14="http://schemas.microsoft.com/office/drawing/2010/main" w="9525">
                 <a:solidFill>
                   <a:srgbClr val="000000"/>
@@ -2654,7 +2660,7 @@
               <a:pPr>
                 <a:defRPr/>
               </a:pPr>
-              <a:t>12-6-2016</a:t>
+              <a:t>12/06/16</a:t>
             </a:fld>
             <a:endParaRPr lang="nl-NL">
               <a:solidFill>
@@ -2725,7 +2731,7 @@
               <a:pPr>
                 <a:defRPr/>
               </a:pPr>
-              <a:t>‹nr.›</a:t>
+              <a:t>‹#›</a:t>
             </a:fld>
             <a:endParaRPr lang="nl-NL"/>
           </a:p>
@@ -2795,14 +2801,14 @@
             <a:noFill/>
           </a:ln>
           <a:extLst>
-            <a:ext uri="{909E8E84-426E-40DD-AFC4-6F175D3DCCD1}">
+            <a:ext uri="{909E8E84-426E-40dd-AFC4-6F175D3DCCD1}">
               <a14:hiddenFill xmlns:a14="http://schemas.microsoft.com/office/drawing/2010/main">
                 <a:solidFill>
                   <a:srgbClr val="FFFFFF"/>
                 </a:solidFill>
               </a14:hiddenFill>
             </a:ext>
-            <a:ext uri="{91240B29-F687-4F45-9708-019B960494DF}">
+            <a:ext uri="{91240B29-F687-4f45-9708-019B960494DF}">
               <a14:hiddenLine xmlns:a14="http://schemas.microsoft.com/office/drawing/2010/main" w="9525">
                 <a:solidFill>
                   <a:srgbClr val="000000"/>
@@ -3175,7 +3181,7 @@
               <a:pPr>
                 <a:defRPr/>
               </a:pPr>
-              <a:t>12-6-2016</a:t>
+              <a:t>12/06/16</a:t>
             </a:fld>
             <a:endParaRPr lang="nl-NL">
               <a:solidFill>
@@ -3246,7 +3252,7 @@
               <a:pPr>
                 <a:defRPr/>
               </a:pPr>
-              <a:t>‹nr.›</a:t>
+              <a:t>‹#›</a:t>
             </a:fld>
             <a:endParaRPr lang="nl-NL"/>
           </a:p>
@@ -3316,14 +3322,14 @@
             <a:noFill/>
           </a:ln>
           <a:extLst>
-            <a:ext uri="{909E8E84-426E-40DD-AFC4-6F175D3DCCD1}">
+            <a:ext uri="{909E8E84-426E-40dd-AFC4-6F175D3DCCD1}">
               <a14:hiddenFill xmlns:a14="http://schemas.microsoft.com/office/drawing/2010/main">
                 <a:solidFill>
                   <a:srgbClr val="FFFFFF"/>
                 </a:solidFill>
               </a14:hiddenFill>
             </a:ext>
-            <a:ext uri="{91240B29-F687-4F45-9708-019B960494DF}">
+            <a:ext uri="{91240B29-F687-4f45-9708-019B960494DF}">
               <a14:hiddenLine xmlns:a14="http://schemas.microsoft.com/office/drawing/2010/main" w="9525">
                 <a:solidFill>
                   <a:srgbClr val="000000"/>
@@ -3392,7 +3398,7 @@
               <a:pPr>
                 <a:defRPr/>
               </a:pPr>
-              <a:t>12-6-2016</a:t>
+              <a:t>12/06/16</a:t>
             </a:fld>
             <a:endParaRPr lang="nl-NL">
               <a:solidFill>
@@ -3463,7 +3469,7 @@
               <a:pPr>
                 <a:defRPr/>
               </a:pPr>
-              <a:t>‹nr.›</a:t>
+              <a:t>‹#›</a:t>
             </a:fld>
             <a:endParaRPr lang="nl-NL"/>
           </a:p>
@@ -3533,14 +3539,14 @@
             <a:noFill/>
           </a:ln>
           <a:extLst>
-            <a:ext uri="{909E8E84-426E-40DD-AFC4-6F175D3DCCD1}">
+            <a:ext uri="{909E8E84-426E-40dd-AFC4-6F175D3DCCD1}">
               <a14:hiddenFill xmlns:a14="http://schemas.microsoft.com/office/drawing/2010/main">
                 <a:solidFill>
                   <a:srgbClr val="FFFFFF"/>
                 </a:solidFill>
               </a14:hiddenFill>
             </a:ext>
-            <a:ext uri="{91240B29-F687-4F45-9708-019B960494DF}">
+            <a:ext uri="{91240B29-F687-4f45-9708-019B960494DF}">
               <a14:hiddenLine xmlns:a14="http://schemas.microsoft.com/office/drawing/2010/main" w="9525">
                 <a:solidFill>
                   <a:srgbClr val="000000"/>
@@ -3586,7 +3592,7 @@
               <a:pPr>
                 <a:defRPr/>
               </a:pPr>
-              <a:t>12-6-2016</a:t>
+              <a:t>12/06/16</a:t>
             </a:fld>
             <a:endParaRPr lang="nl-NL">
               <a:solidFill>
@@ -3657,7 +3663,7 @@
               <a:pPr>
                 <a:defRPr/>
               </a:pPr>
-              <a:t>‹nr.›</a:t>
+              <a:t>‹#›</a:t>
             </a:fld>
             <a:endParaRPr lang="nl-NL"/>
           </a:p>
@@ -3727,14 +3733,14 @@
             <a:noFill/>
           </a:ln>
           <a:extLst>
-            <a:ext uri="{909E8E84-426E-40DD-AFC4-6F175D3DCCD1}">
+            <a:ext uri="{909E8E84-426E-40dd-AFC4-6F175D3DCCD1}">
               <a14:hiddenFill xmlns:a14="http://schemas.microsoft.com/office/drawing/2010/main">
                 <a:solidFill>
                   <a:srgbClr val="FFFFFF"/>
                 </a:solidFill>
               </a14:hiddenFill>
             </a:ext>
-            <a:ext uri="{91240B29-F687-4F45-9708-019B960494DF}">
+            <a:ext uri="{91240B29-F687-4f45-9708-019B960494DF}">
               <a14:hiddenLine xmlns:a14="http://schemas.microsoft.com/office/drawing/2010/main" w="9525">
                 <a:solidFill>
                   <a:srgbClr val="000000"/>
@@ -3962,7 +3968,7 @@
               <a:pPr>
                 <a:defRPr/>
               </a:pPr>
-              <a:t>12-6-2016</a:t>
+              <a:t>12/06/16</a:t>
             </a:fld>
             <a:endParaRPr lang="nl-NL">
               <a:solidFill>
@@ -4033,7 +4039,7 @@
               <a:pPr>
                 <a:defRPr/>
               </a:pPr>
-              <a:t>‹nr.›</a:t>
+              <a:t>‹#›</a:t>
             </a:fld>
             <a:endParaRPr lang="nl-NL"/>
           </a:p>
@@ -4097,14 +4103,14 @@
             <a:noFill/>
           </a:ln>
           <a:extLst>
-            <a:ext uri="{909E8E84-426E-40DD-AFC4-6F175D3DCCD1}">
+            <a:ext uri="{909E8E84-426E-40dd-AFC4-6F175D3DCCD1}">
               <a14:hiddenFill xmlns:a14="http://schemas.microsoft.com/office/drawing/2010/main">
                 <a:solidFill>
                   <a:srgbClr val="FFFFFF"/>
                 </a:solidFill>
               </a14:hiddenFill>
             </a:ext>
-            <a:ext uri="{91240B29-F687-4F45-9708-019B960494DF}">
+            <a:ext uri="{91240B29-F687-4f45-9708-019B960494DF}">
               <a14:hiddenLine xmlns:a14="http://schemas.microsoft.com/office/drawing/2010/main" w="9525">
                 <a:solidFill>
                   <a:srgbClr val="000000"/>
@@ -4156,14 +4162,14 @@
             <a:noFill/>
           </a:ln>
           <a:extLst>
-            <a:ext uri="{909E8E84-426E-40DD-AFC4-6F175D3DCCD1}">
+            <a:ext uri="{909E8E84-426E-40dd-AFC4-6F175D3DCCD1}">
               <a14:hiddenFill xmlns:a14="http://schemas.microsoft.com/office/drawing/2010/main">
                 <a:solidFill>
                   <a:srgbClr val="FFFFFF"/>
                 </a:solidFill>
               </a14:hiddenFill>
             </a:ext>
-            <a:ext uri="{91240B29-F687-4F45-9708-019B960494DF}">
+            <a:ext uri="{91240B29-F687-4f45-9708-019B960494DF}">
               <a14:hiddenLine xmlns:a14="http://schemas.microsoft.com/office/drawing/2010/main" w="9525">
                 <a:solidFill>
                   <a:srgbClr val="000000"/>
@@ -4275,7 +4281,7 @@
               <a:pPr defTabSz="457200">
                 <a:defRPr/>
               </a:pPr>
-              <a:t>12-6-2016</a:t>
+              <a:t>12/06/16</a:t>
             </a:fld>
             <a:endParaRPr lang="nl-NL">
               <a:solidFill>
@@ -4398,7 +4404,7 @@
                 </a:spcAft>
                 <a:defRPr/>
               </a:pPr>
-              <a:t>‹nr.›</a:t>
+              <a:t>‹#›</a:t>
             </a:fld>
             <a:endParaRPr lang="nl-NL">
               <a:cs typeface="Arial" panose="020B0604020202020204" pitchFamily="34" charset="0"/>
@@ -4892,14 +4898,14 @@
         <p:spPr bwMode="auto">
           <a:noFill/>
           <a:extLst>
-            <a:ext uri="{909E8E84-426E-40DD-AFC4-6F175D3DCCD1}">
+            <a:ext uri="{909E8E84-426E-40dd-AFC4-6F175D3DCCD1}">
               <a14:hiddenFill xmlns:a14="http://schemas.microsoft.com/office/drawing/2010/main">
                 <a:solidFill>
                   <a:srgbClr val="FFFFFF"/>
                 </a:solidFill>
               </a14:hiddenFill>
             </a:ext>
-            <a:ext uri="{91240B29-F687-4F45-9708-019B960494DF}">
+            <a:ext uri="{91240B29-F687-4f45-9708-019B960494DF}">
               <a14:hiddenLine xmlns:a14="http://schemas.microsoft.com/office/drawing/2010/main" w="9525">
                 <a:solidFill>
                   <a:srgbClr val="000000"/>
@@ -5096,14 +5102,14 @@
             <a:noFill/>
           </a:ln>
           <a:extLst>
-            <a:ext uri="{909E8E84-426E-40DD-AFC4-6F175D3DCCD1}">
+            <a:ext uri="{909E8E84-426E-40dd-AFC4-6F175D3DCCD1}">
               <a14:hiddenFill xmlns:a14="http://schemas.microsoft.com/office/drawing/2010/main">
                 <a:solidFill>
                   <a:srgbClr val="FFFFFF"/>
                 </a:solidFill>
               </a14:hiddenFill>
             </a:ext>
-            <a:ext uri="{91240B29-F687-4F45-9708-019B960494DF}">
+            <a:ext uri="{91240B29-F687-4f45-9708-019B960494DF}">
               <a14:hiddenLine xmlns:a14="http://schemas.microsoft.com/office/drawing/2010/main" w="9525">
                 <a:solidFill>
                   <a:srgbClr val="000000"/>
@@ -5449,7 +5455,7 @@
   <p:timing>
     <p:tnLst>
       <p:par>
-        <p:cTn id="1" dur="indefinite" restart="never" nodeType="tmRoot"/>
+        <p:cTn xmlns:p14="http://schemas.microsoft.com/office/powerpoint/2010/main" id="1" dur="indefinite" restart="never" nodeType="tmRoot"/>
       </p:par>
     </p:tnLst>
   </p:timing>
@@ -5610,7 +5616,7 @@
   <p:timing>
     <p:tnLst>
       <p:par>
-        <p:cTn id="1" dur="indefinite" restart="never" nodeType="tmRoot"/>
+        <p:cTn xmlns:p14="http://schemas.microsoft.com/office/powerpoint/2010/main" id="1" dur="indefinite" restart="never" nodeType="tmRoot"/>
       </p:par>
     </p:tnLst>
   </p:timing>
@@ -5718,7 +5724,7 @@
   <p:timing>
     <p:tnLst>
       <p:par>
-        <p:cTn id="1" dur="indefinite" restart="never" nodeType="tmRoot"/>
+        <p:cTn xmlns:p14="http://schemas.microsoft.com/office/powerpoint/2010/main" id="1" dur="indefinite" restart="never" nodeType="tmRoot"/>
       </p:par>
     </p:tnLst>
   </p:timing>
@@ -5759,7 +5765,7 @@
           <a:p>
             <a:r>
               <a:rPr lang="nl-BE" dirty="0" smtClean="0"/>
-              <a:t>Front-end tools</a:t>
+              <a:t>Back-end choices</a:t>
             </a:r>
             <a:endParaRPr lang="nl-BE" dirty="0"/>
           </a:p>
@@ -5787,16 +5793,16 @@
           <a:p>
             <a:pPr lvl="0"/>
             <a:r>
-              <a:rPr lang="nl-BE" dirty="0" err="1" smtClean="0"/>
-              <a:t>Bower</a:t>
+              <a:rPr lang="nl-BE" dirty="0" smtClean="0"/>
+              <a:t>Java</a:t>
             </a:r>
             <a:endParaRPr lang="nl-BE" dirty="0"/>
           </a:p>
           <a:p>
             <a:pPr lvl="0"/>
             <a:r>
-              <a:rPr lang="en-US" dirty="0" err="1" smtClean="0"/>
-              <a:t>AngularJs</a:t>
+              <a:rPr lang="en-US" dirty="0" smtClean="0"/>
+              <a:t>Spring</a:t>
             </a:r>
             <a:endParaRPr lang="en-US" dirty="0"/>
           </a:p>
@@ -5804,7 +5810,7 @@
             <a:pPr lvl="0"/>
             <a:r>
               <a:rPr lang="en-US" dirty="0" smtClean="0"/>
-              <a:t>Twitter Bootstrap</a:t>
+              <a:t>Spring Boot</a:t>
             </a:r>
             <a:endParaRPr lang="en-US" dirty="0"/>
           </a:p>
@@ -5858,7 +5864,7 @@
   <p:timing>
     <p:tnLst>
       <p:par>
-        <p:cTn id="1" dur="indefinite" restart="never" nodeType="tmRoot"/>
+        <p:cTn xmlns:p14="http://schemas.microsoft.com/office/powerpoint/2010/main" id="1" dur="indefinite" restart="never" nodeType="tmRoot"/>
       </p:par>
     </p:tnLst>
   </p:timing>
@@ -5899,8 +5905,11 @@
           <a:p>
             <a:r>
               <a:rPr lang="en-GB" dirty="0" smtClean="0"/>
-              <a:t>Bower</a:t>
-            </a:r>
+              <a:t>Java</a:t>
+            </a:r>
+            <a:br>
+              <a:rPr lang="en-GB" dirty="0" smtClean="0"/>
+            </a:br>
             <a:endParaRPr lang="nl-NL" dirty="0"/>
           </a:p>
         </p:txBody>
@@ -5934,7 +5943,11 @@
             </a:r>
             <a:r>
               <a:rPr lang="en-GB" dirty="0" smtClean="0"/>
-              <a:t> bower </a:t>
+              <a:t> </a:t>
+            </a:r>
+            <a:r>
+              <a:rPr lang="en-GB" dirty="0" smtClean="0"/>
+              <a:t>Java </a:t>
             </a:r>
             <a:r>
               <a:rPr lang="en-GB" dirty="0" err="1" smtClean="0"/>
@@ -6063,9 +6076,12 @@
           <a:lstStyle/>
           <a:p>
             <a:r>
-              <a:rPr lang="en-GB" dirty="0" err="1" smtClean="0"/>
-              <a:t>AngularJs</a:t>
-            </a:r>
+              <a:rPr lang="en-GB" dirty="0" smtClean="0"/>
+              <a:t>Spring</a:t>
+            </a:r>
+            <a:br>
+              <a:rPr lang="en-GB" dirty="0" smtClean="0"/>
+            </a:br>
             <a:endParaRPr lang="nl-NL" dirty="0"/>
           </a:p>
         </p:txBody>
@@ -6082,8 +6098,8 @@
         </p:nvSpPr>
         <p:spPr>
           <a:xfrm>
-            <a:off x="3040082" y="1600201"/>
-            <a:ext cx="8542317" cy="4525963"/>
+            <a:off x="3016332" y="1600201"/>
+            <a:ext cx="8566068" cy="4525963"/>
           </a:xfrm>
         </p:spPr>
         <p:txBody>
@@ -6102,17 +6118,27 @@
               <a:t> </a:t>
             </a:r>
             <a:r>
+              <a:rPr lang="en-GB" dirty="0" smtClean="0"/>
+              <a:t>Spring </a:t>
+            </a:r>
+            <a:r>
               <a:rPr lang="en-GB" dirty="0" err="1" smtClean="0"/>
               <a:t>uitleg</a:t>
             </a:r>
             <a:r>
               <a:rPr lang="en-GB" dirty="0" smtClean="0"/>
-              <a:t> AngularJS.. </a:t>
+              <a:t>.. </a:t>
             </a:r>
             <a:r>
               <a:rPr lang="en-GB" dirty="0" err="1" smtClean="0"/>
               <a:t>todo</a:t>
             </a:r>
+            <a:endParaRPr lang="en-GB" dirty="0"/>
+          </a:p>
+          <a:p>
+            <a:pPr marL="0" indent="0">
+              <a:buNone/>
+            </a:pPr>
             <a:endParaRPr lang="nl-NL" dirty="0"/>
           </a:p>
         </p:txBody>
@@ -6141,6 +6167,770 @@
                 <a:defRPr/>
               </a:pPr>
               <a:t>14</a:t>
+            </a:fld>
+            <a:endParaRPr lang="nl-NL"/>
+          </a:p>
+        </p:txBody>
+      </p:sp>
+      <p:pic>
+        <p:nvPicPr>
+          <p:cNvPr id="6" name="Afbeelding 5"/>
+          <p:cNvPicPr>
+            <a:picLocks noChangeAspect="1"/>
+          </p:cNvPicPr>
+          <p:nvPr/>
+        </p:nvPicPr>
+        <p:blipFill>
+          <a:blip r:embed="rId2">
+            <a:extLst>
+              <a:ext uri="{28A0092B-C50C-407E-A947-70E740481C1C}">
+                <a14:useLocalDpi xmlns:a14="http://schemas.microsoft.com/office/drawing/2010/main" val="0"/>
+              </a:ext>
+            </a:extLst>
+          </a:blip>
+          <a:stretch>
+            <a:fillRect/>
+          </a:stretch>
+        </p:blipFill>
+        <p:spPr>
+          <a:xfrm>
+            <a:off x="828613" y="2596357"/>
+            <a:ext cx="1438275" cy="1266825"/>
+          </a:xfrm>
+          <a:prstGeom prst="rect">
+            <a:avLst/>
+          </a:prstGeom>
+        </p:spPr>
+      </p:pic>
+    </p:spTree>
+    <p:extLst>
+      <p:ext uri="{BB962C8B-B14F-4D97-AF65-F5344CB8AC3E}">
+        <p14:creationId xmlns:p14="http://schemas.microsoft.com/office/powerpoint/2010/main" val="1206608710"/>
+      </p:ext>
+    </p:extLst>
+  </p:cSld>
+  <p:clrMapOvr>
+    <a:masterClrMapping/>
+  </p:clrMapOvr>
+</p:sld>
+</file>
+
+<file path=ppt/slides/slide15.xml><?xml version="1.0" encoding="utf-8"?>
+<p:sld xmlns:a="http://schemas.openxmlformats.org/drawingml/2006/main" xmlns:r="http://schemas.openxmlformats.org/officeDocument/2006/relationships" xmlns:p="http://schemas.openxmlformats.org/presentationml/2006/main">
+  <p:cSld>
+    <p:spTree>
+      <p:nvGrpSpPr>
+        <p:cNvPr id="1" name=""/>
+        <p:cNvGrpSpPr/>
+        <p:nvPr/>
+      </p:nvGrpSpPr>
+      <p:grpSpPr>
+        <a:xfrm>
+          <a:off x="0" y="0"/>
+          <a:ext cx="0" cy="0"/>
+          <a:chOff x="0" y="0"/>
+          <a:chExt cx="0" cy="0"/>
+        </a:xfrm>
+      </p:grpSpPr>
+      <p:sp>
+        <p:nvSpPr>
+          <p:cNvPr id="2" name="Titel 1"/>
+          <p:cNvSpPr>
+            <a:spLocks noGrp="1"/>
+          </p:cNvSpPr>
+          <p:nvPr>
+            <p:ph type="title"/>
+          </p:nvPr>
+        </p:nvSpPr>
+        <p:spPr/>
+        <p:txBody>
+          <a:bodyPr/>
+          <a:lstStyle/>
+          <a:p>
+            <a:r>
+              <a:rPr lang="en-GB" dirty="0" smtClean="0"/>
+              <a:t>Spring boot</a:t>
+            </a:r>
+            <a:br>
+              <a:rPr lang="en-GB" dirty="0" smtClean="0"/>
+            </a:br>
+            <a:endParaRPr lang="nl-NL" dirty="0"/>
+          </a:p>
+        </p:txBody>
+      </p:sp>
+      <p:sp>
+        <p:nvSpPr>
+          <p:cNvPr id="3" name="Tijdelijke aanduiding voor inhoud 2"/>
+          <p:cNvSpPr>
+            <a:spLocks noGrp="1"/>
+          </p:cNvSpPr>
+          <p:nvPr>
+            <p:ph idx="1"/>
+          </p:nvPr>
+        </p:nvSpPr>
+        <p:spPr>
+          <a:xfrm>
+            <a:off x="3016332" y="1600201"/>
+            <a:ext cx="8566068" cy="4525963"/>
+          </a:xfrm>
+        </p:spPr>
+        <p:txBody>
+          <a:bodyPr/>
+          <a:lstStyle/>
+          <a:p>
+            <a:pPr marL="0" indent="0">
+              <a:buNone/>
+            </a:pPr>
+            <a:r>
+              <a:rPr lang="en-GB" dirty="0" err="1" smtClean="0"/>
+              <a:t>Korte</a:t>
+            </a:r>
+            <a:r>
+              <a:rPr lang="en-GB" dirty="0" smtClean="0"/>
+              <a:t> </a:t>
+            </a:r>
+            <a:r>
+              <a:rPr lang="en-GB" dirty="0" smtClean="0"/>
+              <a:t>Spring boot </a:t>
+            </a:r>
+            <a:r>
+              <a:rPr lang="en-GB" dirty="0" err="1" smtClean="0"/>
+              <a:t>uitleg</a:t>
+            </a:r>
+            <a:r>
+              <a:rPr lang="en-GB" dirty="0" smtClean="0"/>
+              <a:t>.. </a:t>
+            </a:r>
+            <a:r>
+              <a:rPr lang="en-GB" dirty="0" err="1" smtClean="0"/>
+              <a:t>todo</a:t>
+            </a:r>
+            <a:endParaRPr lang="en-GB" dirty="0"/>
+          </a:p>
+          <a:p>
+            <a:pPr marL="0" indent="0">
+              <a:buNone/>
+            </a:pPr>
+            <a:endParaRPr lang="nl-NL" dirty="0"/>
+          </a:p>
+        </p:txBody>
+      </p:sp>
+      <p:sp>
+        <p:nvSpPr>
+          <p:cNvPr id="4" name="Tijdelijke aanduiding voor dianummer 3"/>
+          <p:cNvSpPr>
+            <a:spLocks noGrp="1"/>
+          </p:cNvSpPr>
+          <p:nvPr>
+            <p:ph type="sldNum" sz="quarter" idx="12"/>
+          </p:nvPr>
+        </p:nvSpPr>
+        <p:spPr/>
+        <p:txBody>
+          <a:bodyPr/>
+          <a:lstStyle/>
+          <a:p>
+            <a:pPr>
+              <a:defRPr/>
+            </a:pPr>
+            <a:fld id="{BC2BCED3-7F4A-40F1-85DA-02B4B5A68187}" type="slidenum">
+              <a:rPr lang="nl-NL" smtClean="0"/>
+              <a:pPr>
+                <a:defRPr/>
+              </a:pPr>
+              <a:t>15</a:t>
+            </a:fld>
+            <a:endParaRPr lang="nl-NL"/>
+          </a:p>
+        </p:txBody>
+      </p:sp>
+      <p:pic>
+        <p:nvPicPr>
+          <p:cNvPr id="6" name="Afbeelding 5"/>
+          <p:cNvPicPr>
+            <a:picLocks noChangeAspect="1"/>
+          </p:cNvPicPr>
+          <p:nvPr/>
+        </p:nvPicPr>
+        <p:blipFill>
+          <a:blip r:embed="rId2">
+            <a:extLst>
+              <a:ext uri="{28A0092B-C50C-407E-A947-70E740481C1C}">
+                <a14:useLocalDpi xmlns:a14="http://schemas.microsoft.com/office/drawing/2010/main" val="0"/>
+              </a:ext>
+            </a:extLst>
+          </a:blip>
+          <a:stretch>
+            <a:fillRect/>
+          </a:stretch>
+        </p:blipFill>
+        <p:spPr>
+          <a:xfrm>
+            <a:off x="828613" y="2596357"/>
+            <a:ext cx="1438275" cy="1266825"/>
+          </a:xfrm>
+          <a:prstGeom prst="rect">
+            <a:avLst/>
+          </a:prstGeom>
+        </p:spPr>
+      </p:pic>
+    </p:spTree>
+    <p:extLst>
+      <p:ext uri="{BB962C8B-B14F-4D97-AF65-F5344CB8AC3E}">
+        <p14:creationId xmlns:p14="http://schemas.microsoft.com/office/powerpoint/2010/main" val="4241735874"/>
+      </p:ext>
+    </p:extLst>
+  </p:cSld>
+  <p:clrMapOvr>
+    <a:masterClrMapping/>
+  </p:clrMapOvr>
+</p:sld>
+</file>
+
+<file path=ppt/slides/slide16.xml><?xml version="1.0" encoding="utf-8"?>
+<p:sld xmlns:a="http://schemas.openxmlformats.org/drawingml/2006/main" xmlns:r="http://schemas.openxmlformats.org/officeDocument/2006/relationships" xmlns:p="http://schemas.openxmlformats.org/presentationml/2006/main">
+  <p:cSld>
+    <p:spTree>
+      <p:nvGrpSpPr>
+        <p:cNvPr id="1" name=""/>
+        <p:cNvGrpSpPr/>
+        <p:nvPr/>
+      </p:nvGrpSpPr>
+      <p:grpSpPr>
+        <a:xfrm>
+          <a:off x="0" y="0"/>
+          <a:ext cx="0" cy="0"/>
+          <a:chOff x="0" y="0"/>
+          <a:chExt cx="0" cy="0"/>
+        </a:xfrm>
+      </p:grpSpPr>
+      <p:sp>
+        <p:nvSpPr>
+          <p:cNvPr id="2" name="Title 1"/>
+          <p:cNvSpPr>
+            <a:spLocks noGrp="1"/>
+          </p:cNvSpPr>
+          <p:nvPr>
+            <p:ph type="title"/>
+          </p:nvPr>
+        </p:nvSpPr>
+        <p:spPr/>
+        <p:txBody>
+          <a:bodyPr/>
+          <a:lstStyle/>
+          <a:p>
+            <a:r>
+              <a:rPr lang="nl-BE" dirty="0" smtClean="0"/>
+              <a:t>Security</a:t>
+            </a:r>
+            <a:endParaRPr lang="nl-BE" dirty="0"/>
+          </a:p>
+        </p:txBody>
+      </p:sp>
+      <p:sp>
+        <p:nvSpPr>
+          <p:cNvPr id="3" name="Content Placeholder 2"/>
+          <p:cNvSpPr>
+            <a:spLocks noGrp="1"/>
+          </p:cNvSpPr>
+          <p:nvPr>
+            <p:ph idx="1"/>
+          </p:nvPr>
+        </p:nvSpPr>
+        <p:spPr>
+          <a:xfrm>
+            <a:off x="4263242" y="1600201"/>
+            <a:ext cx="7319158" cy="4525963"/>
+          </a:xfrm>
+        </p:spPr>
+        <p:txBody>
+          <a:bodyPr/>
+          <a:lstStyle/>
+          <a:p>
+            <a:pPr lvl="0"/>
+            <a:r>
+              <a:rPr lang="nl-BE" dirty="0" smtClean="0"/>
+              <a:t>Korte uitleg</a:t>
+            </a:r>
+            <a:endParaRPr lang="nl-BE" dirty="0"/>
+          </a:p>
+          <a:p>
+            <a:pPr marL="0" indent="0">
+              <a:buNone/>
+            </a:pPr>
+            <a:endParaRPr lang="nl-BE" dirty="0"/>
+          </a:p>
+        </p:txBody>
+      </p:sp>
+      <p:sp>
+        <p:nvSpPr>
+          <p:cNvPr id="4" name="Slide Number Placeholder 3"/>
+          <p:cNvSpPr>
+            <a:spLocks noGrp="1"/>
+          </p:cNvSpPr>
+          <p:nvPr>
+            <p:ph type="sldNum" sz="quarter" idx="12"/>
+          </p:nvPr>
+        </p:nvSpPr>
+        <p:spPr/>
+        <p:txBody>
+          <a:bodyPr/>
+          <a:lstStyle/>
+          <a:p>
+            <a:pPr>
+              <a:defRPr/>
+            </a:pPr>
+            <a:fld id="{BC2BCED3-7F4A-40F1-85DA-02B4B5A68187}" type="slidenum">
+              <a:rPr lang="nl-NL" smtClean="0"/>
+              <a:pPr>
+                <a:defRPr/>
+              </a:pPr>
+              <a:t>16</a:t>
+            </a:fld>
+            <a:endParaRPr lang="nl-NL"/>
+          </a:p>
+        </p:txBody>
+      </p:sp>
+    </p:spTree>
+    <p:extLst>
+      <p:ext uri="{BB962C8B-B14F-4D97-AF65-F5344CB8AC3E}">
+        <p14:creationId xmlns:p14="http://schemas.microsoft.com/office/powerpoint/2010/main" val="1381883243"/>
+      </p:ext>
+    </p:extLst>
+  </p:cSld>
+  <p:clrMapOvr>
+    <a:masterClrMapping/>
+  </p:clrMapOvr>
+  <p:timing>
+    <p:tnLst>
+      <p:par>
+        <p:cTn xmlns:p14="http://schemas.microsoft.com/office/powerpoint/2010/main" id="1" dur="indefinite" restart="never" nodeType="tmRoot"/>
+      </p:par>
+    </p:tnLst>
+  </p:timing>
+</p:sld>
+</file>
+
+<file path=ppt/slides/slide17.xml><?xml version="1.0" encoding="utf-8"?>
+<p:sld xmlns:a="http://schemas.openxmlformats.org/drawingml/2006/main" xmlns:r="http://schemas.openxmlformats.org/officeDocument/2006/relationships" xmlns:p="http://schemas.openxmlformats.org/presentationml/2006/main">
+  <p:cSld>
+    <p:spTree>
+      <p:nvGrpSpPr>
+        <p:cNvPr id="1" name=""/>
+        <p:cNvGrpSpPr/>
+        <p:nvPr/>
+      </p:nvGrpSpPr>
+      <p:grpSpPr>
+        <a:xfrm>
+          <a:off x="0" y="0"/>
+          <a:ext cx="0" cy="0"/>
+          <a:chOff x="0" y="0"/>
+          <a:chExt cx="0" cy="0"/>
+        </a:xfrm>
+      </p:grpSpPr>
+      <p:sp>
+        <p:nvSpPr>
+          <p:cNvPr id="2" name="Title 1"/>
+          <p:cNvSpPr>
+            <a:spLocks noGrp="1"/>
+          </p:cNvSpPr>
+          <p:nvPr>
+            <p:ph type="title"/>
+          </p:nvPr>
+        </p:nvSpPr>
+        <p:spPr/>
+        <p:txBody>
+          <a:bodyPr/>
+          <a:lstStyle/>
+          <a:p>
+            <a:r>
+              <a:rPr lang="nl-BE" dirty="0" smtClean="0"/>
+              <a:t>Front-end </a:t>
+            </a:r>
+            <a:r>
+              <a:rPr lang="nl-BE" dirty="0" smtClean="0"/>
+              <a:t>tools</a:t>
+            </a:r>
+            <a:endParaRPr lang="nl-BE" dirty="0"/>
+          </a:p>
+        </p:txBody>
+      </p:sp>
+      <p:sp>
+        <p:nvSpPr>
+          <p:cNvPr id="3" name="Content Placeholder 2"/>
+          <p:cNvSpPr>
+            <a:spLocks noGrp="1"/>
+          </p:cNvSpPr>
+          <p:nvPr>
+            <p:ph idx="1"/>
+          </p:nvPr>
+        </p:nvSpPr>
+        <p:spPr>
+          <a:xfrm>
+            <a:off x="4263242" y="1600201"/>
+            <a:ext cx="7319158" cy="4525963"/>
+          </a:xfrm>
+        </p:spPr>
+        <p:txBody>
+          <a:bodyPr/>
+          <a:lstStyle/>
+          <a:p>
+            <a:pPr lvl="0"/>
+            <a:r>
+              <a:rPr lang="nl-BE" dirty="0" err="1" smtClean="0"/>
+              <a:t>Bower</a:t>
+            </a:r>
+            <a:endParaRPr lang="nl-BE" dirty="0"/>
+          </a:p>
+          <a:p>
+            <a:pPr lvl="0"/>
+            <a:r>
+              <a:rPr lang="en-US" dirty="0" err="1" smtClean="0"/>
+              <a:t>AngularJs</a:t>
+            </a:r>
+            <a:endParaRPr lang="en-US" dirty="0"/>
+          </a:p>
+          <a:p>
+            <a:pPr lvl="0"/>
+            <a:r>
+              <a:rPr lang="en-US" dirty="0" smtClean="0"/>
+              <a:t>Twitter Bootstrap</a:t>
+            </a:r>
+            <a:endParaRPr lang="en-US" dirty="0"/>
+          </a:p>
+          <a:p>
+            <a:pPr marL="0" indent="0">
+              <a:buNone/>
+            </a:pPr>
+            <a:endParaRPr lang="nl-BE" dirty="0"/>
+          </a:p>
+        </p:txBody>
+      </p:sp>
+      <p:sp>
+        <p:nvSpPr>
+          <p:cNvPr id="4" name="Slide Number Placeholder 3"/>
+          <p:cNvSpPr>
+            <a:spLocks noGrp="1"/>
+          </p:cNvSpPr>
+          <p:nvPr>
+            <p:ph type="sldNum" sz="quarter" idx="12"/>
+          </p:nvPr>
+        </p:nvSpPr>
+        <p:spPr/>
+        <p:txBody>
+          <a:bodyPr/>
+          <a:lstStyle/>
+          <a:p>
+            <a:pPr>
+              <a:defRPr/>
+            </a:pPr>
+            <a:fld id="{BC2BCED3-7F4A-40F1-85DA-02B4B5A68187}" type="slidenum">
+              <a:rPr lang="nl-NL" smtClean="0"/>
+              <a:pPr>
+                <a:defRPr/>
+              </a:pPr>
+              <a:t>17</a:t>
+            </a:fld>
+            <a:endParaRPr lang="nl-NL"/>
+          </a:p>
+        </p:txBody>
+      </p:sp>
+    </p:spTree>
+    <p:extLst>
+      <p:ext uri="{BB962C8B-B14F-4D97-AF65-F5344CB8AC3E}">
+        <p14:creationId xmlns:p14="http://schemas.microsoft.com/office/powerpoint/2010/main" val="3585294866"/>
+      </p:ext>
+    </p:extLst>
+  </p:cSld>
+  <p:clrMapOvr>
+    <a:masterClrMapping/>
+  </p:clrMapOvr>
+  <p:timing>
+    <p:tnLst>
+      <p:par>
+        <p:cTn xmlns:p14="http://schemas.microsoft.com/office/powerpoint/2010/main" id="1" dur="indefinite" restart="never" nodeType="tmRoot"/>
+      </p:par>
+    </p:tnLst>
+  </p:timing>
+</p:sld>
+</file>
+
+<file path=ppt/slides/slide18.xml><?xml version="1.0" encoding="utf-8"?>
+<p:sld xmlns:a="http://schemas.openxmlformats.org/drawingml/2006/main" xmlns:r="http://schemas.openxmlformats.org/officeDocument/2006/relationships" xmlns:p="http://schemas.openxmlformats.org/presentationml/2006/main">
+  <p:cSld>
+    <p:spTree>
+      <p:nvGrpSpPr>
+        <p:cNvPr id="1" name=""/>
+        <p:cNvGrpSpPr/>
+        <p:nvPr/>
+      </p:nvGrpSpPr>
+      <p:grpSpPr>
+        <a:xfrm>
+          <a:off x="0" y="0"/>
+          <a:ext cx="0" cy="0"/>
+          <a:chOff x="0" y="0"/>
+          <a:chExt cx="0" cy="0"/>
+        </a:xfrm>
+      </p:grpSpPr>
+      <p:sp>
+        <p:nvSpPr>
+          <p:cNvPr id="2" name="Titel 1"/>
+          <p:cNvSpPr>
+            <a:spLocks noGrp="1"/>
+          </p:cNvSpPr>
+          <p:nvPr>
+            <p:ph type="title"/>
+          </p:nvPr>
+        </p:nvSpPr>
+        <p:spPr/>
+        <p:txBody>
+          <a:bodyPr/>
+          <a:lstStyle/>
+          <a:p>
+            <a:r>
+              <a:rPr lang="en-GB" dirty="0" smtClean="0"/>
+              <a:t>Bower</a:t>
+            </a:r>
+            <a:endParaRPr lang="nl-NL" dirty="0"/>
+          </a:p>
+        </p:txBody>
+      </p:sp>
+      <p:sp>
+        <p:nvSpPr>
+          <p:cNvPr id="3" name="Tijdelijke aanduiding voor inhoud 2"/>
+          <p:cNvSpPr>
+            <a:spLocks noGrp="1"/>
+          </p:cNvSpPr>
+          <p:nvPr>
+            <p:ph idx="1"/>
+          </p:nvPr>
+        </p:nvSpPr>
+        <p:spPr>
+          <a:xfrm>
+            <a:off x="3016332" y="1600201"/>
+            <a:ext cx="8566068" cy="4525963"/>
+          </a:xfrm>
+        </p:spPr>
+        <p:txBody>
+          <a:bodyPr/>
+          <a:lstStyle/>
+          <a:p>
+            <a:pPr marL="0" indent="0">
+              <a:buNone/>
+            </a:pPr>
+            <a:r>
+              <a:rPr lang="en-GB" dirty="0" err="1" smtClean="0"/>
+              <a:t>Korte</a:t>
+            </a:r>
+            <a:r>
+              <a:rPr lang="en-GB" dirty="0" smtClean="0"/>
+              <a:t> bower </a:t>
+            </a:r>
+            <a:r>
+              <a:rPr lang="en-GB" dirty="0" err="1" smtClean="0"/>
+              <a:t>uitleg</a:t>
+            </a:r>
+            <a:r>
+              <a:rPr lang="en-GB" dirty="0" smtClean="0"/>
+              <a:t>.. </a:t>
+            </a:r>
+            <a:r>
+              <a:rPr lang="en-GB" dirty="0" err="1" smtClean="0"/>
+              <a:t>todo</a:t>
+            </a:r>
+            <a:endParaRPr lang="en-GB" dirty="0"/>
+          </a:p>
+          <a:p>
+            <a:pPr marL="0" indent="0">
+              <a:buNone/>
+            </a:pPr>
+            <a:endParaRPr lang="nl-NL" dirty="0"/>
+          </a:p>
+        </p:txBody>
+      </p:sp>
+      <p:sp>
+        <p:nvSpPr>
+          <p:cNvPr id="4" name="Tijdelijke aanduiding voor dianummer 3"/>
+          <p:cNvSpPr>
+            <a:spLocks noGrp="1"/>
+          </p:cNvSpPr>
+          <p:nvPr>
+            <p:ph type="sldNum" sz="quarter" idx="12"/>
+          </p:nvPr>
+        </p:nvSpPr>
+        <p:spPr/>
+        <p:txBody>
+          <a:bodyPr/>
+          <a:lstStyle/>
+          <a:p>
+            <a:pPr>
+              <a:defRPr/>
+            </a:pPr>
+            <a:fld id="{BC2BCED3-7F4A-40F1-85DA-02B4B5A68187}" type="slidenum">
+              <a:rPr lang="nl-NL" smtClean="0"/>
+              <a:pPr>
+                <a:defRPr/>
+              </a:pPr>
+              <a:t>18</a:t>
+            </a:fld>
+            <a:endParaRPr lang="nl-NL"/>
+          </a:p>
+        </p:txBody>
+      </p:sp>
+      <p:pic>
+        <p:nvPicPr>
+          <p:cNvPr id="6" name="Afbeelding 5"/>
+          <p:cNvPicPr>
+            <a:picLocks noChangeAspect="1"/>
+          </p:cNvPicPr>
+          <p:nvPr/>
+        </p:nvPicPr>
+        <p:blipFill>
+          <a:blip r:embed="rId2">
+            <a:extLst>
+              <a:ext uri="{28A0092B-C50C-407E-A947-70E740481C1C}">
+                <a14:useLocalDpi xmlns:a14="http://schemas.microsoft.com/office/drawing/2010/main" val="0"/>
+              </a:ext>
+            </a:extLst>
+          </a:blip>
+          <a:stretch>
+            <a:fillRect/>
+          </a:stretch>
+        </p:blipFill>
+        <p:spPr>
+          <a:xfrm>
+            <a:off x="828613" y="2596357"/>
+            <a:ext cx="1438275" cy="1266825"/>
+          </a:xfrm>
+          <a:prstGeom prst="rect">
+            <a:avLst/>
+          </a:prstGeom>
+        </p:spPr>
+      </p:pic>
+    </p:spTree>
+    <p:extLst>
+      <p:ext uri="{BB962C8B-B14F-4D97-AF65-F5344CB8AC3E}">
+        <p14:creationId xmlns:p14="http://schemas.microsoft.com/office/powerpoint/2010/main" val="2342826321"/>
+      </p:ext>
+    </p:extLst>
+  </p:cSld>
+  <p:clrMapOvr>
+    <a:masterClrMapping/>
+  </p:clrMapOvr>
+</p:sld>
+</file>
+
+<file path=ppt/slides/slide19.xml><?xml version="1.0" encoding="utf-8"?>
+<p:sld xmlns:a="http://schemas.openxmlformats.org/drawingml/2006/main" xmlns:r="http://schemas.openxmlformats.org/officeDocument/2006/relationships" xmlns:p="http://schemas.openxmlformats.org/presentationml/2006/main">
+  <p:cSld>
+    <p:spTree>
+      <p:nvGrpSpPr>
+        <p:cNvPr id="1" name=""/>
+        <p:cNvGrpSpPr/>
+        <p:nvPr/>
+      </p:nvGrpSpPr>
+      <p:grpSpPr>
+        <a:xfrm>
+          <a:off x="0" y="0"/>
+          <a:ext cx="0" cy="0"/>
+          <a:chOff x="0" y="0"/>
+          <a:chExt cx="0" cy="0"/>
+        </a:xfrm>
+      </p:grpSpPr>
+      <p:sp>
+        <p:nvSpPr>
+          <p:cNvPr id="2" name="Titel 1"/>
+          <p:cNvSpPr>
+            <a:spLocks noGrp="1"/>
+          </p:cNvSpPr>
+          <p:nvPr>
+            <p:ph type="title"/>
+          </p:nvPr>
+        </p:nvSpPr>
+        <p:spPr/>
+        <p:txBody>
+          <a:bodyPr/>
+          <a:lstStyle/>
+          <a:p>
+            <a:r>
+              <a:rPr lang="en-GB" dirty="0" err="1" smtClean="0"/>
+              <a:t>AngularJs</a:t>
+            </a:r>
+            <a:endParaRPr lang="nl-NL" dirty="0"/>
+          </a:p>
+        </p:txBody>
+      </p:sp>
+      <p:sp>
+        <p:nvSpPr>
+          <p:cNvPr id="3" name="Tijdelijke aanduiding voor inhoud 2"/>
+          <p:cNvSpPr>
+            <a:spLocks noGrp="1"/>
+          </p:cNvSpPr>
+          <p:nvPr>
+            <p:ph idx="1"/>
+          </p:nvPr>
+        </p:nvSpPr>
+        <p:spPr>
+          <a:xfrm>
+            <a:off x="3040082" y="1600201"/>
+            <a:ext cx="8542317" cy="4525963"/>
+          </a:xfrm>
+        </p:spPr>
+        <p:txBody>
+          <a:bodyPr/>
+          <a:lstStyle/>
+          <a:p>
+            <a:pPr marL="0" indent="0">
+              <a:buNone/>
+            </a:pPr>
+            <a:r>
+              <a:rPr lang="en-GB" dirty="0" err="1" smtClean="0"/>
+              <a:t>Korte</a:t>
+            </a:r>
+            <a:r>
+              <a:rPr lang="en-GB" dirty="0" smtClean="0"/>
+              <a:t> </a:t>
+            </a:r>
+            <a:r>
+              <a:rPr lang="en-GB" dirty="0" err="1" smtClean="0"/>
+              <a:t>uitleg</a:t>
+            </a:r>
+            <a:r>
+              <a:rPr lang="en-GB" dirty="0" smtClean="0"/>
+              <a:t> AngularJS.. </a:t>
+            </a:r>
+            <a:r>
+              <a:rPr lang="en-GB" dirty="0" err="1" smtClean="0"/>
+              <a:t>todo</a:t>
+            </a:r>
+            <a:endParaRPr lang="nl-NL" dirty="0"/>
+          </a:p>
+        </p:txBody>
+      </p:sp>
+      <p:sp>
+        <p:nvSpPr>
+          <p:cNvPr id="4" name="Tijdelijke aanduiding voor dianummer 3"/>
+          <p:cNvSpPr>
+            <a:spLocks noGrp="1"/>
+          </p:cNvSpPr>
+          <p:nvPr>
+            <p:ph type="sldNum" sz="quarter" idx="12"/>
+          </p:nvPr>
+        </p:nvSpPr>
+        <p:spPr/>
+        <p:txBody>
+          <a:bodyPr/>
+          <a:lstStyle/>
+          <a:p>
+            <a:pPr>
+              <a:defRPr/>
+            </a:pPr>
+            <a:fld id="{BC2BCED3-7F4A-40F1-85DA-02B4B5A68187}" type="slidenum">
+              <a:rPr lang="nl-NL" smtClean="0"/>
+              <a:pPr>
+                <a:defRPr/>
+              </a:pPr>
+              <a:t>19</a:t>
             </a:fld>
             <a:endParaRPr lang="nl-NL"/>
           </a:p>
@@ -6189,7 +6979,7 @@
 </p:sld>
 </file>
 
-<file path=ppt/slides/slide15.xml><?xml version="1.0" encoding="utf-8"?>
+<file path=ppt/slides/slide2.xml><?xml version="1.0" encoding="utf-8"?>
 <p:sld xmlns:a="http://schemas.openxmlformats.org/drawingml/2006/main" xmlns:r="http://schemas.openxmlformats.org/officeDocument/2006/relationships" xmlns:p="http://schemas.openxmlformats.org/presentationml/2006/main">
   <p:cSld>
     <p:spTree>
@@ -6208,6 +6998,240 @@
       </p:grpSpPr>
       <p:sp>
         <p:nvSpPr>
+          <p:cNvPr id="5" name="Rectangle 4"/>
+          <p:cNvSpPr/>
+          <p:nvPr/>
+        </p:nvSpPr>
+        <p:spPr>
+          <a:xfrm>
+            <a:off x="4059220" y="1817235"/>
+            <a:ext cx="6096000" cy="4031873"/>
+          </a:xfrm>
+          <a:prstGeom prst="rect">
+            <a:avLst/>
+          </a:prstGeom>
+          <a:noFill/>
+          <a:ln>
+            <a:noFill/>
+          </a:ln>
+          <a:extLst>
+            <a:ext uri="{909E8E84-426E-40dd-AFC4-6F175D3DCCD1}">
+              <a14:hiddenFill xmlns:a14="http://schemas.microsoft.com/office/drawing/2010/main">
+                <a:solidFill>
+                  <a:srgbClr val="FFFFFF"/>
+                </a:solidFill>
+              </a14:hiddenFill>
+            </a:ext>
+            <a:ext uri="{91240B29-F687-4f45-9708-019B960494DF}">
+              <a14:hiddenLine xmlns:a14="http://schemas.microsoft.com/office/drawing/2010/main" w="9525">
+                <a:solidFill>
+                  <a:srgbClr val="000000"/>
+                </a:solidFill>
+                <a:miter lim="800000"/>
+                <a:headEnd/>
+                <a:tailEnd/>
+              </a14:hiddenLine>
+            </a:ext>
+          </a:extLst>
+        </p:spPr>
+        <p:txBody>
+          <a:bodyPr vert="horz" wrap="square" lIns="91440" tIns="45720" rIns="91440" bIns="45720" numCol="1" anchor="t" anchorCtr="0" compatLnSpc="1">
+            <a:prstTxWarp prst="textNoShape">
+              <a:avLst/>
+            </a:prstTxWarp>
+            <a:normAutofit lnSpcReduction="10000"/>
+          </a:bodyPr>
+          <a:lstStyle/>
+          <a:p>
+            <a:pPr marL="457200" indent="-457200" defTabSz="457200" eaLnBrk="0" fontAlgn="base" hangingPunct="0">
+              <a:spcBef>
+                <a:spcPct val="20000"/>
+              </a:spcBef>
+              <a:spcAft>
+                <a:spcPct val="0"/>
+              </a:spcAft>
+              <a:buFont typeface="Arial" panose="020B0604020202020204" pitchFamily="34" charset="0"/>
+              <a:buChar char="•"/>
+            </a:pPr>
+            <a:r>
+              <a:rPr lang="nl-BE" sz="3200" dirty="0" smtClean="0"/>
+              <a:t>Webapplicatie</a:t>
+            </a:r>
+          </a:p>
+          <a:p>
+            <a:pPr marL="457200" indent="-457200" defTabSz="457200" eaLnBrk="0" fontAlgn="base" hangingPunct="0">
+              <a:spcBef>
+                <a:spcPct val="20000"/>
+              </a:spcBef>
+              <a:spcAft>
+                <a:spcPct val="0"/>
+              </a:spcAft>
+              <a:buFont typeface="Arial" panose="020B0604020202020204" pitchFamily="34" charset="0"/>
+              <a:buChar char="•"/>
+            </a:pPr>
+            <a:r>
+              <a:rPr lang="nl-BE" sz="3200" dirty="0" smtClean="0"/>
+              <a:t>Ideeën pitchen</a:t>
+            </a:r>
+          </a:p>
+          <a:p>
+            <a:pPr marL="457200" indent="-457200" defTabSz="457200" eaLnBrk="0" fontAlgn="base" hangingPunct="0">
+              <a:spcBef>
+                <a:spcPct val="20000"/>
+              </a:spcBef>
+              <a:spcAft>
+                <a:spcPct val="0"/>
+              </a:spcAft>
+              <a:buFont typeface="Arial" panose="020B0604020202020204" pitchFamily="34" charset="0"/>
+              <a:buChar char="•"/>
+            </a:pPr>
+            <a:r>
+              <a:rPr lang="nl-BE" sz="3200" dirty="0" smtClean="0"/>
+              <a:t>Kickstarter</a:t>
+            </a:r>
+          </a:p>
+          <a:p>
+            <a:pPr marL="457200" indent="-457200" defTabSz="457200" eaLnBrk="0" fontAlgn="base" hangingPunct="0">
+              <a:spcBef>
+                <a:spcPct val="20000"/>
+              </a:spcBef>
+              <a:spcAft>
+                <a:spcPct val="0"/>
+              </a:spcAft>
+              <a:buFont typeface="Arial" panose="020B0604020202020204" pitchFamily="34" charset="0"/>
+              <a:buChar char="•"/>
+            </a:pPr>
+            <a:r>
+              <a:rPr lang="nl-BE" sz="3200" dirty="0" smtClean="0"/>
+              <a:t>‘</a:t>
+            </a:r>
+            <a:r>
+              <a:rPr lang="nl-BE" sz="3200" i="1" dirty="0" smtClean="0"/>
+              <a:t>Liken</a:t>
+            </a:r>
+            <a:r>
+              <a:rPr lang="nl-BE" sz="3200" dirty="0" smtClean="0"/>
+              <a:t>’/leuk vinden</a:t>
+            </a:r>
+          </a:p>
+          <a:p>
+            <a:pPr marL="457200" indent="-457200" defTabSz="457200" eaLnBrk="0" fontAlgn="base" hangingPunct="0">
+              <a:spcBef>
+                <a:spcPct val="20000"/>
+              </a:spcBef>
+              <a:spcAft>
+                <a:spcPct val="0"/>
+              </a:spcAft>
+              <a:buFont typeface="Arial" panose="020B0604020202020204" pitchFamily="34" charset="0"/>
+              <a:buChar char="•"/>
+            </a:pPr>
+            <a:r>
+              <a:rPr lang="nl-BE" sz="3200" dirty="0" smtClean="0"/>
+              <a:t>Inschrijven/steunen</a:t>
+            </a:r>
+          </a:p>
+          <a:p>
+            <a:pPr marL="457200" indent="-457200" defTabSz="457200" eaLnBrk="0" fontAlgn="base" hangingPunct="0">
+              <a:spcBef>
+                <a:spcPct val="20000"/>
+              </a:spcBef>
+              <a:spcAft>
+                <a:spcPct val="0"/>
+              </a:spcAft>
+              <a:buFont typeface="Arial" panose="020B0604020202020204" pitchFamily="34" charset="0"/>
+              <a:buChar char="•"/>
+            </a:pPr>
+            <a:r>
+              <a:rPr lang="nl-BE" sz="3200" dirty="0" smtClean="0"/>
+              <a:t>Commentaar</a:t>
+            </a:r>
+          </a:p>
+          <a:p>
+            <a:pPr marL="457200" indent="-457200" defTabSz="457200" eaLnBrk="0" fontAlgn="base" hangingPunct="0">
+              <a:spcBef>
+                <a:spcPct val="20000"/>
+              </a:spcBef>
+              <a:spcAft>
+                <a:spcPct val="0"/>
+              </a:spcAft>
+              <a:buFont typeface="Arial" panose="020B0604020202020204" pitchFamily="34" charset="0"/>
+              <a:buChar char="•"/>
+            </a:pPr>
+            <a:r>
+              <a:rPr lang="nl-BE" sz="3200" dirty="0" smtClean="0"/>
+              <a:t>Opvolging </a:t>
+            </a:r>
+            <a:endParaRPr lang="nl-BE" sz="3200" dirty="0"/>
+          </a:p>
+        </p:txBody>
+      </p:sp>
+      <p:sp>
+        <p:nvSpPr>
+          <p:cNvPr id="6" name="Title 1"/>
+          <p:cNvSpPr>
+            <a:spLocks noGrp="1"/>
+          </p:cNvSpPr>
+          <p:nvPr>
+            <p:ph type="title"/>
+          </p:nvPr>
+        </p:nvSpPr>
+        <p:spPr>
+          <a:xfrm>
+            <a:off x="1785770" y="443418"/>
+            <a:ext cx="8229600" cy="1143000"/>
+          </a:xfrm>
+        </p:spPr>
+        <p:txBody>
+          <a:bodyPr/>
+          <a:lstStyle/>
+          <a:p>
+            <a:r>
+              <a:rPr lang="nl-BE" b="1" dirty="0" smtClean="0"/>
+              <a:t>I-Talent-Platform</a:t>
+            </a:r>
+            <a:endParaRPr lang="nl-BE" dirty="0"/>
+          </a:p>
+        </p:txBody>
+      </p:sp>
+    </p:spTree>
+    <p:extLst>
+      <p:ext uri="{BB962C8B-B14F-4D97-AF65-F5344CB8AC3E}">
+        <p14:creationId xmlns:p14="http://schemas.microsoft.com/office/powerpoint/2010/main" val="32327070"/>
+      </p:ext>
+    </p:extLst>
+  </p:cSld>
+  <p:clrMapOvr>
+    <a:masterClrMapping/>
+  </p:clrMapOvr>
+  <p:timing>
+    <p:tnLst>
+      <p:par>
+        <p:cTn xmlns:p14="http://schemas.microsoft.com/office/powerpoint/2010/main" id="1" dur="indefinite" restart="never" nodeType="tmRoot"/>
+      </p:par>
+    </p:tnLst>
+  </p:timing>
+</p:sld>
+</file>
+
+<file path=ppt/slides/slide20.xml><?xml version="1.0" encoding="utf-8"?>
+<p:sld xmlns:a="http://schemas.openxmlformats.org/drawingml/2006/main" xmlns:r="http://schemas.openxmlformats.org/officeDocument/2006/relationships" xmlns:p="http://schemas.openxmlformats.org/presentationml/2006/main">
+  <p:cSld>
+    <p:spTree>
+      <p:nvGrpSpPr>
+        <p:cNvPr id="1" name=""/>
+        <p:cNvGrpSpPr/>
+        <p:nvPr/>
+      </p:nvGrpSpPr>
+      <p:grpSpPr>
+        <a:xfrm>
+          <a:off x="0" y="0"/>
+          <a:ext cx="0" cy="0"/>
+          <a:chOff x="0" y="0"/>
+          <a:chExt cx="0" cy="0"/>
+        </a:xfrm>
+      </p:grpSpPr>
+      <p:sp>
+        <p:nvSpPr>
           <p:cNvPr id="2" name="Titel 1"/>
           <p:cNvSpPr>
             <a:spLocks noGrp="1"/>
@@ -6299,7 +7323,7 @@
               <a:pPr>
                 <a:defRPr/>
               </a:pPr>
-              <a:t>15</a:t>
+              <a:t>20</a:t>
             </a:fld>
             <a:endParaRPr lang="nl-NL"/>
           </a:p>
@@ -6348,7 +7372,7 @@
 </p:sld>
 </file>
 
-<file path=ppt/slides/slide16.xml><?xml version="1.0" encoding="utf-8"?>
+<file path=ppt/slides/slide21.xml><?xml version="1.0" encoding="utf-8"?>
 <p:sld xmlns:a="http://schemas.openxmlformats.org/drawingml/2006/main" xmlns:r="http://schemas.openxmlformats.org/officeDocument/2006/relationships" xmlns:p="http://schemas.openxmlformats.org/presentationml/2006/main">
   <p:cSld>
     <p:spTree>
@@ -6382,7 +7406,7 @@
           <a:p>
             <a:r>
               <a:rPr lang="nl-BE" dirty="0" smtClean="0"/>
-              <a:t>I-Talent-Platform</a:t>
+              <a:t>AngularJS en security</a:t>
             </a:r>
             <a:endParaRPr lang="nl-BE" dirty="0"/>
           </a:p>
@@ -6400,22 +7424,20 @@
         </p:nvSpPr>
         <p:spPr>
           <a:xfrm>
-            <a:off x="4251367" y="1417638"/>
-            <a:ext cx="5522026" cy="525482"/>
+            <a:off x="4263242" y="1600201"/>
+            <a:ext cx="7319158" cy="4525963"/>
           </a:xfrm>
         </p:spPr>
         <p:txBody>
           <a:bodyPr/>
           <a:lstStyle/>
           <a:p>
-            <a:pPr marL="0" lvl="0" indent="0">
-              <a:buNone/>
-            </a:pPr>
-            <a:r>
-              <a:rPr lang="en-US" b="1" dirty="0" smtClean="0"/>
-              <a:t>First results:</a:t>
-            </a:r>
-            <a:endParaRPr lang="en-US" b="1" dirty="0"/>
+            <a:pPr lvl="0"/>
+            <a:r>
+              <a:rPr lang="nl-BE" dirty="0" smtClean="0"/>
+              <a:t>Kort woordje</a:t>
+            </a:r>
+            <a:endParaRPr lang="nl-BE" dirty="0"/>
           </a:p>
           <a:p>
             <a:pPr marL="0" indent="0">
@@ -6448,7 +7470,133 @@
               <a:pPr>
                 <a:defRPr/>
               </a:pPr>
-              <a:t>16</a:t>
+              <a:t>21</a:t>
+            </a:fld>
+            <a:endParaRPr lang="nl-NL"/>
+          </a:p>
+        </p:txBody>
+      </p:sp>
+    </p:spTree>
+    <p:extLst>
+      <p:ext uri="{BB962C8B-B14F-4D97-AF65-F5344CB8AC3E}">
+        <p14:creationId xmlns:p14="http://schemas.microsoft.com/office/powerpoint/2010/main" val="11309733"/>
+      </p:ext>
+    </p:extLst>
+  </p:cSld>
+  <p:clrMapOvr>
+    <a:masterClrMapping/>
+  </p:clrMapOvr>
+  <p:timing>
+    <p:tnLst>
+      <p:par>
+        <p:cTn xmlns:p14="http://schemas.microsoft.com/office/powerpoint/2010/main" id="1" dur="indefinite" restart="never" nodeType="tmRoot"/>
+      </p:par>
+    </p:tnLst>
+  </p:timing>
+</p:sld>
+</file>
+
+<file path=ppt/slides/slide22.xml><?xml version="1.0" encoding="utf-8"?>
+<p:sld xmlns:a="http://schemas.openxmlformats.org/drawingml/2006/main" xmlns:r="http://schemas.openxmlformats.org/officeDocument/2006/relationships" xmlns:p="http://schemas.openxmlformats.org/presentationml/2006/main">
+  <p:cSld>
+    <p:spTree>
+      <p:nvGrpSpPr>
+        <p:cNvPr id="1" name=""/>
+        <p:cNvGrpSpPr/>
+        <p:nvPr/>
+      </p:nvGrpSpPr>
+      <p:grpSpPr>
+        <a:xfrm>
+          <a:off x="0" y="0"/>
+          <a:ext cx="0" cy="0"/>
+          <a:chOff x="0" y="0"/>
+          <a:chExt cx="0" cy="0"/>
+        </a:xfrm>
+      </p:grpSpPr>
+      <p:sp>
+        <p:nvSpPr>
+          <p:cNvPr id="2" name="Title 1"/>
+          <p:cNvSpPr>
+            <a:spLocks noGrp="1"/>
+          </p:cNvSpPr>
+          <p:nvPr>
+            <p:ph type="title"/>
+          </p:nvPr>
+        </p:nvSpPr>
+        <p:spPr/>
+        <p:txBody>
+          <a:bodyPr/>
+          <a:lstStyle/>
+          <a:p>
+            <a:r>
+              <a:rPr lang="nl-BE" dirty="0" smtClean="0"/>
+              <a:t>I-Talent-Platform</a:t>
+            </a:r>
+            <a:endParaRPr lang="nl-BE" dirty="0"/>
+          </a:p>
+        </p:txBody>
+      </p:sp>
+      <p:sp>
+        <p:nvSpPr>
+          <p:cNvPr id="3" name="Content Placeholder 2"/>
+          <p:cNvSpPr>
+            <a:spLocks noGrp="1"/>
+          </p:cNvSpPr>
+          <p:nvPr>
+            <p:ph idx="1"/>
+          </p:nvPr>
+        </p:nvSpPr>
+        <p:spPr>
+          <a:xfrm>
+            <a:off x="4251367" y="1417638"/>
+            <a:ext cx="5522026" cy="525482"/>
+          </a:xfrm>
+        </p:spPr>
+        <p:txBody>
+          <a:bodyPr/>
+          <a:lstStyle/>
+          <a:p>
+            <a:pPr marL="0" lvl="0" indent="0">
+              <a:buNone/>
+            </a:pPr>
+            <a:r>
+              <a:rPr lang="en-US" b="1" dirty="0" smtClean="0"/>
+              <a:t>First results:</a:t>
+            </a:r>
+            <a:endParaRPr lang="en-US" b="1" dirty="0"/>
+          </a:p>
+          <a:p>
+            <a:pPr marL="0" indent="0">
+              <a:buNone/>
+            </a:pPr>
+            <a:endParaRPr lang="nl-BE" dirty="0"/>
+          </a:p>
+        </p:txBody>
+      </p:sp>
+      <p:sp>
+        <p:nvSpPr>
+          <p:cNvPr id="4" name="Slide Number Placeholder 3"/>
+          <p:cNvSpPr>
+            <a:spLocks noGrp="1"/>
+          </p:cNvSpPr>
+          <p:nvPr>
+            <p:ph type="sldNum" sz="quarter" idx="12"/>
+          </p:nvPr>
+        </p:nvSpPr>
+        <p:spPr/>
+        <p:txBody>
+          <a:bodyPr/>
+          <a:lstStyle/>
+          <a:p>
+            <a:pPr>
+              <a:defRPr/>
+            </a:pPr>
+            <a:fld id="{BC2BCED3-7F4A-40F1-85DA-02B4B5A68187}" type="slidenum">
+              <a:rPr lang="nl-NL" smtClean="0"/>
+              <a:pPr>
+                <a:defRPr/>
+              </a:pPr>
+              <a:t>22</a:t>
             </a:fld>
             <a:endParaRPr lang="nl-NL"/>
           </a:p>
@@ -6497,14 +7645,14 @@
   <p:timing>
     <p:tnLst>
       <p:par>
-        <p:cTn id="1" dur="indefinite" restart="never" nodeType="tmRoot"/>
+        <p:cTn xmlns:p14="http://schemas.microsoft.com/office/powerpoint/2010/main" id="1" dur="indefinite" restart="never" nodeType="tmRoot"/>
       </p:par>
     </p:tnLst>
   </p:timing>
 </p:sld>
 </file>
 
-<file path=ppt/slides/slide17.xml><?xml version="1.0" encoding="utf-8"?>
+<file path=ppt/slides/slide23.xml><?xml version="1.0" encoding="utf-8"?>
 <p:sld xmlns:a="http://schemas.openxmlformats.org/drawingml/2006/main" xmlns:r="http://schemas.openxmlformats.org/officeDocument/2006/relationships" xmlns:p="http://schemas.openxmlformats.org/presentationml/2006/main">
   <p:cSld>
     <p:spTree>
@@ -6607,7 +7755,7 @@
               <a:pPr>
                 <a:defRPr/>
               </a:pPr>
-              <a:t>17</a:t>
+              <a:t>23</a:t>
             </a:fld>
             <a:endParaRPr lang="nl-NL"/>
           </a:p>
@@ -6644,7 +7792,7 @@
           </a:prstGeom>
           <a:noFill/>
           <a:extLst>
-            <a:ext uri="{909E8E84-426E-40DD-AFC4-6F175D3DCCD1}">
+            <a:ext uri="{909E8E84-426E-40dd-AFC4-6F175D3DCCD1}">
               <a14:hiddenFill xmlns:a14="http://schemas.microsoft.com/office/drawing/2010/main">
                 <a:solidFill>
                   <a:srgbClr val="FFFFFF"/>
@@ -6667,14 +7815,14 @@
   <p:timing>
     <p:tnLst>
       <p:par>
-        <p:cTn id="1" dur="indefinite" restart="never" nodeType="tmRoot"/>
+        <p:cTn xmlns:p14="http://schemas.microsoft.com/office/powerpoint/2010/main" id="1" dur="indefinite" restart="never" nodeType="tmRoot"/>
       </p:par>
     </p:tnLst>
   </p:timing>
 </p:sld>
 </file>
 
-<file path=ppt/slides/slide18.xml><?xml version="1.0" encoding="utf-8"?>
+<file path=ppt/slides/slide24.xml><?xml version="1.0" encoding="utf-8"?>
 <p:sld xmlns:a="http://schemas.openxmlformats.org/drawingml/2006/main" xmlns:r="http://schemas.openxmlformats.org/officeDocument/2006/relationships" xmlns:p="http://schemas.openxmlformats.org/presentationml/2006/main">
   <p:cSld>
     <p:spTree>
@@ -6759,7 +7907,7 @@
               <a:pPr>
                 <a:defRPr/>
               </a:pPr>
-              <a:t>18</a:t>
+              <a:t>24</a:t>
             </a:fld>
             <a:endParaRPr lang="nl-NL"/>
           </a:p>
@@ -6796,7 +7944,7 @@
           </a:prstGeom>
           <a:noFill/>
           <a:extLst>
-            <a:ext uri="{909E8E84-426E-40DD-AFC4-6F175D3DCCD1}">
+            <a:ext uri="{909E8E84-426E-40dd-AFC4-6F175D3DCCD1}">
               <a14:hiddenFill xmlns:a14="http://schemas.microsoft.com/office/drawing/2010/main">
                 <a:solidFill>
                   <a:srgbClr val="FFFFFF"/>
@@ -6819,14 +7967,14 @@
   <p:timing>
     <p:tnLst>
       <p:par>
-        <p:cTn id="1" dur="indefinite" restart="never" nodeType="tmRoot"/>
+        <p:cTn xmlns:p14="http://schemas.microsoft.com/office/powerpoint/2010/main" id="1" dur="indefinite" restart="never" nodeType="tmRoot"/>
       </p:par>
     </p:tnLst>
   </p:timing>
 </p:sld>
 </file>
 
-<file path=ppt/slides/slide19.xml><?xml version="1.0" encoding="utf-8"?>
+<file path=ppt/slides/slide25.xml><?xml version="1.0" encoding="utf-8"?>
 <p:sld xmlns:a="http://schemas.openxmlformats.org/drawingml/2006/main" xmlns:r="http://schemas.openxmlformats.org/officeDocument/2006/relationships" xmlns:p="http://schemas.openxmlformats.org/presentationml/2006/main">
   <p:cSld>
     <p:spTree>
@@ -6908,7 +8056,7 @@
               <a:pPr>
                 <a:defRPr/>
               </a:pPr>
-              <a:t>19</a:t>
+              <a:t>25</a:t>
             </a:fld>
             <a:endParaRPr lang="nl-NL"/>
           </a:p>
@@ -6960,14 +8108,14 @@
   <p:timing>
     <p:tnLst>
       <p:par>
-        <p:cTn id="1" dur="indefinite" restart="never" nodeType="tmRoot"/>
+        <p:cTn xmlns:p14="http://schemas.microsoft.com/office/powerpoint/2010/main" id="1" dur="indefinite" restart="never" nodeType="tmRoot"/>
       </p:par>
     </p:tnLst>
   </p:timing>
 </p:sld>
 </file>
 
-<file path=ppt/slides/slide2.xml><?xml version="1.0" encoding="utf-8"?>
+<file path=ppt/slides/slide26.xml><?xml version="1.0" encoding="utf-8"?>
 <p:sld xmlns:a="http://schemas.openxmlformats.org/drawingml/2006/main" xmlns:r="http://schemas.openxmlformats.org/officeDocument/2006/relationships" xmlns:p="http://schemas.openxmlformats.org/presentationml/2006/main">
   <p:cSld>
     <p:spTree>
@@ -6986,240 +8134,6 @@
       </p:grpSpPr>
       <p:sp>
         <p:nvSpPr>
-          <p:cNvPr id="5" name="Rectangle 4"/>
-          <p:cNvSpPr/>
-          <p:nvPr/>
-        </p:nvSpPr>
-        <p:spPr>
-          <a:xfrm>
-            <a:off x="4059220" y="1817235"/>
-            <a:ext cx="6096000" cy="4031873"/>
-          </a:xfrm>
-          <a:prstGeom prst="rect">
-            <a:avLst/>
-          </a:prstGeom>
-          <a:noFill/>
-          <a:ln>
-            <a:noFill/>
-          </a:ln>
-          <a:extLst>
-            <a:ext uri="{909E8E84-426E-40DD-AFC4-6F175D3DCCD1}">
-              <a14:hiddenFill xmlns:a14="http://schemas.microsoft.com/office/drawing/2010/main">
-                <a:solidFill>
-                  <a:srgbClr val="FFFFFF"/>
-                </a:solidFill>
-              </a14:hiddenFill>
-            </a:ext>
-            <a:ext uri="{91240B29-F687-4F45-9708-019B960494DF}">
-              <a14:hiddenLine xmlns:a14="http://schemas.microsoft.com/office/drawing/2010/main" w="9525">
-                <a:solidFill>
-                  <a:srgbClr val="000000"/>
-                </a:solidFill>
-                <a:miter lim="800000"/>
-                <a:headEnd/>
-                <a:tailEnd/>
-              </a14:hiddenLine>
-            </a:ext>
-          </a:extLst>
-        </p:spPr>
-        <p:txBody>
-          <a:bodyPr vert="horz" wrap="square" lIns="91440" tIns="45720" rIns="91440" bIns="45720" numCol="1" anchor="t" anchorCtr="0" compatLnSpc="1">
-            <a:prstTxWarp prst="textNoShape">
-              <a:avLst/>
-            </a:prstTxWarp>
-            <a:normAutofit lnSpcReduction="10000"/>
-          </a:bodyPr>
-          <a:lstStyle/>
-          <a:p>
-            <a:pPr marL="457200" indent="-457200" defTabSz="457200" eaLnBrk="0" fontAlgn="base" hangingPunct="0">
-              <a:spcBef>
-                <a:spcPct val="20000"/>
-              </a:spcBef>
-              <a:spcAft>
-                <a:spcPct val="0"/>
-              </a:spcAft>
-              <a:buFont typeface="Arial" panose="020B0604020202020204" pitchFamily="34" charset="0"/>
-              <a:buChar char="•"/>
-            </a:pPr>
-            <a:r>
-              <a:rPr lang="nl-BE" sz="3200" dirty="0" smtClean="0"/>
-              <a:t>Webapplicatie</a:t>
-            </a:r>
-          </a:p>
-          <a:p>
-            <a:pPr marL="457200" indent="-457200" defTabSz="457200" eaLnBrk="0" fontAlgn="base" hangingPunct="0">
-              <a:spcBef>
-                <a:spcPct val="20000"/>
-              </a:spcBef>
-              <a:spcAft>
-                <a:spcPct val="0"/>
-              </a:spcAft>
-              <a:buFont typeface="Arial" panose="020B0604020202020204" pitchFamily="34" charset="0"/>
-              <a:buChar char="•"/>
-            </a:pPr>
-            <a:r>
-              <a:rPr lang="nl-BE" sz="3200" dirty="0" smtClean="0"/>
-              <a:t>Ideeën pitchen</a:t>
-            </a:r>
-          </a:p>
-          <a:p>
-            <a:pPr marL="457200" indent="-457200" defTabSz="457200" eaLnBrk="0" fontAlgn="base" hangingPunct="0">
-              <a:spcBef>
-                <a:spcPct val="20000"/>
-              </a:spcBef>
-              <a:spcAft>
-                <a:spcPct val="0"/>
-              </a:spcAft>
-              <a:buFont typeface="Arial" panose="020B0604020202020204" pitchFamily="34" charset="0"/>
-              <a:buChar char="•"/>
-            </a:pPr>
-            <a:r>
-              <a:rPr lang="nl-BE" sz="3200" dirty="0" smtClean="0"/>
-              <a:t>Kickstarter</a:t>
-            </a:r>
-          </a:p>
-          <a:p>
-            <a:pPr marL="457200" indent="-457200" defTabSz="457200" eaLnBrk="0" fontAlgn="base" hangingPunct="0">
-              <a:spcBef>
-                <a:spcPct val="20000"/>
-              </a:spcBef>
-              <a:spcAft>
-                <a:spcPct val="0"/>
-              </a:spcAft>
-              <a:buFont typeface="Arial" panose="020B0604020202020204" pitchFamily="34" charset="0"/>
-              <a:buChar char="•"/>
-            </a:pPr>
-            <a:r>
-              <a:rPr lang="nl-BE" sz="3200" dirty="0" smtClean="0"/>
-              <a:t>‘</a:t>
-            </a:r>
-            <a:r>
-              <a:rPr lang="nl-BE" sz="3200" i="1" dirty="0" smtClean="0"/>
-              <a:t>Liken</a:t>
-            </a:r>
-            <a:r>
-              <a:rPr lang="nl-BE" sz="3200" dirty="0" smtClean="0"/>
-              <a:t>’/leuk vinden</a:t>
-            </a:r>
-          </a:p>
-          <a:p>
-            <a:pPr marL="457200" indent="-457200" defTabSz="457200" eaLnBrk="0" fontAlgn="base" hangingPunct="0">
-              <a:spcBef>
-                <a:spcPct val="20000"/>
-              </a:spcBef>
-              <a:spcAft>
-                <a:spcPct val="0"/>
-              </a:spcAft>
-              <a:buFont typeface="Arial" panose="020B0604020202020204" pitchFamily="34" charset="0"/>
-              <a:buChar char="•"/>
-            </a:pPr>
-            <a:r>
-              <a:rPr lang="nl-BE" sz="3200" dirty="0" smtClean="0"/>
-              <a:t>Inschrijven/steunen</a:t>
-            </a:r>
-          </a:p>
-          <a:p>
-            <a:pPr marL="457200" indent="-457200" defTabSz="457200" eaLnBrk="0" fontAlgn="base" hangingPunct="0">
-              <a:spcBef>
-                <a:spcPct val="20000"/>
-              </a:spcBef>
-              <a:spcAft>
-                <a:spcPct val="0"/>
-              </a:spcAft>
-              <a:buFont typeface="Arial" panose="020B0604020202020204" pitchFamily="34" charset="0"/>
-              <a:buChar char="•"/>
-            </a:pPr>
-            <a:r>
-              <a:rPr lang="nl-BE" sz="3200" dirty="0" smtClean="0"/>
-              <a:t>Commentaar</a:t>
-            </a:r>
-          </a:p>
-          <a:p>
-            <a:pPr marL="457200" indent="-457200" defTabSz="457200" eaLnBrk="0" fontAlgn="base" hangingPunct="0">
-              <a:spcBef>
-                <a:spcPct val="20000"/>
-              </a:spcBef>
-              <a:spcAft>
-                <a:spcPct val="0"/>
-              </a:spcAft>
-              <a:buFont typeface="Arial" panose="020B0604020202020204" pitchFamily="34" charset="0"/>
-              <a:buChar char="•"/>
-            </a:pPr>
-            <a:r>
-              <a:rPr lang="nl-BE" sz="3200" dirty="0" smtClean="0"/>
-              <a:t>Opvolging </a:t>
-            </a:r>
-            <a:endParaRPr lang="nl-BE" sz="3200" dirty="0"/>
-          </a:p>
-        </p:txBody>
-      </p:sp>
-      <p:sp>
-        <p:nvSpPr>
-          <p:cNvPr id="6" name="Title 1"/>
-          <p:cNvSpPr>
-            <a:spLocks noGrp="1"/>
-          </p:cNvSpPr>
-          <p:nvPr>
-            <p:ph type="title"/>
-          </p:nvPr>
-        </p:nvSpPr>
-        <p:spPr>
-          <a:xfrm>
-            <a:off x="1785770" y="443418"/>
-            <a:ext cx="8229600" cy="1143000"/>
-          </a:xfrm>
-        </p:spPr>
-        <p:txBody>
-          <a:bodyPr/>
-          <a:lstStyle/>
-          <a:p>
-            <a:r>
-              <a:rPr lang="nl-BE" b="1" dirty="0" smtClean="0"/>
-              <a:t>I-Talent-Platform</a:t>
-            </a:r>
-            <a:endParaRPr lang="nl-BE" dirty="0"/>
-          </a:p>
-        </p:txBody>
-      </p:sp>
-    </p:spTree>
-    <p:extLst>
-      <p:ext uri="{BB962C8B-B14F-4D97-AF65-F5344CB8AC3E}">
-        <p14:creationId xmlns:p14="http://schemas.microsoft.com/office/powerpoint/2010/main" val="32327070"/>
-      </p:ext>
-    </p:extLst>
-  </p:cSld>
-  <p:clrMapOvr>
-    <a:masterClrMapping/>
-  </p:clrMapOvr>
-  <p:timing>
-    <p:tnLst>
-      <p:par>
-        <p:cTn id="1" dur="indefinite" restart="never" nodeType="tmRoot"/>
-      </p:par>
-    </p:tnLst>
-  </p:timing>
-</p:sld>
-</file>
-
-<file path=ppt/slides/slide20.xml><?xml version="1.0" encoding="utf-8"?>
-<p:sld xmlns:a="http://schemas.openxmlformats.org/drawingml/2006/main" xmlns:r="http://schemas.openxmlformats.org/officeDocument/2006/relationships" xmlns:p="http://schemas.openxmlformats.org/presentationml/2006/main">
-  <p:cSld>
-    <p:spTree>
-      <p:nvGrpSpPr>
-        <p:cNvPr id="1" name=""/>
-        <p:cNvGrpSpPr/>
-        <p:nvPr/>
-      </p:nvGrpSpPr>
-      <p:grpSpPr>
-        <a:xfrm>
-          <a:off x="0" y="0"/>
-          <a:ext cx="0" cy="0"/>
-          <a:chOff x="0" y="0"/>
-          <a:chExt cx="0" cy="0"/>
-        </a:xfrm>
-      </p:grpSpPr>
-      <p:sp>
-        <p:nvSpPr>
           <p:cNvPr id="2" name="Title 1"/>
           <p:cNvSpPr>
             <a:spLocks noGrp="1"/>
@@ -7283,7 +8197,7 @@
               <a:pPr>
                 <a:defRPr/>
               </a:pPr>
-              <a:t>20</a:t>
+              <a:t>26</a:t>
             </a:fld>
             <a:endParaRPr lang="nl-NL"/>
           </a:p>
@@ -7320,7 +8234,7 @@
           </a:prstGeom>
           <a:noFill/>
           <a:extLst>
-            <a:ext uri="{909E8E84-426E-40DD-AFC4-6F175D3DCCD1}">
+            <a:ext uri="{909E8E84-426E-40dd-AFC4-6F175D3DCCD1}">
               <a14:hiddenFill xmlns:a14="http://schemas.microsoft.com/office/drawing/2010/main">
                 <a:solidFill>
                   <a:srgbClr val="FFFFFF"/>
@@ -7348,7 +8262,7 @@
           </a:prstGeom>
           <a:noFill/>
           <a:extLst>
-            <a:ext uri="{909E8E84-426E-40DD-AFC4-6F175D3DCCD1}">
+            <a:ext uri="{909E8E84-426E-40dd-AFC4-6F175D3DCCD1}">
               <a14:hiddenFill xmlns:a14="http://schemas.microsoft.com/office/drawing/2010/main">
                 <a:solidFill>
                   <a:srgbClr val="FFFFFF"/>
@@ -7400,7 +8314,7 @@
           </a:prstGeom>
           <a:noFill/>
           <a:extLst>
-            <a:ext uri="{909E8E84-426E-40DD-AFC4-6F175D3DCCD1}">
+            <a:ext uri="{909E8E84-426E-40dd-AFC4-6F175D3DCCD1}">
               <a14:hiddenFill xmlns:a14="http://schemas.microsoft.com/office/drawing/2010/main">
                 <a:solidFill>
                   <a:srgbClr val="FFFFFF"/>
@@ -7423,14 +8337,14 @@
   <p:timing>
     <p:tnLst>
       <p:par>
-        <p:cTn id="1" dur="indefinite" restart="never" nodeType="tmRoot"/>
+        <p:cTn xmlns:p14="http://schemas.microsoft.com/office/powerpoint/2010/main" id="1" dur="indefinite" restart="never" nodeType="tmRoot"/>
       </p:par>
     </p:tnLst>
   </p:timing>
 </p:sld>
 </file>
 
-<file path=ppt/slides/slide21.xml><?xml version="1.0" encoding="utf-8"?>
+<file path=ppt/slides/slide27.xml><?xml version="1.0" encoding="utf-8"?>
 <p:sld xmlns:a="http://schemas.openxmlformats.org/drawingml/2006/main" xmlns:r="http://schemas.openxmlformats.org/officeDocument/2006/relationships" xmlns:p="http://schemas.openxmlformats.org/presentationml/2006/main">
   <p:cSld>
     <p:spTree>
@@ -7559,7 +8473,7 @@
               <a:pPr>
                 <a:defRPr/>
               </a:pPr>
-              <a:t>21</a:t>
+              <a:t>27</a:t>
             </a:fld>
             <a:endParaRPr lang="nl-NL"/>
           </a:p>
@@ -7578,14 +8492,14 @@
   <p:timing>
     <p:tnLst>
       <p:par>
-        <p:cTn id="1" dur="indefinite" restart="never" nodeType="tmRoot"/>
+        <p:cTn xmlns:p14="http://schemas.microsoft.com/office/powerpoint/2010/main" id="1" dur="indefinite" restart="never" nodeType="tmRoot"/>
       </p:par>
     </p:tnLst>
   </p:timing>
 </p:sld>
 </file>
 
-<file path=ppt/slides/slide22.xml><?xml version="1.0" encoding="utf-8"?>
+<file path=ppt/slides/slide28.xml><?xml version="1.0" encoding="utf-8"?>
 <p:sld xmlns:a="http://schemas.openxmlformats.org/drawingml/2006/main" xmlns:r="http://schemas.openxmlformats.org/officeDocument/2006/relationships" xmlns:p="http://schemas.openxmlformats.org/presentationml/2006/main">
   <p:cSld>
     <p:spTree>
@@ -7708,7 +8622,7 @@
               <a:pPr>
                 <a:defRPr/>
               </a:pPr>
-              <a:t>22</a:t>
+              <a:t>28</a:t>
             </a:fld>
             <a:endParaRPr lang="nl-NL"/>
           </a:p>
@@ -7727,14 +8641,14 @@
   <p:timing>
     <p:tnLst>
       <p:par>
-        <p:cTn id="1" dur="indefinite" restart="never" nodeType="tmRoot"/>
+        <p:cTn xmlns:p14="http://schemas.microsoft.com/office/powerpoint/2010/main" id="1" dur="indefinite" restart="never" nodeType="tmRoot"/>
       </p:par>
     </p:tnLst>
   </p:timing>
 </p:sld>
 </file>
 
-<file path=ppt/slides/slide23.xml><?xml version="1.0" encoding="utf-8"?>
+<file path=ppt/slides/slide29.xml><?xml version="1.0" encoding="utf-8"?>
 <p:sld xmlns:a="http://schemas.openxmlformats.org/drawingml/2006/main" xmlns:r="http://schemas.openxmlformats.org/officeDocument/2006/relationships" xmlns:p="http://schemas.openxmlformats.org/presentationml/2006/main">
   <p:cSld>
     <p:spTree>
@@ -7839,7 +8753,7 @@
               <a:pPr>
                 <a:defRPr/>
               </a:pPr>
-              <a:t>23</a:t>
+              <a:t>29</a:t>
             </a:fld>
             <a:endParaRPr lang="nl-NL"/>
           </a:p>
@@ -7858,97 +8772,10 @@
   <p:timing>
     <p:tnLst>
       <p:par>
-        <p:cTn id="1" dur="indefinite" restart="never" nodeType="tmRoot"/>
+        <p:cTn xmlns:p14="http://schemas.microsoft.com/office/powerpoint/2010/main" id="1" dur="indefinite" restart="never" nodeType="tmRoot"/>
       </p:par>
     </p:tnLst>
   </p:timing>
-</p:sld>
-</file>
-
-<file path=ppt/slides/slide24.xml><?xml version="1.0" encoding="utf-8"?>
-<p:sld xmlns:a="http://schemas.openxmlformats.org/drawingml/2006/main" xmlns:r="http://schemas.openxmlformats.org/officeDocument/2006/relationships" xmlns:p="http://schemas.openxmlformats.org/presentationml/2006/main">
-  <p:cSld>
-    <p:spTree>
-      <p:nvGrpSpPr>
-        <p:cNvPr id="1" name=""/>
-        <p:cNvGrpSpPr/>
-        <p:nvPr/>
-      </p:nvGrpSpPr>
-      <p:grpSpPr>
-        <a:xfrm>
-          <a:off x="0" y="0"/>
-          <a:ext cx="0" cy="0"/>
-          <a:chOff x="0" y="0"/>
-          <a:chExt cx="0" cy="0"/>
-        </a:xfrm>
-      </p:grpSpPr>
-      <p:sp>
-        <p:nvSpPr>
-          <p:cNvPr id="2" name="Title 1"/>
-          <p:cNvSpPr>
-            <a:spLocks noGrp="1"/>
-          </p:cNvSpPr>
-          <p:nvPr>
-            <p:ph type="title"/>
-          </p:nvPr>
-        </p:nvSpPr>
-        <p:spPr>
-          <a:xfrm>
-            <a:off x="674146" y="2286318"/>
-            <a:ext cx="10972800" cy="1143000"/>
-          </a:xfrm>
-        </p:spPr>
-        <p:txBody>
-          <a:bodyPr/>
-          <a:lstStyle/>
-          <a:p>
-            <a:r>
-              <a:rPr lang="nl-BE" dirty="0" smtClean="0"/>
-              <a:t>Questions?</a:t>
-            </a:r>
-            <a:endParaRPr lang="nl-BE" dirty="0"/>
-          </a:p>
-        </p:txBody>
-      </p:sp>
-      <p:sp>
-        <p:nvSpPr>
-          <p:cNvPr id="4" name="Slide Number Placeholder 3"/>
-          <p:cNvSpPr>
-            <a:spLocks noGrp="1"/>
-          </p:cNvSpPr>
-          <p:nvPr>
-            <p:ph type="sldNum" sz="quarter" idx="12"/>
-          </p:nvPr>
-        </p:nvSpPr>
-        <p:spPr/>
-        <p:txBody>
-          <a:bodyPr/>
-          <a:lstStyle/>
-          <a:p>
-            <a:pPr>
-              <a:defRPr/>
-            </a:pPr>
-            <a:fld id="{BC2BCED3-7F4A-40F1-85DA-02B4B5A68187}" type="slidenum">
-              <a:rPr lang="nl-NL" smtClean="0"/>
-              <a:pPr>
-                <a:defRPr/>
-              </a:pPr>
-              <a:t>24</a:t>
-            </a:fld>
-            <a:endParaRPr lang="nl-NL"/>
-          </a:p>
-        </p:txBody>
-      </p:sp>
-    </p:spTree>
-    <p:extLst>
-      <p:ext uri="{BB962C8B-B14F-4D97-AF65-F5344CB8AC3E}">
-        <p14:creationId xmlns:p14="http://schemas.microsoft.com/office/powerpoint/2010/main" val="1838566243"/>
-      </p:ext>
-    </p:extLst>
-  </p:cSld>
-  <p:clrMapOvr>
-    <a:masterClrMapping/>
-  </p:clrMapOvr>
 </p:sld>
 </file>
 
@@ -8090,10 +8917,97 @@
   <p:timing>
     <p:tnLst>
       <p:par>
-        <p:cTn id="1" dur="indefinite" restart="never" nodeType="tmRoot"/>
+        <p:cTn xmlns:p14="http://schemas.microsoft.com/office/powerpoint/2010/main" id="1" dur="indefinite" restart="never" nodeType="tmRoot"/>
       </p:par>
     </p:tnLst>
   </p:timing>
+</p:sld>
+</file>
+
+<file path=ppt/slides/slide30.xml><?xml version="1.0" encoding="utf-8"?>
+<p:sld xmlns:a="http://schemas.openxmlformats.org/drawingml/2006/main" xmlns:r="http://schemas.openxmlformats.org/officeDocument/2006/relationships" xmlns:p="http://schemas.openxmlformats.org/presentationml/2006/main">
+  <p:cSld>
+    <p:spTree>
+      <p:nvGrpSpPr>
+        <p:cNvPr id="1" name=""/>
+        <p:cNvGrpSpPr/>
+        <p:nvPr/>
+      </p:nvGrpSpPr>
+      <p:grpSpPr>
+        <a:xfrm>
+          <a:off x="0" y="0"/>
+          <a:ext cx="0" cy="0"/>
+          <a:chOff x="0" y="0"/>
+          <a:chExt cx="0" cy="0"/>
+        </a:xfrm>
+      </p:grpSpPr>
+      <p:sp>
+        <p:nvSpPr>
+          <p:cNvPr id="2" name="Title 1"/>
+          <p:cNvSpPr>
+            <a:spLocks noGrp="1"/>
+          </p:cNvSpPr>
+          <p:nvPr>
+            <p:ph type="title"/>
+          </p:nvPr>
+        </p:nvSpPr>
+        <p:spPr>
+          <a:xfrm>
+            <a:off x="674146" y="2286318"/>
+            <a:ext cx="10972800" cy="1143000"/>
+          </a:xfrm>
+        </p:spPr>
+        <p:txBody>
+          <a:bodyPr/>
+          <a:lstStyle/>
+          <a:p>
+            <a:r>
+              <a:rPr lang="nl-BE" dirty="0" smtClean="0"/>
+              <a:t>Questions?</a:t>
+            </a:r>
+            <a:endParaRPr lang="nl-BE" dirty="0"/>
+          </a:p>
+        </p:txBody>
+      </p:sp>
+      <p:sp>
+        <p:nvSpPr>
+          <p:cNvPr id="4" name="Slide Number Placeholder 3"/>
+          <p:cNvSpPr>
+            <a:spLocks noGrp="1"/>
+          </p:cNvSpPr>
+          <p:nvPr>
+            <p:ph type="sldNum" sz="quarter" idx="12"/>
+          </p:nvPr>
+        </p:nvSpPr>
+        <p:spPr/>
+        <p:txBody>
+          <a:bodyPr/>
+          <a:lstStyle/>
+          <a:p>
+            <a:pPr>
+              <a:defRPr/>
+            </a:pPr>
+            <a:fld id="{BC2BCED3-7F4A-40F1-85DA-02B4B5A68187}" type="slidenum">
+              <a:rPr lang="nl-NL" smtClean="0"/>
+              <a:pPr>
+                <a:defRPr/>
+              </a:pPr>
+              <a:t>30</a:t>
+            </a:fld>
+            <a:endParaRPr lang="nl-NL"/>
+          </a:p>
+        </p:txBody>
+      </p:sp>
+    </p:spTree>
+    <p:extLst>
+      <p:ext uri="{BB962C8B-B14F-4D97-AF65-F5344CB8AC3E}">
+        <p14:creationId xmlns:p14="http://schemas.microsoft.com/office/powerpoint/2010/main" val="1838566243"/>
+      </p:ext>
+    </p:extLst>
+  </p:cSld>
+  <p:clrMapOvr>
+    <a:masterClrMapping/>
+  </p:clrMapOvr>
 </p:sld>
 </file>
 
@@ -8236,7 +9150,7 @@
   <p:timing>
     <p:tnLst>
       <p:par>
-        <p:cTn id="1" dur="indefinite" restart="never" nodeType="tmRoot"/>
+        <p:cTn xmlns:p14="http://schemas.microsoft.com/office/powerpoint/2010/main" id="1" dur="indefinite" restart="never" nodeType="tmRoot"/>
       </p:par>
     </p:tnLst>
   </p:timing>
@@ -8379,7 +9293,7 @@
   <p:timing>
     <p:tnLst>
       <p:par>
-        <p:cTn id="1" dur="indefinite" restart="never" nodeType="tmRoot"/>
+        <p:cTn xmlns:p14="http://schemas.microsoft.com/office/powerpoint/2010/main" id="1" dur="indefinite" restart="never" nodeType="tmRoot"/>
       </p:par>
     </p:tnLst>
   </p:timing>
@@ -8486,7 +9400,7 @@
           </a:prstGeom>
           <a:noFill/>
           <a:extLst>
-            <a:ext uri="{909E8E84-426E-40DD-AFC4-6F175D3DCCD1}">
+            <a:ext uri="{909E8E84-426E-40dd-AFC4-6F175D3DCCD1}">
               <a14:hiddenFill xmlns:a14="http://schemas.microsoft.com/office/drawing/2010/main">
                 <a:solidFill>
                   <a:srgbClr val="FFFFFF"/>
@@ -8527,7 +9441,7 @@
           </a:prstGeom>
           <a:noFill/>
           <a:extLst>
-            <a:ext uri="{909E8E84-426E-40DD-AFC4-6F175D3DCCD1}">
+            <a:ext uri="{909E8E84-426E-40dd-AFC4-6F175D3DCCD1}">
               <a14:hiddenFill xmlns:a14="http://schemas.microsoft.com/office/drawing/2010/main">
                 <a:solidFill>
                   <a:srgbClr val="FFFFFF"/>
@@ -8568,7 +9482,7 @@
           </a:prstGeom>
           <a:noFill/>
           <a:extLst>
-            <a:ext uri="{909E8E84-426E-40DD-AFC4-6F175D3DCCD1}">
+            <a:ext uri="{909E8E84-426E-40dd-AFC4-6F175D3DCCD1}">
               <a14:hiddenFill xmlns:a14="http://schemas.microsoft.com/office/drawing/2010/main">
                 <a:solidFill>
                   <a:srgbClr val="FFFFFF"/>
@@ -8609,7 +9523,7 @@
           </a:prstGeom>
           <a:noFill/>
           <a:extLst>
-            <a:ext uri="{909E8E84-426E-40DD-AFC4-6F175D3DCCD1}">
+            <a:ext uri="{909E8E84-426E-40dd-AFC4-6F175D3DCCD1}">
               <a14:hiddenFill xmlns:a14="http://schemas.microsoft.com/office/drawing/2010/main">
                 <a:solidFill>
                   <a:srgbClr val="FFFFFF"/>
@@ -8652,7 +9566,7 @@
           </a:prstGeom>
           <a:noFill/>
           <a:extLst>
-            <a:ext uri="{909E8E84-426E-40DD-AFC4-6F175D3DCCD1}">
+            <a:ext uri="{909E8E84-426E-40dd-AFC4-6F175D3DCCD1}">
               <a14:hiddenFill xmlns:a14="http://schemas.microsoft.com/office/drawing/2010/main">
                 <a:solidFill>
                   <a:srgbClr val="FFFFFF"/>
@@ -8693,7 +9607,7 @@
           </a:prstGeom>
           <a:noFill/>
           <a:extLst>
-            <a:ext uri="{909E8E84-426E-40DD-AFC4-6F175D3DCCD1}">
+            <a:ext uri="{909E8E84-426E-40dd-AFC4-6F175D3DCCD1}">
               <a14:hiddenFill xmlns:a14="http://schemas.microsoft.com/office/drawing/2010/main">
                 <a:solidFill>
                   <a:srgbClr val="FFFFFF"/>
@@ -8853,7 +9767,7 @@
           </a:prstGeom>
           <a:noFill/>
           <a:extLst>
-            <a:ext uri="{909E8E84-426E-40DD-AFC4-6F175D3DCCD1}">
+            <a:ext uri="{909E8E84-426E-40dd-AFC4-6F175D3DCCD1}">
               <a14:hiddenFill xmlns:a14="http://schemas.microsoft.com/office/drawing/2010/main">
                 <a:solidFill>
                   <a:srgbClr val="FFFFFF"/>
@@ -8995,7 +9909,7 @@
           </a:prstGeom>
           <a:noFill/>
           <a:extLst>
-            <a:ext uri="{909E8E84-426E-40DD-AFC4-6F175D3DCCD1}">
+            <a:ext uri="{909E8E84-426E-40dd-AFC4-6F175D3DCCD1}">
               <a14:hiddenFill xmlns:a14="http://schemas.microsoft.com/office/drawing/2010/main">
                 <a:solidFill>
                   <a:srgbClr val="FFFFFF"/>

--- a/italent/documents/Presentatie/Presentatie.pptx
+++ b/italent/documents/Presentatie/Presentatie.pptx
@@ -4,37 +4,41 @@
   <p:sldMasterIdLst>
     <p:sldMasterId id="2147483660" r:id="rId1"/>
   </p:sldMasterIdLst>
+  <p:notesMasterIdLst>
+    <p:notesMasterId r:id="rId33"/>
+  </p:notesMasterIdLst>
   <p:sldIdLst>
     <p:sldId id="258" r:id="rId2"/>
     <p:sldId id="259" r:id="rId3"/>
     <p:sldId id="260" r:id="rId4"/>
     <p:sldId id="261" r:id="rId5"/>
     <p:sldId id="273" r:id="rId6"/>
-    <p:sldId id="274" r:id="rId7"/>
-    <p:sldId id="275" r:id="rId8"/>
-    <p:sldId id="276" r:id="rId9"/>
-    <p:sldId id="277" r:id="rId10"/>
-    <p:sldId id="278" r:id="rId11"/>
-    <p:sldId id="279" r:id="rId12"/>
-    <p:sldId id="262" r:id="rId13"/>
-    <p:sldId id="280" r:id="rId14"/>
-    <p:sldId id="286" r:id="rId15"/>
-    <p:sldId id="287" r:id="rId16"/>
-    <p:sldId id="288" r:id="rId17"/>
-    <p:sldId id="284" r:id="rId18"/>
-    <p:sldId id="285" r:id="rId19"/>
-    <p:sldId id="281" r:id="rId20"/>
-    <p:sldId id="283" r:id="rId21"/>
-    <p:sldId id="289" r:id="rId22"/>
-    <p:sldId id="268" r:id="rId23"/>
-    <p:sldId id="264" r:id="rId24"/>
-    <p:sldId id="267" r:id="rId25"/>
-    <p:sldId id="265" r:id="rId26"/>
-    <p:sldId id="266" r:id="rId27"/>
-    <p:sldId id="269" r:id="rId28"/>
-    <p:sldId id="270" r:id="rId29"/>
-    <p:sldId id="271" r:id="rId30"/>
-    <p:sldId id="272" r:id="rId31"/>
+    <p:sldId id="291" r:id="rId7"/>
+    <p:sldId id="292" r:id="rId8"/>
+    <p:sldId id="293" r:id="rId9"/>
+    <p:sldId id="294" r:id="rId10"/>
+    <p:sldId id="295" r:id="rId11"/>
+    <p:sldId id="296" r:id="rId12"/>
+    <p:sldId id="297" r:id="rId13"/>
+    <p:sldId id="262" r:id="rId14"/>
+    <p:sldId id="280" r:id="rId15"/>
+    <p:sldId id="286" r:id="rId16"/>
+    <p:sldId id="287" r:id="rId17"/>
+    <p:sldId id="288" r:id="rId18"/>
+    <p:sldId id="284" r:id="rId19"/>
+    <p:sldId id="285" r:id="rId20"/>
+    <p:sldId id="281" r:id="rId21"/>
+    <p:sldId id="283" r:id="rId22"/>
+    <p:sldId id="289" r:id="rId23"/>
+    <p:sldId id="268" r:id="rId24"/>
+    <p:sldId id="264" r:id="rId25"/>
+    <p:sldId id="267" r:id="rId26"/>
+    <p:sldId id="265" r:id="rId27"/>
+    <p:sldId id="266" r:id="rId28"/>
+    <p:sldId id="269" r:id="rId29"/>
+    <p:sldId id="270" r:id="rId30"/>
+    <p:sldId id="271" r:id="rId31"/>
+    <p:sldId id="272" r:id="rId32"/>
   </p:sldIdLst>
   <p:sldSz cx="12192000" cy="6858000"/>
   <p:notesSz cx="6858000" cy="9144000"/>
@@ -135,7 +139,7 @@
   </p:defaultTextStyle>
   <p:extLst>
     <p:ext uri="{EFAFB233-063F-42B5-8137-9DF3F51BA10A}">
-      <p15:sldGuideLst xmlns:p15="http://schemas.microsoft.com/office/powerpoint/2012/main" xmlns="">
+      <p15:sldGuideLst xmlns:p15="http://schemas.microsoft.com/office/powerpoint/2012/main">
         <p15:guide id="1" orient="horz" pos="2160">
           <p15:clr>
             <a:srgbClr val="A4A3A4"/>
@@ -150,6 +154,440 @@
     </p:ext>
   </p:extLst>
 </p:presentation>
+</file>
+
+<file path=ppt/notesMasters/notesMaster1.xml><?xml version="1.0" encoding="utf-8"?>
+<p:notesMaster xmlns:a="http://schemas.openxmlformats.org/drawingml/2006/main" xmlns:r="http://schemas.openxmlformats.org/officeDocument/2006/relationships" xmlns:p="http://schemas.openxmlformats.org/presentationml/2006/main">
+  <p:cSld>
+    <p:bg>
+      <p:bgRef idx="1001">
+        <a:schemeClr val="bg1"/>
+      </p:bgRef>
+    </p:bg>
+    <p:spTree>
+      <p:nvGrpSpPr>
+        <p:cNvPr id="1" name=""/>
+        <p:cNvGrpSpPr/>
+        <p:nvPr/>
+      </p:nvGrpSpPr>
+      <p:grpSpPr>
+        <a:xfrm>
+          <a:off x="0" y="0"/>
+          <a:ext cx="0" cy="0"/>
+          <a:chOff x="0" y="0"/>
+          <a:chExt cx="0" cy="0"/>
+        </a:xfrm>
+      </p:grpSpPr>
+      <p:sp>
+        <p:nvSpPr>
+          <p:cNvPr id="2" name="Header Placeholder 1"/>
+          <p:cNvSpPr>
+            <a:spLocks noGrp="1"/>
+          </p:cNvSpPr>
+          <p:nvPr>
+            <p:ph type="hdr" sz="quarter"/>
+          </p:nvPr>
+        </p:nvSpPr>
+        <p:spPr>
+          <a:xfrm>
+            <a:off x="0" y="0"/>
+            <a:ext cx="2971800" cy="458788"/>
+          </a:xfrm>
+          <a:prstGeom prst="rect">
+            <a:avLst/>
+          </a:prstGeom>
+        </p:spPr>
+        <p:txBody>
+          <a:bodyPr vert="horz" lIns="91440" tIns="45720" rIns="91440" bIns="45720" rtlCol="0"/>
+          <a:lstStyle>
+            <a:lvl1pPr algn="l">
+              <a:defRPr sz="1200"/>
+            </a:lvl1pPr>
+          </a:lstStyle>
+          <a:p>
+            <a:endParaRPr lang="nl-BE"/>
+          </a:p>
+        </p:txBody>
+      </p:sp>
+      <p:sp>
+        <p:nvSpPr>
+          <p:cNvPr id="3" name="Date Placeholder 2"/>
+          <p:cNvSpPr>
+            <a:spLocks noGrp="1"/>
+          </p:cNvSpPr>
+          <p:nvPr>
+            <p:ph type="dt" idx="1"/>
+          </p:nvPr>
+        </p:nvSpPr>
+        <p:spPr>
+          <a:xfrm>
+            <a:off x="3884613" y="0"/>
+            <a:ext cx="2971800" cy="458788"/>
+          </a:xfrm>
+          <a:prstGeom prst="rect">
+            <a:avLst/>
+          </a:prstGeom>
+        </p:spPr>
+        <p:txBody>
+          <a:bodyPr vert="horz" lIns="91440" tIns="45720" rIns="91440" bIns="45720" rtlCol="0"/>
+          <a:lstStyle>
+            <a:lvl1pPr algn="r">
+              <a:defRPr sz="1200"/>
+            </a:lvl1pPr>
+          </a:lstStyle>
+          <a:p>
+            <a:fld id="{7DA0BC33-D6F4-47BD-A51C-6A5C7B866668}" type="datetimeFigureOut">
+              <a:rPr lang="nl-BE" smtClean="0"/>
+              <a:t>12/06/2016</a:t>
+            </a:fld>
+            <a:endParaRPr lang="nl-BE"/>
+          </a:p>
+        </p:txBody>
+      </p:sp>
+      <p:sp>
+        <p:nvSpPr>
+          <p:cNvPr id="4" name="Slide Image Placeholder 3"/>
+          <p:cNvSpPr>
+            <a:spLocks noGrp="1" noRot="1" noChangeAspect="1"/>
+          </p:cNvSpPr>
+          <p:nvPr>
+            <p:ph type="sldImg" idx="2"/>
+          </p:nvPr>
+        </p:nvSpPr>
+        <p:spPr>
+          <a:xfrm>
+            <a:off x="685800" y="1143000"/>
+            <a:ext cx="5486400" cy="3086100"/>
+          </a:xfrm>
+          <a:prstGeom prst="rect">
+            <a:avLst/>
+          </a:prstGeom>
+          <a:noFill/>
+          <a:ln w="12700">
+            <a:solidFill>
+              <a:prstClr val="black"/>
+            </a:solidFill>
+          </a:ln>
+        </p:spPr>
+        <p:txBody>
+          <a:bodyPr vert="horz" lIns="91440" tIns="45720" rIns="91440" bIns="45720" rtlCol="0" anchor="ctr"/>
+          <a:lstStyle/>
+          <a:p>
+            <a:endParaRPr lang="nl-BE"/>
+          </a:p>
+        </p:txBody>
+      </p:sp>
+      <p:sp>
+        <p:nvSpPr>
+          <p:cNvPr id="5" name="Notes Placeholder 4"/>
+          <p:cNvSpPr>
+            <a:spLocks noGrp="1"/>
+          </p:cNvSpPr>
+          <p:nvPr>
+            <p:ph type="body" sz="quarter" idx="3"/>
+          </p:nvPr>
+        </p:nvSpPr>
+        <p:spPr>
+          <a:xfrm>
+            <a:off x="685800" y="4400550"/>
+            <a:ext cx="5486400" cy="3600450"/>
+          </a:xfrm>
+          <a:prstGeom prst="rect">
+            <a:avLst/>
+          </a:prstGeom>
+        </p:spPr>
+        <p:txBody>
+          <a:bodyPr vert="horz" lIns="91440" tIns="45720" rIns="91440" bIns="45720" rtlCol="0"/>
+          <a:lstStyle/>
+          <a:p>
+            <a:pPr lvl="0"/>
+            <a:r>
+              <a:rPr lang="en-US" smtClean="0"/>
+              <a:t>Click to edit Master text styles</a:t>
+            </a:r>
+          </a:p>
+          <a:p>
+            <a:pPr lvl="1"/>
+            <a:r>
+              <a:rPr lang="en-US" smtClean="0"/>
+              <a:t>Second level</a:t>
+            </a:r>
+          </a:p>
+          <a:p>
+            <a:pPr lvl="2"/>
+            <a:r>
+              <a:rPr lang="en-US" smtClean="0"/>
+              <a:t>Third level</a:t>
+            </a:r>
+          </a:p>
+          <a:p>
+            <a:pPr lvl="3"/>
+            <a:r>
+              <a:rPr lang="en-US" smtClean="0"/>
+              <a:t>Fourth level</a:t>
+            </a:r>
+          </a:p>
+          <a:p>
+            <a:pPr lvl="4"/>
+            <a:r>
+              <a:rPr lang="en-US" smtClean="0"/>
+              <a:t>Fifth level</a:t>
+            </a:r>
+            <a:endParaRPr lang="nl-BE"/>
+          </a:p>
+        </p:txBody>
+      </p:sp>
+      <p:sp>
+        <p:nvSpPr>
+          <p:cNvPr id="6" name="Footer Placeholder 5"/>
+          <p:cNvSpPr>
+            <a:spLocks noGrp="1"/>
+          </p:cNvSpPr>
+          <p:nvPr>
+            <p:ph type="ftr" sz="quarter" idx="4"/>
+          </p:nvPr>
+        </p:nvSpPr>
+        <p:spPr>
+          <a:xfrm>
+            <a:off x="0" y="8685213"/>
+            <a:ext cx="2971800" cy="458787"/>
+          </a:xfrm>
+          <a:prstGeom prst="rect">
+            <a:avLst/>
+          </a:prstGeom>
+        </p:spPr>
+        <p:txBody>
+          <a:bodyPr vert="horz" lIns="91440" tIns="45720" rIns="91440" bIns="45720" rtlCol="0" anchor="b"/>
+          <a:lstStyle>
+            <a:lvl1pPr algn="l">
+              <a:defRPr sz="1200"/>
+            </a:lvl1pPr>
+          </a:lstStyle>
+          <a:p>
+            <a:endParaRPr lang="nl-BE"/>
+          </a:p>
+        </p:txBody>
+      </p:sp>
+      <p:sp>
+        <p:nvSpPr>
+          <p:cNvPr id="7" name="Slide Number Placeholder 6"/>
+          <p:cNvSpPr>
+            <a:spLocks noGrp="1"/>
+          </p:cNvSpPr>
+          <p:nvPr>
+            <p:ph type="sldNum" sz="quarter" idx="5"/>
+          </p:nvPr>
+        </p:nvSpPr>
+        <p:spPr>
+          <a:xfrm>
+            <a:off x="3884613" y="8685213"/>
+            <a:ext cx="2971800" cy="458787"/>
+          </a:xfrm>
+          <a:prstGeom prst="rect">
+            <a:avLst/>
+          </a:prstGeom>
+        </p:spPr>
+        <p:txBody>
+          <a:bodyPr vert="horz" lIns="91440" tIns="45720" rIns="91440" bIns="45720" rtlCol="0" anchor="b"/>
+          <a:lstStyle>
+            <a:lvl1pPr algn="r">
+              <a:defRPr sz="1200"/>
+            </a:lvl1pPr>
+          </a:lstStyle>
+          <a:p>
+            <a:fld id="{9C008F01-1147-4FB1-9BA1-AB4CBB8A87F4}" type="slidenum">
+              <a:rPr lang="nl-BE" smtClean="0"/>
+              <a:t>‹#›</a:t>
+            </a:fld>
+            <a:endParaRPr lang="nl-BE"/>
+          </a:p>
+        </p:txBody>
+      </p:sp>
+    </p:spTree>
+    <p:extLst>
+      <p:ext uri="{BB962C8B-B14F-4D97-AF65-F5344CB8AC3E}">
+        <p14:creationId xmlns:p14="http://schemas.microsoft.com/office/powerpoint/2010/main" val="4097490849"/>
+      </p:ext>
+    </p:extLst>
+  </p:cSld>
+  <p:clrMap bg1="lt1" tx1="dk1" bg2="lt2" tx2="dk2" accent1="accent1" accent2="accent2" accent3="accent3" accent4="accent4" accent5="accent5" accent6="accent6" hlink="hlink" folHlink="folHlink"/>
+  <p:notesStyle>
+    <a:lvl1pPr marL="0" algn="l" defTabSz="914400" rtl="0" eaLnBrk="1" latinLnBrk="0" hangingPunct="1">
+      <a:defRPr sz="1200" kern="1200">
+        <a:solidFill>
+          <a:schemeClr val="tx1"/>
+        </a:solidFill>
+        <a:latin typeface="+mn-lt"/>
+        <a:ea typeface="+mn-ea"/>
+        <a:cs typeface="+mn-cs"/>
+      </a:defRPr>
+    </a:lvl1pPr>
+    <a:lvl2pPr marL="457200" algn="l" defTabSz="914400" rtl="0" eaLnBrk="1" latinLnBrk="0" hangingPunct="1">
+      <a:defRPr sz="1200" kern="1200">
+        <a:solidFill>
+          <a:schemeClr val="tx1"/>
+        </a:solidFill>
+        <a:latin typeface="+mn-lt"/>
+        <a:ea typeface="+mn-ea"/>
+        <a:cs typeface="+mn-cs"/>
+      </a:defRPr>
+    </a:lvl2pPr>
+    <a:lvl3pPr marL="914400" algn="l" defTabSz="914400" rtl="0" eaLnBrk="1" latinLnBrk="0" hangingPunct="1">
+      <a:defRPr sz="1200" kern="1200">
+        <a:solidFill>
+          <a:schemeClr val="tx1"/>
+        </a:solidFill>
+        <a:latin typeface="+mn-lt"/>
+        <a:ea typeface="+mn-ea"/>
+        <a:cs typeface="+mn-cs"/>
+      </a:defRPr>
+    </a:lvl3pPr>
+    <a:lvl4pPr marL="1371600" algn="l" defTabSz="914400" rtl="0" eaLnBrk="1" latinLnBrk="0" hangingPunct="1">
+      <a:defRPr sz="1200" kern="1200">
+        <a:solidFill>
+          <a:schemeClr val="tx1"/>
+        </a:solidFill>
+        <a:latin typeface="+mn-lt"/>
+        <a:ea typeface="+mn-ea"/>
+        <a:cs typeface="+mn-cs"/>
+      </a:defRPr>
+    </a:lvl4pPr>
+    <a:lvl5pPr marL="1828800" algn="l" defTabSz="914400" rtl="0" eaLnBrk="1" latinLnBrk="0" hangingPunct="1">
+      <a:defRPr sz="1200" kern="1200">
+        <a:solidFill>
+          <a:schemeClr val="tx1"/>
+        </a:solidFill>
+        <a:latin typeface="+mn-lt"/>
+        <a:ea typeface="+mn-ea"/>
+        <a:cs typeface="+mn-cs"/>
+      </a:defRPr>
+    </a:lvl5pPr>
+    <a:lvl6pPr marL="2286000" algn="l" defTabSz="914400" rtl="0" eaLnBrk="1" latinLnBrk="0" hangingPunct="1">
+      <a:defRPr sz="1200" kern="1200">
+        <a:solidFill>
+          <a:schemeClr val="tx1"/>
+        </a:solidFill>
+        <a:latin typeface="+mn-lt"/>
+        <a:ea typeface="+mn-ea"/>
+        <a:cs typeface="+mn-cs"/>
+      </a:defRPr>
+    </a:lvl6pPr>
+    <a:lvl7pPr marL="2743200" algn="l" defTabSz="914400" rtl="0" eaLnBrk="1" latinLnBrk="0" hangingPunct="1">
+      <a:defRPr sz="1200" kern="1200">
+        <a:solidFill>
+          <a:schemeClr val="tx1"/>
+        </a:solidFill>
+        <a:latin typeface="+mn-lt"/>
+        <a:ea typeface="+mn-ea"/>
+        <a:cs typeface="+mn-cs"/>
+      </a:defRPr>
+    </a:lvl7pPr>
+    <a:lvl8pPr marL="3200400" algn="l" defTabSz="914400" rtl="0" eaLnBrk="1" latinLnBrk="0" hangingPunct="1">
+      <a:defRPr sz="1200" kern="1200">
+        <a:solidFill>
+          <a:schemeClr val="tx1"/>
+        </a:solidFill>
+        <a:latin typeface="+mn-lt"/>
+        <a:ea typeface="+mn-ea"/>
+        <a:cs typeface="+mn-cs"/>
+      </a:defRPr>
+    </a:lvl8pPr>
+    <a:lvl9pPr marL="3657600" algn="l" defTabSz="914400" rtl="0" eaLnBrk="1" latinLnBrk="0" hangingPunct="1">
+      <a:defRPr sz="1200" kern="1200">
+        <a:solidFill>
+          <a:schemeClr val="tx1"/>
+        </a:solidFill>
+        <a:latin typeface="+mn-lt"/>
+        <a:ea typeface="+mn-ea"/>
+        <a:cs typeface="+mn-cs"/>
+      </a:defRPr>
+    </a:lvl9pPr>
+  </p:notesStyle>
+</p:notesMaster>
+</file>
+
+<file path=ppt/notesSlides/notesSlide1.xml><?xml version="1.0" encoding="utf-8"?>
+<p:notes xmlns:a="http://schemas.openxmlformats.org/drawingml/2006/main" xmlns:r="http://schemas.openxmlformats.org/officeDocument/2006/relationships" xmlns:p="http://schemas.openxmlformats.org/presentationml/2006/main">
+  <p:cSld>
+    <p:spTree>
+      <p:nvGrpSpPr>
+        <p:cNvPr id="1" name=""/>
+        <p:cNvGrpSpPr/>
+        <p:nvPr/>
+      </p:nvGrpSpPr>
+      <p:grpSpPr>
+        <a:xfrm>
+          <a:off x="0" y="0"/>
+          <a:ext cx="0" cy="0"/>
+          <a:chOff x="0" y="0"/>
+          <a:chExt cx="0" cy="0"/>
+        </a:xfrm>
+      </p:grpSpPr>
+      <p:sp>
+        <p:nvSpPr>
+          <p:cNvPr id="2" name="Slide Image Placeholder 1"/>
+          <p:cNvSpPr>
+            <a:spLocks noGrp="1" noRot="1" noChangeAspect="1"/>
+          </p:cNvSpPr>
+          <p:nvPr>
+            <p:ph type="sldImg"/>
+          </p:nvPr>
+        </p:nvSpPr>
+        <p:spPr/>
+      </p:sp>
+      <p:sp>
+        <p:nvSpPr>
+          <p:cNvPr id="3" name="Notes Placeholder 2"/>
+          <p:cNvSpPr>
+            <a:spLocks noGrp="1"/>
+          </p:cNvSpPr>
+          <p:nvPr>
+            <p:ph type="body" idx="1"/>
+          </p:nvPr>
+        </p:nvSpPr>
+        <p:spPr/>
+        <p:txBody>
+          <a:bodyPr/>
+          <a:lstStyle/>
+          <a:p>
+            <a:endParaRPr lang="nl-BE" dirty="0"/>
+          </a:p>
+        </p:txBody>
+      </p:sp>
+      <p:sp>
+        <p:nvSpPr>
+          <p:cNvPr id="4" name="Slide Number Placeholder 3"/>
+          <p:cNvSpPr>
+            <a:spLocks noGrp="1"/>
+          </p:cNvSpPr>
+          <p:nvPr>
+            <p:ph type="sldNum" sz="quarter" idx="10"/>
+          </p:nvPr>
+        </p:nvSpPr>
+        <p:spPr/>
+        <p:txBody>
+          <a:bodyPr/>
+          <a:lstStyle/>
+          <a:p>
+            <a:fld id="{C0D800C1-8A3F-4B8C-8C10-49A6D57EE2C7}" type="slidenum">
+              <a:rPr lang="nl-BE" smtClean="0"/>
+              <a:t>10</a:t>
+            </a:fld>
+            <a:endParaRPr lang="nl-BE"/>
+          </a:p>
+        </p:txBody>
+      </p:sp>
+    </p:spTree>
+    <p:extLst>
+      <p:ext uri="{BB962C8B-B14F-4D97-AF65-F5344CB8AC3E}">
+        <p14:creationId xmlns:p14="http://schemas.microsoft.com/office/powerpoint/2010/main" val="1015645805"/>
+      </p:ext>
+    </p:extLst>
+  </p:cSld>
+  <p:clrMapOvr>
+    <a:masterClrMapping/>
+  </p:clrMapOvr>
+</p:notes>
 </file>
 
 <file path=ppt/slideLayouts/slideLayout1.xml><?xml version="1.0" encoding="utf-8"?>
@@ -204,14 +642,14 @@
           </a:ln>
           <a:extLst>
             <a:ext uri="{909E8E84-426E-40dd-AFC4-6F175D3DCCD1}">
-              <a14:hiddenFill xmlns:a14="http://schemas.microsoft.com/office/drawing/2010/main">
+              <a14:hiddenFill xmlns="" xmlns:a14="http://schemas.microsoft.com/office/drawing/2010/main">
                 <a:solidFill>
                   <a:srgbClr val="FFFFFF"/>
                 </a:solidFill>
               </a14:hiddenFill>
             </a:ext>
             <a:ext uri="{91240B29-F687-4f45-9708-019B960494DF}">
-              <a14:hiddenLine xmlns:a14="http://schemas.microsoft.com/office/drawing/2010/main" w="9525">
+              <a14:hiddenLine xmlns="" xmlns:a14="http://schemas.microsoft.com/office/drawing/2010/main" w="9525">
                 <a:solidFill>
                   <a:srgbClr val="000000"/>
                 </a:solidFill>
@@ -258,14 +696,14 @@
           </a:ln>
           <a:extLst>
             <a:ext uri="{909E8E84-426E-40dd-AFC4-6F175D3DCCD1}">
-              <a14:hiddenFill xmlns:a14="http://schemas.microsoft.com/office/drawing/2010/main">
+              <a14:hiddenFill xmlns="" xmlns:a14="http://schemas.microsoft.com/office/drawing/2010/main">
                 <a:solidFill>
                   <a:srgbClr val="FFFFFF"/>
                 </a:solidFill>
               </a14:hiddenFill>
             </a:ext>
             <a:ext uri="{91240B29-F687-4f45-9708-019B960494DF}">
-              <a14:hiddenLine xmlns:a14="http://schemas.microsoft.com/office/drawing/2010/main" w="9525">
+              <a14:hiddenLine xmlns="" xmlns:a14="http://schemas.microsoft.com/office/drawing/2010/main" w="9525">
                 <a:solidFill>
                   <a:srgbClr val="000000"/>
                 </a:solidFill>
@@ -299,14 +737,14 @@
           </a:ln>
           <a:extLst>
             <a:ext uri="{909E8E84-426E-40dd-AFC4-6F175D3DCCD1}">
-              <a14:hiddenFill xmlns:a14="http://schemas.microsoft.com/office/drawing/2010/main">
+              <a14:hiddenFill xmlns="" xmlns:a14="http://schemas.microsoft.com/office/drawing/2010/main">
                 <a:solidFill>
                   <a:srgbClr val="FFFFFF"/>
                 </a:solidFill>
               </a14:hiddenFill>
             </a:ext>
             <a:ext uri="{91240B29-F687-4f45-9708-019B960494DF}">
-              <a14:hiddenLine xmlns:a14="http://schemas.microsoft.com/office/drawing/2010/main" w="9525">
+              <a14:hiddenLine xmlns="" xmlns:a14="http://schemas.microsoft.com/office/drawing/2010/main" w="9525">
                 <a:solidFill>
                   <a:srgbClr val="000000"/>
                 </a:solidFill>
@@ -513,14 +951,14 @@
           </a:ln>
           <a:extLst>
             <a:ext uri="{909E8E84-426E-40dd-AFC4-6F175D3DCCD1}">
-              <a14:hiddenFill xmlns:a14="http://schemas.microsoft.com/office/drawing/2010/main">
+              <a14:hiddenFill xmlns="" xmlns:a14="http://schemas.microsoft.com/office/drawing/2010/main">
                 <a:solidFill>
                   <a:srgbClr val="FFFFFF"/>
                 </a:solidFill>
               </a14:hiddenFill>
             </a:ext>
             <a:ext uri="{91240B29-F687-4f45-9708-019B960494DF}">
-              <a14:hiddenLine xmlns:a14="http://schemas.microsoft.com/office/drawing/2010/main" w="9525">
+              <a14:hiddenLine xmlns="" xmlns:a14="http://schemas.microsoft.com/office/drawing/2010/main" w="9525">
                 <a:solidFill>
                   <a:srgbClr val="000000"/>
                 </a:solidFill>
@@ -725,7 +1163,7 @@
               <a:pPr>
                 <a:defRPr/>
               </a:pPr>
-              <a:t>12/06/16</a:t>
+              <a:t>12-6-2016</a:t>
             </a:fld>
             <a:endParaRPr lang="nl-NL" dirty="0">
               <a:solidFill>
@@ -858,14 +1296,14 @@
           </a:ln>
           <a:extLst>
             <a:ext uri="{909E8E84-426E-40dd-AFC4-6F175D3DCCD1}">
-              <a14:hiddenFill xmlns:a14="http://schemas.microsoft.com/office/drawing/2010/main">
+              <a14:hiddenFill xmlns="" xmlns:a14="http://schemas.microsoft.com/office/drawing/2010/main">
                 <a:solidFill>
                   <a:srgbClr val="FFFFFF"/>
                 </a:solidFill>
               </a14:hiddenFill>
             </a:ext>
             <a:ext uri="{91240B29-F687-4f45-9708-019B960494DF}">
-              <a14:hiddenLine xmlns:a14="http://schemas.microsoft.com/office/drawing/2010/main" w="9525">
+              <a14:hiddenLine xmlns="" xmlns:a14="http://schemas.microsoft.com/office/drawing/2010/main" w="9525">
                 <a:solidFill>
                   <a:srgbClr val="000000"/>
                 </a:solidFill>
@@ -1081,7 +1519,7 @@
               <a:pPr>
                 <a:defRPr/>
               </a:pPr>
-              <a:t>12/06/16</a:t>
+              <a:t>12-6-2016</a:t>
             </a:fld>
             <a:endParaRPr lang="nl-NL" dirty="0"/>
           </a:p>
@@ -1219,14 +1657,14 @@
           </a:ln>
           <a:extLst>
             <a:ext uri="{909E8E84-426E-40dd-AFC4-6F175D3DCCD1}">
-              <a14:hiddenFill xmlns:a14="http://schemas.microsoft.com/office/drawing/2010/main">
+              <a14:hiddenFill xmlns="" xmlns:a14="http://schemas.microsoft.com/office/drawing/2010/main">
                 <a:solidFill>
                   <a:srgbClr val="FFFFFF"/>
                 </a:solidFill>
               </a14:hiddenFill>
             </a:ext>
             <a:ext uri="{91240B29-F687-4f45-9708-019B960494DF}">
-              <a14:hiddenLine xmlns:a14="http://schemas.microsoft.com/office/drawing/2010/main" w="9525">
+              <a14:hiddenLine xmlns="" xmlns:a14="http://schemas.microsoft.com/office/drawing/2010/main" w="9525">
                 <a:solidFill>
                   <a:srgbClr val="000000"/>
                 </a:solidFill>
@@ -1346,7 +1784,7 @@
               <a:pPr>
                 <a:defRPr/>
               </a:pPr>
-              <a:t>12/06/16</a:t>
+              <a:t>12-6-2016</a:t>
             </a:fld>
             <a:endParaRPr lang="nl-NL">
               <a:solidFill>
@@ -1488,14 +1926,14 @@
           </a:ln>
           <a:extLst>
             <a:ext uri="{909E8E84-426E-40dd-AFC4-6F175D3DCCD1}">
-              <a14:hiddenFill xmlns:a14="http://schemas.microsoft.com/office/drawing/2010/main">
+              <a14:hiddenFill xmlns="" xmlns:a14="http://schemas.microsoft.com/office/drawing/2010/main">
                 <a:solidFill>
                   <a:srgbClr val="FFFFFF"/>
                 </a:solidFill>
               </a14:hiddenFill>
             </a:ext>
             <a:ext uri="{91240B29-F687-4f45-9708-019B960494DF}">
-              <a14:hiddenLine xmlns:a14="http://schemas.microsoft.com/office/drawing/2010/main" w="9525">
+              <a14:hiddenLine xmlns="" xmlns:a14="http://schemas.microsoft.com/office/drawing/2010/main" w="9525">
                 <a:solidFill>
                   <a:srgbClr val="000000"/>
                 </a:solidFill>
@@ -1625,7 +2063,7 @@
               <a:pPr>
                 <a:defRPr/>
               </a:pPr>
-              <a:t>12/06/16</a:t>
+              <a:t>12-6-2016</a:t>
             </a:fld>
             <a:endParaRPr lang="nl-NL">
               <a:solidFill>
@@ -1767,14 +2205,14 @@
           </a:ln>
           <a:extLst>
             <a:ext uri="{909E8E84-426E-40dd-AFC4-6F175D3DCCD1}">
-              <a14:hiddenFill xmlns:a14="http://schemas.microsoft.com/office/drawing/2010/main">
+              <a14:hiddenFill xmlns="" xmlns:a14="http://schemas.microsoft.com/office/drawing/2010/main">
                 <a:solidFill>
                   <a:srgbClr val="FFFFFF"/>
                 </a:solidFill>
               </a14:hiddenFill>
             </a:ext>
             <a:ext uri="{91240B29-F687-4f45-9708-019B960494DF}">
-              <a14:hiddenLine xmlns:a14="http://schemas.microsoft.com/office/drawing/2010/main" w="9525">
+              <a14:hiddenLine xmlns="" xmlns:a14="http://schemas.microsoft.com/office/drawing/2010/main" w="9525">
                 <a:solidFill>
                   <a:srgbClr val="000000"/>
                 </a:solidFill>
@@ -1894,7 +2332,7 @@
               <a:pPr>
                 <a:defRPr/>
               </a:pPr>
-              <a:t>12/06/16</a:t>
+              <a:t>12-6-2016</a:t>
             </a:fld>
             <a:endParaRPr lang="nl-NL">
               <a:solidFill>
@@ -2036,14 +2474,14 @@
           </a:ln>
           <a:extLst>
             <a:ext uri="{909E8E84-426E-40dd-AFC4-6F175D3DCCD1}">
-              <a14:hiddenFill xmlns:a14="http://schemas.microsoft.com/office/drawing/2010/main">
+              <a14:hiddenFill xmlns="" xmlns:a14="http://schemas.microsoft.com/office/drawing/2010/main">
                 <a:solidFill>
                   <a:srgbClr val="FFFFFF"/>
                 </a:solidFill>
               </a14:hiddenFill>
             </a:ext>
             <a:ext uri="{91240B29-F687-4f45-9708-019B960494DF}">
-              <a14:hiddenLine xmlns:a14="http://schemas.microsoft.com/office/drawing/2010/main" w="9525">
+              <a14:hiddenLine xmlns="" xmlns:a14="http://schemas.microsoft.com/office/drawing/2010/main" w="9525">
                 <a:solidFill>
                   <a:srgbClr val="000000"/>
                 </a:solidFill>
@@ -2277,7 +2715,7 @@
               <a:pPr>
                 <a:defRPr/>
               </a:pPr>
-              <a:t>12/06/16</a:t>
+              <a:t>12-6-2016</a:t>
             </a:fld>
             <a:endParaRPr lang="nl-NL" dirty="0"/>
           </a:p>
@@ -2415,14 +2853,14 @@
           </a:ln>
           <a:extLst>
             <a:ext uri="{909E8E84-426E-40dd-AFC4-6F175D3DCCD1}">
-              <a14:hiddenFill xmlns:a14="http://schemas.microsoft.com/office/drawing/2010/main">
+              <a14:hiddenFill xmlns="" xmlns:a14="http://schemas.microsoft.com/office/drawing/2010/main">
                 <a:solidFill>
                   <a:srgbClr val="FFFFFF"/>
                 </a:solidFill>
               </a14:hiddenFill>
             </a:ext>
             <a:ext uri="{91240B29-F687-4f45-9708-019B960494DF}">
-              <a14:hiddenLine xmlns:a14="http://schemas.microsoft.com/office/drawing/2010/main" w="9525">
+              <a14:hiddenLine xmlns="" xmlns:a14="http://schemas.microsoft.com/office/drawing/2010/main" w="9525">
                 <a:solidFill>
                   <a:srgbClr val="000000"/>
                 </a:solidFill>
@@ -2660,7 +3098,7 @@
               <a:pPr>
                 <a:defRPr/>
               </a:pPr>
-              <a:t>12/06/16</a:t>
+              <a:t>12-6-2016</a:t>
             </a:fld>
             <a:endParaRPr lang="nl-NL">
               <a:solidFill>
@@ -2802,14 +3240,14 @@
           </a:ln>
           <a:extLst>
             <a:ext uri="{909E8E84-426E-40dd-AFC4-6F175D3DCCD1}">
-              <a14:hiddenFill xmlns:a14="http://schemas.microsoft.com/office/drawing/2010/main">
+              <a14:hiddenFill xmlns="" xmlns:a14="http://schemas.microsoft.com/office/drawing/2010/main">
                 <a:solidFill>
                   <a:srgbClr val="FFFFFF"/>
                 </a:solidFill>
               </a14:hiddenFill>
             </a:ext>
             <a:ext uri="{91240B29-F687-4f45-9708-019B960494DF}">
-              <a14:hiddenLine xmlns:a14="http://schemas.microsoft.com/office/drawing/2010/main" w="9525">
+              <a14:hiddenLine xmlns="" xmlns:a14="http://schemas.microsoft.com/office/drawing/2010/main" w="9525">
                 <a:solidFill>
                   <a:srgbClr val="000000"/>
                 </a:solidFill>
@@ -3181,7 +3619,7 @@
               <a:pPr>
                 <a:defRPr/>
               </a:pPr>
-              <a:t>12/06/16</a:t>
+              <a:t>12-6-2016</a:t>
             </a:fld>
             <a:endParaRPr lang="nl-NL">
               <a:solidFill>
@@ -3323,14 +3761,14 @@
           </a:ln>
           <a:extLst>
             <a:ext uri="{909E8E84-426E-40dd-AFC4-6F175D3DCCD1}">
-              <a14:hiddenFill xmlns:a14="http://schemas.microsoft.com/office/drawing/2010/main">
+              <a14:hiddenFill xmlns="" xmlns:a14="http://schemas.microsoft.com/office/drawing/2010/main">
                 <a:solidFill>
                   <a:srgbClr val="FFFFFF"/>
                 </a:solidFill>
               </a14:hiddenFill>
             </a:ext>
             <a:ext uri="{91240B29-F687-4f45-9708-019B960494DF}">
-              <a14:hiddenLine xmlns:a14="http://schemas.microsoft.com/office/drawing/2010/main" w="9525">
+              <a14:hiddenLine xmlns="" xmlns:a14="http://schemas.microsoft.com/office/drawing/2010/main" w="9525">
                 <a:solidFill>
                   <a:srgbClr val="000000"/>
                 </a:solidFill>
@@ -3398,7 +3836,7 @@
               <a:pPr>
                 <a:defRPr/>
               </a:pPr>
-              <a:t>12/06/16</a:t>
+              <a:t>12-6-2016</a:t>
             </a:fld>
             <a:endParaRPr lang="nl-NL">
               <a:solidFill>
@@ -3540,14 +3978,14 @@
           </a:ln>
           <a:extLst>
             <a:ext uri="{909E8E84-426E-40dd-AFC4-6F175D3DCCD1}">
-              <a14:hiddenFill xmlns:a14="http://schemas.microsoft.com/office/drawing/2010/main">
+              <a14:hiddenFill xmlns="" xmlns:a14="http://schemas.microsoft.com/office/drawing/2010/main">
                 <a:solidFill>
                   <a:srgbClr val="FFFFFF"/>
                 </a:solidFill>
               </a14:hiddenFill>
             </a:ext>
             <a:ext uri="{91240B29-F687-4f45-9708-019B960494DF}">
-              <a14:hiddenLine xmlns:a14="http://schemas.microsoft.com/office/drawing/2010/main" w="9525">
+              <a14:hiddenLine xmlns="" xmlns:a14="http://schemas.microsoft.com/office/drawing/2010/main" w="9525">
                 <a:solidFill>
                   <a:srgbClr val="000000"/>
                 </a:solidFill>
@@ -3592,7 +4030,7 @@
               <a:pPr>
                 <a:defRPr/>
               </a:pPr>
-              <a:t>12/06/16</a:t>
+              <a:t>12-6-2016</a:t>
             </a:fld>
             <a:endParaRPr lang="nl-NL">
               <a:solidFill>
@@ -3734,14 +4172,14 @@
           </a:ln>
           <a:extLst>
             <a:ext uri="{909E8E84-426E-40dd-AFC4-6F175D3DCCD1}">
-              <a14:hiddenFill xmlns:a14="http://schemas.microsoft.com/office/drawing/2010/main">
+              <a14:hiddenFill xmlns="" xmlns:a14="http://schemas.microsoft.com/office/drawing/2010/main">
                 <a:solidFill>
                   <a:srgbClr val="FFFFFF"/>
                 </a:solidFill>
               </a14:hiddenFill>
             </a:ext>
             <a:ext uri="{91240B29-F687-4f45-9708-019B960494DF}">
-              <a14:hiddenLine xmlns:a14="http://schemas.microsoft.com/office/drawing/2010/main" w="9525">
+              <a14:hiddenLine xmlns="" xmlns:a14="http://schemas.microsoft.com/office/drawing/2010/main" w="9525">
                 <a:solidFill>
                   <a:srgbClr val="000000"/>
                 </a:solidFill>
@@ -3968,7 +4406,7 @@
               <a:pPr>
                 <a:defRPr/>
               </a:pPr>
-              <a:t>12/06/16</a:t>
+              <a:t>12-6-2016</a:t>
             </a:fld>
             <a:endParaRPr lang="nl-NL">
               <a:solidFill>
@@ -4104,14 +4542,14 @@
           </a:ln>
           <a:extLst>
             <a:ext uri="{909E8E84-426E-40dd-AFC4-6F175D3DCCD1}">
-              <a14:hiddenFill xmlns:a14="http://schemas.microsoft.com/office/drawing/2010/main">
+              <a14:hiddenFill xmlns="" xmlns:a14="http://schemas.microsoft.com/office/drawing/2010/main">
                 <a:solidFill>
                   <a:srgbClr val="FFFFFF"/>
                 </a:solidFill>
               </a14:hiddenFill>
             </a:ext>
             <a:ext uri="{91240B29-F687-4f45-9708-019B960494DF}">
-              <a14:hiddenLine xmlns:a14="http://schemas.microsoft.com/office/drawing/2010/main" w="9525">
+              <a14:hiddenLine xmlns="" xmlns:a14="http://schemas.microsoft.com/office/drawing/2010/main" w="9525">
                 <a:solidFill>
                   <a:srgbClr val="000000"/>
                 </a:solidFill>
@@ -4163,14 +4601,14 @@
           </a:ln>
           <a:extLst>
             <a:ext uri="{909E8E84-426E-40dd-AFC4-6F175D3DCCD1}">
-              <a14:hiddenFill xmlns:a14="http://schemas.microsoft.com/office/drawing/2010/main">
+              <a14:hiddenFill xmlns="" xmlns:a14="http://schemas.microsoft.com/office/drawing/2010/main">
                 <a:solidFill>
                   <a:srgbClr val="FFFFFF"/>
                 </a:solidFill>
               </a14:hiddenFill>
             </a:ext>
             <a:ext uri="{91240B29-F687-4f45-9708-019B960494DF}">
-              <a14:hiddenLine xmlns:a14="http://schemas.microsoft.com/office/drawing/2010/main" w="9525">
+              <a14:hiddenLine xmlns="" xmlns:a14="http://schemas.microsoft.com/office/drawing/2010/main" w="9525">
                 <a:solidFill>
                   <a:srgbClr val="000000"/>
                 </a:solidFill>
@@ -4281,7 +4719,7 @@
               <a:pPr defTabSz="457200">
                 <a:defRPr/>
               </a:pPr>
-              <a:t>12/06/16</a:t>
+              <a:t>12-6-2016</a:t>
             </a:fld>
             <a:endParaRPr lang="nl-NL">
               <a:solidFill>
@@ -4899,14 +5337,14 @@
           <a:noFill/>
           <a:extLst>
             <a:ext uri="{909E8E84-426E-40dd-AFC4-6F175D3DCCD1}">
-              <a14:hiddenFill xmlns:a14="http://schemas.microsoft.com/office/drawing/2010/main">
+              <a14:hiddenFill xmlns="" xmlns:a14="http://schemas.microsoft.com/office/drawing/2010/main">
                 <a:solidFill>
                   <a:srgbClr val="FFFFFF"/>
                 </a:solidFill>
               </a14:hiddenFill>
             </a:ext>
             <a:ext uri="{91240B29-F687-4f45-9708-019B960494DF}">
-              <a14:hiddenLine xmlns:a14="http://schemas.microsoft.com/office/drawing/2010/main" w="9525">
+              <a14:hiddenLine xmlns="" xmlns:a14="http://schemas.microsoft.com/office/drawing/2010/main" w="9525">
                 <a:solidFill>
                   <a:srgbClr val="000000"/>
                 </a:solidFill>
@@ -5103,14 +5541,14 @@
           </a:ln>
           <a:extLst>
             <a:ext uri="{909E8E84-426E-40dd-AFC4-6F175D3DCCD1}">
-              <a14:hiddenFill xmlns:a14="http://schemas.microsoft.com/office/drawing/2010/main">
+              <a14:hiddenFill xmlns="" xmlns:a14="http://schemas.microsoft.com/office/drawing/2010/main">
                 <a:solidFill>
                   <a:srgbClr val="FFFFFF"/>
                 </a:solidFill>
               </a14:hiddenFill>
             </a:ext>
             <a:ext uri="{91240B29-F687-4f45-9708-019B960494DF}">
-              <a14:hiddenLine xmlns:a14="http://schemas.microsoft.com/office/drawing/2010/main" w="9525">
+              <a14:hiddenLine xmlns="" xmlns:a14="http://schemas.microsoft.com/office/drawing/2010/main" w="9525">
                 <a:solidFill>
                   <a:srgbClr val="000000"/>
                 </a:solidFill>
@@ -5455,7 +5893,7 @@
   <p:timing>
     <p:tnLst>
       <p:par>
-        <p:cTn xmlns:p14="http://schemas.microsoft.com/office/powerpoint/2010/main" id="1" dur="indefinite" restart="never" nodeType="tmRoot"/>
+        <p:cTn id="1" dur="indefinite" restart="never" nodeType="tmRoot"/>
       </p:par>
     </p:tnLst>
   </p:timing>
@@ -5496,7 +5934,7 @@
           <a:p>
             <a:r>
               <a:rPr lang="en-US" dirty="0" smtClean="0"/>
-              <a:t>Testing, deployment &amp; maintenance</a:t>
+              <a:t>Agile: scrum</a:t>
             </a:r>
             <a:endParaRPr lang="nl-BE" dirty="0"/>
           </a:p>
@@ -5517,36 +5955,7 @@
           <a:bodyPr/>
           <a:lstStyle/>
           <a:p>
-            <a:r>
-              <a:rPr lang="en-US" dirty="0" smtClean="0"/>
-              <a:t>Testing: Jenkins</a:t>
-            </a:r>
-          </a:p>
-          <a:p>
-            <a:r>
-              <a:rPr lang="en-US" dirty="0" smtClean="0"/>
-              <a:t>Deployment: </a:t>
-            </a:r>
-            <a:r>
-              <a:rPr lang="en-US" dirty="0" err="1" smtClean="0"/>
-              <a:t>OpenShift</a:t>
-            </a:r>
-            <a:endParaRPr lang="en-US" dirty="0" smtClean="0"/>
-          </a:p>
-          <a:p>
-            <a:r>
-              <a:rPr lang="en-US" dirty="0" smtClean="0"/>
-              <a:t>All OK? </a:t>
-            </a:r>
-            <a:r>
-              <a:rPr lang="en-US" dirty="0" err="1" smtClean="0"/>
-              <a:t>Snaphot</a:t>
-            </a:r>
-            <a:r>
-              <a:rPr lang="en-US" dirty="0" smtClean="0"/>
-              <a:t>!</a:t>
-            </a:r>
-            <a:endParaRPr lang="nl-BE" dirty="0"/>
+            <a:endParaRPr lang="nl-BE"/>
           </a:p>
         </p:txBody>
       </p:sp>
@@ -5579,34 +5988,236 @@
           </a:p>
         </p:txBody>
       </p:sp>
+      <p:sp>
+        <p:nvSpPr>
+          <p:cNvPr id="7" name="Title 1"/>
+          <p:cNvSpPr txBox="1">
+            <a:spLocks/>
+          </p:cNvSpPr>
+          <p:nvPr/>
+        </p:nvSpPr>
+        <p:spPr bwMode="auto">
+          <a:xfrm>
+            <a:off x="2049995" y="4272449"/>
+            <a:ext cx="9532405" cy="505451"/>
+          </a:xfrm>
+          <a:prstGeom prst="rect">
+            <a:avLst/>
+          </a:prstGeom>
+          <a:noFill/>
+          <a:ln>
+            <a:noFill/>
+          </a:ln>
+          <a:extLst>
+            <a:ext uri="{909E8E84-426E-40DD-AFC4-6F175D3DCCD1}">
+              <a14:hiddenFill xmlns:a14="http://schemas.microsoft.com/office/drawing/2010/main">
+                <a:solidFill>
+                  <a:srgbClr val="FFFFFF"/>
+                </a:solidFill>
+              </a14:hiddenFill>
+            </a:ext>
+            <a:ext uri="{91240B29-F687-4F45-9708-019B960494DF}">
+              <a14:hiddenLine xmlns:a14="http://schemas.microsoft.com/office/drawing/2010/main" w="9525">
+                <a:solidFill>
+                  <a:srgbClr val="000000"/>
+                </a:solidFill>
+                <a:miter lim="800000"/>
+                <a:headEnd/>
+                <a:tailEnd/>
+              </a14:hiddenLine>
+            </a:ext>
+          </a:extLst>
+        </p:spPr>
+        <p:txBody>
+          <a:bodyPr vert="horz" wrap="square" lIns="91440" tIns="45720" rIns="91440" bIns="45720" numCol="1" anchor="ctr" anchorCtr="0" compatLnSpc="1">
+            <a:prstTxWarp prst="textNoShape">
+              <a:avLst/>
+            </a:prstTxWarp>
+          </a:bodyPr>
+          <a:lstStyle>
+            <a:lvl1pPr algn="ctr" defTabSz="457200" rtl="0" eaLnBrk="0" fontAlgn="base" hangingPunct="0">
+              <a:spcBef>
+                <a:spcPct val="0"/>
+              </a:spcBef>
+              <a:spcAft>
+                <a:spcPct val="0"/>
+              </a:spcAft>
+              <a:defRPr sz="4400" b="1" kern="1200">
+                <a:solidFill>
+                  <a:srgbClr val="58A618"/>
+                </a:solidFill>
+                <a:latin typeface="+mj-lt"/>
+                <a:ea typeface="+mj-ea"/>
+                <a:cs typeface="+mj-cs"/>
+              </a:defRPr>
+            </a:lvl1pPr>
+            <a:lvl2pPr algn="ctr" defTabSz="457200" rtl="0" eaLnBrk="0" fontAlgn="base" hangingPunct="0">
+              <a:spcBef>
+                <a:spcPct val="0"/>
+              </a:spcBef>
+              <a:spcAft>
+                <a:spcPct val="0"/>
+              </a:spcAft>
+              <a:defRPr sz="4400" b="1">
+                <a:solidFill>
+                  <a:srgbClr val="58A618"/>
+                </a:solidFill>
+                <a:latin typeface="Calibri" panose="020F0502020204030204" pitchFamily="34" charset="0"/>
+              </a:defRPr>
+            </a:lvl2pPr>
+            <a:lvl3pPr algn="ctr" defTabSz="457200" rtl="0" eaLnBrk="0" fontAlgn="base" hangingPunct="0">
+              <a:spcBef>
+                <a:spcPct val="0"/>
+              </a:spcBef>
+              <a:spcAft>
+                <a:spcPct val="0"/>
+              </a:spcAft>
+              <a:defRPr sz="4400" b="1">
+                <a:solidFill>
+                  <a:srgbClr val="58A618"/>
+                </a:solidFill>
+                <a:latin typeface="Calibri" panose="020F0502020204030204" pitchFamily="34" charset="0"/>
+              </a:defRPr>
+            </a:lvl3pPr>
+            <a:lvl4pPr algn="ctr" defTabSz="457200" rtl="0" eaLnBrk="0" fontAlgn="base" hangingPunct="0">
+              <a:spcBef>
+                <a:spcPct val="0"/>
+              </a:spcBef>
+              <a:spcAft>
+                <a:spcPct val="0"/>
+              </a:spcAft>
+              <a:defRPr sz="4400" b="1">
+                <a:solidFill>
+                  <a:srgbClr val="58A618"/>
+                </a:solidFill>
+                <a:latin typeface="Calibri" panose="020F0502020204030204" pitchFamily="34" charset="0"/>
+              </a:defRPr>
+            </a:lvl4pPr>
+            <a:lvl5pPr algn="ctr" defTabSz="457200" rtl="0" eaLnBrk="0" fontAlgn="base" hangingPunct="0">
+              <a:spcBef>
+                <a:spcPct val="0"/>
+              </a:spcBef>
+              <a:spcAft>
+                <a:spcPct val="0"/>
+              </a:spcAft>
+              <a:defRPr sz="4400" b="1">
+                <a:solidFill>
+                  <a:srgbClr val="58A618"/>
+                </a:solidFill>
+                <a:latin typeface="Calibri" panose="020F0502020204030204" pitchFamily="34" charset="0"/>
+              </a:defRPr>
+            </a:lvl5pPr>
+            <a:lvl6pPr marL="457200" algn="ctr" defTabSz="457200" rtl="0" fontAlgn="base">
+              <a:spcBef>
+                <a:spcPct val="0"/>
+              </a:spcBef>
+              <a:spcAft>
+                <a:spcPct val="0"/>
+              </a:spcAft>
+              <a:defRPr sz="4400" b="1">
+                <a:solidFill>
+                  <a:srgbClr val="58A618"/>
+                </a:solidFill>
+                <a:latin typeface="Calibri" panose="020F0502020204030204" pitchFamily="34" charset="0"/>
+              </a:defRPr>
+            </a:lvl6pPr>
+            <a:lvl7pPr marL="914400" algn="ctr" defTabSz="457200" rtl="0" fontAlgn="base">
+              <a:spcBef>
+                <a:spcPct val="0"/>
+              </a:spcBef>
+              <a:spcAft>
+                <a:spcPct val="0"/>
+              </a:spcAft>
+              <a:defRPr sz="4400" b="1">
+                <a:solidFill>
+                  <a:srgbClr val="58A618"/>
+                </a:solidFill>
+                <a:latin typeface="Calibri" panose="020F0502020204030204" pitchFamily="34" charset="0"/>
+              </a:defRPr>
+            </a:lvl7pPr>
+            <a:lvl8pPr marL="1371600" algn="ctr" defTabSz="457200" rtl="0" fontAlgn="base">
+              <a:spcBef>
+                <a:spcPct val="0"/>
+              </a:spcBef>
+              <a:spcAft>
+                <a:spcPct val="0"/>
+              </a:spcAft>
+              <a:defRPr sz="4400" b="1">
+                <a:solidFill>
+                  <a:srgbClr val="58A618"/>
+                </a:solidFill>
+                <a:latin typeface="Calibri" panose="020F0502020204030204" pitchFamily="34" charset="0"/>
+              </a:defRPr>
+            </a:lvl8pPr>
+            <a:lvl9pPr marL="1828800" algn="ctr" defTabSz="457200" rtl="0" fontAlgn="base">
+              <a:spcBef>
+                <a:spcPct val="0"/>
+              </a:spcBef>
+              <a:spcAft>
+                <a:spcPct val="0"/>
+              </a:spcAft>
+              <a:defRPr sz="4400" b="1">
+                <a:solidFill>
+                  <a:srgbClr val="58A618"/>
+                </a:solidFill>
+                <a:latin typeface="Calibri" panose="020F0502020204030204" pitchFamily="34" charset="0"/>
+              </a:defRPr>
+            </a:lvl9pPr>
+          </a:lstStyle>
+          <a:p>
+            <a:r>
+              <a:rPr lang="en-US" smtClean="0"/>
+              <a:t>Agile: scrum</a:t>
+            </a:r>
+            <a:endParaRPr lang="nl-BE" dirty="0"/>
+          </a:p>
+        </p:txBody>
+      </p:sp>
       <p:pic>
         <p:nvPicPr>
-          <p:cNvPr id="7" name="Picture 6"/>
+          <p:cNvPr id="8" name="Picture 2" descr="http://www.scrumarabia.com/rimages/punto.media/U1/3b9b67e2b520a8cf2ceee03547137cf8616ecf4f.jpg"/>
           <p:cNvPicPr>
-            <a:picLocks noChangeAspect="1"/>
+            <a:picLocks noChangeAspect="1" noChangeArrowheads="1"/>
           </p:cNvPicPr>
           <p:nvPr/>
         </p:nvPicPr>
         <p:blipFill>
-          <a:blip r:embed="rId2"/>
+          <a:blip r:embed="rId3">
+            <a:extLst>
+              <a:ext uri="{28A0092B-C50C-407E-A947-70E740481C1C}">
+                <a14:useLocalDpi xmlns:a14="http://schemas.microsoft.com/office/drawing/2010/main" val="0"/>
+              </a:ext>
+            </a:extLst>
+          </a:blip>
+          <a:srcRect/>
           <a:stretch>
             <a:fillRect/>
           </a:stretch>
         </p:blipFill>
-        <p:spPr>
+        <p:spPr bwMode="auto">
           <a:xfrm>
-            <a:off x="2956613" y="4287839"/>
-            <a:ext cx="9039225" cy="1838325"/>
+            <a:off x="1595971" y="1384786"/>
+            <a:ext cx="7943670" cy="4741378"/>
           </a:xfrm>
           <a:prstGeom prst="rect">
             <a:avLst/>
           </a:prstGeom>
+          <a:noFill/>
+          <a:extLst>
+            <a:ext uri="{909E8E84-426E-40DD-AFC4-6F175D3DCCD1}">
+              <a14:hiddenFill xmlns:a14="http://schemas.microsoft.com/office/drawing/2010/main">
+                <a:solidFill>
+                  <a:srgbClr val="FFFFFF"/>
+                </a:solidFill>
+              </a14:hiddenFill>
+            </a:ext>
+          </a:extLst>
         </p:spPr>
       </p:pic>
     </p:spTree>
     <p:extLst>
       <p:ext uri="{BB962C8B-B14F-4D97-AF65-F5344CB8AC3E}">
-        <p14:creationId xmlns:p14="http://schemas.microsoft.com/office/powerpoint/2010/main" val="1147481610"/>
+        <p14:creationId xmlns:p14="http://schemas.microsoft.com/office/powerpoint/2010/main" val="2700778818"/>
       </p:ext>
     </p:extLst>
   </p:cSld>
@@ -5616,7 +6227,7 @@
   <p:timing>
     <p:tnLst>
       <p:par>
-        <p:cTn xmlns:p14="http://schemas.microsoft.com/office/powerpoint/2010/main" id="1" dur="indefinite" restart="never" nodeType="tmRoot"/>
+        <p:cTn id="1" dur="indefinite" restart="never" nodeType="tmRoot"/>
       </p:par>
     </p:tnLst>
   </p:timing>
@@ -5657,7 +6268,7 @@
           <a:p>
             <a:r>
               <a:rPr lang="en-US" dirty="0" smtClean="0"/>
-              <a:t>Project metrics</a:t>
+              <a:t>Quality</a:t>
             </a:r>
             <a:endParaRPr lang="nl-BE" dirty="0"/>
           </a:p>
@@ -5678,7 +6289,54 @@
           <a:bodyPr/>
           <a:lstStyle/>
           <a:p>
-            <a:endParaRPr lang="nl-BE"/>
+            <a:r>
+              <a:rPr lang="nl-BE" dirty="0" smtClean="0"/>
+              <a:t>Java code standaard</a:t>
+            </a:r>
+          </a:p>
+          <a:p>
+            <a:r>
+              <a:rPr lang="en-US" dirty="0" smtClean="0"/>
+              <a:t>Project</a:t>
+            </a:r>
+            <a:r>
+              <a:rPr lang="nl-BE" dirty="0" smtClean="0"/>
+              <a:t>risico’s</a:t>
+            </a:r>
+            <a:r>
+              <a:rPr lang="en-US" dirty="0" smtClean="0"/>
+              <a:t> &amp; </a:t>
+            </a:r>
+            <a:r>
+              <a:rPr lang="nl-BE" dirty="0" smtClean="0"/>
+              <a:t>acties</a:t>
+            </a:r>
+          </a:p>
+          <a:p>
+            <a:pPr lvl="1"/>
+            <a:r>
+              <a:rPr lang="nl-BE" dirty="0" smtClean="0"/>
+              <a:t>Communicatie</a:t>
+            </a:r>
+          </a:p>
+          <a:p>
+            <a:pPr lvl="1"/>
+            <a:r>
+              <a:rPr lang="nl-BE" dirty="0" smtClean="0"/>
+              <a:t>Planning</a:t>
+            </a:r>
+          </a:p>
+          <a:p>
+            <a:endParaRPr lang="nl-BE" dirty="0" smtClean="0"/>
+          </a:p>
+          <a:p>
+            <a:endParaRPr lang="nl-BE" dirty="0" smtClean="0"/>
+          </a:p>
+          <a:p>
+            <a:endParaRPr lang="nl-BE" dirty="0" smtClean="0"/>
+          </a:p>
+          <a:p>
+            <a:endParaRPr lang="nl-BE" dirty="0"/>
           </a:p>
         </p:txBody>
       </p:sp>
@@ -5711,23 +6369,40 @@
           </a:p>
         </p:txBody>
       </p:sp>
+      <p:pic>
+        <p:nvPicPr>
+          <p:cNvPr id="5" name="Picture 4"/>
+          <p:cNvPicPr>
+            <a:picLocks noChangeAspect="1"/>
+          </p:cNvPicPr>
+          <p:nvPr/>
+        </p:nvPicPr>
+        <p:blipFill>
+          <a:blip r:embed="rId2"/>
+          <a:stretch>
+            <a:fillRect/>
+          </a:stretch>
+        </p:blipFill>
+        <p:spPr>
+          <a:xfrm>
+            <a:off x="3932719" y="4157932"/>
+            <a:ext cx="7165344" cy="1708659"/>
+          </a:xfrm>
+          <a:prstGeom prst="rect">
+            <a:avLst/>
+          </a:prstGeom>
+        </p:spPr>
+      </p:pic>
     </p:spTree>
     <p:extLst>
       <p:ext uri="{BB962C8B-B14F-4D97-AF65-F5344CB8AC3E}">
-        <p14:creationId xmlns:p14="http://schemas.microsoft.com/office/powerpoint/2010/main" val="949355264"/>
+        <p14:creationId xmlns:p14="http://schemas.microsoft.com/office/powerpoint/2010/main" val="751152513"/>
       </p:ext>
     </p:extLst>
   </p:cSld>
   <p:clrMapOvr>
     <a:masterClrMapping/>
   </p:clrMapOvr>
-  <p:timing>
-    <p:tnLst>
-      <p:par>
-        <p:cTn xmlns:p14="http://schemas.microsoft.com/office/powerpoint/2010/main" id="1" dur="indefinite" restart="never" nodeType="tmRoot"/>
-      </p:par>
-    </p:tnLst>
-  </p:timing>
 </p:sld>
 </file>
 
@@ -5764,60 +6439,32 @@
           <a:lstStyle/>
           <a:p>
             <a:r>
+              <a:rPr lang="en-US" dirty="0" smtClean="0"/>
+              <a:t>Quality</a:t>
+            </a:r>
+            <a:endParaRPr lang="nl-BE" dirty="0"/>
+          </a:p>
+        </p:txBody>
+      </p:sp>
+      <p:sp>
+        <p:nvSpPr>
+          <p:cNvPr id="3" name="Content Placeholder 2"/>
+          <p:cNvSpPr>
+            <a:spLocks noGrp="1"/>
+          </p:cNvSpPr>
+          <p:nvPr>
+            <p:ph idx="1"/>
+          </p:nvPr>
+        </p:nvSpPr>
+        <p:spPr/>
+        <p:txBody>
+          <a:bodyPr/>
+          <a:lstStyle/>
+          <a:p>
+            <a:r>
               <a:rPr lang="nl-BE" dirty="0" smtClean="0"/>
-              <a:t>Back-end choices</a:t>
-            </a:r>
-            <a:endParaRPr lang="nl-BE" dirty="0"/>
-          </a:p>
-        </p:txBody>
-      </p:sp>
-      <p:sp>
-        <p:nvSpPr>
-          <p:cNvPr id="3" name="Content Placeholder 2"/>
-          <p:cNvSpPr>
-            <a:spLocks noGrp="1"/>
-          </p:cNvSpPr>
-          <p:nvPr>
-            <p:ph idx="1"/>
-          </p:nvPr>
-        </p:nvSpPr>
-        <p:spPr>
-          <a:xfrm>
-            <a:off x="4263242" y="1600201"/>
-            <a:ext cx="7319158" cy="4525963"/>
-          </a:xfrm>
-        </p:spPr>
-        <p:txBody>
-          <a:bodyPr/>
-          <a:lstStyle/>
-          <a:p>
-            <a:pPr lvl="0"/>
-            <a:r>
-              <a:rPr lang="nl-BE" dirty="0" smtClean="0"/>
-              <a:t>Java</a:t>
-            </a:r>
-            <a:endParaRPr lang="nl-BE" dirty="0"/>
-          </a:p>
-          <a:p>
-            <a:pPr lvl="0"/>
-            <a:r>
-              <a:rPr lang="en-US" dirty="0" smtClean="0"/>
-              <a:t>Spring</a:t>
-            </a:r>
-            <a:endParaRPr lang="en-US" dirty="0"/>
-          </a:p>
-          <a:p>
-            <a:pPr lvl="0"/>
-            <a:r>
-              <a:rPr lang="en-US" dirty="0" smtClean="0"/>
-              <a:t>Spring Boot</a:t>
-            </a:r>
-            <a:endParaRPr lang="en-US" dirty="0"/>
-          </a:p>
-          <a:p>
-            <a:pPr marL="0" indent="0">
-              <a:buNone/>
-            </a:pPr>
+              <a:t>FIT criteria: 7 testmomenten</a:t>
+            </a:r>
             <a:endParaRPr lang="nl-BE" dirty="0"/>
           </a:p>
         </p:txBody>
@@ -5851,23 +6498,40 @@
           </a:p>
         </p:txBody>
       </p:sp>
+      <p:pic>
+        <p:nvPicPr>
+          <p:cNvPr id="6" name="Picture 5"/>
+          <p:cNvPicPr>
+            <a:picLocks noChangeAspect="1"/>
+          </p:cNvPicPr>
+          <p:nvPr/>
+        </p:nvPicPr>
+        <p:blipFill>
+          <a:blip r:embed="rId2"/>
+          <a:stretch>
+            <a:fillRect/>
+          </a:stretch>
+        </p:blipFill>
+        <p:spPr>
+          <a:xfrm>
+            <a:off x="1962598" y="2344586"/>
+            <a:ext cx="5861559" cy="3753164"/>
+          </a:xfrm>
+          <a:prstGeom prst="rect">
+            <a:avLst/>
+          </a:prstGeom>
+        </p:spPr>
+      </p:pic>
     </p:spTree>
     <p:extLst>
       <p:ext uri="{BB962C8B-B14F-4D97-AF65-F5344CB8AC3E}">
-        <p14:creationId xmlns:p14="http://schemas.microsoft.com/office/powerpoint/2010/main" val="975155166"/>
+        <p14:creationId xmlns:p14="http://schemas.microsoft.com/office/powerpoint/2010/main" val="786231723"/>
       </p:ext>
     </p:extLst>
   </p:cSld>
   <p:clrMapOvr>
     <a:masterClrMapping/>
   </p:clrMapOvr>
-  <p:timing>
-    <p:tnLst>
-      <p:par>
-        <p:cTn xmlns:p14="http://schemas.microsoft.com/office/powerpoint/2010/main" id="1" dur="indefinite" restart="never" nodeType="tmRoot"/>
-      </p:par>
-    </p:tnLst>
-  </p:timing>
 </p:sld>
 </file>
 
@@ -5890,7 +6554,7 @@
       </p:grpSpPr>
       <p:sp>
         <p:nvSpPr>
-          <p:cNvPr id="2" name="Titel 1"/>
+          <p:cNvPr id="2" name="Title 1"/>
           <p:cNvSpPr>
             <a:spLocks noGrp="1"/>
           </p:cNvSpPr>
@@ -5904,19 +6568,16 @@
           <a:lstStyle/>
           <a:p>
             <a:r>
-              <a:rPr lang="en-GB" dirty="0" smtClean="0"/>
-              <a:t>Java</a:t>
-            </a:r>
-            <a:br>
-              <a:rPr lang="en-GB" dirty="0" smtClean="0"/>
-            </a:br>
-            <a:endParaRPr lang="nl-NL" dirty="0"/>
-          </a:p>
-        </p:txBody>
-      </p:sp>
-      <p:sp>
-        <p:nvSpPr>
-          <p:cNvPr id="3" name="Tijdelijke aanduiding voor inhoud 2"/>
+              <a:rPr lang="nl-BE" dirty="0" smtClean="0"/>
+              <a:t>Back-end choices</a:t>
+            </a:r>
+            <a:endParaRPr lang="nl-BE" dirty="0"/>
+          </a:p>
+        </p:txBody>
+      </p:sp>
+      <p:sp>
+        <p:nvSpPr>
+          <p:cNvPr id="3" name="Content Placeholder 2"/>
           <p:cNvSpPr>
             <a:spLocks noGrp="1"/>
           </p:cNvSpPr>
@@ -5926,54 +6587,48 @@
         </p:nvSpPr>
         <p:spPr>
           <a:xfrm>
-            <a:off x="3016332" y="1600201"/>
-            <a:ext cx="8566068" cy="4525963"/>
+            <a:off x="4263242" y="1600201"/>
+            <a:ext cx="7319158" cy="4525963"/>
           </a:xfrm>
         </p:spPr>
         <p:txBody>
           <a:bodyPr/>
           <a:lstStyle/>
+          <a:p>
+            <a:pPr lvl="0"/>
+            <a:r>
+              <a:rPr lang="nl-BE" dirty="0" smtClean="0"/>
+              <a:t>Java</a:t>
+            </a:r>
+            <a:endParaRPr lang="nl-BE" dirty="0"/>
+          </a:p>
+          <a:p>
+            <a:pPr lvl="0"/>
+            <a:r>
+              <a:rPr lang="en-US" dirty="0" smtClean="0"/>
+              <a:t>Spring</a:t>
+            </a:r>
+            <a:endParaRPr lang="en-US" dirty="0"/>
+          </a:p>
+          <a:p>
+            <a:pPr lvl="0"/>
+            <a:r>
+              <a:rPr lang="en-US" dirty="0" smtClean="0"/>
+              <a:t>Spring Boot</a:t>
+            </a:r>
+            <a:endParaRPr lang="en-US" dirty="0"/>
+          </a:p>
           <a:p>
             <a:pPr marL="0" indent="0">
               <a:buNone/>
             </a:pPr>
-            <a:r>
-              <a:rPr lang="en-GB" dirty="0" err="1" smtClean="0"/>
-              <a:t>Korte</a:t>
-            </a:r>
-            <a:r>
-              <a:rPr lang="en-GB" dirty="0" smtClean="0"/>
-              <a:t> </a:t>
-            </a:r>
-            <a:r>
-              <a:rPr lang="en-GB" dirty="0" smtClean="0"/>
-              <a:t>Java </a:t>
-            </a:r>
-            <a:r>
-              <a:rPr lang="en-GB" dirty="0" err="1" smtClean="0"/>
-              <a:t>uitleg</a:t>
-            </a:r>
-            <a:r>
-              <a:rPr lang="en-GB" dirty="0" smtClean="0"/>
-              <a:t>.. </a:t>
-            </a:r>
-            <a:r>
-              <a:rPr lang="en-GB" dirty="0" err="1" smtClean="0"/>
-              <a:t>todo</a:t>
-            </a:r>
-            <a:endParaRPr lang="en-GB" dirty="0"/>
-          </a:p>
-          <a:p>
-            <a:pPr marL="0" indent="0">
-              <a:buNone/>
-            </a:pPr>
-            <a:endParaRPr lang="nl-NL" dirty="0"/>
-          </a:p>
-        </p:txBody>
-      </p:sp>
-      <p:sp>
-        <p:nvSpPr>
-          <p:cNvPr id="4" name="Tijdelijke aanduiding voor dianummer 3"/>
+            <a:endParaRPr lang="nl-BE" dirty="0"/>
+          </a:p>
+        </p:txBody>
+      </p:sp>
+      <p:sp>
+        <p:nvSpPr>
+          <p:cNvPr id="4" name="Slide Number Placeholder 3"/>
           <p:cNvSpPr>
             <a:spLocks noGrp="1"/>
           </p:cNvSpPr>
@@ -5995,6 +6650,151 @@
                 <a:defRPr/>
               </a:pPr>
               <a:t>13</a:t>
+            </a:fld>
+            <a:endParaRPr lang="nl-NL"/>
+          </a:p>
+        </p:txBody>
+      </p:sp>
+    </p:spTree>
+    <p:extLst>
+      <p:ext uri="{BB962C8B-B14F-4D97-AF65-F5344CB8AC3E}">
+        <p14:creationId xmlns:p14="http://schemas.microsoft.com/office/powerpoint/2010/main" val="975155166"/>
+      </p:ext>
+    </p:extLst>
+  </p:cSld>
+  <p:clrMapOvr>
+    <a:masterClrMapping/>
+  </p:clrMapOvr>
+  <p:timing>
+    <p:tnLst>
+      <p:par>
+        <p:cTn id="1" dur="indefinite" restart="never" nodeType="tmRoot"/>
+      </p:par>
+    </p:tnLst>
+  </p:timing>
+</p:sld>
+</file>
+
+<file path=ppt/slides/slide14.xml><?xml version="1.0" encoding="utf-8"?>
+<p:sld xmlns:a="http://schemas.openxmlformats.org/drawingml/2006/main" xmlns:r="http://schemas.openxmlformats.org/officeDocument/2006/relationships" xmlns:p="http://schemas.openxmlformats.org/presentationml/2006/main">
+  <p:cSld>
+    <p:spTree>
+      <p:nvGrpSpPr>
+        <p:cNvPr id="1" name=""/>
+        <p:cNvGrpSpPr/>
+        <p:nvPr/>
+      </p:nvGrpSpPr>
+      <p:grpSpPr>
+        <a:xfrm>
+          <a:off x="0" y="0"/>
+          <a:ext cx="0" cy="0"/>
+          <a:chOff x="0" y="0"/>
+          <a:chExt cx="0" cy="0"/>
+        </a:xfrm>
+      </p:grpSpPr>
+      <p:sp>
+        <p:nvSpPr>
+          <p:cNvPr id="2" name="Titel 1"/>
+          <p:cNvSpPr>
+            <a:spLocks noGrp="1"/>
+          </p:cNvSpPr>
+          <p:nvPr>
+            <p:ph type="title"/>
+          </p:nvPr>
+        </p:nvSpPr>
+        <p:spPr/>
+        <p:txBody>
+          <a:bodyPr/>
+          <a:lstStyle/>
+          <a:p>
+            <a:r>
+              <a:rPr lang="en-GB" dirty="0" smtClean="0"/>
+              <a:t>Java</a:t>
+            </a:r>
+            <a:br>
+              <a:rPr lang="en-GB" dirty="0" smtClean="0"/>
+            </a:br>
+            <a:endParaRPr lang="nl-NL" dirty="0"/>
+          </a:p>
+        </p:txBody>
+      </p:sp>
+      <p:sp>
+        <p:nvSpPr>
+          <p:cNvPr id="3" name="Tijdelijke aanduiding voor inhoud 2"/>
+          <p:cNvSpPr>
+            <a:spLocks noGrp="1"/>
+          </p:cNvSpPr>
+          <p:nvPr>
+            <p:ph idx="1"/>
+          </p:nvPr>
+        </p:nvSpPr>
+        <p:spPr>
+          <a:xfrm>
+            <a:off x="3016332" y="1600201"/>
+            <a:ext cx="8566068" cy="4525963"/>
+          </a:xfrm>
+        </p:spPr>
+        <p:txBody>
+          <a:bodyPr/>
+          <a:lstStyle/>
+          <a:p>
+            <a:pPr marL="0" indent="0">
+              <a:buNone/>
+            </a:pPr>
+            <a:r>
+              <a:rPr lang="en-GB" dirty="0" err="1" smtClean="0"/>
+              <a:t>Korte</a:t>
+            </a:r>
+            <a:r>
+              <a:rPr lang="en-GB" dirty="0" smtClean="0"/>
+              <a:t> Java </a:t>
+            </a:r>
+            <a:r>
+              <a:rPr lang="en-GB" dirty="0" err="1" smtClean="0"/>
+              <a:t>uitleg</a:t>
+            </a:r>
+            <a:r>
+              <a:rPr lang="en-GB" dirty="0" smtClean="0"/>
+              <a:t>.. </a:t>
+            </a:r>
+            <a:r>
+              <a:rPr lang="en-GB" dirty="0" err="1" smtClean="0"/>
+              <a:t>todo</a:t>
+            </a:r>
+            <a:endParaRPr lang="en-GB" dirty="0"/>
+          </a:p>
+          <a:p>
+            <a:pPr marL="0" indent="0">
+              <a:buNone/>
+            </a:pPr>
+            <a:endParaRPr lang="nl-NL" dirty="0"/>
+          </a:p>
+        </p:txBody>
+      </p:sp>
+      <p:sp>
+        <p:nvSpPr>
+          <p:cNvPr id="4" name="Tijdelijke aanduiding voor dianummer 3"/>
+          <p:cNvSpPr>
+            <a:spLocks noGrp="1"/>
+          </p:cNvSpPr>
+          <p:nvPr>
+            <p:ph type="sldNum" sz="quarter" idx="12"/>
+          </p:nvPr>
+        </p:nvSpPr>
+        <p:spPr/>
+        <p:txBody>
+          <a:bodyPr/>
+          <a:lstStyle/>
+          <a:p>
+            <a:pPr>
+              <a:defRPr/>
+            </a:pPr>
+            <a:fld id="{BC2BCED3-7F4A-40F1-85DA-02B4B5A68187}" type="slidenum">
+              <a:rPr lang="nl-NL" smtClean="0"/>
+              <a:pPr>
+                <a:defRPr/>
+              </a:pPr>
+              <a:t>14</a:t>
             </a:fld>
             <a:endParaRPr lang="nl-NL"/>
           </a:p>
@@ -6043,7 +6843,7 @@
 </p:sld>
 </file>
 
-<file path=ppt/slides/slide14.xml><?xml version="1.0" encoding="utf-8"?>
+<file path=ppt/slides/slide15.xml><?xml version="1.0" encoding="utf-8"?>
 <p:sld xmlns:a="http://schemas.openxmlformats.org/drawingml/2006/main" xmlns:r="http://schemas.openxmlformats.org/officeDocument/2006/relationships" xmlns:p="http://schemas.openxmlformats.org/presentationml/2006/main">
   <p:cSld>
     <p:spTree>
@@ -6115,11 +6915,7 @@
             </a:r>
             <a:r>
               <a:rPr lang="en-GB" dirty="0" smtClean="0"/>
-              <a:t> </a:t>
-            </a:r>
-            <a:r>
-              <a:rPr lang="en-GB" dirty="0" smtClean="0"/>
-              <a:t>Spring </a:t>
+              <a:t> Spring </a:t>
             </a:r>
             <a:r>
               <a:rPr lang="en-GB" dirty="0" err="1" smtClean="0"/>
@@ -6166,7 +6962,7 @@
               <a:pPr>
                 <a:defRPr/>
               </a:pPr>
-              <a:t>14</a:t>
+              <a:t>15</a:t>
             </a:fld>
             <a:endParaRPr lang="nl-NL"/>
           </a:p>
@@ -6215,7 +7011,7 @@
 </p:sld>
 </file>
 
-<file path=ppt/slides/slide15.xml><?xml version="1.0" encoding="utf-8"?>
+<file path=ppt/slides/slide16.xml><?xml version="1.0" encoding="utf-8"?>
 <p:sld xmlns:a="http://schemas.openxmlformats.org/drawingml/2006/main" xmlns:r="http://schemas.openxmlformats.org/officeDocument/2006/relationships" xmlns:p="http://schemas.openxmlformats.org/presentationml/2006/main">
   <p:cSld>
     <p:spTree>
@@ -6287,11 +7083,7 @@
             </a:r>
             <a:r>
               <a:rPr lang="en-GB" dirty="0" smtClean="0"/>
-              <a:t> </a:t>
-            </a:r>
-            <a:r>
-              <a:rPr lang="en-GB" dirty="0" smtClean="0"/>
-              <a:t>Spring boot </a:t>
+              <a:t> Spring boot </a:t>
             </a:r>
             <a:r>
               <a:rPr lang="en-GB" dirty="0" err="1" smtClean="0"/>
@@ -6338,7 +7130,7 @@
               <a:pPr>
                 <a:defRPr/>
               </a:pPr>
-              <a:t>15</a:t>
+              <a:t>16</a:t>
             </a:fld>
             <a:endParaRPr lang="nl-NL"/>
           </a:p>
@@ -6387,130 +7179,6 @@
 </p:sld>
 </file>
 
-<file path=ppt/slides/slide16.xml><?xml version="1.0" encoding="utf-8"?>
-<p:sld xmlns:a="http://schemas.openxmlformats.org/drawingml/2006/main" xmlns:r="http://schemas.openxmlformats.org/officeDocument/2006/relationships" xmlns:p="http://schemas.openxmlformats.org/presentationml/2006/main">
-  <p:cSld>
-    <p:spTree>
-      <p:nvGrpSpPr>
-        <p:cNvPr id="1" name=""/>
-        <p:cNvGrpSpPr/>
-        <p:nvPr/>
-      </p:nvGrpSpPr>
-      <p:grpSpPr>
-        <a:xfrm>
-          <a:off x="0" y="0"/>
-          <a:ext cx="0" cy="0"/>
-          <a:chOff x="0" y="0"/>
-          <a:chExt cx="0" cy="0"/>
-        </a:xfrm>
-      </p:grpSpPr>
-      <p:sp>
-        <p:nvSpPr>
-          <p:cNvPr id="2" name="Title 1"/>
-          <p:cNvSpPr>
-            <a:spLocks noGrp="1"/>
-          </p:cNvSpPr>
-          <p:nvPr>
-            <p:ph type="title"/>
-          </p:nvPr>
-        </p:nvSpPr>
-        <p:spPr/>
-        <p:txBody>
-          <a:bodyPr/>
-          <a:lstStyle/>
-          <a:p>
-            <a:r>
-              <a:rPr lang="nl-BE" dirty="0" smtClean="0"/>
-              <a:t>Security</a:t>
-            </a:r>
-            <a:endParaRPr lang="nl-BE" dirty="0"/>
-          </a:p>
-        </p:txBody>
-      </p:sp>
-      <p:sp>
-        <p:nvSpPr>
-          <p:cNvPr id="3" name="Content Placeholder 2"/>
-          <p:cNvSpPr>
-            <a:spLocks noGrp="1"/>
-          </p:cNvSpPr>
-          <p:nvPr>
-            <p:ph idx="1"/>
-          </p:nvPr>
-        </p:nvSpPr>
-        <p:spPr>
-          <a:xfrm>
-            <a:off x="4263242" y="1600201"/>
-            <a:ext cx="7319158" cy="4525963"/>
-          </a:xfrm>
-        </p:spPr>
-        <p:txBody>
-          <a:bodyPr/>
-          <a:lstStyle/>
-          <a:p>
-            <a:pPr lvl="0"/>
-            <a:r>
-              <a:rPr lang="nl-BE" dirty="0" smtClean="0"/>
-              <a:t>Korte uitleg</a:t>
-            </a:r>
-            <a:endParaRPr lang="nl-BE" dirty="0"/>
-          </a:p>
-          <a:p>
-            <a:pPr marL="0" indent="0">
-              <a:buNone/>
-            </a:pPr>
-            <a:endParaRPr lang="nl-BE" dirty="0"/>
-          </a:p>
-        </p:txBody>
-      </p:sp>
-      <p:sp>
-        <p:nvSpPr>
-          <p:cNvPr id="4" name="Slide Number Placeholder 3"/>
-          <p:cNvSpPr>
-            <a:spLocks noGrp="1"/>
-          </p:cNvSpPr>
-          <p:nvPr>
-            <p:ph type="sldNum" sz="quarter" idx="12"/>
-          </p:nvPr>
-        </p:nvSpPr>
-        <p:spPr/>
-        <p:txBody>
-          <a:bodyPr/>
-          <a:lstStyle/>
-          <a:p>
-            <a:pPr>
-              <a:defRPr/>
-            </a:pPr>
-            <a:fld id="{BC2BCED3-7F4A-40F1-85DA-02B4B5A68187}" type="slidenum">
-              <a:rPr lang="nl-NL" smtClean="0"/>
-              <a:pPr>
-                <a:defRPr/>
-              </a:pPr>
-              <a:t>16</a:t>
-            </a:fld>
-            <a:endParaRPr lang="nl-NL"/>
-          </a:p>
-        </p:txBody>
-      </p:sp>
-    </p:spTree>
-    <p:extLst>
-      <p:ext uri="{BB962C8B-B14F-4D97-AF65-F5344CB8AC3E}">
-        <p14:creationId xmlns:p14="http://schemas.microsoft.com/office/powerpoint/2010/main" val="1381883243"/>
-      </p:ext>
-    </p:extLst>
-  </p:cSld>
-  <p:clrMapOvr>
-    <a:masterClrMapping/>
-  </p:clrMapOvr>
-  <p:timing>
-    <p:tnLst>
-      <p:par>
-        <p:cTn xmlns:p14="http://schemas.microsoft.com/office/powerpoint/2010/main" id="1" dur="indefinite" restart="never" nodeType="tmRoot"/>
-      </p:par>
-    </p:tnLst>
-  </p:timing>
-</p:sld>
-</file>
-
 <file path=ppt/slides/slide17.xml><?xml version="1.0" encoding="utf-8"?>
 <p:sld xmlns:a="http://schemas.openxmlformats.org/drawingml/2006/main" xmlns:r="http://schemas.openxmlformats.org/officeDocument/2006/relationships" xmlns:p="http://schemas.openxmlformats.org/presentationml/2006/main">
   <p:cSld>
@@ -6545,11 +7213,7 @@
           <a:p>
             <a:r>
               <a:rPr lang="nl-BE" dirty="0" smtClean="0"/>
-              <a:t>Front-end </a:t>
-            </a:r>
-            <a:r>
-              <a:rPr lang="nl-BE" dirty="0" smtClean="0"/>
-              <a:t>tools</a:t>
+              <a:t>Security</a:t>
             </a:r>
             <a:endParaRPr lang="nl-BE" dirty="0"/>
           </a:p>
@@ -6577,26 +7241,10 @@
           <a:p>
             <a:pPr lvl="0"/>
             <a:r>
-              <a:rPr lang="nl-BE" dirty="0" err="1" smtClean="0"/>
-              <a:t>Bower</a:t>
+              <a:rPr lang="nl-BE" dirty="0" smtClean="0"/>
+              <a:t>Korte uitleg</a:t>
             </a:r>
             <a:endParaRPr lang="nl-BE" dirty="0"/>
-          </a:p>
-          <a:p>
-            <a:pPr lvl="0"/>
-            <a:r>
-              <a:rPr lang="en-US" dirty="0" err="1" smtClean="0"/>
-              <a:t>AngularJs</a:t>
-            </a:r>
-            <a:endParaRPr lang="en-US" dirty="0"/>
-          </a:p>
-          <a:p>
-            <a:pPr lvl="0"/>
-            <a:r>
-              <a:rPr lang="en-US" dirty="0" smtClean="0"/>
-              <a:t>Twitter Bootstrap</a:t>
-            </a:r>
-            <a:endParaRPr lang="en-US" dirty="0"/>
           </a:p>
           <a:p>
             <a:pPr marL="0" indent="0">
@@ -6638,7 +7286,7 @@
     </p:spTree>
     <p:extLst>
       <p:ext uri="{BB962C8B-B14F-4D97-AF65-F5344CB8AC3E}">
-        <p14:creationId xmlns:p14="http://schemas.microsoft.com/office/powerpoint/2010/main" val="3585294866"/>
+        <p14:creationId xmlns:p14="http://schemas.microsoft.com/office/powerpoint/2010/main" val="1381883243"/>
       </p:ext>
     </p:extLst>
   </p:cSld>
@@ -6648,7 +7296,7 @@
   <p:timing>
     <p:tnLst>
       <p:par>
-        <p:cTn xmlns:p14="http://schemas.microsoft.com/office/powerpoint/2010/main" id="1" dur="indefinite" restart="never" nodeType="tmRoot"/>
+        <p:cTn id="1" dur="indefinite" restart="never" nodeType="tmRoot"/>
       </p:par>
     </p:tnLst>
   </p:timing>
@@ -6674,7 +7322,7 @@
       </p:grpSpPr>
       <p:sp>
         <p:nvSpPr>
-          <p:cNvPr id="2" name="Titel 1"/>
+          <p:cNvPr id="2" name="Title 1"/>
           <p:cNvSpPr>
             <a:spLocks noGrp="1"/>
           </p:cNvSpPr>
@@ -6688,16 +7336,16 @@
           <a:lstStyle/>
           <a:p>
             <a:r>
-              <a:rPr lang="en-GB" dirty="0" smtClean="0"/>
-              <a:t>Bower</a:t>
-            </a:r>
-            <a:endParaRPr lang="nl-NL" dirty="0"/>
-          </a:p>
-        </p:txBody>
-      </p:sp>
-      <p:sp>
-        <p:nvSpPr>
-          <p:cNvPr id="3" name="Tijdelijke aanduiding voor inhoud 2"/>
+              <a:rPr lang="nl-BE" dirty="0" smtClean="0"/>
+              <a:t>Front-end tools</a:t>
+            </a:r>
+            <a:endParaRPr lang="nl-BE" dirty="0"/>
+          </a:p>
+        </p:txBody>
+      </p:sp>
+      <p:sp>
+        <p:nvSpPr>
+          <p:cNvPr id="3" name="Content Placeholder 2"/>
           <p:cNvSpPr>
             <a:spLocks noGrp="1"/>
           </p:cNvSpPr>
@@ -6707,50 +7355,48 @@
         </p:nvSpPr>
         <p:spPr>
           <a:xfrm>
-            <a:off x="3016332" y="1600201"/>
-            <a:ext cx="8566068" cy="4525963"/>
+            <a:off x="4263242" y="1600201"/>
+            <a:ext cx="7319158" cy="4525963"/>
           </a:xfrm>
         </p:spPr>
         <p:txBody>
           <a:bodyPr/>
           <a:lstStyle/>
+          <a:p>
+            <a:pPr lvl="0"/>
+            <a:r>
+              <a:rPr lang="nl-BE" dirty="0" err="1" smtClean="0"/>
+              <a:t>Bower</a:t>
+            </a:r>
+            <a:endParaRPr lang="nl-BE" dirty="0"/>
+          </a:p>
+          <a:p>
+            <a:pPr lvl="0"/>
+            <a:r>
+              <a:rPr lang="en-US" dirty="0" err="1" smtClean="0"/>
+              <a:t>AngularJs</a:t>
+            </a:r>
+            <a:endParaRPr lang="en-US" dirty="0"/>
+          </a:p>
+          <a:p>
+            <a:pPr lvl="0"/>
+            <a:r>
+              <a:rPr lang="en-US" dirty="0" smtClean="0"/>
+              <a:t>Twitter Bootstrap</a:t>
+            </a:r>
+            <a:endParaRPr lang="en-US" dirty="0"/>
+          </a:p>
           <a:p>
             <a:pPr marL="0" indent="0">
               <a:buNone/>
             </a:pPr>
-            <a:r>
-              <a:rPr lang="en-GB" dirty="0" err="1" smtClean="0"/>
-              <a:t>Korte</a:t>
-            </a:r>
-            <a:r>
-              <a:rPr lang="en-GB" dirty="0" smtClean="0"/>
-              <a:t> bower </a:t>
-            </a:r>
-            <a:r>
-              <a:rPr lang="en-GB" dirty="0" err="1" smtClean="0"/>
-              <a:t>uitleg</a:t>
-            </a:r>
-            <a:r>
-              <a:rPr lang="en-GB" dirty="0" smtClean="0"/>
-              <a:t>.. </a:t>
-            </a:r>
-            <a:r>
-              <a:rPr lang="en-GB" dirty="0" err="1" smtClean="0"/>
-              <a:t>todo</a:t>
-            </a:r>
-            <a:endParaRPr lang="en-GB" dirty="0"/>
-          </a:p>
-          <a:p>
-            <a:pPr marL="0" indent="0">
-              <a:buNone/>
-            </a:pPr>
-            <a:endParaRPr lang="nl-NL" dirty="0"/>
-          </a:p>
-        </p:txBody>
-      </p:sp>
-      <p:sp>
-        <p:nvSpPr>
-          <p:cNvPr id="4" name="Tijdelijke aanduiding voor dianummer 3"/>
+            <a:endParaRPr lang="nl-BE" dirty="0"/>
+          </a:p>
+        </p:txBody>
+      </p:sp>
+      <p:sp>
+        <p:nvSpPr>
+          <p:cNvPr id="4" name="Slide Number Placeholder 3"/>
           <p:cNvSpPr>
             <a:spLocks noGrp="1"/>
           </p:cNvSpPr>
@@ -6772,6 +7418,148 @@
                 <a:defRPr/>
               </a:pPr>
               <a:t>18</a:t>
+            </a:fld>
+            <a:endParaRPr lang="nl-NL"/>
+          </a:p>
+        </p:txBody>
+      </p:sp>
+    </p:spTree>
+    <p:extLst>
+      <p:ext uri="{BB962C8B-B14F-4D97-AF65-F5344CB8AC3E}">
+        <p14:creationId xmlns:p14="http://schemas.microsoft.com/office/powerpoint/2010/main" val="3585294866"/>
+      </p:ext>
+    </p:extLst>
+  </p:cSld>
+  <p:clrMapOvr>
+    <a:masterClrMapping/>
+  </p:clrMapOvr>
+  <p:timing>
+    <p:tnLst>
+      <p:par>
+        <p:cTn id="1" dur="indefinite" restart="never" nodeType="tmRoot"/>
+      </p:par>
+    </p:tnLst>
+  </p:timing>
+</p:sld>
+</file>
+
+<file path=ppt/slides/slide19.xml><?xml version="1.0" encoding="utf-8"?>
+<p:sld xmlns:a="http://schemas.openxmlformats.org/drawingml/2006/main" xmlns:r="http://schemas.openxmlformats.org/officeDocument/2006/relationships" xmlns:p="http://schemas.openxmlformats.org/presentationml/2006/main">
+  <p:cSld>
+    <p:spTree>
+      <p:nvGrpSpPr>
+        <p:cNvPr id="1" name=""/>
+        <p:cNvGrpSpPr/>
+        <p:nvPr/>
+      </p:nvGrpSpPr>
+      <p:grpSpPr>
+        <a:xfrm>
+          <a:off x="0" y="0"/>
+          <a:ext cx="0" cy="0"/>
+          <a:chOff x="0" y="0"/>
+          <a:chExt cx="0" cy="0"/>
+        </a:xfrm>
+      </p:grpSpPr>
+      <p:sp>
+        <p:nvSpPr>
+          <p:cNvPr id="2" name="Titel 1"/>
+          <p:cNvSpPr>
+            <a:spLocks noGrp="1"/>
+          </p:cNvSpPr>
+          <p:nvPr>
+            <p:ph type="title"/>
+          </p:nvPr>
+        </p:nvSpPr>
+        <p:spPr/>
+        <p:txBody>
+          <a:bodyPr/>
+          <a:lstStyle/>
+          <a:p>
+            <a:r>
+              <a:rPr lang="en-GB" dirty="0" smtClean="0"/>
+              <a:t>Bower</a:t>
+            </a:r>
+            <a:endParaRPr lang="nl-NL" dirty="0"/>
+          </a:p>
+        </p:txBody>
+      </p:sp>
+      <p:sp>
+        <p:nvSpPr>
+          <p:cNvPr id="3" name="Tijdelijke aanduiding voor inhoud 2"/>
+          <p:cNvSpPr>
+            <a:spLocks noGrp="1"/>
+          </p:cNvSpPr>
+          <p:nvPr>
+            <p:ph idx="1"/>
+          </p:nvPr>
+        </p:nvSpPr>
+        <p:spPr>
+          <a:xfrm>
+            <a:off x="3016332" y="1600201"/>
+            <a:ext cx="8566068" cy="4525963"/>
+          </a:xfrm>
+        </p:spPr>
+        <p:txBody>
+          <a:bodyPr/>
+          <a:lstStyle/>
+          <a:p>
+            <a:pPr marL="0" indent="0">
+              <a:buNone/>
+            </a:pPr>
+            <a:r>
+              <a:rPr lang="en-GB" dirty="0" err="1" smtClean="0"/>
+              <a:t>Korte</a:t>
+            </a:r>
+            <a:r>
+              <a:rPr lang="en-GB" dirty="0" smtClean="0"/>
+              <a:t> bower </a:t>
+            </a:r>
+            <a:r>
+              <a:rPr lang="en-GB" dirty="0" err="1" smtClean="0"/>
+              <a:t>uitleg</a:t>
+            </a:r>
+            <a:r>
+              <a:rPr lang="en-GB" dirty="0" smtClean="0"/>
+              <a:t>.. </a:t>
+            </a:r>
+            <a:r>
+              <a:rPr lang="en-GB" dirty="0" err="1" smtClean="0"/>
+              <a:t>todo</a:t>
+            </a:r>
+            <a:endParaRPr lang="en-GB" dirty="0"/>
+          </a:p>
+          <a:p>
+            <a:pPr marL="0" indent="0">
+              <a:buNone/>
+            </a:pPr>
+            <a:endParaRPr lang="nl-NL" dirty="0"/>
+          </a:p>
+        </p:txBody>
+      </p:sp>
+      <p:sp>
+        <p:nvSpPr>
+          <p:cNvPr id="4" name="Tijdelijke aanduiding voor dianummer 3"/>
+          <p:cNvSpPr>
+            <a:spLocks noGrp="1"/>
+          </p:cNvSpPr>
+          <p:nvPr>
+            <p:ph type="sldNum" sz="quarter" idx="12"/>
+          </p:nvPr>
+        </p:nvSpPr>
+        <p:spPr/>
+        <p:txBody>
+          <a:bodyPr/>
+          <a:lstStyle/>
+          <a:p>
+            <a:pPr>
+              <a:defRPr/>
+            </a:pPr>
+            <a:fld id="{BC2BCED3-7F4A-40F1-85DA-02B4B5A68187}" type="slidenum">
+              <a:rPr lang="nl-NL" smtClean="0"/>
+              <a:pPr>
+                <a:defRPr/>
+              </a:pPr>
+              <a:t>19</a:t>
             </a:fld>
             <a:endParaRPr lang="nl-NL"/>
           </a:p>
@@ -6820,7 +7608,7 @@
 </p:sld>
 </file>
 
-<file path=ppt/slides/slide19.xml><?xml version="1.0" encoding="utf-8"?>
+<file path=ppt/slides/slide2.xml><?xml version="1.0" encoding="utf-8"?>
 <p:sld xmlns:a="http://schemas.openxmlformats.org/drawingml/2006/main" xmlns:r="http://schemas.openxmlformats.org/officeDocument/2006/relationships" xmlns:p="http://schemas.openxmlformats.org/presentationml/2006/main">
   <p:cSld>
     <p:spTree>
@@ -6839,6 +7627,240 @@
       </p:grpSpPr>
       <p:sp>
         <p:nvSpPr>
+          <p:cNvPr id="5" name="Rectangle 4"/>
+          <p:cNvSpPr/>
+          <p:nvPr/>
+        </p:nvSpPr>
+        <p:spPr>
+          <a:xfrm>
+            <a:off x="4059220" y="1817235"/>
+            <a:ext cx="6096000" cy="4031873"/>
+          </a:xfrm>
+          <a:prstGeom prst="rect">
+            <a:avLst/>
+          </a:prstGeom>
+          <a:noFill/>
+          <a:ln>
+            <a:noFill/>
+          </a:ln>
+          <a:extLst>
+            <a:ext uri="{909E8E84-426E-40dd-AFC4-6F175D3DCCD1}">
+              <a14:hiddenFill xmlns="" xmlns:a14="http://schemas.microsoft.com/office/drawing/2010/main">
+                <a:solidFill>
+                  <a:srgbClr val="FFFFFF"/>
+                </a:solidFill>
+              </a14:hiddenFill>
+            </a:ext>
+            <a:ext uri="{91240B29-F687-4f45-9708-019B960494DF}">
+              <a14:hiddenLine xmlns="" xmlns:a14="http://schemas.microsoft.com/office/drawing/2010/main" w="9525">
+                <a:solidFill>
+                  <a:srgbClr val="000000"/>
+                </a:solidFill>
+                <a:miter lim="800000"/>
+                <a:headEnd/>
+                <a:tailEnd/>
+              </a14:hiddenLine>
+            </a:ext>
+          </a:extLst>
+        </p:spPr>
+        <p:txBody>
+          <a:bodyPr vert="horz" wrap="square" lIns="91440" tIns="45720" rIns="91440" bIns="45720" numCol="1" anchor="t" anchorCtr="0" compatLnSpc="1">
+            <a:prstTxWarp prst="textNoShape">
+              <a:avLst/>
+            </a:prstTxWarp>
+            <a:normAutofit lnSpcReduction="10000"/>
+          </a:bodyPr>
+          <a:lstStyle/>
+          <a:p>
+            <a:pPr marL="457200" indent="-457200" defTabSz="457200" eaLnBrk="0" fontAlgn="base" hangingPunct="0">
+              <a:spcBef>
+                <a:spcPct val="20000"/>
+              </a:spcBef>
+              <a:spcAft>
+                <a:spcPct val="0"/>
+              </a:spcAft>
+              <a:buFont typeface="Arial" panose="020B0604020202020204" pitchFamily="34" charset="0"/>
+              <a:buChar char="•"/>
+            </a:pPr>
+            <a:r>
+              <a:rPr lang="nl-BE" sz="3200" dirty="0" smtClean="0"/>
+              <a:t>Webapplicatie</a:t>
+            </a:r>
+          </a:p>
+          <a:p>
+            <a:pPr marL="457200" indent="-457200" defTabSz="457200" eaLnBrk="0" fontAlgn="base" hangingPunct="0">
+              <a:spcBef>
+                <a:spcPct val="20000"/>
+              </a:spcBef>
+              <a:spcAft>
+                <a:spcPct val="0"/>
+              </a:spcAft>
+              <a:buFont typeface="Arial" panose="020B0604020202020204" pitchFamily="34" charset="0"/>
+              <a:buChar char="•"/>
+            </a:pPr>
+            <a:r>
+              <a:rPr lang="nl-BE" sz="3200" dirty="0" smtClean="0"/>
+              <a:t>Ideeën pitchen</a:t>
+            </a:r>
+          </a:p>
+          <a:p>
+            <a:pPr marL="457200" indent="-457200" defTabSz="457200" eaLnBrk="0" fontAlgn="base" hangingPunct="0">
+              <a:spcBef>
+                <a:spcPct val="20000"/>
+              </a:spcBef>
+              <a:spcAft>
+                <a:spcPct val="0"/>
+              </a:spcAft>
+              <a:buFont typeface="Arial" panose="020B0604020202020204" pitchFamily="34" charset="0"/>
+              <a:buChar char="•"/>
+            </a:pPr>
+            <a:r>
+              <a:rPr lang="nl-BE" sz="3200" dirty="0" smtClean="0"/>
+              <a:t>Kickstarter</a:t>
+            </a:r>
+          </a:p>
+          <a:p>
+            <a:pPr marL="457200" indent="-457200" defTabSz="457200" eaLnBrk="0" fontAlgn="base" hangingPunct="0">
+              <a:spcBef>
+                <a:spcPct val="20000"/>
+              </a:spcBef>
+              <a:spcAft>
+                <a:spcPct val="0"/>
+              </a:spcAft>
+              <a:buFont typeface="Arial" panose="020B0604020202020204" pitchFamily="34" charset="0"/>
+              <a:buChar char="•"/>
+            </a:pPr>
+            <a:r>
+              <a:rPr lang="nl-BE" sz="3200" dirty="0" smtClean="0"/>
+              <a:t>‘</a:t>
+            </a:r>
+            <a:r>
+              <a:rPr lang="nl-BE" sz="3200" i="1" dirty="0" smtClean="0"/>
+              <a:t>Liken</a:t>
+            </a:r>
+            <a:r>
+              <a:rPr lang="nl-BE" sz="3200" dirty="0" smtClean="0"/>
+              <a:t>’/leuk vinden</a:t>
+            </a:r>
+          </a:p>
+          <a:p>
+            <a:pPr marL="457200" indent="-457200" defTabSz="457200" eaLnBrk="0" fontAlgn="base" hangingPunct="0">
+              <a:spcBef>
+                <a:spcPct val="20000"/>
+              </a:spcBef>
+              <a:spcAft>
+                <a:spcPct val="0"/>
+              </a:spcAft>
+              <a:buFont typeface="Arial" panose="020B0604020202020204" pitchFamily="34" charset="0"/>
+              <a:buChar char="•"/>
+            </a:pPr>
+            <a:r>
+              <a:rPr lang="nl-BE" sz="3200" dirty="0" smtClean="0"/>
+              <a:t>Inschrijven/steunen</a:t>
+            </a:r>
+          </a:p>
+          <a:p>
+            <a:pPr marL="457200" indent="-457200" defTabSz="457200" eaLnBrk="0" fontAlgn="base" hangingPunct="0">
+              <a:spcBef>
+                <a:spcPct val="20000"/>
+              </a:spcBef>
+              <a:spcAft>
+                <a:spcPct val="0"/>
+              </a:spcAft>
+              <a:buFont typeface="Arial" panose="020B0604020202020204" pitchFamily="34" charset="0"/>
+              <a:buChar char="•"/>
+            </a:pPr>
+            <a:r>
+              <a:rPr lang="nl-BE" sz="3200" dirty="0" smtClean="0"/>
+              <a:t>Commentaar</a:t>
+            </a:r>
+          </a:p>
+          <a:p>
+            <a:pPr marL="457200" indent="-457200" defTabSz="457200" eaLnBrk="0" fontAlgn="base" hangingPunct="0">
+              <a:spcBef>
+                <a:spcPct val="20000"/>
+              </a:spcBef>
+              <a:spcAft>
+                <a:spcPct val="0"/>
+              </a:spcAft>
+              <a:buFont typeface="Arial" panose="020B0604020202020204" pitchFamily="34" charset="0"/>
+              <a:buChar char="•"/>
+            </a:pPr>
+            <a:r>
+              <a:rPr lang="nl-BE" sz="3200" dirty="0" smtClean="0"/>
+              <a:t>Opvolging </a:t>
+            </a:r>
+            <a:endParaRPr lang="nl-BE" sz="3200" dirty="0"/>
+          </a:p>
+        </p:txBody>
+      </p:sp>
+      <p:sp>
+        <p:nvSpPr>
+          <p:cNvPr id="6" name="Title 1"/>
+          <p:cNvSpPr>
+            <a:spLocks noGrp="1"/>
+          </p:cNvSpPr>
+          <p:nvPr>
+            <p:ph type="title"/>
+          </p:nvPr>
+        </p:nvSpPr>
+        <p:spPr>
+          <a:xfrm>
+            <a:off x="1785770" y="443418"/>
+            <a:ext cx="8229600" cy="1143000"/>
+          </a:xfrm>
+        </p:spPr>
+        <p:txBody>
+          <a:bodyPr/>
+          <a:lstStyle/>
+          <a:p>
+            <a:r>
+              <a:rPr lang="nl-BE" b="1" dirty="0" smtClean="0"/>
+              <a:t>I-Talent-Platform</a:t>
+            </a:r>
+            <a:endParaRPr lang="nl-BE" dirty="0"/>
+          </a:p>
+        </p:txBody>
+      </p:sp>
+    </p:spTree>
+    <p:extLst>
+      <p:ext uri="{BB962C8B-B14F-4D97-AF65-F5344CB8AC3E}">
+        <p14:creationId xmlns:p14="http://schemas.microsoft.com/office/powerpoint/2010/main" val="32327070"/>
+      </p:ext>
+    </p:extLst>
+  </p:cSld>
+  <p:clrMapOvr>
+    <a:masterClrMapping/>
+  </p:clrMapOvr>
+  <p:timing>
+    <p:tnLst>
+      <p:par>
+        <p:cTn id="1" dur="indefinite" restart="never" nodeType="tmRoot"/>
+      </p:par>
+    </p:tnLst>
+  </p:timing>
+</p:sld>
+</file>
+
+<file path=ppt/slides/slide20.xml><?xml version="1.0" encoding="utf-8"?>
+<p:sld xmlns:a="http://schemas.openxmlformats.org/drawingml/2006/main" xmlns:r="http://schemas.openxmlformats.org/officeDocument/2006/relationships" xmlns:p="http://schemas.openxmlformats.org/presentationml/2006/main">
+  <p:cSld>
+    <p:spTree>
+      <p:nvGrpSpPr>
+        <p:cNvPr id="1" name=""/>
+        <p:cNvGrpSpPr/>
+        <p:nvPr/>
+      </p:nvGrpSpPr>
+      <p:grpSpPr>
+        <a:xfrm>
+          <a:off x="0" y="0"/>
+          <a:ext cx="0" cy="0"/>
+          <a:chOff x="0" y="0"/>
+          <a:chExt cx="0" cy="0"/>
+        </a:xfrm>
+      </p:grpSpPr>
+      <p:sp>
+        <p:nvSpPr>
           <p:cNvPr id="2" name="Titel 1"/>
           <p:cNvSpPr>
             <a:spLocks noGrp="1"/>
@@ -6930,7 +7952,7 @@
               <a:pPr>
                 <a:defRPr/>
               </a:pPr>
-              <a:t>19</a:t>
+              <a:t>20</a:t>
             </a:fld>
             <a:endParaRPr lang="nl-NL"/>
           </a:p>
@@ -6979,7 +8001,7 @@
 </p:sld>
 </file>
 
-<file path=ppt/slides/slide2.xml><?xml version="1.0" encoding="utf-8"?>
+<file path=ppt/slides/slide21.xml><?xml version="1.0" encoding="utf-8"?>
 <p:sld xmlns:a="http://schemas.openxmlformats.org/drawingml/2006/main" xmlns:r="http://schemas.openxmlformats.org/officeDocument/2006/relationships" xmlns:p="http://schemas.openxmlformats.org/presentationml/2006/main">
   <p:cSld>
     <p:spTree>
@@ -6998,240 +8020,6 @@
       </p:grpSpPr>
       <p:sp>
         <p:nvSpPr>
-          <p:cNvPr id="5" name="Rectangle 4"/>
-          <p:cNvSpPr/>
-          <p:nvPr/>
-        </p:nvSpPr>
-        <p:spPr>
-          <a:xfrm>
-            <a:off x="4059220" y="1817235"/>
-            <a:ext cx="6096000" cy="4031873"/>
-          </a:xfrm>
-          <a:prstGeom prst="rect">
-            <a:avLst/>
-          </a:prstGeom>
-          <a:noFill/>
-          <a:ln>
-            <a:noFill/>
-          </a:ln>
-          <a:extLst>
-            <a:ext uri="{909E8E84-426E-40dd-AFC4-6F175D3DCCD1}">
-              <a14:hiddenFill xmlns:a14="http://schemas.microsoft.com/office/drawing/2010/main">
-                <a:solidFill>
-                  <a:srgbClr val="FFFFFF"/>
-                </a:solidFill>
-              </a14:hiddenFill>
-            </a:ext>
-            <a:ext uri="{91240B29-F687-4f45-9708-019B960494DF}">
-              <a14:hiddenLine xmlns:a14="http://schemas.microsoft.com/office/drawing/2010/main" w="9525">
-                <a:solidFill>
-                  <a:srgbClr val="000000"/>
-                </a:solidFill>
-                <a:miter lim="800000"/>
-                <a:headEnd/>
-                <a:tailEnd/>
-              </a14:hiddenLine>
-            </a:ext>
-          </a:extLst>
-        </p:spPr>
-        <p:txBody>
-          <a:bodyPr vert="horz" wrap="square" lIns="91440" tIns="45720" rIns="91440" bIns="45720" numCol="1" anchor="t" anchorCtr="0" compatLnSpc="1">
-            <a:prstTxWarp prst="textNoShape">
-              <a:avLst/>
-            </a:prstTxWarp>
-            <a:normAutofit lnSpcReduction="10000"/>
-          </a:bodyPr>
-          <a:lstStyle/>
-          <a:p>
-            <a:pPr marL="457200" indent="-457200" defTabSz="457200" eaLnBrk="0" fontAlgn="base" hangingPunct="0">
-              <a:spcBef>
-                <a:spcPct val="20000"/>
-              </a:spcBef>
-              <a:spcAft>
-                <a:spcPct val="0"/>
-              </a:spcAft>
-              <a:buFont typeface="Arial" panose="020B0604020202020204" pitchFamily="34" charset="0"/>
-              <a:buChar char="•"/>
-            </a:pPr>
-            <a:r>
-              <a:rPr lang="nl-BE" sz="3200" dirty="0" smtClean="0"/>
-              <a:t>Webapplicatie</a:t>
-            </a:r>
-          </a:p>
-          <a:p>
-            <a:pPr marL="457200" indent="-457200" defTabSz="457200" eaLnBrk="0" fontAlgn="base" hangingPunct="0">
-              <a:spcBef>
-                <a:spcPct val="20000"/>
-              </a:spcBef>
-              <a:spcAft>
-                <a:spcPct val="0"/>
-              </a:spcAft>
-              <a:buFont typeface="Arial" panose="020B0604020202020204" pitchFamily="34" charset="0"/>
-              <a:buChar char="•"/>
-            </a:pPr>
-            <a:r>
-              <a:rPr lang="nl-BE" sz="3200" dirty="0" smtClean="0"/>
-              <a:t>Ideeën pitchen</a:t>
-            </a:r>
-          </a:p>
-          <a:p>
-            <a:pPr marL="457200" indent="-457200" defTabSz="457200" eaLnBrk="0" fontAlgn="base" hangingPunct="0">
-              <a:spcBef>
-                <a:spcPct val="20000"/>
-              </a:spcBef>
-              <a:spcAft>
-                <a:spcPct val="0"/>
-              </a:spcAft>
-              <a:buFont typeface="Arial" panose="020B0604020202020204" pitchFamily="34" charset="0"/>
-              <a:buChar char="•"/>
-            </a:pPr>
-            <a:r>
-              <a:rPr lang="nl-BE" sz="3200" dirty="0" smtClean="0"/>
-              <a:t>Kickstarter</a:t>
-            </a:r>
-          </a:p>
-          <a:p>
-            <a:pPr marL="457200" indent="-457200" defTabSz="457200" eaLnBrk="0" fontAlgn="base" hangingPunct="0">
-              <a:spcBef>
-                <a:spcPct val="20000"/>
-              </a:spcBef>
-              <a:spcAft>
-                <a:spcPct val="0"/>
-              </a:spcAft>
-              <a:buFont typeface="Arial" panose="020B0604020202020204" pitchFamily="34" charset="0"/>
-              <a:buChar char="•"/>
-            </a:pPr>
-            <a:r>
-              <a:rPr lang="nl-BE" sz="3200" dirty="0" smtClean="0"/>
-              <a:t>‘</a:t>
-            </a:r>
-            <a:r>
-              <a:rPr lang="nl-BE" sz="3200" i="1" dirty="0" smtClean="0"/>
-              <a:t>Liken</a:t>
-            </a:r>
-            <a:r>
-              <a:rPr lang="nl-BE" sz="3200" dirty="0" smtClean="0"/>
-              <a:t>’/leuk vinden</a:t>
-            </a:r>
-          </a:p>
-          <a:p>
-            <a:pPr marL="457200" indent="-457200" defTabSz="457200" eaLnBrk="0" fontAlgn="base" hangingPunct="0">
-              <a:spcBef>
-                <a:spcPct val="20000"/>
-              </a:spcBef>
-              <a:spcAft>
-                <a:spcPct val="0"/>
-              </a:spcAft>
-              <a:buFont typeface="Arial" panose="020B0604020202020204" pitchFamily="34" charset="0"/>
-              <a:buChar char="•"/>
-            </a:pPr>
-            <a:r>
-              <a:rPr lang="nl-BE" sz="3200" dirty="0" smtClean="0"/>
-              <a:t>Inschrijven/steunen</a:t>
-            </a:r>
-          </a:p>
-          <a:p>
-            <a:pPr marL="457200" indent="-457200" defTabSz="457200" eaLnBrk="0" fontAlgn="base" hangingPunct="0">
-              <a:spcBef>
-                <a:spcPct val="20000"/>
-              </a:spcBef>
-              <a:spcAft>
-                <a:spcPct val="0"/>
-              </a:spcAft>
-              <a:buFont typeface="Arial" panose="020B0604020202020204" pitchFamily="34" charset="0"/>
-              <a:buChar char="•"/>
-            </a:pPr>
-            <a:r>
-              <a:rPr lang="nl-BE" sz="3200" dirty="0" smtClean="0"/>
-              <a:t>Commentaar</a:t>
-            </a:r>
-          </a:p>
-          <a:p>
-            <a:pPr marL="457200" indent="-457200" defTabSz="457200" eaLnBrk="0" fontAlgn="base" hangingPunct="0">
-              <a:spcBef>
-                <a:spcPct val="20000"/>
-              </a:spcBef>
-              <a:spcAft>
-                <a:spcPct val="0"/>
-              </a:spcAft>
-              <a:buFont typeface="Arial" panose="020B0604020202020204" pitchFamily="34" charset="0"/>
-              <a:buChar char="•"/>
-            </a:pPr>
-            <a:r>
-              <a:rPr lang="nl-BE" sz="3200" dirty="0" smtClean="0"/>
-              <a:t>Opvolging </a:t>
-            </a:r>
-            <a:endParaRPr lang="nl-BE" sz="3200" dirty="0"/>
-          </a:p>
-        </p:txBody>
-      </p:sp>
-      <p:sp>
-        <p:nvSpPr>
-          <p:cNvPr id="6" name="Title 1"/>
-          <p:cNvSpPr>
-            <a:spLocks noGrp="1"/>
-          </p:cNvSpPr>
-          <p:nvPr>
-            <p:ph type="title"/>
-          </p:nvPr>
-        </p:nvSpPr>
-        <p:spPr>
-          <a:xfrm>
-            <a:off x="1785770" y="443418"/>
-            <a:ext cx="8229600" cy="1143000"/>
-          </a:xfrm>
-        </p:spPr>
-        <p:txBody>
-          <a:bodyPr/>
-          <a:lstStyle/>
-          <a:p>
-            <a:r>
-              <a:rPr lang="nl-BE" b="1" dirty="0" smtClean="0"/>
-              <a:t>I-Talent-Platform</a:t>
-            </a:r>
-            <a:endParaRPr lang="nl-BE" dirty="0"/>
-          </a:p>
-        </p:txBody>
-      </p:sp>
-    </p:spTree>
-    <p:extLst>
-      <p:ext uri="{BB962C8B-B14F-4D97-AF65-F5344CB8AC3E}">
-        <p14:creationId xmlns:p14="http://schemas.microsoft.com/office/powerpoint/2010/main" val="32327070"/>
-      </p:ext>
-    </p:extLst>
-  </p:cSld>
-  <p:clrMapOvr>
-    <a:masterClrMapping/>
-  </p:clrMapOvr>
-  <p:timing>
-    <p:tnLst>
-      <p:par>
-        <p:cTn xmlns:p14="http://schemas.microsoft.com/office/powerpoint/2010/main" id="1" dur="indefinite" restart="never" nodeType="tmRoot"/>
-      </p:par>
-    </p:tnLst>
-  </p:timing>
-</p:sld>
-</file>
-
-<file path=ppt/slides/slide20.xml><?xml version="1.0" encoding="utf-8"?>
-<p:sld xmlns:a="http://schemas.openxmlformats.org/drawingml/2006/main" xmlns:r="http://schemas.openxmlformats.org/officeDocument/2006/relationships" xmlns:p="http://schemas.openxmlformats.org/presentationml/2006/main">
-  <p:cSld>
-    <p:spTree>
-      <p:nvGrpSpPr>
-        <p:cNvPr id="1" name=""/>
-        <p:cNvGrpSpPr/>
-        <p:nvPr/>
-      </p:nvGrpSpPr>
-      <p:grpSpPr>
-        <a:xfrm>
-          <a:off x="0" y="0"/>
-          <a:ext cx="0" cy="0"/>
-          <a:chOff x="0" y="0"/>
-          <a:chExt cx="0" cy="0"/>
-        </a:xfrm>
-      </p:grpSpPr>
-      <p:sp>
-        <p:nvSpPr>
           <p:cNvPr id="2" name="Titel 1"/>
           <p:cNvSpPr>
             <a:spLocks noGrp="1"/>
@@ -7323,7 +8111,7 @@
               <a:pPr>
                 <a:defRPr/>
               </a:pPr>
-              <a:t>20</a:t>
+              <a:t>21</a:t>
             </a:fld>
             <a:endParaRPr lang="nl-NL"/>
           </a:p>
@@ -7372,130 +8160,6 @@
 </p:sld>
 </file>
 
-<file path=ppt/slides/slide21.xml><?xml version="1.0" encoding="utf-8"?>
-<p:sld xmlns:a="http://schemas.openxmlformats.org/drawingml/2006/main" xmlns:r="http://schemas.openxmlformats.org/officeDocument/2006/relationships" xmlns:p="http://schemas.openxmlformats.org/presentationml/2006/main">
-  <p:cSld>
-    <p:spTree>
-      <p:nvGrpSpPr>
-        <p:cNvPr id="1" name=""/>
-        <p:cNvGrpSpPr/>
-        <p:nvPr/>
-      </p:nvGrpSpPr>
-      <p:grpSpPr>
-        <a:xfrm>
-          <a:off x="0" y="0"/>
-          <a:ext cx="0" cy="0"/>
-          <a:chOff x="0" y="0"/>
-          <a:chExt cx="0" cy="0"/>
-        </a:xfrm>
-      </p:grpSpPr>
-      <p:sp>
-        <p:nvSpPr>
-          <p:cNvPr id="2" name="Title 1"/>
-          <p:cNvSpPr>
-            <a:spLocks noGrp="1"/>
-          </p:cNvSpPr>
-          <p:nvPr>
-            <p:ph type="title"/>
-          </p:nvPr>
-        </p:nvSpPr>
-        <p:spPr/>
-        <p:txBody>
-          <a:bodyPr/>
-          <a:lstStyle/>
-          <a:p>
-            <a:r>
-              <a:rPr lang="nl-BE" dirty="0" smtClean="0"/>
-              <a:t>AngularJS en security</a:t>
-            </a:r>
-            <a:endParaRPr lang="nl-BE" dirty="0"/>
-          </a:p>
-        </p:txBody>
-      </p:sp>
-      <p:sp>
-        <p:nvSpPr>
-          <p:cNvPr id="3" name="Content Placeholder 2"/>
-          <p:cNvSpPr>
-            <a:spLocks noGrp="1"/>
-          </p:cNvSpPr>
-          <p:nvPr>
-            <p:ph idx="1"/>
-          </p:nvPr>
-        </p:nvSpPr>
-        <p:spPr>
-          <a:xfrm>
-            <a:off x="4263242" y="1600201"/>
-            <a:ext cx="7319158" cy="4525963"/>
-          </a:xfrm>
-        </p:spPr>
-        <p:txBody>
-          <a:bodyPr/>
-          <a:lstStyle/>
-          <a:p>
-            <a:pPr lvl="0"/>
-            <a:r>
-              <a:rPr lang="nl-BE" dirty="0" smtClean="0"/>
-              <a:t>Kort woordje</a:t>
-            </a:r>
-            <a:endParaRPr lang="nl-BE" dirty="0"/>
-          </a:p>
-          <a:p>
-            <a:pPr marL="0" indent="0">
-              <a:buNone/>
-            </a:pPr>
-            <a:endParaRPr lang="nl-BE" dirty="0"/>
-          </a:p>
-        </p:txBody>
-      </p:sp>
-      <p:sp>
-        <p:nvSpPr>
-          <p:cNvPr id="4" name="Slide Number Placeholder 3"/>
-          <p:cNvSpPr>
-            <a:spLocks noGrp="1"/>
-          </p:cNvSpPr>
-          <p:nvPr>
-            <p:ph type="sldNum" sz="quarter" idx="12"/>
-          </p:nvPr>
-        </p:nvSpPr>
-        <p:spPr/>
-        <p:txBody>
-          <a:bodyPr/>
-          <a:lstStyle/>
-          <a:p>
-            <a:pPr>
-              <a:defRPr/>
-            </a:pPr>
-            <a:fld id="{BC2BCED3-7F4A-40F1-85DA-02B4B5A68187}" type="slidenum">
-              <a:rPr lang="nl-NL" smtClean="0"/>
-              <a:pPr>
-                <a:defRPr/>
-              </a:pPr>
-              <a:t>21</a:t>
-            </a:fld>
-            <a:endParaRPr lang="nl-NL"/>
-          </a:p>
-        </p:txBody>
-      </p:sp>
-    </p:spTree>
-    <p:extLst>
-      <p:ext uri="{BB962C8B-B14F-4D97-AF65-F5344CB8AC3E}">
-        <p14:creationId xmlns:p14="http://schemas.microsoft.com/office/powerpoint/2010/main" val="11309733"/>
-      </p:ext>
-    </p:extLst>
-  </p:cSld>
-  <p:clrMapOvr>
-    <a:masterClrMapping/>
-  </p:clrMapOvr>
-  <p:timing>
-    <p:tnLst>
-      <p:par>
-        <p:cTn xmlns:p14="http://schemas.microsoft.com/office/powerpoint/2010/main" id="1" dur="indefinite" restart="never" nodeType="tmRoot"/>
-      </p:par>
-    </p:tnLst>
-  </p:timing>
-</p:sld>
-</file>
-
 <file path=ppt/slides/slide22.xml><?xml version="1.0" encoding="utf-8"?>
 <p:sld xmlns:a="http://schemas.openxmlformats.org/drawingml/2006/main" xmlns:r="http://schemas.openxmlformats.org/officeDocument/2006/relationships" xmlns:p="http://schemas.openxmlformats.org/presentationml/2006/main">
   <p:cSld>
@@ -7530,7 +8194,7 @@
           <a:p>
             <a:r>
               <a:rPr lang="nl-BE" dirty="0" smtClean="0"/>
-              <a:t>I-Talent-Platform</a:t>
+              <a:t>AngularJS en security</a:t>
             </a:r>
             <a:endParaRPr lang="nl-BE" dirty="0"/>
           </a:p>
@@ -7548,22 +8212,20 @@
         </p:nvSpPr>
         <p:spPr>
           <a:xfrm>
-            <a:off x="4251367" y="1417638"/>
-            <a:ext cx="5522026" cy="525482"/>
+            <a:off x="4263242" y="1600201"/>
+            <a:ext cx="7319158" cy="4525963"/>
           </a:xfrm>
         </p:spPr>
         <p:txBody>
           <a:bodyPr/>
           <a:lstStyle/>
           <a:p>
-            <a:pPr marL="0" lvl="0" indent="0">
-              <a:buNone/>
-            </a:pPr>
-            <a:r>
-              <a:rPr lang="en-US" b="1" dirty="0" smtClean="0"/>
-              <a:t>First results:</a:t>
-            </a:r>
-            <a:endParaRPr lang="en-US" b="1" dirty="0"/>
+            <a:pPr lvl="0"/>
+            <a:r>
+              <a:rPr lang="nl-BE" dirty="0" smtClean="0"/>
+              <a:t>Kort woordje</a:t>
+            </a:r>
+            <a:endParaRPr lang="nl-BE" dirty="0"/>
           </a:p>
           <a:p>
             <a:pPr marL="0" indent="0">
@@ -7597,6 +8259,132 @@
                 <a:defRPr/>
               </a:pPr>
               <a:t>22</a:t>
+            </a:fld>
+            <a:endParaRPr lang="nl-NL"/>
+          </a:p>
+        </p:txBody>
+      </p:sp>
+    </p:spTree>
+    <p:extLst>
+      <p:ext uri="{BB962C8B-B14F-4D97-AF65-F5344CB8AC3E}">
+        <p14:creationId xmlns:p14="http://schemas.microsoft.com/office/powerpoint/2010/main" val="11309733"/>
+      </p:ext>
+    </p:extLst>
+  </p:cSld>
+  <p:clrMapOvr>
+    <a:masterClrMapping/>
+  </p:clrMapOvr>
+  <p:timing>
+    <p:tnLst>
+      <p:par>
+        <p:cTn id="1" dur="indefinite" restart="never" nodeType="tmRoot"/>
+      </p:par>
+    </p:tnLst>
+  </p:timing>
+</p:sld>
+</file>
+
+<file path=ppt/slides/slide23.xml><?xml version="1.0" encoding="utf-8"?>
+<p:sld xmlns:a="http://schemas.openxmlformats.org/drawingml/2006/main" xmlns:r="http://schemas.openxmlformats.org/officeDocument/2006/relationships" xmlns:p="http://schemas.openxmlformats.org/presentationml/2006/main">
+  <p:cSld>
+    <p:spTree>
+      <p:nvGrpSpPr>
+        <p:cNvPr id="1" name=""/>
+        <p:cNvGrpSpPr/>
+        <p:nvPr/>
+      </p:nvGrpSpPr>
+      <p:grpSpPr>
+        <a:xfrm>
+          <a:off x="0" y="0"/>
+          <a:ext cx="0" cy="0"/>
+          <a:chOff x="0" y="0"/>
+          <a:chExt cx="0" cy="0"/>
+        </a:xfrm>
+      </p:grpSpPr>
+      <p:sp>
+        <p:nvSpPr>
+          <p:cNvPr id="2" name="Title 1"/>
+          <p:cNvSpPr>
+            <a:spLocks noGrp="1"/>
+          </p:cNvSpPr>
+          <p:nvPr>
+            <p:ph type="title"/>
+          </p:nvPr>
+        </p:nvSpPr>
+        <p:spPr/>
+        <p:txBody>
+          <a:bodyPr/>
+          <a:lstStyle/>
+          <a:p>
+            <a:r>
+              <a:rPr lang="nl-BE" dirty="0" smtClean="0"/>
+              <a:t>I-Talent-Platform</a:t>
+            </a:r>
+            <a:endParaRPr lang="nl-BE" dirty="0"/>
+          </a:p>
+        </p:txBody>
+      </p:sp>
+      <p:sp>
+        <p:nvSpPr>
+          <p:cNvPr id="3" name="Content Placeholder 2"/>
+          <p:cNvSpPr>
+            <a:spLocks noGrp="1"/>
+          </p:cNvSpPr>
+          <p:nvPr>
+            <p:ph idx="1"/>
+          </p:nvPr>
+        </p:nvSpPr>
+        <p:spPr>
+          <a:xfrm>
+            <a:off x="4251367" y="1417638"/>
+            <a:ext cx="5522026" cy="525482"/>
+          </a:xfrm>
+        </p:spPr>
+        <p:txBody>
+          <a:bodyPr/>
+          <a:lstStyle/>
+          <a:p>
+            <a:pPr marL="0" lvl="0" indent="0">
+              <a:buNone/>
+            </a:pPr>
+            <a:r>
+              <a:rPr lang="en-US" b="1" dirty="0" smtClean="0"/>
+              <a:t>First results:</a:t>
+            </a:r>
+            <a:endParaRPr lang="en-US" b="1" dirty="0"/>
+          </a:p>
+          <a:p>
+            <a:pPr marL="0" indent="0">
+              <a:buNone/>
+            </a:pPr>
+            <a:endParaRPr lang="nl-BE" dirty="0"/>
+          </a:p>
+        </p:txBody>
+      </p:sp>
+      <p:sp>
+        <p:nvSpPr>
+          <p:cNvPr id="4" name="Slide Number Placeholder 3"/>
+          <p:cNvSpPr>
+            <a:spLocks noGrp="1"/>
+          </p:cNvSpPr>
+          <p:nvPr>
+            <p:ph type="sldNum" sz="quarter" idx="12"/>
+          </p:nvPr>
+        </p:nvSpPr>
+        <p:spPr/>
+        <p:txBody>
+          <a:bodyPr/>
+          <a:lstStyle/>
+          <a:p>
+            <a:pPr>
+              <a:defRPr/>
+            </a:pPr>
+            <a:fld id="{BC2BCED3-7F4A-40F1-85DA-02B4B5A68187}" type="slidenum">
+              <a:rPr lang="nl-NL" smtClean="0"/>
+              <a:pPr>
+                <a:defRPr/>
+              </a:pPr>
+              <a:t>23</a:t>
             </a:fld>
             <a:endParaRPr lang="nl-NL"/>
           </a:p>
@@ -7645,14 +8433,14 @@
   <p:timing>
     <p:tnLst>
       <p:par>
-        <p:cTn xmlns:p14="http://schemas.microsoft.com/office/powerpoint/2010/main" id="1" dur="indefinite" restart="never" nodeType="tmRoot"/>
+        <p:cTn id="1" dur="indefinite" restart="never" nodeType="tmRoot"/>
       </p:par>
     </p:tnLst>
   </p:timing>
 </p:sld>
 </file>
 
-<file path=ppt/slides/slide23.xml><?xml version="1.0" encoding="utf-8"?>
+<file path=ppt/slides/slide24.xml><?xml version="1.0" encoding="utf-8"?>
 <p:sld xmlns:a="http://schemas.openxmlformats.org/drawingml/2006/main" xmlns:r="http://schemas.openxmlformats.org/officeDocument/2006/relationships" xmlns:p="http://schemas.openxmlformats.org/presentationml/2006/main">
   <p:cSld>
     <p:spTree>
@@ -7755,7 +8543,7 @@
               <a:pPr>
                 <a:defRPr/>
               </a:pPr>
-              <a:t>23</a:t>
+              <a:t>24</a:t>
             </a:fld>
             <a:endParaRPr lang="nl-NL"/>
           </a:p>
@@ -7793,7 +8581,7 @@
           <a:noFill/>
           <a:extLst>
             <a:ext uri="{909E8E84-426E-40dd-AFC4-6F175D3DCCD1}">
-              <a14:hiddenFill xmlns:a14="http://schemas.microsoft.com/office/drawing/2010/main">
+              <a14:hiddenFill xmlns="" xmlns:a14="http://schemas.microsoft.com/office/drawing/2010/main">
                 <a:solidFill>
                   <a:srgbClr val="FFFFFF"/>
                 </a:solidFill>
@@ -7815,14 +8603,14 @@
   <p:timing>
     <p:tnLst>
       <p:par>
-        <p:cTn xmlns:p14="http://schemas.microsoft.com/office/powerpoint/2010/main" id="1" dur="indefinite" restart="never" nodeType="tmRoot"/>
+        <p:cTn id="1" dur="indefinite" restart="never" nodeType="tmRoot"/>
       </p:par>
     </p:tnLst>
   </p:timing>
 </p:sld>
 </file>
 
-<file path=ppt/slides/slide24.xml><?xml version="1.0" encoding="utf-8"?>
+<file path=ppt/slides/slide25.xml><?xml version="1.0" encoding="utf-8"?>
 <p:sld xmlns:a="http://schemas.openxmlformats.org/drawingml/2006/main" xmlns:r="http://schemas.openxmlformats.org/officeDocument/2006/relationships" xmlns:p="http://schemas.openxmlformats.org/presentationml/2006/main">
   <p:cSld>
     <p:spTree>
@@ -7907,7 +8695,7 @@
               <a:pPr>
                 <a:defRPr/>
               </a:pPr>
-              <a:t>24</a:t>
+              <a:t>25</a:t>
             </a:fld>
             <a:endParaRPr lang="nl-NL"/>
           </a:p>
@@ -7945,7 +8733,7 @@
           <a:noFill/>
           <a:extLst>
             <a:ext uri="{909E8E84-426E-40dd-AFC4-6F175D3DCCD1}">
-              <a14:hiddenFill xmlns:a14="http://schemas.microsoft.com/office/drawing/2010/main">
+              <a14:hiddenFill xmlns="" xmlns:a14="http://schemas.microsoft.com/office/drawing/2010/main">
                 <a:solidFill>
                   <a:srgbClr val="FFFFFF"/>
                 </a:solidFill>
@@ -7967,14 +8755,14 @@
   <p:timing>
     <p:tnLst>
       <p:par>
-        <p:cTn xmlns:p14="http://schemas.microsoft.com/office/powerpoint/2010/main" id="1" dur="indefinite" restart="never" nodeType="tmRoot"/>
+        <p:cTn id="1" dur="indefinite" restart="never" nodeType="tmRoot"/>
       </p:par>
     </p:tnLst>
   </p:timing>
 </p:sld>
 </file>
 
-<file path=ppt/slides/slide25.xml><?xml version="1.0" encoding="utf-8"?>
+<file path=ppt/slides/slide26.xml><?xml version="1.0" encoding="utf-8"?>
 <p:sld xmlns:a="http://schemas.openxmlformats.org/drawingml/2006/main" xmlns:r="http://schemas.openxmlformats.org/officeDocument/2006/relationships" xmlns:p="http://schemas.openxmlformats.org/presentationml/2006/main">
   <p:cSld>
     <p:spTree>
@@ -8056,7 +8844,7 @@
               <a:pPr>
                 <a:defRPr/>
               </a:pPr>
-              <a:t>25</a:t>
+              <a:t>26</a:t>
             </a:fld>
             <a:endParaRPr lang="nl-NL"/>
           </a:p>
@@ -8108,14 +8896,14 @@
   <p:timing>
     <p:tnLst>
       <p:par>
-        <p:cTn xmlns:p14="http://schemas.microsoft.com/office/powerpoint/2010/main" id="1" dur="indefinite" restart="never" nodeType="tmRoot"/>
+        <p:cTn id="1" dur="indefinite" restart="never" nodeType="tmRoot"/>
       </p:par>
     </p:tnLst>
   </p:timing>
 </p:sld>
 </file>
 
-<file path=ppt/slides/slide26.xml><?xml version="1.0" encoding="utf-8"?>
+<file path=ppt/slides/slide27.xml><?xml version="1.0" encoding="utf-8"?>
 <p:sld xmlns:a="http://schemas.openxmlformats.org/drawingml/2006/main" xmlns:r="http://schemas.openxmlformats.org/officeDocument/2006/relationships" xmlns:p="http://schemas.openxmlformats.org/presentationml/2006/main">
   <p:cSld>
     <p:spTree>
@@ -8197,7 +8985,7 @@
               <a:pPr>
                 <a:defRPr/>
               </a:pPr>
-              <a:t>26</a:t>
+              <a:t>27</a:t>
             </a:fld>
             <a:endParaRPr lang="nl-NL"/>
           </a:p>
@@ -8235,7 +9023,7 @@
           <a:noFill/>
           <a:extLst>
             <a:ext uri="{909E8E84-426E-40dd-AFC4-6F175D3DCCD1}">
-              <a14:hiddenFill xmlns:a14="http://schemas.microsoft.com/office/drawing/2010/main">
+              <a14:hiddenFill xmlns="" xmlns:a14="http://schemas.microsoft.com/office/drawing/2010/main">
                 <a:solidFill>
                   <a:srgbClr val="FFFFFF"/>
                 </a:solidFill>
@@ -8263,7 +9051,7 @@
           <a:noFill/>
           <a:extLst>
             <a:ext uri="{909E8E84-426E-40dd-AFC4-6F175D3DCCD1}">
-              <a14:hiddenFill xmlns:a14="http://schemas.microsoft.com/office/drawing/2010/main">
+              <a14:hiddenFill xmlns="" xmlns:a14="http://schemas.microsoft.com/office/drawing/2010/main">
                 <a:solidFill>
                   <a:srgbClr val="FFFFFF"/>
                 </a:solidFill>
@@ -8315,7 +9103,7 @@
           <a:noFill/>
           <a:extLst>
             <a:ext uri="{909E8E84-426E-40dd-AFC4-6F175D3DCCD1}">
-              <a14:hiddenFill xmlns:a14="http://schemas.microsoft.com/office/drawing/2010/main">
+              <a14:hiddenFill xmlns="" xmlns:a14="http://schemas.microsoft.com/office/drawing/2010/main">
                 <a:solidFill>
                   <a:srgbClr val="FFFFFF"/>
                 </a:solidFill>
@@ -8337,162 +9125,7 @@
   <p:timing>
     <p:tnLst>
       <p:par>
-        <p:cTn xmlns:p14="http://schemas.microsoft.com/office/powerpoint/2010/main" id="1" dur="indefinite" restart="never" nodeType="tmRoot"/>
-      </p:par>
-    </p:tnLst>
-  </p:timing>
-</p:sld>
-</file>
-
-<file path=ppt/slides/slide27.xml><?xml version="1.0" encoding="utf-8"?>
-<p:sld xmlns:a="http://schemas.openxmlformats.org/drawingml/2006/main" xmlns:r="http://schemas.openxmlformats.org/officeDocument/2006/relationships" xmlns:p="http://schemas.openxmlformats.org/presentationml/2006/main">
-  <p:cSld>
-    <p:spTree>
-      <p:nvGrpSpPr>
-        <p:cNvPr id="1" name=""/>
-        <p:cNvGrpSpPr/>
-        <p:nvPr/>
-      </p:nvGrpSpPr>
-      <p:grpSpPr>
-        <a:xfrm>
-          <a:off x="0" y="0"/>
-          <a:ext cx="0" cy="0"/>
-          <a:chOff x="0" y="0"/>
-          <a:chExt cx="0" cy="0"/>
-        </a:xfrm>
-      </p:grpSpPr>
-      <p:sp>
-        <p:nvSpPr>
-          <p:cNvPr id="2" name="Title 1"/>
-          <p:cNvSpPr>
-            <a:spLocks noGrp="1"/>
-          </p:cNvSpPr>
-          <p:nvPr>
-            <p:ph type="title"/>
-          </p:nvPr>
-        </p:nvSpPr>
-        <p:spPr/>
-        <p:txBody>
-          <a:bodyPr/>
-          <a:lstStyle/>
-          <a:p>
-            <a:r>
-              <a:rPr lang="en-US" dirty="0" smtClean="0"/>
-              <a:t>We </a:t>
-            </a:r>
-            <a:r>
-              <a:rPr lang="en-US" dirty="0"/>
-              <a:t>would </a:t>
-            </a:r>
-            <a:r>
-              <a:rPr lang="en-US" dirty="0" smtClean="0"/>
-              <a:t>keep</a:t>
-            </a:r>
-            <a:endParaRPr lang="nl-BE" dirty="0"/>
-          </a:p>
-        </p:txBody>
-      </p:sp>
-      <p:sp>
-        <p:nvSpPr>
-          <p:cNvPr id="3" name="Content Placeholder 2"/>
-          <p:cNvSpPr>
-            <a:spLocks noGrp="1"/>
-          </p:cNvSpPr>
-          <p:nvPr>
-            <p:ph idx="1"/>
-          </p:nvPr>
-        </p:nvSpPr>
-        <p:spPr>
-          <a:xfrm>
-            <a:off x="1957294" y="1858384"/>
-            <a:ext cx="7789134" cy="2681343"/>
-          </a:xfrm>
-        </p:spPr>
-        <p:txBody>
-          <a:bodyPr/>
-          <a:lstStyle/>
-          <a:p>
-            <a:r>
-              <a:rPr lang="en-US" dirty="0"/>
-              <a:t>Daily </a:t>
-            </a:r>
-            <a:r>
-              <a:rPr lang="en-US" dirty="0" smtClean="0"/>
-              <a:t>communication</a:t>
-            </a:r>
-          </a:p>
-          <a:p>
-            <a:r>
-              <a:rPr lang="en-US" dirty="0" smtClean="0"/>
-              <a:t>Open Source/Cross Platform technologies</a:t>
-            </a:r>
-          </a:p>
-          <a:p>
-            <a:r>
-              <a:rPr lang="en-US" dirty="0" smtClean="0"/>
-              <a:t>Build- </a:t>
-            </a:r>
-            <a:r>
-              <a:rPr lang="en-US" dirty="0"/>
-              <a:t>and </a:t>
-            </a:r>
-            <a:r>
-              <a:rPr lang="en-US" dirty="0" smtClean="0"/>
-              <a:t>deploy processes</a:t>
-            </a:r>
-          </a:p>
-          <a:p>
-            <a:r>
-              <a:rPr lang="en-US" dirty="0" smtClean="0"/>
-              <a:t>SCRUM / Planning tools</a:t>
-            </a:r>
-            <a:endParaRPr lang="nl-BE" dirty="0"/>
-          </a:p>
-        </p:txBody>
-      </p:sp>
-      <p:sp>
-        <p:nvSpPr>
-          <p:cNvPr id="4" name="Slide Number Placeholder 3"/>
-          <p:cNvSpPr>
-            <a:spLocks noGrp="1"/>
-          </p:cNvSpPr>
-          <p:nvPr>
-            <p:ph type="sldNum" sz="quarter" idx="12"/>
-          </p:nvPr>
-        </p:nvSpPr>
-        <p:spPr/>
-        <p:txBody>
-          <a:bodyPr/>
-          <a:lstStyle/>
-          <a:p>
-            <a:pPr>
-              <a:defRPr/>
-            </a:pPr>
-            <a:fld id="{BC2BCED3-7F4A-40F1-85DA-02B4B5A68187}" type="slidenum">
-              <a:rPr lang="nl-NL" smtClean="0"/>
-              <a:pPr>
-                <a:defRPr/>
-              </a:pPr>
-              <a:t>27</a:t>
-            </a:fld>
-            <a:endParaRPr lang="nl-NL"/>
-          </a:p>
-        </p:txBody>
-      </p:sp>
-    </p:spTree>
-    <p:extLst>
-      <p:ext uri="{BB962C8B-B14F-4D97-AF65-F5344CB8AC3E}">
-        <p14:creationId xmlns:p14="http://schemas.microsoft.com/office/powerpoint/2010/main" val="3775131166"/>
-      </p:ext>
-    </p:extLst>
-  </p:cSld>
-  <p:clrMapOvr>
-    <a:masterClrMapping/>
-  </p:clrMapOvr>
-  <p:timing>
-    <p:tnLst>
-      <p:par>
-        <p:cTn xmlns:p14="http://schemas.microsoft.com/office/powerpoint/2010/main" id="1" dur="indefinite" restart="never" nodeType="tmRoot"/>
+        <p:cTn id="1" dur="indefinite" restart="never" nodeType="tmRoot"/>
       </p:par>
     </p:tnLst>
   </p:timing>
@@ -8541,7 +9174,7 @@
             </a:r>
             <a:r>
               <a:rPr lang="en-US" dirty="0" smtClean="0"/>
-              <a:t>change</a:t>
+              <a:t>keep</a:t>
             </a:r>
             <a:endParaRPr lang="nl-BE" dirty="0"/>
           </a:p>
@@ -8559,8 +9192,8 @@
         </p:nvSpPr>
         <p:spPr>
           <a:xfrm>
-            <a:off x="2136588" y="2138083"/>
-            <a:ext cx="7717416" cy="2681343"/>
+            <a:off x="1957294" y="1858384"/>
+            <a:ext cx="7789134" cy="2681343"/>
           </a:xfrm>
         </p:spPr>
         <p:txBody>
@@ -8569,33 +9202,39 @@
           <a:p>
             <a:r>
               <a:rPr lang="en-US" dirty="0"/>
-              <a:t>Getting </a:t>
+              <a:t>Daily </a:t>
             </a:r>
             <a:r>
               <a:rPr lang="en-US" dirty="0" smtClean="0"/>
-              <a:t>requirements clear </a:t>
+              <a:t>communication</a:t>
             </a:r>
           </a:p>
           <a:p>
             <a:r>
               <a:rPr lang="en-US" dirty="0" smtClean="0"/>
-              <a:t>Don’t plan ahead too much</a:t>
+              <a:t>Open Source/Cross Platform technologies</a:t>
             </a:r>
           </a:p>
           <a:p>
             <a:r>
               <a:rPr lang="en-US" dirty="0" smtClean="0"/>
-              <a:t>Establish early on what </a:t>
+              <a:t>Build- </a:t>
             </a:r>
             <a:r>
               <a:rPr lang="en-US" dirty="0"/>
-              <a:t>technology to </a:t>
+              <a:t>and </a:t>
             </a:r>
             <a:r>
               <a:rPr lang="en-US" dirty="0" smtClean="0"/>
-              <a:t>use</a:t>
-            </a:r>
-            <a:endParaRPr lang="en-US" dirty="0"/>
+              <a:t>deploy processes</a:t>
+            </a:r>
+          </a:p>
+          <a:p>
+            <a:r>
+              <a:rPr lang="en-US" dirty="0" smtClean="0"/>
+              <a:t>SCRUM / Planning tools</a:t>
+            </a:r>
+            <a:endParaRPr lang="nl-BE" dirty="0"/>
           </a:p>
         </p:txBody>
       </p:sp>
@@ -8631,7 +9270,7 @@
     </p:spTree>
     <p:extLst>
       <p:ext uri="{BB962C8B-B14F-4D97-AF65-F5344CB8AC3E}">
-        <p14:creationId xmlns:p14="http://schemas.microsoft.com/office/powerpoint/2010/main" val="4023351914"/>
+        <p14:creationId xmlns:p14="http://schemas.microsoft.com/office/powerpoint/2010/main" val="3775131166"/>
       </p:ext>
     </p:extLst>
   </p:cSld>
@@ -8641,7 +9280,7 @@
   <p:timing>
     <p:tnLst>
       <p:par>
-        <p:cTn xmlns:p14="http://schemas.microsoft.com/office/powerpoint/2010/main" id="1" dur="indefinite" restart="never" nodeType="tmRoot"/>
+        <p:cTn id="1" dur="indefinite" restart="never" nodeType="tmRoot"/>
       </p:par>
     </p:tnLst>
   </p:timing>
@@ -8682,7 +9321,15 @@
           <a:p>
             <a:r>
               <a:rPr lang="en-US" dirty="0" smtClean="0"/>
-              <a:t>We could change</a:t>
+              <a:t>We </a:t>
+            </a:r>
+            <a:r>
+              <a:rPr lang="en-US" dirty="0"/>
+              <a:t>would </a:t>
+            </a:r>
+            <a:r>
+              <a:rPr lang="en-US" dirty="0" smtClean="0"/>
+              <a:t>change</a:t>
             </a:r>
             <a:endParaRPr lang="nl-BE" dirty="0"/>
           </a:p>
@@ -8700,8 +9347,8 @@
         </p:nvSpPr>
         <p:spPr>
           <a:xfrm>
-            <a:off x="2315882" y="2138083"/>
-            <a:ext cx="7538122" cy="2681343"/>
+            <a:off x="2136588" y="2138083"/>
+            <a:ext cx="7717416" cy="2681343"/>
           </a:xfrm>
         </p:spPr>
         <p:txBody>
@@ -8710,23 +9357,33 @@
           <a:p>
             <a:r>
               <a:rPr lang="en-US" dirty="0"/>
-              <a:t>More face-to-face </a:t>
+              <a:t>Getting </a:t>
             </a:r>
             <a:r>
               <a:rPr lang="en-US" dirty="0" smtClean="0"/>
-              <a:t>meetings</a:t>
-            </a:r>
-          </a:p>
-          <a:p>
+              <a:t>requirements clear </a:t>
+            </a:r>
+          </a:p>
+          <a:p>
+            <a:r>
+              <a:rPr lang="en-US" dirty="0" smtClean="0"/>
+              <a:t>Don’t plan ahead too much</a:t>
+            </a:r>
+          </a:p>
+          <a:p>
+            <a:r>
+              <a:rPr lang="en-US" dirty="0" smtClean="0"/>
+              <a:t>Establish early on what </a:t>
+            </a:r>
             <a:r>
               <a:rPr lang="en-US" dirty="0"/>
-              <a:t>Create less </a:t>
+              <a:t>technology to </a:t>
             </a:r>
             <a:r>
               <a:rPr lang="en-US" dirty="0" smtClean="0"/>
-              <a:t>analysis / when needed</a:t>
-            </a:r>
-            <a:endParaRPr lang="nl-BE" dirty="0"/>
+              <a:t>use</a:t>
+            </a:r>
+            <a:endParaRPr lang="en-US" dirty="0"/>
           </a:p>
         </p:txBody>
       </p:sp>
@@ -8762,7 +9419,7 @@
     </p:spTree>
     <p:extLst>
       <p:ext uri="{BB962C8B-B14F-4D97-AF65-F5344CB8AC3E}">
-        <p14:creationId xmlns:p14="http://schemas.microsoft.com/office/powerpoint/2010/main" val="1017890965"/>
+        <p14:creationId xmlns:p14="http://schemas.microsoft.com/office/powerpoint/2010/main" val="4023351914"/>
       </p:ext>
     </p:extLst>
   </p:cSld>
@@ -8772,7 +9429,7 @@
   <p:timing>
     <p:tnLst>
       <p:par>
-        <p:cTn xmlns:p14="http://schemas.microsoft.com/office/powerpoint/2010/main" id="1" dur="indefinite" restart="never" nodeType="tmRoot"/>
+        <p:cTn id="1" dur="indefinite" restart="never" nodeType="tmRoot"/>
       </p:par>
     </p:tnLst>
   </p:timing>
@@ -8917,7 +9574,7 @@
   <p:timing>
     <p:tnLst>
       <p:par>
-        <p:cTn xmlns:p14="http://schemas.microsoft.com/office/powerpoint/2010/main" id="1" dur="indefinite" restart="never" nodeType="tmRoot"/>
+        <p:cTn id="1" dur="indefinite" restart="never" nodeType="tmRoot"/>
       </p:par>
     </p:tnLst>
   </p:timing>
@@ -8951,10 +9608,33 @@
             <p:ph type="title"/>
           </p:nvPr>
         </p:nvSpPr>
+        <p:spPr/>
+        <p:txBody>
+          <a:bodyPr/>
+          <a:lstStyle/>
+          <a:p>
+            <a:r>
+              <a:rPr lang="en-US" dirty="0" smtClean="0"/>
+              <a:t>We could change</a:t>
+            </a:r>
+            <a:endParaRPr lang="nl-BE" dirty="0"/>
+          </a:p>
+        </p:txBody>
+      </p:sp>
+      <p:sp>
+        <p:nvSpPr>
+          <p:cNvPr id="3" name="Content Placeholder 2"/>
+          <p:cNvSpPr>
+            <a:spLocks noGrp="1"/>
+          </p:cNvSpPr>
+          <p:nvPr>
+            <p:ph idx="1"/>
+          </p:nvPr>
+        </p:nvSpPr>
         <p:spPr>
           <a:xfrm>
-            <a:off x="674146" y="2286318"/>
-            <a:ext cx="10972800" cy="1143000"/>
+            <a:off x="2315882" y="2138083"/>
+            <a:ext cx="7538122" cy="2681343"/>
           </a:xfrm>
         </p:spPr>
         <p:txBody>
@@ -8962,8 +9642,22 @@
           <a:lstStyle/>
           <a:p>
             <a:r>
-              <a:rPr lang="nl-BE" dirty="0" smtClean="0"/>
-              <a:t>Questions?</a:t>
+              <a:rPr lang="en-US" dirty="0"/>
+              <a:t>More face-to-face </a:t>
+            </a:r>
+            <a:r>
+              <a:rPr lang="en-US" dirty="0" smtClean="0"/>
+              <a:t>meetings</a:t>
+            </a:r>
+          </a:p>
+          <a:p>
+            <a:r>
+              <a:rPr lang="en-US" dirty="0"/>
+              <a:t>Create less </a:t>
+            </a:r>
+            <a:r>
+              <a:rPr lang="en-US" dirty="0" smtClean="0"/>
+              <a:t>analysis / when needed</a:t>
             </a:r>
             <a:endParaRPr lang="nl-BE" dirty="0"/>
           </a:p>
@@ -8993,6 +9687,100 @@
                 <a:defRPr/>
               </a:pPr>
               <a:t>30</a:t>
+            </a:fld>
+            <a:endParaRPr lang="nl-NL"/>
+          </a:p>
+        </p:txBody>
+      </p:sp>
+    </p:spTree>
+    <p:extLst>
+      <p:ext uri="{BB962C8B-B14F-4D97-AF65-F5344CB8AC3E}">
+        <p14:creationId xmlns:p14="http://schemas.microsoft.com/office/powerpoint/2010/main" val="1017890965"/>
+      </p:ext>
+    </p:extLst>
+  </p:cSld>
+  <p:clrMapOvr>
+    <a:masterClrMapping/>
+  </p:clrMapOvr>
+  <p:timing>
+    <p:tnLst>
+      <p:par>
+        <p:cTn id="1" dur="indefinite" restart="never" nodeType="tmRoot"/>
+      </p:par>
+    </p:tnLst>
+  </p:timing>
+</p:sld>
+</file>
+
+<file path=ppt/slides/slide31.xml><?xml version="1.0" encoding="utf-8"?>
+<p:sld xmlns:a="http://schemas.openxmlformats.org/drawingml/2006/main" xmlns:r="http://schemas.openxmlformats.org/officeDocument/2006/relationships" xmlns:p="http://schemas.openxmlformats.org/presentationml/2006/main">
+  <p:cSld>
+    <p:spTree>
+      <p:nvGrpSpPr>
+        <p:cNvPr id="1" name=""/>
+        <p:cNvGrpSpPr/>
+        <p:nvPr/>
+      </p:nvGrpSpPr>
+      <p:grpSpPr>
+        <a:xfrm>
+          <a:off x="0" y="0"/>
+          <a:ext cx="0" cy="0"/>
+          <a:chOff x="0" y="0"/>
+          <a:chExt cx="0" cy="0"/>
+        </a:xfrm>
+      </p:grpSpPr>
+      <p:sp>
+        <p:nvSpPr>
+          <p:cNvPr id="2" name="Title 1"/>
+          <p:cNvSpPr>
+            <a:spLocks noGrp="1"/>
+          </p:cNvSpPr>
+          <p:nvPr>
+            <p:ph type="title"/>
+          </p:nvPr>
+        </p:nvSpPr>
+        <p:spPr>
+          <a:xfrm>
+            <a:off x="674146" y="2286318"/>
+            <a:ext cx="10972800" cy="1143000"/>
+          </a:xfrm>
+        </p:spPr>
+        <p:txBody>
+          <a:bodyPr/>
+          <a:lstStyle/>
+          <a:p>
+            <a:r>
+              <a:rPr lang="nl-BE" dirty="0" smtClean="0"/>
+              <a:t>Questions?</a:t>
+            </a:r>
+            <a:endParaRPr lang="nl-BE" dirty="0"/>
+          </a:p>
+        </p:txBody>
+      </p:sp>
+      <p:sp>
+        <p:nvSpPr>
+          <p:cNvPr id="4" name="Slide Number Placeholder 3"/>
+          <p:cNvSpPr>
+            <a:spLocks noGrp="1"/>
+          </p:cNvSpPr>
+          <p:nvPr>
+            <p:ph type="sldNum" sz="quarter" idx="12"/>
+          </p:nvPr>
+        </p:nvSpPr>
+        <p:spPr/>
+        <p:txBody>
+          <a:bodyPr/>
+          <a:lstStyle/>
+          <a:p>
+            <a:pPr>
+              <a:defRPr/>
+            </a:pPr>
+            <a:fld id="{BC2BCED3-7F4A-40F1-85DA-02B4B5A68187}" type="slidenum">
+              <a:rPr lang="nl-NL" smtClean="0"/>
+              <a:pPr>
+                <a:defRPr/>
+              </a:pPr>
+              <a:t>31</a:t>
             </a:fld>
             <a:endParaRPr lang="nl-NL"/>
           </a:p>
@@ -9150,7 +9938,7 @@
   <p:timing>
     <p:tnLst>
       <p:par>
-        <p:cTn xmlns:p14="http://schemas.microsoft.com/office/powerpoint/2010/main" id="1" dur="indefinite" restart="never" nodeType="tmRoot"/>
+        <p:cTn id="1" dur="indefinite" restart="never" nodeType="tmRoot"/>
       </p:par>
     </p:tnLst>
   </p:timing>
@@ -9293,7 +10081,7 @@
   <p:timing>
     <p:tnLst>
       <p:par>
-        <p:cTn xmlns:p14="http://schemas.microsoft.com/office/powerpoint/2010/main" id="1" dur="indefinite" restart="never" nodeType="tmRoot"/>
+        <p:cTn id="1" dur="indefinite" restart="never" nodeType="tmRoot"/>
       </p:par>
     </p:tnLst>
   </p:timing>
@@ -9400,7 +10188,7 @@
           </a:prstGeom>
           <a:noFill/>
           <a:extLst>
-            <a:ext uri="{909E8E84-426E-40dd-AFC4-6F175D3DCCD1}">
+            <a:ext uri="{909E8E84-426E-40DD-AFC4-6F175D3DCCD1}">
               <a14:hiddenFill xmlns:a14="http://schemas.microsoft.com/office/drawing/2010/main">
                 <a:solidFill>
                   <a:srgbClr val="FFFFFF"/>
@@ -9441,7 +10229,7 @@
           </a:prstGeom>
           <a:noFill/>
           <a:extLst>
-            <a:ext uri="{909E8E84-426E-40dd-AFC4-6F175D3DCCD1}">
+            <a:ext uri="{909E8E84-426E-40DD-AFC4-6F175D3DCCD1}">
               <a14:hiddenFill xmlns:a14="http://schemas.microsoft.com/office/drawing/2010/main">
                 <a:solidFill>
                   <a:srgbClr val="FFFFFF"/>
@@ -9482,7 +10270,7 @@
           </a:prstGeom>
           <a:noFill/>
           <a:extLst>
-            <a:ext uri="{909E8E84-426E-40dd-AFC4-6F175D3DCCD1}">
+            <a:ext uri="{909E8E84-426E-40DD-AFC4-6F175D3DCCD1}">
               <a14:hiddenFill xmlns:a14="http://schemas.microsoft.com/office/drawing/2010/main">
                 <a:solidFill>
                   <a:srgbClr val="FFFFFF"/>
@@ -9523,7 +10311,7 @@
           </a:prstGeom>
           <a:noFill/>
           <a:extLst>
-            <a:ext uri="{909E8E84-426E-40dd-AFC4-6F175D3DCCD1}">
+            <a:ext uri="{909E8E84-426E-40DD-AFC4-6F175D3DCCD1}">
               <a14:hiddenFill xmlns:a14="http://schemas.microsoft.com/office/drawing/2010/main">
                 <a:solidFill>
                   <a:srgbClr val="FFFFFF"/>
@@ -9566,7 +10354,7 @@
           </a:prstGeom>
           <a:noFill/>
           <a:extLst>
-            <a:ext uri="{909E8E84-426E-40dd-AFC4-6F175D3DCCD1}">
+            <a:ext uri="{909E8E84-426E-40DD-AFC4-6F175D3DCCD1}">
               <a14:hiddenFill xmlns:a14="http://schemas.microsoft.com/office/drawing/2010/main">
                 <a:solidFill>
                   <a:srgbClr val="FFFFFF"/>
@@ -9607,7 +10395,84 @@
           </a:prstGeom>
           <a:noFill/>
           <a:extLst>
-            <a:ext uri="{909E8E84-426E-40dd-AFC4-6F175D3DCCD1}">
+            <a:ext uri="{909E8E84-426E-40DD-AFC4-6F175D3DCCD1}">
+              <a14:hiddenFill xmlns:a14="http://schemas.microsoft.com/office/drawing/2010/main">
+                <a:solidFill>
+                  <a:srgbClr val="FFFFFF"/>
+                </a:solidFill>
+              </a14:hiddenFill>
+            </a:ext>
+          </a:extLst>
+        </p:spPr>
+      </p:pic>
+      <p:cxnSp>
+        <p:nvCxnSpPr>
+          <p:cNvPr id="11" name="Straight Arrow Connector 10"/>
+          <p:cNvCxnSpPr/>
+          <p:nvPr/>
+        </p:nvCxnSpPr>
+        <p:spPr>
+          <a:xfrm flipV="1">
+            <a:off x="7884543" y="4446929"/>
+            <a:ext cx="2510287" cy="1"/>
+          </a:xfrm>
+          <a:prstGeom prst="straightConnector1">
+            <a:avLst/>
+          </a:prstGeom>
+          <a:ln w="168275">
+            <a:solidFill>
+              <a:srgbClr val="FF0000"/>
+            </a:solidFill>
+            <a:tailEnd type="triangle"/>
+          </a:ln>
+        </p:spPr>
+        <p:style>
+          <a:lnRef idx="2">
+            <a:schemeClr val="accent1"/>
+          </a:lnRef>
+          <a:fillRef idx="0">
+            <a:schemeClr val="accent1"/>
+          </a:fillRef>
+          <a:effectRef idx="1">
+            <a:schemeClr val="accent1"/>
+          </a:effectRef>
+          <a:fontRef idx="minor">
+            <a:schemeClr val="tx1"/>
+          </a:fontRef>
+        </p:style>
+      </p:cxnSp>
+      <p:pic>
+        <p:nvPicPr>
+          <p:cNvPr id="2050" name="Picture 2" descr="http://www.aha.io/assets/integration_logos/github-bb449e0ffbacbcb7f9c703db85b1cf0b.png"/>
+          <p:cNvPicPr>
+            <a:picLocks noChangeAspect="1" noChangeArrowheads="1"/>
+          </p:cNvPicPr>
+          <p:nvPr/>
+        </p:nvPicPr>
+        <p:blipFill>
+          <a:blip r:embed="rId7" cstate="print">
+            <a:extLst>
+              <a:ext uri="{28A0092B-C50C-407E-A947-70E740481C1C}">
+                <a14:useLocalDpi xmlns:a14="http://schemas.microsoft.com/office/drawing/2010/main" val="0"/>
+              </a:ext>
+            </a:extLst>
+          </a:blip>
+          <a:srcRect/>
+          <a:stretch>
+            <a:fillRect/>
+          </a:stretch>
+        </p:blipFill>
+        <p:spPr bwMode="auto">
+          <a:xfrm>
+            <a:off x="10160000" y="4026510"/>
+            <a:ext cx="2268448" cy="840838"/>
+          </a:xfrm>
+          <a:prstGeom prst="rect">
+            <a:avLst/>
+          </a:prstGeom>
+          <a:noFill/>
+          <a:extLst>
+            <a:ext uri="{909E8E84-426E-40DD-AFC4-6F175D3DCCD1}">
               <a14:hiddenFill xmlns:a14="http://schemas.microsoft.com/office/drawing/2010/main">
                 <a:solidFill>
                   <a:srgbClr val="FFFFFF"/>
@@ -9620,7 +10485,7 @@
     </p:spTree>
     <p:extLst>
       <p:ext uri="{BB962C8B-B14F-4D97-AF65-F5344CB8AC3E}">
-        <p14:creationId xmlns:p14="http://schemas.microsoft.com/office/powerpoint/2010/main" val="2964713495"/>
+        <p14:creationId xmlns:p14="http://schemas.microsoft.com/office/powerpoint/2010/main" val="766934462"/>
       </p:ext>
     </p:extLst>
   </p:cSld>
@@ -9685,24 +10550,6 @@
           <a:bodyPr/>
           <a:lstStyle/>
           <a:p>
-            <a:r>
-              <a:rPr lang="en-US" dirty="0" smtClean="0"/>
-              <a:t>Story board</a:t>
-            </a:r>
-          </a:p>
-          <a:p>
-            <a:r>
-              <a:rPr lang="en-US" dirty="0" smtClean="0"/>
-              <a:t>Task/defect</a:t>
-            </a:r>
-          </a:p>
-          <a:p>
-            <a:r>
-              <a:rPr lang="en-US" dirty="0" smtClean="0"/>
-              <a:t>Continuous integration</a:t>
-            </a:r>
-          </a:p>
-          <a:p>
             <a:endParaRPr lang="nl-BE" dirty="0"/>
           </a:p>
         </p:txBody>
@@ -9731,148 +10578,6 @@
                 <a:defRPr/>
               </a:pPr>
               <a:t>7</a:t>
-            </a:fld>
-            <a:endParaRPr lang="nl-NL"/>
-          </a:p>
-        </p:txBody>
-      </p:sp>
-      <p:pic>
-        <p:nvPicPr>
-          <p:cNvPr id="5" name="Picture 12" descr="http://new.gerritforge.com/images/logo_jazz.png"/>
-          <p:cNvPicPr>
-            <a:picLocks noChangeAspect="1" noChangeArrowheads="1"/>
-          </p:cNvPicPr>
-          <p:nvPr/>
-        </p:nvPicPr>
-        <p:blipFill>
-          <a:blip r:embed="rId2" cstate="print">
-            <a:extLst>
-              <a:ext uri="{28A0092B-C50C-407E-A947-70E740481C1C}">
-                <a14:useLocalDpi xmlns:a14="http://schemas.microsoft.com/office/drawing/2010/main" val="0"/>
-              </a:ext>
-            </a:extLst>
-          </a:blip>
-          <a:srcRect/>
-          <a:stretch>
-            <a:fillRect/>
-          </a:stretch>
-        </p:blipFill>
-        <p:spPr bwMode="auto">
-          <a:xfrm>
-            <a:off x="9652958" y="206172"/>
-            <a:ext cx="1742535" cy="1394029"/>
-          </a:xfrm>
-          <a:prstGeom prst="rect">
-            <a:avLst/>
-          </a:prstGeom>
-          <a:noFill/>
-          <a:extLst>
-            <a:ext uri="{909E8E84-426E-40dd-AFC4-6F175D3DCCD1}">
-              <a14:hiddenFill xmlns:a14="http://schemas.microsoft.com/office/drawing/2010/main">
-                <a:solidFill>
-                  <a:srgbClr val="FFFFFF"/>
-                </a:solidFill>
-              </a14:hiddenFill>
-            </a:ext>
-          </a:extLst>
-        </p:spPr>
-      </p:pic>
-    </p:spTree>
-    <p:extLst>
-      <p:ext uri="{BB962C8B-B14F-4D97-AF65-F5344CB8AC3E}">
-        <p14:creationId xmlns:p14="http://schemas.microsoft.com/office/powerpoint/2010/main" val="2778538993"/>
-      </p:ext>
-    </p:extLst>
-  </p:cSld>
-  <p:clrMapOvr>
-    <a:masterClrMapping/>
-  </p:clrMapOvr>
-</p:sld>
-</file>
-
-<file path=ppt/slides/slide8.xml><?xml version="1.0" encoding="utf-8"?>
-<p:sld xmlns:a="http://schemas.openxmlformats.org/drawingml/2006/main" xmlns:r="http://schemas.openxmlformats.org/officeDocument/2006/relationships" xmlns:p="http://schemas.openxmlformats.org/presentationml/2006/main">
-  <p:cSld>
-    <p:spTree>
-      <p:nvGrpSpPr>
-        <p:cNvPr id="1" name=""/>
-        <p:cNvGrpSpPr/>
-        <p:nvPr/>
-      </p:nvGrpSpPr>
-      <p:grpSpPr>
-        <a:xfrm>
-          <a:off x="0" y="0"/>
-          <a:ext cx="0" cy="0"/>
-          <a:chOff x="0" y="0"/>
-          <a:chExt cx="0" cy="0"/>
-        </a:xfrm>
-      </p:grpSpPr>
-      <p:sp>
-        <p:nvSpPr>
-          <p:cNvPr id="2" name="Title 1"/>
-          <p:cNvSpPr>
-            <a:spLocks noGrp="1"/>
-          </p:cNvSpPr>
-          <p:nvPr>
-            <p:ph type="title"/>
-          </p:nvPr>
-        </p:nvSpPr>
-        <p:spPr/>
-        <p:txBody>
-          <a:bodyPr/>
-          <a:lstStyle/>
-          <a:p>
-            <a:r>
-              <a:rPr lang="en-US" dirty="0" smtClean="0"/>
-              <a:t>Requirement specification</a:t>
-            </a:r>
-            <a:endParaRPr lang="nl-BE" dirty="0"/>
-          </a:p>
-        </p:txBody>
-      </p:sp>
-      <p:sp>
-        <p:nvSpPr>
-          <p:cNvPr id="3" name="Content Placeholder 2"/>
-          <p:cNvSpPr>
-            <a:spLocks noGrp="1"/>
-          </p:cNvSpPr>
-          <p:nvPr>
-            <p:ph idx="1"/>
-          </p:nvPr>
-        </p:nvSpPr>
-        <p:spPr/>
-        <p:txBody>
-          <a:bodyPr/>
-          <a:lstStyle/>
-          <a:p>
-            <a:endParaRPr lang="nl-BE" dirty="0"/>
-          </a:p>
-        </p:txBody>
-      </p:sp>
-      <p:sp>
-        <p:nvSpPr>
-          <p:cNvPr id="4" name="Slide Number Placeholder 3"/>
-          <p:cNvSpPr>
-            <a:spLocks noGrp="1"/>
-          </p:cNvSpPr>
-          <p:nvPr>
-            <p:ph type="sldNum" sz="quarter" idx="12"/>
-          </p:nvPr>
-        </p:nvSpPr>
-        <p:spPr/>
-        <p:txBody>
-          <a:bodyPr/>
-          <a:lstStyle/>
-          <a:p>
-            <a:pPr>
-              <a:defRPr/>
-            </a:pPr>
-            <a:fld id="{BC2BCED3-7F4A-40F1-85DA-02B4B5A68187}" type="slidenum">
-              <a:rPr lang="nl-NL" smtClean="0"/>
-              <a:pPr>
-                <a:defRPr/>
-              </a:pPr>
-              <a:t>8</a:t>
             </a:fld>
             <a:endParaRPr lang="nl-NL"/>
           </a:p>
@@ -9909,7 +10614,7 @@
           </a:prstGeom>
           <a:noFill/>
           <a:extLst>
-            <a:ext uri="{909E8E84-426E-40dd-AFC4-6F175D3DCCD1}">
+            <a:ext uri="{909E8E84-426E-40DD-AFC4-6F175D3DCCD1}">
               <a14:hiddenFill xmlns:a14="http://schemas.microsoft.com/office/drawing/2010/main">
                 <a:solidFill>
                   <a:srgbClr val="FFFFFF"/>
@@ -9946,7 +10651,7 @@
     </p:spTree>
     <p:extLst>
       <p:ext uri="{BB962C8B-B14F-4D97-AF65-F5344CB8AC3E}">
-        <p14:creationId xmlns:p14="http://schemas.microsoft.com/office/powerpoint/2010/main" val="1261684780"/>
+        <p14:creationId xmlns:p14="http://schemas.microsoft.com/office/powerpoint/2010/main" val="2671740121"/>
       </p:ext>
     </p:extLst>
   </p:cSld>
@@ -9956,7 +10661,7 @@
 </p:sld>
 </file>
 
-<file path=ppt/slides/slide9.xml><?xml version="1.0" encoding="utf-8"?>
+<file path=ppt/slides/slide8.xml><?xml version="1.0" encoding="utf-8"?>
 <p:sld xmlns:a="http://schemas.openxmlformats.org/drawingml/2006/main" xmlns:r="http://schemas.openxmlformats.org/officeDocument/2006/relationships" xmlns:p="http://schemas.openxmlformats.org/presentationml/2006/main">
   <p:cSld>
     <p:spTree>
@@ -10042,7 +10747,7 @@
               <a:pPr>
                 <a:defRPr/>
               </a:pPr>
-              <a:t>9</a:t>
+              <a:t>8</a:t>
             </a:fld>
             <a:endParaRPr lang="nl-NL"/>
           </a:p>
@@ -10075,13 +10780,145 @@
     </p:spTree>
     <p:extLst>
       <p:ext uri="{BB962C8B-B14F-4D97-AF65-F5344CB8AC3E}">
-        <p14:creationId xmlns:p14="http://schemas.microsoft.com/office/powerpoint/2010/main" val="3210876042"/>
+        <p14:creationId xmlns:p14="http://schemas.microsoft.com/office/powerpoint/2010/main" val="2901280866"/>
       </p:ext>
     </p:extLst>
   </p:cSld>
   <p:clrMapOvr>
     <a:masterClrMapping/>
   </p:clrMapOvr>
+</p:sld>
+</file>
+
+<file path=ppt/slides/slide9.xml><?xml version="1.0" encoding="utf-8"?>
+<p:sld xmlns:a="http://schemas.openxmlformats.org/drawingml/2006/main" xmlns:r="http://schemas.openxmlformats.org/officeDocument/2006/relationships" xmlns:p="http://schemas.openxmlformats.org/presentationml/2006/main">
+  <p:cSld>
+    <p:spTree>
+      <p:nvGrpSpPr>
+        <p:cNvPr id="1" name=""/>
+        <p:cNvGrpSpPr/>
+        <p:nvPr/>
+      </p:nvGrpSpPr>
+      <p:grpSpPr>
+        <a:xfrm>
+          <a:off x="0" y="0"/>
+          <a:ext cx="0" cy="0"/>
+          <a:chOff x="0" y="0"/>
+          <a:chExt cx="0" cy="0"/>
+        </a:xfrm>
+      </p:grpSpPr>
+      <p:sp>
+        <p:nvSpPr>
+          <p:cNvPr id="2" name="Title 1"/>
+          <p:cNvSpPr>
+            <a:spLocks noGrp="1"/>
+          </p:cNvSpPr>
+          <p:nvPr>
+            <p:ph type="title"/>
+          </p:nvPr>
+        </p:nvSpPr>
+        <p:spPr/>
+        <p:txBody>
+          <a:bodyPr/>
+          <a:lstStyle/>
+          <a:p>
+            <a:r>
+              <a:rPr lang="en-US" dirty="0" smtClean="0"/>
+              <a:t>Testing, deployment &amp; maintenance</a:t>
+            </a:r>
+            <a:endParaRPr lang="nl-BE" dirty="0"/>
+          </a:p>
+        </p:txBody>
+      </p:sp>
+      <p:sp>
+        <p:nvSpPr>
+          <p:cNvPr id="3" name="Content Placeholder 2"/>
+          <p:cNvSpPr>
+            <a:spLocks noGrp="1"/>
+          </p:cNvSpPr>
+          <p:nvPr>
+            <p:ph idx="1"/>
+          </p:nvPr>
+        </p:nvSpPr>
+        <p:spPr/>
+        <p:txBody>
+          <a:bodyPr/>
+          <a:lstStyle/>
+          <a:p>
+            <a:endParaRPr lang="nl-BE" dirty="0"/>
+          </a:p>
+        </p:txBody>
+      </p:sp>
+      <p:sp>
+        <p:nvSpPr>
+          <p:cNvPr id="4" name="Slide Number Placeholder 3"/>
+          <p:cNvSpPr>
+            <a:spLocks noGrp="1"/>
+          </p:cNvSpPr>
+          <p:nvPr>
+            <p:ph type="sldNum" sz="quarter" idx="12"/>
+          </p:nvPr>
+        </p:nvSpPr>
+        <p:spPr/>
+        <p:txBody>
+          <a:bodyPr/>
+          <a:lstStyle/>
+          <a:p>
+            <a:pPr>
+              <a:defRPr/>
+            </a:pPr>
+            <a:fld id="{BC2BCED3-7F4A-40F1-85DA-02B4B5A68187}" type="slidenum">
+              <a:rPr lang="nl-NL" smtClean="0"/>
+              <a:pPr>
+                <a:defRPr/>
+              </a:pPr>
+              <a:t>9</a:t>
+            </a:fld>
+            <a:endParaRPr lang="nl-NL"/>
+          </a:p>
+        </p:txBody>
+      </p:sp>
+      <p:pic>
+        <p:nvPicPr>
+          <p:cNvPr id="5" name="Picture 4"/>
+          <p:cNvPicPr>
+            <a:picLocks noChangeAspect="1"/>
+          </p:cNvPicPr>
+          <p:nvPr/>
+        </p:nvPicPr>
+        <p:blipFill>
+          <a:blip r:embed="rId2"/>
+          <a:stretch>
+            <a:fillRect/>
+          </a:stretch>
+        </p:blipFill>
+        <p:spPr>
+          <a:xfrm>
+            <a:off x="3367896" y="1542826"/>
+            <a:ext cx="5016985" cy="4640711"/>
+          </a:xfrm>
+          <a:prstGeom prst="rect">
+            <a:avLst/>
+          </a:prstGeom>
+        </p:spPr>
+      </p:pic>
+    </p:spTree>
+    <p:extLst>
+      <p:ext uri="{BB962C8B-B14F-4D97-AF65-F5344CB8AC3E}">
+        <p14:creationId xmlns:p14="http://schemas.microsoft.com/office/powerpoint/2010/main" val="2183831247"/>
+      </p:ext>
+    </p:extLst>
+  </p:cSld>
+  <p:clrMapOvr>
+    <a:masterClrMapping/>
+  </p:clrMapOvr>
+  <p:timing>
+    <p:tnLst>
+      <p:par>
+        <p:cTn id="1" dur="indefinite" restart="never" nodeType="tmRoot"/>
+      </p:par>
+    </p:tnLst>
+  </p:timing>
 </p:sld>
 </file>
 
@@ -10401,4 +11238,265 @@
   </a:objectDefaults>
   <a:extraClrSchemeLst/>
 </a:theme>
+</file>
+
+<file path=ppt/theme/theme2.xml><?xml version="1.0" encoding="utf-8"?>
+<a:theme xmlns:a="http://schemas.openxmlformats.org/drawingml/2006/main" name="Office Theme">
+  <a:themeElements>
+    <a:clrScheme name="Office">
+      <a:dk1>
+        <a:sysClr val="windowText" lastClr="000000"/>
+      </a:dk1>
+      <a:lt1>
+        <a:sysClr val="window" lastClr="FFFFFF"/>
+      </a:lt1>
+      <a:dk2>
+        <a:srgbClr val="44546A"/>
+      </a:dk2>
+      <a:lt2>
+        <a:srgbClr val="E7E6E6"/>
+      </a:lt2>
+      <a:accent1>
+        <a:srgbClr val="5B9BD5"/>
+      </a:accent1>
+      <a:accent2>
+        <a:srgbClr val="ED7D31"/>
+      </a:accent2>
+      <a:accent3>
+        <a:srgbClr val="A5A5A5"/>
+      </a:accent3>
+      <a:accent4>
+        <a:srgbClr val="FFC000"/>
+      </a:accent4>
+      <a:accent5>
+        <a:srgbClr val="4472C4"/>
+      </a:accent5>
+      <a:accent6>
+        <a:srgbClr val="70AD47"/>
+      </a:accent6>
+      <a:hlink>
+        <a:srgbClr val="0563C1"/>
+      </a:hlink>
+      <a:folHlink>
+        <a:srgbClr val="954F72"/>
+      </a:folHlink>
+    </a:clrScheme>
+    <a:fontScheme name="Office">
+      <a:majorFont>
+        <a:latin typeface="Calibri Light" panose="020F0302020204030204"/>
+        <a:ea typeface=""/>
+        <a:cs typeface=""/>
+        <a:font script="Jpan" typeface="ＭＳ Ｐゴシック"/>
+        <a:font script="Hang" typeface="맑은 고딕"/>
+        <a:font script="Hans" typeface="宋体"/>
+        <a:font script="Hant" typeface="新細明體"/>
+        <a:font script="Arab" typeface="Times New Roman"/>
+        <a:font script="Hebr" typeface="Times New Roman"/>
+        <a:font script="Thai" typeface="Angsana New"/>
+        <a:font script="Ethi" typeface="Nyala"/>
+        <a:font script="Beng" typeface="Vrinda"/>
+        <a:font script="Gujr" typeface="Shruti"/>
+        <a:font script="Khmr" typeface="MoolBoran"/>
+        <a:font script="Knda" typeface="Tunga"/>
+        <a:font script="Guru" typeface="Raavi"/>
+        <a:font script="Cans" typeface="Euphemia"/>
+        <a:font script="Cher" typeface="Plantagenet Cherokee"/>
+        <a:font script="Yiii" typeface="Microsoft Yi Baiti"/>
+        <a:font script="Tibt" typeface="Microsoft Himalaya"/>
+        <a:font script="Thaa" typeface="MV Boli"/>
+        <a:font script="Deva" typeface="Mangal"/>
+        <a:font script="Telu" typeface="Gautami"/>
+        <a:font script="Taml" typeface="Latha"/>
+        <a:font script="Syrc" typeface="Estrangelo Edessa"/>
+        <a:font script="Orya" typeface="Kalinga"/>
+        <a:font script="Mlym" typeface="Kartika"/>
+        <a:font script="Laoo" typeface="DokChampa"/>
+        <a:font script="Sinh" typeface="Iskoola Pota"/>
+        <a:font script="Mong" typeface="Mongolian Baiti"/>
+        <a:font script="Viet" typeface="Times New Roman"/>
+        <a:font script="Uigh" typeface="Microsoft Uighur"/>
+        <a:font script="Geor" typeface="Sylfaen"/>
+      </a:majorFont>
+      <a:minorFont>
+        <a:latin typeface="Calibri" panose="020F0502020204030204"/>
+        <a:ea typeface=""/>
+        <a:cs typeface=""/>
+        <a:font script="Jpan" typeface="ＭＳ Ｐゴシック"/>
+        <a:font script="Hang" typeface="맑은 고딕"/>
+        <a:font script="Hans" typeface="宋体"/>
+        <a:font script="Hant" typeface="新細明體"/>
+        <a:font script="Arab" typeface="Arial"/>
+        <a:font script="Hebr" typeface="Arial"/>
+        <a:font script="Thai" typeface="Cordia New"/>
+        <a:font script="Ethi" typeface="Nyala"/>
+        <a:font script="Beng" typeface="Vrinda"/>
+        <a:font script="Gujr" typeface="Shruti"/>
+        <a:font script="Khmr" typeface="DaunPenh"/>
+        <a:font script="Knda" typeface="Tunga"/>
+        <a:font script="Guru" typeface="Raavi"/>
+        <a:font script="Cans" typeface="Euphemia"/>
+        <a:font script="Cher" typeface="Plantagenet Cherokee"/>
+        <a:font script="Yiii" typeface="Microsoft Yi Baiti"/>
+        <a:font script="Tibt" typeface="Microsoft Himalaya"/>
+        <a:font script="Thaa" typeface="MV Boli"/>
+        <a:font script="Deva" typeface="Mangal"/>
+        <a:font script="Telu" typeface="Gautami"/>
+        <a:font script="Taml" typeface="Latha"/>
+        <a:font script="Syrc" typeface="Estrangelo Edessa"/>
+        <a:font script="Orya" typeface="Kalinga"/>
+        <a:font script="Mlym" typeface="Kartika"/>
+        <a:font script="Laoo" typeface="DokChampa"/>
+        <a:font script="Sinh" typeface="Iskoola Pota"/>
+        <a:font script="Mong" typeface="Mongolian Baiti"/>
+        <a:font script="Viet" typeface="Arial"/>
+        <a:font script="Uigh" typeface="Microsoft Uighur"/>
+        <a:font script="Geor" typeface="Sylfaen"/>
+      </a:minorFont>
+    </a:fontScheme>
+    <a:fmtScheme name="Office">
+      <a:fillStyleLst>
+        <a:solidFill>
+          <a:schemeClr val="phClr"/>
+        </a:solidFill>
+        <a:gradFill rotWithShape="1">
+          <a:gsLst>
+            <a:gs pos="0">
+              <a:schemeClr val="phClr">
+                <a:lumMod val="110000"/>
+                <a:satMod val="105000"/>
+                <a:tint val="67000"/>
+              </a:schemeClr>
+            </a:gs>
+            <a:gs pos="50000">
+              <a:schemeClr val="phClr">
+                <a:lumMod val="105000"/>
+                <a:satMod val="103000"/>
+                <a:tint val="73000"/>
+              </a:schemeClr>
+            </a:gs>
+            <a:gs pos="100000">
+              <a:schemeClr val="phClr">
+                <a:lumMod val="105000"/>
+                <a:satMod val="109000"/>
+                <a:tint val="81000"/>
+              </a:schemeClr>
+            </a:gs>
+          </a:gsLst>
+          <a:lin ang="5400000" scaled="0"/>
+        </a:gradFill>
+        <a:gradFill rotWithShape="1">
+          <a:gsLst>
+            <a:gs pos="0">
+              <a:schemeClr val="phClr">
+                <a:satMod val="103000"/>
+                <a:lumMod val="102000"/>
+                <a:tint val="94000"/>
+              </a:schemeClr>
+            </a:gs>
+            <a:gs pos="50000">
+              <a:schemeClr val="phClr">
+                <a:satMod val="110000"/>
+                <a:lumMod val="100000"/>
+                <a:shade val="100000"/>
+              </a:schemeClr>
+            </a:gs>
+            <a:gs pos="100000">
+              <a:schemeClr val="phClr">
+                <a:lumMod val="99000"/>
+                <a:satMod val="120000"/>
+                <a:shade val="78000"/>
+              </a:schemeClr>
+            </a:gs>
+          </a:gsLst>
+          <a:lin ang="5400000" scaled="0"/>
+        </a:gradFill>
+      </a:fillStyleLst>
+      <a:lnStyleLst>
+        <a:ln w="6350" cap="flat" cmpd="sng" algn="ctr">
+          <a:solidFill>
+            <a:schemeClr val="phClr"/>
+          </a:solidFill>
+          <a:prstDash val="solid"/>
+          <a:miter lim="800000"/>
+        </a:ln>
+        <a:ln w="12700" cap="flat" cmpd="sng" algn="ctr">
+          <a:solidFill>
+            <a:schemeClr val="phClr"/>
+          </a:solidFill>
+          <a:prstDash val="solid"/>
+          <a:miter lim="800000"/>
+        </a:ln>
+        <a:ln w="19050" cap="flat" cmpd="sng" algn="ctr">
+          <a:solidFill>
+            <a:schemeClr val="phClr"/>
+          </a:solidFill>
+          <a:prstDash val="solid"/>
+          <a:miter lim="800000"/>
+        </a:ln>
+      </a:lnStyleLst>
+      <a:effectStyleLst>
+        <a:effectStyle>
+          <a:effectLst/>
+        </a:effectStyle>
+        <a:effectStyle>
+          <a:effectLst/>
+        </a:effectStyle>
+        <a:effectStyle>
+          <a:effectLst>
+            <a:outerShdw blurRad="57150" dist="19050" dir="5400000" algn="ctr" rotWithShape="0">
+              <a:srgbClr val="000000">
+                <a:alpha val="63000"/>
+              </a:srgbClr>
+            </a:outerShdw>
+          </a:effectLst>
+        </a:effectStyle>
+      </a:effectStyleLst>
+      <a:bgFillStyleLst>
+        <a:solidFill>
+          <a:schemeClr val="phClr"/>
+        </a:solidFill>
+        <a:solidFill>
+          <a:schemeClr val="phClr">
+            <a:tint val="95000"/>
+            <a:satMod val="170000"/>
+          </a:schemeClr>
+        </a:solidFill>
+        <a:gradFill rotWithShape="1">
+          <a:gsLst>
+            <a:gs pos="0">
+              <a:schemeClr val="phClr">
+                <a:tint val="93000"/>
+                <a:satMod val="150000"/>
+                <a:shade val="98000"/>
+                <a:lumMod val="102000"/>
+              </a:schemeClr>
+            </a:gs>
+            <a:gs pos="50000">
+              <a:schemeClr val="phClr">
+                <a:tint val="98000"/>
+                <a:satMod val="130000"/>
+                <a:shade val="90000"/>
+                <a:lumMod val="103000"/>
+              </a:schemeClr>
+            </a:gs>
+            <a:gs pos="100000">
+              <a:schemeClr val="phClr">
+                <a:shade val="63000"/>
+                <a:satMod val="120000"/>
+              </a:schemeClr>
+            </a:gs>
+          </a:gsLst>
+          <a:lin ang="5400000" scaled="0"/>
+        </a:gradFill>
+      </a:bgFillStyleLst>
+    </a:fmtScheme>
+  </a:themeElements>
+  <a:objectDefaults/>
+  <a:extraClrSchemeLst/>
+  <a:extLst>
+    <a:ext uri="{05A4C25C-085E-4340-85A3-A5531E510DB2}">
+      <thm15:themeFamily xmlns:thm15="http://schemas.microsoft.com/office/thememl/2012/main" name="Office Theme" id="{62F939B6-93AF-4DB8-9C6B-D6C7DFDC589F}" vid="{4A3C46E8-61CC-4603-A589-7422A47A8E4A}"/>
+    </a:ext>
+  </a:extLst>
+</a:theme>
 </file>
--- a/italent/documents/Presentatie/Presentatie.pptx
+++ b/italent/documents/Presentatie/Presentatie.pptx
@@ -642,14 +642,14 @@
           </a:ln>
           <a:extLst>
             <a:ext uri="{909E8E84-426E-40dd-AFC4-6F175D3DCCD1}">
-              <a14:hiddenFill xmlns="" xmlns:a14="http://schemas.microsoft.com/office/drawing/2010/main">
+              <a14:hiddenFill xmlns:a14="http://schemas.microsoft.com/office/drawing/2010/main" xmlns="">
                 <a:solidFill>
                   <a:srgbClr val="FFFFFF"/>
                 </a:solidFill>
               </a14:hiddenFill>
             </a:ext>
             <a:ext uri="{91240B29-F687-4f45-9708-019B960494DF}">
-              <a14:hiddenLine xmlns="" xmlns:a14="http://schemas.microsoft.com/office/drawing/2010/main" w="9525">
+              <a14:hiddenLine xmlns:a14="http://schemas.microsoft.com/office/drawing/2010/main" xmlns="" w="9525">
                 <a:solidFill>
                   <a:srgbClr val="000000"/>
                 </a:solidFill>
@@ -696,14 +696,14 @@
           </a:ln>
           <a:extLst>
             <a:ext uri="{909E8E84-426E-40dd-AFC4-6F175D3DCCD1}">
-              <a14:hiddenFill xmlns="" xmlns:a14="http://schemas.microsoft.com/office/drawing/2010/main">
+              <a14:hiddenFill xmlns:a14="http://schemas.microsoft.com/office/drawing/2010/main" xmlns="">
                 <a:solidFill>
                   <a:srgbClr val="FFFFFF"/>
                 </a:solidFill>
               </a14:hiddenFill>
             </a:ext>
             <a:ext uri="{91240B29-F687-4f45-9708-019B960494DF}">
-              <a14:hiddenLine xmlns="" xmlns:a14="http://schemas.microsoft.com/office/drawing/2010/main" w="9525">
+              <a14:hiddenLine xmlns:a14="http://schemas.microsoft.com/office/drawing/2010/main" xmlns="" w="9525">
                 <a:solidFill>
                   <a:srgbClr val="000000"/>
                 </a:solidFill>
@@ -737,14 +737,14 @@
           </a:ln>
           <a:extLst>
             <a:ext uri="{909E8E84-426E-40dd-AFC4-6F175D3DCCD1}">
-              <a14:hiddenFill xmlns="" xmlns:a14="http://schemas.microsoft.com/office/drawing/2010/main">
+              <a14:hiddenFill xmlns:a14="http://schemas.microsoft.com/office/drawing/2010/main" xmlns="">
                 <a:solidFill>
                   <a:srgbClr val="FFFFFF"/>
                 </a:solidFill>
               </a14:hiddenFill>
             </a:ext>
             <a:ext uri="{91240B29-F687-4f45-9708-019B960494DF}">
-              <a14:hiddenLine xmlns="" xmlns:a14="http://schemas.microsoft.com/office/drawing/2010/main" w="9525">
+              <a14:hiddenLine xmlns:a14="http://schemas.microsoft.com/office/drawing/2010/main" xmlns="" w="9525">
                 <a:solidFill>
                   <a:srgbClr val="000000"/>
                 </a:solidFill>
@@ -951,14 +951,14 @@
           </a:ln>
           <a:extLst>
             <a:ext uri="{909E8E84-426E-40dd-AFC4-6F175D3DCCD1}">
-              <a14:hiddenFill xmlns="" xmlns:a14="http://schemas.microsoft.com/office/drawing/2010/main">
+              <a14:hiddenFill xmlns:a14="http://schemas.microsoft.com/office/drawing/2010/main" xmlns="">
                 <a:solidFill>
                   <a:srgbClr val="FFFFFF"/>
                 </a:solidFill>
               </a14:hiddenFill>
             </a:ext>
             <a:ext uri="{91240B29-F687-4f45-9708-019B960494DF}">
-              <a14:hiddenLine xmlns="" xmlns:a14="http://schemas.microsoft.com/office/drawing/2010/main" w="9525">
+              <a14:hiddenLine xmlns:a14="http://schemas.microsoft.com/office/drawing/2010/main" xmlns="" w="9525">
                 <a:solidFill>
                   <a:srgbClr val="000000"/>
                 </a:solidFill>
@@ -1296,14 +1296,14 @@
           </a:ln>
           <a:extLst>
             <a:ext uri="{909E8E84-426E-40dd-AFC4-6F175D3DCCD1}">
-              <a14:hiddenFill xmlns="" xmlns:a14="http://schemas.microsoft.com/office/drawing/2010/main">
+              <a14:hiddenFill xmlns:a14="http://schemas.microsoft.com/office/drawing/2010/main" xmlns="">
                 <a:solidFill>
                   <a:srgbClr val="FFFFFF"/>
                 </a:solidFill>
               </a14:hiddenFill>
             </a:ext>
             <a:ext uri="{91240B29-F687-4f45-9708-019B960494DF}">
-              <a14:hiddenLine xmlns="" xmlns:a14="http://schemas.microsoft.com/office/drawing/2010/main" w="9525">
+              <a14:hiddenLine xmlns:a14="http://schemas.microsoft.com/office/drawing/2010/main" xmlns="" w="9525">
                 <a:solidFill>
                   <a:srgbClr val="000000"/>
                 </a:solidFill>
@@ -1657,14 +1657,14 @@
           </a:ln>
           <a:extLst>
             <a:ext uri="{909E8E84-426E-40dd-AFC4-6F175D3DCCD1}">
-              <a14:hiddenFill xmlns="" xmlns:a14="http://schemas.microsoft.com/office/drawing/2010/main">
+              <a14:hiddenFill xmlns:a14="http://schemas.microsoft.com/office/drawing/2010/main" xmlns="">
                 <a:solidFill>
                   <a:srgbClr val="FFFFFF"/>
                 </a:solidFill>
               </a14:hiddenFill>
             </a:ext>
             <a:ext uri="{91240B29-F687-4f45-9708-019B960494DF}">
-              <a14:hiddenLine xmlns="" xmlns:a14="http://schemas.microsoft.com/office/drawing/2010/main" w="9525">
+              <a14:hiddenLine xmlns:a14="http://schemas.microsoft.com/office/drawing/2010/main" xmlns="" w="9525">
                 <a:solidFill>
                   <a:srgbClr val="000000"/>
                 </a:solidFill>
@@ -1926,14 +1926,14 @@
           </a:ln>
           <a:extLst>
             <a:ext uri="{909E8E84-426E-40dd-AFC4-6F175D3DCCD1}">
-              <a14:hiddenFill xmlns="" xmlns:a14="http://schemas.microsoft.com/office/drawing/2010/main">
+              <a14:hiddenFill xmlns:a14="http://schemas.microsoft.com/office/drawing/2010/main" xmlns="">
                 <a:solidFill>
                   <a:srgbClr val="FFFFFF"/>
                 </a:solidFill>
               </a14:hiddenFill>
             </a:ext>
             <a:ext uri="{91240B29-F687-4f45-9708-019B960494DF}">
-              <a14:hiddenLine xmlns="" xmlns:a14="http://schemas.microsoft.com/office/drawing/2010/main" w="9525">
+              <a14:hiddenLine xmlns:a14="http://schemas.microsoft.com/office/drawing/2010/main" xmlns="" w="9525">
                 <a:solidFill>
                   <a:srgbClr val="000000"/>
                 </a:solidFill>
@@ -2193,8 +2193,8 @@
         </p:blipFill>
         <p:spPr bwMode="auto">
           <a:xfrm>
-            <a:off x="503767" y="5837238"/>
-            <a:ext cx="973667" cy="730250"/>
+            <a:off x="71061" y="5876246"/>
+            <a:ext cx="753532" cy="730024"/>
           </a:xfrm>
           <a:prstGeom prst="rect">
             <a:avLst/>
@@ -2205,14 +2205,14 @@
           </a:ln>
           <a:extLst>
             <a:ext uri="{909E8E84-426E-40dd-AFC4-6F175D3DCCD1}">
-              <a14:hiddenFill xmlns="" xmlns:a14="http://schemas.microsoft.com/office/drawing/2010/main">
+              <a14:hiddenFill xmlns:a14="http://schemas.microsoft.com/office/drawing/2010/main" xmlns="">
                 <a:solidFill>
                   <a:srgbClr val="FFFFFF"/>
                 </a:solidFill>
               </a14:hiddenFill>
             </a:ext>
             <a:ext uri="{91240B29-F687-4f45-9708-019B960494DF}">
-              <a14:hiddenLine xmlns="" xmlns:a14="http://schemas.microsoft.com/office/drawing/2010/main" w="9525">
+              <a14:hiddenLine xmlns:a14="http://schemas.microsoft.com/office/drawing/2010/main" xmlns="" w="9525">
                 <a:solidFill>
                   <a:srgbClr val="000000"/>
                 </a:solidFill>
@@ -2474,14 +2474,14 @@
           </a:ln>
           <a:extLst>
             <a:ext uri="{909E8E84-426E-40dd-AFC4-6F175D3DCCD1}">
-              <a14:hiddenFill xmlns="" xmlns:a14="http://schemas.microsoft.com/office/drawing/2010/main">
+              <a14:hiddenFill xmlns:a14="http://schemas.microsoft.com/office/drawing/2010/main" xmlns="">
                 <a:solidFill>
                   <a:srgbClr val="FFFFFF"/>
                 </a:solidFill>
               </a14:hiddenFill>
             </a:ext>
             <a:ext uri="{91240B29-F687-4f45-9708-019B960494DF}">
-              <a14:hiddenLine xmlns="" xmlns:a14="http://schemas.microsoft.com/office/drawing/2010/main" w="9525">
+              <a14:hiddenLine xmlns:a14="http://schemas.microsoft.com/office/drawing/2010/main" xmlns="" w="9525">
                 <a:solidFill>
                   <a:srgbClr val="000000"/>
                 </a:solidFill>
@@ -2853,14 +2853,14 @@
           </a:ln>
           <a:extLst>
             <a:ext uri="{909E8E84-426E-40dd-AFC4-6F175D3DCCD1}">
-              <a14:hiddenFill xmlns="" xmlns:a14="http://schemas.microsoft.com/office/drawing/2010/main">
+              <a14:hiddenFill xmlns:a14="http://schemas.microsoft.com/office/drawing/2010/main" xmlns="">
                 <a:solidFill>
                   <a:srgbClr val="FFFFFF"/>
                 </a:solidFill>
               </a14:hiddenFill>
             </a:ext>
             <a:ext uri="{91240B29-F687-4f45-9708-019B960494DF}">
-              <a14:hiddenLine xmlns="" xmlns:a14="http://schemas.microsoft.com/office/drawing/2010/main" w="9525">
+              <a14:hiddenLine xmlns:a14="http://schemas.microsoft.com/office/drawing/2010/main" xmlns="" w="9525">
                 <a:solidFill>
                   <a:srgbClr val="000000"/>
                 </a:solidFill>
@@ -3240,14 +3240,14 @@
           </a:ln>
           <a:extLst>
             <a:ext uri="{909E8E84-426E-40dd-AFC4-6F175D3DCCD1}">
-              <a14:hiddenFill xmlns="" xmlns:a14="http://schemas.microsoft.com/office/drawing/2010/main">
+              <a14:hiddenFill xmlns:a14="http://schemas.microsoft.com/office/drawing/2010/main" xmlns="">
                 <a:solidFill>
                   <a:srgbClr val="FFFFFF"/>
                 </a:solidFill>
               </a14:hiddenFill>
             </a:ext>
             <a:ext uri="{91240B29-F687-4f45-9708-019B960494DF}">
-              <a14:hiddenLine xmlns="" xmlns:a14="http://schemas.microsoft.com/office/drawing/2010/main" w="9525">
+              <a14:hiddenLine xmlns:a14="http://schemas.microsoft.com/office/drawing/2010/main" xmlns="" w="9525">
                 <a:solidFill>
                   <a:srgbClr val="000000"/>
                 </a:solidFill>
@@ -3761,14 +3761,14 @@
           </a:ln>
           <a:extLst>
             <a:ext uri="{909E8E84-426E-40dd-AFC4-6F175D3DCCD1}">
-              <a14:hiddenFill xmlns="" xmlns:a14="http://schemas.microsoft.com/office/drawing/2010/main">
+              <a14:hiddenFill xmlns:a14="http://schemas.microsoft.com/office/drawing/2010/main" xmlns="">
                 <a:solidFill>
                   <a:srgbClr val="FFFFFF"/>
                 </a:solidFill>
               </a14:hiddenFill>
             </a:ext>
             <a:ext uri="{91240B29-F687-4f45-9708-019B960494DF}">
-              <a14:hiddenLine xmlns="" xmlns:a14="http://schemas.microsoft.com/office/drawing/2010/main" w="9525">
+              <a14:hiddenLine xmlns:a14="http://schemas.microsoft.com/office/drawing/2010/main" xmlns="" w="9525">
                 <a:solidFill>
                   <a:srgbClr val="000000"/>
                 </a:solidFill>
@@ -3978,14 +3978,14 @@
           </a:ln>
           <a:extLst>
             <a:ext uri="{909E8E84-426E-40dd-AFC4-6F175D3DCCD1}">
-              <a14:hiddenFill xmlns="" xmlns:a14="http://schemas.microsoft.com/office/drawing/2010/main">
+              <a14:hiddenFill xmlns:a14="http://schemas.microsoft.com/office/drawing/2010/main" xmlns="">
                 <a:solidFill>
                   <a:srgbClr val="FFFFFF"/>
                 </a:solidFill>
               </a14:hiddenFill>
             </a:ext>
             <a:ext uri="{91240B29-F687-4f45-9708-019B960494DF}">
-              <a14:hiddenLine xmlns="" xmlns:a14="http://schemas.microsoft.com/office/drawing/2010/main" w="9525">
+              <a14:hiddenLine xmlns:a14="http://schemas.microsoft.com/office/drawing/2010/main" xmlns="" w="9525">
                 <a:solidFill>
                   <a:srgbClr val="000000"/>
                 </a:solidFill>
@@ -4172,14 +4172,14 @@
           </a:ln>
           <a:extLst>
             <a:ext uri="{909E8E84-426E-40dd-AFC4-6F175D3DCCD1}">
-              <a14:hiddenFill xmlns="" xmlns:a14="http://schemas.microsoft.com/office/drawing/2010/main">
+              <a14:hiddenFill xmlns:a14="http://schemas.microsoft.com/office/drawing/2010/main" xmlns="">
                 <a:solidFill>
                   <a:srgbClr val="FFFFFF"/>
                 </a:solidFill>
               </a14:hiddenFill>
             </a:ext>
             <a:ext uri="{91240B29-F687-4f45-9708-019B960494DF}">
-              <a14:hiddenLine xmlns="" xmlns:a14="http://schemas.microsoft.com/office/drawing/2010/main" w="9525">
+              <a14:hiddenLine xmlns:a14="http://schemas.microsoft.com/office/drawing/2010/main" xmlns="" w="9525">
                 <a:solidFill>
                   <a:srgbClr val="000000"/>
                 </a:solidFill>
@@ -4542,14 +4542,14 @@
           </a:ln>
           <a:extLst>
             <a:ext uri="{909E8E84-426E-40dd-AFC4-6F175D3DCCD1}">
-              <a14:hiddenFill xmlns="" xmlns:a14="http://schemas.microsoft.com/office/drawing/2010/main">
+              <a14:hiddenFill xmlns:a14="http://schemas.microsoft.com/office/drawing/2010/main" xmlns="">
                 <a:solidFill>
                   <a:srgbClr val="FFFFFF"/>
                 </a:solidFill>
               </a14:hiddenFill>
             </a:ext>
             <a:ext uri="{91240B29-F687-4f45-9708-019B960494DF}">
-              <a14:hiddenLine xmlns="" xmlns:a14="http://schemas.microsoft.com/office/drawing/2010/main" w="9525">
+              <a14:hiddenLine xmlns:a14="http://schemas.microsoft.com/office/drawing/2010/main" xmlns="" w="9525">
                 <a:solidFill>
                   <a:srgbClr val="000000"/>
                 </a:solidFill>
@@ -4601,14 +4601,14 @@
           </a:ln>
           <a:extLst>
             <a:ext uri="{909E8E84-426E-40dd-AFC4-6F175D3DCCD1}">
-              <a14:hiddenFill xmlns="" xmlns:a14="http://schemas.microsoft.com/office/drawing/2010/main">
+              <a14:hiddenFill xmlns:a14="http://schemas.microsoft.com/office/drawing/2010/main" xmlns="">
                 <a:solidFill>
                   <a:srgbClr val="FFFFFF"/>
                 </a:solidFill>
               </a14:hiddenFill>
             </a:ext>
             <a:ext uri="{91240B29-F687-4f45-9708-019B960494DF}">
-              <a14:hiddenLine xmlns="" xmlns:a14="http://schemas.microsoft.com/office/drawing/2010/main" w="9525">
+              <a14:hiddenLine xmlns:a14="http://schemas.microsoft.com/office/drawing/2010/main" xmlns="" w="9525">
                 <a:solidFill>
                   <a:srgbClr val="000000"/>
                 </a:solidFill>
@@ -5337,14 +5337,14 @@
           <a:noFill/>
           <a:extLst>
             <a:ext uri="{909E8E84-426E-40dd-AFC4-6F175D3DCCD1}">
-              <a14:hiddenFill xmlns="" xmlns:a14="http://schemas.microsoft.com/office/drawing/2010/main">
+              <a14:hiddenFill xmlns:a14="http://schemas.microsoft.com/office/drawing/2010/main" xmlns="">
                 <a:solidFill>
                   <a:srgbClr val="FFFFFF"/>
                 </a:solidFill>
               </a14:hiddenFill>
             </a:ext>
             <a:ext uri="{91240B29-F687-4f45-9708-019B960494DF}">
-              <a14:hiddenLine xmlns="" xmlns:a14="http://schemas.microsoft.com/office/drawing/2010/main" w="9525">
+              <a14:hiddenLine xmlns:a14="http://schemas.microsoft.com/office/drawing/2010/main" xmlns="" w="9525">
                 <a:solidFill>
                   <a:srgbClr val="000000"/>
                 </a:solidFill>
@@ -5541,14 +5541,14 @@
           </a:ln>
           <a:extLst>
             <a:ext uri="{909E8E84-426E-40dd-AFC4-6F175D3DCCD1}">
-              <a14:hiddenFill xmlns="" xmlns:a14="http://schemas.microsoft.com/office/drawing/2010/main">
+              <a14:hiddenFill xmlns:a14="http://schemas.microsoft.com/office/drawing/2010/main" xmlns="">
                 <a:solidFill>
                   <a:srgbClr val="FFFFFF"/>
                 </a:solidFill>
               </a14:hiddenFill>
             </a:ext>
             <a:ext uri="{91240B29-F687-4f45-9708-019B960494DF}">
-              <a14:hiddenLine xmlns="" xmlns:a14="http://schemas.microsoft.com/office/drawing/2010/main" w="9525">
+              <a14:hiddenLine xmlns:a14="http://schemas.microsoft.com/office/drawing/2010/main" xmlns="" w="9525">
                 <a:solidFill>
                   <a:srgbClr val="000000"/>
                 </a:solidFill>
@@ -6514,7 +6514,7 @@
         </p:blipFill>
         <p:spPr>
           <a:xfrm>
-            <a:off x="1962598" y="2344586"/>
+            <a:off x="3213426" y="2327334"/>
             <a:ext cx="5861559" cy="3753164"/>
           </a:xfrm>
           <a:prstGeom prst="rect">
@@ -7645,14 +7645,14 @@
           </a:ln>
           <a:extLst>
             <a:ext uri="{909E8E84-426E-40dd-AFC4-6F175D3DCCD1}">
-              <a14:hiddenFill xmlns="" xmlns:a14="http://schemas.microsoft.com/office/drawing/2010/main">
+              <a14:hiddenFill xmlns:a14="http://schemas.microsoft.com/office/drawing/2010/main" xmlns="">
                 <a:solidFill>
                   <a:srgbClr val="FFFFFF"/>
                 </a:solidFill>
               </a14:hiddenFill>
             </a:ext>
             <a:ext uri="{91240B29-F687-4f45-9708-019B960494DF}">
-              <a14:hiddenLine xmlns="" xmlns:a14="http://schemas.microsoft.com/office/drawing/2010/main" w="9525">
+              <a14:hiddenLine xmlns:a14="http://schemas.microsoft.com/office/drawing/2010/main" xmlns="" w="9525">
                 <a:solidFill>
                   <a:srgbClr val="000000"/>
                 </a:solidFill>
@@ -8581,7 +8581,7 @@
           <a:noFill/>
           <a:extLst>
             <a:ext uri="{909E8E84-426E-40dd-AFC4-6F175D3DCCD1}">
-              <a14:hiddenFill xmlns="" xmlns:a14="http://schemas.microsoft.com/office/drawing/2010/main">
+              <a14:hiddenFill xmlns:a14="http://schemas.microsoft.com/office/drawing/2010/main" xmlns="">
                 <a:solidFill>
                   <a:srgbClr val="FFFFFF"/>
                 </a:solidFill>
@@ -8733,7 +8733,7 @@
           <a:noFill/>
           <a:extLst>
             <a:ext uri="{909E8E84-426E-40dd-AFC4-6F175D3DCCD1}">
-              <a14:hiddenFill xmlns="" xmlns:a14="http://schemas.microsoft.com/office/drawing/2010/main">
+              <a14:hiddenFill xmlns:a14="http://schemas.microsoft.com/office/drawing/2010/main" xmlns="">
                 <a:solidFill>
                   <a:srgbClr val="FFFFFF"/>
                 </a:solidFill>
@@ -9023,7 +9023,7 @@
           <a:noFill/>
           <a:extLst>
             <a:ext uri="{909E8E84-426E-40dd-AFC4-6F175D3DCCD1}">
-              <a14:hiddenFill xmlns="" xmlns:a14="http://schemas.microsoft.com/office/drawing/2010/main">
+              <a14:hiddenFill xmlns:a14="http://schemas.microsoft.com/office/drawing/2010/main" xmlns="">
                 <a:solidFill>
                   <a:srgbClr val="FFFFFF"/>
                 </a:solidFill>
@@ -9051,7 +9051,7 @@
           <a:noFill/>
           <a:extLst>
             <a:ext uri="{909E8E84-426E-40dd-AFC4-6F175D3DCCD1}">
-              <a14:hiddenFill xmlns="" xmlns:a14="http://schemas.microsoft.com/office/drawing/2010/main">
+              <a14:hiddenFill xmlns:a14="http://schemas.microsoft.com/office/drawing/2010/main" xmlns="">
                 <a:solidFill>
                   <a:srgbClr val="FFFFFF"/>
                 </a:solidFill>
@@ -9103,7 +9103,7 @@
           <a:noFill/>
           <a:extLst>
             <a:ext uri="{909E8E84-426E-40dd-AFC4-6F175D3DCCD1}">
-              <a14:hiddenFill xmlns="" xmlns:a14="http://schemas.microsoft.com/office/drawing/2010/main">
+              <a14:hiddenFill xmlns:a14="http://schemas.microsoft.com/office/drawing/2010/main" xmlns="">
                 <a:solidFill>
                   <a:srgbClr val="FFFFFF"/>
                 </a:solidFill>

--- a/italent/documents/Presentatie/Presentatie.pptx
+++ b/italent/documents/Presentatie/Presentatie.pptx
@@ -139,7 +139,7 @@
   </p:defaultTextStyle>
   <p:extLst>
     <p:ext uri="{EFAFB233-063F-42B5-8137-9DF3F51BA10A}">
-      <p15:sldGuideLst xmlns:p15="http://schemas.microsoft.com/office/powerpoint/2012/main">
+      <p15:sldGuideLst xmlns:p15="http://schemas.microsoft.com/office/powerpoint/2012/main" xmlns="">
         <p15:guide id="1" orient="horz" pos="2160">
           <p15:clr>
             <a:srgbClr val="A4A3A4"/>
@@ -641,15 +641,15 @@
             <a:noFill/>
           </a:ln>
           <a:extLst>
-            <a:ext uri="{909E8E84-426E-40dd-AFC4-6F175D3DCCD1}">
-              <a14:hiddenFill xmlns:a14="http://schemas.microsoft.com/office/drawing/2010/main" xmlns="">
+            <a:ext uri="{909E8E84-426E-40DD-AFC4-6F175D3DCCD1}">
+              <a14:hiddenFill xmlns:a14="http://schemas.microsoft.com/office/drawing/2010/main">
                 <a:solidFill>
                   <a:srgbClr val="FFFFFF"/>
                 </a:solidFill>
               </a14:hiddenFill>
             </a:ext>
-            <a:ext uri="{91240B29-F687-4f45-9708-019B960494DF}">
-              <a14:hiddenLine xmlns:a14="http://schemas.microsoft.com/office/drawing/2010/main" xmlns="" w="9525">
+            <a:ext uri="{91240B29-F687-4F45-9708-019B960494DF}">
+              <a14:hiddenLine xmlns:a14="http://schemas.microsoft.com/office/drawing/2010/main" w="9525">
                 <a:solidFill>
                   <a:srgbClr val="000000"/>
                 </a:solidFill>
@@ -695,15 +695,15 @@
             <a:noFill/>
           </a:ln>
           <a:extLst>
-            <a:ext uri="{909E8E84-426E-40dd-AFC4-6F175D3DCCD1}">
-              <a14:hiddenFill xmlns:a14="http://schemas.microsoft.com/office/drawing/2010/main" xmlns="">
+            <a:ext uri="{909E8E84-426E-40DD-AFC4-6F175D3DCCD1}">
+              <a14:hiddenFill xmlns:a14="http://schemas.microsoft.com/office/drawing/2010/main">
                 <a:solidFill>
                   <a:srgbClr val="FFFFFF"/>
                 </a:solidFill>
               </a14:hiddenFill>
             </a:ext>
-            <a:ext uri="{91240B29-F687-4f45-9708-019B960494DF}">
-              <a14:hiddenLine xmlns:a14="http://schemas.microsoft.com/office/drawing/2010/main" xmlns="" w="9525">
+            <a:ext uri="{91240B29-F687-4F45-9708-019B960494DF}">
+              <a14:hiddenLine xmlns:a14="http://schemas.microsoft.com/office/drawing/2010/main" w="9525">
                 <a:solidFill>
                   <a:srgbClr val="000000"/>
                 </a:solidFill>
@@ -736,15 +736,15 @@
             <a:noFill/>
           </a:ln>
           <a:extLst>
-            <a:ext uri="{909E8E84-426E-40dd-AFC4-6F175D3DCCD1}">
-              <a14:hiddenFill xmlns:a14="http://schemas.microsoft.com/office/drawing/2010/main" xmlns="">
+            <a:ext uri="{909E8E84-426E-40DD-AFC4-6F175D3DCCD1}">
+              <a14:hiddenFill xmlns:a14="http://schemas.microsoft.com/office/drawing/2010/main">
                 <a:solidFill>
                   <a:srgbClr val="FFFFFF"/>
                 </a:solidFill>
               </a14:hiddenFill>
             </a:ext>
-            <a:ext uri="{91240B29-F687-4f45-9708-019B960494DF}">
-              <a14:hiddenLine xmlns:a14="http://schemas.microsoft.com/office/drawing/2010/main" xmlns="" w="9525">
+            <a:ext uri="{91240B29-F687-4F45-9708-019B960494DF}">
+              <a14:hiddenLine xmlns:a14="http://schemas.microsoft.com/office/drawing/2010/main" w="9525">
                 <a:solidFill>
                   <a:srgbClr val="000000"/>
                 </a:solidFill>
@@ -950,15 +950,15 @@
             <a:noFill/>
           </a:ln>
           <a:extLst>
-            <a:ext uri="{909E8E84-426E-40dd-AFC4-6F175D3DCCD1}">
-              <a14:hiddenFill xmlns:a14="http://schemas.microsoft.com/office/drawing/2010/main" xmlns="">
+            <a:ext uri="{909E8E84-426E-40DD-AFC4-6F175D3DCCD1}">
+              <a14:hiddenFill xmlns:a14="http://schemas.microsoft.com/office/drawing/2010/main">
                 <a:solidFill>
                   <a:srgbClr val="FFFFFF"/>
                 </a:solidFill>
               </a14:hiddenFill>
             </a:ext>
-            <a:ext uri="{91240B29-F687-4f45-9708-019B960494DF}">
-              <a14:hiddenLine xmlns:a14="http://schemas.microsoft.com/office/drawing/2010/main" xmlns="" w="9525">
+            <a:ext uri="{91240B29-F687-4F45-9708-019B960494DF}">
+              <a14:hiddenLine xmlns:a14="http://schemas.microsoft.com/office/drawing/2010/main" w="9525">
                 <a:solidFill>
                   <a:srgbClr val="000000"/>
                 </a:solidFill>
@@ -1295,15 +1295,15 @@
             <a:noFill/>
           </a:ln>
           <a:extLst>
-            <a:ext uri="{909E8E84-426E-40dd-AFC4-6F175D3DCCD1}">
-              <a14:hiddenFill xmlns:a14="http://schemas.microsoft.com/office/drawing/2010/main" xmlns="">
+            <a:ext uri="{909E8E84-426E-40DD-AFC4-6F175D3DCCD1}">
+              <a14:hiddenFill xmlns:a14="http://schemas.microsoft.com/office/drawing/2010/main">
                 <a:solidFill>
                   <a:srgbClr val="FFFFFF"/>
                 </a:solidFill>
               </a14:hiddenFill>
             </a:ext>
-            <a:ext uri="{91240B29-F687-4f45-9708-019B960494DF}">
-              <a14:hiddenLine xmlns:a14="http://schemas.microsoft.com/office/drawing/2010/main" xmlns="" w="9525">
+            <a:ext uri="{91240B29-F687-4F45-9708-019B960494DF}">
+              <a14:hiddenLine xmlns:a14="http://schemas.microsoft.com/office/drawing/2010/main" w="9525">
                 <a:solidFill>
                   <a:srgbClr val="000000"/>
                 </a:solidFill>
@@ -1656,15 +1656,15 @@
             <a:noFill/>
           </a:ln>
           <a:extLst>
-            <a:ext uri="{909E8E84-426E-40dd-AFC4-6F175D3DCCD1}">
-              <a14:hiddenFill xmlns:a14="http://schemas.microsoft.com/office/drawing/2010/main" xmlns="">
+            <a:ext uri="{909E8E84-426E-40DD-AFC4-6F175D3DCCD1}">
+              <a14:hiddenFill xmlns:a14="http://schemas.microsoft.com/office/drawing/2010/main">
                 <a:solidFill>
                   <a:srgbClr val="FFFFFF"/>
                 </a:solidFill>
               </a14:hiddenFill>
             </a:ext>
-            <a:ext uri="{91240B29-F687-4f45-9708-019B960494DF}">
-              <a14:hiddenLine xmlns:a14="http://schemas.microsoft.com/office/drawing/2010/main" xmlns="" w="9525">
+            <a:ext uri="{91240B29-F687-4F45-9708-019B960494DF}">
+              <a14:hiddenLine xmlns:a14="http://schemas.microsoft.com/office/drawing/2010/main" w="9525">
                 <a:solidFill>
                   <a:srgbClr val="000000"/>
                 </a:solidFill>
@@ -1925,15 +1925,15 @@
             <a:noFill/>
           </a:ln>
           <a:extLst>
-            <a:ext uri="{909E8E84-426E-40dd-AFC4-6F175D3DCCD1}">
-              <a14:hiddenFill xmlns:a14="http://schemas.microsoft.com/office/drawing/2010/main" xmlns="">
+            <a:ext uri="{909E8E84-426E-40DD-AFC4-6F175D3DCCD1}">
+              <a14:hiddenFill xmlns:a14="http://schemas.microsoft.com/office/drawing/2010/main">
                 <a:solidFill>
                   <a:srgbClr val="FFFFFF"/>
                 </a:solidFill>
               </a14:hiddenFill>
             </a:ext>
-            <a:ext uri="{91240B29-F687-4f45-9708-019B960494DF}">
-              <a14:hiddenLine xmlns:a14="http://schemas.microsoft.com/office/drawing/2010/main" xmlns="" w="9525">
+            <a:ext uri="{91240B29-F687-4F45-9708-019B960494DF}">
+              <a14:hiddenLine xmlns:a14="http://schemas.microsoft.com/office/drawing/2010/main" w="9525">
                 <a:solidFill>
                   <a:srgbClr val="000000"/>
                 </a:solidFill>
@@ -2204,15 +2204,15 @@
             <a:noFill/>
           </a:ln>
           <a:extLst>
-            <a:ext uri="{909E8E84-426E-40dd-AFC4-6F175D3DCCD1}">
-              <a14:hiddenFill xmlns:a14="http://schemas.microsoft.com/office/drawing/2010/main" xmlns="">
+            <a:ext uri="{909E8E84-426E-40DD-AFC4-6F175D3DCCD1}">
+              <a14:hiddenFill xmlns:a14="http://schemas.microsoft.com/office/drawing/2010/main">
                 <a:solidFill>
                   <a:srgbClr val="FFFFFF"/>
                 </a:solidFill>
               </a14:hiddenFill>
             </a:ext>
-            <a:ext uri="{91240B29-F687-4f45-9708-019B960494DF}">
-              <a14:hiddenLine xmlns:a14="http://schemas.microsoft.com/office/drawing/2010/main" xmlns="" w="9525">
+            <a:ext uri="{91240B29-F687-4F45-9708-019B960494DF}">
+              <a14:hiddenLine xmlns:a14="http://schemas.microsoft.com/office/drawing/2010/main" w="9525">
                 <a:solidFill>
                   <a:srgbClr val="000000"/>
                 </a:solidFill>
@@ -2473,15 +2473,15 @@
             <a:noFill/>
           </a:ln>
           <a:extLst>
-            <a:ext uri="{909E8E84-426E-40dd-AFC4-6F175D3DCCD1}">
-              <a14:hiddenFill xmlns:a14="http://schemas.microsoft.com/office/drawing/2010/main" xmlns="">
+            <a:ext uri="{909E8E84-426E-40DD-AFC4-6F175D3DCCD1}">
+              <a14:hiddenFill xmlns:a14="http://schemas.microsoft.com/office/drawing/2010/main">
                 <a:solidFill>
                   <a:srgbClr val="FFFFFF"/>
                 </a:solidFill>
               </a14:hiddenFill>
             </a:ext>
-            <a:ext uri="{91240B29-F687-4f45-9708-019B960494DF}">
-              <a14:hiddenLine xmlns:a14="http://schemas.microsoft.com/office/drawing/2010/main" xmlns="" w="9525">
+            <a:ext uri="{91240B29-F687-4F45-9708-019B960494DF}">
+              <a14:hiddenLine xmlns:a14="http://schemas.microsoft.com/office/drawing/2010/main" w="9525">
                 <a:solidFill>
                   <a:srgbClr val="000000"/>
                 </a:solidFill>
@@ -2852,15 +2852,15 @@
             <a:noFill/>
           </a:ln>
           <a:extLst>
-            <a:ext uri="{909E8E84-426E-40dd-AFC4-6F175D3DCCD1}">
-              <a14:hiddenFill xmlns:a14="http://schemas.microsoft.com/office/drawing/2010/main" xmlns="">
+            <a:ext uri="{909E8E84-426E-40DD-AFC4-6F175D3DCCD1}">
+              <a14:hiddenFill xmlns:a14="http://schemas.microsoft.com/office/drawing/2010/main">
                 <a:solidFill>
                   <a:srgbClr val="FFFFFF"/>
                 </a:solidFill>
               </a14:hiddenFill>
             </a:ext>
-            <a:ext uri="{91240B29-F687-4f45-9708-019B960494DF}">
-              <a14:hiddenLine xmlns:a14="http://schemas.microsoft.com/office/drawing/2010/main" xmlns="" w="9525">
+            <a:ext uri="{91240B29-F687-4F45-9708-019B960494DF}">
+              <a14:hiddenLine xmlns:a14="http://schemas.microsoft.com/office/drawing/2010/main" w="9525">
                 <a:solidFill>
                   <a:srgbClr val="000000"/>
                 </a:solidFill>
@@ -3239,15 +3239,15 @@
             <a:noFill/>
           </a:ln>
           <a:extLst>
-            <a:ext uri="{909E8E84-426E-40dd-AFC4-6F175D3DCCD1}">
-              <a14:hiddenFill xmlns:a14="http://schemas.microsoft.com/office/drawing/2010/main" xmlns="">
+            <a:ext uri="{909E8E84-426E-40DD-AFC4-6F175D3DCCD1}">
+              <a14:hiddenFill xmlns:a14="http://schemas.microsoft.com/office/drawing/2010/main">
                 <a:solidFill>
                   <a:srgbClr val="FFFFFF"/>
                 </a:solidFill>
               </a14:hiddenFill>
             </a:ext>
-            <a:ext uri="{91240B29-F687-4f45-9708-019B960494DF}">
-              <a14:hiddenLine xmlns:a14="http://schemas.microsoft.com/office/drawing/2010/main" xmlns="" w="9525">
+            <a:ext uri="{91240B29-F687-4F45-9708-019B960494DF}">
+              <a14:hiddenLine xmlns:a14="http://schemas.microsoft.com/office/drawing/2010/main" w="9525">
                 <a:solidFill>
                   <a:srgbClr val="000000"/>
                 </a:solidFill>
@@ -3760,15 +3760,15 @@
             <a:noFill/>
           </a:ln>
           <a:extLst>
-            <a:ext uri="{909E8E84-426E-40dd-AFC4-6F175D3DCCD1}">
-              <a14:hiddenFill xmlns:a14="http://schemas.microsoft.com/office/drawing/2010/main" xmlns="">
+            <a:ext uri="{909E8E84-426E-40DD-AFC4-6F175D3DCCD1}">
+              <a14:hiddenFill xmlns:a14="http://schemas.microsoft.com/office/drawing/2010/main">
                 <a:solidFill>
                   <a:srgbClr val="FFFFFF"/>
                 </a:solidFill>
               </a14:hiddenFill>
             </a:ext>
-            <a:ext uri="{91240B29-F687-4f45-9708-019B960494DF}">
-              <a14:hiddenLine xmlns:a14="http://schemas.microsoft.com/office/drawing/2010/main" xmlns="" w="9525">
+            <a:ext uri="{91240B29-F687-4F45-9708-019B960494DF}">
+              <a14:hiddenLine xmlns:a14="http://schemas.microsoft.com/office/drawing/2010/main" w="9525">
                 <a:solidFill>
                   <a:srgbClr val="000000"/>
                 </a:solidFill>
@@ -3977,15 +3977,15 @@
             <a:noFill/>
           </a:ln>
           <a:extLst>
-            <a:ext uri="{909E8E84-426E-40dd-AFC4-6F175D3DCCD1}">
-              <a14:hiddenFill xmlns:a14="http://schemas.microsoft.com/office/drawing/2010/main" xmlns="">
+            <a:ext uri="{909E8E84-426E-40DD-AFC4-6F175D3DCCD1}">
+              <a14:hiddenFill xmlns:a14="http://schemas.microsoft.com/office/drawing/2010/main">
                 <a:solidFill>
                   <a:srgbClr val="FFFFFF"/>
                 </a:solidFill>
               </a14:hiddenFill>
             </a:ext>
-            <a:ext uri="{91240B29-F687-4f45-9708-019B960494DF}">
-              <a14:hiddenLine xmlns:a14="http://schemas.microsoft.com/office/drawing/2010/main" xmlns="" w="9525">
+            <a:ext uri="{91240B29-F687-4F45-9708-019B960494DF}">
+              <a14:hiddenLine xmlns:a14="http://schemas.microsoft.com/office/drawing/2010/main" w="9525">
                 <a:solidFill>
                   <a:srgbClr val="000000"/>
                 </a:solidFill>
@@ -4171,15 +4171,15 @@
             <a:noFill/>
           </a:ln>
           <a:extLst>
-            <a:ext uri="{909E8E84-426E-40dd-AFC4-6F175D3DCCD1}">
-              <a14:hiddenFill xmlns:a14="http://schemas.microsoft.com/office/drawing/2010/main" xmlns="">
+            <a:ext uri="{909E8E84-426E-40DD-AFC4-6F175D3DCCD1}">
+              <a14:hiddenFill xmlns:a14="http://schemas.microsoft.com/office/drawing/2010/main">
                 <a:solidFill>
                   <a:srgbClr val="FFFFFF"/>
                 </a:solidFill>
               </a14:hiddenFill>
             </a:ext>
-            <a:ext uri="{91240B29-F687-4f45-9708-019B960494DF}">
-              <a14:hiddenLine xmlns:a14="http://schemas.microsoft.com/office/drawing/2010/main" xmlns="" w="9525">
+            <a:ext uri="{91240B29-F687-4F45-9708-019B960494DF}">
+              <a14:hiddenLine xmlns:a14="http://schemas.microsoft.com/office/drawing/2010/main" w="9525">
                 <a:solidFill>
                   <a:srgbClr val="000000"/>
                 </a:solidFill>
@@ -4541,15 +4541,15 @@
             <a:noFill/>
           </a:ln>
           <a:extLst>
-            <a:ext uri="{909E8E84-426E-40dd-AFC4-6F175D3DCCD1}">
-              <a14:hiddenFill xmlns:a14="http://schemas.microsoft.com/office/drawing/2010/main" xmlns="">
+            <a:ext uri="{909E8E84-426E-40DD-AFC4-6F175D3DCCD1}">
+              <a14:hiddenFill xmlns:a14="http://schemas.microsoft.com/office/drawing/2010/main">
                 <a:solidFill>
                   <a:srgbClr val="FFFFFF"/>
                 </a:solidFill>
               </a14:hiddenFill>
             </a:ext>
-            <a:ext uri="{91240B29-F687-4f45-9708-019B960494DF}">
-              <a14:hiddenLine xmlns:a14="http://schemas.microsoft.com/office/drawing/2010/main" xmlns="" w="9525">
+            <a:ext uri="{91240B29-F687-4F45-9708-019B960494DF}">
+              <a14:hiddenLine xmlns:a14="http://schemas.microsoft.com/office/drawing/2010/main" w="9525">
                 <a:solidFill>
                   <a:srgbClr val="000000"/>
                 </a:solidFill>
@@ -4600,15 +4600,15 @@
             <a:noFill/>
           </a:ln>
           <a:extLst>
-            <a:ext uri="{909E8E84-426E-40dd-AFC4-6F175D3DCCD1}">
-              <a14:hiddenFill xmlns:a14="http://schemas.microsoft.com/office/drawing/2010/main" xmlns="">
+            <a:ext uri="{909E8E84-426E-40DD-AFC4-6F175D3DCCD1}">
+              <a14:hiddenFill xmlns:a14="http://schemas.microsoft.com/office/drawing/2010/main">
                 <a:solidFill>
                   <a:srgbClr val="FFFFFF"/>
                 </a:solidFill>
               </a14:hiddenFill>
             </a:ext>
-            <a:ext uri="{91240B29-F687-4f45-9708-019B960494DF}">
-              <a14:hiddenLine xmlns:a14="http://schemas.microsoft.com/office/drawing/2010/main" xmlns="" w="9525">
+            <a:ext uri="{91240B29-F687-4F45-9708-019B960494DF}">
+              <a14:hiddenLine xmlns:a14="http://schemas.microsoft.com/office/drawing/2010/main" w="9525">
                 <a:solidFill>
                   <a:srgbClr val="000000"/>
                 </a:solidFill>
@@ -5336,15 +5336,15 @@
         <p:spPr bwMode="auto">
           <a:noFill/>
           <a:extLst>
-            <a:ext uri="{909E8E84-426E-40dd-AFC4-6F175D3DCCD1}">
-              <a14:hiddenFill xmlns:a14="http://schemas.microsoft.com/office/drawing/2010/main" xmlns="">
+            <a:ext uri="{909E8E84-426E-40DD-AFC4-6F175D3DCCD1}">
+              <a14:hiddenFill xmlns:a14="http://schemas.microsoft.com/office/drawing/2010/main">
                 <a:solidFill>
                   <a:srgbClr val="FFFFFF"/>
                 </a:solidFill>
               </a14:hiddenFill>
             </a:ext>
-            <a:ext uri="{91240B29-F687-4f45-9708-019B960494DF}">
-              <a14:hiddenLine xmlns:a14="http://schemas.microsoft.com/office/drawing/2010/main" xmlns="" w="9525">
+            <a:ext uri="{91240B29-F687-4F45-9708-019B960494DF}">
+              <a14:hiddenLine xmlns:a14="http://schemas.microsoft.com/office/drawing/2010/main" w="9525">
                 <a:solidFill>
                   <a:srgbClr val="000000"/>
                 </a:solidFill>
@@ -5540,15 +5540,15 @@
             <a:noFill/>
           </a:ln>
           <a:extLst>
-            <a:ext uri="{909E8E84-426E-40dd-AFC4-6F175D3DCCD1}">
-              <a14:hiddenFill xmlns:a14="http://schemas.microsoft.com/office/drawing/2010/main" xmlns="">
+            <a:ext uri="{909E8E84-426E-40DD-AFC4-6F175D3DCCD1}">
+              <a14:hiddenFill xmlns:a14="http://schemas.microsoft.com/office/drawing/2010/main">
                 <a:solidFill>
                   <a:srgbClr val="FFFFFF"/>
                 </a:solidFill>
               </a14:hiddenFill>
             </a:ext>
-            <a:ext uri="{91240B29-F687-4f45-9708-019B960494DF}">
-              <a14:hiddenLine xmlns:a14="http://schemas.microsoft.com/office/drawing/2010/main" xmlns="" w="9525">
+            <a:ext uri="{91240B29-F687-4F45-9708-019B960494DF}">
+              <a14:hiddenLine xmlns:a14="http://schemas.microsoft.com/office/drawing/2010/main" w="9525">
                 <a:solidFill>
                   <a:srgbClr val="000000"/>
                 </a:solidFill>
@@ -7644,15 +7644,15 @@
             <a:noFill/>
           </a:ln>
           <a:extLst>
-            <a:ext uri="{909E8E84-426E-40dd-AFC4-6F175D3DCCD1}">
-              <a14:hiddenFill xmlns:a14="http://schemas.microsoft.com/office/drawing/2010/main" xmlns="">
+            <a:ext uri="{909E8E84-426E-40DD-AFC4-6F175D3DCCD1}">
+              <a14:hiddenFill xmlns:a14="http://schemas.microsoft.com/office/drawing/2010/main">
                 <a:solidFill>
                   <a:srgbClr val="FFFFFF"/>
                 </a:solidFill>
               </a14:hiddenFill>
             </a:ext>
-            <a:ext uri="{91240B29-F687-4f45-9708-019B960494DF}">
-              <a14:hiddenLine xmlns:a14="http://schemas.microsoft.com/office/drawing/2010/main" xmlns="" w="9525">
+            <a:ext uri="{91240B29-F687-4F45-9708-019B960494DF}">
+              <a14:hiddenLine xmlns:a14="http://schemas.microsoft.com/office/drawing/2010/main" w="9525">
                 <a:solidFill>
                   <a:srgbClr val="000000"/>
                 </a:solidFill>
@@ -8580,8 +8580,8 @@
           </a:prstGeom>
           <a:noFill/>
           <a:extLst>
-            <a:ext uri="{909E8E84-426E-40dd-AFC4-6F175D3DCCD1}">
-              <a14:hiddenFill xmlns:a14="http://schemas.microsoft.com/office/drawing/2010/main" xmlns="">
+            <a:ext uri="{909E8E84-426E-40DD-AFC4-6F175D3DCCD1}">
+              <a14:hiddenFill xmlns:a14="http://schemas.microsoft.com/office/drawing/2010/main">
                 <a:solidFill>
                   <a:srgbClr val="FFFFFF"/>
                 </a:solidFill>
@@ -8732,8 +8732,8 @@
           </a:prstGeom>
           <a:noFill/>
           <a:extLst>
-            <a:ext uri="{909E8E84-426E-40dd-AFC4-6F175D3DCCD1}">
-              <a14:hiddenFill xmlns:a14="http://schemas.microsoft.com/office/drawing/2010/main" xmlns="">
+            <a:ext uri="{909E8E84-426E-40DD-AFC4-6F175D3DCCD1}">
+              <a14:hiddenFill xmlns:a14="http://schemas.microsoft.com/office/drawing/2010/main">
                 <a:solidFill>
                   <a:srgbClr val="FFFFFF"/>
                 </a:solidFill>
@@ -9022,8 +9022,8 @@
           </a:prstGeom>
           <a:noFill/>
           <a:extLst>
-            <a:ext uri="{909E8E84-426E-40dd-AFC4-6F175D3DCCD1}">
-              <a14:hiddenFill xmlns:a14="http://schemas.microsoft.com/office/drawing/2010/main" xmlns="">
+            <a:ext uri="{909E8E84-426E-40DD-AFC4-6F175D3DCCD1}">
+              <a14:hiddenFill xmlns:a14="http://schemas.microsoft.com/office/drawing/2010/main">
                 <a:solidFill>
                   <a:srgbClr val="FFFFFF"/>
                 </a:solidFill>
@@ -9050,8 +9050,8 @@
           </a:prstGeom>
           <a:noFill/>
           <a:extLst>
-            <a:ext uri="{909E8E84-426E-40dd-AFC4-6F175D3DCCD1}">
-              <a14:hiddenFill xmlns:a14="http://schemas.microsoft.com/office/drawing/2010/main" xmlns="">
+            <a:ext uri="{909E8E84-426E-40DD-AFC4-6F175D3DCCD1}">
+              <a14:hiddenFill xmlns:a14="http://schemas.microsoft.com/office/drawing/2010/main">
                 <a:solidFill>
                   <a:srgbClr val="FFFFFF"/>
                 </a:solidFill>
@@ -9102,8 +9102,8 @@
           </a:prstGeom>
           <a:noFill/>
           <a:extLst>
-            <a:ext uri="{909E8E84-426E-40dd-AFC4-6F175D3DCCD1}">
-              <a14:hiddenFill xmlns:a14="http://schemas.microsoft.com/office/drawing/2010/main" xmlns="">
+            <a:ext uri="{909E8E84-426E-40DD-AFC4-6F175D3DCCD1}">
+              <a14:hiddenFill xmlns:a14="http://schemas.microsoft.com/office/drawing/2010/main">
                 <a:solidFill>
                   <a:srgbClr val="FFFFFF"/>
                 </a:solidFill>
@@ -9475,7 +9475,7 @@
           <a:p>
             <a:r>
               <a:rPr lang="nl-BE" b="1" dirty="0" smtClean="0"/>
-              <a:t>I-Talent-Platform</a:t>
+              <a:t>Taken</a:t>
             </a:r>
             <a:endParaRPr lang="nl-BE" dirty="0"/>
           </a:p>
@@ -9502,15 +9502,6 @@
             <a:normAutofit/>
           </a:bodyPr>
           <a:lstStyle/>
-          <a:p>
-            <a:pPr marL="0" lvl="0" indent="0">
-              <a:buNone/>
-            </a:pPr>
-            <a:r>
-              <a:rPr lang="en-US" b="1" dirty="0" smtClean="0"/>
-              <a:t>Tasks:</a:t>
-            </a:r>
-          </a:p>
           <a:p>
             <a:pPr lvl="0"/>
             <a:r>
@@ -9838,7 +9829,7 @@
           <a:p>
             <a:r>
               <a:rPr lang="nl-BE" b="1" dirty="0" smtClean="0"/>
-              <a:t>I-Talent-Platform</a:t>
+              <a:t>Doel</a:t>
             </a:r>
             <a:endParaRPr lang="nl-BE" dirty="0"/>
           </a:p>
@@ -9856,7 +9847,7 @@
         </p:nvSpPr>
         <p:spPr>
           <a:xfrm>
-            <a:off x="4469083" y="1754596"/>
+            <a:off x="4458325" y="2023537"/>
             <a:ext cx="3898776" cy="4525963"/>
           </a:xfrm>
         </p:spPr>
@@ -9866,24 +9857,12 @@
           </a:bodyPr>
           <a:lstStyle/>
           <a:p>
-            <a:pPr marL="0" lvl="0" indent="0">
-              <a:buNone/>
-            </a:pPr>
-            <a:r>
-              <a:rPr lang="en-US" b="1" dirty="0" err="1" smtClean="0"/>
-              <a:t>Doel</a:t>
-            </a:r>
-            <a:r>
-              <a:rPr lang="en-US" b="1" dirty="0" smtClean="0"/>
-              <a:t>:</a:t>
-            </a:r>
-          </a:p>
-          <a:p>
             <a:pPr lvl="0"/>
             <a:r>
               <a:rPr lang="nl-BE" dirty="0" smtClean="0"/>
               <a:t>Webapplicatie</a:t>
             </a:r>
+            <a:endParaRPr lang="nl-BE" dirty="0" smtClean="0"/>
           </a:p>
           <a:p>
             <a:pPr lvl="0"/>
@@ -9911,12 +9890,8 @@
           </a:p>
           <a:p>
             <a:r>
-              <a:rPr lang="en-US" dirty="0" smtClean="0"/>
-              <a:t>Open </a:t>
-            </a:r>
-            <a:r>
               <a:rPr lang="en-US" dirty="0" err="1" smtClean="0"/>
-              <a:t>bron</a:t>
+              <a:t>Opensource</a:t>
             </a:r>
             <a:endParaRPr lang="en-US" dirty="0" smtClean="0"/>
           </a:p>
@@ -9983,8 +9958,8 @@
           <a:lstStyle/>
           <a:p>
             <a:r>
-              <a:rPr lang="nl-BE" b="1" dirty="0" smtClean="0"/>
-              <a:t>I-Talent-Platform</a:t>
+              <a:rPr lang="nl-BE" dirty="0" smtClean="0"/>
+              <a:t>Ontwikkelomgeving</a:t>
             </a:r>
             <a:endParaRPr lang="nl-BE" dirty="0"/>
           </a:p>
@@ -10012,24 +9987,12 @@
           </a:bodyPr>
           <a:lstStyle/>
           <a:p>
-            <a:pPr marL="0" lvl="0" indent="0">
-              <a:buNone/>
-            </a:pPr>
-            <a:r>
-              <a:rPr lang="en-US" b="1" dirty="0" err="1" smtClean="0"/>
-              <a:t>Ontwikkelomgeving</a:t>
-            </a:r>
-            <a:r>
-              <a:rPr lang="en-US" b="1" dirty="0" smtClean="0"/>
-              <a:t>:</a:t>
-            </a:r>
-          </a:p>
-          <a:p>
             <a:pPr lvl="0"/>
             <a:r>
               <a:rPr lang="nl-BE" dirty="0" smtClean="0"/>
               <a:t>Skype</a:t>
             </a:r>
+            <a:endParaRPr lang="nl-BE" dirty="0" smtClean="0"/>
           </a:p>
           <a:p>
             <a:pPr lvl="0"/>
@@ -11495,7 +11458,7 @@
   <a:extraClrSchemeLst/>
   <a:extLst>
     <a:ext uri="{05A4C25C-085E-4340-85A3-A5531E510DB2}">
-      <thm15:themeFamily xmlns:thm15="http://schemas.microsoft.com/office/thememl/2012/main" name="Office Theme" id="{62F939B6-93AF-4DB8-9C6B-D6C7DFDC589F}" vid="{4A3C46E8-61CC-4603-A589-7422A47A8E4A}"/>
+      <thm15:themeFamily xmlns:thm15="http://schemas.microsoft.com/office/thememl/2012/main" xmlns="" name="Office Theme" id="{62F939B6-93AF-4DB8-9C6B-D6C7DFDC589F}" vid="{4A3C46E8-61CC-4603-A589-7422A47A8E4A}"/>
     </a:ext>
   </a:extLst>
 </a:theme>

--- a/italent/documents/Presentatie/Presentatie.pptx
+++ b/italent/documents/Presentatie/Presentatie.pptx
@@ -27,8 +27,8 @@
     <p:sldId id="288" r:id="rId18"/>
     <p:sldId id="284" r:id="rId19"/>
     <p:sldId id="285" r:id="rId20"/>
-    <p:sldId id="281" r:id="rId21"/>
-    <p:sldId id="283" r:id="rId22"/>
+    <p:sldId id="283" r:id="rId21"/>
+    <p:sldId id="281" r:id="rId22"/>
     <p:sldId id="289" r:id="rId23"/>
     <p:sldId id="268" r:id="rId24"/>
     <p:sldId id="264" r:id="rId25"/>
@@ -139,7 +139,7 @@
   </p:defaultTextStyle>
   <p:extLst>
     <p:ext uri="{EFAFB233-063F-42B5-8137-9DF3F51BA10A}">
-      <p15:sldGuideLst xmlns:p15="http://schemas.microsoft.com/office/powerpoint/2012/main" xmlns="">
+      <p15:sldGuideLst xmlns:p15="http://schemas.microsoft.com/office/powerpoint/2012/main">
         <p15:guide id="1" orient="horz" pos="2160">
           <p15:clr>
             <a:srgbClr val="A4A3A4"/>
@@ -151,6 +151,9 @@
           </p15:clr>
         </p15:guide>
       </p15:sldGuideLst>
+    </p:ext>
+    <p:ext uri="{2D200454-40CA-4A62-9FC3-DE9A4176ACB9}">
+      <p15:notesGuideLst xmlns:p15="http://schemas.microsoft.com/office/powerpoint/2012/main"/>
     </p:ext>
   </p:extLst>
 </p:presentation>
@@ -397,7 +400,7 @@
           <a:p>
             <a:fld id="{9C008F01-1147-4FB1-9BA1-AB4CBB8A87F4}" type="slidenum">
               <a:rPr lang="nl-BE" smtClean="0"/>
-              <a:t>‹#›</a:t>
+              <a:t>‹nr.›</a:t>
             </a:fld>
             <a:endParaRPr lang="nl-BE"/>
           </a:p>
@@ -1213,7 +1216,7 @@
               <a:pPr>
                 <a:defRPr/>
               </a:pPr>
-              <a:t>‹#›</a:t>
+              <a:t>‹nr.›</a:t>
             </a:fld>
             <a:endParaRPr lang="nl-NL">
               <a:solidFill>
@@ -1586,7 +1589,7 @@
               <a:pPr>
                 <a:defRPr/>
               </a:pPr>
-              <a:t>‹#›</a:t>
+              <a:t>‹nr.›</a:t>
             </a:fld>
             <a:endParaRPr lang="nl-NL"/>
           </a:p>
@@ -1855,7 +1858,7 @@
               <a:pPr>
                 <a:defRPr/>
               </a:pPr>
-              <a:t>‹#›</a:t>
+              <a:t>‹nr.›</a:t>
             </a:fld>
             <a:endParaRPr lang="nl-NL"/>
           </a:p>
@@ -2134,7 +2137,7 @@
               <a:pPr>
                 <a:defRPr/>
               </a:pPr>
-              <a:t>‹#›</a:t>
+              <a:t>‹nr.›</a:t>
             </a:fld>
             <a:endParaRPr lang="nl-NL"/>
           </a:p>
@@ -2403,7 +2406,7 @@
               <a:pPr>
                 <a:defRPr/>
               </a:pPr>
-              <a:t>‹#›</a:t>
+              <a:t>‹nr.›</a:t>
             </a:fld>
             <a:endParaRPr lang="nl-NL"/>
           </a:p>
@@ -2782,7 +2785,7 @@
               <a:pPr>
                 <a:defRPr/>
               </a:pPr>
-              <a:t>‹#›</a:t>
+              <a:t>‹nr.›</a:t>
             </a:fld>
             <a:endParaRPr lang="nl-NL"/>
           </a:p>
@@ -3169,7 +3172,7 @@
               <a:pPr>
                 <a:defRPr/>
               </a:pPr>
-              <a:t>‹#›</a:t>
+              <a:t>‹nr.›</a:t>
             </a:fld>
             <a:endParaRPr lang="nl-NL"/>
           </a:p>
@@ -3690,7 +3693,7 @@
               <a:pPr>
                 <a:defRPr/>
               </a:pPr>
-              <a:t>‹#›</a:t>
+              <a:t>‹nr.›</a:t>
             </a:fld>
             <a:endParaRPr lang="nl-NL"/>
           </a:p>
@@ -3907,7 +3910,7 @@
               <a:pPr>
                 <a:defRPr/>
               </a:pPr>
-              <a:t>‹#›</a:t>
+              <a:t>‹nr.›</a:t>
             </a:fld>
             <a:endParaRPr lang="nl-NL"/>
           </a:p>
@@ -4101,7 +4104,7 @@
               <a:pPr>
                 <a:defRPr/>
               </a:pPr>
-              <a:t>‹#›</a:t>
+              <a:t>‹nr.›</a:t>
             </a:fld>
             <a:endParaRPr lang="nl-NL"/>
           </a:p>
@@ -4477,7 +4480,7 @@
               <a:pPr>
                 <a:defRPr/>
               </a:pPr>
-              <a:t>‹#›</a:t>
+              <a:t>‹nr.›</a:t>
             </a:fld>
             <a:endParaRPr lang="nl-NL"/>
           </a:p>
@@ -4842,7 +4845,7 @@
                 </a:spcAft>
                 <a:defRPr/>
               </a:pPr>
-              <a:t>‹#›</a:t>
+              <a:t>‹nr.›</a:t>
             </a:fld>
             <a:endParaRPr lang="nl-NL">
               <a:cs typeface="Arial" panose="020B0604020202020204" pitchFamily="34" charset="0"/>
@@ -7503,28 +7506,107 @@
           <a:bodyPr/>
           <a:lstStyle/>
           <a:p>
+            <a:pPr>
+              <a:buFontTx/>
+              <a:buChar char="-"/>
+            </a:pPr>
+            <a:r>
+              <a:rPr lang="en-GB" dirty="0" err="1" smtClean="0"/>
+              <a:t>Opensource</a:t>
+            </a:r>
+            <a:r>
+              <a:rPr lang="en-GB" dirty="0" smtClean="0"/>
+              <a:t> package manager</a:t>
+            </a:r>
+          </a:p>
+          <a:p>
+            <a:pPr>
+              <a:buFontTx/>
+              <a:buChar char="-"/>
+            </a:pPr>
+            <a:r>
+              <a:rPr lang="en-GB" dirty="0" err="1" smtClean="0"/>
+              <a:t>Gemaakt</a:t>
+            </a:r>
+            <a:r>
+              <a:rPr lang="en-GB" dirty="0" smtClean="0"/>
+              <a:t> door Twitter</a:t>
+            </a:r>
+          </a:p>
+          <a:p>
+            <a:pPr>
+              <a:buFontTx/>
+              <a:buChar char="-"/>
+            </a:pPr>
+            <a:endParaRPr lang="en-GB" dirty="0"/>
+          </a:p>
+          <a:p>
+            <a:pPr>
+              <a:buFontTx/>
+              <a:buChar char="-"/>
+            </a:pPr>
+            <a:endParaRPr lang="en-GB" dirty="0" smtClean="0"/>
+          </a:p>
+          <a:p>
             <a:pPr marL="0" indent="0">
               <a:buNone/>
             </a:pPr>
             <a:r>
               <a:rPr lang="en-GB" dirty="0" err="1" smtClean="0"/>
-              <a:t>Korte</a:t>
+              <a:t>Gebruikt</a:t>
             </a:r>
             <a:r>
               <a:rPr lang="en-GB" dirty="0" smtClean="0"/>
-              <a:t> bower </a:t>
+              <a:t> in </a:t>
             </a:r>
             <a:r>
               <a:rPr lang="en-GB" dirty="0" err="1" smtClean="0"/>
-              <a:t>uitleg</a:t>
+              <a:t>iTalent</a:t>
             </a:r>
             <a:r>
               <a:rPr lang="en-GB" dirty="0" smtClean="0"/>
-              <a:t>.. </a:t>
+              <a:t> </a:t>
             </a:r>
             <a:r>
               <a:rPr lang="en-GB" dirty="0" err="1" smtClean="0"/>
-              <a:t>todo</a:t>
+              <a:t>voor</a:t>
+            </a:r>
+            <a:r>
+              <a:rPr lang="en-GB" dirty="0" smtClean="0"/>
+              <a:t>:</a:t>
+            </a:r>
+          </a:p>
+          <a:p>
+            <a:pPr marL="0" indent="0">
+              <a:buNone/>
+            </a:pPr>
+            <a:r>
+              <a:rPr lang="en-GB" dirty="0" smtClean="0"/>
+              <a:t>- </a:t>
+            </a:r>
+            <a:r>
+              <a:rPr lang="en-GB" dirty="0" err="1" smtClean="0"/>
+              <a:t>Installeren</a:t>
+            </a:r>
+            <a:r>
+              <a:rPr lang="en-GB" dirty="0" smtClean="0"/>
+              <a:t> </a:t>
+            </a:r>
+            <a:r>
+              <a:rPr lang="en-GB" dirty="0" err="1" smtClean="0"/>
+              <a:t>en</a:t>
+            </a:r>
+            <a:r>
+              <a:rPr lang="en-GB" dirty="0" smtClean="0"/>
+              <a:t> </a:t>
+            </a:r>
+            <a:r>
+              <a:rPr lang="en-GB" dirty="0" err="1" smtClean="0"/>
+              <a:t>updaten</a:t>
+            </a:r>
+            <a:r>
+              <a:rPr lang="en-GB" dirty="0" smtClean="0"/>
+              <a:t> packages/libraries</a:t>
             </a:r>
             <a:endParaRPr lang="en-GB" dirty="0"/>
           </a:p>
@@ -7875,8 +7957,8 @@
           <a:lstStyle/>
           <a:p>
             <a:r>
-              <a:rPr lang="en-GB" dirty="0" err="1" smtClean="0"/>
-              <a:t>AngularJs</a:t>
+              <a:rPr lang="en-GB" dirty="0" smtClean="0"/>
+              <a:t>Twitter Bootstrap</a:t>
             </a:r>
             <a:endParaRPr lang="nl-NL" dirty="0"/>
           </a:p>
@@ -7902,12 +7984,87 @@
           <a:bodyPr/>
           <a:lstStyle/>
           <a:p>
+            <a:pPr>
+              <a:buFontTx/>
+              <a:buChar char="-"/>
+            </a:pPr>
+            <a:r>
+              <a:rPr lang="en-GB" dirty="0" err="1"/>
+              <a:t>Opensource</a:t>
+            </a:r>
+            <a:r>
+              <a:rPr lang="en-GB" dirty="0"/>
+              <a:t> </a:t>
+            </a:r>
+            <a:r>
+              <a:rPr lang="en-GB" dirty="0" err="1" smtClean="0"/>
+              <a:t>hulpmiddelen</a:t>
+            </a:r>
+            <a:r>
+              <a:rPr lang="en-GB" dirty="0" smtClean="0"/>
+              <a:t>/</a:t>
+            </a:r>
+            <a:r>
+              <a:rPr lang="en-GB" dirty="0" err="1" smtClean="0"/>
+              <a:t>sjablonen</a:t>
+            </a:r>
+            <a:r>
+              <a:rPr lang="en-GB" dirty="0" smtClean="0"/>
+              <a:t> </a:t>
+            </a:r>
+            <a:r>
+              <a:rPr lang="en-GB" dirty="0" err="1" smtClean="0"/>
+              <a:t>voor</a:t>
+            </a:r>
+            <a:r>
+              <a:rPr lang="en-GB" dirty="0" smtClean="0"/>
+              <a:t> HTML/CSS</a:t>
+            </a:r>
+            <a:endParaRPr lang="en-GB" dirty="0"/>
+          </a:p>
+          <a:p>
+            <a:pPr>
+              <a:buFontTx/>
+              <a:buChar char="-"/>
+            </a:pPr>
+            <a:r>
+              <a:rPr lang="en-GB" dirty="0" err="1"/>
+              <a:t>Gemaakt</a:t>
+            </a:r>
+            <a:r>
+              <a:rPr lang="en-GB" dirty="0"/>
+              <a:t> door Twitter</a:t>
+            </a:r>
+          </a:p>
+          <a:p>
+            <a:pPr>
+              <a:buFontTx/>
+              <a:buChar char="-"/>
+            </a:pPr>
+            <a:endParaRPr lang="en-GB" dirty="0"/>
+          </a:p>
+          <a:p>
+            <a:pPr>
+              <a:buFontTx/>
+              <a:buChar char="-"/>
+            </a:pPr>
+            <a:endParaRPr lang="en-GB" dirty="0"/>
+          </a:p>
+          <a:p>
             <a:pPr marL="0" indent="0">
               <a:buNone/>
             </a:pPr>
             <a:r>
+              <a:rPr lang="en-GB" dirty="0" err="1"/>
+              <a:t>Gebruik</a:t>
+            </a:r>
+            <a:r>
+              <a:rPr lang="en-GB" dirty="0"/>
+              <a:t> in </a:t>
+            </a:r>
+            <a:r>
               <a:rPr lang="en-GB" dirty="0" err="1" smtClean="0"/>
-              <a:t>Korte</a:t>
+              <a:t>iTalent</a:t>
             </a:r>
             <a:r>
               <a:rPr lang="en-GB" dirty="0" smtClean="0"/>
@@ -7915,17 +8072,59 @@
             </a:r>
             <a:r>
               <a:rPr lang="en-GB" dirty="0" err="1" smtClean="0"/>
-              <a:t>uitleg</a:t>
+              <a:t>voor</a:t>
             </a:r>
             <a:r>
               <a:rPr lang="en-GB" dirty="0" smtClean="0"/>
-              <a:t> AngularJS.. </a:t>
-            </a:r>
+              <a:t>:</a:t>
+            </a:r>
+            <a:endParaRPr lang="en-GB" dirty="0"/>
+          </a:p>
+          <a:p>
+            <a:pPr>
+              <a:buFontTx/>
+              <a:buChar char="-"/>
+            </a:pPr>
             <a:r>
               <a:rPr lang="en-GB" dirty="0" err="1" smtClean="0"/>
-              <a:t>todo</a:t>
-            </a:r>
-            <a:endParaRPr lang="nl-NL" dirty="0"/>
+              <a:t>Navigatie</a:t>
+            </a:r>
+            <a:r>
+              <a:rPr lang="en-GB" dirty="0" smtClean="0"/>
+              <a:t> menu, </a:t>
+            </a:r>
+            <a:r>
+              <a:rPr lang="en-GB" dirty="0" err="1" smtClean="0"/>
+              <a:t>knoppen</a:t>
+            </a:r>
+            <a:r>
+              <a:rPr lang="en-GB" dirty="0" smtClean="0"/>
+              <a:t> </a:t>
+            </a:r>
+            <a:r>
+              <a:rPr lang="en-GB" dirty="0" err="1" smtClean="0"/>
+              <a:t>en</a:t>
+            </a:r>
+            <a:r>
+              <a:rPr lang="en-GB" dirty="0" smtClean="0"/>
+              <a:t> </a:t>
+            </a:r>
+            <a:r>
+              <a:rPr lang="en-GB" dirty="0" err="1" smtClean="0"/>
+              <a:t>formulieren</a:t>
+            </a:r>
+            <a:endParaRPr lang="en-GB" dirty="0" smtClean="0"/>
+          </a:p>
+          <a:p>
+            <a:pPr>
+              <a:buFontTx/>
+              <a:buChar char="-"/>
+            </a:pPr>
+            <a:r>
+              <a:rPr lang="en-GB" dirty="0" smtClean="0"/>
+              <a:t>Responsive design</a:t>
+            </a:r>
+            <a:endParaRPr lang="en-GB" dirty="0"/>
           </a:p>
         </p:txBody>
       </p:sp>
@@ -7953,6 +8152,328 @@
                 <a:defRPr/>
               </a:pPr>
               <a:t>20</a:t>
+            </a:fld>
+            <a:endParaRPr lang="nl-NL"/>
+          </a:p>
+        </p:txBody>
+      </p:sp>
+      <p:pic>
+        <p:nvPicPr>
+          <p:cNvPr id="6" name="Afbeelding 5"/>
+          <p:cNvPicPr>
+            <a:picLocks noChangeAspect="1"/>
+          </p:cNvPicPr>
+          <p:nvPr/>
+        </p:nvPicPr>
+        <p:blipFill>
+          <a:blip r:embed="rId2">
+            <a:extLst>
+              <a:ext uri="{28A0092B-C50C-407E-A947-70E740481C1C}">
+                <a14:useLocalDpi xmlns:a14="http://schemas.microsoft.com/office/drawing/2010/main" val="0"/>
+              </a:ext>
+            </a:extLst>
+          </a:blip>
+          <a:stretch>
+            <a:fillRect/>
+          </a:stretch>
+        </p:blipFill>
+        <p:spPr>
+          <a:xfrm>
+            <a:off x="609600" y="2805236"/>
+            <a:ext cx="1152525" cy="1152525"/>
+          </a:xfrm>
+          <a:prstGeom prst="rect">
+            <a:avLst/>
+          </a:prstGeom>
+        </p:spPr>
+      </p:pic>
+    </p:spTree>
+    <p:extLst>
+      <p:ext uri="{BB962C8B-B14F-4D97-AF65-F5344CB8AC3E}">
+        <p14:creationId xmlns:p14="http://schemas.microsoft.com/office/powerpoint/2010/main" val="450880936"/>
+      </p:ext>
+    </p:extLst>
+  </p:cSld>
+  <p:clrMapOvr>
+    <a:masterClrMapping/>
+  </p:clrMapOvr>
+</p:sld>
+</file>
+
+<file path=ppt/slides/slide21.xml><?xml version="1.0" encoding="utf-8"?>
+<p:sld xmlns:a="http://schemas.openxmlformats.org/drawingml/2006/main" xmlns:r="http://schemas.openxmlformats.org/officeDocument/2006/relationships" xmlns:p="http://schemas.openxmlformats.org/presentationml/2006/main">
+  <p:cSld>
+    <p:spTree>
+      <p:nvGrpSpPr>
+        <p:cNvPr id="1" name=""/>
+        <p:cNvGrpSpPr/>
+        <p:nvPr/>
+      </p:nvGrpSpPr>
+      <p:grpSpPr>
+        <a:xfrm>
+          <a:off x="0" y="0"/>
+          <a:ext cx="0" cy="0"/>
+          <a:chOff x="0" y="0"/>
+          <a:chExt cx="0" cy="0"/>
+        </a:xfrm>
+      </p:grpSpPr>
+      <p:sp>
+        <p:nvSpPr>
+          <p:cNvPr id="2" name="Titel 1"/>
+          <p:cNvSpPr>
+            <a:spLocks noGrp="1"/>
+          </p:cNvSpPr>
+          <p:nvPr>
+            <p:ph type="title"/>
+          </p:nvPr>
+        </p:nvSpPr>
+        <p:spPr/>
+        <p:txBody>
+          <a:bodyPr/>
+          <a:lstStyle/>
+          <a:p>
+            <a:r>
+              <a:rPr lang="en-GB" dirty="0" err="1" smtClean="0"/>
+              <a:t>AngularJs</a:t>
+            </a:r>
+            <a:endParaRPr lang="nl-NL" dirty="0"/>
+          </a:p>
+        </p:txBody>
+      </p:sp>
+      <p:sp>
+        <p:nvSpPr>
+          <p:cNvPr id="3" name="Tijdelijke aanduiding voor inhoud 2"/>
+          <p:cNvSpPr>
+            <a:spLocks noGrp="1"/>
+          </p:cNvSpPr>
+          <p:nvPr>
+            <p:ph idx="1"/>
+          </p:nvPr>
+        </p:nvSpPr>
+        <p:spPr>
+          <a:xfrm>
+            <a:off x="3040082" y="1600201"/>
+            <a:ext cx="8542317" cy="4525963"/>
+          </a:xfrm>
+        </p:spPr>
+        <p:txBody>
+          <a:bodyPr/>
+          <a:lstStyle/>
+          <a:p>
+            <a:pPr>
+              <a:buFontTx/>
+              <a:buChar char="-"/>
+            </a:pPr>
+            <a:r>
+              <a:rPr lang="en-GB" dirty="0" err="1" smtClean="0"/>
+              <a:t>Opensource</a:t>
+            </a:r>
+            <a:r>
+              <a:rPr lang="en-GB" dirty="0" smtClean="0"/>
+              <a:t> </a:t>
+            </a:r>
+            <a:r>
+              <a:rPr lang="en-GB" dirty="0" err="1" smtClean="0"/>
+              <a:t>javascript</a:t>
+            </a:r>
+            <a:r>
+              <a:rPr lang="en-GB" dirty="0" smtClean="0"/>
+              <a:t> framework </a:t>
+            </a:r>
+          </a:p>
+          <a:p>
+            <a:pPr>
+              <a:buFontTx/>
+              <a:buChar char="-"/>
+            </a:pPr>
+            <a:r>
+              <a:rPr lang="en-GB" dirty="0" err="1" smtClean="0"/>
+              <a:t>Gemaakt</a:t>
+            </a:r>
+            <a:r>
+              <a:rPr lang="en-GB" dirty="0" smtClean="0"/>
+              <a:t> </a:t>
+            </a:r>
+            <a:r>
+              <a:rPr lang="en-GB" dirty="0"/>
+              <a:t>door </a:t>
+            </a:r>
+            <a:r>
+              <a:rPr lang="en-GB" dirty="0" smtClean="0"/>
+              <a:t>Google</a:t>
+            </a:r>
+            <a:endParaRPr lang="en-GB" dirty="0"/>
+          </a:p>
+          <a:p>
+            <a:pPr>
+              <a:buFontTx/>
+              <a:buChar char="-"/>
+            </a:pPr>
+            <a:r>
+              <a:rPr lang="en-GB" dirty="0" smtClean="0"/>
+              <a:t>HTML </a:t>
+            </a:r>
+            <a:r>
+              <a:rPr lang="en-GB" dirty="0" err="1" smtClean="0"/>
+              <a:t>uitbreidingen</a:t>
+            </a:r>
+            <a:r>
+              <a:rPr lang="en-GB" dirty="0" smtClean="0"/>
+              <a:t> </a:t>
+            </a:r>
+            <a:r>
+              <a:rPr lang="en-GB" dirty="0" err="1" smtClean="0"/>
+              <a:t>d.m.v</a:t>
+            </a:r>
+            <a:r>
+              <a:rPr lang="en-GB" dirty="0" smtClean="0"/>
+              <a:t>. directives</a:t>
+            </a:r>
+            <a:endParaRPr lang="en-GB" dirty="0"/>
+          </a:p>
+          <a:p>
+            <a:pPr>
+              <a:buFontTx/>
+              <a:buChar char="-"/>
+            </a:pPr>
+            <a:endParaRPr lang="en-GB" dirty="0"/>
+          </a:p>
+          <a:p>
+            <a:pPr marL="0" indent="0">
+              <a:buNone/>
+            </a:pPr>
+            <a:r>
+              <a:rPr lang="en-GB" dirty="0" err="1" smtClean="0"/>
+              <a:t>Gebruikt</a:t>
+            </a:r>
+            <a:r>
+              <a:rPr lang="en-GB" dirty="0" smtClean="0"/>
+              <a:t> </a:t>
+            </a:r>
+            <a:r>
+              <a:rPr lang="en-GB" dirty="0"/>
+              <a:t>in </a:t>
+            </a:r>
+            <a:r>
+              <a:rPr lang="en-GB" dirty="0" err="1" smtClean="0"/>
+              <a:t>iTalent</a:t>
+            </a:r>
+            <a:r>
+              <a:rPr lang="en-GB" dirty="0" smtClean="0"/>
+              <a:t> </a:t>
+            </a:r>
+            <a:r>
+              <a:rPr lang="en-GB" dirty="0" err="1" smtClean="0"/>
+              <a:t>voor</a:t>
+            </a:r>
+            <a:r>
+              <a:rPr lang="en-GB" dirty="0" smtClean="0"/>
+              <a:t>:</a:t>
+            </a:r>
+            <a:endParaRPr lang="en-GB" dirty="0"/>
+          </a:p>
+          <a:p>
+            <a:pPr>
+              <a:buFontTx/>
+              <a:buChar char="-"/>
+            </a:pPr>
+            <a:r>
+              <a:rPr lang="en-GB" dirty="0" smtClean="0"/>
+              <a:t>2 way databinding (ng-model)</a:t>
+            </a:r>
+            <a:endParaRPr lang="en-GB" dirty="0"/>
+          </a:p>
+          <a:p>
+            <a:pPr>
+              <a:buFontTx/>
+              <a:buChar char="-"/>
+            </a:pPr>
+            <a:r>
+              <a:rPr lang="en-GB" dirty="0" err="1" smtClean="0"/>
+              <a:t>Maken</a:t>
+            </a:r>
+            <a:r>
+              <a:rPr lang="en-GB" dirty="0" smtClean="0"/>
+              <a:t> van </a:t>
+            </a:r>
+            <a:r>
+              <a:rPr lang="en-GB" dirty="0" err="1" smtClean="0"/>
+              <a:t>lijsten</a:t>
+            </a:r>
+            <a:r>
+              <a:rPr lang="en-GB" dirty="0" smtClean="0"/>
+              <a:t> (ng-repeat)</a:t>
+            </a:r>
+          </a:p>
+          <a:p>
+            <a:pPr>
+              <a:buFontTx/>
+              <a:buChar char="-"/>
+            </a:pPr>
+            <a:r>
+              <a:rPr lang="en-GB" dirty="0" err="1" smtClean="0"/>
+              <a:t>Maken</a:t>
+            </a:r>
+            <a:r>
+              <a:rPr lang="en-GB" dirty="0" smtClean="0"/>
+              <a:t> van </a:t>
+            </a:r>
+            <a:r>
+              <a:rPr lang="en-GB" dirty="0" err="1" smtClean="0"/>
+              <a:t>eigen</a:t>
+            </a:r>
+            <a:r>
+              <a:rPr lang="en-GB" dirty="0" smtClean="0"/>
+              <a:t> directives </a:t>
+            </a:r>
+            <a:r>
+              <a:rPr lang="en-GB" dirty="0" err="1" smtClean="0"/>
+              <a:t>b.v</a:t>
+            </a:r>
+            <a:r>
+              <a:rPr lang="en-GB" dirty="0" smtClean="0"/>
+              <a:t>. </a:t>
+            </a:r>
+            <a:r>
+              <a:rPr lang="en-GB" dirty="0" err="1" smtClean="0"/>
+              <a:t>voor</a:t>
+            </a:r>
+            <a:r>
+              <a:rPr lang="en-GB" dirty="0" smtClean="0"/>
+              <a:t> </a:t>
+            </a:r>
+            <a:r>
+              <a:rPr lang="en-GB" dirty="0" err="1" smtClean="0"/>
+              <a:t>vertalingen</a:t>
+            </a:r>
+            <a:endParaRPr lang="en-GB" dirty="0"/>
+          </a:p>
+        </p:txBody>
+      </p:sp>
+      <p:sp>
+        <p:nvSpPr>
+          <p:cNvPr id="4" name="Tijdelijke aanduiding voor dianummer 3"/>
+          <p:cNvSpPr>
+            <a:spLocks noGrp="1"/>
+          </p:cNvSpPr>
+          <p:nvPr>
+            <p:ph type="sldNum" sz="quarter" idx="12"/>
+          </p:nvPr>
+        </p:nvSpPr>
+        <p:spPr/>
+        <p:txBody>
+          <a:bodyPr/>
+          <a:lstStyle/>
+          <a:p>
+            <a:pPr>
+              <a:defRPr/>
+            </a:pPr>
+            <a:fld id="{BC2BCED3-7F4A-40F1-85DA-02B4B5A68187}" type="slidenum">
+              <a:rPr lang="nl-NL" smtClean="0"/>
+              <a:pPr>
+                <a:defRPr/>
+              </a:pPr>
+              <a:t>21</a:t>
             </a:fld>
             <a:endParaRPr lang="nl-NL"/>
           </a:p>
@@ -7992,165 +8513,6 @@
     <p:extLst>
       <p:ext uri="{BB962C8B-B14F-4D97-AF65-F5344CB8AC3E}">
         <p14:creationId xmlns:p14="http://schemas.microsoft.com/office/powerpoint/2010/main" val="918611555"/>
-      </p:ext>
-    </p:extLst>
-  </p:cSld>
-  <p:clrMapOvr>
-    <a:masterClrMapping/>
-  </p:clrMapOvr>
-</p:sld>
-</file>
-
-<file path=ppt/slides/slide21.xml><?xml version="1.0" encoding="utf-8"?>
-<p:sld xmlns:a="http://schemas.openxmlformats.org/drawingml/2006/main" xmlns:r="http://schemas.openxmlformats.org/officeDocument/2006/relationships" xmlns:p="http://schemas.openxmlformats.org/presentationml/2006/main">
-  <p:cSld>
-    <p:spTree>
-      <p:nvGrpSpPr>
-        <p:cNvPr id="1" name=""/>
-        <p:cNvGrpSpPr/>
-        <p:nvPr/>
-      </p:nvGrpSpPr>
-      <p:grpSpPr>
-        <a:xfrm>
-          <a:off x="0" y="0"/>
-          <a:ext cx="0" cy="0"/>
-          <a:chOff x="0" y="0"/>
-          <a:chExt cx="0" cy="0"/>
-        </a:xfrm>
-      </p:grpSpPr>
-      <p:sp>
-        <p:nvSpPr>
-          <p:cNvPr id="2" name="Titel 1"/>
-          <p:cNvSpPr>
-            <a:spLocks noGrp="1"/>
-          </p:cNvSpPr>
-          <p:nvPr>
-            <p:ph type="title"/>
-          </p:nvPr>
-        </p:nvSpPr>
-        <p:spPr/>
-        <p:txBody>
-          <a:bodyPr/>
-          <a:lstStyle/>
-          <a:p>
-            <a:r>
-              <a:rPr lang="en-GB" dirty="0" smtClean="0"/>
-              <a:t>Twitter Bootstrap</a:t>
-            </a:r>
-            <a:endParaRPr lang="nl-NL" dirty="0"/>
-          </a:p>
-        </p:txBody>
-      </p:sp>
-      <p:sp>
-        <p:nvSpPr>
-          <p:cNvPr id="3" name="Tijdelijke aanduiding voor inhoud 2"/>
-          <p:cNvSpPr>
-            <a:spLocks noGrp="1"/>
-          </p:cNvSpPr>
-          <p:nvPr>
-            <p:ph idx="1"/>
-          </p:nvPr>
-        </p:nvSpPr>
-        <p:spPr>
-          <a:xfrm>
-            <a:off x="3040082" y="1600201"/>
-            <a:ext cx="8542317" cy="4525963"/>
-          </a:xfrm>
-        </p:spPr>
-        <p:txBody>
-          <a:bodyPr/>
-          <a:lstStyle/>
-          <a:p>
-            <a:pPr marL="0" indent="0">
-              <a:buNone/>
-            </a:pPr>
-            <a:r>
-              <a:rPr lang="en-GB" dirty="0" err="1" smtClean="0"/>
-              <a:t>Korte</a:t>
-            </a:r>
-            <a:r>
-              <a:rPr lang="en-GB" dirty="0" smtClean="0"/>
-              <a:t> </a:t>
-            </a:r>
-            <a:r>
-              <a:rPr lang="en-GB" dirty="0" err="1" smtClean="0"/>
-              <a:t>uitleg</a:t>
-            </a:r>
-            <a:r>
-              <a:rPr lang="en-GB" dirty="0" smtClean="0"/>
-              <a:t> Bootstrap.. </a:t>
-            </a:r>
-            <a:r>
-              <a:rPr lang="en-GB" dirty="0" err="1" smtClean="0"/>
-              <a:t>todo</a:t>
-            </a:r>
-            <a:endParaRPr lang="nl-NL" dirty="0"/>
-          </a:p>
-        </p:txBody>
-      </p:sp>
-      <p:sp>
-        <p:nvSpPr>
-          <p:cNvPr id="4" name="Tijdelijke aanduiding voor dianummer 3"/>
-          <p:cNvSpPr>
-            <a:spLocks noGrp="1"/>
-          </p:cNvSpPr>
-          <p:nvPr>
-            <p:ph type="sldNum" sz="quarter" idx="12"/>
-          </p:nvPr>
-        </p:nvSpPr>
-        <p:spPr/>
-        <p:txBody>
-          <a:bodyPr/>
-          <a:lstStyle/>
-          <a:p>
-            <a:pPr>
-              <a:defRPr/>
-            </a:pPr>
-            <a:fld id="{BC2BCED3-7F4A-40F1-85DA-02B4B5A68187}" type="slidenum">
-              <a:rPr lang="nl-NL" smtClean="0"/>
-              <a:pPr>
-                <a:defRPr/>
-              </a:pPr>
-              <a:t>21</a:t>
-            </a:fld>
-            <a:endParaRPr lang="nl-NL"/>
-          </a:p>
-        </p:txBody>
-      </p:sp>
-      <p:pic>
-        <p:nvPicPr>
-          <p:cNvPr id="6" name="Afbeelding 5"/>
-          <p:cNvPicPr>
-            <a:picLocks noChangeAspect="1"/>
-          </p:cNvPicPr>
-          <p:nvPr/>
-        </p:nvPicPr>
-        <p:blipFill>
-          <a:blip r:embed="rId2">
-            <a:extLst>
-              <a:ext uri="{28A0092B-C50C-407E-A947-70E740481C1C}">
-                <a14:useLocalDpi xmlns:a14="http://schemas.microsoft.com/office/drawing/2010/main" val="0"/>
-              </a:ext>
-            </a:extLst>
-          </a:blip>
-          <a:stretch>
-            <a:fillRect/>
-          </a:stretch>
-        </p:blipFill>
-        <p:spPr>
-          <a:xfrm>
-            <a:off x="609600" y="2805236"/>
-            <a:ext cx="1152525" cy="1152525"/>
-          </a:xfrm>
-          <a:prstGeom prst="rect">
-            <a:avLst/>
-          </a:prstGeom>
-        </p:spPr>
-      </p:pic>
-    </p:spTree>
-    <p:extLst>
-      <p:ext uri="{BB962C8B-B14F-4D97-AF65-F5344CB8AC3E}">
-        <p14:creationId xmlns:p14="http://schemas.microsoft.com/office/powerpoint/2010/main" val="450880936"/>
       </p:ext>
     </p:extLst>
   </p:cSld>
@@ -9862,7 +10224,6 @@
               <a:rPr lang="nl-BE" dirty="0" smtClean="0"/>
               <a:t>Webapplicatie</a:t>
             </a:r>
-            <a:endParaRPr lang="nl-BE" dirty="0" smtClean="0"/>
           </a:p>
           <a:p>
             <a:pPr lvl="0"/>
@@ -9992,7 +10353,6 @@
               <a:rPr lang="nl-BE" dirty="0" smtClean="0"/>
               <a:t>Skype</a:t>
             </a:r>
-            <a:endParaRPr lang="nl-BE" dirty="0" smtClean="0"/>
           </a:p>
           <a:p>
             <a:pPr lvl="0"/>
@@ -11458,7 +11818,7 @@
   <a:extraClrSchemeLst/>
   <a:extLst>
     <a:ext uri="{05A4C25C-085E-4340-85A3-A5531E510DB2}">
-      <thm15:themeFamily xmlns:thm15="http://schemas.microsoft.com/office/thememl/2012/main" xmlns="" name="Office Theme" id="{62F939B6-93AF-4DB8-9C6B-D6C7DFDC589F}" vid="{4A3C46E8-61CC-4603-A589-7422A47A8E4A}"/>
+      <thm15:themeFamily xmlns:thm15="http://schemas.microsoft.com/office/thememl/2012/main" name="Office Theme" id="{62F939B6-93AF-4DB8-9C6B-D6C7DFDC589F}" vid="{4A3C46E8-61CC-4603-A589-7422A47A8E4A}"/>
     </a:ext>
   </a:extLst>
 </a:theme>

--- a/italent/documents/Presentatie/Presentatie.pptx
+++ b/italent/documents/Presentatie/Presentatie.pptx
@@ -139,7 +139,7 @@
   </p:defaultTextStyle>
   <p:extLst>
     <p:ext uri="{EFAFB233-063F-42B5-8137-9DF3F51BA10A}">
-      <p15:sldGuideLst xmlns:p15="http://schemas.microsoft.com/office/powerpoint/2012/main">
+      <p15:sldGuideLst xmlns:p15="http://schemas.microsoft.com/office/powerpoint/2012/main" xmlns="">
         <p15:guide id="1" orient="horz" pos="2160">
           <p15:clr>
             <a:srgbClr val="A4A3A4"/>
@@ -153,7 +153,7 @@
       </p15:sldGuideLst>
     </p:ext>
     <p:ext uri="{2D200454-40CA-4A62-9FC3-DE9A4176ACB9}">
-      <p15:notesGuideLst xmlns:p15="http://schemas.microsoft.com/office/powerpoint/2012/main"/>
+      <p15:notesGuideLst xmlns:p15="http://schemas.microsoft.com/office/powerpoint/2012/main" xmlns=""/>
     </p:ext>
   </p:extLst>
 </p:presentation>
@@ -241,7 +241,7 @@
           <a:p>
             <a:fld id="{7DA0BC33-D6F4-47BD-A51C-6A5C7B866668}" type="datetimeFigureOut">
               <a:rPr lang="nl-BE" smtClean="0"/>
-              <a:t>12/06/2016</a:t>
+              <a:t>12/06/16</a:t>
             </a:fld>
             <a:endParaRPr lang="nl-BE"/>
           </a:p>
@@ -400,7 +400,7 @@
           <a:p>
             <a:fld id="{9C008F01-1147-4FB1-9BA1-AB4CBB8A87F4}" type="slidenum">
               <a:rPr lang="nl-BE" smtClean="0"/>
-              <a:t>‹nr.›</a:t>
+              <a:t>‹#›</a:t>
             </a:fld>
             <a:endParaRPr lang="nl-BE"/>
           </a:p>
@@ -644,14 +644,14 @@
             <a:noFill/>
           </a:ln>
           <a:extLst>
-            <a:ext uri="{909E8E84-426E-40DD-AFC4-6F175D3DCCD1}">
+            <a:ext uri="{909E8E84-426E-40dd-AFC4-6F175D3DCCD1}">
               <a14:hiddenFill xmlns:a14="http://schemas.microsoft.com/office/drawing/2010/main">
                 <a:solidFill>
                   <a:srgbClr val="FFFFFF"/>
                 </a:solidFill>
               </a14:hiddenFill>
             </a:ext>
-            <a:ext uri="{91240B29-F687-4F45-9708-019B960494DF}">
+            <a:ext uri="{91240B29-F687-4f45-9708-019B960494DF}">
               <a14:hiddenLine xmlns:a14="http://schemas.microsoft.com/office/drawing/2010/main" w="9525">
                 <a:solidFill>
                   <a:srgbClr val="000000"/>
@@ -698,14 +698,14 @@
             <a:noFill/>
           </a:ln>
           <a:extLst>
-            <a:ext uri="{909E8E84-426E-40DD-AFC4-6F175D3DCCD1}">
+            <a:ext uri="{909E8E84-426E-40dd-AFC4-6F175D3DCCD1}">
               <a14:hiddenFill xmlns:a14="http://schemas.microsoft.com/office/drawing/2010/main">
                 <a:solidFill>
                   <a:srgbClr val="FFFFFF"/>
                 </a:solidFill>
               </a14:hiddenFill>
             </a:ext>
-            <a:ext uri="{91240B29-F687-4F45-9708-019B960494DF}">
+            <a:ext uri="{91240B29-F687-4f45-9708-019B960494DF}">
               <a14:hiddenLine xmlns:a14="http://schemas.microsoft.com/office/drawing/2010/main" w="9525">
                 <a:solidFill>
                   <a:srgbClr val="000000"/>
@@ -739,14 +739,14 @@
             <a:noFill/>
           </a:ln>
           <a:extLst>
-            <a:ext uri="{909E8E84-426E-40DD-AFC4-6F175D3DCCD1}">
+            <a:ext uri="{909E8E84-426E-40dd-AFC4-6F175D3DCCD1}">
               <a14:hiddenFill xmlns:a14="http://schemas.microsoft.com/office/drawing/2010/main">
                 <a:solidFill>
                   <a:srgbClr val="FFFFFF"/>
                 </a:solidFill>
               </a14:hiddenFill>
             </a:ext>
-            <a:ext uri="{91240B29-F687-4F45-9708-019B960494DF}">
+            <a:ext uri="{91240B29-F687-4f45-9708-019B960494DF}">
               <a14:hiddenLine xmlns:a14="http://schemas.microsoft.com/office/drawing/2010/main" w="9525">
                 <a:solidFill>
                   <a:srgbClr val="000000"/>
@@ -953,14 +953,14 @@
             <a:noFill/>
           </a:ln>
           <a:extLst>
-            <a:ext uri="{909E8E84-426E-40DD-AFC4-6F175D3DCCD1}">
+            <a:ext uri="{909E8E84-426E-40dd-AFC4-6F175D3DCCD1}">
               <a14:hiddenFill xmlns:a14="http://schemas.microsoft.com/office/drawing/2010/main">
                 <a:solidFill>
                   <a:srgbClr val="FFFFFF"/>
                 </a:solidFill>
               </a14:hiddenFill>
             </a:ext>
-            <a:ext uri="{91240B29-F687-4F45-9708-019B960494DF}">
+            <a:ext uri="{91240B29-F687-4f45-9708-019B960494DF}">
               <a14:hiddenLine xmlns:a14="http://schemas.microsoft.com/office/drawing/2010/main" w="9525">
                 <a:solidFill>
                   <a:srgbClr val="000000"/>
@@ -1166,7 +1166,7 @@
               <a:pPr>
                 <a:defRPr/>
               </a:pPr>
-              <a:t>12-6-2016</a:t>
+              <a:t>12/06/16</a:t>
             </a:fld>
             <a:endParaRPr lang="nl-NL" dirty="0">
               <a:solidFill>
@@ -1216,7 +1216,7 @@
               <a:pPr>
                 <a:defRPr/>
               </a:pPr>
-              <a:t>‹nr.›</a:t>
+              <a:t>‹#›</a:t>
             </a:fld>
             <a:endParaRPr lang="nl-NL">
               <a:solidFill>
@@ -1298,14 +1298,14 @@
             <a:noFill/>
           </a:ln>
           <a:extLst>
-            <a:ext uri="{909E8E84-426E-40DD-AFC4-6F175D3DCCD1}">
+            <a:ext uri="{909E8E84-426E-40dd-AFC4-6F175D3DCCD1}">
               <a14:hiddenFill xmlns:a14="http://schemas.microsoft.com/office/drawing/2010/main">
                 <a:solidFill>
                   <a:srgbClr val="FFFFFF"/>
                 </a:solidFill>
               </a14:hiddenFill>
             </a:ext>
-            <a:ext uri="{91240B29-F687-4F45-9708-019B960494DF}">
+            <a:ext uri="{91240B29-F687-4f45-9708-019B960494DF}">
               <a14:hiddenLine xmlns:a14="http://schemas.microsoft.com/office/drawing/2010/main" w="9525">
                 <a:solidFill>
                   <a:srgbClr val="000000"/>
@@ -1522,7 +1522,7 @@
               <a:pPr>
                 <a:defRPr/>
               </a:pPr>
-              <a:t>12-6-2016</a:t>
+              <a:t>12/06/16</a:t>
             </a:fld>
             <a:endParaRPr lang="nl-NL" dirty="0"/>
           </a:p>
@@ -1589,7 +1589,7 @@
               <a:pPr>
                 <a:defRPr/>
               </a:pPr>
-              <a:t>‹nr.›</a:t>
+              <a:t>‹#›</a:t>
             </a:fld>
             <a:endParaRPr lang="nl-NL"/>
           </a:p>
@@ -1659,14 +1659,14 @@
             <a:noFill/>
           </a:ln>
           <a:extLst>
-            <a:ext uri="{909E8E84-426E-40DD-AFC4-6F175D3DCCD1}">
+            <a:ext uri="{909E8E84-426E-40dd-AFC4-6F175D3DCCD1}">
               <a14:hiddenFill xmlns:a14="http://schemas.microsoft.com/office/drawing/2010/main">
                 <a:solidFill>
                   <a:srgbClr val="FFFFFF"/>
                 </a:solidFill>
               </a14:hiddenFill>
             </a:ext>
-            <a:ext uri="{91240B29-F687-4F45-9708-019B960494DF}">
+            <a:ext uri="{91240B29-F687-4f45-9708-019B960494DF}">
               <a14:hiddenLine xmlns:a14="http://schemas.microsoft.com/office/drawing/2010/main" w="9525">
                 <a:solidFill>
                   <a:srgbClr val="000000"/>
@@ -1787,7 +1787,7 @@
               <a:pPr>
                 <a:defRPr/>
               </a:pPr>
-              <a:t>12-6-2016</a:t>
+              <a:t>12/06/16</a:t>
             </a:fld>
             <a:endParaRPr lang="nl-NL">
               <a:solidFill>
@@ -1858,7 +1858,7 @@
               <a:pPr>
                 <a:defRPr/>
               </a:pPr>
-              <a:t>‹nr.›</a:t>
+              <a:t>‹#›</a:t>
             </a:fld>
             <a:endParaRPr lang="nl-NL"/>
           </a:p>
@@ -1928,14 +1928,14 @@
             <a:noFill/>
           </a:ln>
           <a:extLst>
-            <a:ext uri="{909E8E84-426E-40DD-AFC4-6F175D3DCCD1}">
+            <a:ext uri="{909E8E84-426E-40dd-AFC4-6F175D3DCCD1}">
               <a14:hiddenFill xmlns:a14="http://schemas.microsoft.com/office/drawing/2010/main">
                 <a:solidFill>
                   <a:srgbClr val="FFFFFF"/>
                 </a:solidFill>
               </a14:hiddenFill>
             </a:ext>
-            <a:ext uri="{91240B29-F687-4F45-9708-019B960494DF}">
+            <a:ext uri="{91240B29-F687-4f45-9708-019B960494DF}">
               <a14:hiddenLine xmlns:a14="http://schemas.microsoft.com/office/drawing/2010/main" w="9525">
                 <a:solidFill>
                   <a:srgbClr val="000000"/>
@@ -2066,7 +2066,7 @@
               <a:pPr>
                 <a:defRPr/>
               </a:pPr>
-              <a:t>12-6-2016</a:t>
+              <a:t>12/06/16</a:t>
             </a:fld>
             <a:endParaRPr lang="nl-NL">
               <a:solidFill>
@@ -2137,7 +2137,7 @@
               <a:pPr>
                 <a:defRPr/>
               </a:pPr>
-              <a:t>‹nr.›</a:t>
+              <a:t>‹#›</a:t>
             </a:fld>
             <a:endParaRPr lang="nl-NL"/>
           </a:p>
@@ -2207,14 +2207,14 @@
             <a:noFill/>
           </a:ln>
           <a:extLst>
-            <a:ext uri="{909E8E84-426E-40DD-AFC4-6F175D3DCCD1}">
+            <a:ext uri="{909E8E84-426E-40dd-AFC4-6F175D3DCCD1}">
               <a14:hiddenFill xmlns:a14="http://schemas.microsoft.com/office/drawing/2010/main">
                 <a:solidFill>
                   <a:srgbClr val="FFFFFF"/>
                 </a:solidFill>
               </a14:hiddenFill>
             </a:ext>
-            <a:ext uri="{91240B29-F687-4F45-9708-019B960494DF}">
+            <a:ext uri="{91240B29-F687-4f45-9708-019B960494DF}">
               <a14:hiddenLine xmlns:a14="http://schemas.microsoft.com/office/drawing/2010/main" w="9525">
                 <a:solidFill>
                   <a:srgbClr val="000000"/>
@@ -2335,7 +2335,7 @@
               <a:pPr>
                 <a:defRPr/>
               </a:pPr>
-              <a:t>12-6-2016</a:t>
+              <a:t>12/06/16</a:t>
             </a:fld>
             <a:endParaRPr lang="nl-NL">
               <a:solidFill>
@@ -2406,7 +2406,7 @@
               <a:pPr>
                 <a:defRPr/>
               </a:pPr>
-              <a:t>‹nr.›</a:t>
+              <a:t>‹#›</a:t>
             </a:fld>
             <a:endParaRPr lang="nl-NL"/>
           </a:p>
@@ -2476,14 +2476,14 @@
             <a:noFill/>
           </a:ln>
           <a:extLst>
-            <a:ext uri="{909E8E84-426E-40DD-AFC4-6F175D3DCCD1}">
+            <a:ext uri="{909E8E84-426E-40dd-AFC4-6F175D3DCCD1}">
               <a14:hiddenFill xmlns:a14="http://schemas.microsoft.com/office/drawing/2010/main">
                 <a:solidFill>
                   <a:srgbClr val="FFFFFF"/>
                 </a:solidFill>
               </a14:hiddenFill>
             </a:ext>
-            <a:ext uri="{91240B29-F687-4F45-9708-019B960494DF}">
+            <a:ext uri="{91240B29-F687-4f45-9708-019B960494DF}">
               <a14:hiddenLine xmlns:a14="http://schemas.microsoft.com/office/drawing/2010/main" w="9525">
                 <a:solidFill>
                   <a:srgbClr val="000000"/>
@@ -2718,7 +2718,7 @@
               <a:pPr>
                 <a:defRPr/>
               </a:pPr>
-              <a:t>12-6-2016</a:t>
+              <a:t>12/06/16</a:t>
             </a:fld>
             <a:endParaRPr lang="nl-NL" dirty="0"/>
           </a:p>
@@ -2785,7 +2785,7 @@
               <a:pPr>
                 <a:defRPr/>
               </a:pPr>
-              <a:t>‹nr.›</a:t>
+              <a:t>‹#›</a:t>
             </a:fld>
             <a:endParaRPr lang="nl-NL"/>
           </a:p>
@@ -2855,14 +2855,14 @@
             <a:noFill/>
           </a:ln>
           <a:extLst>
-            <a:ext uri="{909E8E84-426E-40DD-AFC4-6F175D3DCCD1}">
+            <a:ext uri="{909E8E84-426E-40dd-AFC4-6F175D3DCCD1}">
               <a14:hiddenFill xmlns:a14="http://schemas.microsoft.com/office/drawing/2010/main">
                 <a:solidFill>
                   <a:srgbClr val="FFFFFF"/>
                 </a:solidFill>
               </a14:hiddenFill>
             </a:ext>
-            <a:ext uri="{91240B29-F687-4F45-9708-019B960494DF}">
+            <a:ext uri="{91240B29-F687-4f45-9708-019B960494DF}">
               <a14:hiddenLine xmlns:a14="http://schemas.microsoft.com/office/drawing/2010/main" w="9525">
                 <a:solidFill>
                   <a:srgbClr val="000000"/>
@@ -3101,7 +3101,7 @@
               <a:pPr>
                 <a:defRPr/>
               </a:pPr>
-              <a:t>12-6-2016</a:t>
+              <a:t>12/06/16</a:t>
             </a:fld>
             <a:endParaRPr lang="nl-NL">
               <a:solidFill>
@@ -3172,7 +3172,7 @@
               <a:pPr>
                 <a:defRPr/>
               </a:pPr>
-              <a:t>‹nr.›</a:t>
+              <a:t>‹#›</a:t>
             </a:fld>
             <a:endParaRPr lang="nl-NL"/>
           </a:p>
@@ -3242,14 +3242,14 @@
             <a:noFill/>
           </a:ln>
           <a:extLst>
-            <a:ext uri="{909E8E84-426E-40DD-AFC4-6F175D3DCCD1}">
+            <a:ext uri="{909E8E84-426E-40dd-AFC4-6F175D3DCCD1}">
               <a14:hiddenFill xmlns:a14="http://schemas.microsoft.com/office/drawing/2010/main">
                 <a:solidFill>
                   <a:srgbClr val="FFFFFF"/>
                 </a:solidFill>
               </a14:hiddenFill>
             </a:ext>
-            <a:ext uri="{91240B29-F687-4F45-9708-019B960494DF}">
+            <a:ext uri="{91240B29-F687-4f45-9708-019B960494DF}">
               <a14:hiddenLine xmlns:a14="http://schemas.microsoft.com/office/drawing/2010/main" w="9525">
                 <a:solidFill>
                   <a:srgbClr val="000000"/>
@@ -3622,7 +3622,7 @@
               <a:pPr>
                 <a:defRPr/>
               </a:pPr>
-              <a:t>12-6-2016</a:t>
+              <a:t>12/06/16</a:t>
             </a:fld>
             <a:endParaRPr lang="nl-NL">
               <a:solidFill>
@@ -3693,7 +3693,7 @@
               <a:pPr>
                 <a:defRPr/>
               </a:pPr>
-              <a:t>‹nr.›</a:t>
+              <a:t>‹#›</a:t>
             </a:fld>
             <a:endParaRPr lang="nl-NL"/>
           </a:p>
@@ -3763,14 +3763,14 @@
             <a:noFill/>
           </a:ln>
           <a:extLst>
-            <a:ext uri="{909E8E84-426E-40DD-AFC4-6F175D3DCCD1}">
+            <a:ext uri="{909E8E84-426E-40dd-AFC4-6F175D3DCCD1}">
               <a14:hiddenFill xmlns:a14="http://schemas.microsoft.com/office/drawing/2010/main">
                 <a:solidFill>
                   <a:srgbClr val="FFFFFF"/>
                 </a:solidFill>
               </a14:hiddenFill>
             </a:ext>
-            <a:ext uri="{91240B29-F687-4F45-9708-019B960494DF}">
+            <a:ext uri="{91240B29-F687-4f45-9708-019B960494DF}">
               <a14:hiddenLine xmlns:a14="http://schemas.microsoft.com/office/drawing/2010/main" w="9525">
                 <a:solidFill>
                   <a:srgbClr val="000000"/>
@@ -3839,7 +3839,7 @@
               <a:pPr>
                 <a:defRPr/>
               </a:pPr>
-              <a:t>12-6-2016</a:t>
+              <a:t>12/06/16</a:t>
             </a:fld>
             <a:endParaRPr lang="nl-NL">
               <a:solidFill>
@@ -3910,7 +3910,7 @@
               <a:pPr>
                 <a:defRPr/>
               </a:pPr>
-              <a:t>‹nr.›</a:t>
+              <a:t>‹#›</a:t>
             </a:fld>
             <a:endParaRPr lang="nl-NL"/>
           </a:p>
@@ -3980,14 +3980,14 @@
             <a:noFill/>
           </a:ln>
           <a:extLst>
-            <a:ext uri="{909E8E84-426E-40DD-AFC4-6F175D3DCCD1}">
+            <a:ext uri="{909E8E84-426E-40dd-AFC4-6F175D3DCCD1}">
               <a14:hiddenFill xmlns:a14="http://schemas.microsoft.com/office/drawing/2010/main">
                 <a:solidFill>
                   <a:srgbClr val="FFFFFF"/>
                 </a:solidFill>
               </a14:hiddenFill>
             </a:ext>
-            <a:ext uri="{91240B29-F687-4F45-9708-019B960494DF}">
+            <a:ext uri="{91240B29-F687-4f45-9708-019B960494DF}">
               <a14:hiddenLine xmlns:a14="http://schemas.microsoft.com/office/drawing/2010/main" w="9525">
                 <a:solidFill>
                   <a:srgbClr val="000000"/>
@@ -4033,7 +4033,7 @@
               <a:pPr>
                 <a:defRPr/>
               </a:pPr>
-              <a:t>12-6-2016</a:t>
+              <a:t>12/06/16</a:t>
             </a:fld>
             <a:endParaRPr lang="nl-NL">
               <a:solidFill>
@@ -4104,7 +4104,7 @@
               <a:pPr>
                 <a:defRPr/>
               </a:pPr>
-              <a:t>‹nr.›</a:t>
+              <a:t>‹#›</a:t>
             </a:fld>
             <a:endParaRPr lang="nl-NL"/>
           </a:p>
@@ -4174,14 +4174,14 @@
             <a:noFill/>
           </a:ln>
           <a:extLst>
-            <a:ext uri="{909E8E84-426E-40DD-AFC4-6F175D3DCCD1}">
+            <a:ext uri="{909E8E84-426E-40dd-AFC4-6F175D3DCCD1}">
               <a14:hiddenFill xmlns:a14="http://schemas.microsoft.com/office/drawing/2010/main">
                 <a:solidFill>
                   <a:srgbClr val="FFFFFF"/>
                 </a:solidFill>
               </a14:hiddenFill>
             </a:ext>
-            <a:ext uri="{91240B29-F687-4F45-9708-019B960494DF}">
+            <a:ext uri="{91240B29-F687-4f45-9708-019B960494DF}">
               <a14:hiddenLine xmlns:a14="http://schemas.microsoft.com/office/drawing/2010/main" w="9525">
                 <a:solidFill>
                   <a:srgbClr val="000000"/>
@@ -4409,7 +4409,7 @@
               <a:pPr>
                 <a:defRPr/>
               </a:pPr>
-              <a:t>12-6-2016</a:t>
+              <a:t>12/06/16</a:t>
             </a:fld>
             <a:endParaRPr lang="nl-NL">
               <a:solidFill>
@@ -4480,7 +4480,7 @@
               <a:pPr>
                 <a:defRPr/>
               </a:pPr>
-              <a:t>‹nr.›</a:t>
+              <a:t>‹#›</a:t>
             </a:fld>
             <a:endParaRPr lang="nl-NL"/>
           </a:p>
@@ -4544,14 +4544,14 @@
             <a:noFill/>
           </a:ln>
           <a:extLst>
-            <a:ext uri="{909E8E84-426E-40DD-AFC4-6F175D3DCCD1}">
+            <a:ext uri="{909E8E84-426E-40dd-AFC4-6F175D3DCCD1}">
               <a14:hiddenFill xmlns:a14="http://schemas.microsoft.com/office/drawing/2010/main">
                 <a:solidFill>
                   <a:srgbClr val="FFFFFF"/>
                 </a:solidFill>
               </a14:hiddenFill>
             </a:ext>
-            <a:ext uri="{91240B29-F687-4F45-9708-019B960494DF}">
+            <a:ext uri="{91240B29-F687-4f45-9708-019B960494DF}">
               <a14:hiddenLine xmlns:a14="http://schemas.microsoft.com/office/drawing/2010/main" w="9525">
                 <a:solidFill>
                   <a:srgbClr val="000000"/>
@@ -4603,14 +4603,14 @@
             <a:noFill/>
           </a:ln>
           <a:extLst>
-            <a:ext uri="{909E8E84-426E-40DD-AFC4-6F175D3DCCD1}">
+            <a:ext uri="{909E8E84-426E-40dd-AFC4-6F175D3DCCD1}">
               <a14:hiddenFill xmlns:a14="http://schemas.microsoft.com/office/drawing/2010/main">
                 <a:solidFill>
                   <a:srgbClr val="FFFFFF"/>
                 </a:solidFill>
               </a14:hiddenFill>
             </a:ext>
-            <a:ext uri="{91240B29-F687-4F45-9708-019B960494DF}">
+            <a:ext uri="{91240B29-F687-4f45-9708-019B960494DF}">
               <a14:hiddenLine xmlns:a14="http://schemas.microsoft.com/office/drawing/2010/main" w="9525">
                 <a:solidFill>
                   <a:srgbClr val="000000"/>
@@ -4722,7 +4722,7 @@
               <a:pPr defTabSz="457200">
                 <a:defRPr/>
               </a:pPr>
-              <a:t>12-6-2016</a:t>
+              <a:t>12/06/16</a:t>
             </a:fld>
             <a:endParaRPr lang="nl-NL">
               <a:solidFill>
@@ -4845,7 +4845,7 @@
                 </a:spcAft>
                 <a:defRPr/>
               </a:pPr>
-              <a:t>‹nr.›</a:t>
+              <a:t>‹#›</a:t>
             </a:fld>
             <a:endParaRPr lang="nl-NL">
               <a:cs typeface="Arial" panose="020B0604020202020204" pitchFamily="34" charset="0"/>
@@ -5339,14 +5339,14 @@
         <p:spPr bwMode="auto">
           <a:noFill/>
           <a:extLst>
-            <a:ext uri="{909E8E84-426E-40DD-AFC4-6F175D3DCCD1}">
+            <a:ext uri="{909E8E84-426E-40dd-AFC4-6F175D3DCCD1}">
               <a14:hiddenFill xmlns:a14="http://schemas.microsoft.com/office/drawing/2010/main">
                 <a:solidFill>
                   <a:srgbClr val="FFFFFF"/>
                 </a:solidFill>
               </a14:hiddenFill>
             </a:ext>
-            <a:ext uri="{91240B29-F687-4F45-9708-019B960494DF}">
+            <a:ext uri="{91240B29-F687-4f45-9708-019B960494DF}">
               <a14:hiddenLine xmlns:a14="http://schemas.microsoft.com/office/drawing/2010/main" w="9525">
                 <a:solidFill>
                   <a:srgbClr val="000000"/>
@@ -5543,14 +5543,14 @@
             <a:noFill/>
           </a:ln>
           <a:extLst>
-            <a:ext uri="{909E8E84-426E-40DD-AFC4-6F175D3DCCD1}">
+            <a:ext uri="{909E8E84-426E-40dd-AFC4-6F175D3DCCD1}">
               <a14:hiddenFill xmlns:a14="http://schemas.microsoft.com/office/drawing/2010/main">
                 <a:solidFill>
                   <a:srgbClr val="FFFFFF"/>
                 </a:solidFill>
               </a14:hiddenFill>
             </a:ext>
-            <a:ext uri="{91240B29-F687-4F45-9708-019B960494DF}">
+            <a:ext uri="{91240B29-F687-4f45-9708-019B960494DF}">
               <a14:hiddenLine xmlns:a14="http://schemas.microsoft.com/office/drawing/2010/main" w="9525">
                 <a:solidFill>
                   <a:srgbClr val="000000"/>
@@ -5896,7 +5896,7 @@
   <p:timing>
     <p:tnLst>
       <p:par>
-        <p:cTn id="1" dur="indefinite" restart="never" nodeType="tmRoot"/>
+        <p:cTn xmlns:p14="http://schemas.microsoft.com/office/powerpoint/2010/main" id="1" dur="indefinite" restart="never" nodeType="tmRoot"/>
       </p:par>
     </p:tnLst>
   </p:timing>
@@ -6012,14 +6012,14 @@
             <a:noFill/>
           </a:ln>
           <a:extLst>
-            <a:ext uri="{909E8E84-426E-40DD-AFC4-6F175D3DCCD1}">
+            <a:ext uri="{909E8E84-426E-40dd-AFC4-6F175D3DCCD1}">
               <a14:hiddenFill xmlns:a14="http://schemas.microsoft.com/office/drawing/2010/main">
                 <a:solidFill>
                   <a:srgbClr val="FFFFFF"/>
                 </a:solidFill>
               </a14:hiddenFill>
             </a:ext>
-            <a:ext uri="{91240B29-F687-4F45-9708-019B960494DF}">
+            <a:ext uri="{91240B29-F687-4f45-9708-019B960494DF}">
               <a14:hiddenLine xmlns:a14="http://schemas.microsoft.com/office/drawing/2010/main" w="9525">
                 <a:solidFill>
                   <a:srgbClr val="000000"/>
@@ -6207,7 +6207,7 @@
           </a:prstGeom>
           <a:noFill/>
           <a:extLst>
-            <a:ext uri="{909E8E84-426E-40DD-AFC4-6F175D3DCCD1}">
+            <a:ext uri="{909E8E84-426E-40dd-AFC4-6F175D3DCCD1}">
               <a14:hiddenFill xmlns:a14="http://schemas.microsoft.com/office/drawing/2010/main">
                 <a:solidFill>
                   <a:srgbClr val="FFFFFF"/>
@@ -6230,7 +6230,7 @@
   <p:timing>
     <p:tnLst>
       <p:par>
-        <p:cTn id="1" dur="indefinite" restart="never" nodeType="tmRoot"/>
+        <p:cTn xmlns:p14="http://schemas.microsoft.com/office/powerpoint/2010/main" id="1" dur="indefinite" restart="never" nodeType="tmRoot"/>
       </p:par>
     </p:tnLst>
   </p:timing>
@@ -6671,7 +6671,7 @@
   <p:timing>
     <p:tnLst>
       <p:par>
-        <p:cTn id="1" dur="indefinite" restart="never" nodeType="tmRoot"/>
+        <p:cTn xmlns:p14="http://schemas.microsoft.com/office/powerpoint/2010/main" id="1" dur="indefinite" restart="never" nodeType="tmRoot"/>
       </p:par>
     </p:tnLst>
   </p:timing>
@@ -6705,7 +6705,12 @@
             <p:ph type="title"/>
           </p:nvPr>
         </p:nvSpPr>
-        <p:spPr/>
+        <p:spPr>
+          <a:xfrm>
+            <a:off x="560750" y="274638"/>
+            <a:ext cx="10972800" cy="1143000"/>
+          </a:xfrm>
+        </p:spPr>
         <p:txBody>
           <a:bodyPr/>
           <a:lstStyle/>
@@ -6713,6 +6718,10 @@
             <a:r>
               <a:rPr lang="en-GB" dirty="0" smtClean="0"/>
               <a:t>Java</a:t>
+            </a:r>
+            <a:r>
+              <a:rPr lang="en-GB" dirty="0" smtClean="0"/>
+              <a:t/>
             </a:r>
             <a:br>
               <a:rPr lang="en-GB" dirty="0" smtClean="0"/>
@@ -6733,43 +6742,33 @@
         </p:nvSpPr>
         <p:spPr>
           <a:xfrm>
-            <a:off x="3016332" y="1600201"/>
-            <a:ext cx="8566068" cy="4525963"/>
+            <a:off x="3016332" y="1416371"/>
+            <a:ext cx="8566068" cy="3293423"/>
           </a:xfrm>
         </p:spPr>
         <p:txBody>
           <a:bodyPr/>
           <a:lstStyle/>
           <a:p>
-            <a:pPr marL="0" indent="0">
-              <a:buNone/>
-            </a:pPr>
-            <a:r>
-              <a:rPr lang="en-GB" dirty="0" err="1" smtClean="0"/>
-              <a:t>Korte</a:t>
-            </a:r>
-            <a:r>
-              <a:rPr lang="en-GB" dirty="0" smtClean="0"/>
-              <a:t> Java </a:t>
-            </a:r>
-            <a:r>
-              <a:rPr lang="en-GB" dirty="0" err="1" smtClean="0"/>
-              <a:t>uitleg</a:t>
-            </a:r>
-            <a:r>
-              <a:rPr lang="en-GB" dirty="0" smtClean="0"/>
-              <a:t>.. </a:t>
-            </a:r>
-            <a:r>
-              <a:rPr lang="en-GB" dirty="0" err="1" smtClean="0"/>
-              <a:t>todo</a:t>
-            </a:r>
-            <a:endParaRPr lang="en-GB" dirty="0"/>
-          </a:p>
-          <a:p>
-            <a:pPr marL="0" indent="0">
-              <a:buNone/>
-            </a:pPr>
+            <a:r>
+              <a:rPr lang="nl-NL" dirty="0" smtClean="0"/>
+              <a:t>Allen Java-</a:t>
+            </a:r>
+            <a:r>
+              <a:rPr lang="nl-NL" dirty="0" err="1" smtClean="0"/>
+              <a:t>developers</a:t>
+            </a:r>
+            <a:endParaRPr lang="nl-NL" dirty="0" smtClean="0"/>
+          </a:p>
+          <a:p>
+            <a:r>
+              <a:rPr lang="nl-NL" dirty="0" smtClean="0"/>
+              <a:t>Zoeken naar ultie</a:t>
+            </a:r>
+            <a:r>
+              <a:rPr lang="nl-NL" dirty="0" smtClean="0"/>
+              <a:t>me technologie valt buiten de scope</a:t>
+            </a:r>
             <a:endParaRPr lang="nl-NL" dirty="0"/>
           </a:p>
         </p:txBody>
@@ -6805,7 +6804,7 @@
       </p:sp>
       <p:pic>
         <p:nvPicPr>
-          <p:cNvPr id="6" name="Afbeelding 5"/>
+          <p:cNvPr id="5" name="Picture 4" descr="Java_logo.png"/>
           <p:cNvPicPr>
             <a:picLocks noChangeAspect="1"/>
           </p:cNvPicPr>
@@ -6825,8 +6824,8 @@
         </p:blipFill>
         <p:spPr>
           <a:xfrm>
-            <a:off x="828613" y="2596357"/>
-            <a:ext cx="1438275" cy="1266825"/>
+            <a:off x="358231" y="2148942"/>
+            <a:ext cx="2116808" cy="2116808"/>
           </a:xfrm>
           <a:prstGeom prst="rect">
             <a:avLst/>
@@ -6901,7 +6900,7 @@
         </p:nvSpPr>
         <p:spPr>
           <a:xfrm>
-            <a:off x="3016332" y="1600201"/>
+            <a:off x="3032615" y="1453680"/>
             <a:ext cx="8566068" cy="4525963"/>
           </a:xfrm>
         </p:spPr>
@@ -6909,35 +6908,47 @@
           <a:bodyPr/>
           <a:lstStyle/>
           <a:p>
-            <a:pPr marL="0" indent="0">
-              <a:buNone/>
-            </a:pPr>
-            <a:r>
-              <a:rPr lang="en-GB" dirty="0" err="1" smtClean="0"/>
-              <a:t>Korte</a:t>
-            </a:r>
-            <a:r>
-              <a:rPr lang="en-GB" dirty="0" smtClean="0"/>
-              <a:t> Spring </a:t>
-            </a:r>
-            <a:r>
-              <a:rPr lang="en-GB" dirty="0" err="1" smtClean="0"/>
-              <a:t>uitleg</a:t>
-            </a:r>
-            <a:r>
-              <a:rPr lang="en-GB" dirty="0" smtClean="0"/>
-              <a:t>.. </a:t>
-            </a:r>
-            <a:r>
-              <a:rPr lang="en-GB" dirty="0" err="1" smtClean="0"/>
-              <a:t>todo</a:t>
-            </a:r>
-            <a:endParaRPr lang="en-GB" dirty="0"/>
-          </a:p>
-          <a:p>
-            <a:pPr marL="0" indent="0">
-              <a:buNone/>
-            </a:pPr>
+            <a:r>
+              <a:rPr lang="nl-NL" dirty="0" smtClean="0"/>
+              <a:t>40% van gebruikte Java-</a:t>
+            </a:r>
+            <a:r>
+              <a:rPr lang="nl-NL" dirty="0" err="1" smtClean="0"/>
+              <a:t>frameworks</a:t>
+            </a:r>
+            <a:endParaRPr lang="nl-NL" dirty="0" smtClean="0"/>
+          </a:p>
+          <a:p>
+            <a:r>
+              <a:rPr lang="nl-NL" dirty="0" smtClean="0"/>
+              <a:t>Grote community</a:t>
+            </a:r>
+          </a:p>
+          <a:p>
+            <a:r>
+              <a:rPr lang="nl-NL" dirty="0" smtClean="0"/>
+              <a:t>Security, database, rest, </a:t>
+            </a:r>
+            <a:r>
+              <a:rPr lang="nl-NL" dirty="0" err="1" smtClean="0"/>
+              <a:t>logging</a:t>
+            </a:r>
+            <a:r>
+              <a:rPr lang="nl-NL" dirty="0" smtClean="0"/>
+              <a:t>, </a:t>
+            </a:r>
+            <a:r>
+              <a:rPr lang="nl-NL" dirty="0" err="1" smtClean="0"/>
+              <a:t>testing</a:t>
+            </a:r>
+            <a:r>
+              <a:rPr lang="nl-NL" dirty="0" smtClean="0"/>
+              <a:t>, </a:t>
+            </a:r>
+            <a:r>
+              <a:rPr lang="is-IS" smtClean="0"/>
+              <a:t>…</a:t>
+            </a:r>
             <a:endParaRPr lang="nl-NL" dirty="0"/>
           </a:p>
         </p:txBody>
@@ -6973,7 +6984,7 @@
       </p:sp>
       <p:pic>
         <p:nvPicPr>
-          <p:cNvPr id="6" name="Afbeelding 5"/>
+          <p:cNvPr id="5" name="Picture 4" descr="Spring.sh-600x600.png"/>
           <p:cNvPicPr>
             <a:picLocks noChangeAspect="1"/>
           </p:cNvPicPr>
@@ -6993,8 +7004,8 @@
         </p:blipFill>
         <p:spPr>
           <a:xfrm>
-            <a:off x="828613" y="2596357"/>
-            <a:ext cx="1438275" cy="1266825"/>
+            <a:off x="162833" y="2262937"/>
+            <a:ext cx="1957684" cy="1957684"/>
           </a:xfrm>
           <a:prstGeom prst="rect">
             <a:avLst/>
@@ -7077,35 +7088,34 @@
           <a:bodyPr/>
           <a:lstStyle/>
           <a:p>
-            <a:pPr marL="0" indent="0">
-              <a:buNone/>
-            </a:pPr>
-            <a:r>
-              <a:rPr lang="en-GB" dirty="0" err="1" smtClean="0"/>
-              <a:t>Korte</a:t>
-            </a:r>
-            <a:r>
-              <a:rPr lang="en-GB" dirty="0" smtClean="0"/>
-              <a:t> Spring boot </a:t>
-            </a:r>
-            <a:r>
-              <a:rPr lang="en-GB" dirty="0" err="1" smtClean="0"/>
-              <a:t>uitleg</a:t>
-            </a:r>
-            <a:r>
-              <a:rPr lang="en-GB" dirty="0" smtClean="0"/>
-              <a:t>.. </a:t>
-            </a:r>
-            <a:r>
-              <a:rPr lang="en-GB" dirty="0" err="1" smtClean="0"/>
-              <a:t>todo</a:t>
-            </a:r>
-            <a:endParaRPr lang="en-GB" dirty="0"/>
-          </a:p>
-          <a:p>
-            <a:pPr marL="0" indent="0">
-              <a:buNone/>
-            </a:pPr>
+            <a:r>
+              <a:rPr lang="nl-NL" dirty="0" smtClean="0"/>
+              <a:t>Overstap</a:t>
+            </a:r>
+          </a:p>
+          <a:p>
+            <a:r>
+              <a:rPr lang="nl-NL" dirty="0" smtClean="0"/>
+              <a:t>Out of the Box</a:t>
+            </a:r>
+          </a:p>
+          <a:p>
+            <a:r>
+              <a:rPr lang="nl-NL" dirty="0" smtClean="0"/>
+              <a:t>Overschrijven waar nodig</a:t>
+            </a:r>
+          </a:p>
+          <a:p>
+            <a:r>
+              <a:rPr lang="nl-NL" dirty="0" smtClean="0"/>
+              <a:t>Specifieke configuraties</a:t>
+            </a:r>
+          </a:p>
+          <a:p>
+            <a:r>
+              <a:rPr lang="nl-NL" dirty="0" smtClean="0"/>
+              <a:t>Overzichtelijkere code</a:t>
+            </a:r>
             <a:endParaRPr lang="nl-NL" dirty="0"/>
           </a:p>
         </p:txBody>
@@ -7141,7 +7151,7 @@
       </p:sp>
       <p:pic>
         <p:nvPicPr>
-          <p:cNvPr id="6" name="Afbeelding 5"/>
+          <p:cNvPr id="5" name="Picture 4" descr="spring-boot.png"/>
           <p:cNvPicPr>
             <a:picLocks noChangeAspect="1"/>
           </p:cNvPicPr>
@@ -7161,8 +7171,8 @@
         </p:blipFill>
         <p:spPr>
           <a:xfrm>
-            <a:off x="828613" y="2596357"/>
-            <a:ext cx="1438275" cy="1266825"/>
+            <a:off x="455928" y="2409334"/>
+            <a:ext cx="1888844" cy="1888844"/>
           </a:xfrm>
           <a:prstGeom prst="rect">
             <a:avLst/>
@@ -7245,7 +7255,35 @@
             <a:pPr lvl="0"/>
             <a:r>
               <a:rPr lang="nl-BE" dirty="0" smtClean="0"/>
-              <a:t>Korte uitleg</a:t>
+              <a:t>Spring Boot defaults</a:t>
+            </a:r>
+          </a:p>
+          <a:p>
+            <a:pPr lvl="0"/>
+            <a:r>
+              <a:rPr lang="nl-BE" dirty="0" smtClean="0"/>
+              <a:t>Userpool aangepast</a:t>
+            </a:r>
+          </a:p>
+          <a:p>
+            <a:pPr lvl="0"/>
+            <a:r>
+              <a:rPr lang="nl-BE" dirty="0" smtClean="0"/>
+              <a:t>Cross Site Reference Forgery-filter</a:t>
+            </a:r>
+          </a:p>
+          <a:p>
+            <a:pPr lvl="0"/>
+            <a:r>
+              <a:rPr lang="nl-BE" dirty="0" smtClean="0"/>
+              <a:t>Pagina’s zonder autorisatie</a:t>
+            </a:r>
+          </a:p>
+          <a:p>
+            <a:pPr lvl="0"/>
+            <a:r>
+              <a:rPr lang="nl-BE" dirty="0" smtClean="0"/>
+              <a:t>httpBasic()</a:t>
             </a:r>
             <a:endParaRPr lang="nl-BE" dirty="0"/>
           </a:p>
@@ -7286,6 +7324,36 @@
           </a:p>
         </p:txBody>
       </p:sp>
+      <p:pic>
+        <p:nvPicPr>
+          <p:cNvPr id="5" name="Picture 4" descr="spring-security-project.png"/>
+          <p:cNvPicPr>
+            <a:picLocks noChangeAspect="1"/>
+          </p:cNvPicPr>
+          <p:nvPr/>
+        </p:nvPicPr>
+        <p:blipFill>
+          <a:blip r:embed="rId2">
+            <a:extLst>
+              <a:ext uri="{28A0092B-C50C-407E-A947-70E740481C1C}">
+                <a14:useLocalDpi xmlns:a14="http://schemas.microsoft.com/office/drawing/2010/main" val="0"/>
+              </a:ext>
+            </a:extLst>
+          </a:blip>
+          <a:stretch>
+            <a:fillRect/>
+          </a:stretch>
+        </p:blipFill>
+        <p:spPr>
+          <a:xfrm>
+            <a:off x="814242" y="2539541"/>
+            <a:ext cx="2116723" cy="2116723"/>
+          </a:xfrm>
+          <a:prstGeom prst="rect">
+            <a:avLst/>
+          </a:prstGeom>
+        </p:spPr>
+      </p:pic>
     </p:spTree>
     <p:extLst>
       <p:ext uri="{BB962C8B-B14F-4D97-AF65-F5344CB8AC3E}">
@@ -7299,7 +7367,7 @@
   <p:timing>
     <p:tnLst>
       <p:par>
-        <p:cTn id="1" dur="indefinite" restart="never" nodeType="tmRoot"/>
+        <p:cTn xmlns:p14="http://schemas.microsoft.com/office/powerpoint/2010/main" id="1" dur="indefinite" restart="never" nodeType="tmRoot"/>
       </p:par>
     </p:tnLst>
   </p:timing>
@@ -7439,7 +7507,7 @@
   <p:timing>
     <p:tnLst>
       <p:par>
-        <p:cTn id="1" dur="indefinite" restart="never" nodeType="tmRoot"/>
+        <p:cTn xmlns:p14="http://schemas.microsoft.com/office/powerpoint/2010/main" id="1" dur="indefinite" restart="never" nodeType="tmRoot"/>
       </p:par>
     </p:tnLst>
   </p:timing>
@@ -7726,14 +7794,14 @@
             <a:noFill/>
           </a:ln>
           <a:extLst>
-            <a:ext uri="{909E8E84-426E-40DD-AFC4-6F175D3DCCD1}">
+            <a:ext uri="{909E8E84-426E-40dd-AFC4-6F175D3DCCD1}">
               <a14:hiddenFill xmlns:a14="http://schemas.microsoft.com/office/drawing/2010/main">
                 <a:solidFill>
                   <a:srgbClr val="FFFFFF"/>
                 </a:solidFill>
               </a14:hiddenFill>
             </a:ext>
-            <a:ext uri="{91240B29-F687-4F45-9708-019B960494DF}">
+            <a:ext uri="{91240B29-F687-4f45-9708-019B960494DF}">
               <a14:hiddenLine xmlns:a14="http://schemas.microsoft.com/office/drawing/2010/main" w="9525">
                 <a:solidFill>
                   <a:srgbClr val="000000"/>
@@ -7917,7 +7985,7 @@
   <p:timing>
     <p:tnLst>
       <p:par>
-        <p:cTn id="1" dur="indefinite" restart="never" nodeType="tmRoot"/>
+        <p:cTn xmlns:p14="http://schemas.microsoft.com/office/powerpoint/2010/main" id="1" dur="indefinite" restart="never" nodeType="tmRoot"/>
       </p:par>
     </p:tnLst>
   </p:timing>
@@ -8585,7 +8653,21 @@
             <a:pPr lvl="0"/>
             <a:r>
               <a:rPr lang="nl-BE" dirty="0" smtClean="0"/>
-              <a:t>Kort woordje</a:t>
+              <a:t>Configuratie</a:t>
+            </a:r>
+          </a:p>
+          <a:p>
+            <a:pPr lvl="0"/>
+            <a:r>
+              <a:rPr lang="nl-BE" dirty="0" smtClean="0"/>
+              <a:t>Loginscherm -&gt; httpBasic</a:t>
+            </a:r>
+          </a:p>
+          <a:p>
+            <a:pPr lvl="0"/>
+            <a:r>
+              <a:rPr lang="nl-BE" dirty="0" smtClean="0"/>
+              <a:t>Principal-object</a:t>
             </a:r>
             <a:endParaRPr lang="nl-BE" dirty="0"/>
           </a:p>
@@ -8626,6 +8708,66 @@
           </a:p>
         </p:txBody>
       </p:sp>
+      <p:pic>
+        <p:nvPicPr>
+          <p:cNvPr id="5" name="Afbeelding 5"/>
+          <p:cNvPicPr>
+            <a:picLocks noChangeAspect="1"/>
+          </p:cNvPicPr>
+          <p:nvPr/>
+        </p:nvPicPr>
+        <p:blipFill>
+          <a:blip r:embed="rId2">
+            <a:extLst>
+              <a:ext uri="{28A0092B-C50C-407E-A947-70E740481C1C}">
+                <a14:useLocalDpi xmlns:a14="http://schemas.microsoft.com/office/drawing/2010/main" val="0"/>
+              </a:ext>
+            </a:extLst>
+          </a:blip>
+          <a:stretch>
+            <a:fillRect/>
+          </a:stretch>
+        </p:blipFill>
+        <p:spPr>
+          <a:xfrm>
+            <a:off x="756149" y="1339248"/>
+            <a:ext cx="1152525" cy="1219200"/>
+          </a:xfrm>
+          <a:prstGeom prst="rect">
+            <a:avLst/>
+          </a:prstGeom>
+        </p:spPr>
+      </p:pic>
+      <p:pic>
+        <p:nvPicPr>
+          <p:cNvPr id="6" name="Picture 5" descr="spring-security-project.png"/>
+          <p:cNvPicPr>
+            <a:picLocks noChangeAspect="1"/>
+          </p:cNvPicPr>
+          <p:nvPr/>
+        </p:nvPicPr>
+        <p:blipFill>
+          <a:blip r:embed="rId3">
+            <a:extLst>
+              <a:ext uri="{28A0092B-C50C-407E-A947-70E740481C1C}">
+                <a14:useLocalDpi xmlns:a14="http://schemas.microsoft.com/office/drawing/2010/main" val="0"/>
+              </a:ext>
+            </a:extLst>
+          </a:blip>
+          <a:stretch>
+            <a:fillRect/>
+          </a:stretch>
+        </p:blipFill>
+        <p:spPr>
+          <a:xfrm>
+            <a:off x="602561" y="3239713"/>
+            <a:ext cx="1432831" cy="1432831"/>
+          </a:xfrm>
+          <a:prstGeom prst="rect">
+            <a:avLst/>
+          </a:prstGeom>
+        </p:spPr>
+      </p:pic>
     </p:spTree>
     <p:extLst>
       <p:ext uri="{BB962C8B-B14F-4D97-AF65-F5344CB8AC3E}">
@@ -8639,7 +8781,7 @@
   <p:timing>
     <p:tnLst>
       <p:par>
-        <p:cTn id="1" dur="indefinite" restart="never" nodeType="tmRoot"/>
+        <p:cTn xmlns:p14="http://schemas.microsoft.com/office/powerpoint/2010/main" id="1" dur="indefinite" restart="never" nodeType="tmRoot"/>
       </p:par>
     </p:tnLst>
   </p:timing>
@@ -8795,7 +8937,7 @@
   <p:timing>
     <p:tnLst>
       <p:par>
-        <p:cTn id="1" dur="indefinite" restart="never" nodeType="tmRoot"/>
+        <p:cTn xmlns:p14="http://schemas.microsoft.com/office/powerpoint/2010/main" id="1" dur="indefinite" restart="never" nodeType="tmRoot"/>
       </p:par>
     </p:tnLst>
   </p:timing>
@@ -8942,7 +9084,7 @@
           </a:prstGeom>
           <a:noFill/>
           <a:extLst>
-            <a:ext uri="{909E8E84-426E-40DD-AFC4-6F175D3DCCD1}">
+            <a:ext uri="{909E8E84-426E-40dd-AFC4-6F175D3DCCD1}">
               <a14:hiddenFill xmlns:a14="http://schemas.microsoft.com/office/drawing/2010/main">
                 <a:solidFill>
                   <a:srgbClr val="FFFFFF"/>
@@ -8965,7 +9107,7 @@
   <p:timing>
     <p:tnLst>
       <p:par>
-        <p:cTn id="1" dur="indefinite" restart="never" nodeType="tmRoot"/>
+        <p:cTn xmlns:p14="http://schemas.microsoft.com/office/powerpoint/2010/main" id="1" dur="indefinite" restart="never" nodeType="tmRoot"/>
       </p:par>
     </p:tnLst>
   </p:timing>
@@ -9094,7 +9236,7 @@
           </a:prstGeom>
           <a:noFill/>
           <a:extLst>
-            <a:ext uri="{909E8E84-426E-40DD-AFC4-6F175D3DCCD1}">
+            <a:ext uri="{909E8E84-426E-40dd-AFC4-6F175D3DCCD1}">
               <a14:hiddenFill xmlns:a14="http://schemas.microsoft.com/office/drawing/2010/main">
                 <a:solidFill>
                   <a:srgbClr val="FFFFFF"/>
@@ -9117,7 +9259,7 @@
   <p:timing>
     <p:tnLst>
       <p:par>
-        <p:cTn id="1" dur="indefinite" restart="never" nodeType="tmRoot"/>
+        <p:cTn xmlns:p14="http://schemas.microsoft.com/office/powerpoint/2010/main" id="1" dur="indefinite" restart="never" nodeType="tmRoot"/>
       </p:par>
     </p:tnLst>
   </p:timing>
@@ -9258,7 +9400,7 @@
   <p:timing>
     <p:tnLst>
       <p:par>
-        <p:cTn id="1" dur="indefinite" restart="never" nodeType="tmRoot"/>
+        <p:cTn xmlns:p14="http://schemas.microsoft.com/office/powerpoint/2010/main" id="1" dur="indefinite" restart="never" nodeType="tmRoot"/>
       </p:par>
     </p:tnLst>
   </p:timing>
@@ -9384,7 +9526,7 @@
           </a:prstGeom>
           <a:noFill/>
           <a:extLst>
-            <a:ext uri="{909E8E84-426E-40DD-AFC4-6F175D3DCCD1}">
+            <a:ext uri="{909E8E84-426E-40dd-AFC4-6F175D3DCCD1}">
               <a14:hiddenFill xmlns:a14="http://schemas.microsoft.com/office/drawing/2010/main">
                 <a:solidFill>
                   <a:srgbClr val="FFFFFF"/>
@@ -9412,7 +9554,7 @@
           </a:prstGeom>
           <a:noFill/>
           <a:extLst>
-            <a:ext uri="{909E8E84-426E-40DD-AFC4-6F175D3DCCD1}">
+            <a:ext uri="{909E8E84-426E-40dd-AFC4-6F175D3DCCD1}">
               <a14:hiddenFill xmlns:a14="http://schemas.microsoft.com/office/drawing/2010/main">
                 <a:solidFill>
                   <a:srgbClr val="FFFFFF"/>
@@ -9464,7 +9606,7 @@
           </a:prstGeom>
           <a:noFill/>
           <a:extLst>
-            <a:ext uri="{909E8E84-426E-40DD-AFC4-6F175D3DCCD1}">
+            <a:ext uri="{909E8E84-426E-40dd-AFC4-6F175D3DCCD1}">
               <a14:hiddenFill xmlns:a14="http://schemas.microsoft.com/office/drawing/2010/main">
                 <a:solidFill>
                   <a:srgbClr val="FFFFFF"/>
@@ -9487,7 +9629,7 @@
   <p:timing>
     <p:tnLst>
       <p:par>
-        <p:cTn id="1" dur="indefinite" restart="never" nodeType="tmRoot"/>
+        <p:cTn xmlns:p14="http://schemas.microsoft.com/office/powerpoint/2010/main" id="1" dur="indefinite" restart="never" nodeType="tmRoot"/>
       </p:par>
     </p:tnLst>
   </p:timing>
@@ -9642,7 +9784,7 @@
   <p:timing>
     <p:tnLst>
       <p:par>
-        <p:cTn id="1" dur="indefinite" restart="never" nodeType="tmRoot"/>
+        <p:cTn xmlns:p14="http://schemas.microsoft.com/office/powerpoint/2010/main" id="1" dur="indefinite" restart="never" nodeType="tmRoot"/>
       </p:par>
     </p:tnLst>
   </p:timing>
@@ -9791,7 +9933,7 @@
   <p:timing>
     <p:tnLst>
       <p:par>
-        <p:cTn id="1" dur="indefinite" restart="never" nodeType="tmRoot"/>
+        <p:cTn xmlns:p14="http://schemas.microsoft.com/office/powerpoint/2010/main" id="1" dur="indefinite" restart="never" nodeType="tmRoot"/>
       </p:par>
     </p:tnLst>
   </p:timing>
@@ -9927,7 +10069,7 @@
   <p:timing>
     <p:tnLst>
       <p:par>
-        <p:cTn id="1" dur="indefinite" restart="never" nodeType="tmRoot"/>
+        <p:cTn xmlns:p14="http://schemas.microsoft.com/office/powerpoint/2010/main" id="1" dur="indefinite" restart="never" nodeType="tmRoot"/>
       </p:par>
     </p:tnLst>
   </p:timing>
@@ -10058,7 +10200,7 @@
   <p:timing>
     <p:tnLst>
       <p:par>
-        <p:cTn id="1" dur="indefinite" restart="never" nodeType="tmRoot"/>
+        <p:cTn xmlns:p14="http://schemas.microsoft.com/office/powerpoint/2010/main" id="1" dur="indefinite" restart="never" nodeType="tmRoot"/>
       </p:par>
     </p:tnLst>
   </p:timing>
@@ -10274,7 +10416,7 @@
   <p:timing>
     <p:tnLst>
       <p:par>
-        <p:cTn id="1" dur="indefinite" restart="never" nodeType="tmRoot"/>
+        <p:cTn xmlns:p14="http://schemas.microsoft.com/office/powerpoint/2010/main" id="1" dur="indefinite" restart="never" nodeType="tmRoot"/>
       </p:par>
     </p:tnLst>
   </p:timing>
@@ -10404,7 +10546,7 @@
   <p:timing>
     <p:tnLst>
       <p:par>
-        <p:cTn id="1" dur="indefinite" restart="never" nodeType="tmRoot"/>
+        <p:cTn xmlns:p14="http://schemas.microsoft.com/office/powerpoint/2010/main" id="1" dur="indefinite" restart="never" nodeType="tmRoot"/>
       </p:par>
     </p:tnLst>
   </p:timing>
@@ -10511,7 +10653,7 @@
           </a:prstGeom>
           <a:noFill/>
           <a:extLst>
-            <a:ext uri="{909E8E84-426E-40DD-AFC4-6F175D3DCCD1}">
+            <a:ext uri="{909E8E84-426E-40dd-AFC4-6F175D3DCCD1}">
               <a14:hiddenFill xmlns:a14="http://schemas.microsoft.com/office/drawing/2010/main">
                 <a:solidFill>
                   <a:srgbClr val="FFFFFF"/>
@@ -10552,7 +10694,7 @@
           </a:prstGeom>
           <a:noFill/>
           <a:extLst>
-            <a:ext uri="{909E8E84-426E-40DD-AFC4-6F175D3DCCD1}">
+            <a:ext uri="{909E8E84-426E-40dd-AFC4-6F175D3DCCD1}">
               <a14:hiddenFill xmlns:a14="http://schemas.microsoft.com/office/drawing/2010/main">
                 <a:solidFill>
                   <a:srgbClr val="FFFFFF"/>
@@ -10593,7 +10735,7 @@
           </a:prstGeom>
           <a:noFill/>
           <a:extLst>
-            <a:ext uri="{909E8E84-426E-40DD-AFC4-6F175D3DCCD1}">
+            <a:ext uri="{909E8E84-426E-40dd-AFC4-6F175D3DCCD1}">
               <a14:hiddenFill xmlns:a14="http://schemas.microsoft.com/office/drawing/2010/main">
                 <a:solidFill>
                   <a:srgbClr val="FFFFFF"/>
@@ -10634,7 +10776,7 @@
           </a:prstGeom>
           <a:noFill/>
           <a:extLst>
-            <a:ext uri="{909E8E84-426E-40DD-AFC4-6F175D3DCCD1}">
+            <a:ext uri="{909E8E84-426E-40dd-AFC4-6F175D3DCCD1}">
               <a14:hiddenFill xmlns:a14="http://schemas.microsoft.com/office/drawing/2010/main">
                 <a:solidFill>
                   <a:srgbClr val="FFFFFF"/>
@@ -10677,7 +10819,7 @@
           </a:prstGeom>
           <a:noFill/>
           <a:extLst>
-            <a:ext uri="{909E8E84-426E-40DD-AFC4-6F175D3DCCD1}">
+            <a:ext uri="{909E8E84-426E-40dd-AFC4-6F175D3DCCD1}">
               <a14:hiddenFill xmlns:a14="http://schemas.microsoft.com/office/drawing/2010/main">
                 <a:solidFill>
                   <a:srgbClr val="FFFFFF"/>
@@ -10718,7 +10860,7 @@
           </a:prstGeom>
           <a:noFill/>
           <a:extLst>
-            <a:ext uri="{909E8E84-426E-40DD-AFC4-6F175D3DCCD1}">
+            <a:ext uri="{909E8E84-426E-40dd-AFC4-6F175D3DCCD1}">
               <a14:hiddenFill xmlns:a14="http://schemas.microsoft.com/office/drawing/2010/main">
                 <a:solidFill>
                   <a:srgbClr val="FFFFFF"/>
@@ -10795,7 +10937,7 @@
           </a:prstGeom>
           <a:noFill/>
           <a:extLst>
-            <a:ext uri="{909E8E84-426E-40DD-AFC4-6F175D3DCCD1}">
+            <a:ext uri="{909E8E84-426E-40dd-AFC4-6F175D3DCCD1}">
               <a14:hiddenFill xmlns:a14="http://schemas.microsoft.com/office/drawing/2010/main">
                 <a:solidFill>
                   <a:srgbClr val="FFFFFF"/>
@@ -10937,7 +11079,7 @@
           </a:prstGeom>
           <a:noFill/>
           <a:extLst>
-            <a:ext uri="{909E8E84-426E-40DD-AFC4-6F175D3DCCD1}">
+            <a:ext uri="{909E8E84-426E-40dd-AFC4-6F175D3DCCD1}">
               <a14:hiddenFill xmlns:a14="http://schemas.microsoft.com/office/drawing/2010/main">
                 <a:solidFill>
                   <a:srgbClr val="FFFFFF"/>
@@ -11238,7 +11380,7 @@
   <p:timing>
     <p:tnLst>
       <p:par>
-        <p:cTn id="1" dur="indefinite" restart="never" nodeType="tmRoot"/>
+        <p:cTn xmlns:p14="http://schemas.microsoft.com/office/powerpoint/2010/main" id="1" dur="indefinite" restart="never" nodeType="tmRoot"/>
       </p:par>
     </p:tnLst>
   </p:timing>
@@ -11606,7 +11748,7 @@
     </a:clrScheme>
     <a:fontScheme name="Office">
       <a:majorFont>
-        <a:latin typeface="Calibri Light" panose="020F0302020204030204"/>
+        <a:latin typeface="Calibri Light"/>
         <a:ea typeface=""/>
         <a:cs typeface=""/>
         <a:font script="Jpan" typeface="ＭＳ Ｐゴシック"/>
@@ -11641,7 +11783,7 @@
         <a:font script="Geor" typeface="Sylfaen"/>
       </a:majorFont>
       <a:minorFont>
-        <a:latin typeface="Calibri" panose="020F0502020204030204"/>
+        <a:latin typeface="Calibri"/>
         <a:ea typeface=""/>
         <a:cs typeface=""/>
         <a:font script="Jpan" typeface="ＭＳ Ｐゴシック"/>
@@ -11818,7 +11960,7 @@
   <a:extraClrSchemeLst/>
   <a:extLst>
     <a:ext uri="{05A4C25C-085E-4340-85A3-A5531E510DB2}">
-      <thm15:themeFamily xmlns:thm15="http://schemas.microsoft.com/office/thememl/2012/main" name="Office Theme" id="{62F939B6-93AF-4DB8-9C6B-D6C7DFDC589F}" vid="{4A3C46E8-61CC-4603-A589-7422A47A8E4A}"/>
+      <thm15:themeFamily xmlns:thm15="http://schemas.microsoft.com/office/thememl/2012/main" xmlns="" name="Office Theme" id="{62F939B6-93AF-4DB8-9C6B-D6C7DFDC589F}" vid="{4A3C46E8-61CC-4603-A589-7422A47A8E4A}"/>
     </a:ext>
   </a:extLst>
 </a:theme>

--- a/italent/documents/Presentatie/Presentatie.pptx
+++ b/italent/documents/Presentatie/Presentatie.pptx
@@ -139,7 +139,7 @@
   </p:defaultTextStyle>
   <p:extLst>
     <p:ext uri="{EFAFB233-063F-42B5-8137-9DF3F51BA10A}">
-      <p15:sldGuideLst xmlns:p15="http://schemas.microsoft.com/office/powerpoint/2012/main" xmlns="">
+      <p15:sldGuideLst xmlns="" xmlns:p15="http://schemas.microsoft.com/office/powerpoint/2012/main">
         <p15:guide id="1" orient="horz" pos="2160">
           <p15:clr>
             <a:srgbClr val="A4A3A4"/>
@@ -153,7 +153,7 @@
       </p15:sldGuideLst>
     </p:ext>
     <p:ext uri="{2D200454-40CA-4A62-9FC3-DE9A4176ACB9}">
-      <p15:notesGuideLst xmlns:p15="http://schemas.microsoft.com/office/powerpoint/2012/main" xmlns=""/>
+      <p15:notesGuideLst xmlns="" xmlns:p15="http://schemas.microsoft.com/office/powerpoint/2012/main"/>
     </p:ext>
   </p:extLst>
 </p:presentation>
@@ -241,7 +241,7 @@
           <a:p>
             <a:fld id="{7DA0BC33-D6F4-47BD-A51C-6A5C7B866668}" type="datetimeFigureOut">
               <a:rPr lang="nl-BE" smtClean="0"/>
-              <a:t>12/06/16</a:t>
+              <a:t>13/06/2016</a:t>
             </a:fld>
             <a:endParaRPr lang="nl-BE"/>
           </a:p>
@@ -644,14 +644,14 @@
             <a:noFill/>
           </a:ln>
           <a:extLst>
-            <a:ext uri="{909E8E84-426E-40dd-AFC4-6F175D3DCCD1}">
+            <a:ext uri="{909E8E84-426E-40DD-AFC4-6F175D3DCCD1}">
               <a14:hiddenFill xmlns:a14="http://schemas.microsoft.com/office/drawing/2010/main">
                 <a:solidFill>
                   <a:srgbClr val="FFFFFF"/>
                 </a:solidFill>
               </a14:hiddenFill>
             </a:ext>
-            <a:ext uri="{91240B29-F687-4f45-9708-019B960494DF}">
+            <a:ext uri="{91240B29-F687-4F45-9708-019B960494DF}">
               <a14:hiddenLine xmlns:a14="http://schemas.microsoft.com/office/drawing/2010/main" w="9525">
                 <a:solidFill>
                   <a:srgbClr val="000000"/>
@@ -698,14 +698,14 @@
             <a:noFill/>
           </a:ln>
           <a:extLst>
-            <a:ext uri="{909E8E84-426E-40dd-AFC4-6F175D3DCCD1}">
+            <a:ext uri="{909E8E84-426E-40DD-AFC4-6F175D3DCCD1}">
               <a14:hiddenFill xmlns:a14="http://schemas.microsoft.com/office/drawing/2010/main">
                 <a:solidFill>
                   <a:srgbClr val="FFFFFF"/>
                 </a:solidFill>
               </a14:hiddenFill>
             </a:ext>
-            <a:ext uri="{91240B29-F687-4f45-9708-019B960494DF}">
+            <a:ext uri="{91240B29-F687-4F45-9708-019B960494DF}">
               <a14:hiddenLine xmlns:a14="http://schemas.microsoft.com/office/drawing/2010/main" w="9525">
                 <a:solidFill>
                   <a:srgbClr val="000000"/>
@@ -739,14 +739,14 @@
             <a:noFill/>
           </a:ln>
           <a:extLst>
-            <a:ext uri="{909E8E84-426E-40dd-AFC4-6F175D3DCCD1}">
+            <a:ext uri="{909E8E84-426E-40DD-AFC4-6F175D3DCCD1}">
               <a14:hiddenFill xmlns:a14="http://schemas.microsoft.com/office/drawing/2010/main">
                 <a:solidFill>
                   <a:srgbClr val="FFFFFF"/>
                 </a:solidFill>
               </a14:hiddenFill>
             </a:ext>
-            <a:ext uri="{91240B29-F687-4f45-9708-019B960494DF}">
+            <a:ext uri="{91240B29-F687-4F45-9708-019B960494DF}">
               <a14:hiddenLine xmlns:a14="http://schemas.microsoft.com/office/drawing/2010/main" w="9525">
                 <a:solidFill>
                   <a:srgbClr val="000000"/>
@@ -953,14 +953,14 @@
             <a:noFill/>
           </a:ln>
           <a:extLst>
-            <a:ext uri="{909E8E84-426E-40dd-AFC4-6F175D3DCCD1}">
+            <a:ext uri="{909E8E84-426E-40DD-AFC4-6F175D3DCCD1}">
               <a14:hiddenFill xmlns:a14="http://schemas.microsoft.com/office/drawing/2010/main">
                 <a:solidFill>
                   <a:srgbClr val="FFFFFF"/>
                 </a:solidFill>
               </a14:hiddenFill>
             </a:ext>
-            <a:ext uri="{91240B29-F687-4f45-9708-019B960494DF}">
+            <a:ext uri="{91240B29-F687-4F45-9708-019B960494DF}">
               <a14:hiddenLine xmlns:a14="http://schemas.microsoft.com/office/drawing/2010/main" w="9525">
                 <a:solidFill>
                   <a:srgbClr val="000000"/>
@@ -1166,7 +1166,7 @@
               <a:pPr>
                 <a:defRPr/>
               </a:pPr>
-              <a:t>12/06/16</a:t>
+              <a:t>13-6-2016</a:t>
             </a:fld>
             <a:endParaRPr lang="nl-NL" dirty="0">
               <a:solidFill>
@@ -1298,14 +1298,14 @@
             <a:noFill/>
           </a:ln>
           <a:extLst>
-            <a:ext uri="{909E8E84-426E-40dd-AFC4-6F175D3DCCD1}">
+            <a:ext uri="{909E8E84-426E-40DD-AFC4-6F175D3DCCD1}">
               <a14:hiddenFill xmlns:a14="http://schemas.microsoft.com/office/drawing/2010/main">
                 <a:solidFill>
                   <a:srgbClr val="FFFFFF"/>
                 </a:solidFill>
               </a14:hiddenFill>
             </a:ext>
-            <a:ext uri="{91240B29-F687-4f45-9708-019B960494DF}">
+            <a:ext uri="{91240B29-F687-4F45-9708-019B960494DF}">
               <a14:hiddenLine xmlns:a14="http://schemas.microsoft.com/office/drawing/2010/main" w="9525">
                 <a:solidFill>
                   <a:srgbClr val="000000"/>
@@ -1522,7 +1522,7 @@
               <a:pPr>
                 <a:defRPr/>
               </a:pPr>
-              <a:t>12/06/16</a:t>
+              <a:t>13-6-2016</a:t>
             </a:fld>
             <a:endParaRPr lang="nl-NL" dirty="0"/>
           </a:p>
@@ -1659,14 +1659,14 @@
             <a:noFill/>
           </a:ln>
           <a:extLst>
-            <a:ext uri="{909E8E84-426E-40dd-AFC4-6F175D3DCCD1}">
+            <a:ext uri="{909E8E84-426E-40DD-AFC4-6F175D3DCCD1}">
               <a14:hiddenFill xmlns:a14="http://schemas.microsoft.com/office/drawing/2010/main">
                 <a:solidFill>
                   <a:srgbClr val="FFFFFF"/>
                 </a:solidFill>
               </a14:hiddenFill>
             </a:ext>
-            <a:ext uri="{91240B29-F687-4f45-9708-019B960494DF}">
+            <a:ext uri="{91240B29-F687-4F45-9708-019B960494DF}">
               <a14:hiddenLine xmlns:a14="http://schemas.microsoft.com/office/drawing/2010/main" w="9525">
                 <a:solidFill>
                   <a:srgbClr val="000000"/>
@@ -1787,7 +1787,7 @@
               <a:pPr>
                 <a:defRPr/>
               </a:pPr>
-              <a:t>12/06/16</a:t>
+              <a:t>13-6-2016</a:t>
             </a:fld>
             <a:endParaRPr lang="nl-NL">
               <a:solidFill>
@@ -1928,14 +1928,14 @@
             <a:noFill/>
           </a:ln>
           <a:extLst>
-            <a:ext uri="{909E8E84-426E-40dd-AFC4-6F175D3DCCD1}">
+            <a:ext uri="{909E8E84-426E-40DD-AFC4-6F175D3DCCD1}">
               <a14:hiddenFill xmlns:a14="http://schemas.microsoft.com/office/drawing/2010/main">
                 <a:solidFill>
                   <a:srgbClr val="FFFFFF"/>
                 </a:solidFill>
               </a14:hiddenFill>
             </a:ext>
-            <a:ext uri="{91240B29-F687-4f45-9708-019B960494DF}">
+            <a:ext uri="{91240B29-F687-4F45-9708-019B960494DF}">
               <a14:hiddenLine xmlns:a14="http://schemas.microsoft.com/office/drawing/2010/main" w="9525">
                 <a:solidFill>
                   <a:srgbClr val="000000"/>
@@ -2066,7 +2066,7 @@
               <a:pPr>
                 <a:defRPr/>
               </a:pPr>
-              <a:t>12/06/16</a:t>
+              <a:t>13-6-2016</a:t>
             </a:fld>
             <a:endParaRPr lang="nl-NL">
               <a:solidFill>
@@ -2207,14 +2207,14 @@
             <a:noFill/>
           </a:ln>
           <a:extLst>
-            <a:ext uri="{909E8E84-426E-40dd-AFC4-6F175D3DCCD1}">
+            <a:ext uri="{909E8E84-426E-40DD-AFC4-6F175D3DCCD1}">
               <a14:hiddenFill xmlns:a14="http://schemas.microsoft.com/office/drawing/2010/main">
                 <a:solidFill>
                   <a:srgbClr val="FFFFFF"/>
                 </a:solidFill>
               </a14:hiddenFill>
             </a:ext>
-            <a:ext uri="{91240B29-F687-4f45-9708-019B960494DF}">
+            <a:ext uri="{91240B29-F687-4F45-9708-019B960494DF}">
               <a14:hiddenLine xmlns:a14="http://schemas.microsoft.com/office/drawing/2010/main" w="9525">
                 <a:solidFill>
                   <a:srgbClr val="000000"/>
@@ -2335,7 +2335,7 @@
               <a:pPr>
                 <a:defRPr/>
               </a:pPr>
-              <a:t>12/06/16</a:t>
+              <a:t>13-6-2016</a:t>
             </a:fld>
             <a:endParaRPr lang="nl-NL">
               <a:solidFill>
@@ -2476,14 +2476,14 @@
             <a:noFill/>
           </a:ln>
           <a:extLst>
-            <a:ext uri="{909E8E84-426E-40dd-AFC4-6F175D3DCCD1}">
+            <a:ext uri="{909E8E84-426E-40DD-AFC4-6F175D3DCCD1}">
               <a14:hiddenFill xmlns:a14="http://schemas.microsoft.com/office/drawing/2010/main">
                 <a:solidFill>
                   <a:srgbClr val="FFFFFF"/>
                 </a:solidFill>
               </a14:hiddenFill>
             </a:ext>
-            <a:ext uri="{91240B29-F687-4f45-9708-019B960494DF}">
+            <a:ext uri="{91240B29-F687-4F45-9708-019B960494DF}">
               <a14:hiddenLine xmlns:a14="http://schemas.microsoft.com/office/drawing/2010/main" w="9525">
                 <a:solidFill>
                   <a:srgbClr val="000000"/>
@@ -2718,7 +2718,7 @@
               <a:pPr>
                 <a:defRPr/>
               </a:pPr>
-              <a:t>12/06/16</a:t>
+              <a:t>13-6-2016</a:t>
             </a:fld>
             <a:endParaRPr lang="nl-NL" dirty="0"/>
           </a:p>
@@ -2855,14 +2855,14 @@
             <a:noFill/>
           </a:ln>
           <a:extLst>
-            <a:ext uri="{909E8E84-426E-40dd-AFC4-6F175D3DCCD1}">
+            <a:ext uri="{909E8E84-426E-40DD-AFC4-6F175D3DCCD1}">
               <a14:hiddenFill xmlns:a14="http://schemas.microsoft.com/office/drawing/2010/main">
                 <a:solidFill>
                   <a:srgbClr val="FFFFFF"/>
                 </a:solidFill>
               </a14:hiddenFill>
             </a:ext>
-            <a:ext uri="{91240B29-F687-4f45-9708-019B960494DF}">
+            <a:ext uri="{91240B29-F687-4F45-9708-019B960494DF}">
               <a14:hiddenLine xmlns:a14="http://schemas.microsoft.com/office/drawing/2010/main" w="9525">
                 <a:solidFill>
                   <a:srgbClr val="000000"/>
@@ -3101,7 +3101,7 @@
               <a:pPr>
                 <a:defRPr/>
               </a:pPr>
-              <a:t>12/06/16</a:t>
+              <a:t>13-6-2016</a:t>
             </a:fld>
             <a:endParaRPr lang="nl-NL">
               <a:solidFill>
@@ -3242,14 +3242,14 @@
             <a:noFill/>
           </a:ln>
           <a:extLst>
-            <a:ext uri="{909E8E84-426E-40dd-AFC4-6F175D3DCCD1}">
+            <a:ext uri="{909E8E84-426E-40DD-AFC4-6F175D3DCCD1}">
               <a14:hiddenFill xmlns:a14="http://schemas.microsoft.com/office/drawing/2010/main">
                 <a:solidFill>
                   <a:srgbClr val="FFFFFF"/>
                 </a:solidFill>
               </a14:hiddenFill>
             </a:ext>
-            <a:ext uri="{91240B29-F687-4f45-9708-019B960494DF}">
+            <a:ext uri="{91240B29-F687-4F45-9708-019B960494DF}">
               <a14:hiddenLine xmlns:a14="http://schemas.microsoft.com/office/drawing/2010/main" w="9525">
                 <a:solidFill>
                   <a:srgbClr val="000000"/>
@@ -3622,7 +3622,7 @@
               <a:pPr>
                 <a:defRPr/>
               </a:pPr>
-              <a:t>12/06/16</a:t>
+              <a:t>13-6-2016</a:t>
             </a:fld>
             <a:endParaRPr lang="nl-NL">
               <a:solidFill>
@@ -3763,14 +3763,14 @@
             <a:noFill/>
           </a:ln>
           <a:extLst>
-            <a:ext uri="{909E8E84-426E-40dd-AFC4-6F175D3DCCD1}">
+            <a:ext uri="{909E8E84-426E-40DD-AFC4-6F175D3DCCD1}">
               <a14:hiddenFill xmlns:a14="http://schemas.microsoft.com/office/drawing/2010/main">
                 <a:solidFill>
                   <a:srgbClr val="FFFFFF"/>
                 </a:solidFill>
               </a14:hiddenFill>
             </a:ext>
-            <a:ext uri="{91240B29-F687-4f45-9708-019B960494DF}">
+            <a:ext uri="{91240B29-F687-4F45-9708-019B960494DF}">
               <a14:hiddenLine xmlns:a14="http://schemas.microsoft.com/office/drawing/2010/main" w="9525">
                 <a:solidFill>
                   <a:srgbClr val="000000"/>
@@ -3839,7 +3839,7 @@
               <a:pPr>
                 <a:defRPr/>
               </a:pPr>
-              <a:t>12/06/16</a:t>
+              <a:t>13-6-2016</a:t>
             </a:fld>
             <a:endParaRPr lang="nl-NL">
               <a:solidFill>
@@ -3980,14 +3980,14 @@
             <a:noFill/>
           </a:ln>
           <a:extLst>
-            <a:ext uri="{909E8E84-426E-40dd-AFC4-6F175D3DCCD1}">
+            <a:ext uri="{909E8E84-426E-40DD-AFC4-6F175D3DCCD1}">
               <a14:hiddenFill xmlns:a14="http://schemas.microsoft.com/office/drawing/2010/main">
                 <a:solidFill>
                   <a:srgbClr val="FFFFFF"/>
                 </a:solidFill>
               </a14:hiddenFill>
             </a:ext>
-            <a:ext uri="{91240B29-F687-4f45-9708-019B960494DF}">
+            <a:ext uri="{91240B29-F687-4F45-9708-019B960494DF}">
               <a14:hiddenLine xmlns:a14="http://schemas.microsoft.com/office/drawing/2010/main" w="9525">
                 <a:solidFill>
                   <a:srgbClr val="000000"/>
@@ -4033,7 +4033,7 @@
               <a:pPr>
                 <a:defRPr/>
               </a:pPr>
-              <a:t>12/06/16</a:t>
+              <a:t>13-6-2016</a:t>
             </a:fld>
             <a:endParaRPr lang="nl-NL">
               <a:solidFill>
@@ -4174,14 +4174,14 @@
             <a:noFill/>
           </a:ln>
           <a:extLst>
-            <a:ext uri="{909E8E84-426E-40dd-AFC4-6F175D3DCCD1}">
+            <a:ext uri="{909E8E84-426E-40DD-AFC4-6F175D3DCCD1}">
               <a14:hiddenFill xmlns:a14="http://schemas.microsoft.com/office/drawing/2010/main">
                 <a:solidFill>
                   <a:srgbClr val="FFFFFF"/>
                 </a:solidFill>
               </a14:hiddenFill>
             </a:ext>
-            <a:ext uri="{91240B29-F687-4f45-9708-019B960494DF}">
+            <a:ext uri="{91240B29-F687-4F45-9708-019B960494DF}">
               <a14:hiddenLine xmlns:a14="http://schemas.microsoft.com/office/drawing/2010/main" w="9525">
                 <a:solidFill>
                   <a:srgbClr val="000000"/>
@@ -4409,7 +4409,7 @@
               <a:pPr>
                 <a:defRPr/>
               </a:pPr>
-              <a:t>12/06/16</a:t>
+              <a:t>13-6-2016</a:t>
             </a:fld>
             <a:endParaRPr lang="nl-NL">
               <a:solidFill>
@@ -4544,14 +4544,14 @@
             <a:noFill/>
           </a:ln>
           <a:extLst>
-            <a:ext uri="{909E8E84-426E-40dd-AFC4-6F175D3DCCD1}">
+            <a:ext uri="{909E8E84-426E-40DD-AFC4-6F175D3DCCD1}">
               <a14:hiddenFill xmlns:a14="http://schemas.microsoft.com/office/drawing/2010/main">
                 <a:solidFill>
                   <a:srgbClr val="FFFFFF"/>
                 </a:solidFill>
               </a14:hiddenFill>
             </a:ext>
-            <a:ext uri="{91240B29-F687-4f45-9708-019B960494DF}">
+            <a:ext uri="{91240B29-F687-4F45-9708-019B960494DF}">
               <a14:hiddenLine xmlns:a14="http://schemas.microsoft.com/office/drawing/2010/main" w="9525">
                 <a:solidFill>
                   <a:srgbClr val="000000"/>
@@ -4603,14 +4603,14 @@
             <a:noFill/>
           </a:ln>
           <a:extLst>
-            <a:ext uri="{909E8E84-426E-40dd-AFC4-6F175D3DCCD1}">
+            <a:ext uri="{909E8E84-426E-40DD-AFC4-6F175D3DCCD1}">
               <a14:hiddenFill xmlns:a14="http://schemas.microsoft.com/office/drawing/2010/main">
                 <a:solidFill>
                   <a:srgbClr val="FFFFFF"/>
                 </a:solidFill>
               </a14:hiddenFill>
             </a:ext>
-            <a:ext uri="{91240B29-F687-4f45-9708-019B960494DF}">
+            <a:ext uri="{91240B29-F687-4F45-9708-019B960494DF}">
               <a14:hiddenLine xmlns:a14="http://schemas.microsoft.com/office/drawing/2010/main" w="9525">
                 <a:solidFill>
                   <a:srgbClr val="000000"/>
@@ -4722,7 +4722,7 @@
               <a:pPr defTabSz="457200">
                 <a:defRPr/>
               </a:pPr>
-              <a:t>12/06/16</a:t>
+              <a:t>13-6-2016</a:t>
             </a:fld>
             <a:endParaRPr lang="nl-NL">
               <a:solidFill>
@@ -5339,14 +5339,14 @@
         <p:spPr bwMode="auto">
           <a:noFill/>
           <a:extLst>
-            <a:ext uri="{909E8E84-426E-40dd-AFC4-6F175D3DCCD1}">
+            <a:ext uri="{909E8E84-426E-40DD-AFC4-6F175D3DCCD1}">
               <a14:hiddenFill xmlns:a14="http://schemas.microsoft.com/office/drawing/2010/main">
                 <a:solidFill>
                   <a:srgbClr val="FFFFFF"/>
                 </a:solidFill>
               </a14:hiddenFill>
             </a:ext>
-            <a:ext uri="{91240B29-F687-4f45-9708-019B960494DF}">
+            <a:ext uri="{91240B29-F687-4F45-9708-019B960494DF}">
               <a14:hiddenLine xmlns:a14="http://schemas.microsoft.com/office/drawing/2010/main" w="9525">
                 <a:solidFill>
                   <a:srgbClr val="000000"/>
@@ -5543,14 +5543,14 @@
             <a:noFill/>
           </a:ln>
           <a:extLst>
-            <a:ext uri="{909E8E84-426E-40dd-AFC4-6F175D3DCCD1}">
+            <a:ext uri="{909E8E84-426E-40DD-AFC4-6F175D3DCCD1}">
               <a14:hiddenFill xmlns:a14="http://schemas.microsoft.com/office/drawing/2010/main">
                 <a:solidFill>
                   <a:srgbClr val="FFFFFF"/>
                 </a:solidFill>
               </a14:hiddenFill>
             </a:ext>
-            <a:ext uri="{91240B29-F687-4f45-9708-019B960494DF}">
+            <a:ext uri="{91240B29-F687-4F45-9708-019B960494DF}">
               <a14:hiddenLine xmlns:a14="http://schemas.microsoft.com/office/drawing/2010/main" w="9525">
                 <a:solidFill>
                   <a:srgbClr val="000000"/>
@@ -5896,7 +5896,7 @@
   <p:timing>
     <p:tnLst>
       <p:par>
-        <p:cTn xmlns:p14="http://schemas.microsoft.com/office/powerpoint/2010/main" id="1" dur="indefinite" restart="never" nodeType="tmRoot"/>
+        <p:cTn id="1" dur="indefinite" restart="never" nodeType="tmRoot"/>
       </p:par>
     </p:tnLst>
   </p:timing>
@@ -6012,14 +6012,14 @@
             <a:noFill/>
           </a:ln>
           <a:extLst>
-            <a:ext uri="{909E8E84-426E-40dd-AFC4-6F175D3DCCD1}">
+            <a:ext uri="{909E8E84-426E-40DD-AFC4-6F175D3DCCD1}">
               <a14:hiddenFill xmlns:a14="http://schemas.microsoft.com/office/drawing/2010/main">
                 <a:solidFill>
                   <a:srgbClr val="FFFFFF"/>
                 </a:solidFill>
               </a14:hiddenFill>
             </a:ext>
-            <a:ext uri="{91240B29-F687-4f45-9708-019B960494DF}">
+            <a:ext uri="{91240B29-F687-4F45-9708-019B960494DF}">
               <a14:hiddenLine xmlns:a14="http://schemas.microsoft.com/office/drawing/2010/main" w="9525">
                 <a:solidFill>
                   <a:srgbClr val="000000"/>
@@ -6207,7 +6207,7 @@
           </a:prstGeom>
           <a:noFill/>
           <a:extLst>
-            <a:ext uri="{909E8E84-426E-40dd-AFC4-6F175D3DCCD1}">
+            <a:ext uri="{909E8E84-426E-40DD-AFC4-6F175D3DCCD1}">
               <a14:hiddenFill xmlns:a14="http://schemas.microsoft.com/office/drawing/2010/main">
                 <a:solidFill>
                   <a:srgbClr val="FFFFFF"/>
@@ -6230,7 +6230,7 @@
   <p:timing>
     <p:tnLst>
       <p:par>
-        <p:cTn xmlns:p14="http://schemas.microsoft.com/office/powerpoint/2010/main" id="1" dur="indefinite" restart="never" nodeType="tmRoot"/>
+        <p:cTn id="1" dur="indefinite" restart="never" nodeType="tmRoot"/>
       </p:par>
     </p:tnLst>
   </p:timing>
@@ -6671,7 +6671,7 @@
   <p:timing>
     <p:tnLst>
       <p:par>
-        <p:cTn xmlns:p14="http://schemas.microsoft.com/office/powerpoint/2010/main" id="1" dur="indefinite" restart="never" nodeType="tmRoot"/>
+        <p:cTn id="1" dur="indefinite" restart="never" nodeType="tmRoot"/>
       </p:par>
     </p:tnLst>
   </p:timing>
@@ -6719,10 +6719,6 @@
               <a:rPr lang="en-GB" dirty="0" smtClean="0"/>
               <a:t>Java</a:t>
             </a:r>
-            <a:r>
-              <a:rPr lang="en-GB" dirty="0" smtClean="0"/>
-              <a:t/>
-            </a:r>
             <a:br>
               <a:rPr lang="en-GB" dirty="0" smtClean="0"/>
             </a:br>
@@ -6763,11 +6759,7 @@
           <a:p>
             <a:r>
               <a:rPr lang="nl-NL" dirty="0" smtClean="0"/>
-              <a:t>Zoeken naar ultie</a:t>
-            </a:r>
-            <a:r>
-              <a:rPr lang="nl-NL" dirty="0" smtClean="0"/>
-              <a:t>me technologie valt buiten de scope</a:t>
+              <a:t>Zoeken naar ultieme technologie valt buiten de scope</a:t>
             </a:r>
             <a:endParaRPr lang="nl-NL" dirty="0"/>
           </a:p>
@@ -6991,7 +6983,7 @@
           <p:nvPr/>
         </p:nvPicPr>
         <p:blipFill>
-          <a:blip r:embed="rId2">
+          <a:blip r:embed="rId2" cstate="print">
             <a:extLst>
               <a:ext uri="{28A0092B-C50C-407E-A947-70E740481C1C}">
                 <a14:useLocalDpi xmlns:a14="http://schemas.microsoft.com/office/drawing/2010/main" val="0"/>
@@ -7367,7 +7359,7 @@
   <p:timing>
     <p:tnLst>
       <p:par>
-        <p:cTn xmlns:p14="http://schemas.microsoft.com/office/powerpoint/2010/main" id="1" dur="indefinite" restart="never" nodeType="tmRoot"/>
+        <p:cTn id="1" dur="indefinite" restart="never" nodeType="tmRoot"/>
       </p:par>
     </p:tnLst>
   </p:timing>
@@ -7507,7 +7499,7 @@
   <p:timing>
     <p:tnLst>
       <p:par>
-        <p:cTn xmlns:p14="http://schemas.microsoft.com/office/powerpoint/2010/main" id="1" dur="indefinite" restart="never" nodeType="tmRoot"/>
+        <p:cTn id="1" dur="indefinite" restart="never" nodeType="tmRoot"/>
       </p:par>
     </p:tnLst>
   </p:timing>
@@ -7794,14 +7786,14 @@
             <a:noFill/>
           </a:ln>
           <a:extLst>
-            <a:ext uri="{909E8E84-426E-40dd-AFC4-6F175D3DCCD1}">
+            <a:ext uri="{909E8E84-426E-40DD-AFC4-6F175D3DCCD1}">
               <a14:hiddenFill xmlns:a14="http://schemas.microsoft.com/office/drawing/2010/main">
                 <a:solidFill>
                   <a:srgbClr val="FFFFFF"/>
                 </a:solidFill>
               </a14:hiddenFill>
             </a:ext>
-            <a:ext uri="{91240B29-F687-4f45-9708-019B960494DF}">
+            <a:ext uri="{91240B29-F687-4F45-9708-019B960494DF}">
               <a14:hiddenLine xmlns:a14="http://schemas.microsoft.com/office/drawing/2010/main" w="9525">
                 <a:solidFill>
                   <a:srgbClr val="000000"/>
@@ -7985,7 +7977,7 @@
   <p:timing>
     <p:tnLst>
       <p:par>
-        <p:cTn xmlns:p14="http://schemas.microsoft.com/office/powerpoint/2010/main" id="1" dur="indefinite" restart="never" nodeType="tmRoot"/>
+        <p:cTn id="1" dur="indefinite" restart="never" nodeType="tmRoot"/>
       </p:par>
     </p:tnLst>
   </p:timing>
@@ -8781,7 +8773,7 @@
   <p:timing>
     <p:tnLst>
       <p:par>
-        <p:cTn xmlns:p14="http://schemas.microsoft.com/office/powerpoint/2010/main" id="1" dur="indefinite" restart="never" nodeType="tmRoot"/>
+        <p:cTn id="1" dur="indefinite" restart="never" nodeType="tmRoot"/>
       </p:par>
     </p:tnLst>
   </p:timing>
@@ -8937,7 +8929,7 @@
   <p:timing>
     <p:tnLst>
       <p:par>
-        <p:cTn xmlns:p14="http://schemas.microsoft.com/office/powerpoint/2010/main" id="1" dur="indefinite" restart="never" nodeType="tmRoot"/>
+        <p:cTn id="1" dur="indefinite" restart="never" nodeType="tmRoot"/>
       </p:par>
     </p:tnLst>
   </p:timing>
@@ -9084,7 +9076,7 @@
           </a:prstGeom>
           <a:noFill/>
           <a:extLst>
-            <a:ext uri="{909E8E84-426E-40dd-AFC4-6F175D3DCCD1}">
+            <a:ext uri="{909E8E84-426E-40DD-AFC4-6F175D3DCCD1}">
               <a14:hiddenFill xmlns:a14="http://schemas.microsoft.com/office/drawing/2010/main">
                 <a:solidFill>
                   <a:srgbClr val="FFFFFF"/>
@@ -9107,7 +9099,7 @@
   <p:timing>
     <p:tnLst>
       <p:par>
-        <p:cTn xmlns:p14="http://schemas.microsoft.com/office/powerpoint/2010/main" id="1" dur="indefinite" restart="never" nodeType="tmRoot"/>
+        <p:cTn id="1" dur="indefinite" restart="never" nodeType="tmRoot"/>
       </p:par>
     </p:tnLst>
   </p:timing>
@@ -9236,7 +9228,7 @@
           </a:prstGeom>
           <a:noFill/>
           <a:extLst>
-            <a:ext uri="{909E8E84-426E-40dd-AFC4-6F175D3DCCD1}">
+            <a:ext uri="{909E8E84-426E-40DD-AFC4-6F175D3DCCD1}">
               <a14:hiddenFill xmlns:a14="http://schemas.microsoft.com/office/drawing/2010/main">
                 <a:solidFill>
                   <a:srgbClr val="FFFFFF"/>
@@ -9259,7 +9251,7 @@
   <p:timing>
     <p:tnLst>
       <p:par>
-        <p:cTn xmlns:p14="http://schemas.microsoft.com/office/powerpoint/2010/main" id="1" dur="indefinite" restart="never" nodeType="tmRoot"/>
+        <p:cTn id="1" dur="indefinite" restart="never" nodeType="tmRoot"/>
       </p:par>
     </p:tnLst>
   </p:timing>
@@ -9400,7 +9392,7 @@
   <p:timing>
     <p:tnLst>
       <p:par>
-        <p:cTn xmlns:p14="http://schemas.microsoft.com/office/powerpoint/2010/main" id="1" dur="indefinite" restart="never" nodeType="tmRoot"/>
+        <p:cTn id="1" dur="indefinite" restart="never" nodeType="tmRoot"/>
       </p:par>
     </p:tnLst>
   </p:timing>
@@ -9526,7 +9518,7 @@
           </a:prstGeom>
           <a:noFill/>
           <a:extLst>
-            <a:ext uri="{909E8E84-426E-40dd-AFC4-6F175D3DCCD1}">
+            <a:ext uri="{909E8E84-426E-40DD-AFC4-6F175D3DCCD1}">
               <a14:hiddenFill xmlns:a14="http://schemas.microsoft.com/office/drawing/2010/main">
                 <a:solidFill>
                   <a:srgbClr val="FFFFFF"/>
@@ -9554,7 +9546,7 @@
           </a:prstGeom>
           <a:noFill/>
           <a:extLst>
-            <a:ext uri="{909E8E84-426E-40dd-AFC4-6F175D3DCCD1}">
+            <a:ext uri="{909E8E84-426E-40DD-AFC4-6F175D3DCCD1}">
               <a14:hiddenFill xmlns:a14="http://schemas.microsoft.com/office/drawing/2010/main">
                 <a:solidFill>
                   <a:srgbClr val="FFFFFF"/>
@@ -9606,7 +9598,7 @@
           </a:prstGeom>
           <a:noFill/>
           <a:extLst>
-            <a:ext uri="{909E8E84-426E-40dd-AFC4-6F175D3DCCD1}">
+            <a:ext uri="{909E8E84-426E-40DD-AFC4-6F175D3DCCD1}">
               <a14:hiddenFill xmlns:a14="http://schemas.microsoft.com/office/drawing/2010/main">
                 <a:solidFill>
                   <a:srgbClr val="FFFFFF"/>
@@ -9629,7 +9621,7 @@
   <p:timing>
     <p:tnLst>
       <p:par>
-        <p:cTn xmlns:p14="http://schemas.microsoft.com/office/powerpoint/2010/main" id="1" dur="indefinite" restart="never" nodeType="tmRoot"/>
+        <p:cTn id="1" dur="indefinite" restart="never" nodeType="tmRoot"/>
       </p:par>
     </p:tnLst>
   </p:timing>
@@ -9784,7 +9776,7 @@
   <p:timing>
     <p:tnLst>
       <p:par>
-        <p:cTn xmlns:p14="http://schemas.microsoft.com/office/powerpoint/2010/main" id="1" dur="indefinite" restart="never" nodeType="tmRoot"/>
+        <p:cTn id="1" dur="indefinite" restart="never" nodeType="tmRoot"/>
       </p:par>
     </p:tnLst>
   </p:timing>
@@ -9933,7 +9925,7 @@
   <p:timing>
     <p:tnLst>
       <p:par>
-        <p:cTn xmlns:p14="http://schemas.microsoft.com/office/powerpoint/2010/main" id="1" dur="indefinite" restart="never" nodeType="tmRoot"/>
+        <p:cTn id="1" dur="indefinite" restart="never" nodeType="tmRoot"/>
       </p:par>
     </p:tnLst>
   </p:timing>
@@ -10009,17 +10001,16 @@
           <a:p>
             <a:pPr lvl="0"/>
             <a:r>
+              <a:rPr lang="en-US" dirty="0" err="1" smtClean="0"/>
+              <a:t>Communicatie</a:t>
+            </a:r>
+            <a:endParaRPr lang="en-US" dirty="0" smtClean="0"/>
+          </a:p>
+          <a:p>
+            <a:r>
               <a:rPr lang="nl-BE" dirty="0" smtClean="0"/>
               <a:t>Planning</a:t>
             </a:r>
-            <a:endParaRPr lang="nl-BE" dirty="0"/>
-          </a:p>
-          <a:p>
-            <a:pPr lvl="0"/>
-            <a:r>
-              <a:rPr lang="en-US" dirty="0" err="1" smtClean="0"/>
-              <a:t>Communicatie</a:t>
-            </a:r>
             <a:endParaRPr lang="en-US" dirty="0" smtClean="0"/>
           </a:p>
           <a:p>
@@ -10034,15 +10025,14 @@
             <a:pPr lvl="0"/>
             <a:r>
               <a:rPr lang="en-US" dirty="0" err="1" smtClean="0"/>
+              <a:t>Ontwikkeling</a:t>
+            </a:r>
+            <a:endParaRPr lang="en-US" dirty="0" smtClean="0"/>
+          </a:p>
+          <a:p>
+            <a:r>
+              <a:rPr lang="en-US" dirty="0" err="1" smtClean="0"/>
               <a:t>Documentatie</a:t>
-            </a:r>
-            <a:endParaRPr lang="nl-BE" dirty="0"/>
-          </a:p>
-          <a:p>
-            <a:pPr lvl="0"/>
-            <a:r>
-              <a:rPr lang="en-US" dirty="0" err="1" smtClean="0"/>
-              <a:t>Ontwikkeling</a:t>
             </a:r>
             <a:endParaRPr lang="en-US" dirty="0" smtClean="0"/>
           </a:p>
@@ -10069,7 +10059,7 @@
   <p:timing>
     <p:tnLst>
       <p:par>
-        <p:cTn xmlns:p14="http://schemas.microsoft.com/office/powerpoint/2010/main" id="1" dur="indefinite" restart="never" nodeType="tmRoot"/>
+        <p:cTn id="1" dur="indefinite" restart="never" nodeType="tmRoot"/>
       </p:par>
     </p:tnLst>
   </p:timing>
@@ -10200,7 +10190,7 @@
   <p:timing>
     <p:tnLst>
       <p:par>
-        <p:cTn xmlns:p14="http://schemas.microsoft.com/office/powerpoint/2010/main" id="1" dur="indefinite" restart="never" nodeType="tmRoot"/>
+        <p:cTn id="1" dur="indefinite" restart="never" nodeType="tmRoot"/>
       </p:par>
     </p:tnLst>
   </p:timing>
@@ -10371,8 +10361,9 @@
             <a:pPr lvl="0"/>
             <a:r>
               <a:rPr lang="nl-BE" dirty="0" smtClean="0"/>
-              <a:t>Veilig</a:t>
-            </a:r>
+              <a:t>Beveiligd</a:t>
+            </a:r>
+            <a:endParaRPr lang="nl-BE" dirty="0" smtClean="0"/>
           </a:p>
           <a:p>
             <a:r>
@@ -10416,7 +10407,7 @@
   <p:timing>
     <p:tnLst>
       <p:par>
-        <p:cTn xmlns:p14="http://schemas.microsoft.com/office/powerpoint/2010/main" id="1" dur="indefinite" restart="never" nodeType="tmRoot"/>
+        <p:cTn id="1" dur="indefinite" restart="never" nodeType="tmRoot"/>
       </p:par>
     </p:tnLst>
   </p:timing>
@@ -10546,7 +10537,7 @@
   <p:timing>
     <p:tnLst>
       <p:par>
-        <p:cTn xmlns:p14="http://schemas.microsoft.com/office/powerpoint/2010/main" id="1" dur="indefinite" restart="never" nodeType="tmRoot"/>
+        <p:cTn id="1" dur="indefinite" restart="never" nodeType="tmRoot"/>
       </p:par>
     </p:tnLst>
   </p:timing>
@@ -10653,7 +10644,7 @@
           </a:prstGeom>
           <a:noFill/>
           <a:extLst>
-            <a:ext uri="{909E8E84-426E-40dd-AFC4-6F175D3DCCD1}">
+            <a:ext uri="{909E8E84-426E-40DD-AFC4-6F175D3DCCD1}">
               <a14:hiddenFill xmlns:a14="http://schemas.microsoft.com/office/drawing/2010/main">
                 <a:solidFill>
                   <a:srgbClr val="FFFFFF"/>
@@ -10694,7 +10685,7 @@
           </a:prstGeom>
           <a:noFill/>
           <a:extLst>
-            <a:ext uri="{909E8E84-426E-40dd-AFC4-6F175D3DCCD1}">
+            <a:ext uri="{909E8E84-426E-40DD-AFC4-6F175D3DCCD1}">
               <a14:hiddenFill xmlns:a14="http://schemas.microsoft.com/office/drawing/2010/main">
                 <a:solidFill>
                   <a:srgbClr val="FFFFFF"/>
@@ -10735,7 +10726,7 @@
           </a:prstGeom>
           <a:noFill/>
           <a:extLst>
-            <a:ext uri="{909E8E84-426E-40dd-AFC4-6F175D3DCCD1}">
+            <a:ext uri="{909E8E84-426E-40DD-AFC4-6F175D3DCCD1}">
               <a14:hiddenFill xmlns:a14="http://schemas.microsoft.com/office/drawing/2010/main">
                 <a:solidFill>
                   <a:srgbClr val="FFFFFF"/>
@@ -10776,7 +10767,7 @@
           </a:prstGeom>
           <a:noFill/>
           <a:extLst>
-            <a:ext uri="{909E8E84-426E-40dd-AFC4-6F175D3DCCD1}">
+            <a:ext uri="{909E8E84-426E-40DD-AFC4-6F175D3DCCD1}">
               <a14:hiddenFill xmlns:a14="http://schemas.microsoft.com/office/drawing/2010/main">
                 <a:solidFill>
                   <a:srgbClr val="FFFFFF"/>
@@ -10819,7 +10810,7 @@
           </a:prstGeom>
           <a:noFill/>
           <a:extLst>
-            <a:ext uri="{909E8E84-426E-40dd-AFC4-6F175D3DCCD1}">
+            <a:ext uri="{909E8E84-426E-40DD-AFC4-6F175D3DCCD1}">
               <a14:hiddenFill xmlns:a14="http://schemas.microsoft.com/office/drawing/2010/main">
                 <a:solidFill>
                   <a:srgbClr val="FFFFFF"/>
@@ -10860,7 +10851,7 @@
           </a:prstGeom>
           <a:noFill/>
           <a:extLst>
-            <a:ext uri="{909E8E84-426E-40dd-AFC4-6F175D3DCCD1}">
+            <a:ext uri="{909E8E84-426E-40DD-AFC4-6F175D3DCCD1}">
               <a14:hiddenFill xmlns:a14="http://schemas.microsoft.com/office/drawing/2010/main">
                 <a:solidFill>
                   <a:srgbClr val="FFFFFF"/>
@@ -10937,7 +10928,7 @@
           </a:prstGeom>
           <a:noFill/>
           <a:extLst>
-            <a:ext uri="{909E8E84-426E-40dd-AFC4-6F175D3DCCD1}">
+            <a:ext uri="{909E8E84-426E-40DD-AFC4-6F175D3DCCD1}">
               <a14:hiddenFill xmlns:a14="http://schemas.microsoft.com/office/drawing/2010/main">
                 <a:solidFill>
                   <a:srgbClr val="FFFFFF"/>
@@ -11079,7 +11070,7 @@
           </a:prstGeom>
           <a:noFill/>
           <a:extLst>
-            <a:ext uri="{909E8E84-426E-40dd-AFC4-6F175D3DCCD1}">
+            <a:ext uri="{909E8E84-426E-40DD-AFC4-6F175D3DCCD1}">
               <a14:hiddenFill xmlns:a14="http://schemas.microsoft.com/office/drawing/2010/main">
                 <a:solidFill>
                   <a:srgbClr val="FFFFFF"/>
@@ -11380,7 +11371,7 @@
   <p:timing>
     <p:tnLst>
       <p:par>
-        <p:cTn xmlns:p14="http://schemas.microsoft.com/office/powerpoint/2010/main" id="1" dur="indefinite" restart="never" nodeType="tmRoot"/>
+        <p:cTn id="1" dur="indefinite" restart="never" nodeType="tmRoot"/>
       </p:par>
     </p:tnLst>
   </p:timing>
@@ -11960,7 +11951,7 @@
   <a:extraClrSchemeLst/>
   <a:extLst>
     <a:ext uri="{05A4C25C-085E-4340-85A3-A5531E510DB2}">
-      <thm15:themeFamily xmlns:thm15="http://schemas.microsoft.com/office/thememl/2012/main" xmlns="" name="Office Theme" id="{62F939B6-93AF-4DB8-9C6B-D6C7DFDC589F}" vid="{4A3C46E8-61CC-4603-A589-7422A47A8E4A}"/>
+      <thm15:themeFamily xmlns="" xmlns:thm15="http://schemas.microsoft.com/office/thememl/2012/main" name="Office Theme" id="{62F939B6-93AF-4DB8-9C6B-D6C7DFDC589F}" vid="{4A3C46E8-61CC-4603-A589-7422A47A8E4A}"/>
     </a:ext>
   </a:extLst>
 </a:theme>

--- a/italent/documents/Presentatie/Presentatie.pptx
+++ b/italent/documents/Presentatie/Presentatie.pptx
@@ -139,7 +139,7 @@
   </p:defaultTextStyle>
   <p:extLst>
     <p:ext uri="{EFAFB233-063F-42B5-8137-9DF3F51BA10A}">
-      <p15:sldGuideLst xmlns="" xmlns:p15="http://schemas.microsoft.com/office/powerpoint/2012/main">
+      <p15:sldGuideLst xmlns:p15="http://schemas.microsoft.com/office/powerpoint/2012/main">
         <p15:guide id="1" orient="horz" pos="2160">
           <p15:clr>
             <a:srgbClr val="A4A3A4"/>
@@ -153,7 +153,7 @@
       </p15:sldGuideLst>
     </p:ext>
     <p:ext uri="{2D200454-40CA-4A62-9FC3-DE9A4176ACB9}">
-      <p15:notesGuideLst xmlns="" xmlns:p15="http://schemas.microsoft.com/office/powerpoint/2012/main"/>
+      <p15:notesGuideLst xmlns:p15="http://schemas.microsoft.com/office/powerpoint/2012/main"/>
     </p:ext>
   </p:extLst>
 </p:presentation>
@@ -6319,15 +6319,17 @@
             <a:pPr lvl="1"/>
             <a:r>
               <a:rPr lang="nl-BE" dirty="0" smtClean="0"/>
-              <a:t>Communicatie</a:t>
-            </a:r>
+              <a:t>Communicatie (6)</a:t>
+            </a:r>
+            <a:endParaRPr lang="nl-BE" dirty="0" smtClean="0"/>
           </a:p>
           <a:p>
             <a:pPr lvl="1"/>
             <a:r>
-              <a:rPr lang="nl-BE" dirty="0" smtClean="0"/>
-              <a:t>Planning</a:t>
-            </a:r>
+              <a:rPr lang="nl-BE" smtClean="0"/>
+              <a:t>Planning (2)</a:t>
+            </a:r>
+            <a:endParaRPr lang="nl-BE" dirty="0" smtClean="0"/>
           </a:p>
           <a:p>
             <a:endParaRPr lang="nl-BE" dirty="0" smtClean="0"/>
@@ -10363,7 +10365,6 @@
               <a:rPr lang="nl-BE" dirty="0" smtClean="0"/>
               <a:t>Beveiligd</a:t>
             </a:r>
-            <a:endParaRPr lang="nl-BE" dirty="0" smtClean="0"/>
           </a:p>
           <a:p>
             <a:r>
@@ -11174,8 +11175,74 @@
           <a:p>
             <a:r>
               <a:rPr lang="en-US" dirty="0" smtClean="0"/>
-              <a:t>Eclipse + RTC plugin</a:t>
-            </a:r>
+              <a:t>Eclipse </a:t>
+            </a:r>
+            <a:r>
+              <a:rPr lang="en-US" dirty="0" smtClean="0"/>
+              <a:t>+ RTC </a:t>
+            </a:r>
+            <a:r>
+              <a:rPr lang="en-US" dirty="0" smtClean="0"/>
+              <a:t>plugin</a:t>
+            </a:r>
+          </a:p>
+          <a:p>
+            <a:pPr lvl="1"/>
+            <a:r>
+              <a:rPr lang="en-US" dirty="0" err="1" smtClean="0"/>
+              <a:t>Binnenkomende</a:t>
+            </a:r>
+            <a:r>
+              <a:rPr lang="en-US" dirty="0" smtClean="0"/>
+              <a:t>/</a:t>
+            </a:r>
+            <a:r>
+              <a:rPr lang="en-US" dirty="0" err="1" smtClean="0"/>
+              <a:t>uitgaande</a:t>
+            </a:r>
+            <a:r>
+              <a:rPr lang="en-US" dirty="0" smtClean="0"/>
+              <a:t> </a:t>
+            </a:r>
+            <a:r>
+              <a:rPr lang="en-US" dirty="0" err="1" smtClean="0"/>
+              <a:t>veranderingen</a:t>
+            </a:r>
+            <a:endParaRPr lang="en-US" dirty="0" smtClean="0"/>
+          </a:p>
+          <a:p>
+            <a:pPr lvl="1"/>
+            <a:r>
+              <a:rPr lang="en-US" dirty="0" err="1" smtClean="0"/>
+              <a:t>Conflicten</a:t>
+            </a:r>
+            <a:endParaRPr lang="en-US" dirty="0" smtClean="0"/>
+          </a:p>
+          <a:p>
+            <a:pPr lvl="1"/>
+            <a:r>
+              <a:rPr lang="en-US" dirty="0" smtClean="0"/>
+              <a:t>File locks</a:t>
+            </a:r>
+          </a:p>
+          <a:p>
+            <a:pPr lvl="1"/>
+            <a:endParaRPr lang="en-US" dirty="0"/>
+          </a:p>
+          <a:p>
+            <a:pPr lvl="1"/>
+            <a:r>
+              <a:rPr lang="en-US" dirty="0" err="1" smtClean="0"/>
+              <a:t>Gedecentraliseerd</a:t>
+            </a:r>
+            <a:endParaRPr lang="en-US" dirty="0" smtClean="0"/>
+          </a:p>
+          <a:p>
+            <a:pPr lvl="1"/>
+            <a:endParaRPr lang="en-US" dirty="0" smtClean="0"/>
+          </a:p>
+          <a:p>
+            <a:pPr lvl="1"/>
             <a:endParaRPr lang="nl-BE" dirty="0"/>
           </a:p>
         </p:txBody>
@@ -11225,7 +11292,7 @@
         </p:blipFill>
         <p:spPr>
           <a:xfrm>
-            <a:off x="4473066" y="2642694"/>
+            <a:off x="4660094" y="2753780"/>
             <a:ext cx="7362375" cy="3664581"/>
           </a:xfrm>
           <a:prstGeom prst="rect">
@@ -11233,6 +11300,94 @@
           </a:prstGeom>
         </p:spPr>
       </p:pic>
+      <p:sp>
+        <p:nvSpPr>
+          <p:cNvPr id="5" name="Rectangle 4"/>
+          <p:cNvSpPr/>
+          <p:nvPr/>
+        </p:nvSpPr>
+        <p:spPr>
+          <a:xfrm>
+            <a:off x="4632385" y="4452362"/>
+            <a:ext cx="4597879" cy="267419"/>
+          </a:xfrm>
+          <a:prstGeom prst="rect">
+            <a:avLst/>
+          </a:prstGeom>
+          <a:noFill/>
+          <a:ln w="25400">
+            <a:solidFill>
+              <a:srgbClr val="FF0000"/>
+            </a:solidFill>
+          </a:ln>
+        </p:spPr>
+        <p:style>
+          <a:lnRef idx="1">
+            <a:schemeClr val="accent1"/>
+          </a:lnRef>
+          <a:fillRef idx="3">
+            <a:schemeClr val="accent1"/>
+          </a:fillRef>
+          <a:effectRef idx="2">
+            <a:schemeClr val="accent1"/>
+          </a:effectRef>
+          <a:fontRef idx="minor">
+            <a:schemeClr val="lt1"/>
+          </a:fontRef>
+        </p:style>
+        <p:txBody>
+          <a:bodyPr rtlCol="0" anchor="ctr"/>
+          <a:lstStyle/>
+          <a:p>
+            <a:pPr algn="ctr"/>
+            <a:endParaRPr lang="nl-BE"/>
+          </a:p>
+        </p:txBody>
+      </p:sp>
+      <p:sp>
+        <p:nvSpPr>
+          <p:cNvPr id="9" name="Rectangle 8"/>
+          <p:cNvSpPr/>
+          <p:nvPr/>
+        </p:nvSpPr>
+        <p:spPr>
+          <a:xfrm>
+            <a:off x="4660094" y="5393690"/>
+            <a:ext cx="4597879" cy="267419"/>
+          </a:xfrm>
+          <a:prstGeom prst="rect">
+            <a:avLst/>
+          </a:prstGeom>
+          <a:noFill/>
+          <a:ln w="25400">
+            <a:solidFill>
+              <a:srgbClr val="FF0000"/>
+            </a:solidFill>
+          </a:ln>
+        </p:spPr>
+        <p:style>
+          <a:lnRef idx="1">
+            <a:schemeClr val="accent1"/>
+          </a:lnRef>
+          <a:fillRef idx="3">
+            <a:schemeClr val="accent1"/>
+          </a:fillRef>
+          <a:effectRef idx="2">
+            <a:schemeClr val="accent1"/>
+          </a:effectRef>
+          <a:fontRef idx="minor">
+            <a:schemeClr val="lt1"/>
+          </a:fontRef>
+        </p:style>
+        <p:txBody>
+          <a:bodyPr rtlCol="0" anchor="ctr"/>
+          <a:lstStyle/>
+          <a:p>
+            <a:pPr algn="ctr"/>
+            <a:endParaRPr lang="nl-BE"/>
+          </a:p>
+        </p:txBody>
+      </p:sp>
     </p:spTree>
     <p:extLst>
       <p:ext uri="{BB962C8B-B14F-4D97-AF65-F5344CB8AC3E}">
@@ -11301,7 +11456,43 @@
           <a:bodyPr/>
           <a:lstStyle/>
           <a:p>
-            <a:endParaRPr lang="nl-BE" dirty="0"/>
+            <a:r>
+              <a:rPr lang="en-US" dirty="0" err="1" smtClean="0"/>
+              <a:t>Overzicht</a:t>
+            </a:r>
+            <a:endParaRPr lang="en-US" dirty="0"/>
+          </a:p>
+          <a:p>
+            <a:pPr lvl="1"/>
+            <a:r>
+              <a:rPr lang="en-US" dirty="0" smtClean="0"/>
+              <a:t>Build status</a:t>
+            </a:r>
+          </a:p>
+          <a:p>
+            <a:pPr lvl="1"/>
+            <a:r>
+              <a:rPr lang="en-US" dirty="0" smtClean="0"/>
+              <a:t>Snapshot </a:t>
+            </a:r>
+          </a:p>
+          <a:p>
+            <a:pPr lvl="1"/>
+            <a:r>
+              <a:rPr lang="en-US" dirty="0" smtClean="0"/>
+              <a:t>Build progress</a:t>
+            </a:r>
+          </a:p>
+          <a:p>
+            <a:pPr lvl="1"/>
+            <a:endParaRPr lang="en-US" dirty="0"/>
+          </a:p>
+          <a:p>
+            <a:pPr lvl="1"/>
+            <a:r>
+              <a:rPr lang="en-US" dirty="0" smtClean="0"/>
+              <a:t>Logs, items in build,…</a:t>
+            </a:r>
           </a:p>
         </p:txBody>
       </p:sp>
@@ -11350,7 +11541,7 @@
         </p:blipFill>
         <p:spPr>
           <a:xfrm>
-            <a:off x="3367896" y="1542826"/>
+            <a:off x="6351241" y="1542826"/>
             <a:ext cx="5016985" cy="4640711"/>
           </a:xfrm>
           <a:prstGeom prst="rect">
@@ -11358,6 +11549,138 @@
           </a:prstGeom>
         </p:spPr>
       </p:pic>
+      <p:sp>
+        <p:nvSpPr>
+          <p:cNvPr id="6" name="Rectangle 5"/>
+          <p:cNvSpPr/>
+          <p:nvPr/>
+        </p:nvSpPr>
+        <p:spPr>
+          <a:xfrm>
+            <a:off x="6483927" y="2576600"/>
+            <a:ext cx="4209952" cy="609945"/>
+          </a:xfrm>
+          <a:prstGeom prst="rect">
+            <a:avLst/>
+          </a:prstGeom>
+          <a:noFill/>
+          <a:ln w="25400">
+            <a:solidFill>
+              <a:srgbClr val="FF0000"/>
+            </a:solidFill>
+          </a:ln>
+        </p:spPr>
+        <p:style>
+          <a:lnRef idx="1">
+            <a:schemeClr val="accent1"/>
+          </a:lnRef>
+          <a:fillRef idx="3">
+            <a:schemeClr val="accent1"/>
+          </a:fillRef>
+          <a:effectRef idx="2">
+            <a:schemeClr val="accent1"/>
+          </a:effectRef>
+          <a:fontRef idx="minor">
+            <a:schemeClr val="lt1"/>
+          </a:fontRef>
+        </p:style>
+        <p:txBody>
+          <a:bodyPr rtlCol="0" anchor="ctr"/>
+          <a:lstStyle/>
+          <a:p>
+            <a:pPr algn="ctr"/>
+            <a:endParaRPr lang="nl-BE"/>
+          </a:p>
+        </p:txBody>
+      </p:sp>
+      <p:sp>
+        <p:nvSpPr>
+          <p:cNvPr id="7" name="Rectangle 6"/>
+          <p:cNvSpPr/>
+          <p:nvPr/>
+        </p:nvSpPr>
+        <p:spPr>
+          <a:xfrm>
+            <a:off x="6483927" y="4064000"/>
+            <a:ext cx="4209952" cy="184729"/>
+          </a:xfrm>
+          <a:prstGeom prst="rect">
+            <a:avLst/>
+          </a:prstGeom>
+          <a:noFill/>
+          <a:ln w="25400">
+            <a:solidFill>
+              <a:srgbClr val="FF0000"/>
+            </a:solidFill>
+          </a:ln>
+        </p:spPr>
+        <p:style>
+          <a:lnRef idx="1">
+            <a:schemeClr val="accent1"/>
+          </a:lnRef>
+          <a:fillRef idx="3">
+            <a:schemeClr val="accent1"/>
+          </a:fillRef>
+          <a:effectRef idx="2">
+            <a:schemeClr val="accent1"/>
+          </a:effectRef>
+          <a:fontRef idx="minor">
+            <a:schemeClr val="lt1"/>
+          </a:fontRef>
+        </p:style>
+        <p:txBody>
+          <a:bodyPr rtlCol="0" anchor="ctr"/>
+          <a:lstStyle/>
+          <a:p>
+            <a:pPr algn="ctr"/>
+            <a:endParaRPr lang="nl-BE"/>
+          </a:p>
+        </p:txBody>
+      </p:sp>
+      <p:sp>
+        <p:nvSpPr>
+          <p:cNvPr id="8" name="Rectangle 7"/>
+          <p:cNvSpPr/>
+          <p:nvPr/>
+        </p:nvSpPr>
+        <p:spPr>
+          <a:xfrm>
+            <a:off x="6462073" y="5440219"/>
+            <a:ext cx="4231806" cy="868506"/>
+          </a:xfrm>
+          <a:prstGeom prst="rect">
+            <a:avLst/>
+          </a:prstGeom>
+          <a:noFill/>
+          <a:ln w="25400">
+            <a:solidFill>
+              <a:srgbClr val="FF0000"/>
+            </a:solidFill>
+          </a:ln>
+        </p:spPr>
+        <p:style>
+          <a:lnRef idx="1">
+            <a:schemeClr val="accent1"/>
+          </a:lnRef>
+          <a:fillRef idx="3">
+            <a:schemeClr val="accent1"/>
+          </a:fillRef>
+          <a:effectRef idx="2">
+            <a:schemeClr val="accent1"/>
+          </a:effectRef>
+          <a:fontRef idx="minor">
+            <a:schemeClr val="lt1"/>
+          </a:fontRef>
+        </p:style>
+        <p:txBody>
+          <a:bodyPr rtlCol="0" anchor="ctr"/>
+          <a:lstStyle/>
+          <a:p>
+            <a:pPr algn="ctr"/>
+            <a:endParaRPr lang="nl-BE"/>
+          </a:p>
+        </p:txBody>
+      </p:sp>
     </p:spTree>
     <p:extLst>
       <p:ext uri="{BB962C8B-B14F-4D97-AF65-F5344CB8AC3E}">
@@ -11951,7 +12274,7 @@
   <a:extraClrSchemeLst/>
   <a:extLst>
     <a:ext uri="{05A4C25C-085E-4340-85A3-A5531E510DB2}">
-      <thm15:themeFamily xmlns="" xmlns:thm15="http://schemas.microsoft.com/office/thememl/2012/main" name="Office Theme" id="{62F939B6-93AF-4DB8-9C6B-D6C7DFDC589F}" vid="{4A3C46E8-61CC-4603-A589-7422A47A8E4A}"/>
+      <thm15:themeFamily xmlns:thm15="http://schemas.microsoft.com/office/thememl/2012/main" name="Office Theme" id="{62F939B6-93AF-4DB8-9C6B-D6C7DFDC589F}" vid="{4A3C46E8-61CC-4603-A589-7422A47A8E4A}"/>
     </a:ext>
   </a:extLst>
 </a:theme>

--- a/italent/documents/Presentatie/Presentatie.pptx
+++ b/italent/documents/Presentatie/Presentatie.pptx
@@ -5,7 +5,7 @@
     <p:sldMasterId id="2147483660" r:id="rId1"/>
   </p:sldMasterIdLst>
   <p:notesMasterIdLst>
-    <p:notesMasterId r:id="rId33"/>
+    <p:notesMasterId r:id="rId26"/>
   </p:notesMasterIdLst>
   <p:sldIdLst>
     <p:sldId id="258" r:id="rId2"/>
@@ -30,15 +30,8 @@
     <p:sldId id="283" r:id="rId21"/>
     <p:sldId id="281" r:id="rId22"/>
     <p:sldId id="289" r:id="rId23"/>
-    <p:sldId id="268" r:id="rId24"/>
-    <p:sldId id="264" r:id="rId25"/>
-    <p:sldId id="267" r:id="rId26"/>
-    <p:sldId id="265" r:id="rId27"/>
-    <p:sldId id="266" r:id="rId28"/>
-    <p:sldId id="269" r:id="rId29"/>
-    <p:sldId id="270" r:id="rId30"/>
-    <p:sldId id="271" r:id="rId31"/>
-    <p:sldId id="272" r:id="rId32"/>
+    <p:sldId id="298" r:id="rId24"/>
+    <p:sldId id="272" r:id="rId25"/>
   </p:sldIdLst>
   <p:sldSz cx="12192000" cy="6858000"/>
   <p:notesSz cx="6858000" cy="9144000"/>
@@ -6321,15 +6314,6 @@
               <a:rPr lang="nl-BE" dirty="0" smtClean="0"/>
               <a:t>Communicatie (6)</a:t>
             </a:r>
-            <a:endParaRPr lang="nl-BE" dirty="0" smtClean="0"/>
-          </a:p>
-          <a:p>
-            <a:pPr lvl="1"/>
-            <a:r>
-              <a:rPr lang="nl-BE" smtClean="0"/>
-              <a:t>Planning (2)</a:t>
-            </a:r>
-            <a:endParaRPr lang="nl-BE" dirty="0" smtClean="0"/>
           </a:p>
           <a:p>
             <a:endParaRPr lang="nl-BE" dirty="0" smtClean="0"/>
@@ -6408,6 +6392,13 @@
   <p:clrMapOvr>
     <a:masterClrMapping/>
   </p:clrMapOvr>
+  <p:timing>
+    <p:tnLst>
+      <p:par>
+        <p:cTn id="1" dur="indefinite" restart="never" nodeType="tmRoot"/>
+      </p:par>
+    </p:tnLst>
+  </p:timing>
 </p:sld>
 </file>
 
@@ -6537,6 +6528,13 @@
   <p:clrMapOvr>
     <a:masterClrMapping/>
   </p:clrMapOvr>
+  <p:timing>
+    <p:tnLst>
+      <p:par>
+        <p:cTn id="1" dur="indefinite" restart="never" nodeType="tmRoot"/>
+      </p:par>
+    </p:tnLst>
+  </p:timing>
 </p:sld>
 </file>
 
@@ -6574,7 +6572,11 @@
           <a:p>
             <a:r>
               <a:rPr lang="nl-BE" dirty="0" smtClean="0"/>
-              <a:t>Back-end choices</a:t>
+              <a:t>Backend </a:t>
+            </a:r>
+            <a:r>
+              <a:rPr lang="nl-BE" dirty="0" smtClean="0"/>
+              <a:t>choices</a:t>
             </a:r>
             <a:endParaRPr lang="nl-BE" dirty="0"/>
           </a:p>
@@ -6750,11 +6752,15 @@
           <a:p>
             <a:r>
               <a:rPr lang="nl-NL" dirty="0" smtClean="0"/>
-              <a:t>Allen Java-</a:t>
-            </a:r>
-            <a:r>
-              <a:rPr lang="nl-NL" dirty="0" err="1" smtClean="0"/>
-              <a:t>developers</a:t>
+              <a:t>Allemaal Jav</a:t>
+            </a:r>
+            <a:r>
+              <a:rPr lang="nl-NL" dirty="0" smtClean="0"/>
+              <a:t>a </a:t>
+            </a:r>
+            <a:r>
+              <a:rPr lang="nl-NL" dirty="0" smtClean="0"/>
+              <a:t>ontwikkelaars</a:t>
             </a:r>
             <a:endParaRPr lang="nl-NL" dirty="0" smtClean="0"/>
           </a:p>
@@ -6836,6 +6842,13 @@
   <p:clrMapOvr>
     <a:masterClrMapping/>
   </p:clrMapOvr>
+  <p:timing>
+    <p:tnLst>
+      <p:par>
+        <p:cTn id="1" dur="indefinite" restart="never" nodeType="tmRoot"/>
+      </p:par>
+    </p:tnLst>
+  </p:timing>
 </p:sld>
 </file>
 
@@ -6904,7 +6917,17 @@
           <a:p>
             <a:r>
               <a:rPr lang="nl-NL" dirty="0" smtClean="0"/>
-              <a:t>40% van gebruikte Java-</a:t>
+              <a:t>Opensource / Apache License</a:t>
+            </a:r>
+          </a:p>
+          <a:p>
+            <a:r>
+              <a:rPr lang="nl-NL" dirty="0" smtClean="0"/>
+              <a:t>40</a:t>
+            </a:r>
+            <a:r>
+              <a:rPr lang="nl-NL" dirty="0" smtClean="0"/>
+              <a:t>% van gebruikte Java-</a:t>
             </a:r>
             <a:r>
               <a:rPr lang="nl-NL" dirty="0" err="1" smtClean="0"/>
@@ -6940,7 +6963,7 @@
               <a:t>, </a:t>
             </a:r>
             <a:r>
-              <a:rPr lang="is-IS" smtClean="0"/>
+              <a:rPr lang="is-IS" dirty="0" smtClean="0"/>
               <a:t>…</a:t>
             </a:r>
             <a:endParaRPr lang="nl-NL" dirty="0"/>
@@ -7016,6 +7039,13 @@
   <p:clrMapOvr>
     <a:masterClrMapping/>
   </p:clrMapOvr>
+  <p:timing>
+    <p:tnLst>
+      <p:par>
+        <p:cTn id="1" dur="indefinite" restart="never" nodeType="tmRoot"/>
+      </p:par>
+    </p:tnLst>
+  </p:timing>
 </p:sld>
 </file>
 
@@ -7183,6 +7213,13 @@
   <p:clrMapOvr>
     <a:masterClrMapping/>
   </p:clrMapOvr>
+  <p:timing>
+    <p:tnLst>
+      <p:par>
+        <p:cTn id="1" dur="indefinite" restart="never" nodeType="tmRoot"/>
+      </p:par>
+    </p:tnLst>
+  </p:timing>
 </p:sld>
 </file>
 
@@ -7401,8 +7438,16 @@
           <a:lstStyle/>
           <a:p>
             <a:r>
+              <a:rPr lang="nl-BE" dirty="0" err="1" smtClean="0"/>
+              <a:t>Frontend</a:t>
+            </a:r>
+            <a:r>
               <a:rPr lang="nl-BE" dirty="0" smtClean="0"/>
-              <a:t>Front-end tools</a:t>
+              <a:t> </a:t>
+            </a:r>
+            <a:r>
+              <a:rPr lang="nl-BE" dirty="0" smtClean="0"/>
+              <a:t>tools</a:t>
             </a:r>
             <a:endParaRPr lang="nl-BE" dirty="0"/>
           </a:p>
@@ -7438,16 +7483,15 @@
           <a:p>
             <a:pPr lvl="0"/>
             <a:r>
-              <a:rPr lang="en-US" dirty="0" err="1" smtClean="0"/>
+              <a:rPr lang="en-US" dirty="0" smtClean="0"/>
+              <a:t>Bootstrap</a:t>
+            </a:r>
+          </a:p>
+          <a:p>
+            <a:pPr lvl="0"/>
+            <a:r>
+              <a:rPr lang="en-US" dirty="0" err="1"/>
               <a:t>AngularJs</a:t>
-            </a:r>
-            <a:endParaRPr lang="en-US" dirty="0"/>
-          </a:p>
-          <a:p>
-            <a:pPr lvl="0"/>
-            <a:r>
-              <a:rPr lang="en-US" dirty="0" smtClean="0"/>
-              <a:t>Twitter Bootstrap</a:t>
             </a:r>
             <a:endParaRPr lang="en-US" dirty="0"/>
           </a:p>
@@ -7749,6 +7793,13 @@
   <p:clrMapOvr>
     <a:masterClrMapping/>
   </p:clrMapOvr>
+  <p:timing>
+    <p:tnLst>
+      <p:par>
+        <p:cTn id="1" dur="indefinite" restart="never" nodeType="tmRoot"/>
+      </p:par>
+    </p:tnLst>
+  </p:timing>
 </p:sld>
 </file>
 
@@ -8020,7 +8071,7 @@
           <a:p>
             <a:r>
               <a:rPr lang="en-GB" dirty="0" smtClean="0"/>
-              <a:t>Twitter Bootstrap</a:t>
+              <a:t>Bootstrap</a:t>
             </a:r>
             <a:endParaRPr lang="nl-NL" dirty="0"/>
           </a:p>
@@ -8259,6 +8310,13 @@
   <p:clrMapOvr>
     <a:masterClrMapping/>
   </p:clrMapOvr>
+  <p:timing>
+    <p:tnLst>
+      <p:par>
+        <p:cTn id="1" dur="indefinite" restart="never" nodeType="tmRoot"/>
+      </p:par>
+    </p:tnLst>
+  </p:timing>
 </p:sld>
 </file>
 
@@ -8295,8 +8353,8 @@
           <a:lstStyle/>
           <a:p>
             <a:r>
-              <a:rPr lang="en-GB" dirty="0" err="1" smtClean="0"/>
-              <a:t>AngularJs</a:t>
+              <a:rPr lang="en-GB" dirty="0" smtClean="0"/>
+              <a:t>AngularJS</a:t>
             </a:r>
             <a:endParaRPr lang="nl-NL" dirty="0"/>
           </a:p>
@@ -8489,24 +8547,16 @@
               <a:t> directives </a:t>
             </a:r>
             <a:r>
-              <a:rPr lang="en-GB" dirty="0" err="1" smtClean="0"/>
-              <a:t>b.v</a:t>
-            </a:r>
-            <a:r>
               <a:rPr lang="en-GB" dirty="0" smtClean="0"/>
-              <a:t>. </a:t>
-            </a:r>
-            <a:r>
-              <a:rPr lang="en-GB" dirty="0" err="1" smtClean="0"/>
-              <a:t>voor</a:t>
-            </a:r>
-            <a:r>
-              <a:rPr lang="en-GB" dirty="0" smtClean="0"/>
-              <a:t> </a:t>
+              <a:t>(</a:t>
             </a:r>
             <a:r>
               <a:rPr lang="en-GB" dirty="0" err="1" smtClean="0"/>
               <a:t>vertalingen</a:t>
+            </a:r>
+            <a:r>
+              <a:rPr lang="en-GB" dirty="0"/>
+              <a:t>)</a:t>
             </a:r>
             <a:endParaRPr lang="en-GB" dirty="0"/>
           </a:p>
@@ -8581,6 +8631,13 @@
   <p:clrMapOvr>
     <a:masterClrMapping/>
   </p:clrMapOvr>
+  <p:timing>
+    <p:tnLst>
+      <p:par>
+        <p:cTn id="1" dur="indefinite" restart="never" nodeType="tmRoot"/>
+      </p:par>
+    </p:tnLst>
+  </p:timing>
 </p:sld>
 </file>
 
@@ -8814,11 +8871,7 @@
           <a:bodyPr/>
           <a:lstStyle/>
           <a:p>
-            <a:r>
-              <a:rPr lang="nl-BE" dirty="0" smtClean="0"/>
-              <a:t>I-Talent-Platform</a:t>
-            </a:r>
-            <a:endParaRPr lang="nl-BE" dirty="0"/>
+            <a:endParaRPr lang="nl-BE"/>
           </a:p>
         </p:txBody>
       </p:sp>
@@ -8832,30 +8885,12 @@
             <p:ph idx="1"/>
           </p:nvPr>
         </p:nvSpPr>
-        <p:spPr>
-          <a:xfrm>
-            <a:off x="4251367" y="1417638"/>
-            <a:ext cx="5522026" cy="525482"/>
-          </a:xfrm>
-        </p:spPr>
+        <p:spPr/>
         <p:txBody>
           <a:bodyPr/>
           <a:lstStyle/>
           <a:p>
-            <a:pPr marL="0" lvl="0" indent="0">
-              <a:buNone/>
-            </a:pPr>
-            <a:r>
-              <a:rPr lang="en-US" b="1" dirty="0" smtClean="0"/>
-              <a:t>First results:</a:t>
-            </a:r>
-            <a:endParaRPr lang="en-US" b="1" dirty="0"/>
-          </a:p>
-          <a:p>
-            <a:pPr marL="0" indent="0">
-              <a:buNone/>
-            </a:pPr>
-            <a:endParaRPr lang="nl-BE" dirty="0"/>
+            <a:endParaRPr lang="nl-BE"/>
           </a:p>
         </p:txBody>
       </p:sp>
@@ -8890,28 +8925,22 @@
       </p:sp>
       <p:pic>
         <p:nvPicPr>
-          <p:cNvPr id="5" name="Afbeelding 4"/>
+          <p:cNvPr id="5" name="Picture 4"/>
           <p:cNvPicPr>
             <a:picLocks noChangeAspect="1"/>
           </p:cNvPicPr>
           <p:nvPr/>
         </p:nvPicPr>
         <p:blipFill>
-          <a:blip r:embed="rId2">
-            <a:extLst>
-              <a:ext uri="{28A0092B-C50C-407E-A947-70E740481C1C}">
-                <a14:useLocalDpi xmlns:a14="http://schemas.microsoft.com/office/drawing/2010/main" val="0"/>
-              </a:ext>
-            </a:extLst>
-          </a:blip>
+          <a:blip r:embed="rId2"/>
           <a:stretch>
             <a:fillRect/>
           </a:stretch>
         </p:blipFill>
         <p:spPr>
           <a:xfrm>
-            <a:off x="2224645" y="2010935"/>
-            <a:ext cx="9140042" cy="4460165"/>
+            <a:off x="3870834" y="274638"/>
+            <a:ext cx="4289673" cy="6349042"/>
           </a:xfrm>
           <a:prstGeom prst="rect">
             <a:avLst/>
@@ -8921,20 +8950,13 @@
     </p:spTree>
     <p:extLst>
       <p:ext uri="{BB962C8B-B14F-4D97-AF65-F5344CB8AC3E}">
-        <p14:creationId xmlns:p14="http://schemas.microsoft.com/office/powerpoint/2010/main" val="895059922"/>
+        <p14:creationId xmlns:p14="http://schemas.microsoft.com/office/powerpoint/2010/main" val="767728187"/>
       </p:ext>
     </p:extLst>
   </p:cSld>
   <p:clrMapOvr>
     <a:masterClrMapping/>
   </p:clrMapOvr>
-  <p:timing>
-    <p:tnLst>
-      <p:par>
-        <p:cTn id="1" dur="indefinite" restart="never" nodeType="tmRoot"/>
-      </p:par>
-    </p:tnLst>
-  </p:timing>
 </p:sld>
 </file>
 
@@ -8965,55 +8987,20 @@
             <p:ph type="title"/>
           </p:nvPr>
         </p:nvSpPr>
-        <p:spPr/>
+        <p:spPr>
+          <a:xfrm>
+            <a:off x="674146" y="2286318"/>
+            <a:ext cx="10972800" cy="1143000"/>
+          </a:xfrm>
+        </p:spPr>
         <p:txBody>
           <a:bodyPr/>
           <a:lstStyle/>
           <a:p>
             <a:r>
-              <a:rPr lang="en-US" dirty="0" smtClean="0"/>
-              <a:t>Reflection</a:t>
-            </a:r>
-            <a:endParaRPr lang="nl-BE" dirty="0"/>
-          </a:p>
-        </p:txBody>
-      </p:sp>
-      <p:sp>
-        <p:nvSpPr>
-          <p:cNvPr id="3" name="Content Placeholder 2"/>
-          <p:cNvSpPr>
-            <a:spLocks noGrp="1"/>
-          </p:cNvSpPr>
-          <p:nvPr>
-            <p:ph idx="1"/>
-          </p:nvPr>
-        </p:nvSpPr>
-        <p:spPr/>
-        <p:txBody>
-          <a:bodyPr/>
-          <a:lstStyle/>
-          <a:p>
-            <a:r>
-              <a:rPr lang="en-US" dirty="0" smtClean="0"/>
-              <a:t>Requirements are a starting point</a:t>
-            </a:r>
-          </a:p>
-          <a:p>
-            <a:r>
-              <a:rPr lang="en-US" dirty="0"/>
-              <a:t>Planning	: Agile</a:t>
-            </a:r>
-          </a:p>
-          <a:p>
-            <a:pPr marL="0" indent="0">
-              <a:buNone/>
-            </a:pPr>
-            <a:endParaRPr lang="en-US" dirty="0" smtClean="0"/>
-          </a:p>
-          <a:p>
-            <a:pPr marL="0" indent="0">
-              <a:buNone/>
-            </a:pPr>
+              <a:rPr lang="nl-BE" dirty="0" smtClean="0"/>
+              <a:t>Vragen?</a:t>
+            </a:r>
             <a:endParaRPr lang="nl-BE" dirty="0"/>
           </a:p>
         </p:txBody>
@@ -9047,877 +9034,10 @@
           </a:p>
         </p:txBody>
       </p:sp>
-      <p:pic>
-        <p:nvPicPr>
-          <p:cNvPr id="1026" name="Picture 2" descr="Afbeeldingsresultaat voor scrum iteration"/>
-          <p:cNvPicPr>
-            <a:picLocks noChangeAspect="1" noChangeArrowheads="1"/>
-          </p:cNvPicPr>
-          <p:nvPr/>
-        </p:nvPicPr>
-        <p:blipFill>
-          <a:blip r:embed="rId2">
-            <a:extLst>
-              <a:ext uri="{28A0092B-C50C-407E-A947-70E740481C1C}">
-                <a14:useLocalDpi xmlns:a14="http://schemas.microsoft.com/office/drawing/2010/main" val="0"/>
-              </a:ext>
-            </a:extLst>
-          </a:blip>
-          <a:srcRect/>
-          <a:stretch>
-            <a:fillRect/>
-          </a:stretch>
-        </p:blipFill>
-        <p:spPr bwMode="auto">
-          <a:xfrm>
-            <a:off x="6383379" y="3170415"/>
-            <a:ext cx="5689171" cy="3185936"/>
-          </a:xfrm>
-          <a:prstGeom prst="rect">
-            <a:avLst/>
-          </a:prstGeom>
-          <a:noFill/>
-          <a:extLst>
-            <a:ext uri="{909E8E84-426E-40DD-AFC4-6F175D3DCCD1}">
-              <a14:hiddenFill xmlns:a14="http://schemas.microsoft.com/office/drawing/2010/main">
-                <a:solidFill>
-                  <a:srgbClr val="FFFFFF"/>
-                </a:solidFill>
-              </a14:hiddenFill>
-            </a:ext>
-          </a:extLst>
-        </p:spPr>
-      </p:pic>
     </p:spTree>
     <p:extLst>
       <p:ext uri="{BB962C8B-B14F-4D97-AF65-F5344CB8AC3E}">
-        <p14:creationId xmlns:p14="http://schemas.microsoft.com/office/powerpoint/2010/main" val="2892671205"/>
-      </p:ext>
-    </p:extLst>
-  </p:cSld>
-  <p:clrMapOvr>
-    <a:masterClrMapping/>
-  </p:clrMapOvr>
-  <p:timing>
-    <p:tnLst>
-      <p:par>
-        <p:cTn id="1" dur="indefinite" restart="never" nodeType="tmRoot"/>
-      </p:par>
-    </p:tnLst>
-  </p:timing>
-</p:sld>
-</file>
-
-<file path=ppt/slides/slide25.xml><?xml version="1.0" encoding="utf-8"?>
-<p:sld xmlns:a="http://schemas.openxmlformats.org/drawingml/2006/main" xmlns:r="http://schemas.openxmlformats.org/officeDocument/2006/relationships" xmlns:p="http://schemas.openxmlformats.org/presentationml/2006/main">
-  <p:cSld>
-    <p:spTree>
-      <p:nvGrpSpPr>
-        <p:cNvPr id="1" name=""/>
-        <p:cNvGrpSpPr/>
-        <p:nvPr/>
-      </p:nvGrpSpPr>
-      <p:grpSpPr>
-        <a:xfrm>
-          <a:off x="0" y="0"/>
-          <a:ext cx="0" cy="0"/>
-          <a:chOff x="0" y="0"/>
-          <a:chExt cx="0" cy="0"/>
-        </a:xfrm>
-      </p:grpSpPr>
-      <p:sp>
-        <p:nvSpPr>
-          <p:cNvPr id="2" name="Title 1"/>
-          <p:cNvSpPr>
-            <a:spLocks noGrp="1"/>
-          </p:cNvSpPr>
-          <p:nvPr>
-            <p:ph type="title"/>
-          </p:nvPr>
-        </p:nvSpPr>
-        <p:spPr/>
-        <p:txBody>
-          <a:bodyPr/>
-          <a:lstStyle/>
-          <a:p>
-            <a:r>
-              <a:rPr lang="en-US" dirty="0" smtClean="0"/>
-              <a:t>Reflection</a:t>
-            </a:r>
-            <a:endParaRPr lang="nl-BE" dirty="0"/>
-          </a:p>
-        </p:txBody>
-      </p:sp>
-      <p:sp>
-        <p:nvSpPr>
-          <p:cNvPr id="3" name="Content Placeholder 2"/>
-          <p:cNvSpPr>
-            <a:spLocks noGrp="1"/>
-          </p:cNvSpPr>
-          <p:nvPr>
-            <p:ph idx="1"/>
-          </p:nvPr>
-        </p:nvSpPr>
-        <p:spPr/>
-        <p:txBody>
-          <a:bodyPr/>
-          <a:lstStyle/>
-          <a:p>
-            <a:r>
-              <a:rPr lang="en-US" dirty="0" smtClean="0"/>
-              <a:t>Meetings: keep it short !</a:t>
-            </a:r>
-          </a:p>
-        </p:txBody>
-      </p:sp>
-      <p:sp>
-        <p:nvSpPr>
-          <p:cNvPr id="4" name="Slide Number Placeholder 3"/>
-          <p:cNvSpPr>
-            <a:spLocks noGrp="1"/>
-          </p:cNvSpPr>
-          <p:nvPr>
-            <p:ph type="sldNum" sz="quarter" idx="12"/>
-          </p:nvPr>
-        </p:nvSpPr>
-        <p:spPr/>
-        <p:txBody>
-          <a:bodyPr/>
-          <a:lstStyle/>
-          <a:p>
-            <a:pPr>
-              <a:defRPr/>
-            </a:pPr>
-            <a:fld id="{BC2BCED3-7F4A-40F1-85DA-02B4B5A68187}" type="slidenum">
-              <a:rPr lang="nl-NL" smtClean="0"/>
-              <a:pPr>
-                <a:defRPr/>
-              </a:pPr>
-              <a:t>25</a:t>
-            </a:fld>
-            <a:endParaRPr lang="nl-NL"/>
-          </a:p>
-        </p:txBody>
-      </p:sp>
-      <p:pic>
-        <p:nvPicPr>
-          <p:cNvPr id="3074" name="Picture 2" descr="http://www.testingexcellence.com/wp-content/uploads/2015/03/scrum-daily-standup.jpg"/>
-          <p:cNvPicPr>
-            <a:picLocks noChangeAspect="1" noChangeArrowheads="1"/>
-          </p:cNvPicPr>
-          <p:nvPr/>
-        </p:nvPicPr>
-        <p:blipFill>
-          <a:blip r:embed="rId2">
-            <a:extLst>
-              <a:ext uri="{28A0092B-C50C-407E-A947-70E740481C1C}">
-                <a14:useLocalDpi xmlns:a14="http://schemas.microsoft.com/office/drawing/2010/main" val="0"/>
-              </a:ext>
-            </a:extLst>
-          </a:blip>
-          <a:srcRect/>
-          <a:stretch>
-            <a:fillRect/>
-          </a:stretch>
-        </p:blipFill>
-        <p:spPr bwMode="auto">
-          <a:xfrm>
-            <a:off x="4740403" y="2374681"/>
-            <a:ext cx="6096944" cy="4072759"/>
-          </a:xfrm>
-          <a:prstGeom prst="rect">
-            <a:avLst/>
-          </a:prstGeom>
-          <a:noFill/>
-          <a:extLst>
-            <a:ext uri="{909E8E84-426E-40DD-AFC4-6F175D3DCCD1}">
-              <a14:hiddenFill xmlns:a14="http://schemas.microsoft.com/office/drawing/2010/main">
-                <a:solidFill>
-                  <a:srgbClr val="FFFFFF"/>
-                </a:solidFill>
-              </a14:hiddenFill>
-            </a:ext>
-          </a:extLst>
-        </p:spPr>
-      </p:pic>
-    </p:spTree>
-    <p:extLst>
-      <p:ext uri="{BB962C8B-B14F-4D97-AF65-F5344CB8AC3E}">
-        <p14:creationId xmlns:p14="http://schemas.microsoft.com/office/powerpoint/2010/main" val="2035232958"/>
-      </p:ext>
-    </p:extLst>
-  </p:cSld>
-  <p:clrMapOvr>
-    <a:masterClrMapping/>
-  </p:clrMapOvr>
-  <p:timing>
-    <p:tnLst>
-      <p:par>
-        <p:cTn id="1" dur="indefinite" restart="never" nodeType="tmRoot"/>
-      </p:par>
-    </p:tnLst>
-  </p:timing>
-</p:sld>
-</file>
-
-<file path=ppt/slides/slide26.xml><?xml version="1.0" encoding="utf-8"?>
-<p:sld xmlns:a="http://schemas.openxmlformats.org/drawingml/2006/main" xmlns:r="http://schemas.openxmlformats.org/officeDocument/2006/relationships" xmlns:p="http://schemas.openxmlformats.org/presentationml/2006/main">
-  <p:cSld>
-    <p:spTree>
-      <p:nvGrpSpPr>
-        <p:cNvPr id="1" name=""/>
-        <p:cNvGrpSpPr/>
-        <p:nvPr/>
-      </p:nvGrpSpPr>
-      <p:grpSpPr>
-        <a:xfrm>
-          <a:off x="0" y="0"/>
-          <a:ext cx="0" cy="0"/>
-          <a:chOff x="0" y="0"/>
-          <a:chExt cx="0" cy="0"/>
-        </a:xfrm>
-      </p:grpSpPr>
-      <p:sp>
-        <p:nvSpPr>
-          <p:cNvPr id="2" name="Title 1"/>
-          <p:cNvSpPr>
-            <a:spLocks noGrp="1"/>
-          </p:cNvSpPr>
-          <p:nvPr>
-            <p:ph type="title"/>
-          </p:nvPr>
-        </p:nvSpPr>
-        <p:spPr/>
-        <p:txBody>
-          <a:bodyPr/>
-          <a:lstStyle/>
-          <a:p>
-            <a:endParaRPr lang="nl-BE" dirty="0"/>
-          </a:p>
-        </p:txBody>
-      </p:sp>
-      <p:sp>
-        <p:nvSpPr>
-          <p:cNvPr id="3" name="Content Placeholder 2"/>
-          <p:cNvSpPr>
-            <a:spLocks noGrp="1"/>
-          </p:cNvSpPr>
-          <p:nvPr>
-            <p:ph idx="1"/>
-          </p:nvPr>
-        </p:nvSpPr>
-        <p:spPr/>
-        <p:txBody>
-          <a:bodyPr/>
-          <a:lstStyle/>
-          <a:p>
-            <a:r>
-              <a:rPr lang="en-US" dirty="0" smtClean="0"/>
-              <a:t>Communication</a:t>
-            </a:r>
-            <a:endParaRPr lang="nl-BE" dirty="0"/>
-          </a:p>
-        </p:txBody>
-      </p:sp>
-      <p:sp>
-        <p:nvSpPr>
-          <p:cNvPr id="4" name="Slide Number Placeholder 3"/>
-          <p:cNvSpPr>
-            <a:spLocks noGrp="1"/>
-          </p:cNvSpPr>
-          <p:nvPr>
-            <p:ph type="sldNum" sz="quarter" idx="12"/>
-          </p:nvPr>
-        </p:nvSpPr>
-        <p:spPr/>
-        <p:txBody>
-          <a:bodyPr/>
-          <a:lstStyle/>
-          <a:p>
-            <a:pPr>
-              <a:defRPr/>
-            </a:pPr>
-            <a:fld id="{BC2BCED3-7F4A-40F1-85DA-02B4B5A68187}" type="slidenum">
-              <a:rPr lang="nl-NL" smtClean="0"/>
-              <a:pPr>
-                <a:defRPr/>
-              </a:pPr>
-              <a:t>26</a:t>
-            </a:fld>
-            <a:endParaRPr lang="nl-NL"/>
-          </a:p>
-        </p:txBody>
-      </p:sp>
-      <p:pic>
-        <p:nvPicPr>
-          <p:cNvPr id="5" name="Picture 4" descr="http://agilemodeling.com/images/communicationModes.gif"/>
-          <p:cNvPicPr/>
-          <p:nvPr/>
-        </p:nvPicPr>
-        <p:blipFill>
-          <a:blip r:embed="rId2">
-            <a:extLst>
-              <a:ext uri="{28A0092B-C50C-407E-A947-70E740481C1C}">
-                <a14:useLocalDpi xmlns:a14="http://schemas.microsoft.com/office/drawing/2010/main" val="0"/>
-              </a:ext>
-            </a:extLst>
-          </a:blip>
-          <a:srcRect/>
-          <a:stretch>
-            <a:fillRect/>
-          </a:stretch>
-        </p:blipFill>
-        <p:spPr bwMode="auto">
-          <a:xfrm>
-            <a:off x="3781169" y="1112108"/>
-            <a:ext cx="6870356" cy="5129149"/>
-          </a:xfrm>
-          <a:prstGeom prst="rect">
-            <a:avLst/>
-          </a:prstGeom>
-          <a:noFill/>
-          <a:ln>
-            <a:noFill/>
-          </a:ln>
-        </p:spPr>
-      </p:pic>
-    </p:spTree>
-    <p:extLst>
-      <p:ext uri="{BB962C8B-B14F-4D97-AF65-F5344CB8AC3E}">
-        <p14:creationId xmlns:p14="http://schemas.microsoft.com/office/powerpoint/2010/main" val="3608307393"/>
-      </p:ext>
-    </p:extLst>
-  </p:cSld>
-  <p:clrMapOvr>
-    <a:masterClrMapping/>
-  </p:clrMapOvr>
-  <p:timing>
-    <p:tnLst>
-      <p:par>
-        <p:cTn id="1" dur="indefinite" restart="never" nodeType="tmRoot"/>
-      </p:par>
-    </p:tnLst>
-  </p:timing>
-</p:sld>
-</file>
-
-<file path=ppt/slides/slide27.xml><?xml version="1.0" encoding="utf-8"?>
-<p:sld xmlns:a="http://schemas.openxmlformats.org/drawingml/2006/main" xmlns:r="http://schemas.openxmlformats.org/officeDocument/2006/relationships" xmlns:p="http://schemas.openxmlformats.org/presentationml/2006/main">
-  <p:cSld>
-    <p:spTree>
-      <p:nvGrpSpPr>
-        <p:cNvPr id="1" name=""/>
-        <p:cNvGrpSpPr/>
-        <p:nvPr/>
-      </p:nvGrpSpPr>
-      <p:grpSpPr>
-        <a:xfrm>
-          <a:off x="0" y="0"/>
-          <a:ext cx="0" cy="0"/>
-          <a:chOff x="0" y="0"/>
-          <a:chExt cx="0" cy="0"/>
-        </a:xfrm>
-      </p:grpSpPr>
-      <p:sp>
-        <p:nvSpPr>
-          <p:cNvPr id="2" name="Title 1"/>
-          <p:cNvSpPr>
-            <a:spLocks noGrp="1"/>
-          </p:cNvSpPr>
-          <p:nvPr>
-            <p:ph type="title"/>
-          </p:nvPr>
-        </p:nvSpPr>
-        <p:spPr/>
-        <p:txBody>
-          <a:bodyPr/>
-          <a:lstStyle/>
-          <a:p>
-            <a:endParaRPr lang="nl-BE" dirty="0"/>
-          </a:p>
-        </p:txBody>
-      </p:sp>
-      <p:sp>
-        <p:nvSpPr>
-          <p:cNvPr id="3" name="Content Placeholder 2"/>
-          <p:cNvSpPr>
-            <a:spLocks noGrp="1"/>
-          </p:cNvSpPr>
-          <p:nvPr>
-            <p:ph idx="1"/>
-          </p:nvPr>
-        </p:nvSpPr>
-        <p:spPr/>
-        <p:txBody>
-          <a:bodyPr/>
-          <a:lstStyle/>
-          <a:p>
-            <a:r>
-              <a:rPr lang="en-US" dirty="0" smtClean="0"/>
-              <a:t>Tooling</a:t>
-            </a:r>
-            <a:endParaRPr lang="nl-BE" dirty="0"/>
-          </a:p>
-        </p:txBody>
-      </p:sp>
-      <p:sp>
-        <p:nvSpPr>
-          <p:cNvPr id="4" name="Slide Number Placeholder 3"/>
-          <p:cNvSpPr>
-            <a:spLocks noGrp="1"/>
-          </p:cNvSpPr>
-          <p:nvPr>
-            <p:ph type="sldNum" sz="quarter" idx="12"/>
-          </p:nvPr>
-        </p:nvSpPr>
-        <p:spPr/>
-        <p:txBody>
-          <a:bodyPr/>
-          <a:lstStyle/>
-          <a:p>
-            <a:pPr>
-              <a:defRPr/>
-            </a:pPr>
-            <a:fld id="{BC2BCED3-7F4A-40F1-85DA-02B4B5A68187}" type="slidenum">
-              <a:rPr lang="nl-NL" smtClean="0"/>
-              <a:pPr>
-                <a:defRPr/>
-              </a:pPr>
-              <a:t>27</a:t>
-            </a:fld>
-            <a:endParaRPr lang="nl-NL"/>
-          </a:p>
-        </p:txBody>
-      </p:sp>
-      <p:pic>
-        <p:nvPicPr>
-          <p:cNvPr id="2052" name="Picture 4" descr="http://www.ljplus.ru/img4/a/s/asolntsev/eclipse_vs_idea_eng.png"/>
-          <p:cNvPicPr>
-            <a:picLocks noChangeAspect="1" noChangeArrowheads="1"/>
-          </p:cNvPicPr>
-          <p:nvPr/>
-        </p:nvPicPr>
-        <p:blipFill>
-          <a:blip r:embed="rId2">
-            <a:extLst>
-              <a:ext uri="{28A0092B-C50C-407E-A947-70E740481C1C}">
-                <a14:useLocalDpi xmlns:a14="http://schemas.microsoft.com/office/drawing/2010/main" val="0"/>
-              </a:ext>
-            </a:extLst>
-          </a:blip>
-          <a:srcRect/>
-          <a:stretch>
-            <a:fillRect/>
-          </a:stretch>
-        </p:blipFill>
-        <p:spPr bwMode="auto">
-          <a:xfrm>
-            <a:off x="513922" y="2667001"/>
-            <a:ext cx="5281398" cy="1422842"/>
-          </a:xfrm>
-          <a:prstGeom prst="rect">
-            <a:avLst/>
-          </a:prstGeom>
-          <a:noFill/>
-          <a:extLst>
-            <a:ext uri="{909E8E84-426E-40DD-AFC4-6F175D3DCCD1}">
-              <a14:hiddenFill xmlns:a14="http://schemas.microsoft.com/office/drawing/2010/main">
-                <a:solidFill>
-                  <a:srgbClr val="FFFFFF"/>
-                </a:solidFill>
-              </a14:hiddenFill>
-            </a:ext>
-          </a:extLst>
-        </p:spPr>
-      </p:pic>
-      <p:sp>
-        <p:nvSpPr>
-          <p:cNvPr id="7" name="AutoShape 6" descr="Afbeeldingsresultaat voor learning curve"/>
-          <p:cNvSpPr>
-            <a:spLocks noChangeAspect="1" noChangeArrowheads="1"/>
-          </p:cNvSpPr>
-          <p:nvPr/>
-        </p:nvSpPr>
-        <p:spPr bwMode="auto">
-          <a:xfrm>
-            <a:off x="155575" y="-144463"/>
-            <a:ext cx="304800" cy="304801"/>
-          </a:xfrm>
-          <a:prstGeom prst="rect">
-            <a:avLst/>
-          </a:prstGeom>
-          <a:noFill/>
-          <a:extLst>
-            <a:ext uri="{909E8E84-426E-40DD-AFC4-6F175D3DCCD1}">
-              <a14:hiddenFill xmlns:a14="http://schemas.microsoft.com/office/drawing/2010/main">
-                <a:solidFill>
-                  <a:srgbClr val="FFFFFF"/>
-                </a:solidFill>
-              </a14:hiddenFill>
-            </a:ext>
-          </a:extLst>
-        </p:spPr>
-        <p:txBody>
-          <a:bodyPr vert="horz" wrap="square" lIns="91440" tIns="45720" rIns="91440" bIns="45720" numCol="1" anchor="t" anchorCtr="0" compatLnSpc="1">
-            <a:prstTxWarp prst="textNoShape">
-              <a:avLst/>
-            </a:prstTxWarp>
-          </a:bodyPr>
-          <a:lstStyle/>
-          <a:p>
-            <a:endParaRPr lang="nl-BE"/>
-          </a:p>
-        </p:txBody>
-      </p:sp>
-      <p:pic>
-        <p:nvPicPr>
-          <p:cNvPr id="1032" name="Picture 8" descr="https://upload.wikimedia.org/wikipedia/commons/f/f2/Alanf777_Lcd_fig07.png"/>
-          <p:cNvPicPr>
-            <a:picLocks noChangeAspect="1" noChangeArrowheads="1"/>
-          </p:cNvPicPr>
-          <p:nvPr/>
-        </p:nvPicPr>
-        <p:blipFill>
-          <a:blip r:embed="rId3">
-            <a:extLst>
-              <a:ext uri="{28A0092B-C50C-407E-A947-70E740481C1C}">
-                <a14:useLocalDpi xmlns:a14="http://schemas.microsoft.com/office/drawing/2010/main" val="0"/>
-              </a:ext>
-            </a:extLst>
-          </a:blip>
-          <a:srcRect/>
-          <a:stretch>
-            <a:fillRect/>
-          </a:stretch>
-        </p:blipFill>
-        <p:spPr bwMode="auto">
-          <a:xfrm>
-            <a:off x="6410987" y="1890585"/>
-            <a:ext cx="5781013" cy="3854008"/>
-          </a:xfrm>
-          <a:prstGeom prst="rect">
-            <a:avLst/>
-          </a:prstGeom>
-          <a:noFill/>
-          <a:extLst>
-            <a:ext uri="{909E8E84-426E-40DD-AFC4-6F175D3DCCD1}">
-              <a14:hiddenFill xmlns:a14="http://schemas.microsoft.com/office/drawing/2010/main">
-                <a:solidFill>
-                  <a:srgbClr val="FFFFFF"/>
-                </a:solidFill>
-              </a14:hiddenFill>
-            </a:ext>
-          </a:extLst>
-        </p:spPr>
-      </p:pic>
-    </p:spTree>
-    <p:extLst>
-      <p:ext uri="{BB962C8B-B14F-4D97-AF65-F5344CB8AC3E}">
-        <p14:creationId xmlns:p14="http://schemas.microsoft.com/office/powerpoint/2010/main" val="3463631824"/>
-      </p:ext>
-    </p:extLst>
-  </p:cSld>
-  <p:clrMapOvr>
-    <a:masterClrMapping/>
-  </p:clrMapOvr>
-  <p:timing>
-    <p:tnLst>
-      <p:par>
-        <p:cTn id="1" dur="indefinite" restart="never" nodeType="tmRoot"/>
-      </p:par>
-    </p:tnLst>
-  </p:timing>
-</p:sld>
-</file>
-
-<file path=ppt/slides/slide28.xml><?xml version="1.0" encoding="utf-8"?>
-<p:sld xmlns:a="http://schemas.openxmlformats.org/drawingml/2006/main" xmlns:r="http://schemas.openxmlformats.org/officeDocument/2006/relationships" xmlns:p="http://schemas.openxmlformats.org/presentationml/2006/main">
-  <p:cSld>
-    <p:spTree>
-      <p:nvGrpSpPr>
-        <p:cNvPr id="1" name=""/>
-        <p:cNvGrpSpPr/>
-        <p:nvPr/>
-      </p:nvGrpSpPr>
-      <p:grpSpPr>
-        <a:xfrm>
-          <a:off x="0" y="0"/>
-          <a:ext cx="0" cy="0"/>
-          <a:chOff x="0" y="0"/>
-          <a:chExt cx="0" cy="0"/>
-        </a:xfrm>
-      </p:grpSpPr>
-      <p:sp>
-        <p:nvSpPr>
-          <p:cNvPr id="2" name="Title 1"/>
-          <p:cNvSpPr>
-            <a:spLocks noGrp="1"/>
-          </p:cNvSpPr>
-          <p:nvPr>
-            <p:ph type="title"/>
-          </p:nvPr>
-        </p:nvSpPr>
-        <p:spPr/>
-        <p:txBody>
-          <a:bodyPr/>
-          <a:lstStyle/>
-          <a:p>
-            <a:r>
-              <a:rPr lang="en-US" dirty="0" smtClean="0"/>
-              <a:t>We </a:t>
-            </a:r>
-            <a:r>
-              <a:rPr lang="en-US" dirty="0"/>
-              <a:t>would </a:t>
-            </a:r>
-            <a:r>
-              <a:rPr lang="en-US" dirty="0" smtClean="0"/>
-              <a:t>keep</a:t>
-            </a:r>
-            <a:endParaRPr lang="nl-BE" dirty="0"/>
-          </a:p>
-        </p:txBody>
-      </p:sp>
-      <p:sp>
-        <p:nvSpPr>
-          <p:cNvPr id="3" name="Content Placeholder 2"/>
-          <p:cNvSpPr>
-            <a:spLocks noGrp="1"/>
-          </p:cNvSpPr>
-          <p:nvPr>
-            <p:ph idx="1"/>
-          </p:nvPr>
-        </p:nvSpPr>
-        <p:spPr>
-          <a:xfrm>
-            <a:off x="1957294" y="1858384"/>
-            <a:ext cx="7789134" cy="2681343"/>
-          </a:xfrm>
-        </p:spPr>
-        <p:txBody>
-          <a:bodyPr/>
-          <a:lstStyle/>
-          <a:p>
-            <a:r>
-              <a:rPr lang="en-US" dirty="0"/>
-              <a:t>Daily </a:t>
-            </a:r>
-            <a:r>
-              <a:rPr lang="en-US" dirty="0" smtClean="0"/>
-              <a:t>communication</a:t>
-            </a:r>
-          </a:p>
-          <a:p>
-            <a:r>
-              <a:rPr lang="en-US" dirty="0" smtClean="0"/>
-              <a:t>Open Source/Cross Platform technologies</a:t>
-            </a:r>
-          </a:p>
-          <a:p>
-            <a:r>
-              <a:rPr lang="en-US" dirty="0" smtClean="0"/>
-              <a:t>Build- </a:t>
-            </a:r>
-            <a:r>
-              <a:rPr lang="en-US" dirty="0"/>
-              <a:t>and </a:t>
-            </a:r>
-            <a:r>
-              <a:rPr lang="en-US" dirty="0" smtClean="0"/>
-              <a:t>deploy processes</a:t>
-            </a:r>
-          </a:p>
-          <a:p>
-            <a:r>
-              <a:rPr lang="en-US" dirty="0" smtClean="0"/>
-              <a:t>SCRUM / Planning tools</a:t>
-            </a:r>
-            <a:endParaRPr lang="nl-BE" dirty="0"/>
-          </a:p>
-        </p:txBody>
-      </p:sp>
-      <p:sp>
-        <p:nvSpPr>
-          <p:cNvPr id="4" name="Slide Number Placeholder 3"/>
-          <p:cNvSpPr>
-            <a:spLocks noGrp="1"/>
-          </p:cNvSpPr>
-          <p:nvPr>
-            <p:ph type="sldNum" sz="quarter" idx="12"/>
-          </p:nvPr>
-        </p:nvSpPr>
-        <p:spPr/>
-        <p:txBody>
-          <a:bodyPr/>
-          <a:lstStyle/>
-          <a:p>
-            <a:pPr>
-              <a:defRPr/>
-            </a:pPr>
-            <a:fld id="{BC2BCED3-7F4A-40F1-85DA-02B4B5A68187}" type="slidenum">
-              <a:rPr lang="nl-NL" smtClean="0"/>
-              <a:pPr>
-                <a:defRPr/>
-              </a:pPr>
-              <a:t>28</a:t>
-            </a:fld>
-            <a:endParaRPr lang="nl-NL"/>
-          </a:p>
-        </p:txBody>
-      </p:sp>
-    </p:spTree>
-    <p:extLst>
-      <p:ext uri="{BB962C8B-B14F-4D97-AF65-F5344CB8AC3E}">
-        <p14:creationId xmlns:p14="http://schemas.microsoft.com/office/powerpoint/2010/main" val="3775131166"/>
-      </p:ext>
-    </p:extLst>
-  </p:cSld>
-  <p:clrMapOvr>
-    <a:masterClrMapping/>
-  </p:clrMapOvr>
-  <p:timing>
-    <p:tnLst>
-      <p:par>
-        <p:cTn id="1" dur="indefinite" restart="never" nodeType="tmRoot"/>
-      </p:par>
-    </p:tnLst>
-  </p:timing>
-</p:sld>
-</file>
-
-<file path=ppt/slides/slide29.xml><?xml version="1.0" encoding="utf-8"?>
-<p:sld xmlns:a="http://schemas.openxmlformats.org/drawingml/2006/main" xmlns:r="http://schemas.openxmlformats.org/officeDocument/2006/relationships" xmlns:p="http://schemas.openxmlformats.org/presentationml/2006/main">
-  <p:cSld>
-    <p:spTree>
-      <p:nvGrpSpPr>
-        <p:cNvPr id="1" name=""/>
-        <p:cNvGrpSpPr/>
-        <p:nvPr/>
-      </p:nvGrpSpPr>
-      <p:grpSpPr>
-        <a:xfrm>
-          <a:off x="0" y="0"/>
-          <a:ext cx="0" cy="0"/>
-          <a:chOff x="0" y="0"/>
-          <a:chExt cx="0" cy="0"/>
-        </a:xfrm>
-      </p:grpSpPr>
-      <p:sp>
-        <p:nvSpPr>
-          <p:cNvPr id="2" name="Title 1"/>
-          <p:cNvSpPr>
-            <a:spLocks noGrp="1"/>
-          </p:cNvSpPr>
-          <p:nvPr>
-            <p:ph type="title"/>
-          </p:nvPr>
-        </p:nvSpPr>
-        <p:spPr/>
-        <p:txBody>
-          <a:bodyPr/>
-          <a:lstStyle/>
-          <a:p>
-            <a:r>
-              <a:rPr lang="en-US" dirty="0" smtClean="0"/>
-              <a:t>We </a:t>
-            </a:r>
-            <a:r>
-              <a:rPr lang="en-US" dirty="0"/>
-              <a:t>would </a:t>
-            </a:r>
-            <a:r>
-              <a:rPr lang="en-US" dirty="0" smtClean="0"/>
-              <a:t>change</a:t>
-            </a:r>
-            <a:endParaRPr lang="nl-BE" dirty="0"/>
-          </a:p>
-        </p:txBody>
-      </p:sp>
-      <p:sp>
-        <p:nvSpPr>
-          <p:cNvPr id="3" name="Content Placeholder 2"/>
-          <p:cNvSpPr>
-            <a:spLocks noGrp="1"/>
-          </p:cNvSpPr>
-          <p:nvPr>
-            <p:ph idx="1"/>
-          </p:nvPr>
-        </p:nvSpPr>
-        <p:spPr>
-          <a:xfrm>
-            <a:off x="2136588" y="2138083"/>
-            <a:ext cx="7717416" cy="2681343"/>
-          </a:xfrm>
-        </p:spPr>
-        <p:txBody>
-          <a:bodyPr/>
-          <a:lstStyle/>
-          <a:p>
-            <a:r>
-              <a:rPr lang="en-US" dirty="0"/>
-              <a:t>Getting </a:t>
-            </a:r>
-            <a:r>
-              <a:rPr lang="en-US" dirty="0" smtClean="0"/>
-              <a:t>requirements clear </a:t>
-            </a:r>
-          </a:p>
-          <a:p>
-            <a:r>
-              <a:rPr lang="en-US" dirty="0" smtClean="0"/>
-              <a:t>Don’t plan ahead too much</a:t>
-            </a:r>
-          </a:p>
-          <a:p>
-            <a:r>
-              <a:rPr lang="en-US" dirty="0" smtClean="0"/>
-              <a:t>Establish early on what </a:t>
-            </a:r>
-            <a:r>
-              <a:rPr lang="en-US" dirty="0"/>
-              <a:t>technology to </a:t>
-            </a:r>
-            <a:r>
-              <a:rPr lang="en-US" dirty="0" smtClean="0"/>
-              <a:t>use</a:t>
-            </a:r>
-            <a:endParaRPr lang="en-US" dirty="0"/>
-          </a:p>
-        </p:txBody>
-      </p:sp>
-      <p:sp>
-        <p:nvSpPr>
-          <p:cNvPr id="4" name="Slide Number Placeholder 3"/>
-          <p:cNvSpPr>
-            <a:spLocks noGrp="1"/>
-          </p:cNvSpPr>
-          <p:nvPr>
-            <p:ph type="sldNum" sz="quarter" idx="12"/>
-          </p:nvPr>
-        </p:nvSpPr>
-        <p:spPr/>
-        <p:txBody>
-          <a:bodyPr/>
-          <a:lstStyle/>
-          <a:p>
-            <a:pPr>
-              <a:defRPr/>
-            </a:pPr>
-            <a:fld id="{BC2BCED3-7F4A-40F1-85DA-02B4B5A68187}" type="slidenum">
-              <a:rPr lang="nl-NL" smtClean="0"/>
-              <a:pPr>
-                <a:defRPr/>
-              </a:pPr>
-              <a:t>29</a:t>
-            </a:fld>
-            <a:endParaRPr lang="nl-NL"/>
-          </a:p>
-        </p:txBody>
-      </p:sp>
-    </p:spTree>
-    <p:extLst>
-      <p:ext uri="{BB962C8B-B14F-4D97-AF65-F5344CB8AC3E}">
-        <p14:creationId xmlns:p14="http://schemas.microsoft.com/office/powerpoint/2010/main" val="4023351914"/>
+        <p14:creationId xmlns:p14="http://schemas.microsoft.com/office/powerpoint/2010/main" val="1838566243"/>
       </p:ext>
     </p:extLst>
   </p:cSld>
@@ -10065,224 +9185,6 @@
       </p:par>
     </p:tnLst>
   </p:timing>
-</p:sld>
-</file>
-
-<file path=ppt/slides/slide30.xml><?xml version="1.0" encoding="utf-8"?>
-<p:sld xmlns:a="http://schemas.openxmlformats.org/drawingml/2006/main" xmlns:r="http://schemas.openxmlformats.org/officeDocument/2006/relationships" xmlns:p="http://schemas.openxmlformats.org/presentationml/2006/main">
-  <p:cSld>
-    <p:spTree>
-      <p:nvGrpSpPr>
-        <p:cNvPr id="1" name=""/>
-        <p:cNvGrpSpPr/>
-        <p:nvPr/>
-      </p:nvGrpSpPr>
-      <p:grpSpPr>
-        <a:xfrm>
-          <a:off x="0" y="0"/>
-          <a:ext cx="0" cy="0"/>
-          <a:chOff x="0" y="0"/>
-          <a:chExt cx="0" cy="0"/>
-        </a:xfrm>
-      </p:grpSpPr>
-      <p:sp>
-        <p:nvSpPr>
-          <p:cNvPr id="2" name="Title 1"/>
-          <p:cNvSpPr>
-            <a:spLocks noGrp="1"/>
-          </p:cNvSpPr>
-          <p:nvPr>
-            <p:ph type="title"/>
-          </p:nvPr>
-        </p:nvSpPr>
-        <p:spPr/>
-        <p:txBody>
-          <a:bodyPr/>
-          <a:lstStyle/>
-          <a:p>
-            <a:r>
-              <a:rPr lang="en-US" dirty="0" smtClean="0"/>
-              <a:t>We could change</a:t>
-            </a:r>
-            <a:endParaRPr lang="nl-BE" dirty="0"/>
-          </a:p>
-        </p:txBody>
-      </p:sp>
-      <p:sp>
-        <p:nvSpPr>
-          <p:cNvPr id="3" name="Content Placeholder 2"/>
-          <p:cNvSpPr>
-            <a:spLocks noGrp="1"/>
-          </p:cNvSpPr>
-          <p:nvPr>
-            <p:ph idx="1"/>
-          </p:nvPr>
-        </p:nvSpPr>
-        <p:spPr>
-          <a:xfrm>
-            <a:off x="2315882" y="2138083"/>
-            <a:ext cx="7538122" cy="2681343"/>
-          </a:xfrm>
-        </p:spPr>
-        <p:txBody>
-          <a:bodyPr/>
-          <a:lstStyle/>
-          <a:p>
-            <a:r>
-              <a:rPr lang="en-US" dirty="0"/>
-              <a:t>More face-to-face </a:t>
-            </a:r>
-            <a:r>
-              <a:rPr lang="en-US" dirty="0" smtClean="0"/>
-              <a:t>meetings</a:t>
-            </a:r>
-          </a:p>
-          <a:p>
-            <a:r>
-              <a:rPr lang="en-US" dirty="0"/>
-              <a:t>Create less </a:t>
-            </a:r>
-            <a:r>
-              <a:rPr lang="en-US" dirty="0" smtClean="0"/>
-              <a:t>analysis / when needed</a:t>
-            </a:r>
-            <a:endParaRPr lang="nl-BE" dirty="0"/>
-          </a:p>
-        </p:txBody>
-      </p:sp>
-      <p:sp>
-        <p:nvSpPr>
-          <p:cNvPr id="4" name="Slide Number Placeholder 3"/>
-          <p:cNvSpPr>
-            <a:spLocks noGrp="1"/>
-          </p:cNvSpPr>
-          <p:nvPr>
-            <p:ph type="sldNum" sz="quarter" idx="12"/>
-          </p:nvPr>
-        </p:nvSpPr>
-        <p:spPr/>
-        <p:txBody>
-          <a:bodyPr/>
-          <a:lstStyle/>
-          <a:p>
-            <a:pPr>
-              <a:defRPr/>
-            </a:pPr>
-            <a:fld id="{BC2BCED3-7F4A-40F1-85DA-02B4B5A68187}" type="slidenum">
-              <a:rPr lang="nl-NL" smtClean="0"/>
-              <a:pPr>
-                <a:defRPr/>
-              </a:pPr>
-              <a:t>30</a:t>
-            </a:fld>
-            <a:endParaRPr lang="nl-NL"/>
-          </a:p>
-        </p:txBody>
-      </p:sp>
-    </p:spTree>
-    <p:extLst>
-      <p:ext uri="{BB962C8B-B14F-4D97-AF65-F5344CB8AC3E}">
-        <p14:creationId xmlns:p14="http://schemas.microsoft.com/office/powerpoint/2010/main" val="1017890965"/>
-      </p:ext>
-    </p:extLst>
-  </p:cSld>
-  <p:clrMapOvr>
-    <a:masterClrMapping/>
-  </p:clrMapOvr>
-  <p:timing>
-    <p:tnLst>
-      <p:par>
-        <p:cTn id="1" dur="indefinite" restart="never" nodeType="tmRoot"/>
-      </p:par>
-    </p:tnLst>
-  </p:timing>
-</p:sld>
-</file>
-
-<file path=ppt/slides/slide31.xml><?xml version="1.0" encoding="utf-8"?>
-<p:sld xmlns:a="http://schemas.openxmlformats.org/drawingml/2006/main" xmlns:r="http://schemas.openxmlformats.org/officeDocument/2006/relationships" xmlns:p="http://schemas.openxmlformats.org/presentationml/2006/main">
-  <p:cSld>
-    <p:spTree>
-      <p:nvGrpSpPr>
-        <p:cNvPr id="1" name=""/>
-        <p:cNvGrpSpPr/>
-        <p:nvPr/>
-      </p:nvGrpSpPr>
-      <p:grpSpPr>
-        <a:xfrm>
-          <a:off x="0" y="0"/>
-          <a:ext cx="0" cy="0"/>
-          <a:chOff x="0" y="0"/>
-          <a:chExt cx="0" cy="0"/>
-        </a:xfrm>
-      </p:grpSpPr>
-      <p:sp>
-        <p:nvSpPr>
-          <p:cNvPr id="2" name="Title 1"/>
-          <p:cNvSpPr>
-            <a:spLocks noGrp="1"/>
-          </p:cNvSpPr>
-          <p:nvPr>
-            <p:ph type="title"/>
-          </p:nvPr>
-        </p:nvSpPr>
-        <p:spPr>
-          <a:xfrm>
-            <a:off x="674146" y="2286318"/>
-            <a:ext cx="10972800" cy="1143000"/>
-          </a:xfrm>
-        </p:spPr>
-        <p:txBody>
-          <a:bodyPr/>
-          <a:lstStyle/>
-          <a:p>
-            <a:r>
-              <a:rPr lang="nl-BE" dirty="0" smtClean="0"/>
-              <a:t>Questions?</a:t>
-            </a:r>
-            <a:endParaRPr lang="nl-BE" dirty="0"/>
-          </a:p>
-        </p:txBody>
-      </p:sp>
-      <p:sp>
-        <p:nvSpPr>
-          <p:cNvPr id="4" name="Slide Number Placeholder 3"/>
-          <p:cNvSpPr>
-            <a:spLocks noGrp="1"/>
-          </p:cNvSpPr>
-          <p:nvPr>
-            <p:ph type="sldNum" sz="quarter" idx="12"/>
-          </p:nvPr>
-        </p:nvSpPr>
-        <p:spPr/>
-        <p:txBody>
-          <a:bodyPr/>
-          <a:lstStyle/>
-          <a:p>
-            <a:pPr>
-              <a:defRPr/>
-            </a:pPr>
-            <a:fld id="{BC2BCED3-7F4A-40F1-85DA-02B4B5A68187}" type="slidenum">
-              <a:rPr lang="nl-NL" smtClean="0"/>
-              <a:pPr>
-                <a:defRPr/>
-              </a:pPr>
-              <a:t>31</a:t>
-            </a:fld>
-            <a:endParaRPr lang="nl-NL"/>
-          </a:p>
-        </p:txBody>
-      </p:sp>
-    </p:spTree>
-    <p:extLst>
-      <p:ext uri="{BB962C8B-B14F-4D97-AF65-F5344CB8AC3E}">
-        <p14:creationId xmlns:p14="http://schemas.microsoft.com/office/powerpoint/2010/main" val="1838566243"/>
-      </p:ext>
-    </p:extLst>
-  </p:cSld>
-  <p:clrMapOvr>
-    <a:masterClrMapping/>
-  </p:clrMapOvr>
 </p:sld>
 </file>
 
@@ -10949,6 +9851,13 @@
   <p:clrMapOvr>
     <a:masterClrMapping/>
   </p:clrMapOvr>
+  <p:timing>
+    <p:tnLst>
+      <p:par>
+        <p:cTn id="1" dur="indefinite" restart="never" nodeType="tmRoot"/>
+      </p:par>
+    </p:tnLst>
+  </p:timing>
 </p:sld>
 </file>
 
@@ -11115,6 +10024,13 @@
   <p:clrMapOvr>
     <a:masterClrMapping/>
   </p:clrMapOvr>
+  <p:timing>
+    <p:tnLst>
+      <p:par>
+        <p:cTn id="1" dur="indefinite" restart="never" nodeType="tmRoot"/>
+      </p:par>
+    </p:tnLst>
+  </p:timing>
 </p:sld>
 </file>
 
@@ -11175,15 +10091,7 @@
           <a:p>
             <a:r>
               <a:rPr lang="en-US" dirty="0" smtClean="0"/>
-              <a:t>Eclipse </a:t>
-            </a:r>
-            <a:r>
-              <a:rPr lang="en-US" dirty="0" smtClean="0"/>
-              <a:t>+ RTC </a:t>
-            </a:r>
-            <a:r>
-              <a:rPr lang="en-US" dirty="0" smtClean="0"/>
-              <a:t>plugin</a:t>
+              <a:t>Eclipse + RTC plugin</a:t>
             </a:r>
           </a:p>
           <a:p>
@@ -11398,6 +10306,13 @@
   <p:clrMapOvr>
     <a:masterClrMapping/>
   </p:clrMapOvr>
+  <p:timing>
+    <p:tnLst>
+      <p:par>
+        <p:cTn id="1" dur="indefinite" restart="never" nodeType="tmRoot"/>
+      </p:par>
+    </p:tnLst>
+  </p:timing>
 </p:sld>
 </file>
 
